--- a/Http/Http_presentation.pptx
+++ b/Http/Http_presentation.pptx
@@ -6,6 +6,7 @@
   </p:sldMasterIdLst>
   <p:sldIdLst>
     <p:sldId id="256" r:id="rId2"/>
+    <p:sldId id="257" r:id="rId3"/>
   </p:sldIdLst>
   <p:sldSz cx="12192000" cy="6858000"/>
   <p:notesSz cx="6858000" cy="9144000"/>
@@ -104,6 +105,11 @@
       </a:defRPr>
     </a:lvl9pPr>
   </p:defaultTextStyle>
+  <p:extLst>
+    <p:ext uri="{EFAFB233-063F-42B5-8137-9DF3F51BA10A}">
+      <p15:sldGuideLst xmlns:p15="http://schemas.microsoft.com/office/powerpoint/2012/main"/>
+    </p:ext>
+  </p:extLst>
 </p:presentation>
 </file>
 
@@ -3337,12 +3343,28 @@
             <p:ph type="title"/>
           </p:nvPr>
         </p:nvSpPr>
-        <p:spPr/>
-        <p:txBody>
-          <a:bodyPr/>
-          <a:lstStyle/>
-          <a:p>
-            <a:endParaRPr lang="ru-RU"/>
+        <p:spPr>
+          <a:xfrm>
+            <a:off x="838200" y="0"/>
+            <a:ext cx="10515600" cy="1325563"/>
+          </a:xfrm>
+        </p:spPr>
+        <p:txBody>
+          <a:bodyPr>
+            <a:normAutofit/>
+          </a:bodyPr>
+          <a:lstStyle/>
+          <a:p>
+            <a:pPr algn="ctr"/>
+            <a:r>
+              <a:rPr lang="en-US" sz="5000">
+                <a:latin typeface="Sylfaen" panose="010A0502050306030303" pitchFamily="18" charset="0"/>
+              </a:rPr>
+              <a:t>What is HTTP</a:t>
+            </a:r>
+            <a:endParaRPr lang="ru-RU" sz="5000">
+              <a:latin typeface="Sylfaen" panose="010A0502050306030303" pitchFamily="18" charset="0"/>
+            </a:endParaRPr>
           </a:p>
         </p:txBody>
       </p:sp>
@@ -3362,62 +3384,268 @@
             <p:ph idx="1"/>
           </p:nvPr>
         </p:nvSpPr>
-        <p:spPr/>
-        <p:txBody>
-          <a:bodyPr/>
+        <p:spPr>
+          <a:xfrm>
+            <a:off x="838200" y="1430475"/>
+            <a:ext cx="8632371" cy="4351338"/>
+          </a:xfrm>
+        </p:spPr>
+        <p:txBody>
+          <a:bodyPr>
+            <a:normAutofit/>
+          </a:bodyPr>
           <a:lstStyle/>
           <a:p>
             <a:pPr marL="0" indent="0">
+              <a:lnSpc>
+                <a:spcPct val="200000"/>
+              </a:lnSpc>
               <a:buNone/>
             </a:pPr>
             <a:r>
-              <a:rPr lang="en-US" dirty="0"/>
-              <a:t>Hypertext transfer protocol</a:t>
-            </a:r>
-            <a:endParaRPr lang="hy-AM" dirty="0"/>
-          </a:p>
-          <a:p>
-            <a:pPr marL="0" indent="0">
-              <a:buNone/>
+              <a:rPr lang="en-US" sz="3200" dirty="0">
+                <a:latin typeface="Sylfaen" panose="010A0502050306030303" pitchFamily="18" charset="0"/>
+              </a:rPr>
+              <a:t>Hypertext </a:t>
+            </a:r>
+            <a:r>
+              <a:rPr lang="en-US" sz="3200">
+                <a:latin typeface="Sylfaen" panose="010A0502050306030303" pitchFamily="18" charset="0"/>
+              </a:rPr>
+              <a:t>transfer protocol</a:t>
+            </a:r>
+            <a:endParaRPr lang="hy-AM" sz="3200" dirty="0">
+              <a:latin typeface="Sylfaen" panose="010A0502050306030303" pitchFamily="18" charset="0"/>
+            </a:endParaRPr>
+          </a:p>
+          <a:p>
+            <a:pPr>
+              <a:lnSpc>
+                <a:spcPct val="200000"/>
+              </a:lnSpc>
             </a:pPr>
-            <a:endParaRPr lang="hy-AM" dirty="0"/>
-          </a:p>
-          <a:p>
-            <a:pPr marL="0" indent="0">
-              <a:buNone/>
+            <a:r>
+              <a:rPr lang="en-US" sz="3200" b="1" dirty="0">
+                <a:latin typeface="Sylfaen" panose="010A0502050306030303" pitchFamily="18" charset="0"/>
+              </a:rPr>
+              <a:t>HTTP is connectionless</a:t>
+            </a:r>
+            <a:endParaRPr lang="hy-AM" sz="3200" b="1" dirty="0">
+              <a:latin typeface="Sylfaen" panose="010A0502050306030303" pitchFamily="18" charset="0"/>
+            </a:endParaRPr>
+          </a:p>
+          <a:p>
+            <a:pPr>
+              <a:lnSpc>
+                <a:spcPct val="150000"/>
+              </a:lnSpc>
             </a:pPr>
             <a:r>
-              <a:rPr lang="en-US" b="1" dirty="0"/>
-              <a:t>HTTP is connectionless</a:t>
-            </a:r>
-            <a:endParaRPr lang="hy-AM" b="1" dirty="0"/>
-          </a:p>
-          <a:p>
-            <a:pPr marL="0" indent="0">
-              <a:buNone/>
+              <a:rPr lang="en-US" sz="3200" b="1" dirty="0">
+                <a:latin typeface="Sylfaen" panose="010A0502050306030303" pitchFamily="18" charset="0"/>
+              </a:rPr>
+              <a:t>HTTP is media independent</a:t>
+            </a:r>
+            <a:endParaRPr lang="hy-AM" sz="3200" b="1" dirty="0">
+              <a:latin typeface="Sylfaen" panose="010A0502050306030303" pitchFamily="18" charset="0"/>
+            </a:endParaRPr>
+          </a:p>
+          <a:p>
+            <a:pPr>
+              <a:lnSpc>
+                <a:spcPct val="150000"/>
+              </a:lnSpc>
             </a:pPr>
             <a:r>
-              <a:rPr lang="en-US" b="1" dirty="0"/>
-              <a:t>HTTP is media independent</a:t>
-            </a:r>
-            <a:endParaRPr lang="hy-AM" b="1" dirty="0"/>
-          </a:p>
-          <a:p>
-            <a:pPr marL="0" indent="0">
-              <a:buNone/>
-            </a:pPr>
-            <a:r>
-              <a:rPr lang="en-US" b="1" dirty="0"/>
+              <a:rPr lang="en-US" sz="3200" b="1" dirty="0">
+                <a:latin typeface="Sylfaen" panose="010A0502050306030303" pitchFamily="18" charset="0"/>
+              </a:rPr>
               <a:t>HTTP is stateless</a:t>
             </a:r>
-            <a:endParaRPr lang="ru-RU" dirty="0"/>
-          </a:p>
-        </p:txBody>
-      </p:sp>
+            <a:endParaRPr lang="ru-RU" sz="3200" dirty="0">
+              <a:latin typeface="Sylfaen" panose="010A0502050306030303" pitchFamily="18" charset="0"/>
+            </a:endParaRPr>
+          </a:p>
+        </p:txBody>
+      </p:sp>
+      <p:cxnSp>
+        <p:nvCxnSpPr>
+          <p:cNvPr id="4" name="Straight Connector 3">
+            <a:extLst>
+              <a:ext uri="{FF2B5EF4-FFF2-40B4-BE49-F238E27FC236}">
+                <a16:creationId xmlns:a16="http://schemas.microsoft.com/office/drawing/2014/main" id="{453C08CA-550C-4E7C-85A3-5973BC63A8D4}"/>
+              </a:ext>
+            </a:extLst>
+          </p:cNvPr>
+          <p:cNvCxnSpPr>
+            <a:cxnSpLocks/>
+          </p:cNvCxnSpPr>
+          <p:nvPr/>
+        </p:nvCxnSpPr>
+        <p:spPr>
+          <a:xfrm>
+            <a:off x="569235" y="1138985"/>
+            <a:ext cx="11053530" cy="0"/>
+          </a:xfrm>
+          <a:prstGeom prst="line">
+            <a:avLst/>
+          </a:prstGeom>
+        </p:spPr>
+        <p:style>
+          <a:lnRef idx="3">
+            <a:schemeClr val="accent1"/>
+          </a:lnRef>
+          <a:fillRef idx="0">
+            <a:schemeClr val="accent1"/>
+          </a:fillRef>
+          <a:effectRef idx="2">
+            <a:schemeClr val="accent1"/>
+          </a:effectRef>
+          <a:fontRef idx="minor">
+            <a:schemeClr val="tx1"/>
+          </a:fontRef>
+        </p:style>
+      </p:cxnSp>
     </p:spTree>
     <p:extLst>
       <p:ext uri="{BB962C8B-B14F-4D97-AF65-F5344CB8AC3E}">
         <p14:creationId xmlns:p14="http://schemas.microsoft.com/office/powerpoint/2010/main" val="745845446"/>
+      </p:ext>
+    </p:extLst>
+  </p:cSld>
+  <p:clrMapOvr>
+    <a:masterClrMapping/>
+  </p:clrMapOvr>
+</p:sld>
+</file>
+
+<file path=ppt/slides/slide2.xml><?xml version="1.0" encoding="utf-8"?>
+<p:sld xmlns:a="http://schemas.openxmlformats.org/drawingml/2006/main" xmlns:r="http://schemas.openxmlformats.org/officeDocument/2006/relationships" xmlns:p="http://schemas.openxmlformats.org/presentationml/2006/main">
+  <p:cSld>
+    <p:spTree>
+      <p:nvGrpSpPr>
+        <p:cNvPr id="1" name=""/>
+        <p:cNvGrpSpPr/>
+        <p:nvPr/>
+      </p:nvGrpSpPr>
+      <p:grpSpPr>
+        <a:xfrm>
+          <a:off x="0" y="0"/>
+          <a:ext cx="0" cy="0"/>
+          <a:chOff x="0" y="0"/>
+          <a:chExt cx="0" cy="0"/>
+        </a:xfrm>
+      </p:grpSpPr>
+      <p:sp>
+        <p:nvSpPr>
+          <p:cNvPr id="2" name="Title 1">
+            <a:extLst>
+              <a:ext uri="{FF2B5EF4-FFF2-40B4-BE49-F238E27FC236}">
+                <a16:creationId xmlns:a16="http://schemas.microsoft.com/office/drawing/2014/main" id="{3AB7C46E-6CD9-4F2B-8889-0FB5AC305B04}"/>
+              </a:ext>
+            </a:extLst>
+          </p:cNvPr>
+          <p:cNvSpPr>
+            <a:spLocks noGrp="1"/>
+          </p:cNvSpPr>
+          <p:nvPr>
+            <p:ph type="title"/>
+          </p:nvPr>
+        </p:nvSpPr>
+        <p:spPr/>
+        <p:txBody>
+          <a:bodyPr>
+            <a:normAutofit/>
+          </a:bodyPr>
+          <a:lstStyle/>
+          <a:p>
+            <a:r>
+              <a:rPr lang="en-US" altLang="en-US">
+                <a:latin typeface="Sylfaen" panose="010A0502050306030303" pitchFamily="18" charset="0"/>
+              </a:rPr>
+              <a:t>Interaction between client and server using HTTP</a:t>
+            </a:r>
+            <a:endParaRPr lang="en-US"/>
+          </a:p>
+        </p:txBody>
+      </p:sp>
+      <p:pic>
+        <p:nvPicPr>
+          <p:cNvPr id="5" name="Content Placeholder 4">
+            <a:extLst>
+              <a:ext uri="{FF2B5EF4-FFF2-40B4-BE49-F238E27FC236}">
+                <a16:creationId xmlns:a16="http://schemas.microsoft.com/office/drawing/2014/main" id="{85E328A6-E252-4956-A6BC-C76B4FA7E03E}"/>
+              </a:ext>
+            </a:extLst>
+          </p:cNvPr>
+          <p:cNvPicPr>
+            <a:picLocks noGrp="1" noChangeAspect="1"/>
+          </p:cNvPicPr>
+          <p:nvPr>
+            <p:ph idx="1"/>
+          </p:nvPr>
+        </p:nvPicPr>
+        <p:blipFill>
+          <a:blip r:embed="rId2">
+            <a:extLst>
+              <a:ext uri="{28A0092B-C50C-407E-A947-70E740481C1C}">
+                <a14:useLocalDpi xmlns:a14="http://schemas.microsoft.com/office/drawing/2010/main" val="0"/>
+              </a:ext>
+            </a:extLst>
+          </a:blip>
+          <a:stretch>
+            <a:fillRect/>
+          </a:stretch>
+        </p:blipFill>
+        <p:spPr>
+          <a:xfrm>
+            <a:off x="1080846" y="2966850"/>
+            <a:ext cx="10030308" cy="2665485"/>
+          </a:xfrm>
+        </p:spPr>
+      </p:pic>
+      <p:cxnSp>
+        <p:nvCxnSpPr>
+          <p:cNvPr id="4" name="Straight Connector 3">
+            <a:extLst>
+              <a:ext uri="{FF2B5EF4-FFF2-40B4-BE49-F238E27FC236}">
+                <a16:creationId xmlns:a16="http://schemas.microsoft.com/office/drawing/2014/main" id="{C1CC82A6-2DB7-45C9-8AD1-2F2E65F5C835}"/>
+              </a:ext>
+            </a:extLst>
+          </p:cNvPr>
+          <p:cNvCxnSpPr>
+            <a:cxnSpLocks/>
+          </p:cNvCxnSpPr>
+          <p:nvPr/>
+        </p:nvCxnSpPr>
+        <p:spPr>
+          <a:xfrm>
+            <a:off x="569235" y="1745456"/>
+            <a:ext cx="11053530" cy="0"/>
+          </a:xfrm>
+          <a:prstGeom prst="line">
+            <a:avLst/>
+          </a:prstGeom>
+        </p:spPr>
+        <p:style>
+          <a:lnRef idx="3">
+            <a:schemeClr val="accent1"/>
+          </a:lnRef>
+          <a:fillRef idx="0">
+            <a:schemeClr val="accent1"/>
+          </a:fillRef>
+          <a:effectRef idx="2">
+            <a:schemeClr val="accent1"/>
+          </a:effectRef>
+          <a:fontRef idx="minor">
+            <a:schemeClr val="tx1"/>
+          </a:fontRef>
+        </p:style>
+      </p:cxnSp>
+    </p:spTree>
+    <p:extLst>
+      <p:ext uri="{BB962C8B-B14F-4D97-AF65-F5344CB8AC3E}">
+        <p14:creationId xmlns:p14="http://schemas.microsoft.com/office/powerpoint/2010/main" val="4226174135"/>
       </p:ext>
     </p:extLst>
   </p:cSld>

--- a/Http/Http_presentation.pptx
+++ b/Http/Http_presentation.pptx
@@ -7,6 +7,10 @@
   <p:sldIdLst>
     <p:sldId id="256" r:id="rId2"/>
     <p:sldId id="257" r:id="rId3"/>
+    <p:sldId id="259" r:id="rId4"/>
+    <p:sldId id="258" r:id="rId5"/>
+    <p:sldId id="260" r:id="rId6"/>
+    <p:sldId id="261" r:id="rId7"/>
   </p:sldIdLst>
   <p:sldSz cx="12192000" cy="6858000"/>
   <p:notesSz cx="6858000" cy="9144000"/>
@@ -260,7 +264,7 @@
           <a:p>
             <a:fld id="{E36C89DF-7188-4BC0-ADF4-07E309878DC2}" type="datetimeFigureOut">
               <a:rPr lang="ru-RU" smtClean="0"/>
-              <a:t>06.09.2022</a:t>
+              <a:t>27.09.2022</a:t>
             </a:fld>
             <a:endParaRPr lang="ru-RU"/>
           </a:p>
@@ -458,7 +462,7 @@
           <a:p>
             <a:fld id="{E36C89DF-7188-4BC0-ADF4-07E309878DC2}" type="datetimeFigureOut">
               <a:rPr lang="ru-RU" smtClean="0"/>
-              <a:t>06.09.2022</a:t>
+              <a:t>27.09.2022</a:t>
             </a:fld>
             <a:endParaRPr lang="ru-RU"/>
           </a:p>
@@ -666,7 +670,7 @@
           <a:p>
             <a:fld id="{E36C89DF-7188-4BC0-ADF4-07E309878DC2}" type="datetimeFigureOut">
               <a:rPr lang="ru-RU" smtClean="0"/>
-              <a:t>06.09.2022</a:t>
+              <a:t>27.09.2022</a:t>
             </a:fld>
             <a:endParaRPr lang="ru-RU"/>
           </a:p>
@@ -864,7 +868,7 @@
           <a:p>
             <a:fld id="{E36C89DF-7188-4BC0-ADF4-07E309878DC2}" type="datetimeFigureOut">
               <a:rPr lang="ru-RU" smtClean="0"/>
-              <a:t>06.09.2022</a:t>
+              <a:t>27.09.2022</a:t>
             </a:fld>
             <a:endParaRPr lang="ru-RU"/>
           </a:p>
@@ -1139,7 +1143,7 @@
           <a:p>
             <a:fld id="{E36C89DF-7188-4BC0-ADF4-07E309878DC2}" type="datetimeFigureOut">
               <a:rPr lang="ru-RU" smtClean="0"/>
-              <a:t>06.09.2022</a:t>
+              <a:t>27.09.2022</a:t>
             </a:fld>
             <a:endParaRPr lang="ru-RU"/>
           </a:p>
@@ -1404,7 +1408,7 @@
           <a:p>
             <a:fld id="{E36C89DF-7188-4BC0-ADF4-07E309878DC2}" type="datetimeFigureOut">
               <a:rPr lang="ru-RU" smtClean="0"/>
-              <a:t>06.09.2022</a:t>
+              <a:t>27.09.2022</a:t>
             </a:fld>
             <a:endParaRPr lang="ru-RU"/>
           </a:p>
@@ -1816,7 +1820,7 @@
           <a:p>
             <a:fld id="{E36C89DF-7188-4BC0-ADF4-07E309878DC2}" type="datetimeFigureOut">
               <a:rPr lang="ru-RU" smtClean="0"/>
-              <a:t>06.09.2022</a:t>
+              <a:t>27.09.2022</a:t>
             </a:fld>
             <a:endParaRPr lang="ru-RU"/>
           </a:p>
@@ -1957,7 +1961,7 @@
           <a:p>
             <a:fld id="{E36C89DF-7188-4BC0-ADF4-07E309878DC2}" type="datetimeFigureOut">
               <a:rPr lang="ru-RU" smtClean="0"/>
-              <a:t>06.09.2022</a:t>
+              <a:t>27.09.2022</a:t>
             </a:fld>
             <a:endParaRPr lang="ru-RU"/>
           </a:p>
@@ -2070,7 +2074,7 @@
           <a:p>
             <a:fld id="{E36C89DF-7188-4BC0-ADF4-07E309878DC2}" type="datetimeFigureOut">
               <a:rPr lang="ru-RU" smtClean="0"/>
-              <a:t>06.09.2022</a:t>
+              <a:t>27.09.2022</a:t>
             </a:fld>
             <a:endParaRPr lang="ru-RU"/>
           </a:p>
@@ -2381,7 +2385,7 @@
           <a:p>
             <a:fld id="{E36C89DF-7188-4BC0-ADF4-07E309878DC2}" type="datetimeFigureOut">
               <a:rPr lang="ru-RU" smtClean="0"/>
-              <a:t>06.09.2022</a:t>
+              <a:t>27.09.2022</a:t>
             </a:fld>
             <a:endParaRPr lang="ru-RU"/>
           </a:p>
@@ -2669,7 +2673,7 @@
           <a:p>
             <a:fld id="{E36C89DF-7188-4BC0-ADF4-07E309878DC2}" type="datetimeFigureOut">
               <a:rPr lang="ru-RU" smtClean="0"/>
-              <a:t>06.09.2022</a:t>
+              <a:t>27.09.2022</a:t>
             </a:fld>
             <a:endParaRPr lang="ru-RU"/>
           </a:p>
@@ -2910,7 +2914,7 @@
           <a:p>
             <a:fld id="{E36C89DF-7188-4BC0-ADF4-07E309878DC2}" type="datetimeFigureOut">
               <a:rPr lang="ru-RU" smtClean="0"/>
-              <a:t>06.09.2022</a:t>
+              <a:t>27.09.2022</a:t>
             </a:fld>
             <a:endParaRPr lang="ru-RU"/>
           </a:p>
@@ -3559,6 +3563,7 @@
           </a:bodyPr>
           <a:lstStyle/>
           <a:p>
+            <a:pPr algn="ctr"/>
             <a:r>
               <a:rPr lang="en-US" altLang="en-US">
                 <a:latin typeface="Sylfaen" panose="010A0502050306030303" pitchFamily="18" charset="0"/>
@@ -3646,6 +3651,2570 @@
     <p:extLst>
       <p:ext uri="{BB962C8B-B14F-4D97-AF65-F5344CB8AC3E}">
         <p14:creationId xmlns:p14="http://schemas.microsoft.com/office/powerpoint/2010/main" val="4226174135"/>
+      </p:ext>
+    </p:extLst>
+  </p:cSld>
+  <p:clrMapOvr>
+    <a:masterClrMapping/>
+  </p:clrMapOvr>
+</p:sld>
+</file>
+
+<file path=ppt/slides/slide3.xml><?xml version="1.0" encoding="utf-8"?>
+<p:sld xmlns:a="http://schemas.openxmlformats.org/drawingml/2006/main" xmlns:r="http://schemas.openxmlformats.org/officeDocument/2006/relationships" xmlns:p="http://schemas.openxmlformats.org/presentationml/2006/main">
+  <p:cSld>
+    <p:spTree>
+      <p:nvGrpSpPr>
+        <p:cNvPr id="1" name=""/>
+        <p:cNvGrpSpPr/>
+        <p:nvPr/>
+      </p:nvGrpSpPr>
+      <p:grpSpPr>
+        <a:xfrm>
+          <a:off x="0" y="0"/>
+          <a:ext cx="0" cy="0"/>
+          <a:chOff x="0" y="0"/>
+          <a:chExt cx="0" cy="0"/>
+        </a:xfrm>
+      </p:grpSpPr>
+      <p:sp>
+        <p:nvSpPr>
+          <p:cNvPr id="2" name="Title 1">
+            <a:extLst>
+              <a:ext uri="{FF2B5EF4-FFF2-40B4-BE49-F238E27FC236}">
+                <a16:creationId xmlns:a16="http://schemas.microsoft.com/office/drawing/2014/main" id="{F646EBEB-43E8-4BE3-8015-09CF10C2C6E7}"/>
+              </a:ext>
+            </a:extLst>
+          </p:cNvPr>
+          <p:cNvSpPr>
+            <a:spLocks noGrp="1"/>
+          </p:cNvSpPr>
+          <p:nvPr>
+            <p:ph type="title"/>
+          </p:nvPr>
+        </p:nvSpPr>
+        <p:spPr>
+          <a:xfrm>
+            <a:off x="838200" y="18255"/>
+            <a:ext cx="10515600" cy="1325563"/>
+          </a:xfrm>
+        </p:spPr>
+        <p:txBody>
+          <a:bodyPr/>
+          <a:lstStyle/>
+          <a:p>
+            <a:pPr algn="ctr"/>
+            <a:r>
+              <a:rPr lang="en-US">
+                <a:latin typeface="Sylfaen" panose="010A0502050306030303" pitchFamily="18" charset="0"/>
+              </a:rPr>
+              <a:t>URI URL URN</a:t>
+            </a:r>
+          </a:p>
+        </p:txBody>
+      </p:sp>
+      <p:sp>
+        <p:nvSpPr>
+          <p:cNvPr id="3" name="Content Placeholder 2">
+            <a:extLst>
+              <a:ext uri="{FF2B5EF4-FFF2-40B4-BE49-F238E27FC236}">
+                <a16:creationId xmlns:a16="http://schemas.microsoft.com/office/drawing/2014/main" id="{AD64396E-FDBB-4E65-AAD1-EEF3F2ADC391}"/>
+              </a:ext>
+            </a:extLst>
+          </p:cNvPr>
+          <p:cNvSpPr>
+            <a:spLocks noGrp="1"/>
+          </p:cNvSpPr>
+          <p:nvPr>
+            <p:ph idx="1"/>
+          </p:nvPr>
+        </p:nvSpPr>
+        <p:spPr>
+          <a:xfrm>
+            <a:off x="838200" y="1629682"/>
+            <a:ext cx="10515600" cy="4509861"/>
+          </a:xfrm>
+        </p:spPr>
+        <p:txBody>
+          <a:bodyPr>
+            <a:normAutofit/>
+          </a:bodyPr>
+          <a:lstStyle/>
+          <a:p>
+            <a:pPr marL="0" indent="0">
+              <a:buNone/>
+            </a:pPr>
+            <a:r>
+              <a:rPr lang="en-US">
+                <a:latin typeface="Sylfaen" panose="010A0502050306030303" pitchFamily="18" charset="0"/>
+              </a:rPr>
+              <a:t>Uniform Resource Identifier</a:t>
+            </a:r>
+          </a:p>
+          <a:p>
+            <a:pPr marL="0" indent="0">
+              <a:buNone/>
+            </a:pPr>
+            <a:endParaRPr lang="en-US">
+              <a:latin typeface="Sylfaen" panose="010A0502050306030303" pitchFamily="18" charset="0"/>
+            </a:endParaRPr>
+          </a:p>
+          <a:p>
+            <a:pPr marL="0" indent="0">
+              <a:buNone/>
+            </a:pPr>
+            <a:endParaRPr lang="en-US">
+              <a:latin typeface="Sylfaen" panose="010A0502050306030303" pitchFamily="18" charset="0"/>
+            </a:endParaRPr>
+          </a:p>
+          <a:p>
+            <a:pPr marL="0" indent="0" algn="ctr">
+              <a:buNone/>
+            </a:pPr>
+            <a:r>
+              <a:rPr lang="en-US">
+                <a:latin typeface="Sylfaen" panose="010A0502050306030303" pitchFamily="18" charset="0"/>
+              </a:rPr>
+              <a:t>     URL                                        URN</a:t>
+            </a:r>
+            <a:endParaRPr lang="en-US"/>
+          </a:p>
+          <a:p>
+            <a:pPr marL="0" indent="0" algn="ctr">
+              <a:buNone/>
+            </a:pPr>
+            <a:endParaRPr lang="en-US"/>
+          </a:p>
+          <a:p>
+            <a:pPr marL="0" indent="0" algn="ctr">
+              <a:buNone/>
+            </a:pPr>
+            <a:r>
+              <a:rPr lang="en-US">
+                <a:solidFill>
+                  <a:schemeClr val="accent1"/>
+                </a:solidFill>
+                <a:latin typeface="Sylfaen" panose="010A0502050306030303" pitchFamily="18" charset="0"/>
+              </a:rPr>
+              <a:t>https://www.tutorialspoint.com</a:t>
+            </a:r>
+            <a:r>
+              <a:rPr lang="en-US">
+                <a:solidFill>
+                  <a:schemeClr val="accent6"/>
+                </a:solidFill>
+                <a:latin typeface="Sylfaen" panose="010A0502050306030303" pitchFamily="18" charset="0"/>
+              </a:rPr>
+              <a:t>/http/http_messages.html</a:t>
+            </a:r>
+          </a:p>
+          <a:p>
+            <a:pPr marL="0" indent="0" algn="ctr">
+              <a:buNone/>
+            </a:pPr>
+            <a:endParaRPr lang="en-US">
+              <a:latin typeface="Sylfaen" panose="010A0502050306030303" pitchFamily="18" charset="0"/>
+            </a:endParaRPr>
+          </a:p>
+          <a:p>
+            <a:pPr marL="0" indent="0" algn="ctr">
+              <a:buNone/>
+            </a:pPr>
+            <a:r>
+              <a:rPr lang="en-US">
+                <a:latin typeface="Sylfaen" panose="010A0502050306030303" pitchFamily="18" charset="0"/>
+              </a:rPr>
+              <a:t>URI</a:t>
+            </a:r>
+          </a:p>
+        </p:txBody>
+      </p:sp>
+      <p:cxnSp>
+        <p:nvCxnSpPr>
+          <p:cNvPr id="4" name="Straight Connector 3">
+            <a:extLst>
+              <a:ext uri="{FF2B5EF4-FFF2-40B4-BE49-F238E27FC236}">
+                <a16:creationId xmlns:a16="http://schemas.microsoft.com/office/drawing/2014/main" id="{B180E1CA-9310-457F-9829-58342A066527}"/>
+              </a:ext>
+            </a:extLst>
+          </p:cNvPr>
+          <p:cNvCxnSpPr>
+            <a:cxnSpLocks/>
+          </p:cNvCxnSpPr>
+          <p:nvPr/>
+        </p:nvCxnSpPr>
+        <p:spPr>
+          <a:xfrm>
+            <a:off x="569235" y="1196816"/>
+            <a:ext cx="11053530" cy="0"/>
+          </a:xfrm>
+          <a:prstGeom prst="line">
+            <a:avLst/>
+          </a:prstGeom>
+        </p:spPr>
+        <p:style>
+          <a:lnRef idx="3">
+            <a:schemeClr val="accent1"/>
+          </a:lnRef>
+          <a:fillRef idx="0">
+            <a:schemeClr val="accent1"/>
+          </a:fillRef>
+          <a:effectRef idx="2">
+            <a:schemeClr val="accent1"/>
+          </a:effectRef>
+          <a:fontRef idx="minor">
+            <a:schemeClr val="tx1"/>
+          </a:fontRef>
+        </p:style>
+      </p:cxnSp>
+      <p:sp>
+        <p:nvSpPr>
+          <p:cNvPr id="5" name="Right Brace 4">
+            <a:extLst>
+              <a:ext uri="{FF2B5EF4-FFF2-40B4-BE49-F238E27FC236}">
+                <a16:creationId xmlns:a16="http://schemas.microsoft.com/office/drawing/2014/main" id="{CF713E70-B999-4D55-8353-EA7F0BA5B933}"/>
+              </a:ext>
+            </a:extLst>
+          </p:cNvPr>
+          <p:cNvSpPr/>
+          <p:nvPr/>
+        </p:nvSpPr>
+        <p:spPr>
+          <a:xfrm rot="5400000">
+            <a:off x="5921743" y="696391"/>
+            <a:ext cx="348513" cy="8490859"/>
+          </a:xfrm>
+          <a:prstGeom prst="rightBrace">
+            <a:avLst/>
+          </a:prstGeom>
+        </p:spPr>
+        <p:style>
+          <a:lnRef idx="3">
+            <a:schemeClr val="dk1"/>
+          </a:lnRef>
+          <a:fillRef idx="0">
+            <a:schemeClr val="dk1"/>
+          </a:fillRef>
+          <a:effectRef idx="2">
+            <a:schemeClr val="dk1"/>
+          </a:effectRef>
+          <a:fontRef idx="minor">
+            <a:schemeClr val="tx1"/>
+          </a:fontRef>
+        </p:style>
+        <p:txBody>
+          <a:bodyPr rtlCol="0" anchor="ctr"/>
+          <a:lstStyle/>
+          <a:p>
+            <a:pPr algn="ctr"/>
+            <a:endParaRPr lang="en-US"/>
+          </a:p>
+        </p:txBody>
+      </p:sp>
+      <p:sp>
+        <p:nvSpPr>
+          <p:cNvPr id="6" name="Right Brace 5">
+            <a:extLst>
+              <a:ext uri="{FF2B5EF4-FFF2-40B4-BE49-F238E27FC236}">
+                <a16:creationId xmlns:a16="http://schemas.microsoft.com/office/drawing/2014/main" id="{2A7D10A5-E82A-4C47-AFF1-393C45944251}"/>
+              </a:ext>
+            </a:extLst>
+          </p:cNvPr>
+          <p:cNvSpPr/>
+          <p:nvPr/>
+        </p:nvSpPr>
+        <p:spPr>
+          <a:xfrm rot="16200000">
+            <a:off x="4014566" y="1510524"/>
+            <a:ext cx="348513" cy="4676505"/>
+          </a:xfrm>
+          <a:prstGeom prst="rightBrace">
+            <a:avLst/>
+          </a:prstGeom>
+        </p:spPr>
+        <p:style>
+          <a:lnRef idx="3">
+            <a:schemeClr val="accent1"/>
+          </a:lnRef>
+          <a:fillRef idx="0">
+            <a:schemeClr val="accent1"/>
+          </a:fillRef>
+          <a:effectRef idx="2">
+            <a:schemeClr val="accent1"/>
+          </a:effectRef>
+          <a:fontRef idx="minor">
+            <a:schemeClr val="tx1"/>
+          </a:fontRef>
+        </p:style>
+        <p:txBody>
+          <a:bodyPr rtlCol="0" anchor="ctr"/>
+          <a:lstStyle/>
+          <a:p>
+            <a:pPr algn="ctr"/>
+            <a:endParaRPr lang="en-US"/>
+          </a:p>
+        </p:txBody>
+      </p:sp>
+      <p:sp>
+        <p:nvSpPr>
+          <p:cNvPr id="7" name="Right Brace 6">
+            <a:extLst>
+              <a:ext uri="{FF2B5EF4-FFF2-40B4-BE49-F238E27FC236}">
+                <a16:creationId xmlns:a16="http://schemas.microsoft.com/office/drawing/2014/main" id="{EBEB322A-584C-4850-B905-7AC2DC4B1678}"/>
+              </a:ext>
+            </a:extLst>
+          </p:cNvPr>
+          <p:cNvSpPr/>
+          <p:nvPr/>
+        </p:nvSpPr>
+        <p:spPr>
+          <a:xfrm rot="16200000">
+            <a:off x="8259996" y="1941600"/>
+            <a:ext cx="348513" cy="3814353"/>
+          </a:xfrm>
+          <a:prstGeom prst="rightBrace">
+            <a:avLst/>
+          </a:prstGeom>
+        </p:spPr>
+        <p:style>
+          <a:lnRef idx="3">
+            <a:schemeClr val="accent6"/>
+          </a:lnRef>
+          <a:fillRef idx="0">
+            <a:schemeClr val="accent6"/>
+          </a:fillRef>
+          <a:effectRef idx="2">
+            <a:schemeClr val="accent6"/>
+          </a:effectRef>
+          <a:fontRef idx="minor">
+            <a:schemeClr val="tx1"/>
+          </a:fontRef>
+        </p:style>
+        <p:txBody>
+          <a:bodyPr rtlCol="0" anchor="ctr"/>
+          <a:lstStyle/>
+          <a:p>
+            <a:pPr algn="ctr"/>
+            <a:endParaRPr lang="en-US"/>
+          </a:p>
+        </p:txBody>
+      </p:sp>
+    </p:spTree>
+    <p:extLst>
+      <p:ext uri="{BB962C8B-B14F-4D97-AF65-F5344CB8AC3E}">
+        <p14:creationId xmlns:p14="http://schemas.microsoft.com/office/powerpoint/2010/main" val="3867997155"/>
+      </p:ext>
+    </p:extLst>
+  </p:cSld>
+  <p:clrMapOvr>
+    <a:masterClrMapping/>
+  </p:clrMapOvr>
+</p:sld>
+</file>
+
+<file path=ppt/slides/slide4.xml><?xml version="1.0" encoding="utf-8"?>
+<p:sld xmlns:a="http://schemas.openxmlformats.org/drawingml/2006/main" xmlns:r="http://schemas.openxmlformats.org/officeDocument/2006/relationships" xmlns:p="http://schemas.openxmlformats.org/presentationml/2006/main">
+  <p:cSld>
+    <p:spTree>
+      <p:nvGrpSpPr>
+        <p:cNvPr id="1" name=""/>
+        <p:cNvGrpSpPr/>
+        <p:nvPr/>
+      </p:nvGrpSpPr>
+      <p:grpSpPr>
+        <a:xfrm>
+          <a:off x="0" y="0"/>
+          <a:ext cx="0" cy="0"/>
+          <a:chOff x="0" y="0"/>
+          <a:chExt cx="0" cy="0"/>
+        </a:xfrm>
+      </p:grpSpPr>
+      <p:sp>
+        <p:nvSpPr>
+          <p:cNvPr id="2" name="Title 1">
+            <a:extLst>
+              <a:ext uri="{FF2B5EF4-FFF2-40B4-BE49-F238E27FC236}">
+                <a16:creationId xmlns:a16="http://schemas.microsoft.com/office/drawing/2014/main" id="{96849BA6-1473-49AB-B355-42E4590C7FDF}"/>
+              </a:ext>
+            </a:extLst>
+          </p:cNvPr>
+          <p:cNvSpPr>
+            <a:spLocks noGrp="1"/>
+          </p:cNvSpPr>
+          <p:nvPr>
+            <p:ph type="title"/>
+          </p:nvPr>
+        </p:nvSpPr>
+        <p:spPr>
+          <a:xfrm>
+            <a:off x="838200" y="18255"/>
+            <a:ext cx="10515600" cy="1325563"/>
+          </a:xfrm>
+        </p:spPr>
+        <p:txBody>
+          <a:bodyPr/>
+          <a:lstStyle/>
+          <a:p>
+            <a:pPr algn="ctr"/>
+            <a:r>
+              <a:rPr lang="en-US" altLang="en-US">
+                <a:latin typeface="Sylfaen" panose="010A0502050306030303" pitchFamily="18" charset="0"/>
+              </a:rPr>
+              <a:t>HTTP messages</a:t>
+            </a:r>
+            <a:endParaRPr lang="en-US"/>
+          </a:p>
+        </p:txBody>
+      </p:sp>
+      <p:sp>
+        <p:nvSpPr>
+          <p:cNvPr id="3" name="Content Placeholder 2">
+            <a:extLst>
+              <a:ext uri="{FF2B5EF4-FFF2-40B4-BE49-F238E27FC236}">
+                <a16:creationId xmlns:a16="http://schemas.microsoft.com/office/drawing/2014/main" id="{CD819B02-2AF8-45F9-8E84-5E166EC59A39}"/>
+              </a:ext>
+            </a:extLst>
+          </p:cNvPr>
+          <p:cNvSpPr>
+            <a:spLocks noGrp="1"/>
+          </p:cNvSpPr>
+          <p:nvPr>
+            <p:ph idx="1"/>
+          </p:nvPr>
+        </p:nvSpPr>
+        <p:spPr>
+          <a:xfrm>
+            <a:off x="1295400" y="1825625"/>
+            <a:ext cx="4386943" cy="4351338"/>
+          </a:xfrm>
+        </p:spPr>
+        <p:txBody>
+          <a:bodyPr/>
+          <a:lstStyle/>
+          <a:p>
+            <a:pPr>
+              <a:lnSpc>
+                <a:spcPct val="150000"/>
+              </a:lnSpc>
+            </a:pPr>
+            <a:r>
+              <a:rPr lang="en-US"/>
+              <a:t>Start line</a:t>
+            </a:r>
+          </a:p>
+          <a:p>
+            <a:pPr>
+              <a:lnSpc>
+                <a:spcPct val="150000"/>
+              </a:lnSpc>
+            </a:pPr>
+            <a:r>
+              <a:rPr lang="en-US"/>
+              <a:t>Header fields (0 or more)</a:t>
+            </a:r>
+          </a:p>
+          <a:p>
+            <a:pPr>
+              <a:lnSpc>
+                <a:spcPct val="150000"/>
+              </a:lnSpc>
+            </a:pPr>
+            <a:r>
+              <a:rPr lang="en-US"/>
+              <a:t>An empty line</a:t>
+            </a:r>
+          </a:p>
+          <a:p>
+            <a:pPr>
+              <a:lnSpc>
+                <a:spcPct val="150000"/>
+              </a:lnSpc>
+            </a:pPr>
+            <a:r>
+              <a:rPr lang="en-US"/>
+              <a:t>Message – body (optional)</a:t>
+            </a:r>
+          </a:p>
+        </p:txBody>
+      </p:sp>
+      <p:cxnSp>
+        <p:nvCxnSpPr>
+          <p:cNvPr id="4" name="Straight Connector 3">
+            <a:extLst>
+              <a:ext uri="{FF2B5EF4-FFF2-40B4-BE49-F238E27FC236}">
+                <a16:creationId xmlns:a16="http://schemas.microsoft.com/office/drawing/2014/main" id="{C47C205E-2547-40E3-8D36-3C858F3C028D}"/>
+              </a:ext>
+            </a:extLst>
+          </p:cNvPr>
+          <p:cNvCxnSpPr>
+            <a:cxnSpLocks/>
+          </p:cNvCxnSpPr>
+          <p:nvPr/>
+        </p:nvCxnSpPr>
+        <p:spPr>
+          <a:xfrm>
+            <a:off x="673738" y="1222942"/>
+            <a:ext cx="11053530" cy="0"/>
+          </a:xfrm>
+          <a:prstGeom prst="line">
+            <a:avLst/>
+          </a:prstGeom>
+        </p:spPr>
+        <p:style>
+          <a:lnRef idx="3">
+            <a:schemeClr val="accent1"/>
+          </a:lnRef>
+          <a:fillRef idx="0">
+            <a:schemeClr val="accent1"/>
+          </a:fillRef>
+          <a:effectRef idx="2">
+            <a:schemeClr val="accent1"/>
+          </a:effectRef>
+          <a:fontRef idx="minor">
+            <a:schemeClr val="tx1"/>
+          </a:fontRef>
+        </p:style>
+      </p:cxnSp>
+      <p:sp>
+        <p:nvSpPr>
+          <p:cNvPr id="5" name="Content Placeholder 2">
+            <a:extLst>
+              <a:ext uri="{FF2B5EF4-FFF2-40B4-BE49-F238E27FC236}">
+                <a16:creationId xmlns:a16="http://schemas.microsoft.com/office/drawing/2014/main" id="{067A88D1-91E7-43F6-95F3-A9A0FD9835B6}"/>
+              </a:ext>
+            </a:extLst>
+          </p:cNvPr>
+          <p:cNvSpPr txBox="1">
+            <a:spLocks/>
+          </p:cNvSpPr>
+          <p:nvPr/>
+        </p:nvSpPr>
+        <p:spPr>
+          <a:xfrm>
+            <a:off x="6966859" y="1825625"/>
+            <a:ext cx="4386943" cy="4351338"/>
+          </a:xfrm>
+          <a:prstGeom prst="rect">
+            <a:avLst/>
+          </a:prstGeom>
+        </p:spPr>
+        <p:txBody>
+          <a:bodyPr vert="horz" lIns="91440" tIns="45720" rIns="91440" bIns="45720" rtlCol="0">
+            <a:normAutofit/>
+          </a:bodyPr>
+          <a:lstStyle>
+            <a:lvl1pPr marL="228600" indent="-228600" algn="l" defTabSz="914400" rtl="0" eaLnBrk="1" latinLnBrk="0" hangingPunct="1">
+              <a:lnSpc>
+                <a:spcPct val="90000"/>
+              </a:lnSpc>
+              <a:spcBef>
+                <a:spcPts val="1000"/>
+              </a:spcBef>
+              <a:buFont typeface="Arial" panose="020B0604020202020204" pitchFamily="34" charset="0"/>
+              <a:buChar char="•"/>
+              <a:defRPr sz="2800" kern="1200">
+                <a:solidFill>
+                  <a:schemeClr val="tx1"/>
+                </a:solidFill>
+                <a:latin typeface="+mn-lt"/>
+                <a:ea typeface="+mn-ea"/>
+                <a:cs typeface="+mn-cs"/>
+              </a:defRPr>
+            </a:lvl1pPr>
+            <a:lvl2pPr marL="685800" indent="-228600" algn="l" defTabSz="914400" rtl="0" eaLnBrk="1" latinLnBrk="0" hangingPunct="1">
+              <a:lnSpc>
+                <a:spcPct val="90000"/>
+              </a:lnSpc>
+              <a:spcBef>
+                <a:spcPts val="500"/>
+              </a:spcBef>
+              <a:buFont typeface="Arial" panose="020B0604020202020204" pitchFamily="34" charset="0"/>
+              <a:buChar char="•"/>
+              <a:defRPr sz="2400" kern="1200">
+                <a:solidFill>
+                  <a:schemeClr val="tx1"/>
+                </a:solidFill>
+                <a:latin typeface="+mn-lt"/>
+                <a:ea typeface="+mn-ea"/>
+                <a:cs typeface="+mn-cs"/>
+              </a:defRPr>
+            </a:lvl2pPr>
+            <a:lvl3pPr marL="1143000" indent="-228600" algn="l" defTabSz="914400" rtl="0" eaLnBrk="1" latinLnBrk="0" hangingPunct="1">
+              <a:lnSpc>
+                <a:spcPct val="90000"/>
+              </a:lnSpc>
+              <a:spcBef>
+                <a:spcPts val="500"/>
+              </a:spcBef>
+              <a:buFont typeface="Arial" panose="020B0604020202020204" pitchFamily="34" charset="0"/>
+              <a:buChar char="•"/>
+              <a:defRPr sz="2000" kern="1200">
+                <a:solidFill>
+                  <a:schemeClr val="tx1"/>
+                </a:solidFill>
+                <a:latin typeface="+mn-lt"/>
+                <a:ea typeface="+mn-ea"/>
+                <a:cs typeface="+mn-cs"/>
+              </a:defRPr>
+            </a:lvl3pPr>
+            <a:lvl4pPr marL="1600200" indent="-228600" algn="l" defTabSz="914400" rtl="0" eaLnBrk="1" latinLnBrk="0" hangingPunct="1">
+              <a:lnSpc>
+                <a:spcPct val="90000"/>
+              </a:lnSpc>
+              <a:spcBef>
+                <a:spcPts val="500"/>
+              </a:spcBef>
+              <a:buFont typeface="Arial" panose="020B0604020202020204" pitchFamily="34" charset="0"/>
+              <a:buChar char="•"/>
+              <a:defRPr sz="1800" kern="1200">
+                <a:solidFill>
+                  <a:schemeClr val="tx1"/>
+                </a:solidFill>
+                <a:latin typeface="+mn-lt"/>
+                <a:ea typeface="+mn-ea"/>
+                <a:cs typeface="+mn-cs"/>
+              </a:defRPr>
+            </a:lvl4pPr>
+            <a:lvl5pPr marL="2057400" indent="-228600" algn="l" defTabSz="914400" rtl="0" eaLnBrk="1" latinLnBrk="0" hangingPunct="1">
+              <a:lnSpc>
+                <a:spcPct val="90000"/>
+              </a:lnSpc>
+              <a:spcBef>
+                <a:spcPts val="500"/>
+              </a:spcBef>
+              <a:buFont typeface="Arial" panose="020B0604020202020204" pitchFamily="34" charset="0"/>
+              <a:buChar char="•"/>
+              <a:defRPr sz="1800" kern="1200">
+                <a:solidFill>
+                  <a:schemeClr val="tx1"/>
+                </a:solidFill>
+                <a:latin typeface="+mn-lt"/>
+                <a:ea typeface="+mn-ea"/>
+                <a:cs typeface="+mn-cs"/>
+              </a:defRPr>
+            </a:lvl5pPr>
+            <a:lvl6pPr marL="2514600" indent="-228600" algn="l" defTabSz="914400" rtl="0" eaLnBrk="1" latinLnBrk="0" hangingPunct="1">
+              <a:lnSpc>
+                <a:spcPct val="90000"/>
+              </a:lnSpc>
+              <a:spcBef>
+                <a:spcPts val="500"/>
+              </a:spcBef>
+              <a:buFont typeface="Arial" panose="020B0604020202020204" pitchFamily="34" charset="0"/>
+              <a:buChar char="•"/>
+              <a:defRPr sz="1800" kern="1200">
+                <a:solidFill>
+                  <a:schemeClr val="tx1"/>
+                </a:solidFill>
+                <a:latin typeface="+mn-lt"/>
+                <a:ea typeface="+mn-ea"/>
+                <a:cs typeface="+mn-cs"/>
+              </a:defRPr>
+            </a:lvl6pPr>
+            <a:lvl7pPr marL="2971800" indent="-228600" algn="l" defTabSz="914400" rtl="0" eaLnBrk="1" latinLnBrk="0" hangingPunct="1">
+              <a:lnSpc>
+                <a:spcPct val="90000"/>
+              </a:lnSpc>
+              <a:spcBef>
+                <a:spcPts val="500"/>
+              </a:spcBef>
+              <a:buFont typeface="Arial" panose="020B0604020202020204" pitchFamily="34" charset="0"/>
+              <a:buChar char="•"/>
+              <a:defRPr sz="1800" kern="1200">
+                <a:solidFill>
+                  <a:schemeClr val="tx1"/>
+                </a:solidFill>
+                <a:latin typeface="+mn-lt"/>
+                <a:ea typeface="+mn-ea"/>
+                <a:cs typeface="+mn-cs"/>
+              </a:defRPr>
+            </a:lvl7pPr>
+            <a:lvl8pPr marL="3429000" indent="-228600" algn="l" defTabSz="914400" rtl="0" eaLnBrk="1" latinLnBrk="0" hangingPunct="1">
+              <a:lnSpc>
+                <a:spcPct val="90000"/>
+              </a:lnSpc>
+              <a:spcBef>
+                <a:spcPts val="500"/>
+              </a:spcBef>
+              <a:buFont typeface="Arial" panose="020B0604020202020204" pitchFamily="34" charset="0"/>
+              <a:buChar char="•"/>
+              <a:defRPr sz="1800" kern="1200">
+                <a:solidFill>
+                  <a:schemeClr val="tx1"/>
+                </a:solidFill>
+                <a:latin typeface="+mn-lt"/>
+                <a:ea typeface="+mn-ea"/>
+                <a:cs typeface="+mn-cs"/>
+              </a:defRPr>
+            </a:lvl8pPr>
+            <a:lvl9pPr marL="3886200" indent="-228600" algn="l" defTabSz="914400" rtl="0" eaLnBrk="1" latinLnBrk="0" hangingPunct="1">
+              <a:lnSpc>
+                <a:spcPct val="90000"/>
+              </a:lnSpc>
+              <a:spcBef>
+                <a:spcPts val="500"/>
+              </a:spcBef>
+              <a:buFont typeface="Arial" panose="020B0604020202020204" pitchFamily="34" charset="0"/>
+              <a:buChar char="•"/>
+              <a:defRPr sz="1800" kern="1200">
+                <a:solidFill>
+                  <a:schemeClr val="tx1"/>
+                </a:solidFill>
+                <a:latin typeface="+mn-lt"/>
+                <a:ea typeface="+mn-ea"/>
+                <a:cs typeface="+mn-cs"/>
+              </a:defRPr>
+            </a:lvl9pPr>
+          </a:lstStyle>
+          <a:p>
+            <a:pPr marL="0" indent="0">
+              <a:lnSpc>
+                <a:spcPct val="150000"/>
+              </a:lnSpc>
+              <a:buNone/>
+            </a:pPr>
+            <a:endParaRPr lang="en-US"/>
+          </a:p>
+        </p:txBody>
+      </p:sp>
+    </p:spTree>
+    <p:extLst>
+      <p:ext uri="{BB962C8B-B14F-4D97-AF65-F5344CB8AC3E}">
+        <p14:creationId xmlns:p14="http://schemas.microsoft.com/office/powerpoint/2010/main" val="500870128"/>
+      </p:ext>
+    </p:extLst>
+  </p:cSld>
+  <p:clrMapOvr>
+    <a:masterClrMapping/>
+  </p:clrMapOvr>
+</p:sld>
+</file>
+
+<file path=ppt/slides/slide5.xml><?xml version="1.0" encoding="utf-8"?>
+<p:sld xmlns:a="http://schemas.openxmlformats.org/drawingml/2006/main" xmlns:r="http://schemas.openxmlformats.org/officeDocument/2006/relationships" xmlns:p="http://schemas.openxmlformats.org/presentationml/2006/main">
+  <p:cSld>
+    <p:spTree>
+      <p:nvGrpSpPr>
+        <p:cNvPr id="1" name=""/>
+        <p:cNvGrpSpPr/>
+        <p:nvPr/>
+      </p:nvGrpSpPr>
+      <p:grpSpPr>
+        <a:xfrm>
+          <a:off x="0" y="0"/>
+          <a:ext cx="0" cy="0"/>
+          <a:chOff x="0" y="0"/>
+          <a:chExt cx="0" cy="0"/>
+        </a:xfrm>
+      </p:grpSpPr>
+      <p:graphicFrame>
+        <p:nvGraphicFramePr>
+          <p:cNvPr id="4" name="Table 7">
+            <a:extLst>
+              <a:ext uri="{FF2B5EF4-FFF2-40B4-BE49-F238E27FC236}">
+                <a16:creationId xmlns:a16="http://schemas.microsoft.com/office/drawing/2014/main" id="{4C2088B5-8A21-4095-90A4-9CE3283A00E0}"/>
+              </a:ext>
+            </a:extLst>
+          </p:cNvPr>
+          <p:cNvGraphicFramePr>
+            <a:graphicFrameLocks noGrp="1"/>
+          </p:cNvGraphicFramePr>
+          <p:nvPr>
+            <p:ph idx="1"/>
+            <p:extLst>
+              <p:ext uri="{D42A27DB-BD31-4B8C-83A1-F6EECF244321}">
+                <p14:modId xmlns:p14="http://schemas.microsoft.com/office/powerpoint/2010/main" val="2462492468"/>
+              </p:ext>
+            </p:extLst>
+          </p:nvPr>
+        </p:nvGraphicFramePr>
+        <p:xfrm>
+          <a:off x="409303" y="1574552"/>
+          <a:ext cx="3757747" cy="1854448"/>
+        </p:xfrm>
+        <a:graphic>
+          <a:graphicData uri="http://schemas.openxmlformats.org/drawingml/2006/table">
+            <a:tbl>
+              <a:tblPr firstRow="1" bandRow="1">
+                <a:tableStyleId>{2D5ABB26-0587-4C30-8999-92F81FD0307C}</a:tableStyleId>
+              </a:tblPr>
+              <a:tblGrid>
+                <a:gridCol w="3757747">
+                  <a:extLst>
+                    <a:ext uri="{9D8B030D-6E8A-4147-A177-3AD203B41FA5}">
+                      <a16:colId xmlns:a16="http://schemas.microsoft.com/office/drawing/2014/main" val="2517684048"/>
+                    </a:ext>
+                  </a:extLst>
+                </a:gridCol>
+              </a:tblGrid>
+              <a:tr h="391408">
+                <a:tc>
+                  <a:txBody>
+                    <a:bodyPr/>
+                    <a:lstStyle/>
+                    <a:p>
+                      <a:pPr marL="0" marR="0" lvl="0" indent="0" algn="l" defTabSz="914400" rtl="0" eaLnBrk="1" fontAlgn="auto" latinLnBrk="0" hangingPunct="1">
+                        <a:lnSpc>
+                          <a:spcPct val="100000"/>
+                        </a:lnSpc>
+                        <a:spcBef>
+                          <a:spcPts val="0"/>
+                        </a:spcBef>
+                        <a:spcAft>
+                          <a:spcPts val="0"/>
+                        </a:spcAft>
+                        <a:buClrTx/>
+                        <a:buSzTx/>
+                        <a:buFontTx/>
+                        <a:buNone/>
+                        <a:tabLst/>
+                        <a:defRPr/>
+                      </a:pPr>
+                      <a:r>
+                        <a:rPr lang="en-US" sz="1800"/>
+                        <a:t>GET  /</a:t>
+                      </a:r>
+                      <a:r>
+                        <a:rPr lang="en-US" sz="1800">
+                          <a:latin typeface="Sylfaen" panose="010A0502050306030303" pitchFamily="18" charset="0"/>
+                        </a:rPr>
+                        <a:t>messages.htm  HTTP/1.1</a:t>
+                      </a:r>
+                    </a:p>
+                  </a:txBody>
+                  <a:tcPr>
+                    <a:lnL w="12700" cap="flat" cmpd="sng" algn="ctr">
+                      <a:solidFill>
+                        <a:schemeClr val="tx1"/>
+                      </a:solidFill>
+                      <a:prstDash val="solid"/>
+                      <a:round/>
+                      <a:headEnd type="none" w="med" len="med"/>
+                      <a:tailEnd type="none" w="med" len="med"/>
+                    </a:lnL>
+                    <a:lnR w="12700" cap="flat" cmpd="sng" algn="ctr">
+                      <a:solidFill>
+                        <a:schemeClr val="tx1"/>
+                      </a:solidFill>
+                      <a:prstDash val="solid"/>
+                      <a:round/>
+                      <a:headEnd type="none" w="med" len="med"/>
+                      <a:tailEnd type="none" w="med" len="med"/>
+                    </a:lnR>
+                    <a:lnT w="12700" cap="flat" cmpd="sng" algn="ctr">
+                      <a:solidFill>
+                        <a:schemeClr val="tx1"/>
+                      </a:solidFill>
+                      <a:prstDash val="solid"/>
+                      <a:round/>
+                      <a:headEnd type="none" w="med" len="med"/>
+                      <a:tailEnd type="none" w="med" len="med"/>
+                    </a:lnT>
+                    <a:lnB w="12700" cap="flat" cmpd="sng" algn="ctr">
+                      <a:solidFill>
+                        <a:schemeClr val="tx1"/>
+                      </a:solidFill>
+                      <a:prstDash val="solid"/>
+                      <a:round/>
+                      <a:headEnd type="none" w="med" len="med"/>
+                      <a:tailEnd type="none" w="med" len="med"/>
+                    </a:lnB>
+                    <a:lnTlToBr w="12700" cmpd="sng">
+                      <a:noFill/>
+                      <a:prstDash val="solid"/>
+                    </a:lnTlToBr>
+                    <a:lnBlToTr w="12700" cmpd="sng">
+                      <a:noFill/>
+                      <a:prstDash val="solid"/>
+                    </a:lnBlToTr>
+                  </a:tcPr>
+                </a:tc>
+                <a:extLst>
+                  <a:ext uri="{0D108BD9-81ED-4DB2-BD59-A6C34878D82A}">
+                    <a16:rowId xmlns:a16="http://schemas.microsoft.com/office/drawing/2014/main" val="188260313"/>
+                  </a:ext>
+                </a:extLst>
+              </a:tr>
+              <a:tr h="1223122">
+                <a:tc>
+                  <a:txBody>
+                    <a:bodyPr/>
+                    <a:lstStyle/>
+                    <a:p>
+                      <a:pPr marL="0" indent="0" algn="l" fontAlgn="t">
+                        <a:buNone/>
+                      </a:pPr>
+                      <a:r>
+                        <a:rPr lang="en-US" sz="1800" kern="1200">
+                          <a:solidFill>
+                            <a:schemeClr val="tx1"/>
+                          </a:solidFill>
+                          <a:latin typeface="Sylfaen" panose="010A0502050306030303" pitchFamily="18" charset="0"/>
+                          <a:ea typeface="+mn-ea"/>
+                          <a:cs typeface="+mn-cs"/>
+                        </a:rPr>
+                        <a:t>user-agent:  Chrome/105.0.0.0</a:t>
+                      </a:r>
+                    </a:p>
+                    <a:p>
+                      <a:pPr fontAlgn="t"/>
+                      <a:r>
+                        <a:rPr lang="en-US" sz="1800" kern="1200">
+                          <a:solidFill>
+                            <a:schemeClr val="tx1"/>
+                          </a:solidFill>
+                          <a:latin typeface="Sylfaen" panose="010A0502050306030303" pitchFamily="18" charset="0"/>
+                          <a:ea typeface="+mn-ea"/>
+                          <a:cs typeface="+mn-cs"/>
+                        </a:rPr>
+                        <a:t>:authority:  www.tutorialspoint.com</a:t>
+                      </a:r>
+                    </a:p>
+                    <a:p>
+                      <a:pPr fontAlgn="t"/>
+                      <a:r>
+                        <a:rPr lang="en-US" sz="1800" kern="1200">
+                          <a:solidFill>
+                            <a:schemeClr val="tx1"/>
+                          </a:solidFill>
+                          <a:latin typeface="Sylfaen" panose="010A0502050306030303" pitchFamily="18" charset="0"/>
+                          <a:ea typeface="+mn-ea"/>
+                          <a:cs typeface="+mn-cs"/>
+                        </a:rPr>
+                        <a:t>:path:  /http/http_messages.htm</a:t>
+                      </a:r>
+                    </a:p>
+                    <a:p>
+                      <a:pPr fontAlgn="t"/>
+                      <a:r>
+                        <a:rPr lang="en-US" sz="1800" kern="1200">
+                          <a:solidFill>
+                            <a:schemeClr val="tx1"/>
+                          </a:solidFill>
+                          <a:latin typeface="Sylfaen" panose="010A0502050306030303" pitchFamily="18" charset="0"/>
+                          <a:ea typeface="+mn-ea"/>
+                          <a:cs typeface="+mn-cs"/>
+                        </a:rPr>
+                        <a:t>accept-language:  en</a:t>
+                      </a:r>
+                    </a:p>
+                    <a:p>
+                      <a:pPr marL="0" indent="0" algn="l" fontAlgn="t">
+                        <a:buNone/>
+                      </a:pPr>
+                      <a:endParaRPr lang="en-US" sz="1800">
+                        <a:latin typeface="Sylfaen" panose="010A0502050306030303" pitchFamily="18" charset="0"/>
+                      </a:endParaRPr>
+                    </a:p>
+                  </a:txBody>
+                  <a:tcPr>
+                    <a:lnL w="12700" cap="flat" cmpd="sng" algn="ctr">
+                      <a:solidFill>
+                        <a:schemeClr val="tx1"/>
+                      </a:solidFill>
+                      <a:prstDash val="solid"/>
+                      <a:round/>
+                      <a:headEnd type="none" w="med" len="med"/>
+                      <a:tailEnd type="none" w="med" len="med"/>
+                    </a:lnL>
+                    <a:lnR w="12700" cap="flat" cmpd="sng" algn="ctr">
+                      <a:solidFill>
+                        <a:schemeClr val="tx1"/>
+                      </a:solidFill>
+                      <a:prstDash val="solid"/>
+                      <a:round/>
+                      <a:headEnd type="none" w="med" len="med"/>
+                      <a:tailEnd type="none" w="med" len="med"/>
+                    </a:lnR>
+                    <a:lnT w="12700" cap="flat" cmpd="sng" algn="ctr">
+                      <a:solidFill>
+                        <a:schemeClr val="tx1"/>
+                      </a:solidFill>
+                      <a:prstDash val="solid"/>
+                      <a:round/>
+                      <a:headEnd type="none" w="med" len="med"/>
+                      <a:tailEnd type="none" w="med" len="med"/>
+                    </a:lnT>
+                    <a:lnB w="12700" cap="flat" cmpd="sng" algn="ctr">
+                      <a:solidFill>
+                        <a:schemeClr val="tx1"/>
+                      </a:solidFill>
+                      <a:prstDash val="solid"/>
+                      <a:round/>
+                      <a:headEnd type="none" w="med" len="med"/>
+                      <a:tailEnd type="none" w="med" len="med"/>
+                    </a:lnB>
+                    <a:lnTlToBr w="12700" cmpd="sng">
+                      <a:noFill/>
+                      <a:prstDash val="solid"/>
+                    </a:lnTlToBr>
+                    <a:lnBlToTr w="12700" cmpd="sng">
+                      <a:noFill/>
+                      <a:prstDash val="solid"/>
+                    </a:lnBlToTr>
+                  </a:tcPr>
+                </a:tc>
+                <a:extLst>
+                  <a:ext uri="{0D108BD9-81ED-4DB2-BD59-A6C34878D82A}">
+                    <a16:rowId xmlns:a16="http://schemas.microsoft.com/office/drawing/2014/main" val="3486744494"/>
+                  </a:ext>
+                </a:extLst>
+              </a:tr>
+            </a:tbl>
+          </a:graphicData>
+        </a:graphic>
+      </p:graphicFrame>
+      <p:graphicFrame>
+        <p:nvGraphicFramePr>
+          <p:cNvPr id="5" name="Table 4">
+            <a:extLst>
+              <a:ext uri="{FF2B5EF4-FFF2-40B4-BE49-F238E27FC236}">
+                <a16:creationId xmlns:a16="http://schemas.microsoft.com/office/drawing/2014/main" id="{89C00D28-DAED-4DB7-89BC-34465722F5E7}"/>
+              </a:ext>
+            </a:extLst>
+          </p:cNvPr>
+          <p:cNvGraphicFramePr>
+            <a:graphicFrameLocks noGrp="1"/>
+          </p:cNvGraphicFramePr>
+          <p:nvPr>
+            <p:extLst>
+              <p:ext uri="{D42A27DB-BD31-4B8C-83A1-F6EECF244321}">
+                <p14:modId xmlns:p14="http://schemas.microsoft.com/office/powerpoint/2010/main" val="2732791143"/>
+              </p:ext>
+            </p:extLst>
+          </p:nvPr>
+        </p:nvGraphicFramePr>
+        <p:xfrm>
+          <a:off x="6928759" y="1574552"/>
+          <a:ext cx="4702628" cy="4153511"/>
+        </p:xfrm>
+        <a:graphic>
+          <a:graphicData uri="http://schemas.openxmlformats.org/drawingml/2006/table">
+            <a:tbl>
+              <a:tblPr firstRow="1" bandRow="1">
+                <a:tableStyleId>{2D5ABB26-0587-4C30-8999-92F81FD0307C}</a:tableStyleId>
+              </a:tblPr>
+              <a:tblGrid>
+                <a:gridCol w="4702628">
+                  <a:extLst>
+                    <a:ext uri="{9D8B030D-6E8A-4147-A177-3AD203B41FA5}">
+                      <a16:colId xmlns:a16="http://schemas.microsoft.com/office/drawing/2014/main" val="2517684048"/>
+                    </a:ext>
+                  </a:extLst>
+                </a:gridCol>
+              </a:tblGrid>
+              <a:tr h="404471">
+                <a:tc>
+                  <a:txBody>
+                    <a:bodyPr/>
+                    <a:lstStyle/>
+                    <a:p>
+                      <a:pPr marL="0" marR="0" lvl="0" indent="0" algn="l" defTabSz="914400" rtl="0" eaLnBrk="1" fontAlgn="auto" latinLnBrk="0" hangingPunct="1">
+                        <a:lnSpc>
+                          <a:spcPct val="100000"/>
+                        </a:lnSpc>
+                        <a:spcBef>
+                          <a:spcPts val="0"/>
+                        </a:spcBef>
+                        <a:spcAft>
+                          <a:spcPts val="0"/>
+                        </a:spcAft>
+                        <a:buClrTx/>
+                        <a:buSzTx/>
+                        <a:buFontTx/>
+                        <a:buNone/>
+                        <a:tabLst/>
+                        <a:defRPr/>
+                      </a:pPr>
+                      <a:r>
+                        <a:rPr lang="en-US" sz="1800">
+                          <a:latin typeface="Sylfaen" panose="010A0502050306030303" pitchFamily="18" charset="0"/>
+                        </a:rPr>
+                        <a:t>HTTP/1.1  200  OK</a:t>
+                      </a:r>
+                    </a:p>
+                  </a:txBody>
+                  <a:tcPr>
+                    <a:lnL w="12700" cap="flat" cmpd="sng" algn="ctr">
+                      <a:solidFill>
+                        <a:schemeClr val="tx1"/>
+                      </a:solidFill>
+                      <a:prstDash val="solid"/>
+                      <a:round/>
+                      <a:headEnd type="none" w="med" len="med"/>
+                      <a:tailEnd type="none" w="med" len="med"/>
+                    </a:lnL>
+                    <a:lnR w="12700" cap="flat" cmpd="sng" algn="ctr">
+                      <a:solidFill>
+                        <a:schemeClr val="tx1"/>
+                      </a:solidFill>
+                      <a:prstDash val="solid"/>
+                      <a:round/>
+                      <a:headEnd type="none" w="med" len="med"/>
+                      <a:tailEnd type="none" w="med" len="med"/>
+                    </a:lnR>
+                    <a:lnT w="12700" cap="flat" cmpd="sng" algn="ctr">
+                      <a:solidFill>
+                        <a:schemeClr val="tx1"/>
+                      </a:solidFill>
+                      <a:prstDash val="solid"/>
+                      <a:round/>
+                      <a:headEnd type="none" w="med" len="med"/>
+                      <a:tailEnd type="none" w="med" len="med"/>
+                    </a:lnT>
+                    <a:lnB w="12700" cap="flat" cmpd="sng" algn="ctr">
+                      <a:solidFill>
+                        <a:schemeClr val="tx1"/>
+                      </a:solidFill>
+                      <a:prstDash val="solid"/>
+                      <a:round/>
+                      <a:headEnd type="none" w="med" len="med"/>
+                      <a:tailEnd type="none" w="med" len="med"/>
+                    </a:lnB>
+                    <a:lnTlToBr w="12700" cmpd="sng">
+                      <a:noFill/>
+                      <a:prstDash val="solid"/>
+                    </a:lnTlToBr>
+                    <a:lnBlToTr w="12700" cmpd="sng">
+                      <a:noFill/>
+                      <a:prstDash val="solid"/>
+                    </a:lnBlToTr>
+                  </a:tcPr>
+                </a:tc>
+                <a:extLst>
+                  <a:ext uri="{0D108BD9-81ED-4DB2-BD59-A6C34878D82A}">
+                    <a16:rowId xmlns:a16="http://schemas.microsoft.com/office/drawing/2014/main" val="188260313"/>
+                  </a:ext>
+                </a:extLst>
+              </a:tr>
+              <a:tr h="2250085">
+                <a:tc>
+                  <a:txBody>
+                    <a:bodyPr/>
+                    <a:lstStyle/>
+                    <a:p>
+                      <a:pPr marL="0" indent="0" algn="l" fontAlgn="t">
+                        <a:buNone/>
+                      </a:pPr>
+                      <a:r>
+                        <a:rPr lang="en-US" sz="1800" kern="1200">
+                          <a:solidFill>
+                            <a:schemeClr val="tx1"/>
+                          </a:solidFill>
+                          <a:latin typeface="Sylfaen" panose="010A0502050306030303" pitchFamily="18" charset="0"/>
+                          <a:ea typeface="+mn-ea"/>
+                          <a:cs typeface="+mn-cs"/>
+                        </a:rPr>
+                        <a:t>accept-ranges: bytes</a:t>
+                      </a:r>
+                    </a:p>
+                    <a:p>
+                      <a:pPr marL="0" indent="0" algn="l" fontAlgn="t">
+                        <a:buNone/>
+                      </a:pPr>
+                      <a:r>
+                        <a:rPr lang="en-US" sz="1800" kern="1200">
+                          <a:solidFill>
+                            <a:schemeClr val="tx1"/>
+                          </a:solidFill>
+                          <a:latin typeface="Sylfaen" panose="010A0502050306030303" pitchFamily="18" charset="0"/>
+                          <a:ea typeface="+mn-ea"/>
+                          <a:cs typeface="+mn-cs"/>
+                        </a:rPr>
+                        <a:t>age: 1726128</a:t>
+                      </a:r>
+                    </a:p>
+                    <a:p>
+                      <a:pPr marL="0" indent="0" algn="l" fontAlgn="t">
+                        <a:buNone/>
+                      </a:pPr>
+                      <a:r>
+                        <a:rPr lang="en-US" sz="1800" kern="1200">
+                          <a:solidFill>
+                            <a:schemeClr val="tx1"/>
+                          </a:solidFill>
+                          <a:latin typeface="Sylfaen" panose="010A0502050306030303" pitchFamily="18" charset="0"/>
+                          <a:ea typeface="+mn-ea"/>
+                          <a:cs typeface="+mn-cs"/>
+                        </a:rPr>
+                        <a:t>cache-control: max-age=2592000</a:t>
+                      </a:r>
+                    </a:p>
+                    <a:p>
+                      <a:pPr marL="0" marR="0" lvl="0" indent="0" algn="l" defTabSz="914400" rtl="0" eaLnBrk="1" fontAlgn="t" latinLnBrk="0" hangingPunct="1">
+                        <a:lnSpc>
+                          <a:spcPct val="100000"/>
+                        </a:lnSpc>
+                        <a:spcBef>
+                          <a:spcPts val="0"/>
+                        </a:spcBef>
+                        <a:spcAft>
+                          <a:spcPts val="0"/>
+                        </a:spcAft>
+                        <a:buClrTx/>
+                        <a:buSzTx/>
+                        <a:buFontTx/>
+                        <a:buNone/>
+                        <a:tabLst/>
+                        <a:defRPr/>
+                      </a:pPr>
+                      <a:r>
+                        <a:rPr lang="en-US" sz="1800" kern="1200">
+                          <a:solidFill>
+                            <a:schemeClr val="tx1"/>
+                          </a:solidFill>
+                          <a:latin typeface="Sylfaen" panose="010A0502050306030303" pitchFamily="18" charset="0"/>
+                          <a:ea typeface="+mn-ea"/>
+                          <a:cs typeface="+mn-cs"/>
+                        </a:rPr>
+                        <a:t>date:  Tue, 27 Sep 2022 11:35:26 GMT</a:t>
+                      </a:r>
+                    </a:p>
+                    <a:p>
+                      <a:pPr marL="0" indent="0" algn="l" fontAlgn="t">
+                        <a:buNone/>
+                      </a:pPr>
+                      <a:r>
+                        <a:rPr lang="en-US" sz="1800" kern="1200">
+                          <a:solidFill>
+                            <a:schemeClr val="tx1"/>
+                          </a:solidFill>
+                          <a:latin typeface="Sylfaen" panose="010A0502050306030303" pitchFamily="18" charset="0"/>
+                          <a:ea typeface="+mn-ea"/>
+                          <a:cs typeface="+mn-cs"/>
+                        </a:rPr>
+                        <a:t>expires: Thu, 27 Oct 2022 11:35:26 GMT</a:t>
+                      </a:r>
+                    </a:p>
+                    <a:p>
+                      <a:pPr marL="0" indent="0" algn="l" fontAlgn="t">
+                        <a:buNone/>
+                      </a:pPr>
+                      <a:r>
+                        <a:rPr lang="en-US" sz="1800" kern="1200">
+                          <a:solidFill>
+                            <a:schemeClr val="tx1"/>
+                          </a:solidFill>
+                          <a:latin typeface="Sylfaen" panose="010A0502050306030303" pitchFamily="18" charset="0"/>
+                          <a:ea typeface="+mn-ea"/>
+                          <a:cs typeface="+mn-cs"/>
+                        </a:rPr>
+                        <a:t>last-modified: Wed, 07 Sep 2022 12:06:38 GMT</a:t>
+                      </a:r>
+                    </a:p>
+                    <a:p>
+                      <a:pPr marL="0" marR="0" lvl="0" indent="0" algn="l" defTabSz="914400" rtl="0" eaLnBrk="1" fontAlgn="t" latinLnBrk="0" hangingPunct="1">
+                        <a:lnSpc>
+                          <a:spcPct val="100000"/>
+                        </a:lnSpc>
+                        <a:spcBef>
+                          <a:spcPts val="0"/>
+                        </a:spcBef>
+                        <a:spcAft>
+                          <a:spcPts val="0"/>
+                        </a:spcAft>
+                        <a:buClrTx/>
+                        <a:buSzTx/>
+                        <a:buFontTx/>
+                        <a:buNone/>
+                        <a:tabLst/>
+                        <a:defRPr/>
+                      </a:pPr>
+                      <a:r>
+                        <a:rPr lang="en-US" sz="1800" kern="1200">
+                          <a:solidFill>
+                            <a:schemeClr val="tx1"/>
+                          </a:solidFill>
+                          <a:latin typeface="Sylfaen" panose="010A0502050306030303" pitchFamily="18" charset="0"/>
+                          <a:ea typeface="+mn-ea"/>
+                          <a:cs typeface="+mn-cs"/>
+                        </a:rPr>
+                        <a:t>server:  ECAcc (amc/BC21)</a:t>
+                      </a:r>
+                    </a:p>
+                    <a:p>
+                      <a:pPr marL="0" marR="0" lvl="0" indent="0" algn="l" defTabSz="914400" rtl="0" eaLnBrk="1" fontAlgn="t" latinLnBrk="0" hangingPunct="1">
+                        <a:lnSpc>
+                          <a:spcPct val="100000"/>
+                        </a:lnSpc>
+                        <a:spcBef>
+                          <a:spcPts val="0"/>
+                        </a:spcBef>
+                        <a:spcAft>
+                          <a:spcPts val="0"/>
+                        </a:spcAft>
+                        <a:buClrTx/>
+                        <a:buSzTx/>
+                        <a:buFontTx/>
+                        <a:buNone/>
+                        <a:tabLst/>
+                        <a:defRPr/>
+                      </a:pPr>
+                      <a:endParaRPr lang="en-US" sz="1800" b="0" i="0" kern="1200">
+                        <a:solidFill>
+                          <a:schemeClr val="tx1"/>
+                        </a:solidFill>
+                        <a:effectLst/>
+                        <a:latin typeface="+mn-lt"/>
+                        <a:ea typeface="+mn-ea"/>
+                        <a:cs typeface="+mn-cs"/>
+                      </a:endParaRPr>
+                    </a:p>
+                  </a:txBody>
+                  <a:tcPr>
+                    <a:lnL w="12700" cap="flat" cmpd="sng" algn="ctr">
+                      <a:solidFill>
+                        <a:schemeClr val="tx1"/>
+                      </a:solidFill>
+                      <a:prstDash val="solid"/>
+                      <a:round/>
+                      <a:headEnd type="none" w="med" len="med"/>
+                      <a:tailEnd type="none" w="med" len="med"/>
+                    </a:lnL>
+                    <a:lnR w="12700" cap="flat" cmpd="sng" algn="ctr">
+                      <a:solidFill>
+                        <a:schemeClr val="tx1"/>
+                      </a:solidFill>
+                      <a:prstDash val="solid"/>
+                      <a:round/>
+                      <a:headEnd type="none" w="med" len="med"/>
+                      <a:tailEnd type="none" w="med" len="med"/>
+                    </a:lnR>
+                    <a:lnT w="12700" cap="flat" cmpd="sng" algn="ctr">
+                      <a:solidFill>
+                        <a:schemeClr val="tx1"/>
+                      </a:solidFill>
+                      <a:prstDash val="solid"/>
+                      <a:round/>
+                      <a:headEnd type="none" w="med" len="med"/>
+                      <a:tailEnd type="none" w="med" len="med"/>
+                    </a:lnT>
+                    <a:lnB w="12700" cap="flat" cmpd="sng" algn="ctr">
+                      <a:solidFill>
+                        <a:schemeClr val="tx1"/>
+                      </a:solidFill>
+                      <a:prstDash val="solid"/>
+                      <a:round/>
+                      <a:headEnd type="none" w="med" len="med"/>
+                      <a:tailEnd type="none" w="med" len="med"/>
+                    </a:lnB>
+                    <a:lnTlToBr w="12700" cmpd="sng">
+                      <a:noFill/>
+                      <a:prstDash val="solid"/>
+                    </a:lnTlToBr>
+                    <a:lnBlToTr w="12700" cmpd="sng">
+                      <a:noFill/>
+                      <a:prstDash val="solid"/>
+                    </a:lnBlToTr>
+                  </a:tcPr>
+                </a:tc>
+                <a:extLst>
+                  <a:ext uri="{0D108BD9-81ED-4DB2-BD59-A6C34878D82A}">
+                    <a16:rowId xmlns:a16="http://schemas.microsoft.com/office/drawing/2014/main" val="3486744494"/>
+                  </a:ext>
+                </a:extLst>
+              </a:tr>
+              <a:tr h="997440">
+                <a:tc>
+                  <a:txBody>
+                    <a:bodyPr/>
+                    <a:lstStyle/>
+                    <a:p>
+                      <a:r>
+                        <a:rPr lang="en-US"/>
+                        <a:t>&lt;HTML&gt;</a:t>
+                      </a:r>
+                    </a:p>
+                    <a:p>
+                      <a:endParaRPr lang="en-US"/>
+                    </a:p>
+                    <a:p>
+                      <a:r>
+                        <a:rPr lang="en-US"/>
+                        <a:t>     some HTML code</a:t>
+                      </a:r>
+                    </a:p>
+                    <a:p>
+                      <a:endParaRPr lang="en-US"/>
+                    </a:p>
+                    <a:p>
+                      <a:pPr marL="0" marR="0" lvl="0" indent="0" algn="l" defTabSz="914400" rtl="0" eaLnBrk="1" fontAlgn="auto" latinLnBrk="0" hangingPunct="1">
+                        <a:lnSpc>
+                          <a:spcPct val="100000"/>
+                        </a:lnSpc>
+                        <a:spcBef>
+                          <a:spcPts val="0"/>
+                        </a:spcBef>
+                        <a:spcAft>
+                          <a:spcPts val="0"/>
+                        </a:spcAft>
+                        <a:buClrTx/>
+                        <a:buSzTx/>
+                        <a:buFontTx/>
+                        <a:buNone/>
+                        <a:tabLst/>
+                        <a:defRPr/>
+                      </a:pPr>
+                      <a:r>
+                        <a:rPr lang="en-US"/>
+                        <a:t>&lt;/HTML&gt;</a:t>
+                      </a:r>
+                    </a:p>
+                  </a:txBody>
+                  <a:tcPr>
+                    <a:lnL w="12700" cap="flat" cmpd="sng" algn="ctr">
+                      <a:solidFill>
+                        <a:schemeClr val="tx1"/>
+                      </a:solidFill>
+                      <a:prstDash val="solid"/>
+                      <a:round/>
+                      <a:headEnd type="none" w="med" len="med"/>
+                      <a:tailEnd type="none" w="med" len="med"/>
+                    </a:lnL>
+                    <a:lnR w="12700" cap="flat" cmpd="sng" algn="ctr">
+                      <a:solidFill>
+                        <a:schemeClr val="tx1"/>
+                      </a:solidFill>
+                      <a:prstDash val="solid"/>
+                      <a:round/>
+                      <a:headEnd type="none" w="med" len="med"/>
+                      <a:tailEnd type="none" w="med" len="med"/>
+                    </a:lnR>
+                    <a:lnT w="12700" cap="flat" cmpd="sng" algn="ctr">
+                      <a:solidFill>
+                        <a:schemeClr val="tx1"/>
+                      </a:solidFill>
+                      <a:prstDash val="solid"/>
+                      <a:round/>
+                      <a:headEnd type="none" w="med" len="med"/>
+                      <a:tailEnd type="none" w="med" len="med"/>
+                    </a:lnT>
+                    <a:lnB w="12700" cap="flat" cmpd="sng" algn="ctr">
+                      <a:solidFill>
+                        <a:schemeClr val="tx1"/>
+                      </a:solidFill>
+                      <a:prstDash val="solid"/>
+                      <a:round/>
+                      <a:headEnd type="none" w="med" len="med"/>
+                      <a:tailEnd type="none" w="med" len="med"/>
+                    </a:lnB>
+                    <a:lnTlToBr w="12700" cmpd="sng">
+                      <a:noFill/>
+                      <a:prstDash val="solid"/>
+                    </a:lnTlToBr>
+                    <a:lnBlToTr w="12700" cmpd="sng">
+                      <a:noFill/>
+                      <a:prstDash val="solid"/>
+                    </a:lnBlToTr>
+                  </a:tcPr>
+                </a:tc>
+                <a:extLst>
+                  <a:ext uri="{0D108BD9-81ED-4DB2-BD59-A6C34878D82A}">
+                    <a16:rowId xmlns:a16="http://schemas.microsoft.com/office/drawing/2014/main" val="3182101070"/>
+                  </a:ext>
+                </a:extLst>
+              </a:tr>
+            </a:tbl>
+          </a:graphicData>
+        </a:graphic>
+      </p:graphicFrame>
+      <p:sp>
+        <p:nvSpPr>
+          <p:cNvPr id="6" name="Content Placeholder 2">
+            <a:extLst>
+              <a:ext uri="{FF2B5EF4-FFF2-40B4-BE49-F238E27FC236}">
+                <a16:creationId xmlns:a16="http://schemas.microsoft.com/office/drawing/2014/main" id="{965C0AEA-4BEB-4C01-8854-64EB78C9F07B}"/>
+              </a:ext>
+            </a:extLst>
+          </p:cNvPr>
+          <p:cNvSpPr txBox="1">
+            <a:spLocks/>
+          </p:cNvSpPr>
+          <p:nvPr/>
+        </p:nvSpPr>
+        <p:spPr>
+          <a:xfrm>
+            <a:off x="4647109" y="1376725"/>
+            <a:ext cx="1735184" cy="4351338"/>
+          </a:xfrm>
+          <a:prstGeom prst="rect">
+            <a:avLst/>
+          </a:prstGeom>
+        </p:spPr>
+        <p:txBody>
+          <a:bodyPr vert="horz" lIns="91440" tIns="45720" rIns="91440" bIns="45720" rtlCol="0">
+            <a:normAutofit/>
+          </a:bodyPr>
+          <a:lstStyle>
+            <a:lvl1pPr marL="228600" indent="-228600" algn="l" defTabSz="914400" rtl="0" eaLnBrk="1" latinLnBrk="0" hangingPunct="1">
+              <a:lnSpc>
+                <a:spcPct val="90000"/>
+              </a:lnSpc>
+              <a:spcBef>
+                <a:spcPts val="1000"/>
+              </a:spcBef>
+              <a:buFont typeface="Arial" panose="020B0604020202020204" pitchFamily="34" charset="0"/>
+              <a:buChar char="•"/>
+              <a:defRPr sz="2800" kern="1200">
+                <a:solidFill>
+                  <a:schemeClr val="tx1"/>
+                </a:solidFill>
+                <a:latin typeface="+mn-lt"/>
+                <a:ea typeface="+mn-ea"/>
+                <a:cs typeface="+mn-cs"/>
+              </a:defRPr>
+            </a:lvl1pPr>
+            <a:lvl2pPr marL="685800" indent="-228600" algn="l" defTabSz="914400" rtl="0" eaLnBrk="1" latinLnBrk="0" hangingPunct="1">
+              <a:lnSpc>
+                <a:spcPct val="90000"/>
+              </a:lnSpc>
+              <a:spcBef>
+                <a:spcPts val="500"/>
+              </a:spcBef>
+              <a:buFont typeface="Arial" panose="020B0604020202020204" pitchFamily="34" charset="0"/>
+              <a:buChar char="•"/>
+              <a:defRPr sz="2400" kern="1200">
+                <a:solidFill>
+                  <a:schemeClr val="tx1"/>
+                </a:solidFill>
+                <a:latin typeface="+mn-lt"/>
+                <a:ea typeface="+mn-ea"/>
+                <a:cs typeface="+mn-cs"/>
+              </a:defRPr>
+            </a:lvl2pPr>
+            <a:lvl3pPr marL="1143000" indent="-228600" algn="l" defTabSz="914400" rtl="0" eaLnBrk="1" latinLnBrk="0" hangingPunct="1">
+              <a:lnSpc>
+                <a:spcPct val="90000"/>
+              </a:lnSpc>
+              <a:spcBef>
+                <a:spcPts val="500"/>
+              </a:spcBef>
+              <a:buFont typeface="Arial" panose="020B0604020202020204" pitchFamily="34" charset="0"/>
+              <a:buChar char="•"/>
+              <a:defRPr sz="2000" kern="1200">
+                <a:solidFill>
+                  <a:schemeClr val="tx1"/>
+                </a:solidFill>
+                <a:latin typeface="+mn-lt"/>
+                <a:ea typeface="+mn-ea"/>
+                <a:cs typeface="+mn-cs"/>
+              </a:defRPr>
+            </a:lvl3pPr>
+            <a:lvl4pPr marL="1600200" indent="-228600" algn="l" defTabSz="914400" rtl="0" eaLnBrk="1" latinLnBrk="0" hangingPunct="1">
+              <a:lnSpc>
+                <a:spcPct val="90000"/>
+              </a:lnSpc>
+              <a:spcBef>
+                <a:spcPts val="500"/>
+              </a:spcBef>
+              <a:buFont typeface="Arial" panose="020B0604020202020204" pitchFamily="34" charset="0"/>
+              <a:buChar char="•"/>
+              <a:defRPr sz="1800" kern="1200">
+                <a:solidFill>
+                  <a:schemeClr val="tx1"/>
+                </a:solidFill>
+                <a:latin typeface="+mn-lt"/>
+                <a:ea typeface="+mn-ea"/>
+                <a:cs typeface="+mn-cs"/>
+              </a:defRPr>
+            </a:lvl4pPr>
+            <a:lvl5pPr marL="2057400" indent="-228600" algn="l" defTabSz="914400" rtl="0" eaLnBrk="1" latinLnBrk="0" hangingPunct="1">
+              <a:lnSpc>
+                <a:spcPct val="90000"/>
+              </a:lnSpc>
+              <a:spcBef>
+                <a:spcPts val="500"/>
+              </a:spcBef>
+              <a:buFont typeface="Arial" panose="020B0604020202020204" pitchFamily="34" charset="0"/>
+              <a:buChar char="•"/>
+              <a:defRPr sz="1800" kern="1200">
+                <a:solidFill>
+                  <a:schemeClr val="tx1"/>
+                </a:solidFill>
+                <a:latin typeface="+mn-lt"/>
+                <a:ea typeface="+mn-ea"/>
+                <a:cs typeface="+mn-cs"/>
+              </a:defRPr>
+            </a:lvl5pPr>
+            <a:lvl6pPr marL="2514600" indent="-228600" algn="l" defTabSz="914400" rtl="0" eaLnBrk="1" latinLnBrk="0" hangingPunct="1">
+              <a:lnSpc>
+                <a:spcPct val="90000"/>
+              </a:lnSpc>
+              <a:spcBef>
+                <a:spcPts val="500"/>
+              </a:spcBef>
+              <a:buFont typeface="Arial" panose="020B0604020202020204" pitchFamily="34" charset="0"/>
+              <a:buChar char="•"/>
+              <a:defRPr sz="1800" kern="1200">
+                <a:solidFill>
+                  <a:schemeClr val="tx1"/>
+                </a:solidFill>
+                <a:latin typeface="+mn-lt"/>
+                <a:ea typeface="+mn-ea"/>
+                <a:cs typeface="+mn-cs"/>
+              </a:defRPr>
+            </a:lvl6pPr>
+            <a:lvl7pPr marL="2971800" indent="-228600" algn="l" defTabSz="914400" rtl="0" eaLnBrk="1" latinLnBrk="0" hangingPunct="1">
+              <a:lnSpc>
+                <a:spcPct val="90000"/>
+              </a:lnSpc>
+              <a:spcBef>
+                <a:spcPts val="500"/>
+              </a:spcBef>
+              <a:buFont typeface="Arial" panose="020B0604020202020204" pitchFamily="34" charset="0"/>
+              <a:buChar char="•"/>
+              <a:defRPr sz="1800" kern="1200">
+                <a:solidFill>
+                  <a:schemeClr val="tx1"/>
+                </a:solidFill>
+                <a:latin typeface="+mn-lt"/>
+                <a:ea typeface="+mn-ea"/>
+                <a:cs typeface="+mn-cs"/>
+              </a:defRPr>
+            </a:lvl7pPr>
+            <a:lvl8pPr marL="3429000" indent="-228600" algn="l" defTabSz="914400" rtl="0" eaLnBrk="1" latinLnBrk="0" hangingPunct="1">
+              <a:lnSpc>
+                <a:spcPct val="90000"/>
+              </a:lnSpc>
+              <a:spcBef>
+                <a:spcPts val="500"/>
+              </a:spcBef>
+              <a:buFont typeface="Arial" panose="020B0604020202020204" pitchFamily="34" charset="0"/>
+              <a:buChar char="•"/>
+              <a:defRPr sz="1800" kern="1200">
+                <a:solidFill>
+                  <a:schemeClr val="tx1"/>
+                </a:solidFill>
+                <a:latin typeface="+mn-lt"/>
+                <a:ea typeface="+mn-ea"/>
+                <a:cs typeface="+mn-cs"/>
+              </a:defRPr>
+            </a:lvl8pPr>
+            <a:lvl9pPr marL="3886200" indent="-228600" algn="l" defTabSz="914400" rtl="0" eaLnBrk="1" latinLnBrk="0" hangingPunct="1">
+              <a:lnSpc>
+                <a:spcPct val="90000"/>
+              </a:lnSpc>
+              <a:spcBef>
+                <a:spcPts val="500"/>
+              </a:spcBef>
+              <a:buFont typeface="Arial" panose="020B0604020202020204" pitchFamily="34" charset="0"/>
+              <a:buChar char="•"/>
+              <a:defRPr sz="1800" kern="1200">
+                <a:solidFill>
+                  <a:schemeClr val="tx1"/>
+                </a:solidFill>
+                <a:latin typeface="+mn-lt"/>
+                <a:ea typeface="+mn-ea"/>
+                <a:cs typeface="+mn-cs"/>
+              </a:defRPr>
+            </a:lvl9pPr>
+          </a:lstStyle>
+          <a:p>
+            <a:pPr marL="0" indent="0" algn="ctr">
+              <a:lnSpc>
+                <a:spcPct val="150000"/>
+              </a:lnSpc>
+              <a:buNone/>
+            </a:pPr>
+            <a:r>
+              <a:rPr lang="en-US"/>
+              <a:t>Start line</a:t>
+            </a:r>
+          </a:p>
+          <a:p>
+            <a:pPr marL="0" indent="0" algn="ctr">
+              <a:lnSpc>
+                <a:spcPct val="150000"/>
+              </a:lnSpc>
+              <a:buNone/>
+            </a:pPr>
+            <a:r>
+              <a:rPr lang="en-US"/>
+              <a:t>Headers</a:t>
+            </a:r>
+          </a:p>
+          <a:p>
+            <a:pPr marL="0" indent="0" algn="ctr">
+              <a:lnSpc>
+                <a:spcPct val="150000"/>
+              </a:lnSpc>
+              <a:buNone/>
+            </a:pPr>
+            <a:r>
+              <a:rPr lang="en-US"/>
+              <a:t>Empty line</a:t>
+            </a:r>
+          </a:p>
+          <a:p>
+            <a:pPr marL="0" indent="0" algn="ctr">
+              <a:lnSpc>
+                <a:spcPct val="150000"/>
+              </a:lnSpc>
+              <a:buNone/>
+            </a:pPr>
+            <a:endParaRPr lang="en-US"/>
+          </a:p>
+          <a:p>
+            <a:pPr marL="0" indent="0" algn="ctr">
+              <a:lnSpc>
+                <a:spcPct val="150000"/>
+              </a:lnSpc>
+              <a:buNone/>
+            </a:pPr>
+            <a:r>
+              <a:rPr lang="en-US"/>
+              <a:t>Body</a:t>
+            </a:r>
+          </a:p>
+        </p:txBody>
+      </p:sp>
+      <p:cxnSp>
+        <p:nvCxnSpPr>
+          <p:cNvPr id="8" name="Straight Arrow Connector 7">
+            <a:extLst>
+              <a:ext uri="{FF2B5EF4-FFF2-40B4-BE49-F238E27FC236}">
+                <a16:creationId xmlns:a16="http://schemas.microsoft.com/office/drawing/2014/main" id="{8AFDFEBE-BCA5-4F44-B2F1-DC5EE2C8D8BC}"/>
+              </a:ext>
+            </a:extLst>
+          </p:cNvPr>
+          <p:cNvCxnSpPr/>
+          <p:nvPr/>
+        </p:nvCxnSpPr>
+        <p:spPr>
+          <a:xfrm flipH="1">
+            <a:off x="4336868" y="1802675"/>
+            <a:ext cx="310242" cy="0"/>
+          </a:xfrm>
+          <a:prstGeom prst="straightConnector1">
+            <a:avLst/>
+          </a:prstGeom>
+          <a:ln>
+            <a:tailEnd type="triangle"/>
+          </a:ln>
+        </p:spPr>
+        <p:style>
+          <a:lnRef idx="3">
+            <a:schemeClr val="dk1"/>
+          </a:lnRef>
+          <a:fillRef idx="0">
+            <a:schemeClr val="dk1"/>
+          </a:fillRef>
+          <a:effectRef idx="2">
+            <a:schemeClr val="dk1"/>
+          </a:effectRef>
+          <a:fontRef idx="minor">
+            <a:schemeClr val="tx1"/>
+          </a:fontRef>
+        </p:style>
+      </p:cxnSp>
+      <p:cxnSp>
+        <p:nvCxnSpPr>
+          <p:cNvPr id="9" name="Straight Arrow Connector 8">
+            <a:extLst>
+              <a:ext uri="{FF2B5EF4-FFF2-40B4-BE49-F238E27FC236}">
+                <a16:creationId xmlns:a16="http://schemas.microsoft.com/office/drawing/2014/main" id="{CCD6D47E-44C6-4BBD-A05A-CBB4DBD17878}"/>
+              </a:ext>
+            </a:extLst>
+          </p:cNvPr>
+          <p:cNvCxnSpPr/>
+          <p:nvPr/>
+        </p:nvCxnSpPr>
+        <p:spPr>
+          <a:xfrm flipH="1">
+            <a:off x="4336868" y="2573384"/>
+            <a:ext cx="310242" cy="0"/>
+          </a:xfrm>
+          <a:prstGeom prst="straightConnector1">
+            <a:avLst/>
+          </a:prstGeom>
+          <a:ln>
+            <a:tailEnd type="triangle"/>
+          </a:ln>
+        </p:spPr>
+        <p:style>
+          <a:lnRef idx="3">
+            <a:schemeClr val="dk1"/>
+          </a:lnRef>
+          <a:fillRef idx="0">
+            <a:schemeClr val="dk1"/>
+          </a:fillRef>
+          <a:effectRef idx="2">
+            <a:schemeClr val="dk1"/>
+          </a:effectRef>
+          <a:fontRef idx="minor">
+            <a:schemeClr val="tx1"/>
+          </a:fontRef>
+        </p:style>
+      </p:cxnSp>
+      <p:cxnSp>
+        <p:nvCxnSpPr>
+          <p:cNvPr id="10" name="Straight Arrow Connector 9">
+            <a:extLst>
+              <a:ext uri="{FF2B5EF4-FFF2-40B4-BE49-F238E27FC236}">
+                <a16:creationId xmlns:a16="http://schemas.microsoft.com/office/drawing/2014/main" id="{18CE4F9C-1FE0-4377-8088-C31DBE572FF1}"/>
+              </a:ext>
+            </a:extLst>
+          </p:cNvPr>
+          <p:cNvCxnSpPr/>
+          <p:nvPr/>
+        </p:nvCxnSpPr>
+        <p:spPr>
+          <a:xfrm flipH="1">
+            <a:off x="4348298" y="3291841"/>
+            <a:ext cx="310242" cy="0"/>
+          </a:xfrm>
+          <a:prstGeom prst="straightConnector1">
+            <a:avLst/>
+          </a:prstGeom>
+          <a:ln>
+            <a:tailEnd type="triangle"/>
+          </a:ln>
+        </p:spPr>
+        <p:style>
+          <a:lnRef idx="3">
+            <a:schemeClr val="dk1"/>
+          </a:lnRef>
+          <a:fillRef idx="0">
+            <a:schemeClr val="dk1"/>
+          </a:fillRef>
+          <a:effectRef idx="2">
+            <a:schemeClr val="dk1"/>
+          </a:effectRef>
+          <a:fontRef idx="minor">
+            <a:schemeClr val="tx1"/>
+          </a:fontRef>
+        </p:style>
+      </p:cxnSp>
+      <p:cxnSp>
+        <p:nvCxnSpPr>
+          <p:cNvPr id="17" name="Straight Arrow Connector 16">
+            <a:extLst>
+              <a:ext uri="{FF2B5EF4-FFF2-40B4-BE49-F238E27FC236}">
+                <a16:creationId xmlns:a16="http://schemas.microsoft.com/office/drawing/2014/main" id="{7B663F51-F5C3-41B7-8FF7-0106E8C87085}"/>
+              </a:ext>
+            </a:extLst>
+          </p:cNvPr>
+          <p:cNvCxnSpPr>
+            <a:cxnSpLocks/>
+          </p:cNvCxnSpPr>
+          <p:nvPr/>
+        </p:nvCxnSpPr>
+        <p:spPr>
+          <a:xfrm>
+            <a:off x="6414407" y="1802675"/>
+            <a:ext cx="310242" cy="0"/>
+          </a:xfrm>
+          <a:prstGeom prst="straightConnector1">
+            <a:avLst/>
+          </a:prstGeom>
+          <a:ln>
+            <a:tailEnd type="triangle"/>
+          </a:ln>
+        </p:spPr>
+        <p:style>
+          <a:lnRef idx="3">
+            <a:schemeClr val="dk1"/>
+          </a:lnRef>
+          <a:fillRef idx="0">
+            <a:schemeClr val="dk1"/>
+          </a:fillRef>
+          <a:effectRef idx="2">
+            <a:schemeClr val="dk1"/>
+          </a:effectRef>
+          <a:fontRef idx="minor">
+            <a:schemeClr val="tx1"/>
+          </a:fontRef>
+        </p:style>
+      </p:cxnSp>
+      <p:cxnSp>
+        <p:nvCxnSpPr>
+          <p:cNvPr id="19" name="Straight Arrow Connector 18">
+            <a:extLst>
+              <a:ext uri="{FF2B5EF4-FFF2-40B4-BE49-F238E27FC236}">
+                <a16:creationId xmlns:a16="http://schemas.microsoft.com/office/drawing/2014/main" id="{D51D3154-7BB1-4568-8D33-5A6330D83686}"/>
+              </a:ext>
+            </a:extLst>
+          </p:cNvPr>
+          <p:cNvCxnSpPr>
+            <a:cxnSpLocks/>
+          </p:cNvCxnSpPr>
+          <p:nvPr/>
+        </p:nvCxnSpPr>
+        <p:spPr>
+          <a:xfrm>
+            <a:off x="6500405" y="4036425"/>
+            <a:ext cx="310242" cy="0"/>
+          </a:xfrm>
+          <a:prstGeom prst="straightConnector1">
+            <a:avLst/>
+          </a:prstGeom>
+          <a:ln>
+            <a:tailEnd type="triangle"/>
+          </a:ln>
+        </p:spPr>
+        <p:style>
+          <a:lnRef idx="3">
+            <a:schemeClr val="dk1"/>
+          </a:lnRef>
+          <a:fillRef idx="0">
+            <a:schemeClr val="dk1"/>
+          </a:fillRef>
+          <a:effectRef idx="2">
+            <a:schemeClr val="dk1"/>
+          </a:effectRef>
+          <a:fontRef idx="minor">
+            <a:schemeClr val="tx1"/>
+          </a:fontRef>
+        </p:style>
+      </p:cxnSp>
+      <p:cxnSp>
+        <p:nvCxnSpPr>
+          <p:cNvPr id="20" name="Straight Arrow Connector 19">
+            <a:extLst>
+              <a:ext uri="{FF2B5EF4-FFF2-40B4-BE49-F238E27FC236}">
+                <a16:creationId xmlns:a16="http://schemas.microsoft.com/office/drawing/2014/main" id="{A57F9E31-9DAB-40C5-81D2-EFDB9B19CDBB}"/>
+              </a:ext>
+            </a:extLst>
+          </p:cNvPr>
+          <p:cNvCxnSpPr>
+            <a:cxnSpLocks/>
+          </p:cNvCxnSpPr>
+          <p:nvPr/>
+        </p:nvCxnSpPr>
+        <p:spPr>
+          <a:xfrm>
+            <a:off x="6350726" y="2573384"/>
+            <a:ext cx="310242" cy="0"/>
+          </a:xfrm>
+          <a:prstGeom prst="straightConnector1">
+            <a:avLst/>
+          </a:prstGeom>
+          <a:ln>
+            <a:tailEnd type="triangle"/>
+          </a:ln>
+        </p:spPr>
+        <p:style>
+          <a:lnRef idx="3">
+            <a:schemeClr val="dk1"/>
+          </a:lnRef>
+          <a:fillRef idx="0">
+            <a:schemeClr val="dk1"/>
+          </a:fillRef>
+          <a:effectRef idx="2">
+            <a:schemeClr val="dk1"/>
+          </a:effectRef>
+          <a:fontRef idx="minor">
+            <a:schemeClr val="tx1"/>
+          </a:fontRef>
+        </p:style>
+      </p:cxnSp>
+      <p:cxnSp>
+        <p:nvCxnSpPr>
+          <p:cNvPr id="37" name="Straight Connector 36">
+            <a:extLst>
+              <a:ext uri="{FF2B5EF4-FFF2-40B4-BE49-F238E27FC236}">
+                <a16:creationId xmlns:a16="http://schemas.microsoft.com/office/drawing/2014/main" id="{9EC85535-FA9C-49E2-947B-CF2866C8239A}"/>
+              </a:ext>
+            </a:extLst>
+          </p:cNvPr>
+          <p:cNvCxnSpPr/>
+          <p:nvPr/>
+        </p:nvCxnSpPr>
+        <p:spPr>
+          <a:xfrm flipV="1">
+            <a:off x="6500405" y="3291841"/>
+            <a:ext cx="0" cy="744584"/>
+          </a:xfrm>
+          <a:prstGeom prst="line">
+            <a:avLst/>
+          </a:prstGeom>
+        </p:spPr>
+        <p:style>
+          <a:lnRef idx="3">
+            <a:schemeClr val="dk1"/>
+          </a:lnRef>
+          <a:fillRef idx="0">
+            <a:schemeClr val="dk1"/>
+          </a:fillRef>
+          <a:effectRef idx="2">
+            <a:schemeClr val="dk1"/>
+          </a:effectRef>
+          <a:fontRef idx="minor">
+            <a:schemeClr val="tx1"/>
+          </a:fontRef>
+        </p:style>
+      </p:cxnSp>
+      <p:cxnSp>
+        <p:nvCxnSpPr>
+          <p:cNvPr id="39" name="Straight Connector 38">
+            <a:extLst>
+              <a:ext uri="{FF2B5EF4-FFF2-40B4-BE49-F238E27FC236}">
+                <a16:creationId xmlns:a16="http://schemas.microsoft.com/office/drawing/2014/main" id="{68C8180D-2642-42D5-AFA7-F909AA9A66A6}"/>
+              </a:ext>
+            </a:extLst>
+          </p:cNvPr>
+          <p:cNvCxnSpPr/>
+          <p:nvPr/>
+        </p:nvCxnSpPr>
+        <p:spPr>
+          <a:xfrm flipH="1">
+            <a:off x="6382294" y="3291841"/>
+            <a:ext cx="118111" cy="0"/>
+          </a:xfrm>
+          <a:prstGeom prst="line">
+            <a:avLst/>
+          </a:prstGeom>
+        </p:spPr>
+        <p:style>
+          <a:lnRef idx="3">
+            <a:schemeClr val="dk1"/>
+          </a:lnRef>
+          <a:fillRef idx="0">
+            <a:schemeClr val="dk1"/>
+          </a:fillRef>
+          <a:effectRef idx="2">
+            <a:schemeClr val="dk1"/>
+          </a:effectRef>
+          <a:fontRef idx="minor">
+            <a:schemeClr val="tx1"/>
+          </a:fontRef>
+        </p:style>
+      </p:cxnSp>
+      <p:sp>
+        <p:nvSpPr>
+          <p:cNvPr id="41" name="Content Placeholder 2">
+            <a:extLst>
+              <a:ext uri="{FF2B5EF4-FFF2-40B4-BE49-F238E27FC236}">
+                <a16:creationId xmlns:a16="http://schemas.microsoft.com/office/drawing/2014/main" id="{C723C058-25A7-46E7-8340-62F0051E9F0B}"/>
+              </a:ext>
+            </a:extLst>
+          </p:cNvPr>
+          <p:cNvSpPr txBox="1">
+            <a:spLocks/>
+          </p:cNvSpPr>
+          <p:nvPr/>
+        </p:nvSpPr>
+        <p:spPr>
+          <a:xfrm>
+            <a:off x="871946" y="681273"/>
+            <a:ext cx="2832462" cy="796832"/>
+          </a:xfrm>
+          <a:prstGeom prst="rect">
+            <a:avLst/>
+          </a:prstGeom>
+        </p:spPr>
+        <p:txBody>
+          <a:bodyPr vert="horz" lIns="91440" tIns="45720" rIns="91440" bIns="45720" rtlCol="0">
+            <a:normAutofit/>
+          </a:bodyPr>
+          <a:lstStyle>
+            <a:lvl1pPr marL="228600" indent="-228600" algn="l" defTabSz="914400" rtl="0" eaLnBrk="1" latinLnBrk="0" hangingPunct="1">
+              <a:lnSpc>
+                <a:spcPct val="90000"/>
+              </a:lnSpc>
+              <a:spcBef>
+                <a:spcPts val="1000"/>
+              </a:spcBef>
+              <a:buFont typeface="Arial" panose="020B0604020202020204" pitchFamily="34" charset="0"/>
+              <a:buChar char="•"/>
+              <a:defRPr sz="2800" kern="1200">
+                <a:solidFill>
+                  <a:schemeClr val="tx1"/>
+                </a:solidFill>
+                <a:latin typeface="+mn-lt"/>
+                <a:ea typeface="+mn-ea"/>
+                <a:cs typeface="+mn-cs"/>
+              </a:defRPr>
+            </a:lvl1pPr>
+            <a:lvl2pPr marL="685800" indent="-228600" algn="l" defTabSz="914400" rtl="0" eaLnBrk="1" latinLnBrk="0" hangingPunct="1">
+              <a:lnSpc>
+                <a:spcPct val="90000"/>
+              </a:lnSpc>
+              <a:spcBef>
+                <a:spcPts val="500"/>
+              </a:spcBef>
+              <a:buFont typeface="Arial" panose="020B0604020202020204" pitchFamily="34" charset="0"/>
+              <a:buChar char="•"/>
+              <a:defRPr sz="2400" kern="1200">
+                <a:solidFill>
+                  <a:schemeClr val="tx1"/>
+                </a:solidFill>
+                <a:latin typeface="+mn-lt"/>
+                <a:ea typeface="+mn-ea"/>
+                <a:cs typeface="+mn-cs"/>
+              </a:defRPr>
+            </a:lvl2pPr>
+            <a:lvl3pPr marL="1143000" indent="-228600" algn="l" defTabSz="914400" rtl="0" eaLnBrk="1" latinLnBrk="0" hangingPunct="1">
+              <a:lnSpc>
+                <a:spcPct val="90000"/>
+              </a:lnSpc>
+              <a:spcBef>
+                <a:spcPts val="500"/>
+              </a:spcBef>
+              <a:buFont typeface="Arial" panose="020B0604020202020204" pitchFamily="34" charset="0"/>
+              <a:buChar char="•"/>
+              <a:defRPr sz="2000" kern="1200">
+                <a:solidFill>
+                  <a:schemeClr val="tx1"/>
+                </a:solidFill>
+                <a:latin typeface="+mn-lt"/>
+                <a:ea typeface="+mn-ea"/>
+                <a:cs typeface="+mn-cs"/>
+              </a:defRPr>
+            </a:lvl3pPr>
+            <a:lvl4pPr marL="1600200" indent="-228600" algn="l" defTabSz="914400" rtl="0" eaLnBrk="1" latinLnBrk="0" hangingPunct="1">
+              <a:lnSpc>
+                <a:spcPct val="90000"/>
+              </a:lnSpc>
+              <a:spcBef>
+                <a:spcPts val="500"/>
+              </a:spcBef>
+              <a:buFont typeface="Arial" panose="020B0604020202020204" pitchFamily="34" charset="0"/>
+              <a:buChar char="•"/>
+              <a:defRPr sz="1800" kern="1200">
+                <a:solidFill>
+                  <a:schemeClr val="tx1"/>
+                </a:solidFill>
+                <a:latin typeface="+mn-lt"/>
+                <a:ea typeface="+mn-ea"/>
+                <a:cs typeface="+mn-cs"/>
+              </a:defRPr>
+            </a:lvl4pPr>
+            <a:lvl5pPr marL="2057400" indent="-228600" algn="l" defTabSz="914400" rtl="0" eaLnBrk="1" latinLnBrk="0" hangingPunct="1">
+              <a:lnSpc>
+                <a:spcPct val="90000"/>
+              </a:lnSpc>
+              <a:spcBef>
+                <a:spcPts val="500"/>
+              </a:spcBef>
+              <a:buFont typeface="Arial" panose="020B0604020202020204" pitchFamily="34" charset="0"/>
+              <a:buChar char="•"/>
+              <a:defRPr sz="1800" kern="1200">
+                <a:solidFill>
+                  <a:schemeClr val="tx1"/>
+                </a:solidFill>
+                <a:latin typeface="+mn-lt"/>
+                <a:ea typeface="+mn-ea"/>
+                <a:cs typeface="+mn-cs"/>
+              </a:defRPr>
+            </a:lvl5pPr>
+            <a:lvl6pPr marL="2514600" indent="-228600" algn="l" defTabSz="914400" rtl="0" eaLnBrk="1" latinLnBrk="0" hangingPunct="1">
+              <a:lnSpc>
+                <a:spcPct val="90000"/>
+              </a:lnSpc>
+              <a:spcBef>
+                <a:spcPts val="500"/>
+              </a:spcBef>
+              <a:buFont typeface="Arial" panose="020B0604020202020204" pitchFamily="34" charset="0"/>
+              <a:buChar char="•"/>
+              <a:defRPr sz="1800" kern="1200">
+                <a:solidFill>
+                  <a:schemeClr val="tx1"/>
+                </a:solidFill>
+                <a:latin typeface="+mn-lt"/>
+                <a:ea typeface="+mn-ea"/>
+                <a:cs typeface="+mn-cs"/>
+              </a:defRPr>
+            </a:lvl6pPr>
+            <a:lvl7pPr marL="2971800" indent="-228600" algn="l" defTabSz="914400" rtl="0" eaLnBrk="1" latinLnBrk="0" hangingPunct="1">
+              <a:lnSpc>
+                <a:spcPct val="90000"/>
+              </a:lnSpc>
+              <a:spcBef>
+                <a:spcPts val="500"/>
+              </a:spcBef>
+              <a:buFont typeface="Arial" panose="020B0604020202020204" pitchFamily="34" charset="0"/>
+              <a:buChar char="•"/>
+              <a:defRPr sz="1800" kern="1200">
+                <a:solidFill>
+                  <a:schemeClr val="tx1"/>
+                </a:solidFill>
+                <a:latin typeface="+mn-lt"/>
+                <a:ea typeface="+mn-ea"/>
+                <a:cs typeface="+mn-cs"/>
+              </a:defRPr>
+            </a:lvl7pPr>
+            <a:lvl8pPr marL="3429000" indent="-228600" algn="l" defTabSz="914400" rtl="0" eaLnBrk="1" latinLnBrk="0" hangingPunct="1">
+              <a:lnSpc>
+                <a:spcPct val="90000"/>
+              </a:lnSpc>
+              <a:spcBef>
+                <a:spcPts val="500"/>
+              </a:spcBef>
+              <a:buFont typeface="Arial" panose="020B0604020202020204" pitchFamily="34" charset="0"/>
+              <a:buChar char="•"/>
+              <a:defRPr sz="1800" kern="1200">
+                <a:solidFill>
+                  <a:schemeClr val="tx1"/>
+                </a:solidFill>
+                <a:latin typeface="+mn-lt"/>
+                <a:ea typeface="+mn-ea"/>
+                <a:cs typeface="+mn-cs"/>
+              </a:defRPr>
+            </a:lvl8pPr>
+            <a:lvl9pPr marL="3886200" indent="-228600" algn="l" defTabSz="914400" rtl="0" eaLnBrk="1" latinLnBrk="0" hangingPunct="1">
+              <a:lnSpc>
+                <a:spcPct val="90000"/>
+              </a:lnSpc>
+              <a:spcBef>
+                <a:spcPts val="500"/>
+              </a:spcBef>
+              <a:buFont typeface="Arial" panose="020B0604020202020204" pitchFamily="34" charset="0"/>
+              <a:buChar char="•"/>
+              <a:defRPr sz="1800" kern="1200">
+                <a:solidFill>
+                  <a:schemeClr val="tx1"/>
+                </a:solidFill>
+                <a:latin typeface="+mn-lt"/>
+                <a:ea typeface="+mn-ea"/>
+                <a:cs typeface="+mn-cs"/>
+              </a:defRPr>
+            </a:lvl9pPr>
+          </a:lstStyle>
+          <a:p>
+            <a:pPr marL="0" indent="0">
+              <a:lnSpc>
+                <a:spcPct val="150000"/>
+              </a:lnSpc>
+              <a:buNone/>
+            </a:pPr>
+            <a:r>
+              <a:rPr lang="en-US"/>
+              <a:t>Request message</a:t>
+            </a:r>
+          </a:p>
+        </p:txBody>
+      </p:sp>
+      <p:sp>
+        <p:nvSpPr>
+          <p:cNvPr id="42" name="Content Placeholder 2">
+            <a:extLst>
+              <a:ext uri="{FF2B5EF4-FFF2-40B4-BE49-F238E27FC236}">
+                <a16:creationId xmlns:a16="http://schemas.microsoft.com/office/drawing/2014/main" id="{A92C5307-99E5-4C15-B3C8-A5881104405F}"/>
+              </a:ext>
+            </a:extLst>
+          </p:cNvPr>
+          <p:cNvSpPr txBox="1">
+            <a:spLocks/>
+          </p:cNvSpPr>
+          <p:nvPr/>
+        </p:nvSpPr>
+        <p:spPr>
+          <a:xfrm>
+            <a:off x="7710897" y="681273"/>
+            <a:ext cx="3005545" cy="796832"/>
+          </a:xfrm>
+          <a:prstGeom prst="rect">
+            <a:avLst/>
+          </a:prstGeom>
+        </p:spPr>
+        <p:txBody>
+          <a:bodyPr vert="horz" lIns="91440" tIns="45720" rIns="91440" bIns="45720" rtlCol="0">
+            <a:normAutofit/>
+          </a:bodyPr>
+          <a:lstStyle>
+            <a:lvl1pPr marL="228600" indent="-228600" algn="l" defTabSz="914400" rtl="0" eaLnBrk="1" latinLnBrk="0" hangingPunct="1">
+              <a:lnSpc>
+                <a:spcPct val="90000"/>
+              </a:lnSpc>
+              <a:spcBef>
+                <a:spcPts val="1000"/>
+              </a:spcBef>
+              <a:buFont typeface="Arial" panose="020B0604020202020204" pitchFamily="34" charset="0"/>
+              <a:buChar char="•"/>
+              <a:defRPr sz="2800" kern="1200">
+                <a:solidFill>
+                  <a:schemeClr val="tx1"/>
+                </a:solidFill>
+                <a:latin typeface="+mn-lt"/>
+                <a:ea typeface="+mn-ea"/>
+                <a:cs typeface="+mn-cs"/>
+              </a:defRPr>
+            </a:lvl1pPr>
+            <a:lvl2pPr marL="685800" indent="-228600" algn="l" defTabSz="914400" rtl="0" eaLnBrk="1" latinLnBrk="0" hangingPunct="1">
+              <a:lnSpc>
+                <a:spcPct val="90000"/>
+              </a:lnSpc>
+              <a:spcBef>
+                <a:spcPts val="500"/>
+              </a:spcBef>
+              <a:buFont typeface="Arial" panose="020B0604020202020204" pitchFamily="34" charset="0"/>
+              <a:buChar char="•"/>
+              <a:defRPr sz="2400" kern="1200">
+                <a:solidFill>
+                  <a:schemeClr val="tx1"/>
+                </a:solidFill>
+                <a:latin typeface="+mn-lt"/>
+                <a:ea typeface="+mn-ea"/>
+                <a:cs typeface="+mn-cs"/>
+              </a:defRPr>
+            </a:lvl2pPr>
+            <a:lvl3pPr marL="1143000" indent="-228600" algn="l" defTabSz="914400" rtl="0" eaLnBrk="1" latinLnBrk="0" hangingPunct="1">
+              <a:lnSpc>
+                <a:spcPct val="90000"/>
+              </a:lnSpc>
+              <a:spcBef>
+                <a:spcPts val="500"/>
+              </a:spcBef>
+              <a:buFont typeface="Arial" panose="020B0604020202020204" pitchFamily="34" charset="0"/>
+              <a:buChar char="•"/>
+              <a:defRPr sz="2000" kern="1200">
+                <a:solidFill>
+                  <a:schemeClr val="tx1"/>
+                </a:solidFill>
+                <a:latin typeface="+mn-lt"/>
+                <a:ea typeface="+mn-ea"/>
+                <a:cs typeface="+mn-cs"/>
+              </a:defRPr>
+            </a:lvl3pPr>
+            <a:lvl4pPr marL="1600200" indent="-228600" algn="l" defTabSz="914400" rtl="0" eaLnBrk="1" latinLnBrk="0" hangingPunct="1">
+              <a:lnSpc>
+                <a:spcPct val="90000"/>
+              </a:lnSpc>
+              <a:spcBef>
+                <a:spcPts val="500"/>
+              </a:spcBef>
+              <a:buFont typeface="Arial" panose="020B0604020202020204" pitchFamily="34" charset="0"/>
+              <a:buChar char="•"/>
+              <a:defRPr sz="1800" kern="1200">
+                <a:solidFill>
+                  <a:schemeClr val="tx1"/>
+                </a:solidFill>
+                <a:latin typeface="+mn-lt"/>
+                <a:ea typeface="+mn-ea"/>
+                <a:cs typeface="+mn-cs"/>
+              </a:defRPr>
+            </a:lvl4pPr>
+            <a:lvl5pPr marL="2057400" indent="-228600" algn="l" defTabSz="914400" rtl="0" eaLnBrk="1" latinLnBrk="0" hangingPunct="1">
+              <a:lnSpc>
+                <a:spcPct val="90000"/>
+              </a:lnSpc>
+              <a:spcBef>
+                <a:spcPts val="500"/>
+              </a:spcBef>
+              <a:buFont typeface="Arial" panose="020B0604020202020204" pitchFamily="34" charset="0"/>
+              <a:buChar char="•"/>
+              <a:defRPr sz="1800" kern="1200">
+                <a:solidFill>
+                  <a:schemeClr val="tx1"/>
+                </a:solidFill>
+                <a:latin typeface="+mn-lt"/>
+                <a:ea typeface="+mn-ea"/>
+                <a:cs typeface="+mn-cs"/>
+              </a:defRPr>
+            </a:lvl5pPr>
+            <a:lvl6pPr marL="2514600" indent="-228600" algn="l" defTabSz="914400" rtl="0" eaLnBrk="1" latinLnBrk="0" hangingPunct="1">
+              <a:lnSpc>
+                <a:spcPct val="90000"/>
+              </a:lnSpc>
+              <a:spcBef>
+                <a:spcPts val="500"/>
+              </a:spcBef>
+              <a:buFont typeface="Arial" panose="020B0604020202020204" pitchFamily="34" charset="0"/>
+              <a:buChar char="•"/>
+              <a:defRPr sz="1800" kern="1200">
+                <a:solidFill>
+                  <a:schemeClr val="tx1"/>
+                </a:solidFill>
+                <a:latin typeface="+mn-lt"/>
+                <a:ea typeface="+mn-ea"/>
+                <a:cs typeface="+mn-cs"/>
+              </a:defRPr>
+            </a:lvl6pPr>
+            <a:lvl7pPr marL="2971800" indent="-228600" algn="l" defTabSz="914400" rtl="0" eaLnBrk="1" latinLnBrk="0" hangingPunct="1">
+              <a:lnSpc>
+                <a:spcPct val="90000"/>
+              </a:lnSpc>
+              <a:spcBef>
+                <a:spcPts val="500"/>
+              </a:spcBef>
+              <a:buFont typeface="Arial" panose="020B0604020202020204" pitchFamily="34" charset="0"/>
+              <a:buChar char="•"/>
+              <a:defRPr sz="1800" kern="1200">
+                <a:solidFill>
+                  <a:schemeClr val="tx1"/>
+                </a:solidFill>
+                <a:latin typeface="+mn-lt"/>
+                <a:ea typeface="+mn-ea"/>
+                <a:cs typeface="+mn-cs"/>
+              </a:defRPr>
+            </a:lvl7pPr>
+            <a:lvl8pPr marL="3429000" indent="-228600" algn="l" defTabSz="914400" rtl="0" eaLnBrk="1" latinLnBrk="0" hangingPunct="1">
+              <a:lnSpc>
+                <a:spcPct val="90000"/>
+              </a:lnSpc>
+              <a:spcBef>
+                <a:spcPts val="500"/>
+              </a:spcBef>
+              <a:buFont typeface="Arial" panose="020B0604020202020204" pitchFamily="34" charset="0"/>
+              <a:buChar char="•"/>
+              <a:defRPr sz="1800" kern="1200">
+                <a:solidFill>
+                  <a:schemeClr val="tx1"/>
+                </a:solidFill>
+                <a:latin typeface="+mn-lt"/>
+                <a:ea typeface="+mn-ea"/>
+                <a:cs typeface="+mn-cs"/>
+              </a:defRPr>
+            </a:lvl8pPr>
+            <a:lvl9pPr marL="3886200" indent="-228600" algn="l" defTabSz="914400" rtl="0" eaLnBrk="1" latinLnBrk="0" hangingPunct="1">
+              <a:lnSpc>
+                <a:spcPct val="90000"/>
+              </a:lnSpc>
+              <a:spcBef>
+                <a:spcPts val="500"/>
+              </a:spcBef>
+              <a:buFont typeface="Arial" panose="020B0604020202020204" pitchFamily="34" charset="0"/>
+              <a:buChar char="•"/>
+              <a:defRPr sz="1800" kern="1200">
+                <a:solidFill>
+                  <a:schemeClr val="tx1"/>
+                </a:solidFill>
+                <a:latin typeface="+mn-lt"/>
+                <a:ea typeface="+mn-ea"/>
+                <a:cs typeface="+mn-cs"/>
+              </a:defRPr>
+            </a:lvl9pPr>
+          </a:lstStyle>
+          <a:p>
+            <a:pPr marL="0" indent="0">
+              <a:lnSpc>
+                <a:spcPct val="150000"/>
+              </a:lnSpc>
+              <a:buNone/>
+            </a:pPr>
+            <a:r>
+              <a:rPr lang="en-US"/>
+              <a:t>Response message</a:t>
+            </a:r>
+          </a:p>
+        </p:txBody>
+      </p:sp>
+      <p:cxnSp>
+        <p:nvCxnSpPr>
+          <p:cNvPr id="43" name="Straight Arrow Connector 42">
+            <a:extLst>
+              <a:ext uri="{FF2B5EF4-FFF2-40B4-BE49-F238E27FC236}">
+                <a16:creationId xmlns:a16="http://schemas.microsoft.com/office/drawing/2014/main" id="{04C9634C-8EE5-4468-8364-93C63BFA3E9A}"/>
+              </a:ext>
+            </a:extLst>
+          </p:cNvPr>
+          <p:cNvCxnSpPr>
+            <a:cxnSpLocks/>
+          </p:cNvCxnSpPr>
+          <p:nvPr/>
+        </p:nvCxnSpPr>
+        <p:spPr>
+          <a:xfrm>
+            <a:off x="6286228" y="4898573"/>
+            <a:ext cx="310242" cy="0"/>
+          </a:xfrm>
+          <a:prstGeom prst="straightConnector1">
+            <a:avLst/>
+          </a:prstGeom>
+          <a:ln>
+            <a:tailEnd type="triangle"/>
+          </a:ln>
+        </p:spPr>
+        <p:style>
+          <a:lnRef idx="3">
+            <a:schemeClr val="dk1"/>
+          </a:lnRef>
+          <a:fillRef idx="0">
+            <a:schemeClr val="dk1"/>
+          </a:fillRef>
+          <a:effectRef idx="2">
+            <a:schemeClr val="dk1"/>
+          </a:effectRef>
+          <a:fontRef idx="minor">
+            <a:schemeClr val="tx1"/>
+          </a:fontRef>
+        </p:style>
+      </p:cxnSp>
+    </p:spTree>
+    <p:extLst>
+      <p:ext uri="{BB962C8B-B14F-4D97-AF65-F5344CB8AC3E}">
+        <p14:creationId xmlns:p14="http://schemas.microsoft.com/office/powerpoint/2010/main" val="2156364027"/>
+      </p:ext>
+    </p:extLst>
+  </p:cSld>
+  <p:clrMapOvr>
+    <a:masterClrMapping/>
+  </p:clrMapOvr>
+</p:sld>
+</file>
+
+<file path=ppt/slides/slide6.xml><?xml version="1.0" encoding="utf-8"?>
+<p:sld xmlns:a="http://schemas.openxmlformats.org/drawingml/2006/main" xmlns:r="http://schemas.openxmlformats.org/officeDocument/2006/relationships" xmlns:p="http://schemas.openxmlformats.org/presentationml/2006/main">
+  <p:cSld>
+    <p:spTree>
+      <p:nvGrpSpPr>
+        <p:cNvPr id="1" name=""/>
+        <p:cNvGrpSpPr/>
+        <p:nvPr/>
+      </p:nvGrpSpPr>
+      <p:grpSpPr>
+        <a:xfrm>
+          <a:off x="0" y="0"/>
+          <a:ext cx="0" cy="0"/>
+          <a:chOff x="0" y="0"/>
+          <a:chExt cx="0" cy="0"/>
+        </a:xfrm>
+      </p:grpSpPr>
+      <p:sp>
+        <p:nvSpPr>
+          <p:cNvPr id="2" name="Title 1">
+            <a:extLst>
+              <a:ext uri="{FF2B5EF4-FFF2-40B4-BE49-F238E27FC236}">
+                <a16:creationId xmlns:a16="http://schemas.microsoft.com/office/drawing/2014/main" id="{1B9132D2-6162-4994-9BFE-28098F935758}"/>
+              </a:ext>
+            </a:extLst>
+          </p:cNvPr>
+          <p:cNvSpPr>
+            <a:spLocks noGrp="1"/>
+          </p:cNvSpPr>
+          <p:nvPr>
+            <p:ph type="title"/>
+          </p:nvPr>
+        </p:nvSpPr>
+        <p:spPr/>
+        <p:txBody>
+          <a:bodyPr/>
+          <a:lstStyle/>
+          <a:p>
+            <a:endParaRPr lang="en-US"/>
+          </a:p>
+        </p:txBody>
+      </p:sp>
+      <p:sp>
+        <p:nvSpPr>
+          <p:cNvPr id="3" name="Content Placeholder 2">
+            <a:extLst>
+              <a:ext uri="{FF2B5EF4-FFF2-40B4-BE49-F238E27FC236}">
+                <a16:creationId xmlns:a16="http://schemas.microsoft.com/office/drawing/2014/main" id="{3FC581B7-171A-49A7-8DC9-82B7E6D6D647}"/>
+              </a:ext>
+            </a:extLst>
+          </p:cNvPr>
+          <p:cNvSpPr>
+            <a:spLocks noGrp="1"/>
+          </p:cNvSpPr>
+          <p:nvPr>
+            <p:ph idx="1"/>
+          </p:nvPr>
+        </p:nvSpPr>
+        <p:spPr/>
+        <p:txBody>
+          <a:bodyPr/>
+          <a:lstStyle/>
+          <a:p>
+            <a:endParaRPr lang="en-US"/>
+          </a:p>
+        </p:txBody>
+      </p:sp>
+    </p:spTree>
+    <p:extLst>
+      <p:ext uri="{BB962C8B-B14F-4D97-AF65-F5344CB8AC3E}">
+        <p14:creationId xmlns:p14="http://schemas.microsoft.com/office/powerpoint/2010/main" val="884161893"/>
       </p:ext>
     </p:extLst>
   </p:cSld>

--- a/Http/Http_presentation.pptx
+++ b/Http/Http_presentation.pptx
@@ -7,10 +7,14 @@
   <p:sldIdLst>
     <p:sldId id="256" r:id="rId2"/>
     <p:sldId id="257" r:id="rId3"/>
-    <p:sldId id="259" r:id="rId4"/>
-    <p:sldId id="258" r:id="rId5"/>
-    <p:sldId id="260" r:id="rId6"/>
-    <p:sldId id="261" r:id="rId7"/>
+    <p:sldId id="262" r:id="rId4"/>
+    <p:sldId id="259" r:id="rId5"/>
+    <p:sldId id="263" r:id="rId6"/>
+    <p:sldId id="258" r:id="rId7"/>
+    <p:sldId id="260" r:id="rId8"/>
+    <p:sldId id="261" r:id="rId9"/>
+    <p:sldId id="264" r:id="rId10"/>
+    <p:sldId id="265" r:id="rId11"/>
   </p:sldIdLst>
   <p:sldSz cx="12192000" cy="6858000"/>
   <p:notesSz cx="6858000" cy="9144000"/>
@@ -264,7 +268,7 @@
           <a:p>
             <a:fld id="{E36C89DF-7188-4BC0-ADF4-07E309878DC2}" type="datetimeFigureOut">
               <a:rPr lang="ru-RU" smtClean="0"/>
-              <a:t>27.09.2022</a:t>
+              <a:t>28.09.2022</a:t>
             </a:fld>
             <a:endParaRPr lang="ru-RU"/>
           </a:p>
@@ -462,7 +466,7 @@
           <a:p>
             <a:fld id="{E36C89DF-7188-4BC0-ADF4-07E309878DC2}" type="datetimeFigureOut">
               <a:rPr lang="ru-RU" smtClean="0"/>
-              <a:t>27.09.2022</a:t>
+              <a:t>28.09.2022</a:t>
             </a:fld>
             <a:endParaRPr lang="ru-RU"/>
           </a:p>
@@ -670,7 +674,7 @@
           <a:p>
             <a:fld id="{E36C89DF-7188-4BC0-ADF4-07E309878DC2}" type="datetimeFigureOut">
               <a:rPr lang="ru-RU" smtClean="0"/>
-              <a:t>27.09.2022</a:t>
+              <a:t>28.09.2022</a:t>
             </a:fld>
             <a:endParaRPr lang="ru-RU"/>
           </a:p>
@@ -868,7 +872,7 @@
           <a:p>
             <a:fld id="{E36C89DF-7188-4BC0-ADF4-07E309878DC2}" type="datetimeFigureOut">
               <a:rPr lang="ru-RU" smtClean="0"/>
-              <a:t>27.09.2022</a:t>
+              <a:t>28.09.2022</a:t>
             </a:fld>
             <a:endParaRPr lang="ru-RU"/>
           </a:p>
@@ -1143,7 +1147,7 @@
           <a:p>
             <a:fld id="{E36C89DF-7188-4BC0-ADF4-07E309878DC2}" type="datetimeFigureOut">
               <a:rPr lang="ru-RU" smtClean="0"/>
-              <a:t>27.09.2022</a:t>
+              <a:t>28.09.2022</a:t>
             </a:fld>
             <a:endParaRPr lang="ru-RU"/>
           </a:p>
@@ -1408,7 +1412,7 @@
           <a:p>
             <a:fld id="{E36C89DF-7188-4BC0-ADF4-07E309878DC2}" type="datetimeFigureOut">
               <a:rPr lang="ru-RU" smtClean="0"/>
-              <a:t>27.09.2022</a:t>
+              <a:t>28.09.2022</a:t>
             </a:fld>
             <a:endParaRPr lang="ru-RU"/>
           </a:p>
@@ -1820,7 +1824,7 @@
           <a:p>
             <a:fld id="{E36C89DF-7188-4BC0-ADF4-07E309878DC2}" type="datetimeFigureOut">
               <a:rPr lang="ru-RU" smtClean="0"/>
-              <a:t>27.09.2022</a:t>
+              <a:t>28.09.2022</a:t>
             </a:fld>
             <a:endParaRPr lang="ru-RU"/>
           </a:p>
@@ -1961,7 +1965,7 @@
           <a:p>
             <a:fld id="{E36C89DF-7188-4BC0-ADF4-07E309878DC2}" type="datetimeFigureOut">
               <a:rPr lang="ru-RU" smtClean="0"/>
-              <a:t>27.09.2022</a:t>
+              <a:t>28.09.2022</a:t>
             </a:fld>
             <a:endParaRPr lang="ru-RU"/>
           </a:p>
@@ -2074,7 +2078,7 @@
           <a:p>
             <a:fld id="{E36C89DF-7188-4BC0-ADF4-07E309878DC2}" type="datetimeFigureOut">
               <a:rPr lang="ru-RU" smtClean="0"/>
-              <a:t>27.09.2022</a:t>
+              <a:t>28.09.2022</a:t>
             </a:fld>
             <a:endParaRPr lang="ru-RU"/>
           </a:p>
@@ -2385,7 +2389,7 @@
           <a:p>
             <a:fld id="{E36C89DF-7188-4BC0-ADF4-07E309878DC2}" type="datetimeFigureOut">
               <a:rPr lang="ru-RU" smtClean="0"/>
-              <a:t>27.09.2022</a:t>
+              <a:t>28.09.2022</a:t>
             </a:fld>
             <a:endParaRPr lang="ru-RU"/>
           </a:p>
@@ -2673,7 +2677,7 @@
           <a:p>
             <a:fld id="{E36C89DF-7188-4BC0-ADF4-07E309878DC2}" type="datetimeFigureOut">
               <a:rPr lang="ru-RU" smtClean="0"/>
-              <a:t>27.09.2022</a:t>
+              <a:t>28.09.2022</a:t>
             </a:fld>
             <a:endParaRPr lang="ru-RU"/>
           </a:p>
@@ -2914,7 +2918,7 @@
           <a:p>
             <a:fld id="{E36C89DF-7188-4BC0-ADF4-07E309878DC2}" type="datetimeFigureOut">
               <a:rPr lang="ru-RU" smtClean="0"/>
-              <a:t>27.09.2022</a:t>
+              <a:t>28.09.2022</a:t>
             </a:fld>
             <a:endParaRPr lang="ru-RU"/>
           </a:p>
@@ -3523,6 +3527,249 @@
 </p:sld>
 </file>
 
+<file path=ppt/slides/slide10.xml><?xml version="1.0" encoding="utf-8"?>
+<p:sld xmlns:a="http://schemas.openxmlformats.org/drawingml/2006/main" xmlns:r="http://schemas.openxmlformats.org/officeDocument/2006/relationships" xmlns:p="http://schemas.openxmlformats.org/presentationml/2006/main">
+  <p:cSld>
+    <p:spTree>
+      <p:nvGrpSpPr>
+        <p:cNvPr id="1" name=""/>
+        <p:cNvGrpSpPr/>
+        <p:nvPr/>
+      </p:nvGrpSpPr>
+      <p:grpSpPr>
+        <a:xfrm>
+          <a:off x="0" y="0"/>
+          <a:ext cx="0" cy="0"/>
+          <a:chOff x="0" y="0"/>
+          <a:chExt cx="0" cy="0"/>
+        </a:xfrm>
+      </p:grpSpPr>
+      <p:sp>
+        <p:nvSpPr>
+          <p:cNvPr id="2" name="Title 1">
+            <a:extLst>
+              <a:ext uri="{FF2B5EF4-FFF2-40B4-BE49-F238E27FC236}">
+                <a16:creationId xmlns:a16="http://schemas.microsoft.com/office/drawing/2014/main" id="{2D7E231A-3DEE-4402-BBB3-864F7E4E45C9}"/>
+              </a:ext>
+            </a:extLst>
+          </p:cNvPr>
+          <p:cNvSpPr>
+            <a:spLocks noGrp="1"/>
+          </p:cNvSpPr>
+          <p:nvPr>
+            <p:ph type="title"/>
+          </p:nvPr>
+        </p:nvSpPr>
+        <p:spPr>
+          <a:xfrm>
+            <a:off x="838200" y="0"/>
+            <a:ext cx="10515600" cy="1325563"/>
+          </a:xfrm>
+        </p:spPr>
+        <p:txBody>
+          <a:bodyPr/>
+          <a:lstStyle/>
+          <a:p>
+            <a:pPr algn="ctr"/>
+            <a:r>
+              <a:rPr lang="en-US">
+                <a:latin typeface="Sylfaen" panose="010A0502050306030303" pitchFamily="18" charset="0"/>
+              </a:rPr>
+              <a:t>Methods</a:t>
+            </a:r>
+          </a:p>
+        </p:txBody>
+      </p:sp>
+      <p:sp>
+        <p:nvSpPr>
+          <p:cNvPr id="3" name="Content Placeholder 2">
+            <a:extLst>
+              <a:ext uri="{FF2B5EF4-FFF2-40B4-BE49-F238E27FC236}">
+                <a16:creationId xmlns:a16="http://schemas.microsoft.com/office/drawing/2014/main" id="{7D29E69B-D10C-4E70-830B-6FDEA4352060}"/>
+              </a:ext>
+            </a:extLst>
+          </p:cNvPr>
+          <p:cNvSpPr>
+            <a:spLocks noGrp="1"/>
+          </p:cNvSpPr>
+          <p:nvPr>
+            <p:ph idx="1"/>
+          </p:nvPr>
+        </p:nvSpPr>
+        <p:spPr>
+          <a:xfrm>
+            <a:off x="1476829" y="1557792"/>
+            <a:ext cx="10515600" cy="4851400"/>
+          </a:xfrm>
+        </p:spPr>
+        <p:txBody>
+          <a:bodyPr/>
+          <a:lstStyle/>
+          <a:p>
+            <a:pPr marL="0" indent="0">
+              <a:lnSpc>
+                <a:spcPct val="100000"/>
+              </a:lnSpc>
+              <a:buNone/>
+            </a:pPr>
+            <a:r>
+              <a:rPr lang="en-US">
+                <a:latin typeface="Sylfaen" panose="010A0502050306030303" pitchFamily="18" charset="0"/>
+              </a:rPr>
+              <a:t>GET</a:t>
+            </a:r>
+          </a:p>
+          <a:p>
+            <a:pPr marL="0" indent="0">
+              <a:lnSpc>
+                <a:spcPct val="100000"/>
+              </a:lnSpc>
+              <a:buNone/>
+            </a:pPr>
+            <a:r>
+              <a:rPr lang="en-US">
+                <a:latin typeface="Sylfaen" panose="010A0502050306030303" pitchFamily="18" charset="0"/>
+              </a:rPr>
+              <a:t>HEAD</a:t>
+            </a:r>
+          </a:p>
+          <a:p>
+            <a:pPr marL="0" indent="0">
+              <a:lnSpc>
+                <a:spcPct val="100000"/>
+              </a:lnSpc>
+              <a:buNone/>
+            </a:pPr>
+            <a:r>
+              <a:rPr lang="en-US">
+                <a:latin typeface="Sylfaen" panose="010A0502050306030303" pitchFamily="18" charset="0"/>
+              </a:rPr>
+              <a:t>POST</a:t>
+            </a:r>
+          </a:p>
+          <a:p>
+            <a:pPr marL="0" indent="0">
+              <a:lnSpc>
+                <a:spcPct val="100000"/>
+              </a:lnSpc>
+              <a:buNone/>
+            </a:pPr>
+            <a:r>
+              <a:rPr lang="en-US">
+                <a:latin typeface="Sylfaen" panose="010A0502050306030303" pitchFamily="18" charset="0"/>
+              </a:rPr>
+              <a:t>PUT</a:t>
+            </a:r>
+          </a:p>
+          <a:p>
+            <a:pPr marL="0" indent="0">
+              <a:lnSpc>
+                <a:spcPct val="100000"/>
+              </a:lnSpc>
+              <a:buNone/>
+            </a:pPr>
+            <a:r>
+              <a:rPr lang="en-US">
+                <a:latin typeface="Sylfaen" panose="010A0502050306030303" pitchFamily="18" charset="0"/>
+              </a:rPr>
+              <a:t>DELETE</a:t>
+            </a:r>
+          </a:p>
+          <a:p>
+            <a:pPr marL="0" indent="0">
+              <a:lnSpc>
+                <a:spcPct val="100000"/>
+              </a:lnSpc>
+              <a:buNone/>
+            </a:pPr>
+            <a:r>
+              <a:rPr lang="en-US">
+                <a:latin typeface="Sylfaen" panose="010A0502050306030303" pitchFamily="18" charset="0"/>
+              </a:rPr>
+              <a:t>CONNECT</a:t>
+            </a:r>
+          </a:p>
+          <a:p>
+            <a:pPr marL="0" indent="0">
+              <a:lnSpc>
+                <a:spcPct val="100000"/>
+              </a:lnSpc>
+              <a:buNone/>
+            </a:pPr>
+            <a:r>
+              <a:rPr lang="en-US">
+                <a:latin typeface="Sylfaen" panose="010A0502050306030303" pitchFamily="18" charset="0"/>
+              </a:rPr>
+              <a:t>OPTIONS</a:t>
+            </a:r>
+          </a:p>
+          <a:p>
+            <a:pPr marL="0" indent="0">
+              <a:lnSpc>
+                <a:spcPct val="100000"/>
+              </a:lnSpc>
+              <a:buNone/>
+            </a:pPr>
+            <a:r>
+              <a:rPr lang="en-US">
+                <a:latin typeface="Sylfaen" panose="010A0502050306030303" pitchFamily="18" charset="0"/>
+              </a:rPr>
+              <a:t>TRACE</a:t>
+            </a:r>
+          </a:p>
+        </p:txBody>
+      </p:sp>
+      <p:cxnSp>
+        <p:nvCxnSpPr>
+          <p:cNvPr id="4" name="Straight Connector 3">
+            <a:extLst>
+              <a:ext uri="{FF2B5EF4-FFF2-40B4-BE49-F238E27FC236}">
+                <a16:creationId xmlns:a16="http://schemas.microsoft.com/office/drawing/2014/main" id="{6FFB6DAC-5366-45F1-B3CF-6BC18F746533}"/>
+              </a:ext>
+            </a:extLst>
+          </p:cNvPr>
+          <p:cNvCxnSpPr>
+            <a:cxnSpLocks/>
+          </p:cNvCxnSpPr>
+          <p:nvPr/>
+        </p:nvCxnSpPr>
+        <p:spPr>
+          <a:xfrm>
+            <a:off x="569235" y="1085056"/>
+            <a:ext cx="11053530" cy="0"/>
+          </a:xfrm>
+          <a:prstGeom prst="line">
+            <a:avLst/>
+          </a:prstGeom>
+        </p:spPr>
+        <p:style>
+          <a:lnRef idx="3">
+            <a:schemeClr val="accent1"/>
+          </a:lnRef>
+          <a:fillRef idx="0">
+            <a:schemeClr val="accent1"/>
+          </a:fillRef>
+          <a:effectRef idx="2">
+            <a:schemeClr val="accent1"/>
+          </a:effectRef>
+          <a:fontRef idx="minor">
+            <a:schemeClr val="tx1"/>
+          </a:fontRef>
+        </p:style>
+      </p:cxnSp>
+    </p:spTree>
+    <p:extLst>
+      <p:ext uri="{BB962C8B-B14F-4D97-AF65-F5344CB8AC3E}">
+        <p14:creationId xmlns:p14="http://schemas.microsoft.com/office/powerpoint/2010/main" val="3160597686"/>
+      </p:ext>
+    </p:extLst>
+  </p:cSld>
+  <p:clrMapOvr>
+    <a:masterClrMapping/>
+  </p:clrMapOvr>
+</p:sld>
+</file>
+
 <file path=ppt/slides/slide2.xml><?xml version="1.0" encoding="utf-8"?>
 <p:sld xmlns:a="http://schemas.openxmlformats.org/drawingml/2006/main" xmlns:r="http://schemas.openxmlformats.org/officeDocument/2006/relationships" xmlns:p="http://schemas.openxmlformats.org/presentationml/2006/main">
   <p:cSld>
@@ -3682,7 +3929,7 @@
           <p:cNvPr id="2" name="Title 1">
             <a:extLst>
               <a:ext uri="{FF2B5EF4-FFF2-40B4-BE49-F238E27FC236}">
-                <a16:creationId xmlns:a16="http://schemas.microsoft.com/office/drawing/2014/main" id="{F646EBEB-43E8-4BE3-8015-09CF10C2C6E7}"/>
+                <a16:creationId xmlns:a16="http://schemas.microsoft.com/office/drawing/2014/main" id="{86673851-704C-4A30-AF9C-646315453288}"/>
               </a:ext>
             </a:extLst>
           </p:cNvPr>
@@ -3695,7 +3942,7 @@
         </p:nvSpPr>
         <p:spPr>
           <a:xfrm>
-            <a:off x="838200" y="18255"/>
+            <a:off x="838200" y="0"/>
             <a:ext cx="10515600" cy="1325563"/>
           </a:xfrm>
         </p:spPr>
@@ -3708,8 +3955,9 @@
               <a:rPr lang="en-US">
                 <a:latin typeface="Sylfaen" panose="010A0502050306030303" pitchFamily="18" charset="0"/>
               </a:rPr>
-              <a:t>URI URL URN</a:t>
-            </a:r>
+              <a:t>TCP/IP</a:t>
+            </a:r>
+            <a:endParaRPr lang="en-US"/>
           </a:p>
         </p:txBody>
       </p:sp>
@@ -3718,7 +3966,7 @@
           <p:cNvPr id="3" name="Content Placeholder 2">
             <a:extLst>
               <a:ext uri="{FF2B5EF4-FFF2-40B4-BE49-F238E27FC236}">
-                <a16:creationId xmlns:a16="http://schemas.microsoft.com/office/drawing/2014/main" id="{AD64396E-FDBB-4E65-AAD1-EEF3F2ADC391}"/>
+                <a16:creationId xmlns:a16="http://schemas.microsoft.com/office/drawing/2014/main" id="{128AC8BA-44B1-4207-A5C1-7C34D40EBCBF}"/>
               </a:ext>
             </a:extLst>
           </p:cNvPr>
@@ -3731,28 +3979,26 @@
         </p:nvSpPr>
         <p:spPr>
           <a:xfrm>
-            <a:off x="838200" y="1629682"/>
-            <a:ext cx="10515600" cy="4509861"/>
+            <a:off x="995317" y="2050869"/>
+            <a:ext cx="3877491" cy="3448594"/>
           </a:xfrm>
         </p:spPr>
         <p:txBody>
-          <a:bodyPr>
-            <a:normAutofit/>
-          </a:bodyPr>
+          <a:bodyPr/>
           <a:lstStyle/>
           <a:p>
-            <a:pPr marL="0" indent="0">
+            <a:pPr marL="0" indent="0" algn="ctr">
               <a:buNone/>
             </a:pPr>
             <a:r>
               <a:rPr lang="en-US">
                 <a:latin typeface="Sylfaen" panose="010A0502050306030303" pitchFamily="18" charset="0"/>
               </a:rPr>
-              <a:t>Uniform Resource Identifier</a:t>
-            </a:r>
-          </a:p>
-          <a:p>
-            <a:pPr marL="0" indent="0">
+              <a:t>HTTP</a:t>
+            </a:r>
+          </a:p>
+          <a:p>
+            <a:pPr marL="0" indent="0" algn="ctr">
               <a:buNone/>
             </a:pPr>
             <a:endParaRPr lang="en-US">
@@ -3760,7 +4006,29 @@
             </a:endParaRPr>
           </a:p>
           <a:p>
-            <a:pPr marL="0" indent="0">
+            <a:pPr marL="0" indent="0" algn="ctr">
+              <a:buNone/>
+            </a:pPr>
+            <a:r>
+              <a:rPr lang="en-US">
+                <a:latin typeface="Sylfaen" panose="010A0502050306030303" pitchFamily="18" charset="0"/>
+              </a:rPr>
+              <a:t>TCP</a:t>
+            </a:r>
+          </a:p>
+          <a:p>
+            <a:pPr marL="0" indent="0" algn="ctr">
+              <a:buNone/>
+            </a:pPr>
+            <a:r>
+              <a:rPr lang="en-US" sz="1800">
+                <a:latin typeface="Sylfaen" panose="010A0502050306030303" pitchFamily="18" charset="0"/>
+              </a:rPr>
+              <a:t>(Transmission Control Protocol)</a:t>
+            </a:r>
+          </a:p>
+          <a:p>
+            <a:pPr marL="0" indent="0" algn="ctr">
               <a:buNone/>
             </a:pPr>
             <a:endParaRPr lang="en-US">
@@ -3775,37 +4043,18 @@
               <a:rPr lang="en-US">
                 <a:latin typeface="Sylfaen" panose="010A0502050306030303" pitchFamily="18" charset="0"/>
               </a:rPr>
-              <a:t>     URL                                        URN</a:t>
-            </a:r>
-            <a:endParaRPr lang="en-US"/>
+              <a:t>IP</a:t>
+            </a:r>
           </a:p>
           <a:p>
             <a:pPr marL="0" indent="0" algn="ctr">
               <a:buNone/>
             </a:pPr>
-            <a:endParaRPr lang="en-US"/>
-          </a:p>
-          <a:p>
-            <a:pPr marL="0" indent="0" algn="ctr">
-              <a:buNone/>
-            </a:pPr>
-            <a:r>
-              <a:rPr lang="en-US">
-                <a:solidFill>
-                  <a:schemeClr val="accent1"/>
-                </a:solidFill>
+            <a:r>
+              <a:rPr lang="en-US" sz="1800">
                 <a:latin typeface="Sylfaen" panose="010A0502050306030303" pitchFamily="18" charset="0"/>
               </a:rPr>
-              <a:t>https://www.tutorialspoint.com</a:t>
-            </a:r>
-            <a:r>
-              <a:rPr lang="en-US">
-                <a:solidFill>
-                  <a:schemeClr val="accent6"/>
-                </a:solidFill>
-                <a:latin typeface="Sylfaen" panose="010A0502050306030303" pitchFamily="18" charset="0"/>
-              </a:rPr>
-              <a:t>/http/http_messages.html</a:t>
+              <a:t>(Internet Protocol)</a:t>
             </a:r>
           </a:p>
           <a:p>
@@ -3820,12 +4069,9 @@
             <a:pPr marL="0" indent="0" algn="ctr">
               <a:buNone/>
             </a:pPr>
-            <a:r>
-              <a:rPr lang="en-US">
-                <a:latin typeface="Sylfaen" panose="010A0502050306030303" pitchFamily="18" charset="0"/>
-              </a:rPr>
-              <a:t>URI</a:t>
-            </a:r>
+            <a:endParaRPr lang="en-US">
+              <a:latin typeface="Sylfaen" panose="010A0502050306030303" pitchFamily="18" charset="0"/>
+            </a:endParaRPr>
           </a:p>
         </p:txBody>
       </p:sp>
@@ -3834,7 +4080,7 @@
           <p:cNvPr id="4" name="Straight Connector 3">
             <a:extLst>
               <a:ext uri="{FF2B5EF4-FFF2-40B4-BE49-F238E27FC236}">
-                <a16:creationId xmlns:a16="http://schemas.microsoft.com/office/drawing/2014/main" id="{B180E1CA-9310-457F-9829-58342A066527}"/>
+                <a16:creationId xmlns:a16="http://schemas.microsoft.com/office/drawing/2014/main" id="{7689B796-4B3A-46FF-926E-AD6FE19A8D25}"/>
               </a:ext>
             </a:extLst>
           </p:cNvPr>
@@ -3845,7 +4091,7 @@
         </p:nvCxnSpPr>
         <p:spPr>
           <a:xfrm>
-            <a:off x="569235" y="1196816"/>
+            <a:off x="569235" y="1092314"/>
             <a:ext cx="11053530" cy="0"/>
           </a:xfrm>
           <a:prstGeom prst="line">
@@ -3867,12 +4113,325 @@
           </a:fontRef>
         </p:style>
       </p:cxnSp>
-      <p:sp>
-        <p:nvSpPr>
-          <p:cNvPr id="5" name="Right Brace 4">
-            <a:extLst>
-              <a:ext uri="{FF2B5EF4-FFF2-40B4-BE49-F238E27FC236}">
-                <a16:creationId xmlns:a16="http://schemas.microsoft.com/office/drawing/2014/main" id="{CF713E70-B999-4D55-8353-EA7F0BA5B933}"/>
+      <p:cxnSp>
+        <p:nvCxnSpPr>
+          <p:cNvPr id="6" name="Straight Arrow Connector 5">
+            <a:extLst>
+              <a:ext uri="{FF2B5EF4-FFF2-40B4-BE49-F238E27FC236}">
+                <a16:creationId xmlns:a16="http://schemas.microsoft.com/office/drawing/2014/main" id="{81D33DEE-8091-441F-B570-9883FE141218}"/>
+              </a:ext>
+            </a:extLst>
+          </p:cNvPr>
+          <p:cNvCxnSpPr/>
+          <p:nvPr/>
+        </p:nvCxnSpPr>
+        <p:spPr>
+          <a:xfrm>
+            <a:off x="2934062" y="2529840"/>
+            <a:ext cx="0" cy="367008"/>
+          </a:xfrm>
+          <a:prstGeom prst="straightConnector1">
+            <a:avLst/>
+          </a:prstGeom>
+          <a:ln>
+            <a:tailEnd type="triangle"/>
+          </a:ln>
+        </p:spPr>
+        <p:style>
+          <a:lnRef idx="3">
+            <a:schemeClr val="dk1"/>
+          </a:lnRef>
+          <a:fillRef idx="0">
+            <a:schemeClr val="dk1"/>
+          </a:fillRef>
+          <a:effectRef idx="2">
+            <a:schemeClr val="dk1"/>
+          </a:effectRef>
+          <a:fontRef idx="minor">
+            <a:schemeClr val="tx1"/>
+          </a:fontRef>
+        </p:style>
+      </p:cxnSp>
+      <p:cxnSp>
+        <p:nvCxnSpPr>
+          <p:cNvPr id="7" name="Straight Arrow Connector 6">
+            <a:extLst>
+              <a:ext uri="{FF2B5EF4-FFF2-40B4-BE49-F238E27FC236}">
+                <a16:creationId xmlns:a16="http://schemas.microsoft.com/office/drawing/2014/main" id="{8E5561D9-0F94-4B39-87D7-83AEBB8F05C9}"/>
+              </a:ext>
+            </a:extLst>
+          </p:cNvPr>
+          <p:cNvCxnSpPr/>
+          <p:nvPr/>
+        </p:nvCxnSpPr>
+        <p:spPr>
+          <a:xfrm>
+            <a:off x="2934062" y="4010298"/>
+            <a:ext cx="0" cy="367008"/>
+          </a:xfrm>
+          <a:prstGeom prst="straightConnector1">
+            <a:avLst/>
+          </a:prstGeom>
+          <a:ln>
+            <a:tailEnd type="triangle"/>
+          </a:ln>
+        </p:spPr>
+        <p:style>
+          <a:lnRef idx="3">
+            <a:schemeClr val="dk1"/>
+          </a:lnRef>
+          <a:fillRef idx="0">
+            <a:schemeClr val="dk1"/>
+          </a:fillRef>
+          <a:effectRef idx="2">
+            <a:schemeClr val="dk1"/>
+          </a:effectRef>
+          <a:fontRef idx="minor">
+            <a:schemeClr val="tx1"/>
+          </a:fontRef>
+        </p:style>
+      </p:cxnSp>
+      <p:sp>
+        <p:nvSpPr>
+          <p:cNvPr id="8" name="Content Placeholder 2">
+            <a:extLst>
+              <a:ext uri="{FF2B5EF4-FFF2-40B4-BE49-F238E27FC236}">
+                <a16:creationId xmlns:a16="http://schemas.microsoft.com/office/drawing/2014/main" id="{39CB8157-5C73-463F-892C-71ED35060698}"/>
+              </a:ext>
+            </a:extLst>
+          </p:cNvPr>
+          <p:cNvSpPr txBox="1">
+            <a:spLocks/>
+          </p:cNvSpPr>
+          <p:nvPr/>
+        </p:nvSpPr>
+        <p:spPr>
+          <a:xfrm>
+            <a:off x="6633754" y="1580607"/>
+            <a:ext cx="3877491" cy="3448594"/>
+          </a:xfrm>
+          <a:prstGeom prst="rect">
+            <a:avLst/>
+          </a:prstGeom>
+        </p:spPr>
+        <p:txBody>
+          <a:bodyPr vert="horz" lIns="91440" tIns="45720" rIns="91440" bIns="45720" rtlCol="0">
+            <a:normAutofit/>
+          </a:bodyPr>
+          <a:lstStyle>
+            <a:lvl1pPr marL="228600" indent="-228600" algn="l" defTabSz="914400" rtl="0" eaLnBrk="1" latinLnBrk="0" hangingPunct="1">
+              <a:lnSpc>
+                <a:spcPct val="90000"/>
+              </a:lnSpc>
+              <a:spcBef>
+                <a:spcPts val="1000"/>
+              </a:spcBef>
+              <a:buFont typeface="Arial" panose="020B0604020202020204" pitchFamily="34" charset="0"/>
+              <a:buChar char="•"/>
+              <a:defRPr sz="2800" kern="1200">
+                <a:solidFill>
+                  <a:schemeClr val="tx1"/>
+                </a:solidFill>
+                <a:latin typeface="+mn-lt"/>
+                <a:ea typeface="+mn-ea"/>
+                <a:cs typeface="+mn-cs"/>
+              </a:defRPr>
+            </a:lvl1pPr>
+            <a:lvl2pPr marL="685800" indent="-228600" algn="l" defTabSz="914400" rtl="0" eaLnBrk="1" latinLnBrk="0" hangingPunct="1">
+              <a:lnSpc>
+                <a:spcPct val="90000"/>
+              </a:lnSpc>
+              <a:spcBef>
+                <a:spcPts val="500"/>
+              </a:spcBef>
+              <a:buFont typeface="Arial" panose="020B0604020202020204" pitchFamily="34" charset="0"/>
+              <a:buChar char="•"/>
+              <a:defRPr sz="2400" kern="1200">
+                <a:solidFill>
+                  <a:schemeClr val="tx1"/>
+                </a:solidFill>
+                <a:latin typeface="+mn-lt"/>
+                <a:ea typeface="+mn-ea"/>
+                <a:cs typeface="+mn-cs"/>
+              </a:defRPr>
+            </a:lvl2pPr>
+            <a:lvl3pPr marL="1143000" indent="-228600" algn="l" defTabSz="914400" rtl="0" eaLnBrk="1" latinLnBrk="0" hangingPunct="1">
+              <a:lnSpc>
+                <a:spcPct val="90000"/>
+              </a:lnSpc>
+              <a:spcBef>
+                <a:spcPts val="500"/>
+              </a:spcBef>
+              <a:buFont typeface="Arial" panose="020B0604020202020204" pitchFamily="34" charset="0"/>
+              <a:buChar char="•"/>
+              <a:defRPr sz="2000" kern="1200">
+                <a:solidFill>
+                  <a:schemeClr val="tx1"/>
+                </a:solidFill>
+                <a:latin typeface="+mn-lt"/>
+                <a:ea typeface="+mn-ea"/>
+                <a:cs typeface="+mn-cs"/>
+              </a:defRPr>
+            </a:lvl3pPr>
+            <a:lvl4pPr marL="1600200" indent="-228600" algn="l" defTabSz="914400" rtl="0" eaLnBrk="1" latinLnBrk="0" hangingPunct="1">
+              <a:lnSpc>
+                <a:spcPct val="90000"/>
+              </a:lnSpc>
+              <a:spcBef>
+                <a:spcPts val="500"/>
+              </a:spcBef>
+              <a:buFont typeface="Arial" panose="020B0604020202020204" pitchFamily="34" charset="0"/>
+              <a:buChar char="•"/>
+              <a:defRPr sz="1800" kern="1200">
+                <a:solidFill>
+                  <a:schemeClr val="tx1"/>
+                </a:solidFill>
+                <a:latin typeface="+mn-lt"/>
+                <a:ea typeface="+mn-ea"/>
+                <a:cs typeface="+mn-cs"/>
+              </a:defRPr>
+            </a:lvl4pPr>
+            <a:lvl5pPr marL="2057400" indent="-228600" algn="l" defTabSz="914400" rtl="0" eaLnBrk="1" latinLnBrk="0" hangingPunct="1">
+              <a:lnSpc>
+                <a:spcPct val="90000"/>
+              </a:lnSpc>
+              <a:spcBef>
+                <a:spcPts val="500"/>
+              </a:spcBef>
+              <a:buFont typeface="Arial" panose="020B0604020202020204" pitchFamily="34" charset="0"/>
+              <a:buChar char="•"/>
+              <a:defRPr sz="1800" kern="1200">
+                <a:solidFill>
+                  <a:schemeClr val="tx1"/>
+                </a:solidFill>
+                <a:latin typeface="+mn-lt"/>
+                <a:ea typeface="+mn-ea"/>
+                <a:cs typeface="+mn-cs"/>
+              </a:defRPr>
+            </a:lvl5pPr>
+            <a:lvl6pPr marL="2514600" indent="-228600" algn="l" defTabSz="914400" rtl="0" eaLnBrk="1" latinLnBrk="0" hangingPunct="1">
+              <a:lnSpc>
+                <a:spcPct val="90000"/>
+              </a:lnSpc>
+              <a:spcBef>
+                <a:spcPts val="500"/>
+              </a:spcBef>
+              <a:buFont typeface="Arial" panose="020B0604020202020204" pitchFamily="34" charset="0"/>
+              <a:buChar char="•"/>
+              <a:defRPr sz="1800" kern="1200">
+                <a:solidFill>
+                  <a:schemeClr val="tx1"/>
+                </a:solidFill>
+                <a:latin typeface="+mn-lt"/>
+                <a:ea typeface="+mn-ea"/>
+                <a:cs typeface="+mn-cs"/>
+              </a:defRPr>
+            </a:lvl6pPr>
+            <a:lvl7pPr marL="2971800" indent="-228600" algn="l" defTabSz="914400" rtl="0" eaLnBrk="1" latinLnBrk="0" hangingPunct="1">
+              <a:lnSpc>
+                <a:spcPct val="90000"/>
+              </a:lnSpc>
+              <a:spcBef>
+                <a:spcPts val="500"/>
+              </a:spcBef>
+              <a:buFont typeface="Arial" panose="020B0604020202020204" pitchFamily="34" charset="0"/>
+              <a:buChar char="•"/>
+              <a:defRPr sz="1800" kern="1200">
+                <a:solidFill>
+                  <a:schemeClr val="tx1"/>
+                </a:solidFill>
+                <a:latin typeface="+mn-lt"/>
+                <a:ea typeface="+mn-ea"/>
+                <a:cs typeface="+mn-cs"/>
+              </a:defRPr>
+            </a:lvl7pPr>
+            <a:lvl8pPr marL="3429000" indent="-228600" algn="l" defTabSz="914400" rtl="0" eaLnBrk="1" latinLnBrk="0" hangingPunct="1">
+              <a:lnSpc>
+                <a:spcPct val="90000"/>
+              </a:lnSpc>
+              <a:spcBef>
+                <a:spcPts val="500"/>
+              </a:spcBef>
+              <a:buFont typeface="Arial" panose="020B0604020202020204" pitchFamily="34" charset="0"/>
+              <a:buChar char="•"/>
+              <a:defRPr sz="1800" kern="1200">
+                <a:solidFill>
+                  <a:schemeClr val="tx1"/>
+                </a:solidFill>
+                <a:latin typeface="+mn-lt"/>
+                <a:ea typeface="+mn-ea"/>
+                <a:cs typeface="+mn-cs"/>
+              </a:defRPr>
+            </a:lvl8pPr>
+            <a:lvl9pPr marL="3886200" indent="-228600" algn="l" defTabSz="914400" rtl="0" eaLnBrk="1" latinLnBrk="0" hangingPunct="1">
+              <a:lnSpc>
+                <a:spcPct val="90000"/>
+              </a:lnSpc>
+              <a:spcBef>
+                <a:spcPts val="500"/>
+              </a:spcBef>
+              <a:buFont typeface="Arial" panose="020B0604020202020204" pitchFamily="34" charset="0"/>
+              <a:buChar char="•"/>
+              <a:defRPr sz="1800" kern="1200">
+                <a:solidFill>
+                  <a:schemeClr val="tx1"/>
+                </a:solidFill>
+                <a:latin typeface="+mn-lt"/>
+                <a:ea typeface="+mn-ea"/>
+                <a:cs typeface="+mn-cs"/>
+              </a:defRPr>
+            </a:lvl9pPr>
+          </a:lstStyle>
+          <a:p>
+            <a:pPr marL="0" indent="0" algn="ctr">
+              <a:buFont typeface="Arial" panose="020B0604020202020204" pitchFamily="34" charset="0"/>
+              <a:buNone/>
+            </a:pPr>
+            <a:endParaRPr lang="en-US">
+              <a:latin typeface="Sylfaen" panose="010A0502050306030303" pitchFamily="18" charset="0"/>
+            </a:endParaRPr>
+          </a:p>
+          <a:p>
+            <a:pPr marL="0" indent="0" algn="ctr">
+              <a:buFont typeface="Arial" panose="020B0604020202020204" pitchFamily="34" charset="0"/>
+              <a:buNone/>
+            </a:pPr>
+            <a:r>
+              <a:rPr lang="en-US">
+                <a:latin typeface="Sylfaen" panose="010A0502050306030303" pitchFamily="18" charset="0"/>
+              </a:rPr>
+              <a:t>IPAdress:port</a:t>
+            </a:r>
+          </a:p>
+          <a:p>
+            <a:pPr marL="0" indent="0" algn="ctr">
+              <a:buFont typeface="Arial" panose="020B0604020202020204" pitchFamily="34" charset="0"/>
+              <a:buNone/>
+            </a:pPr>
+            <a:endParaRPr lang="en-US">
+              <a:latin typeface="Sylfaen" panose="010A0502050306030303" pitchFamily="18" charset="0"/>
+            </a:endParaRPr>
+          </a:p>
+          <a:p>
+            <a:pPr marL="0" indent="0" algn="ctr">
+              <a:buFont typeface="Arial" panose="020B0604020202020204" pitchFamily="34" charset="0"/>
+              <a:buNone/>
+            </a:pPr>
+            <a:r>
+              <a:rPr lang="en-US">
+                <a:latin typeface="Sylfaen" panose="010A0502050306030303" pitchFamily="18" charset="0"/>
+              </a:rPr>
+              <a:t>socket</a:t>
+            </a:r>
+          </a:p>
+        </p:txBody>
+      </p:sp>
+      <p:sp>
+        <p:nvSpPr>
+          <p:cNvPr id="9" name="Left Brace 8">
+            <a:extLst>
+              <a:ext uri="{FF2B5EF4-FFF2-40B4-BE49-F238E27FC236}">
+                <a16:creationId xmlns:a16="http://schemas.microsoft.com/office/drawing/2014/main" id="{E57D7E06-B1F9-4B0E-B24C-345DF8591E40}"/>
               </a:ext>
             </a:extLst>
           </p:cNvPr>
@@ -3880,11 +4439,11 @@
           <p:nvPr/>
         </p:nvSpPr>
         <p:spPr>
-          <a:xfrm rot="5400000">
-            <a:off x="5921743" y="696391"/>
-            <a:ext cx="348513" cy="8490859"/>
+          <a:xfrm rot="16200000">
+            <a:off x="8372396" y="1724650"/>
+            <a:ext cx="367008" cy="2142851"/>
           </a:xfrm>
-          <a:prstGeom prst="rightBrace">
+          <a:prstGeom prst="leftBrace">
             <a:avLst/>
           </a:prstGeom>
         </p:spPr>
@@ -3911,98 +4470,10 @@
           </a:p>
         </p:txBody>
       </p:sp>
-      <p:sp>
-        <p:nvSpPr>
-          <p:cNvPr id="6" name="Right Brace 5">
-            <a:extLst>
-              <a:ext uri="{FF2B5EF4-FFF2-40B4-BE49-F238E27FC236}">
-                <a16:creationId xmlns:a16="http://schemas.microsoft.com/office/drawing/2014/main" id="{2A7D10A5-E82A-4C47-AFF1-393C45944251}"/>
-              </a:ext>
-            </a:extLst>
-          </p:cNvPr>
-          <p:cNvSpPr/>
-          <p:nvPr/>
-        </p:nvSpPr>
-        <p:spPr>
-          <a:xfrm rot="16200000">
-            <a:off x="4014566" y="1510524"/>
-            <a:ext cx="348513" cy="4676505"/>
-          </a:xfrm>
-          <a:prstGeom prst="rightBrace">
-            <a:avLst/>
-          </a:prstGeom>
-        </p:spPr>
-        <p:style>
-          <a:lnRef idx="3">
-            <a:schemeClr val="accent1"/>
-          </a:lnRef>
-          <a:fillRef idx="0">
-            <a:schemeClr val="accent1"/>
-          </a:fillRef>
-          <a:effectRef idx="2">
-            <a:schemeClr val="accent1"/>
-          </a:effectRef>
-          <a:fontRef idx="minor">
-            <a:schemeClr val="tx1"/>
-          </a:fontRef>
-        </p:style>
-        <p:txBody>
-          <a:bodyPr rtlCol="0" anchor="ctr"/>
-          <a:lstStyle/>
-          <a:p>
-            <a:pPr algn="ctr"/>
-            <a:endParaRPr lang="en-US"/>
-          </a:p>
-        </p:txBody>
-      </p:sp>
-      <p:sp>
-        <p:nvSpPr>
-          <p:cNvPr id="7" name="Right Brace 6">
-            <a:extLst>
-              <a:ext uri="{FF2B5EF4-FFF2-40B4-BE49-F238E27FC236}">
-                <a16:creationId xmlns:a16="http://schemas.microsoft.com/office/drawing/2014/main" id="{EBEB322A-584C-4850-B905-7AC2DC4B1678}"/>
-              </a:ext>
-            </a:extLst>
-          </p:cNvPr>
-          <p:cNvSpPr/>
-          <p:nvPr/>
-        </p:nvSpPr>
-        <p:spPr>
-          <a:xfrm rot="16200000">
-            <a:off x="8259996" y="1941600"/>
-            <a:ext cx="348513" cy="3814353"/>
-          </a:xfrm>
-          <a:prstGeom prst="rightBrace">
-            <a:avLst/>
-          </a:prstGeom>
-        </p:spPr>
-        <p:style>
-          <a:lnRef idx="3">
-            <a:schemeClr val="accent6"/>
-          </a:lnRef>
-          <a:fillRef idx="0">
-            <a:schemeClr val="accent6"/>
-          </a:fillRef>
-          <a:effectRef idx="2">
-            <a:schemeClr val="accent6"/>
-          </a:effectRef>
-          <a:fontRef idx="minor">
-            <a:schemeClr val="tx1"/>
-          </a:fontRef>
-        </p:style>
-        <p:txBody>
-          <a:bodyPr rtlCol="0" anchor="ctr"/>
-          <a:lstStyle/>
-          <a:p>
-            <a:pPr algn="ctr"/>
-            <a:endParaRPr lang="en-US"/>
-          </a:p>
-        </p:txBody>
-      </p:sp>
     </p:spTree>
     <p:extLst>
       <p:ext uri="{BB962C8B-B14F-4D97-AF65-F5344CB8AC3E}">
-        <p14:creationId xmlns:p14="http://schemas.microsoft.com/office/powerpoint/2010/main" val="3867997155"/>
+        <p14:creationId xmlns:p14="http://schemas.microsoft.com/office/powerpoint/2010/main" val="2044536160"/>
       </p:ext>
     </p:extLst>
   </p:cSld>
@@ -4034,7 +4505,587 @@
           <p:cNvPr id="2" name="Title 1">
             <a:extLst>
               <a:ext uri="{FF2B5EF4-FFF2-40B4-BE49-F238E27FC236}">
-                <a16:creationId xmlns:a16="http://schemas.microsoft.com/office/drawing/2014/main" id="{96849BA6-1473-49AB-B355-42E4590C7FDF}"/>
+                <a16:creationId xmlns:a16="http://schemas.microsoft.com/office/drawing/2014/main" id="{F646EBEB-43E8-4BE3-8015-09CF10C2C6E7}"/>
+              </a:ext>
+            </a:extLst>
+          </p:cNvPr>
+          <p:cNvSpPr>
+            <a:spLocks noGrp="1"/>
+          </p:cNvSpPr>
+          <p:nvPr>
+            <p:ph type="title"/>
+          </p:nvPr>
+        </p:nvSpPr>
+        <p:spPr>
+          <a:xfrm>
+            <a:off x="838200" y="-151695"/>
+            <a:ext cx="10515600" cy="1325563"/>
+          </a:xfrm>
+        </p:spPr>
+        <p:txBody>
+          <a:bodyPr/>
+          <a:lstStyle/>
+          <a:p>
+            <a:pPr algn="ctr"/>
+            <a:r>
+              <a:rPr lang="en-US">
+                <a:latin typeface="Sylfaen" panose="010A0502050306030303" pitchFamily="18" charset="0"/>
+              </a:rPr>
+              <a:t>URI/URL/URN</a:t>
+            </a:r>
+          </a:p>
+        </p:txBody>
+      </p:sp>
+      <p:sp>
+        <p:nvSpPr>
+          <p:cNvPr id="3" name="Content Placeholder 2">
+            <a:extLst>
+              <a:ext uri="{FF2B5EF4-FFF2-40B4-BE49-F238E27FC236}">
+                <a16:creationId xmlns:a16="http://schemas.microsoft.com/office/drawing/2014/main" id="{AD64396E-FDBB-4E65-AAD1-EEF3F2ADC391}"/>
+              </a:ext>
+            </a:extLst>
+          </p:cNvPr>
+          <p:cNvSpPr>
+            <a:spLocks noGrp="1"/>
+          </p:cNvSpPr>
+          <p:nvPr>
+            <p:ph idx="1"/>
+          </p:nvPr>
+        </p:nvSpPr>
+        <p:spPr>
+          <a:xfrm>
+            <a:off x="838199" y="1173868"/>
+            <a:ext cx="10515600" cy="3241245"/>
+          </a:xfrm>
+        </p:spPr>
+        <p:txBody>
+          <a:bodyPr>
+            <a:normAutofit/>
+          </a:bodyPr>
+          <a:lstStyle/>
+          <a:p>
+            <a:pPr marL="0" indent="0" algn="just">
+              <a:buNone/>
+            </a:pPr>
+            <a:r>
+              <a:rPr lang="en-US">
+                <a:latin typeface="Sylfaen" panose="010A0502050306030303" pitchFamily="18" charset="0"/>
+              </a:rPr>
+              <a:t>                                 URL                                       URN</a:t>
+            </a:r>
+          </a:p>
+          <a:p>
+            <a:pPr marL="0" indent="0" algn="just">
+              <a:buNone/>
+            </a:pPr>
+            <a:r>
+              <a:rPr lang="en-US" sz="1800">
+                <a:latin typeface="Sylfaen" panose="010A0502050306030303" pitchFamily="18" charset="0"/>
+              </a:rPr>
+              <a:t>                                 (Uniform Resource Locator)                             (Uniform Resource Name)  </a:t>
+            </a:r>
+          </a:p>
+          <a:p>
+            <a:pPr marL="0" indent="0" algn="just">
+              <a:buNone/>
+            </a:pPr>
+            <a:endParaRPr lang="en-US" sz="1800">
+              <a:latin typeface="Sylfaen" panose="010A0502050306030303" pitchFamily="18" charset="0"/>
+            </a:endParaRPr>
+          </a:p>
+          <a:p>
+            <a:pPr marL="0" indent="0" algn="ctr">
+              <a:buNone/>
+            </a:pPr>
+            <a:r>
+              <a:rPr lang="en-US">
+                <a:solidFill>
+                  <a:schemeClr val="accent1"/>
+                </a:solidFill>
+                <a:latin typeface="Sylfaen" panose="010A0502050306030303" pitchFamily="18" charset="0"/>
+              </a:rPr>
+              <a:t>https://www.tutorialspoint.com</a:t>
+            </a:r>
+            <a:r>
+              <a:rPr lang="en-US">
+                <a:solidFill>
+                  <a:schemeClr val="accent6"/>
+                </a:solidFill>
+                <a:latin typeface="Sylfaen" panose="010A0502050306030303" pitchFamily="18" charset="0"/>
+              </a:rPr>
+              <a:t>/http/http_messages.html</a:t>
+            </a:r>
+          </a:p>
+          <a:p>
+            <a:pPr marL="0" indent="0" algn="ctr">
+              <a:buNone/>
+            </a:pPr>
+            <a:endParaRPr lang="en-US">
+              <a:latin typeface="Sylfaen" panose="010A0502050306030303" pitchFamily="18" charset="0"/>
+            </a:endParaRPr>
+          </a:p>
+          <a:p>
+            <a:pPr marL="0" indent="0" algn="ctr">
+              <a:buNone/>
+            </a:pPr>
+            <a:r>
+              <a:rPr lang="en-US">
+                <a:latin typeface="Sylfaen" panose="010A0502050306030303" pitchFamily="18" charset="0"/>
+              </a:rPr>
+              <a:t>URI</a:t>
+            </a:r>
+          </a:p>
+          <a:p>
+            <a:pPr marL="0" indent="0" algn="ctr">
+              <a:buNone/>
+            </a:pPr>
+            <a:r>
+              <a:rPr lang="en-US" sz="1800">
+                <a:latin typeface="Sylfaen" panose="010A0502050306030303" pitchFamily="18" charset="0"/>
+              </a:rPr>
+              <a:t>(Uniform Resource Identifier)</a:t>
+            </a:r>
+          </a:p>
+        </p:txBody>
+      </p:sp>
+      <p:cxnSp>
+        <p:nvCxnSpPr>
+          <p:cNvPr id="4" name="Straight Connector 3">
+            <a:extLst>
+              <a:ext uri="{FF2B5EF4-FFF2-40B4-BE49-F238E27FC236}">
+                <a16:creationId xmlns:a16="http://schemas.microsoft.com/office/drawing/2014/main" id="{B180E1CA-9310-457F-9829-58342A066527}"/>
+              </a:ext>
+            </a:extLst>
+          </p:cNvPr>
+          <p:cNvCxnSpPr>
+            <a:cxnSpLocks/>
+          </p:cNvCxnSpPr>
+          <p:nvPr/>
+        </p:nvCxnSpPr>
+        <p:spPr>
+          <a:xfrm>
+            <a:off x="569234" y="948622"/>
+            <a:ext cx="11053530" cy="0"/>
+          </a:xfrm>
+          <a:prstGeom prst="line">
+            <a:avLst/>
+          </a:prstGeom>
+        </p:spPr>
+        <p:style>
+          <a:lnRef idx="3">
+            <a:schemeClr val="accent1"/>
+          </a:lnRef>
+          <a:fillRef idx="0">
+            <a:schemeClr val="accent1"/>
+          </a:fillRef>
+          <a:effectRef idx="2">
+            <a:schemeClr val="accent1"/>
+          </a:effectRef>
+          <a:fontRef idx="minor">
+            <a:schemeClr val="tx1"/>
+          </a:fontRef>
+        </p:style>
+      </p:cxnSp>
+      <p:sp>
+        <p:nvSpPr>
+          <p:cNvPr id="5" name="Right Brace 4">
+            <a:extLst>
+              <a:ext uri="{FF2B5EF4-FFF2-40B4-BE49-F238E27FC236}">
+                <a16:creationId xmlns:a16="http://schemas.microsoft.com/office/drawing/2014/main" id="{CF713E70-B999-4D55-8353-EA7F0BA5B933}"/>
+              </a:ext>
+            </a:extLst>
+          </p:cNvPr>
+          <p:cNvSpPr/>
+          <p:nvPr/>
+        </p:nvSpPr>
+        <p:spPr>
+          <a:xfrm rot="5400000">
+            <a:off x="5921744" y="-1161915"/>
+            <a:ext cx="348513" cy="8490859"/>
+          </a:xfrm>
+          <a:prstGeom prst="rightBrace">
+            <a:avLst/>
+          </a:prstGeom>
+        </p:spPr>
+        <p:style>
+          <a:lnRef idx="3">
+            <a:schemeClr val="dk1"/>
+          </a:lnRef>
+          <a:fillRef idx="0">
+            <a:schemeClr val="dk1"/>
+          </a:fillRef>
+          <a:effectRef idx="2">
+            <a:schemeClr val="dk1"/>
+          </a:effectRef>
+          <a:fontRef idx="minor">
+            <a:schemeClr val="tx1"/>
+          </a:fontRef>
+        </p:style>
+        <p:txBody>
+          <a:bodyPr rtlCol="0" anchor="ctr"/>
+          <a:lstStyle/>
+          <a:p>
+            <a:pPr algn="ctr"/>
+            <a:endParaRPr lang="en-US"/>
+          </a:p>
+        </p:txBody>
+      </p:sp>
+      <p:sp>
+        <p:nvSpPr>
+          <p:cNvPr id="6" name="Right Brace 5">
+            <a:extLst>
+              <a:ext uri="{FF2B5EF4-FFF2-40B4-BE49-F238E27FC236}">
+                <a16:creationId xmlns:a16="http://schemas.microsoft.com/office/drawing/2014/main" id="{2A7D10A5-E82A-4C47-AFF1-393C45944251}"/>
+              </a:ext>
+            </a:extLst>
+          </p:cNvPr>
+          <p:cNvSpPr/>
+          <p:nvPr/>
+        </p:nvSpPr>
+        <p:spPr>
+          <a:xfrm rot="16200000">
+            <a:off x="4014567" y="-122432"/>
+            <a:ext cx="348513" cy="4676505"/>
+          </a:xfrm>
+          <a:prstGeom prst="rightBrace">
+            <a:avLst/>
+          </a:prstGeom>
+        </p:spPr>
+        <p:style>
+          <a:lnRef idx="3">
+            <a:schemeClr val="accent1"/>
+          </a:lnRef>
+          <a:fillRef idx="0">
+            <a:schemeClr val="accent1"/>
+          </a:fillRef>
+          <a:effectRef idx="2">
+            <a:schemeClr val="accent1"/>
+          </a:effectRef>
+          <a:fontRef idx="minor">
+            <a:schemeClr val="tx1"/>
+          </a:fontRef>
+        </p:style>
+        <p:txBody>
+          <a:bodyPr rtlCol="0" anchor="ctr"/>
+          <a:lstStyle/>
+          <a:p>
+            <a:pPr algn="ctr"/>
+            <a:endParaRPr lang="en-US"/>
+          </a:p>
+        </p:txBody>
+      </p:sp>
+      <p:sp>
+        <p:nvSpPr>
+          <p:cNvPr id="7" name="Right Brace 6">
+            <a:extLst>
+              <a:ext uri="{FF2B5EF4-FFF2-40B4-BE49-F238E27FC236}">
+                <a16:creationId xmlns:a16="http://schemas.microsoft.com/office/drawing/2014/main" id="{EBEB322A-584C-4850-B905-7AC2DC4B1678}"/>
+              </a:ext>
+            </a:extLst>
+          </p:cNvPr>
+          <p:cNvSpPr/>
+          <p:nvPr/>
+        </p:nvSpPr>
+        <p:spPr>
+          <a:xfrm rot="16200000">
+            <a:off x="8259996" y="308643"/>
+            <a:ext cx="348513" cy="3814353"/>
+          </a:xfrm>
+          <a:prstGeom prst="rightBrace">
+            <a:avLst/>
+          </a:prstGeom>
+        </p:spPr>
+        <p:style>
+          <a:lnRef idx="3">
+            <a:schemeClr val="accent6"/>
+          </a:lnRef>
+          <a:fillRef idx="0">
+            <a:schemeClr val="accent6"/>
+          </a:fillRef>
+          <a:effectRef idx="2">
+            <a:schemeClr val="accent6"/>
+          </a:effectRef>
+          <a:fontRef idx="minor">
+            <a:schemeClr val="tx1"/>
+          </a:fontRef>
+        </p:style>
+        <p:txBody>
+          <a:bodyPr rtlCol="0" anchor="ctr"/>
+          <a:lstStyle/>
+          <a:p>
+            <a:pPr algn="ctr"/>
+            <a:endParaRPr lang="en-US"/>
+          </a:p>
+        </p:txBody>
+      </p:sp>
+      <p:sp>
+        <p:nvSpPr>
+          <p:cNvPr id="8" name="Content Placeholder 2">
+            <a:extLst>
+              <a:ext uri="{FF2B5EF4-FFF2-40B4-BE49-F238E27FC236}">
+                <a16:creationId xmlns:a16="http://schemas.microsoft.com/office/drawing/2014/main" id="{0CF57BA9-DD90-43CB-9F53-708EDCE0427E}"/>
+              </a:ext>
+            </a:extLst>
+          </p:cNvPr>
+          <p:cNvSpPr txBox="1">
+            <a:spLocks/>
+          </p:cNvSpPr>
+          <p:nvPr/>
+        </p:nvSpPr>
+        <p:spPr>
+          <a:xfrm>
+            <a:off x="1615440" y="4640358"/>
+            <a:ext cx="8961119" cy="1763802"/>
+          </a:xfrm>
+          <a:prstGeom prst="rect">
+            <a:avLst/>
+          </a:prstGeom>
+        </p:spPr>
+        <p:txBody>
+          <a:bodyPr vert="horz" lIns="91440" tIns="45720" rIns="91440" bIns="45720" rtlCol="0">
+            <a:normAutofit/>
+          </a:bodyPr>
+          <a:lstStyle>
+            <a:lvl1pPr marL="228600" indent="-228600" algn="l" defTabSz="914400" rtl="0" eaLnBrk="1" latinLnBrk="0" hangingPunct="1">
+              <a:lnSpc>
+                <a:spcPct val="90000"/>
+              </a:lnSpc>
+              <a:spcBef>
+                <a:spcPts val="1000"/>
+              </a:spcBef>
+              <a:buFont typeface="Arial" panose="020B0604020202020204" pitchFamily="34" charset="0"/>
+              <a:buChar char="•"/>
+              <a:defRPr sz="2800" kern="1200">
+                <a:solidFill>
+                  <a:schemeClr val="tx1"/>
+                </a:solidFill>
+                <a:latin typeface="+mn-lt"/>
+                <a:ea typeface="+mn-ea"/>
+                <a:cs typeface="+mn-cs"/>
+              </a:defRPr>
+            </a:lvl1pPr>
+            <a:lvl2pPr marL="685800" indent="-228600" algn="l" defTabSz="914400" rtl="0" eaLnBrk="1" latinLnBrk="0" hangingPunct="1">
+              <a:lnSpc>
+                <a:spcPct val="90000"/>
+              </a:lnSpc>
+              <a:spcBef>
+                <a:spcPts val="500"/>
+              </a:spcBef>
+              <a:buFont typeface="Arial" panose="020B0604020202020204" pitchFamily="34" charset="0"/>
+              <a:buChar char="•"/>
+              <a:defRPr sz="2400" kern="1200">
+                <a:solidFill>
+                  <a:schemeClr val="tx1"/>
+                </a:solidFill>
+                <a:latin typeface="+mn-lt"/>
+                <a:ea typeface="+mn-ea"/>
+                <a:cs typeface="+mn-cs"/>
+              </a:defRPr>
+            </a:lvl2pPr>
+            <a:lvl3pPr marL="1143000" indent="-228600" algn="l" defTabSz="914400" rtl="0" eaLnBrk="1" latinLnBrk="0" hangingPunct="1">
+              <a:lnSpc>
+                <a:spcPct val="90000"/>
+              </a:lnSpc>
+              <a:spcBef>
+                <a:spcPts val="500"/>
+              </a:spcBef>
+              <a:buFont typeface="Arial" panose="020B0604020202020204" pitchFamily="34" charset="0"/>
+              <a:buChar char="•"/>
+              <a:defRPr sz="2000" kern="1200">
+                <a:solidFill>
+                  <a:schemeClr val="tx1"/>
+                </a:solidFill>
+                <a:latin typeface="+mn-lt"/>
+                <a:ea typeface="+mn-ea"/>
+                <a:cs typeface="+mn-cs"/>
+              </a:defRPr>
+            </a:lvl3pPr>
+            <a:lvl4pPr marL="1600200" indent="-228600" algn="l" defTabSz="914400" rtl="0" eaLnBrk="1" latinLnBrk="0" hangingPunct="1">
+              <a:lnSpc>
+                <a:spcPct val="90000"/>
+              </a:lnSpc>
+              <a:spcBef>
+                <a:spcPts val="500"/>
+              </a:spcBef>
+              <a:buFont typeface="Arial" panose="020B0604020202020204" pitchFamily="34" charset="0"/>
+              <a:buChar char="•"/>
+              <a:defRPr sz="1800" kern="1200">
+                <a:solidFill>
+                  <a:schemeClr val="tx1"/>
+                </a:solidFill>
+                <a:latin typeface="+mn-lt"/>
+                <a:ea typeface="+mn-ea"/>
+                <a:cs typeface="+mn-cs"/>
+              </a:defRPr>
+            </a:lvl4pPr>
+            <a:lvl5pPr marL="2057400" indent="-228600" algn="l" defTabSz="914400" rtl="0" eaLnBrk="1" latinLnBrk="0" hangingPunct="1">
+              <a:lnSpc>
+                <a:spcPct val="90000"/>
+              </a:lnSpc>
+              <a:spcBef>
+                <a:spcPts val="500"/>
+              </a:spcBef>
+              <a:buFont typeface="Arial" panose="020B0604020202020204" pitchFamily="34" charset="0"/>
+              <a:buChar char="•"/>
+              <a:defRPr sz="1800" kern="1200">
+                <a:solidFill>
+                  <a:schemeClr val="tx1"/>
+                </a:solidFill>
+                <a:latin typeface="+mn-lt"/>
+                <a:ea typeface="+mn-ea"/>
+                <a:cs typeface="+mn-cs"/>
+              </a:defRPr>
+            </a:lvl5pPr>
+            <a:lvl6pPr marL="2514600" indent="-228600" algn="l" defTabSz="914400" rtl="0" eaLnBrk="1" latinLnBrk="0" hangingPunct="1">
+              <a:lnSpc>
+                <a:spcPct val="90000"/>
+              </a:lnSpc>
+              <a:spcBef>
+                <a:spcPts val="500"/>
+              </a:spcBef>
+              <a:buFont typeface="Arial" panose="020B0604020202020204" pitchFamily="34" charset="0"/>
+              <a:buChar char="•"/>
+              <a:defRPr sz="1800" kern="1200">
+                <a:solidFill>
+                  <a:schemeClr val="tx1"/>
+                </a:solidFill>
+                <a:latin typeface="+mn-lt"/>
+                <a:ea typeface="+mn-ea"/>
+                <a:cs typeface="+mn-cs"/>
+              </a:defRPr>
+            </a:lvl6pPr>
+            <a:lvl7pPr marL="2971800" indent="-228600" algn="l" defTabSz="914400" rtl="0" eaLnBrk="1" latinLnBrk="0" hangingPunct="1">
+              <a:lnSpc>
+                <a:spcPct val="90000"/>
+              </a:lnSpc>
+              <a:spcBef>
+                <a:spcPts val="500"/>
+              </a:spcBef>
+              <a:buFont typeface="Arial" panose="020B0604020202020204" pitchFamily="34" charset="0"/>
+              <a:buChar char="•"/>
+              <a:defRPr sz="1800" kern="1200">
+                <a:solidFill>
+                  <a:schemeClr val="tx1"/>
+                </a:solidFill>
+                <a:latin typeface="+mn-lt"/>
+                <a:ea typeface="+mn-ea"/>
+                <a:cs typeface="+mn-cs"/>
+              </a:defRPr>
+            </a:lvl7pPr>
+            <a:lvl8pPr marL="3429000" indent="-228600" algn="l" defTabSz="914400" rtl="0" eaLnBrk="1" latinLnBrk="0" hangingPunct="1">
+              <a:lnSpc>
+                <a:spcPct val="90000"/>
+              </a:lnSpc>
+              <a:spcBef>
+                <a:spcPts val="500"/>
+              </a:spcBef>
+              <a:buFont typeface="Arial" panose="020B0604020202020204" pitchFamily="34" charset="0"/>
+              <a:buChar char="•"/>
+              <a:defRPr sz="1800" kern="1200">
+                <a:solidFill>
+                  <a:schemeClr val="tx1"/>
+                </a:solidFill>
+                <a:latin typeface="+mn-lt"/>
+                <a:ea typeface="+mn-ea"/>
+                <a:cs typeface="+mn-cs"/>
+              </a:defRPr>
+            </a:lvl8pPr>
+            <a:lvl9pPr marL="3886200" indent="-228600" algn="l" defTabSz="914400" rtl="0" eaLnBrk="1" latinLnBrk="0" hangingPunct="1">
+              <a:lnSpc>
+                <a:spcPct val="90000"/>
+              </a:lnSpc>
+              <a:spcBef>
+                <a:spcPts val="500"/>
+              </a:spcBef>
+              <a:buFont typeface="Arial" panose="020B0604020202020204" pitchFamily="34" charset="0"/>
+              <a:buChar char="•"/>
+              <a:defRPr sz="1800" kern="1200">
+                <a:solidFill>
+                  <a:schemeClr val="tx1"/>
+                </a:solidFill>
+                <a:latin typeface="+mn-lt"/>
+                <a:ea typeface="+mn-ea"/>
+                <a:cs typeface="+mn-cs"/>
+              </a:defRPr>
+            </a:lvl9pPr>
+          </a:lstStyle>
+          <a:p>
+            <a:pPr marL="0" indent="0" algn="ctr">
+              <a:lnSpc>
+                <a:spcPct val="150000"/>
+              </a:lnSpc>
+              <a:buNone/>
+            </a:pPr>
+            <a:r>
+              <a:rPr lang="en-US">
+                <a:latin typeface="Sylfaen" panose="010A0502050306030303" pitchFamily="18" charset="0"/>
+              </a:rPr>
+              <a:t>https://www.tutorialspoint.com/http/http_messages.html</a:t>
+            </a:r>
+          </a:p>
+          <a:p>
+            <a:pPr marL="0" indent="0" algn="ctr">
+              <a:lnSpc>
+                <a:spcPct val="150000"/>
+              </a:lnSpc>
+              <a:buNone/>
+            </a:pPr>
+            <a:r>
+              <a:rPr lang="en-US">
+                <a:latin typeface="Sylfaen" panose="010A0502050306030303" pitchFamily="18" charset="0"/>
+              </a:rPr>
+              <a:t>https://192.229.221.69:443/http/http_messages.html</a:t>
+            </a:r>
+          </a:p>
+          <a:p>
+            <a:pPr marL="0" indent="0" algn="ctr">
+              <a:buNone/>
+            </a:pPr>
+            <a:endParaRPr lang="en-US">
+              <a:solidFill>
+                <a:schemeClr val="accent6"/>
+              </a:solidFill>
+              <a:latin typeface="Sylfaen" panose="010A0502050306030303" pitchFamily="18" charset="0"/>
+            </a:endParaRPr>
+          </a:p>
+        </p:txBody>
+      </p:sp>
+    </p:spTree>
+    <p:extLst>
+      <p:ext uri="{BB962C8B-B14F-4D97-AF65-F5344CB8AC3E}">
+        <p14:creationId xmlns:p14="http://schemas.microsoft.com/office/powerpoint/2010/main" val="3867997155"/>
+      </p:ext>
+    </p:extLst>
+  </p:cSld>
+  <p:clrMapOvr>
+    <a:masterClrMapping/>
+  </p:clrMapOvr>
+</p:sld>
+</file>
+
+<file path=ppt/slides/slide5.xml><?xml version="1.0" encoding="utf-8"?>
+<p:sld xmlns:a="http://schemas.openxmlformats.org/drawingml/2006/main" xmlns:r="http://schemas.openxmlformats.org/officeDocument/2006/relationships" xmlns:p="http://schemas.openxmlformats.org/presentationml/2006/main">
+  <p:cSld>
+    <p:spTree>
+      <p:nvGrpSpPr>
+        <p:cNvPr id="1" name=""/>
+        <p:cNvGrpSpPr/>
+        <p:nvPr/>
+      </p:nvGrpSpPr>
+      <p:grpSpPr>
+        <a:xfrm>
+          <a:off x="0" y="0"/>
+          <a:ext cx="0" cy="0"/>
+          <a:chOff x="0" y="0"/>
+          <a:chExt cx="0" cy="0"/>
+        </a:xfrm>
+      </p:grpSpPr>
+      <p:sp>
+        <p:nvSpPr>
+          <p:cNvPr id="2" name="Title 1">
+            <a:extLst>
+              <a:ext uri="{FF2B5EF4-FFF2-40B4-BE49-F238E27FC236}">
+                <a16:creationId xmlns:a16="http://schemas.microsoft.com/office/drawing/2014/main" id="{37CB3561-CBF9-4490-B4FF-AC6A70626E46}"/>
               </a:ext>
             </a:extLst>
           </p:cNvPr>
@@ -4057,6 +5108,145 @@
           <a:p>
             <a:pPr algn="ctr"/>
             <a:r>
+              <a:rPr lang="en-US">
+                <a:latin typeface="Sylfaen" panose="010A0502050306030303" pitchFamily="18" charset="0"/>
+              </a:rPr>
+              <a:t>Basic server connection process</a:t>
+            </a:r>
+          </a:p>
+        </p:txBody>
+      </p:sp>
+      <p:pic>
+        <p:nvPicPr>
+          <p:cNvPr id="6" name="Content Placeholder 5">
+            <a:extLst>
+              <a:ext uri="{FF2B5EF4-FFF2-40B4-BE49-F238E27FC236}">
+                <a16:creationId xmlns:a16="http://schemas.microsoft.com/office/drawing/2014/main" id="{31DBC1BF-DA34-470B-A870-6847E4CEDF5A}"/>
+              </a:ext>
+            </a:extLst>
+          </p:cNvPr>
+          <p:cNvPicPr>
+            <a:picLocks noGrp="1" noChangeAspect="1"/>
+          </p:cNvPicPr>
+          <p:nvPr>
+            <p:ph idx="1"/>
+          </p:nvPr>
+        </p:nvPicPr>
+        <p:blipFill>
+          <a:blip r:embed="rId2">
+            <a:extLst>
+              <a:ext uri="{28A0092B-C50C-407E-A947-70E740481C1C}">
+                <a14:useLocalDpi xmlns:a14="http://schemas.microsoft.com/office/drawing/2010/main" val="0"/>
+              </a:ext>
+            </a:extLst>
+          </a:blip>
+          <a:stretch>
+            <a:fillRect/>
+          </a:stretch>
+        </p:blipFill>
+        <p:spPr>
+          <a:xfrm>
+            <a:off x="1389517" y="1343818"/>
+            <a:ext cx="8917665" cy="5155403"/>
+          </a:xfrm>
+        </p:spPr>
+      </p:pic>
+      <p:cxnSp>
+        <p:nvCxnSpPr>
+          <p:cNvPr id="4" name="Straight Connector 3">
+            <a:extLst>
+              <a:ext uri="{FF2B5EF4-FFF2-40B4-BE49-F238E27FC236}">
+                <a16:creationId xmlns:a16="http://schemas.microsoft.com/office/drawing/2014/main" id="{C86FA039-4349-4818-A59E-3489335A214D}"/>
+              </a:ext>
+            </a:extLst>
+          </p:cNvPr>
+          <p:cNvCxnSpPr>
+            <a:cxnSpLocks/>
+          </p:cNvCxnSpPr>
+          <p:nvPr/>
+        </p:nvCxnSpPr>
+        <p:spPr>
+          <a:xfrm>
+            <a:off x="569235" y="1177222"/>
+            <a:ext cx="11053530" cy="0"/>
+          </a:xfrm>
+          <a:prstGeom prst="line">
+            <a:avLst/>
+          </a:prstGeom>
+        </p:spPr>
+        <p:style>
+          <a:lnRef idx="3">
+            <a:schemeClr val="accent1"/>
+          </a:lnRef>
+          <a:fillRef idx="0">
+            <a:schemeClr val="accent1"/>
+          </a:fillRef>
+          <a:effectRef idx="2">
+            <a:schemeClr val="accent1"/>
+          </a:effectRef>
+          <a:fontRef idx="minor">
+            <a:schemeClr val="tx1"/>
+          </a:fontRef>
+        </p:style>
+      </p:cxnSp>
+    </p:spTree>
+    <p:extLst>
+      <p:ext uri="{BB962C8B-B14F-4D97-AF65-F5344CB8AC3E}">
+        <p14:creationId xmlns:p14="http://schemas.microsoft.com/office/powerpoint/2010/main" val="537064058"/>
+      </p:ext>
+    </p:extLst>
+  </p:cSld>
+  <p:clrMapOvr>
+    <a:masterClrMapping/>
+  </p:clrMapOvr>
+</p:sld>
+</file>
+
+<file path=ppt/slides/slide6.xml><?xml version="1.0" encoding="utf-8"?>
+<p:sld xmlns:a="http://schemas.openxmlformats.org/drawingml/2006/main" xmlns:r="http://schemas.openxmlformats.org/officeDocument/2006/relationships" xmlns:p="http://schemas.openxmlformats.org/presentationml/2006/main">
+  <p:cSld>
+    <p:spTree>
+      <p:nvGrpSpPr>
+        <p:cNvPr id="1" name=""/>
+        <p:cNvGrpSpPr/>
+        <p:nvPr/>
+      </p:nvGrpSpPr>
+      <p:grpSpPr>
+        <a:xfrm>
+          <a:off x="0" y="0"/>
+          <a:ext cx="0" cy="0"/>
+          <a:chOff x="0" y="0"/>
+          <a:chExt cx="0" cy="0"/>
+        </a:xfrm>
+      </p:grpSpPr>
+      <p:sp>
+        <p:nvSpPr>
+          <p:cNvPr id="2" name="Title 1">
+            <a:extLst>
+              <a:ext uri="{FF2B5EF4-FFF2-40B4-BE49-F238E27FC236}">
+                <a16:creationId xmlns:a16="http://schemas.microsoft.com/office/drawing/2014/main" id="{96849BA6-1473-49AB-B355-42E4590C7FDF}"/>
+              </a:ext>
+            </a:extLst>
+          </p:cNvPr>
+          <p:cNvSpPr>
+            <a:spLocks noGrp="1"/>
+          </p:cNvSpPr>
+          <p:nvPr>
+            <p:ph type="title"/>
+          </p:nvPr>
+        </p:nvSpPr>
+        <p:spPr>
+          <a:xfrm>
+            <a:off x="838200" y="18255"/>
+            <a:ext cx="10515600" cy="1325563"/>
+          </a:xfrm>
+        </p:spPr>
+        <p:txBody>
+          <a:bodyPr/>
+          <a:lstStyle/>
+          <a:p>
+            <a:pPr algn="ctr"/>
+            <a:r>
               <a:rPr lang="en-US" altLang="en-US">
                 <a:latin typeface="Sylfaen" panose="010A0502050306030303" pitchFamily="18" charset="0"/>
               </a:rPr>
@@ -4098,7 +5288,9 @@
               </a:lnSpc>
             </a:pPr>
             <a:r>
-              <a:rPr lang="en-US"/>
+              <a:rPr lang="en-US">
+                <a:latin typeface="Sylfaen" panose="010A0502050306030303" pitchFamily="18" charset="0"/>
+              </a:rPr>
               <a:t>Start line</a:t>
             </a:r>
           </a:p>
@@ -4109,7 +5301,9 @@
               </a:lnSpc>
             </a:pPr>
             <a:r>
-              <a:rPr lang="en-US"/>
+              <a:rPr lang="en-US">
+                <a:latin typeface="Sylfaen" panose="010A0502050306030303" pitchFamily="18" charset="0"/>
+              </a:rPr>
               <a:t>Header fields (0 or more)</a:t>
             </a:r>
           </a:p>
@@ -4120,7 +5314,9 @@
               </a:lnSpc>
             </a:pPr>
             <a:r>
-              <a:rPr lang="en-US"/>
+              <a:rPr lang="en-US">
+                <a:latin typeface="Sylfaen" panose="010A0502050306030303" pitchFamily="18" charset="0"/>
+              </a:rPr>
               <a:t>An empty line</a:t>
             </a:r>
           </a:p>
@@ -4131,7 +5327,9 @@
               </a:lnSpc>
             </a:pPr>
             <a:r>
-              <a:rPr lang="en-US"/>
+              <a:rPr lang="en-US">
+                <a:latin typeface="Sylfaen" panose="010A0502050306030303" pitchFamily="18" charset="0"/>
+              </a:rPr>
               <a:t>Message – body (optional)</a:t>
             </a:r>
           </a:p>
@@ -4390,7 +5588,7 @@
 </p:sld>
 </file>
 
-<file path=ppt/slides/slide5.xml><?xml version="1.0" encoding="utf-8"?>
+<file path=ppt/slides/slide7.xml><?xml version="1.0" encoding="utf-8"?>
 <p:sld xmlns:a="http://schemas.openxmlformats.org/drawingml/2006/main" xmlns:r="http://schemas.openxmlformats.org/officeDocument/2006/relationships" xmlns:p="http://schemas.openxmlformats.org/presentationml/2006/main">
   <p:cSld>
     <p:spTree>
@@ -5617,7 +6815,9 @@
               </a:ext>
             </a:extLst>
           </p:cNvPr>
-          <p:cNvCxnSpPr/>
+          <p:cNvCxnSpPr>
+            <a:cxnSpLocks/>
+          </p:cNvCxnSpPr>
           <p:nvPr/>
         </p:nvCxnSpPr>
         <p:spPr>
@@ -6144,7 +7344,7 @@
 </p:sld>
 </file>
 
-<file path=ppt/slides/slide6.xml><?xml version="1.0" encoding="utf-8"?>
+<file path=ppt/slides/slide8.xml><?xml version="1.0" encoding="utf-8"?>
 <p:sld xmlns:a="http://schemas.openxmlformats.org/drawingml/2006/main" xmlns:r="http://schemas.openxmlformats.org/officeDocument/2006/relationships" xmlns:p="http://schemas.openxmlformats.org/presentationml/2006/main">
   <p:cSld>
     <p:spTree>
@@ -6177,12 +7377,23 @@
             <p:ph type="title"/>
           </p:nvPr>
         </p:nvSpPr>
-        <p:spPr/>
+        <p:spPr>
+          <a:xfrm>
+            <a:off x="838200" y="-144327"/>
+            <a:ext cx="10515600" cy="1325563"/>
+          </a:xfrm>
+        </p:spPr>
         <p:txBody>
           <a:bodyPr/>
           <a:lstStyle/>
           <a:p>
-            <a:endParaRPr lang="en-US"/>
+            <a:pPr algn="ctr"/>
+            <a:r>
+              <a:rPr lang="en-US">
+                <a:latin typeface="Sylfaen" panose="010A0502050306030303" pitchFamily="18" charset="0"/>
+              </a:rPr>
+              <a:t>Requests</a:t>
+            </a:r>
           </a:p>
         </p:txBody>
       </p:sp>
@@ -6207,14 +7418,266 @@
           <a:bodyPr/>
           <a:lstStyle/>
           <a:p>
-            <a:endParaRPr lang="en-US"/>
-          </a:p>
-        </p:txBody>
-      </p:sp>
+            <a:pPr marL="0" indent="0">
+              <a:lnSpc>
+                <a:spcPct val="200000"/>
+              </a:lnSpc>
+              <a:buNone/>
+            </a:pPr>
+            <a:r>
+              <a:rPr lang="en-US">
+                <a:latin typeface="Sylfaen" panose="010A0502050306030303" pitchFamily="18" charset="0"/>
+              </a:rPr>
+              <a:t>Request-Line = Method  Request-URI  HTTP-Version</a:t>
+            </a:r>
+          </a:p>
+          <a:p>
+            <a:pPr marL="0" indent="0">
+              <a:lnSpc>
+                <a:spcPct val="200000"/>
+              </a:lnSpc>
+              <a:buNone/>
+            </a:pPr>
+            <a:r>
+              <a:rPr lang="en-US">
+                <a:latin typeface="Sylfaen" panose="010A0502050306030303" pitchFamily="18" charset="0"/>
+              </a:rPr>
+              <a:t>Method = GET / POST / PUT …</a:t>
+            </a:r>
+          </a:p>
+          <a:p>
+            <a:pPr marL="0" indent="0">
+              <a:lnSpc>
+                <a:spcPct val="200000"/>
+              </a:lnSpc>
+              <a:buNone/>
+            </a:pPr>
+            <a:r>
+              <a:rPr lang="en-US">
+                <a:latin typeface="Sylfaen" panose="010A0502050306030303" pitchFamily="18" charset="0"/>
+              </a:rPr>
+              <a:t>Request-URI = “*” | absoluteURI | abs_path | authority</a:t>
+            </a:r>
+          </a:p>
+        </p:txBody>
+      </p:sp>
+      <p:cxnSp>
+        <p:nvCxnSpPr>
+          <p:cNvPr id="4" name="Straight Connector 3">
+            <a:extLst>
+              <a:ext uri="{FF2B5EF4-FFF2-40B4-BE49-F238E27FC236}">
+                <a16:creationId xmlns:a16="http://schemas.microsoft.com/office/drawing/2014/main" id="{66D0192C-CAA7-4B0F-94E9-15AF2FA04661}"/>
+              </a:ext>
+            </a:extLst>
+          </p:cNvPr>
+          <p:cNvCxnSpPr>
+            <a:cxnSpLocks/>
+          </p:cNvCxnSpPr>
+          <p:nvPr/>
+        </p:nvCxnSpPr>
+        <p:spPr>
+          <a:xfrm>
+            <a:off x="569235" y="1026999"/>
+            <a:ext cx="11053530" cy="0"/>
+          </a:xfrm>
+          <a:prstGeom prst="line">
+            <a:avLst/>
+          </a:prstGeom>
+        </p:spPr>
+        <p:style>
+          <a:lnRef idx="3">
+            <a:schemeClr val="accent1"/>
+          </a:lnRef>
+          <a:fillRef idx="0">
+            <a:schemeClr val="accent1"/>
+          </a:fillRef>
+          <a:effectRef idx="2">
+            <a:schemeClr val="accent1"/>
+          </a:effectRef>
+          <a:fontRef idx="minor">
+            <a:schemeClr val="tx1"/>
+          </a:fontRef>
+        </p:style>
+      </p:cxnSp>
     </p:spTree>
     <p:extLst>
       <p:ext uri="{BB962C8B-B14F-4D97-AF65-F5344CB8AC3E}">
         <p14:creationId xmlns:p14="http://schemas.microsoft.com/office/powerpoint/2010/main" val="884161893"/>
+      </p:ext>
+    </p:extLst>
+  </p:cSld>
+  <p:clrMapOvr>
+    <a:masterClrMapping/>
+  </p:clrMapOvr>
+</p:sld>
+</file>
+
+<file path=ppt/slides/slide9.xml><?xml version="1.0" encoding="utf-8"?>
+<p:sld xmlns:a="http://schemas.openxmlformats.org/drawingml/2006/main" xmlns:r="http://schemas.openxmlformats.org/officeDocument/2006/relationships" xmlns:p="http://schemas.openxmlformats.org/presentationml/2006/main">
+  <p:cSld>
+    <p:spTree>
+      <p:nvGrpSpPr>
+        <p:cNvPr id="1" name=""/>
+        <p:cNvGrpSpPr/>
+        <p:nvPr/>
+      </p:nvGrpSpPr>
+      <p:grpSpPr>
+        <a:xfrm>
+          <a:off x="0" y="0"/>
+          <a:ext cx="0" cy="0"/>
+          <a:chOff x="0" y="0"/>
+          <a:chExt cx="0" cy="0"/>
+        </a:xfrm>
+      </p:grpSpPr>
+      <p:sp>
+        <p:nvSpPr>
+          <p:cNvPr id="2" name="Title 1">
+            <a:extLst>
+              <a:ext uri="{FF2B5EF4-FFF2-40B4-BE49-F238E27FC236}">
+                <a16:creationId xmlns:a16="http://schemas.microsoft.com/office/drawing/2014/main" id="{777BC29E-4F78-4046-9F3B-086281AD152F}"/>
+              </a:ext>
+            </a:extLst>
+          </p:cNvPr>
+          <p:cNvSpPr>
+            <a:spLocks noGrp="1"/>
+          </p:cNvSpPr>
+          <p:nvPr>
+            <p:ph type="title"/>
+          </p:nvPr>
+        </p:nvSpPr>
+        <p:spPr>
+          <a:xfrm>
+            <a:off x="838200" y="0"/>
+            <a:ext cx="10515600" cy="1325563"/>
+          </a:xfrm>
+        </p:spPr>
+        <p:txBody>
+          <a:bodyPr/>
+          <a:lstStyle/>
+          <a:p>
+            <a:pPr algn="ctr"/>
+            <a:r>
+              <a:rPr lang="en-US">
+                <a:latin typeface="Sylfaen" panose="010A0502050306030303" pitchFamily="18" charset="0"/>
+              </a:rPr>
+              <a:t>Responses</a:t>
+            </a:r>
+          </a:p>
+        </p:txBody>
+      </p:sp>
+      <p:sp>
+        <p:nvSpPr>
+          <p:cNvPr id="3" name="Content Placeholder 2">
+            <a:extLst>
+              <a:ext uri="{FF2B5EF4-FFF2-40B4-BE49-F238E27FC236}">
+                <a16:creationId xmlns:a16="http://schemas.microsoft.com/office/drawing/2014/main" id="{6A04A757-A017-44F3-8EBF-8E9455A1DF13}"/>
+              </a:ext>
+            </a:extLst>
+          </p:cNvPr>
+          <p:cNvSpPr>
+            <a:spLocks noGrp="1"/>
+          </p:cNvSpPr>
+          <p:nvPr>
+            <p:ph idx="1"/>
+          </p:nvPr>
+        </p:nvSpPr>
+        <p:spPr/>
+        <p:txBody>
+          <a:bodyPr/>
+          <a:lstStyle/>
+          <a:p>
+            <a:pPr marL="0" indent="0">
+              <a:buNone/>
+            </a:pPr>
+            <a:r>
+              <a:rPr lang="en-US">
+                <a:latin typeface="Sylfaen" panose="010A0502050306030303" pitchFamily="18" charset="0"/>
+              </a:rPr>
+              <a:t>Status-Line = HTTP-Version  Status-Code  Reason-Phrase</a:t>
+            </a:r>
+          </a:p>
+          <a:p>
+            <a:pPr marL="0" indent="0">
+              <a:buNone/>
+            </a:pPr>
+            <a:endParaRPr lang="en-US">
+              <a:latin typeface="Sylfaen" panose="010A0502050306030303" pitchFamily="18" charset="0"/>
+            </a:endParaRPr>
+          </a:p>
+          <a:p>
+            <a:pPr marL="0" indent="0">
+              <a:buNone/>
+            </a:pPr>
+            <a:r>
+              <a:rPr lang="en-US">
+                <a:latin typeface="Sylfaen" panose="010A0502050306030303" pitchFamily="18" charset="0"/>
+              </a:rPr>
+              <a:t>HTTP-Version = HTTP/1.1</a:t>
+            </a:r>
+          </a:p>
+          <a:p>
+            <a:pPr marL="0" indent="0">
+              <a:buNone/>
+            </a:pPr>
+            <a:endParaRPr lang="en-US">
+              <a:latin typeface="Sylfaen" panose="010A0502050306030303" pitchFamily="18" charset="0"/>
+            </a:endParaRPr>
+          </a:p>
+          <a:p>
+            <a:pPr marL="0" indent="0">
+              <a:buNone/>
+            </a:pPr>
+            <a:r>
+              <a:rPr lang="en-US">
+                <a:latin typeface="Sylfaen" panose="010A0502050306030303" pitchFamily="18" charset="0"/>
+              </a:rPr>
+              <a:t>Status-Code = 1--/2--/3--/4--/5--</a:t>
+            </a:r>
+          </a:p>
+        </p:txBody>
+      </p:sp>
+      <p:cxnSp>
+        <p:nvCxnSpPr>
+          <p:cNvPr id="4" name="Straight Connector 3">
+            <a:extLst>
+              <a:ext uri="{FF2B5EF4-FFF2-40B4-BE49-F238E27FC236}">
+                <a16:creationId xmlns:a16="http://schemas.microsoft.com/office/drawing/2014/main" id="{859CC060-3282-401E-81F7-CA8ACC96D55E}"/>
+              </a:ext>
+            </a:extLst>
+          </p:cNvPr>
+          <p:cNvCxnSpPr>
+            <a:cxnSpLocks/>
+          </p:cNvCxnSpPr>
+          <p:nvPr/>
+        </p:nvCxnSpPr>
+        <p:spPr>
+          <a:xfrm>
+            <a:off x="569235" y="1186656"/>
+            <a:ext cx="11053530" cy="0"/>
+          </a:xfrm>
+          <a:prstGeom prst="line">
+            <a:avLst/>
+          </a:prstGeom>
+        </p:spPr>
+        <p:style>
+          <a:lnRef idx="3">
+            <a:schemeClr val="accent1"/>
+          </a:lnRef>
+          <a:fillRef idx="0">
+            <a:schemeClr val="accent1"/>
+          </a:fillRef>
+          <a:effectRef idx="2">
+            <a:schemeClr val="accent1"/>
+          </a:effectRef>
+          <a:fontRef idx="minor">
+            <a:schemeClr val="tx1"/>
+          </a:fontRef>
+        </p:style>
+      </p:cxnSp>
+    </p:spTree>
+    <p:extLst>
+      <p:ext uri="{BB962C8B-B14F-4D97-AF65-F5344CB8AC3E}">
+        <p14:creationId xmlns:p14="http://schemas.microsoft.com/office/powerpoint/2010/main" val="1096825618"/>
       </p:ext>
     </p:extLst>
   </p:cSld>

--- a/Http/Http_presentation.pptx
+++ b/Http/Http_presentation.pptx
@@ -15,6 +15,11 @@
     <p:sldId id="261" r:id="rId9"/>
     <p:sldId id="264" r:id="rId10"/>
     <p:sldId id="265" r:id="rId11"/>
+    <p:sldId id="266" r:id="rId12"/>
+    <p:sldId id="267" r:id="rId13"/>
+    <p:sldId id="268" r:id="rId14"/>
+    <p:sldId id="269" r:id="rId15"/>
+    <p:sldId id="270" r:id="rId16"/>
   </p:sldIdLst>
   <p:sldSz cx="12192000" cy="6858000"/>
   <p:notesSz cx="6858000" cy="9144000"/>
@@ -268,7 +273,7 @@
           <a:p>
             <a:fld id="{E36C89DF-7188-4BC0-ADF4-07E309878DC2}" type="datetimeFigureOut">
               <a:rPr lang="ru-RU" smtClean="0"/>
-              <a:t>28.09.2022</a:t>
+              <a:t>29.09.2022</a:t>
             </a:fld>
             <a:endParaRPr lang="ru-RU"/>
           </a:p>
@@ -466,7 +471,7 @@
           <a:p>
             <a:fld id="{E36C89DF-7188-4BC0-ADF4-07E309878DC2}" type="datetimeFigureOut">
               <a:rPr lang="ru-RU" smtClean="0"/>
-              <a:t>28.09.2022</a:t>
+              <a:t>29.09.2022</a:t>
             </a:fld>
             <a:endParaRPr lang="ru-RU"/>
           </a:p>
@@ -674,7 +679,7 @@
           <a:p>
             <a:fld id="{E36C89DF-7188-4BC0-ADF4-07E309878DC2}" type="datetimeFigureOut">
               <a:rPr lang="ru-RU" smtClean="0"/>
-              <a:t>28.09.2022</a:t>
+              <a:t>29.09.2022</a:t>
             </a:fld>
             <a:endParaRPr lang="ru-RU"/>
           </a:p>
@@ -872,7 +877,7 @@
           <a:p>
             <a:fld id="{E36C89DF-7188-4BC0-ADF4-07E309878DC2}" type="datetimeFigureOut">
               <a:rPr lang="ru-RU" smtClean="0"/>
-              <a:t>28.09.2022</a:t>
+              <a:t>29.09.2022</a:t>
             </a:fld>
             <a:endParaRPr lang="ru-RU"/>
           </a:p>
@@ -1147,7 +1152,7 @@
           <a:p>
             <a:fld id="{E36C89DF-7188-4BC0-ADF4-07E309878DC2}" type="datetimeFigureOut">
               <a:rPr lang="ru-RU" smtClean="0"/>
-              <a:t>28.09.2022</a:t>
+              <a:t>29.09.2022</a:t>
             </a:fld>
             <a:endParaRPr lang="ru-RU"/>
           </a:p>
@@ -1412,7 +1417,7 @@
           <a:p>
             <a:fld id="{E36C89DF-7188-4BC0-ADF4-07E309878DC2}" type="datetimeFigureOut">
               <a:rPr lang="ru-RU" smtClean="0"/>
-              <a:t>28.09.2022</a:t>
+              <a:t>29.09.2022</a:t>
             </a:fld>
             <a:endParaRPr lang="ru-RU"/>
           </a:p>
@@ -1824,7 +1829,7 @@
           <a:p>
             <a:fld id="{E36C89DF-7188-4BC0-ADF4-07E309878DC2}" type="datetimeFigureOut">
               <a:rPr lang="ru-RU" smtClean="0"/>
-              <a:t>28.09.2022</a:t>
+              <a:t>29.09.2022</a:t>
             </a:fld>
             <a:endParaRPr lang="ru-RU"/>
           </a:p>
@@ -1965,7 +1970,7 @@
           <a:p>
             <a:fld id="{E36C89DF-7188-4BC0-ADF4-07E309878DC2}" type="datetimeFigureOut">
               <a:rPr lang="ru-RU" smtClean="0"/>
-              <a:t>28.09.2022</a:t>
+              <a:t>29.09.2022</a:t>
             </a:fld>
             <a:endParaRPr lang="ru-RU"/>
           </a:p>
@@ -2078,7 +2083,7 @@
           <a:p>
             <a:fld id="{E36C89DF-7188-4BC0-ADF4-07E309878DC2}" type="datetimeFigureOut">
               <a:rPr lang="ru-RU" smtClean="0"/>
-              <a:t>28.09.2022</a:t>
+              <a:t>29.09.2022</a:t>
             </a:fld>
             <a:endParaRPr lang="ru-RU"/>
           </a:p>
@@ -2389,7 +2394,7 @@
           <a:p>
             <a:fld id="{E36C89DF-7188-4BC0-ADF4-07E309878DC2}" type="datetimeFigureOut">
               <a:rPr lang="ru-RU" smtClean="0"/>
-              <a:t>28.09.2022</a:t>
+              <a:t>29.09.2022</a:t>
             </a:fld>
             <a:endParaRPr lang="ru-RU"/>
           </a:p>
@@ -2677,7 +2682,7 @@
           <a:p>
             <a:fld id="{E36C89DF-7188-4BC0-ADF4-07E309878DC2}" type="datetimeFigureOut">
               <a:rPr lang="ru-RU" smtClean="0"/>
-              <a:t>28.09.2022</a:t>
+              <a:t>29.09.2022</a:t>
             </a:fld>
             <a:endParaRPr lang="ru-RU"/>
           </a:p>
@@ -2918,7 +2923,7 @@
           <a:p>
             <a:fld id="{E36C89DF-7188-4BC0-ADF4-07E309878DC2}" type="datetimeFigureOut">
               <a:rPr lang="ru-RU" smtClean="0"/>
-              <a:t>28.09.2022</a:t>
+              <a:t>29.09.2022</a:t>
             </a:fld>
             <a:endParaRPr lang="ru-RU"/>
           </a:p>
@@ -3394,7 +3399,7 @@
         </p:nvSpPr>
         <p:spPr>
           <a:xfrm>
-            <a:off x="838200" y="1430475"/>
+            <a:off x="1779814" y="1587493"/>
             <a:ext cx="8632371" cy="4351338"/>
           </a:xfrm>
         </p:spPr>
@@ -3575,6 +3580,18 @@
               <a:rPr lang="en-US">
                 <a:latin typeface="Sylfaen" panose="010A0502050306030303" pitchFamily="18" charset="0"/>
               </a:rPr>
+              <a:t>HTTP</a:t>
+            </a:r>
+            <a:r>
+              <a:rPr lang="hy-AM">
+                <a:latin typeface="Sylfaen" panose="010A0502050306030303" pitchFamily="18" charset="0"/>
+              </a:rPr>
+              <a:t> </a:t>
+            </a:r>
+            <a:r>
+              <a:rPr lang="en-US">
+                <a:latin typeface="Sylfaen" panose="010A0502050306030303" pitchFamily="18" charset="0"/>
+              </a:rPr>
               <a:t>Methods</a:t>
             </a:r>
           </a:p>
@@ -3598,8 +3615,8 @@
         </p:nvSpPr>
         <p:spPr>
           <a:xfrm>
-            <a:off x="1476829" y="1557792"/>
-            <a:ext cx="10515600" cy="4851400"/>
+            <a:off x="1716975" y="1603973"/>
+            <a:ext cx="7712141" cy="4851400"/>
           </a:xfrm>
         </p:spPr>
         <p:txBody>
@@ -3613,7 +3630,7 @@
               <a:buNone/>
             </a:pPr>
             <a:r>
-              <a:rPr lang="en-US">
+              <a:rPr lang="en-US" b="1">
                 <a:latin typeface="Sylfaen" panose="010A0502050306030303" pitchFamily="18" charset="0"/>
               </a:rPr>
               <a:t>GET</a:t>
@@ -3627,7 +3644,7 @@
               <a:buNone/>
             </a:pPr>
             <a:r>
-              <a:rPr lang="en-US">
+              <a:rPr lang="en-US" b="1">
                 <a:latin typeface="Sylfaen" panose="010A0502050306030303" pitchFamily="18" charset="0"/>
               </a:rPr>
               <a:t>HEAD</a:t>
@@ -3641,7 +3658,7 @@
               <a:buNone/>
             </a:pPr>
             <a:r>
-              <a:rPr lang="en-US">
+              <a:rPr lang="en-US" b="1">
                 <a:latin typeface="Sylfaen" panose="010A0502050306030303" pitchFamily="18" charset="0"/>
               </a:rPr>
               <a:t>POST</a:t>
@@ -3655,7 +3672,7 @@
               <a:buNone/>
             </a:pPr>
             <a:r>
-              <a:rPr lang="en-US">
+              <a:rPr lang="en-US" b="1">
                 <a:latin typeface="Sylfaen" panose="010A0502050306030303" pitchFamily="18" charset="0"/>
               </a:rPr>
               <a:t>PUT</a:t>
@@ -3669,7 +3686,7 @@
               <a:buNone/>
             </a:pPr>
             <a:r>
-              <a:rPr lang="en-US">
+              <a:rPr lang="en-US" b="1">
                 <a:latin typeface="Sylfaen" panose="010A0502050306030303" pitchFamily="18" charset="0"/>
               </a:rPr>
               <a:t>DELETE</a:t>
@@ -3683,7 +3700,7 @@
               <a:buNone/>
             </a:pPr>
             <a:r>
-              <a:rPr lang="en-US">
+              <a:rPr lang="en-US" b="1">
                 <a:latin typeface="Sylfaen" panose="010A0502050306030303" pitchFamily="18" charset="0"/>
               </a:rPr>
               <a:t>CONNECT</a:t>
@@ -3697,7 +3714,7 @@
               <a:buNone/>
             </a:pPr>
             <a:r>
-              <a:rPr lang="en-US">
+              <a:rPr lang="en-US" b="1">
                 <a:latin typeface="Sylfaen" panose="010A0502050306030303" pitchFamily="18" charset="0"/>
               </a:rPr>
               <a:t>OPTIONS</a:t>
@@ -3711,7 +3728,7 @@
               <a:buNone/>
             </a:pPr>
             <a:r>
-              <a:rPr lang="en-US">
+              <a:rPr lang="en-US" b="1">
                 <a:latin typeface="Sylfaen" panose="010A0502050306030303" pitchFamily="18" charset="0"/>
               </a:rPr>
               <a:t>TRACE</a:t>
@@ -3761,6 +3778,2983 @@
     <p:extLst>
       <p:ext uri="{BB962C8B-B14F-4D97-AF65-F5344CB8AC3E}">
         <p14:creationId xmlns:p14="http://schemas.microsoft.com/office/powerpoint/2010/main" val="3160597686"/>
+      </p:ext>
+    </p:extLst>
+  </p:cSld>
+  <p:clrMapOvr>
+    <a:masterClrMapping/>
+  </p:clrMapOvr>
+</p:sld>
+</file>
+
+<file path=ppt/slides/slide11.xml><?xml version="1.0" encoding="utf-8"?>
+<p:sld xmlns:a="http://schemas.openxmlformats.org/drawingml/2006/main" xmlns:r="http://schemas.openxmlformats.org/officeDocument/2006/relationships" xmlns:p="http://schemas.openxmlformats.org/presentationml/2006/main">
+  <p:cSld>
+    <p:spTree>
+      <p:nvGrpSpPr>
+        <p:cNvPr id="1" name=""/>
+        <p:cNvGrpSpPr/>
+        <p:nvPr/>
+      </p:nvGrpSpPr>
+      <p:grpSpPr>
+        <a:xfrm>
+          <a:off x="0" y="0"/>
+          <a:ext cx="0" cy="0"/>
+          <a:chOff x="0" y="0"/>
+          <a:chExt cx="0" cy="0"/>
+        </a:xfrm>
+      </p:grpSpPr>
+      <p:sp>
+        <p:nvSpPr>
+          <p:cNvPr id="2" name="Title 1">
+            <a:extLst>
+              <a:ext uri="{FF2B5EF4-FFF2-40B4-BE49-F238E27FC236}">
+                <a16:creationId xmlns:a16="http://schemas.microsoft.com/office/drawing/2014/main" id="{9A8E88EF-4C66-4108-9D3D-90CE0580E5C6}"/>
+              </a:ext>
+            </a:extLst>
+          </p:cNvPr>
+          <p:cNvSpPr>
+            <a:spLocks noGrp="1"/>
+          </p:cNvSpPr>
+          <p:nvPr>
+            <p:ph type="title"/>
+          </p:nvPr>
+        </p:nvSpPr>
+        <p:spPr>
+          <a:xfrm>
+            <a:off x="838200" y="0"/>
+            <a:ext cx="10515600" cy="1325563"/>
+          </a:xfrm>
+        </p:spPr>
+        <p:txBody>
+          <a:bodyPr/>
+          <a:lstStyle/>
+          <a:p>
+            <a:pPr algn="ctr"/>
+            <a:r>
+              <a:rPr lang="en-US">
+                <a:latin typeface="Sylfaen" panose="010A0502050306030303" pitchFamily="18" charset="0"/>
+              </a:rPr>
+              <a:t>Idempotency</a:t>
+            </a:r>
+            <a:endParaRPr lang="en-US"/>
+          </a:p>
+        </p:txBody>
+      </p:sp>
+      <p:sp>
+        <p:nvSpPr>
+          <p:cNvPr id="3" name="Content Placeholder 2">
+            <a:extLst>
+              <a:ext uri="{FF2B5EF4-FFF2-40B4-BE49-F238E27FC236}">
+                <a16:creationId xmlns:a16="http://schemas.microsoft.com/office/drawing/2014/main" id="{C4BFAEC6-3075-4015-9448-D90A5AE0E53C}"/>
+              </a:ext>
+            </a:extLst>
+          </p:cNvPr>
+          <p:cNvSpPr>
+            <a:spLocks noGrp="1"/>
+          </p:cNvSpPr>
+          <p:nvPr>
+            <p:ph idx="1"/>
+          </p:nvPr>
+        </p:nvSpPr>
+        <p:spPr>
+          <a:xfrm>
+            <a:off x="3794393" y="1720562"/>
+            <a:ext cx="2182090" cy="4484110"/>
+          </a:xfrm>
+        </p:spPr>
+        <p:txBody>
+          <a:bodyPr>
+            <a:normAutofit/>
+          </a:bodyPr>
+          <a:lstStyle/>
+          <a:p>
+            <a:pPr marL="0" indent="0">
+              <a:lnSpc>
+                <a:spcPct val="100000"/>
+              </a:lnSpc>
+              <a:buNone/>
+            </a:pPr>
+            <a:r>
+              <a:rPr lang="en-US" b="1">
+                <a:latin typeface="Sylfaen" panose="010A0502050306030303" pitchFamily="18" charset="0"/>
+              </a:rPr>
+              <a:t>GET</a:t>
+            </a:r>
+          </a:p>
+          <a:p>
+            <a:pPr marL="0" indent="0">
+              <a:lnSpc>
+                <a:spcPct val="100000"/>
+              </a:lnSpc>
+              <a:buNone/>
+            </a:pPr>
+            <a:r>
+              <a:rPr lang="en-US" b="1">
+                <a:latin typeface="Sylfaen" panose="010A0502050306030303" pitchFamily="18" charset="0"/>
+              </a:rPr>
+              <a:t>HEAD</a:t>
+            </a:r>
+          </a:p>
+          <a:p>
+            <a:pPr marL="0" indent="0">
+              <a:lnSpc>
+                <a:spcPct val="100000"/>
+              </a:lnSpc>
+              <a:buNone/>
+            </a:pPr>
+            <a:r>
+              <a:rPr lang="en-US" b="1">
+                <a:latin typeface="Sylfaen" panose="010A0502050306030303" pitchFamily="18" charset="0"/>
+              </a:rPr>
+              <a:t>PUT</a:t>
+            </a:r>
+          </a:p>
+          <a:p>
+            <a:pPr marL="0" indent="0">
+              <a:lnSpc>
+                <a:spcPct val="100000"/>
+              </a:lnSpc>
+              <a:buNone/>
+            </a:pPr>
+            <a:r>
+              <a:rPr lang="en-US" b="1">
+                <a:latin typeface="Sylfaen" panose="010A0502050306030303" pitchFamily="18" charset="0"/>
+              </a:rPr>
+              <a:t>DELETE</a:t>
+            </a:r>
+          </a:p>
+          <a:p>
+            <a:pPr marL="0" indent="0">
+              <a:lnSpc>
+                <a:spcPct val="100000"/>
+              </a:lnSpc>
+              <a:buNone/>
+            </a:pPr>
+            <a:r>
+              <a:rPr lang="en-US" b="1">
+                <a:latin typeface="Sylfaen" panose="010A0502050306030303" pitchFamily="18" charset="0"/>
+              </a:rPr>
+              <a:t>CONNECT</a:t>
+            </a:r>
+          </a:p>
+          <a:p>
+            <a:pPr marL="0" indent="0">
+              <a:lnSpc>
+                <a:spcPct val="100000"/>
+              </a:lnSpc>
+              <a:buNone/>
+            </a:pPr>
+            <a:r>
+              <a:rPr lang="en-US" b="1">
+                <a:latin typeface="Sylfaen" panose="010A0502050306030303" pitchFamily="18" charset="0"/>
+              </a:rPr>
+              <a:t>OPTIONS</a:t>
+            </a:r>
+          </a:p>
+          <a:p>
+            <a:pPr marL="0" indent="0">
+              <a:lnSpc>
+                <a:spcPct val="100000"/>
+              </a:lnSpc>
+              <a:buNone/>
+            </a:pPr>
+            <a:r>
+              <a:rPr lang="en-US" b="1">
+                <a:latin typeface="Sylfaen" panose="010A0502050306030303" pitchFamily="18" charset="0"/>
+              </a:rPr>
+              <a:t>TRACE</a:t>
+            </a:r>
+          </a:p>
+          <a:p>
+            <a:pPr marL="0" indent="0">
+              <a:lnSpc>
+                <a:spcPct val="100000"/>
+              </a:lnSpc>
+              <a:buNone/>
+            </a:pPr>
+            <a:r>
+              <a:rPr lang="en-US" b="1">
+                <a:latin typeface="Sylfaen" panose="010A0502050306030303" pitchFamily="18" charset="0"/>
+              </a:rPr>
+              <a:t>POST</a:t>
+            </a:r>
+          </a:p>
+        </p:txBody>
+      </p:sp>
+      <p:cxnSp>
+        <p:nvCxnSpPr>
+          <p:cNvPr id="4" name="Straight Connector 3">
+            <a:extLst>
+              <a:ext uri="{FF2B5EF4-FFF2-40B4-BE49-F238E27FC236}">
+                <a16:creationId xmlns:a16="http://schemas.microsoft.com/office/drawing/2014/main" id="{86ECD613-06F9-4894-B8C8-B2E139B068C0}"/>
+              </a:ext>
+            </a:extLst>
+          </p:cNvPr>
+          <p:cNvCxnSpPr>
+            <a:cxnSpLocks/>
+          </p:cNvCxnSpPr>
+          <p:nvPr/>
+        </p:nvCxnSpPr>
+        <p:spPr>
+          <a:xfrm>
+            <a:off x="569235" y="1214365"/>
+            <a:ext cx="11053530" cy="0"/>
+          </a:xfrm>
+          <a:prstGeom prst="line">
+            <a:avLst/>
+          </a:prstGeom>
+        </p:spPr>
+        <p:style>
+          <a:lnRef idx="3">
+            <a:schemeClr val="accent1"/>
+          </a:lnRef>
+          <a:fillRef idx="0">
+            <a:schemeClr val="accent1"/>
+          </a:fillRef>
+          <a:effectRef idx="2">
+            <a:schemeClr val="accent1"/>
+          </a:effectRef>
+          <a:fontRef idx="minor">
+            <a:schemeClr val="tx1"/>
+          </a:fontRef>
+        </p:style>
+      </p:cxnSp>
+      <p:sp>
+        <p:nvSpPr>
+          <p:cNvPr id="5" name="Content Placeholder 2">
+            <a:extLst>
+              <a:ext uri="{FF2B5EF4-FFF2-40B4-BE49-F238E27FC236}">
+                <a16:creationId xmlns:a16="http://schemas.microsoft.com/office/drawing/2014/main" id="{39A79BEA-E6DA-4ED0-8A9E-DF3368F4BDE5}"/>
+              </a:ext>
+            </a:extLst>
+          </p:cNvPr>
+          <p:cNvSpPr txBox="1">
+            <a:spLocks/>
+          </p:cNvSpPr>
+          <p:nvPr/>
+        </p:nvSpPr>
+        <p:spPr>
+          <a:xfrm>
+            <a:off x="891310" y="1853334"/>
+            <a:ext cx="1988127" cy="4351338"/>
+          </a:xfrm>
+          <a:prstGeom prst="rect">
+            <a:avLst/>
+          </a:prstGeom>
+        </p:spPr>
+        <p:txBody>
+          <a:bodyPr vert="horz" lIns="91440" tIns="45720" rIns="91440" bIns="45720" rtlCol="0">
+            <a:normAutofit/>
+          </a:bodyPr>
+          <a:lstStyle>
+            <a:lvl1pPr marL="228600" indent="-228600" algn="l" defTabSz="914400" rtl="0" eaLnBrk="1" latinLnBrk="0" hangingPunct="1">
+              <a:lnSpc>
+                <a:spcPct val="90000"/>
+              </a:lnSpc>
+              <a:spcBef>
+                <a:spcPts val="1000"/>
+              </a:spcBef>
+              <a:buFont typeface="Arial" panose="020B0604020202020204" pitchFamily="34" charset="0"/>
+              <a:buChar char="•"/>
+              <a:defRPr sz="2800" kern="1200">
+                <a:solidFill>
+                  <a:schemeClr val="tx1"/>
+                </a:solidFill>
+                <a:latin typeface="+mn-lt"/>
+                <a:ea typeface="+mn-ea"/>
+                <a:cs typeface="+mn-cs"/>
+              </a:defRPr>
+            </a:lvl1pPr>
+            <a:lvl2pPr marL="685800" indent="-228600" algn="l" defTabSz="914400" rtl="0" eaLnBrk="1" latinLnBrk="0" hangingPunct="1">
+              <a:lnSpc>
+                <a:spcPct val="90000"/>
+              </a:lnSpc>
+              <a:spcBef>
+                <a:spcPts val="500"/>
+              </a:spcBef>
+              <a:buFont typeface="Arial" panose="020B0604020202020204" pitchFamily="34" charset="0"/>
+              <a:buChar char="•"/>
+              <a:defRPr sz="2400" kern="1200">
+                <a:solidFill>
+                  <a:schemeClr val="tx1"/>
+                </a:solidFill>
+                <a:latin typeface="+mn-lt"/>
+                <a:ea typeface="+mn-ea"/>
+                <a:cs typeface="+mn-cs"/>
+              </a:defRPr>
+            </a:lvl2pPr>
+            <a:lvl3pPr marL="1143000" indent="-228600" algn="l" defTabSz="914400" rtl="0" eaLnBrk="1" latinLnBrk="0" hangingPunct="1">
+              <a:lnSpc>
+                <a:spcPct val="90000"/>
+              </a:lnSpc>
+              <a:spcBef>
+                <a:spcPts val="500"/>
+              </a:spcBef>
+              <a:buFont typeface="Arial" panose="020B0604020202020204" pitchFamily="34" charset="0"/>
+              <a:buChar char="•"/>
+              <a:defRPr sz="2000" kern="1200">
+                <a:solidFill>
+                  <a:schemeClr val="tx1"/>
+                </a:solidFill>
+                <a:latin typeface="+mn-lt"/>
+                <a:ea typeface="+mn-ea"/>
+                <a:cs typeface="+mn-cs"/>
+              </a:defRPr>
+            </a:lvl3pPr>
+            <a:lvl4pPr marL="1600200" indent="-228600" algn="l" defTabSz="914400" rtl="0" eaLnBrk="1" latinLnBrk="0" hangingPunct="1">
+              <a:lnSpc>
+                <a:spcPct val="90000"/>
+              </a:lnSpc>
+              <a:spcBef>
+                <a:spcPts val="500"/>
+              </a:spcBef>
+              <a:buFont typeface="Arial" panose="020B0604020202020204" pitchFamily="34" charset="0"/>
+              <a:buChar char="•"/>
+              <a:defRPr sz="1800" kern="1200">
+                <a:solidFill>
+                  <a:schemeClr val="tx1"/>
+                </a:solidFill>
+                <a:latin typeface="+mn-lt"/>
+                <a:ea typeface="+mn-ea"/>
+                <a:cs typeface="+mn-cs"/>
+              </a:defRPr>
+            </a:lvl4pPr>
+            <a:lvl5pPr marL="2057400" indent="-228600" algn="l" defTabSz="914400" rtl="0" eaLnBrk="1" latinLnBrk="0" hangingPunct="1">
+              <a:lnSpc>
+                <a:spcPct val="90000"/>
+              </a:lnSpc>
+              <a:spcBef>
+                <a:spcPts val="500"/>
+              </a:spcBef>
+              <a:buFont typeface="Arial" panose="020B0604020202020204" pitchFamily="34" charset="0"/>
+              <a:buChar char="•"/>
+              <a:defRPr sz="1800" kern="1200">
+                <a:solidFill>
+                  <a:schemeClr val="tx1"/>
+                </a:solidFill>
+                <a:latin typeface="+mn-lt"/>
+                <a:ea typeface="+mn-ea"/>
+                <a:cs typeface="+mn-cs"/>
+              </a:defRPr>
+            </a:lvl5pPr>
+            <a:lvl6pPr marL="2514600" indent="-228600" algn="l" defTabSz="914400" rtl="0" eaLnBrk="1" latinLnBrk="0" hangingPunct="1">
+              <a:lnSpc>
+                <a:spcPct val="90000"/>
+              </a:lnSpc>
+              <a:spcBef>
+                <a:spcPts val="500"/>
+              </a:spcBef>
+              <a:buFont typeface="Arial" panose="020B0604020202020204" pitchFamily="34" charset="0"/>
+              <a:buChar char="•"/>
+              <a:defRPr sz="1800" kern="1200">
+                <a:solidFill>
+                  <a:schemeClr val="tx1"/>
+                </a:solidFill>
+                <a:latin typeface="+mn-lt"/>
+                <a:ea typeface="+mn-ea"/>
+                <a:cs typeface="+mn-cs"/>
+              </a:defRPr>
+            </a:lvl6pPr>
+            <a:lvl7pPr marL="2971800" indent="-228600" algn="l" defTabSz="914400" rtl="0" eaLnBrk="1" latinLnBrk="0" hangingPunct="1">
+              <a:lnSpc>
+                <a:spcPct val="90000"/>
+              </a:lnSpc>
+              <a:spcBef>
+                <a:spcPts val="500"/>
+              </a:spcBef>
+              <a:buFont typeface="Arial" panose="020B0604020202020204" pitchFamily="34" charset="0"/>
+              <a:buChar char="•"/>
+              <a:defRPr sz="1800" kern="1200">
+                <a:solidFill>
+                  <a:schemeClr val="tx1"/>
+                </a:solidFill>
+                <a:latin typeface="+mn-lt"/>
+                <a:ea typeface="+mn-ea"/>
+                <a:cs typeface="+mn-cs"/>
+              </a:defRPr>
+            </a:lvl7pPr>
+            <a:lvl8pPr marL="3429000" indent="-228600" algn="l" defTabSz="914400" rtl="0" eaLnBrk="1" latinLnBrk="0" hangingPunct="1">
+              <a:lnSpc>
+                <a:spcPct val="90000"/>
+              </a:lnSpc>
+              <a:spcBef>
+                <a:spcPts val="500"/>
+              </a:spcBef>
+              <a:buFont typeface="Arial" panose="020B0604020202020204" pitchFamily="34" charset="0"/>
+              <a:buChar char="•"/>
+              <a:defRPr sz="1800" kern="1200">
+                <a:solidFill>
+                  <a:schemeClr val="tx1"/>
+                </a:solidFill>
+                <a:latin typeface="+mn-lt"/>
+                <a:ea typeface="+mn-ea"/>
+                <a:cs typeface="+mn-cs"/>
+              </a:defRPr>
+            </a:lvl8pPr>
+            <a:lvl9pPr marL="3886200" indent="-228600" algn="l" defTabSz="914400" rtl="0" eaLnBrk="1" latinLnBrk="0" hangingPunct="1">
+              <a:lnSpc>
+                <a:spcPct val="90000"/>
+              </a:lnSpc>
+              <a:spcBef>
+                <a:spcPts val="500"/>
+              </a:spcBef>
+              <a:buFont typeface="Arial" panose="020B0604020202020204" pitchFamily="34" charset="0"/>
+              <a:buChar char="•"/>
+              <a:defRPr sz="1800" kern="1200">
+                <a:solidFill>
+                  <a:schemeClr val="tx1"/>
+                </a:solidFill>
+                <a:latin typeface="+mn-lt"/>
+                <a:ea typeface="+mn-ea"/>
+                <a:cs typeface="+mn-cs"/>
+              </a:defRPr>
+            </a:lvl9pPr>
+          </a:lstStyle>
+          <a:p>
+            <a:pPr marL="0" indent="0">
+              <a:lnSpc>
+                <a:spcPct val="100000"/>
+              </a:lnSpc>
+              <a:buFont typeface="Arial" panose="020B0604020202020204" pitchFamily="34" charset="0"/>
+              <a:buNone/>
+            </a:pPr>
+            <a:endParaRPr lang="en-US">
+              <a:latin typeface="Sylfaen" panose="010A0502050306030303" pitchFamily="18" charset="0"/>
+            </a:endParaRPr>
+          </a:p>
+        </p:txBody>
+      </p:sp>
+      <p:sp>
+        <p:nvSpPr>
+          <p:cNvPr id="6" name="Content Placeholder 2">
+            <a:extLst>
+              <a:ext uri="{FF2B5EF4-FFF2-40B4-BE49-F238E27FC236}">
+                <a16:creationId xmlns:a16="http://schemas.microsoft.com/office/drawing/2014/main" id="{E98908ED-B247-4242-9934-D8FF8F341C6E}"/>
+              </a:ext>
+            </a:extLst>
+          </p:cNvPr>
+          <p:cNvSpPr txBox="1">
+            <a:spLocks/>
+          </p:cNvSpPr>
+          <p:nvPr/>
+        </p:nvSpPr>
+        <p:spPr>
+          <a:xfrm>
+            <a:off x="1288473" y="3338656"/>
+            <a:ext cx="2006600" cy="568325"/>
+          </a:xfrm>
+          <a:prstGeom prst="rect">
+            <a:avLst/>
+          </a:prstGeom>
+        </p:spPr>
+        <p:txBody>
+          <a:bodyPr vert="horz" lIns="91440" tIns="45720" rIns="91440" bIns="45720" rtlCol="0">
+            <a:normAutofit/>
+          </a:bodyPr>
+          <a:lstStyle>
+            <a:lvl1pPr marL="228600" indent="-228600" algn="l" defTabSz="914400" rtl="0" eaLnBrk="1" latinLnBrk="0" hangingPunct="1">
+              <a:lnSpc>
+                <a:spcPct val="90000"/>
+              </a:lnSpc>
+              <a:spcBef>
+                <a:spcPts val="1000"/>
+              </a:spcBef>
+              <a:buFont typeface="Arial" panose="020B0604020202020204" pitchFamily="34" charset="0"/>
+              <a:buChar char="•"/>
+              <a:defRPr sz="2800" kern="1200">
+                <a:solidFill>
+                  <a:schemeClr val="tx1"/>
+                </a:solidFill>
+                <a:latin typeface="+mn-lt"/>
+                <a:ea typeface="+mn-ea"/>
+                <a:cs typeface="+mn-cs"/>
+              </a:defRPr>
+            </a:lvl1pPr>
+            <a:lvl2pPr marL="685800" indent="-228600" algn="l" defTabSz="914400" rtl="0" eaLnBrk="1" latinLnBrk="0" hangingPunct="1">
+              <a:lnSpc>
+                <a:spcPct val="90000"/>
+              </a:lnSpc>
+              <a:spcBef>
+                <a:spcPts val="500"/>
+              </a:spcBef>
+              <a:buFont typeface="Arial" panose="020B0604020202020204" pitchFamily="34" charset="0"/>
+              <a:buChar char="•"/>
+              <a:defRPr sz="2400" kern="1200">
+                <a:solidFill>
+                  <a:schemeClr val="tx1"/>
+                </a:solidFill>
+                <a:latin typeface="+mn-lt"/>
+                <a:ea typeface="+mn-ea"/>
+                <a:cs typeface="+mn-cs"/>
+              </a:defRPr>
+            </a:lvl2pPr>
+            <a:lvl3pPr marL="1143000" indent="-228600" algn="l" defTabSz="914400" rtl="0" eaLnBrk="1" latinLnBrk="0" hangingPunct="1">
+              <a:lnSpc>
+                <a:spcPct val="90000"/>
+              </a:lnSpc>
+              <a:spcBef>
+                <a:spcPts val="500"/>
+              </a:spcBef>
+              <a:buFont typeface="Arial" panose="020B0604020202020204" pitchFamily="34" charset="0"/>
+              <a:buChar char="•"/>
+              <a:defRPr sz="2000" kern="1200">
+                <a:solidFill>
+                  <a:schemeClr val="tx1"/>
+                </a:solidFill>
+                <a:latin typeface="+mn-lt"/>
+                <a:ea typeface="+mn-ea"/>
+                <a:cs typeface="+mn-cs"/>
+              </a:defRPr>
+            </a:lvl3pPr>
+            <a:lvl4pPr marL="1600200" indent="-228600" algn="l" defTabSz="914400" rtl="0" eaLnBrk="1" latinLnBrk="0" hangingPunct="1">
+              <a:lnSpc>
+                <a:spcPct val="90000"/>
+              </a:lnSpc>
+              <a:spcBef>
+                <a:spcPts val="500"/>
+              </a:spcBef>
+              <a:buFont typeface="Arial" panose="020B0604020202020204" pitchFamily="34" charset="0"/>
+              <a:buChar char="•"/>
+              <a:defRPr sz="1800" kern="1200">
+                <a:solidFill>
+                  <a:schemeClr val="tx1"/>
+                </a:solidFill>
+                <a:latin typeface="+mn-lt"/>
+                <a:ea typeface="+mn-ea"/>
+                <a:cs typeface="+mn-cs"/>
+              </a:defRPr>
+            </a:lvl4pPr>
+            <a:lvl5pPr marL="2057400" indent="-228600" algn="l" defTabSz="914400" rtl="0" eaLnBrk="1" latinLnBrk="0" hangingPunct="1">
+              <a:lnSpc>
+                <a:spcPct val="90000"/>
+              </a:lnSpc>
+              <a:spcBef>
+                <a:spcPts val="500"/>
+              </a:spcBef>
+              <a:buFont typeface="Arial" panose="020B0604020202020204" pitchFamily="34" charset="0"/>
+              <a:buChar char="•"/>
+              <a:defRPr sz="1800" kern="1200">
+                <a:solidFill>
+                  <a:schemeClr val="tx1"/>
+                </a:solidFill>
+                <a:latin typeface="+mn-lt"/>
+                <a:ea typeface="+mn-ea"/>
+                <a:cs typeface="+mn-cs"/>
+              </a:defRPr>
+            </a:lvl5pPr>
+            <a:lvl6pPr marL="2514600" indent="-228600" algn="l" defTabSz="914400" rtl="0" eaLnBrk="1" latinLnBrk="0" hangingPunct="1">
+              <a:lnSpc>
+                <a:spcPct val="90000"/>
+              </a:lnSpc>
+              <a:spcBef>
+                <a:spcPts val="500"/>
+              </a:spcBef>
+              <a:buFont typeface="Arial" panose="020B0604020202020204" pitchFamily="34" charset="0"/>
+              <a:buChar char="•"/>
+              <a:defRPr sz="1800" kern="1200">
+                <a:solidFill>
+                  <a:schemeClr val="tx1"/>
+                </a:solidFill>
+                <a:latin typeface="+mn-lt"/>
+                <a:ea typeface="+mn-ea"/>
+                <a:cs typeface="+mn-cs"/>
+              </a:defRPr>
+            </a:lvl6pPr>
+            <a:lvl7pPr marL="2971800" indent="-228600" algn="l" defTabSz="914400" rtl="0" eaLnBrk="1" latinLnBrk="0" hangingPunct="1">
+              <a:lnSpc>
+                <a:spcPct val="90000"/>
+              </a:lnSpc>
+              <a:spcBef>
+                <a:spcPts val="500"/>
+              </a:spcBef>
+              <a:buFont typeface="Arial" panose="020B0604020202020204" pitchFamily="34" charset="0"/>
+              <a:buChar char="•"/>
+              <a:defRPr sz="1800" kern="1200">
+                <a:solidFill>
+                  <a:schemeClr val="tx1"/>
+                </a:solidFill>
+                <a:latin typeface="+mn-lt"/>
+                <a:ea typeface="+mn-ea"/>
+                <a:cs typeface="+mn-cs"/>
+              </a:defRPr>
+            </a:lvl7pPr>
+            <a:lvl8pPr marL="3429000" indent="-228600" algn="l" defTabSz="914400" rtl="0" eaLnBrk="1" latinLnBrk="0" hangingPunct="1">
+              <a:lnSpc>
+                <a:spcPct val="90000"/>
+              </a:lnSpc>
+              <a:spcBef>
+                <a:spcPts val="500"/>
+              </a:spcBef>
+              <a:buFont typeface="Arial" panose="020B0604020202020204" pitchFamily="34" charset="0"/>
+              <a:buChar char="•"/>
+              <a:defRPr sz="1800" kern="1200">
+                <a:solidFill>
+                  <a:schemeClr val="tx1"/>
+                </a:solidFill>
+                <a:latin typeface="+mn-lt"/>
+                <a:ea typeface="+mn-ea"/>
+                <a:cs typeface="+mn-cs"/>
+              </a:defRPr>
+            </a:lvl8pPr>
+            <a:lvl9pPr marL="3886200" indent="-228600" algn="l" defTabSz="914400" rtl="0" eaLnBrk="1" latinLnBrk="0" hangingPunct="1">
+              <a:lnSpc>
+                <a:spcPct val="90000"/>
+              </a:lnSpc>
+              <a:spcBef>
+                <a:spcPts val="500"/>
+              </a:spcBef>
+              <a:buFont typeface="Arial" panose="020B0604020202020204" pitchFamily="34" charset="0"/>
+              <a:buChar char="•"/>
+              <a:defRPr sz="1800" kern="1200">
+                <a:solidFill>
+                  <a:schemeClr val="tx1"/>
+                </a:solidFill>
+                <a:latin typeface="+mn-lt"/>
+                <a:ea typeface="+mn-ea"/>
+                <a:cs typeface="+mn-cs"/>
+              </a:defRPr>
+            </a:lvl9pPr>
+          </a:lstStyle>
+          <a:p>
+            <a:pPr marL="0" indent="0">
+              <a:lnSpc>
+                <a:spcPct val="100000"/>
+              </a:lnSpc>
+              <a:buFont typeface="Arial" panose="020B0604020202020204" pitchFamily="34" charset="0"/>
+              <a:buNone/>
+            </a:pPr>
+            <a:r>
+              <a:rPr lang="en-US" b="1">
+                <a:latin typeface="Sylfaen" panose="010A0502050306030303" pitchFamily="18" charset="0"/>
+              </a:rPr>
+              <a:t>Idempotent</a:t>
+            </a:r>
+          </a:p>
+        </p:txBody>
+      </p:sp>
+      <p:sp>
+        <p:nvSpPr>
+          <p:cNvPr id="7" name="Content Placeholder 2">
+            <a:extLst>
+              <a:ext uri="{FF2B5EF4-FFF2-40B4-BE49-F238E27FC236}">
+                <a16:creationId xmlns:a16="http://schemas.microsoft.com/office/drawing/2014/main" id="{2F80F4A4-1025-4960-86B2-724C1099EA87}"/>
+              </a:ext>
+            </a:extLst>
+          </p:cNvPr>
+          <p:cNvSpPr txBox="1">
+            <a:spLocks/>
+          </p:cNvSpPr>
+          <p:nvPr/>
+        </p:nvSpPr>
+        <p:spPr>
+          <a:xfrm>
+            <a:off x="591172" y="5541114"/>
+            <a:ext cx="2892136" cy="627423"/>
+          </a:xfrm>
+          <a:prstGeom prst="rect">
+            <a:avLst/>
+          </a:prstGeom>
+        </p:spPr>
+        <p:txBody>
+          <a:bodyPr vert="horz" lIns="91440" tIns="45720" rIns="91440" bIns="45720" rtlCol="0">
+            <a:normAutofit/>
+          </a:bodyPr>
+          <a:lstStyle>
+            <a:lvl1pPr marL="228600" indent="-228600" algn="l" defTabSz="914400" rtl="0" eaLnBrk="1" latinLnBrk="0" hangingPunct="1">
+              <a:lnSpc>
+                <a:spcPct val="90000"/>
+              </a:lnSpc>
+              <a:spcBef>
+                <a:spcPts val="1000"/>
+              </a:spcBef>
+              <a:buFont typeface="Arial" panose="020B0604020202020204" pitchFamily="34" charset="0"/>
+              <a:buChar char="•"/>
+              <a:defRPr sz="2800" kern="1200">
+                <a:solidFill>
+                  <a:schemeClr val="tx1"/>
+                </a:solidFill>
+                <a:latin typeface="+mn-lt"/>
+                <a:ea typeface="+mn-ea"/>
+                <a:cs typeface="+mn-cs"/>
+              </a:defRPr>
+            </a:lvl1pPr>
+            <a:lvl2pPr marL="685800" indent="-228600" algn="l" defTabSz="914400" rtl="0" eaLnBrk="1" latinLnBrk="0" hangingPunct="1">
+              <a:lnSpc>
+                <a:spcPct val="90000"/>
+              </a:lnSpc>
+              <a:spcBef>
+                <a:spcPts val="500"/>
+              </a:spcBef>
+              <a:buFont typeface="Arial" panose="020B0604020202020204" pitchFamily="34" charset="0"/>
+              <a:buChar char="•"/>
+              <a:defRPr sz="2400" kern="1200">
+                <a:solidFill>
+                  <a:schemeClr val="tx1"/>
+                </a:solidFill>
+                <a:latin typeface="+mn-lt"/>
+                <a:ea typeface="+mn-ea"/>
+                <a:cs typeface="+mn-cs"/>
+              </a:defRPr>
+            </a:lvl2pPr>
+            <a:lvl3pPr marL="1143000" indent="-228600" algn="l" defTabSz="914400" rtl="0" eaLnBrk="1" latinLnBrk="0" hangingPunct="1">
+              <a:lnSpc>
+                <a:spcPct val="90000"/>
+              </a:lnSpc>
+              <a:spcBef>
+                <a:spcPts val="500"/>
+              </a:spcBef>
+              <a:buFont typeface="Arial" panose="020B0604020202020204" pitchFamily="34" charset="0"/>
+              <a:buChar char="•"/>
+              <a:defRPr sz="2000" kern="1200">
+                <a:solidFill>
+                  <a:schemeClr val="tx1"/>
+                </a:solidFill>
+                <a:latin typeface="+mn-lt"/>
+                <a:ea typeface="+mn-ea"/>
+                <a:cs typeface="+mn-cs"/>
+              </a:defRPr>
+            </a:lvl3pPr>
+            <a:lvl4pPr marL="1600200" indent="-228600" algn="l" defTabSz="914400" rtl="0" eaLnBrk="1" latinLnBrk="0" hangingPunct="1">
+              <a:lnSpc>
+                <a:spcPct val="90000"/>
+              </a:lnSpc>
+              <a:spcBef>
+                <a:spcPts val="500"/>
+              </a:spcBef>
+              <a:buFont typeface="Arial" panose="020B0604020202020204" pitchFamily="34" charset="0"/>
+              <a:buChar char="•"/>
+              <a:defRPr sz="1800" kern="1200">
+                <a:solidFill>
+                  <a:schemeClr val="tx1"/>
+                </a:solidFill>
+                <a:latin typeface="+mn-lt"/>
+                <a:ea typeface="+mn-ea"/>
+                <a:cs typeface="+mn-cs"/>
+              </a:defRPr>
+            </a:lvl4pPr>
+            <a:lvl5pPr marL="2057400" indent="-228600" algn="l" defTabSz="914400" rtl="0" eaLnBrk="1" latinLnBrk="0" hangingPunct="1">
+              <a:lnSpc>
+                <a:spcPct val="90000"/>
+              </a:lnSpc>
+              <a:spcBef>
+                <a:spcPts val="500"/>
+              </a:spcBef>
+              <a:buFont typeface="Arial" panose="020B0604020202020204" pitchFamily="34" charset="0"/>
+              <a:buChar char="•"/>
+              <a:defRPr sz="1800" kern="1200">
+                <a:solidFill>
+                  <a:schemeClr val="tx1"/>
+                </a:solidFill>
+                <a:latin typeface="+mn-lt"/>
+                <a:ea typeface="+mn-ea"/>
+                <a:cs typeface="+mn-cs"/>
+              </a:defRPr>
+            </a:lvl5pPr>
+            <a:lvl6pPr marL="2514600" indent="-228600" algn="l" defTabSz="914400" rtl="0" eaLnBrk="1" latinLnBrk="0" hangingPunct="1">
+              <a:lnSpc>
+                <a:spcPct val="90000"/>
+              </a:lnSpc>
+              <a:spcBef>
+                <a:spcPts val="500"/>
+              </a:spcBef>
+              <a:buFont typeface="Arial" panose="020B0604020202020204" pitchFamily="34" charset="0"/>
+              <a:buChar char="•"/>
+              <a:defRPr sz="1800" kern="1200">
+                <a:solidFill>
+                  <a:schemeClr val="tx1"/>
+                </a:solidFill>
+                <a:latin typeface="+mn-lt"/>
+                <a:ea typeface="+mn-ea"/>
+                <a:cs typeface="+mn-cs"/>
+              </a:defRPr>
+            </a:lvl6pPr>
+            <a:lvl7pPr marL="2971800" indent="-228600" algn="l" defTabSz="914400" rtl="0" eaLnBrk="1" latinLnBrk="0" hangingPunct="1">
+              <a:lnSpc>
+                <a:spcPct val="90000"/>
+              </a:lnSpc>
+              <a:spcBef>
+                <a:spcPts val="500"/>
+              </a:spcBef>
+              <a:buFont typeface="Arial" panose="020B0604020202020204" pitchFamily="34" charset="0"/>
+              <a:buChar char="•"/>
+              <a:defRPr sz="1800" kern="1200">
+                <a:solidFill>
+                  <a:schemeClr val="tx1"/>
+                </a:solidFill>
+                <a:latin typeface="+mn-lt"/>
+                <a:ea typeface="+mn-ea"/>
+                <a:cs typeface="+mn-cs"/>
+              </a:defRPr>
+            </a:lvl7pPr>
+            <a:lvl8pPr marL="3429000" indent="-228600" algn="l" defTabSz="914400" rtl="0" eaLnBrk="1" latinLnBrk="0" hangingPunct="1">
+              <a:lnSpc>
+                <a:spcPct val="90000"/>
+              </a:lnSpc>
+              <a:spcBef>
+                <a:spcPts val="500"/>
+              </a:spcBef>
+              <a:buFont typeface="Arial" panose="020B0604020202020204" pitchFamily="34" charset="0"/>
+              <a:buChar char="•"/>
+              <a:defRPr sz="1800" kern="1200">
+                <a:solidFill>
+                  <a:schemeClr val="tx1"/>
+                </a:solidFill>
+                <a:latin typeface="+mn-lt"/>
+                <a:ea typeface="+mn-ea"/>
+                <a:cs typeface="+mn-cs"/>
+              </a:defRPr>
+            </a:lvl8pPr>
+            <a:lvl9pPr marL="3886200" indent="-228600" algn="l" defTabSz="914400" rtl="0" eaLnBrk="1" latinLnBrk="0" hangingPunct="1">
+              <a:lnSpc>
+                <a:spcPct val="90000"/>
+              </a:lnSpc>
+              <a:spcBef>
+                <a:spcPts val="500"/>
+              </a:spcBef>
+              <a:buFont typeface="Arial" panose="020B0604020202020204" pitchFamily="34" charset="0"/>
+              <a:buChar char="•"/>
+              <a:defRPr sz="1800" kern="1200">
+                <a:solidFill>
+                  <a:schemeClr val="tx1"/>
+                </a:solidFill>
+                <a:latin typeface="+mn-lt"/>
+                <a:ea typeface="+mn-ea"/>
+                <a:cs typeface="+mn-cs"/>
+              </a:defRPr>
+            </a:lvl9pPr>
+          </a:lstStyle>
+          <a:p>
+            <a:pPr marL="0" indent="0">
+              <a:lnSpc>
+                <a:spcPct val="100000"/>
+              </a:lnSpc>
+              <a:buFont typeface="Arial" panose="020B0604020202020204" pitchFamily="34" charset="0"/>
+              <a:buNone/>
+            </a:pPr>
+            <a:r>
+              <a:rPr lang="en-US" b="1">
+                <a:latin typeface="Sylfaen" panose="010A0502050306030303" pitchFamily="18" charset="0"/>
+              </a:rPr>
+              <a:t>Non-Idempotent</a:t>
+            </a:r>
+          </a:p>
+        </p:txBody>
+      </p:sp>
+      <p:sp>
+        <p:nvSpPr>
+          <p:cNvPr id="8" name="Left Brace 7">
+            <a:extLst>
+              <a:ext uri="{FF2B5EF4-FFF2-40B4-BE49-F238E27FC236}">
+                <a16:creationId xmlns:a16="http://schemas.microsoft.com/office/drawing/2014/main" id="{186879F1-78D4-4C40-B381-993B2273AA4E}"/>
+              </a:ext>
+            </a:extLst>
+          </p:cNvPr>
+          <p:cNvSpPr/>
+          <p:nvPr/>
+        </p:nvSpPr>
+        <p:spPr>
+          <a:xfrm>
+            <a:off x="3444052" y="1786946"/>
+            <a:ext cx="267855" cy="3671743"/>
+          </a:xfrm>
+          <a:prstGeom prst="leftBrace">
+            <a:avLst/>
+          </a:prstGeom>
+        </p:spPr>
+        <p:style>
+          <a:lnRef idx="3">
+            <a:schemeClr val="dk1"/>
+          </a:lnRef>
+          <a:fillRef idx="0">
+            <a:schemeClr val="dk1"/>
+          </a:fillRef>
+          <a:effectRef idx="2">
+            <a:schemeClr val="dk1"/>
+          </a:effectRef>
+          <a:fontRef idx="minor">
+            <a:schemeClr val="tx1"/>
+          </a:fontRef>
+        </p:style>
+        <p:txBody>
+          <a:bodyPr rtlCol="0" anchor="ctr"/>
+          <a:lstStyle/>
+          <a:p>
+            <a:pPr algn="ctr"/>
+            <a:endParaRPr lang="en-US"/>
+          </a:p>
+        </p:txBody>
+      </p:sp>
+      <p:sp>
+        <p:nvSpPr>
+          <p:cNvPr id="9" name="Left Brace 8">
+            <a:extLst>
+              <a:ext uri="{FF2B5EF4-FFF2-40B4-BE49-F238E27FC236}">
+                <a16:creationId xmlns:a16="http://schemas.microsoft.com/office/drawing/2014/main" id="{5E90702D-E1CA-4FE6-BFF6-29DE8A68D0CA}"/>
+              </a:ext>
+            </a:extLst>
+          </p:cNvPr>
+          <p:cNvSpPr/>
+          <p:nvPr/>
+        </p:nvSpPr>
+        <p:spPr>
+          <a:xfrm>
+            <a:off x="3444053" y="5624133"/>
+            <a:ext cx="267855" cy="422383"/>
+          </a:xfrm>
+          <a:prstGeom prst="leftBrace">
+            <a:avLst>
+              <a:gd name="adj1" fmla="val 8333"/>
+              <a:gd name="adj2" fmla="val 49248"/>
+            </a:avLst>
+          </a:prstGeom>
+        </p:spPr>
+        <p:style>
+          <a:lnRef idx="3">
+            <a:schemeClr val="dk1"/>
+          </a:lnRef>
+          <a:fillRef idx="0">
+            <a:schemeClr val="dk1"/>
+          </a:fillRef>
+          <a:effectRef idx="2">
+            <a:schemeClr val="dk1"/>
+          </a:effectRef>
+          <a:fontRef idx="minor">
+            <a:schemeClr val="tx1"/>
+          </a:fontRef>
+        </p:style>
+        <p:txBody>
+          <a:bodyPr rtlCol="0" anchor="ctr"/>
+          <a:lstStyle/>
+          <a:p>
+            <a:pPr algn="ctr"/>
+            <a:endParaRPr lang="en-US"/>
+          </a:p>
+        </p:txBody>
+      </p:sp>
+      <p:sp>
+        <p:nvSpPr>
+          <p:cNvPr id="11" name="Content Placeholder 2">
+            <a:extLst>
+              <a:ext uri="{FF2B5EF4-FFF2-40B4-BE49-F238E27FC236}">
+                <a16:creationId xmlns:a16="http://schemas.microsoft.com/office/drawing/2014/main" id="{AC378AF2-B733-42AE-8819-E78D064A3272}"/>
+              </a:ext>
+            </a:extLst>
+          </p:cNvPr>
+          <p:cNvSpPr txBox="1">
+            <a:spLocks/>
+          </p:cNvSpPr>
+          <p:nvPr/>
+        </p:nvSpPr>
+        <p:spPr>
+          <a:xfrm>
+            <a:off x="6770209" y="1730285"/>
+            <a:ext cx="5080045" cy="4484107"/>
+          </a:xfrm>
+          <a:prstGeom prst="rect">
+            <a:avLst/>
+          </a:prstGeom>
+        </p:spPr>
+        <p:txBody>
+          <a:bodyPr vert="horz" lIns="91440" tIns="45720" rIns="91440" bIns="45720" rtlCol="0">
+            <a:normAutofit/>
+          </a:bodyPr>
+          <a:lstStyle>
+            <a:lvl1pPr marL="228600" indent="-228600" algn="l" defTabSz="914400" rtl="0" eaLnBrk="1" latinLnBrk="0" hangingPunct="1">
+              <a:lnSpc>
+                <a:spcPct val="90000"/>
+              </a:lnSpc>
+              <a:spcBef>
+                <a:spcPts val="1000"/>
+              </a:spcBef>
+              <a:buFont typeface="Arial" panose="020B0604020202020204" pitchFamily="34" charset="0"/>
+              <a:buChar char="•"/>
+              <a:defRPr sz="2800" kern="1200">
+                <a:solidFill>
+                  <a:schemeClr val="tx1"/>
+                </a:solidFill>
+                <a:latin typeface="+mn-lt"/>
+                <a:ea typeface="+mn-ea"/>
+                <a:cs typeface="+mn-cs"/>
+              </a:defRPr>
+            </a:lvl1pPr>
+            <a:lvl2pPr marL="685800" indent="-228600" algn="l" defTabSz="914400" rtl="0" eaLnBrk="1" latinLnBrk="0" hangingPunct="1">
+              <a:lnSpc>
+                <a:spcPct val="90000"/>
+              </a:lnSpc>
+              <a:spcBef>
+                <a:spcPts val="500"/>
+              </a:spcBef>
+              <a:buFont typeface="Arial" panose="020B0604020202020204" pitchFamily="34" charset="0"/>
+              <a:buChar char="•"/>
+              <a:defRPr sz="2400" kern="1200">
+                <a:solidFill>
+                  <a:schemeClr val="tx1"/>
+                </a:solidFill>
+                <a:latin typeface="+mn-lt"/>
+                <a:ea typeface="+mn-ea"/>
+                <a:cs typeface="+mn-cs"/>
+              </a:defRPr>
+            </a:lvl2pPr>
+            <a:lvl3pPr marL="1143000" indent="-228600" algn="l" defTabSz="914400" rtl="0" eaLnBrk="1" latinLnBrk="0" hangingPunct="1">
+              <a:lnSpc>
+                <a:spcPct val="90000"/>
+              </a:lnSpc>
+              <a:spcBef>
+                <a:spcPts val="500"/>
+              </a:spcBef>
+              <a:buFont typeface="Arial" panose="020B0604020202020204" pitchFamily="34" charset="0"/>
+              <a:buChar char="•"/>
+              <a:defRPr sz="2000" kern="1200">
+                <a:solidFill>
+                  <a:schemeClr val="tx1"/>
+                </a:solidFill>
+                <a:latin typeface="+mn-lt"/>
+                <a:ea typeface="+mn-ea"/>
+                <a:cs typeface="+mn-cs"/>
+              </a:defRPr>
+            </a:lvl3pPr>
+            <a:lvl4pPr marL="1600200" indent="-228600" algn="l" defTabSz="914400" rtl="0" eaLnBrk="1" latinLnBrk="0" hangingPunct="1">
+              <a:lnSpc>
+                <a:spcPct val="90000"/>
+              </a:lnSpc>
+              <a:spcBef>
+                <a:spcPts val="500"/>
+              </a:spcBef>
+              <a:buFont typeface="Arial" panose="020B0604020202020204" pitchFamily="34" charset="0"/>
+              <a:buChar char="•"/>
+              <a:defRPr sz="1800" kern="1200">
+                <a:solidFill>
+                  <a:schemeClr val="tx1"/>
+                </a:solidFill>
+                <a:latin typeface="+mn-lt"/>
+                <a:ea typeface="+mn-ea"/>
+                <a:cs typeface="+mn-cs"/>
+              </a:defRPr>
+            </a:lvl4pPr>
+            <a:lvl5pPr marL="2057400" indent="-228600" algn="l" defTabSz="914400" rtl="0" eaLnBrk="1" latinLnBrk="0" hangingPunct="1">
+              <a:lnSpc>
+                <a:spcPct val="90000"/>
+              </a:lnSpc>
+              <a:spcBef>
+                <a:spcPts val="500"/>
+              </a:spcBef>
+              <a:buFont typeface="Arial" panose="020B0604020202020204" pitchFamily="34" charset="0"/>
+              <a:buChar char="•"/>
+              <a:defRPr sz="1800" kern="1200">
+                <a:solidFill>
+                  <a:schemeClr val="tx1"/>
+                </a:solidFill>
+                <a:latin typeface="+mn-lt"/>
+                <a:ea typeface="+mn-ea"/>
+                <a:cs typeface="+mn-cs"/>
+              </a:defRPr>
+            </a:lvl5pPr>
+            <a:lvl6pPr marL="2514600" indent="-228600" algn="l" defTabSz="914400" rtl="0" eaLnBrk="1" latinLnBrk="0" hangingPunct="1">
+              <a:lnSpc>
+                <a:spcPct val="90000"/>
+              </a:lnSpc>
+              <a:spcBef>
+                <a:spcPts val="500"/>
+              </a:spcBef>
+              <a:buFont typeface="Arial" panose="020B0604020202020204" pitchFamily="34" charset="0"/>
+              <a:buChar char="•"/>
+              <a:defRPr sz="1800" kern="1200">
+                <a:solidFill>
+                  <a:schemeClr val="tx1"/>
+                </a:solidFill>
+                <a:latin typeface="+mn-lt"/>
+                <a:ea typeface="+mn-ea"/>
+                <a:cs typeface="+mn-cs"/>
+              </a:defRPr>
+            </a:lvl6pPr>
+            <a:lvl7pPr marL="2971800" indent="-228600" algn="l" defTabSz="914400" rtl="0" eaLnBrk="1" latinLnBrk="0" hangingPunct="1">
+              <a:lnSpc>
+                <a:spcPct val="90000"/>
+              </a:lnSpc>
+              <a:spcBef>
+                <a:spcPts val="500"/>
+              </a:spcBef>
+              <a:buFont typeface="Arial" panose="020B0604020202020204" pitchFamily="34" charset="0"/>
+              <a:buChar char="•"/>
+              <a:defRPr sz="1800" kern="1200">
+                <a:solidFill>
+                  <a:schemeClr val="tx1"/>
+                </a:solidFill>
+                <a:latin typeface="+mn-lt"/>
+                <a:ea typeface="+mn-ea"/>
+                <a:cs typeface="+mn-cs"/>
+              </a:defRPr>
+            </a:lvl7pPr>
+            <a:lvl8pPr marL="3429000" indent="-228600" algn="l" defTabSz="914400" rtl="0" eaLnBrk="1" latinLnBrk="0" hangingPunct="1">
+              <a:lnSpc>
+                <a:spcPct val="90000"/>
+              </a:lnSpc>
+              <a:spcBef>
+                <a:spcPts val="500"/>
+              </a:spcBef>
+              <a:buFont typeface="Arial" panose="020B0604020202020204" pitchFamily="34" charset="0"/>
+              <a:buChar char="•"/>
+              <a:defRPr sz="1800" kern="1200">
+                <a:solidFill>
+                  <a:schemeClr val="tx1"/>
+                </a:solidFill>
+                <a:latin typeface="+mn-lt"/>
+                <a:ea typeface="+mn-ea"/>
+                <a:cs typeface="+mn-cs"/>
+              </a:defRPr>
+            </a:lvl8pPr>
+            <a:lvl9pPr marL="3886200" indent="-228600" algn="l" defTabSz="914400" rtl="0" eaLnBrk="1" latinLnBrk="0" hangingPunct="1">
+              <a:lnSpc>
+                <a:spcPct val="90000"/>
+              </a:lnSpc>
+              <a:spcBef>
+                <a:spcPts val="500"/>
+              </a:spcBef>
+              <a:buFont typeface="Arial" panose="020B0604020202020204" pitchFamily="34" charset="0"/>
+              <a:buChar char="•"/>
+              <a:defRPr sz="1800" kern="1200">
+                <a:solidFill>
+                  <a:schemeClr val="tx1"/>
+                </a:solidFill>
+                <a:latin typeface="+mn-lt"/>
+                <a:ea typeface="+mn-ea"/>
+                <a:cs typeface="+mn-cs"/>
+              </a:defRPr>
+            </a:lvl9pPr>
+          </a:lstStyle>
+          <a:p>
+            <a:pPr marL="0" indent="0">
+              <a:lnSpc>
+                <a:spcPct val="100000"/>
+              </a:lnSpc>
+              <a:buFont typeface="Arial" panose="020B0604020202020204" pitchFamily="34" charset="0"/>
+              <a:buNone/>
+            </a:pPr>
+            <a:r>
+              <a:rPr lang="en-US" sz="1800" b="1">
+                <a:latin typeface="Sylfaen" panose="010A0502050306030303" pitchFamily="18" charset="0"/>
+              </a:rPr>
+              <a:t>GET /page HTTP/1.1</a:t>
+            </a:r>
+          </a:p>
+          <a:p>
+            <a:pPr marL="0" indent="0">
+              <a:lnSpc>
+                <a:spcPct val="100000"/>
+              </a:lnSpc>
+              <a:buNone/>
+            </a:pPr>
+            <a:r>
+              <a:rPr lang="en-US" sz="1800" b="1">
+                <a:latin typeface="Sylfaen" panose="010A0502050306030303" pitchFamily="18" charset="0"/>
+              </a:rPr>
+              <a:t>GET /page HTTP/1.1</a:t>
+            </a:r>
+          </a:p>
+          <a:p>
+            <a:pPr marL="0" indent="0">
+              <a:lnSpc>
+                <a:spcPct val="100000"/>
+              </a:lnSpc>
+              <a:buNone/>
+            </a:pPr>
+            <a:r>
+              <a:rPr lang="en-US" sz="1800" b="1">
+                <a:latin typeface="Sylfaen" panose="010A0502050306030303" pitchFamily="18" charset="0"/>
+              </a:rPr>
+              <a:t>GET /page HTTP/1.1</a:t>
+            </a:r>
+          </a:p>
+          <a:p>
+            <a:pPr marL="0" indent="0">
+              <a:lnSpc>
+                <a:spcPct val="100000"/>
+              </a:lnSpc>
+              <a:buNone/>
+            </a:pPr>
+            <a:endParaRPr lang="en-US" sz="1800" b="1">
+              <a:latin typeface="Sylfaen" panose="010A0502050306030303" pitchFamily="18" charset="0"/>
+            </a:endParaRPr>
+          </a:p>
+          <a:p>
+            <a:pPr marL="0" indent="0">
+              <a:lnSpc>
+                <a:spcPct val="100000"/>
+              </a:lnSpc>
+              <a:buNone/>
+            </a:pPr>
+            <a:r>
+              <a:rPr lang="en-US" sz="1800" b="1">
+                <a:latin typeface="Sylfaen" panose="010A0502050306030303" pitchFamily="18" charset="0"/>
+              </a:rPr>
+              <a:t>DELETE /page HTTP/1.1    //200 OK </a:t>
+            </a:r>
+          </a:p>
+          <a:p>
+            <a:pPr marL="0" indent="0">
+              <a:lnSpc>
+                <a:spcPct val="100000"/>
+              </a:lnSpc>
+              <a:buNone/>
+            </a:pPr>
+            <a:r>
+              <a:rPr lang="en-US" sz="1800" b="1">
+                <a:latin typeface="Sylfaen" panose="010A0502050306030303" pitchFamily="18" charset="0"/>
+              </a:rPr>
+              <a:t>DELETE /page HTTP/1.1    //404 Not Found</a:t>
+            </a:r>
+          </a:p>
+          <a:p>
+            <a:pPr marL="0" indent="0">
+              <a:lnSpc>
+                <a:spcPct val="100000"/>
+              </a:lnSpc>
+              <a:buNone/>
+            </a:pPr>
+            <a:r>
+              <a:rPr lang="en-US" sz="1800" b="1">
+                <a:latin typeface="Sylfaen" panose="010A0502050306030303" pitchFamily="18" charset="0"/>
+              </a:rPr>
+              <a:t>DELETE /page HTTP/1.1    //404 Not Found</a:t>
+            </a:r>
+          </a:p>
+          <a:p>
+            <a:pPr marL="0" indent="0">
+              <a:lnSpc>
+                <a:spcPct val="100000"/>
+              </a:lnSpc>
+              <a:buNone/>
+            </a:pPr>
+            <a:endParaRPr lang="en-US" sz="1800" b="1">
+              <a:latin typeface="Sylfaen" panose="010A0502050306030303" pitchFamily="18" charset="0"/>
+            </a:endParaRPr>
+          </a:p>
+          <a:p>
+            <a:pPr marL="0" indent="0">
+              <a:lnSpc>
+                <a:spcPct val="100000"/>
+              </a:lnSpc>
+              <a:buNone/>
+            </a:pPr>
+            <a:r>
+              <a:rPr lang="en-US" sz="1800" b="1">
+                <a:latin typeface="Sylfaen" panose="010A0502050306030303" pitchFamily="18" charset="0"/>
+              </a:rPr>
+              <a:t>POST /add_row HTTP/1.1   //adds 1-ts row</a:t>
+            </a:r>
+          </a:p>
+          <a:p>
+            <a:pPr marL="0" indent="0">
+              <a:lnSpc>
+                <a:spcPct val="100000"/>
+              </a:lnSpc>
+              <a:buNone/>
+            </a:pPr>
+            <a:r>
+              <a:rPr lang="en-US" sz="1800" b="1">
+                <a:latin typeface="Sylfaen" panose="010A0502050306030303" pitchFamily="18" charset="0"/>
+              </a:rPr>
+              <a:t>POST /add_row HTTP/1.1   //adds 2-nd row</a:t>
+            </a:r>
+          </a:p>
+          <a:p>
+            <a:pPr marL="0" indent="0">
+              <a:lnSpc>
+                <a:spcPct val="100000"/>
+              </a:lnSpc>
+              <a:buNone/>
+            </a:pPr>
+            <a:r>
+              <a:rPr lang="en-US" sz="1800" b="1">
+                <a:latin typeface="Sylfaen" panose="010A0502050306030303" pitchFamily="18" charset="0"/>
+              </a:rPr>
+              <a:t>POST /add_row HTTP/1.1   //adds 3-rd row</a:t>
+            </a:r>
+          </a:p>
+          <a:p>
+            <a:pPr marL="0" indent="0">
+              <a:lnSpc>
+                <a:spcPct val="100000"/>
+              </a:lnSpc>
+              <a:buNone/>
+            </a:pPr>
+            <a:endParaRPr lang="en-US" sz="1800" b="1">
+              <a:latin typeface="Sylfaen" panose="010A0502050306030303" pitchFamily="18" charset="0"/>
+            </a:endParaRPr>
+          </a:p>
+          <a:p>
+            <a:pPr marL="0" indent="0">
+              <a:lnSpc>
+                <a:spcPct val="100000"/>
+              </a:lnSpc>
+              <a:buNone/>
+            </a:pPr>
+            <a:endParaRPr lang="en-US" sz="1800" b="1">
+              <a:latin typeface="Sylfaen" panose="010A0502050306030303" pitchFamily="18" charset="0"/>
+            </a:endParaRPr>
+          </a:p>
+          <a:p>
+            <a:pPr marL="0" indent="0">
+              <a:lnSpc>
+                <a:spcPct val="100000"/>
+              </a:lnSpc>
+              <a:buNone/>
+            </a:pPr>
+            <a:endParaRPr lang="en-US" sz="1800" b="1">
+              <a:latin typeface="Sylfaen" panose="010A0502050306030303" pitchFamily="18" charset="0"/>
+            </a:endParaRPr>
+          </a:p>
+          <a:p>
+            <a:pPr marL="0" indent="0">
+              <a:lnSpc>
+                <a:spcPct val="100000"/>
+              </a:lnSpc>
+              <a:buFont typeface="Arial" panose="020B0604020202020204" pitchFamily="34" charset="0"/>
+              <a:buNone/>
+            </a:pPr>
+            <a:endParaRPr lang="en-US" sz="1800" b="1">
+              <a:latin typeface="Sylfaen" panose="010A0502050306030303" pitchFamily="18" charset="0"/>
+            </a:endParaRPr>
+          </a:p>
+        </p:txBody>
+      </p:sp>
+    </p:spTree>
+    <p:extLst>
+      <p:ext uri="{BB962C8B-B14F-4D97-AF65-F5344CB8AC3E}">
+        <p14:creationId xmlns:p14="http://schemas.microsoft.com/office/powerpoint/2010/main" val="1275801941"/>
+      </p:ext>
+    </p:extLst>
+  </p:cSld>
+  <p:clrMapOvr>
+    <a:masterClrMapping/>
+  </p:clrMapOvr>
+</p:sld>
+</file>
+
+<file path=ppt/slides/slide12.xml><?xml version="1.0" encoding="utf-8"?>
+<p:sld xmlns:a="http://schemas.openxmlformats.org/drawingml/2006/main" xmlns:r="http://schemas.openxmlformats.org/officeDocument/2006/relationships" xmlns:p="http://schemas.openxmlformats.org/presentationml/2006/main">
+  <p:cSld>
+    <p:spTree>
+      <p:nvGrpSpPr>
+        <p:cNvPr id="1" name=""/>
+        <p:cNvGrpSpPr/>
+        <p:nvPr/>
+      </p:nvGrpSpPr>
+      <p:grpSpPr>
+        <a:xfrm>
+          <a:off x="0" y="0"/>
+          <a:ext cx="0" cy="0"/>
+          <a:chOff x="0" y="0"/>
+          <a:chExt cx="0" cy="0"/>
+        </a:xfrm>
+      </p:grpSpPr>
+      <p:sp>
+        <p:nvSpPr>
+          <p:cNvPr id="2" name="Title 1">
+            <a:extLst>
+              <a:ext uri="{FF2B5EF4-FFF2-40B4-BE49-F238E27FC236}">
+                <a16:creationId xmlns:a16="http://schemas.microsoft.com/office/drawing/2014/main" id="{A14FE32E-72D3-4750-A393-5DA1F103AEB6}"/>
+              </a:ext>
+            </a:extLst>
+          </p:cNvPr>
+          <p:cNvSpPr>
+            <a:spLocks noGrp="1"/>
+          </p:cNvSpPr>
+          <p:nvPr>
+            <p:ph type="title"/>
+          </p:nvPr>
+        </p:nvSpPr>
+        <p:spPr>
+          <a:xfrm>
+            <a:off x="838200" y="18255"/>
+            <a:ext cx="10515600" cy="1325563"/>
+          </a:xfrm>
+        </p:spPr>
+        <p:txBody>
+          <a:bodyPr/>
+          <a:lstStyle/>
+          <a:p>
+            <a:pPr algn="ctr"/>
+            <a:r>
+              <a:rPr lang="en-US">
+                <a:latin typeface="Sylfaen" panose="010A0502050306030303" pitchFamily="18" charset="0"/>
+              </a:rPr>
+              <a:t>HTTP</a:t>
+            </a:r>
+            <a:r>
+              <a:rPr lang="hy-AM">
+                <a:latin typeface="Sylfaen" panose="010A0502050306030303" pitchFamily="18" charset="0"/>
+              </a:rPr>
+              <a:t> </a:t>
+            </a:r>
+            <a:r>
+              <a:rPr lang="en-US">
+                <a:latin typeface="Sylfaen" panose="010A0502050306030303" pitchFamily="18" charset="0"/>
+              </a:rPr>
+              <a:t>Status Codes</a:t>
+            </a:r>
+            <a:endParaRPr lang="en-US"/>
+          </a:p>
+        </p:txBody>
+      </p:sp>
+      <p:sp>
+        <p:nvSpPr>
+          <p:cNvPr id="3" name="Content Placeholder 2">
+            <a:extLst>
+              <a:ext uri="{FF2B5EF4-FFF2-40B4-BE49-F238E27FC236}">
+                <a16:creationId xmlns:a16="http://schemas.microsoft.com/office/drawing/2014/main" id="{D86D9D09-32ED-43A3-A92E-001F675855BA}"/>
+              </a:ext>
+            </a:extLst>
+          </p:cNvPr>
+          <p:cNvSpPr>
+            <a:spLocks noGrp="1"/>
+          </p:cNvSpPr>
+          <p:nvPr>
+            <p:ph idx="1"/>
+          </p:nvPr>
+        </p:nvSpPr>
+        <p:spPr>
+          <a:xfrm>
+            <a:off x="1257925" y="1795645"/>
+            <a:ext cx="3793761" cy="4351338"/>
+          </a:xfrm>
+        </p:spPr>
+        <p:txBody>
+          <a:bodyPr>
+            <a:normAutofit/>
+          </a:bodyPr>
+          <a:lstStyle/>
+          <a:p>
+            <a:pPr marL="0" indent="0">
+              <a:lnSpc>
+                <a:spcPct val="150000"/>
+              </a:lnSpc>
+              <a:buNone/>
+            </a:pPr>
+            <a:r>
+              <a:rPr lang="en-US" sz="3000" b="1">
+                <a:latin typeface="Sylfaen" panose="010A0502050306030303" pitchFamily="18" charset="0"/>
+              </a:rPr>
+              <a:t>1 - - : Informational</a:t>
+            </a:r>
+            <a:endParaRPr lang="hy-AM" sz="3000" b="1">
+              <a:latin typeface="Sylfaen" panose="010A0502050306030303" pitchFamily="18" charset="0"/>
+            </a:endParaRPr>
+          </a:p>
+          <a:p>
+            <a:pPr marL="0" indent="0">
+              <a:lnSpc>
+                <a:spcPct val="150000"/>
+              </a:lnSpc>
+              <a:buNone/>
+            </a:pPr>
+            <a:r>
+              <a:rPr lang="hy-AM" sz="3000" b="1">
+                <a:latin typeface="Sylfaen" panose="010A0502050306030303" pitchFamily="18" charset="0"/>
+              </a:rPr>
+              <a:t>2</a:t>
+            </a:r>
+            <a:r>
+              <a:rPr lang="en-US" sz="3000" b="1">
+                <a:latin typeface="Sylfaen" panose="010A0502050306030303" pitchFamily="18" charset="0"/>
+              </a:rPr>
+              <a:t> - - : Success</a:t>
+            </a:r>
+          </a:p>
+          <a:p>
+            <a:pPr marL="0" indent="0">
+              <a:lnSpc>
+                <a:spcPct val="150000"/>
+              </a:lnSpc>
+              <a:buNone/>
+            </a:pPr>
+            <a:r>
+              <a:rPr lang="hy-AM" sz="3000" b="1">
+                <a:latin typeface="Sylfaen" panose="010A0502050306030303" pitchFamily="18" charset="0"/>
+              </a:rPr>
+              <a:t>3</a:t>
+            </a:r>
+            <a:r>
+              <a:rPr lang="en-US" sz="3000" b="1">
+                <a:latin typeface="Sylfaen" panose="010A0502050306030303" pitchFamily="18" charset="0"/>
+              </a:rPr>
+              <a:t> - - : Redirection</a:t>
+            </a:r>
+          </a:p>
+          <a:p>
+            <a:pPr marL="0" indent="0">
+              <a:lnSpc>
+                <a:spcPct val="150000"/>
+              </a:lnSpc>
+              <a:buNone/>
+            </a:pPr>
+            <a:r>
+              <a:rPr lang="hy-AM" sz="3000" b="1">
+                <a:latin typeface="Sylfaen" panose="010A0502050306030303" pitchFamily="18" charset="0"/>
+              </a:rPr>
+              <a:t>4</a:t>
+            </a:r>
+            <a:r>
+              <a:rPr lang="en-US" sz="3000" b="1">
+                <a:latin typeface="Sylfaen" panose="010A0502050306030303" pitchFamily="18" charset="0"/>
+              </a:rPr>
+              <a:t> - - : Client Error</a:t>
+            </a:r>
+          </a:p>
+          <a:p>
+            <a:pPr marL="0" indent="0">
+              <a:lnSpc>
+                <a:spcPct val="150000"/>
+              </a:lnSpc>
+              <a:buNone/>
+            </a:pPr>
+            <a:r>
+              <a:rPr lang="hy-AM" sz="3000" b="1">
+                <a:latin typeface="Sylfaen" panose="010A0502050306030303" pitchFamily="18" charset="0"/>
+              </a:rPr>
+              <a:t>5</a:t>
+            </a:r>
+            <a:r>
+              <a:rPr lang="en-US" sz="3000" b="1">
+                <a:latin typeface="Sylfaen" panose="010A0502050306030303" pitchFamily="18" charset="0"/>
+              </a:rPr>
+              <a:t> - - : Server Error</a:t>
+            </a:r>
+          </a:p>
+        </p:txBody>
+      </p:sp>
+      <p:cxnSp>
+        <p:nvCxnSpPr>
+          <p:cNvPr id="4" name="Straight Connector 3">
+            <a:extLst>
+              <a:ext uri="{FF2B5EF4-FFF2-40B4-BE49-F238E27FC236}">
+                <a16:creationId xmlns:a16="http://schemas.microsoft.com/office/drawing/2014/main" id="{377DA988-6EFA-4492-A85B-4AC61E8C705B}"/>
+              </a:ext>
+            </a:extLst>
+          </p:cNvPr>
+          <p:cNvCxnSpPr>
+            <a:cxnSpLocks/>
+          </p:cNvCxnSpPr>
+          <p:nvPr/>
+        </p:nvCxnSpPr>
+        <p:spPr>
+          <a:xfrm>
+            <a:off x="569235" y="1139414"/>
+            <a:ext cx="11053530" cy="0"/>
+          </a:xfrm>
+          <a:prstGeom prst="line">
+            <a:avLst/>
+          </a:prstGeom>
+        </p:spPr>
+        <p:style>
+          <a:lnRef idx="3">
+            <a:schemeClr val="accent1"/>
+          </a:lnRef>
+          <a:fillRef idx="0">
+            <a:schemeClr val="accent1"/>
+          </a:fillRef>
+          <a:effectRef idx="2">
+            <a:schemeClr val="accent1"/>
+          </a:effectRef>
+          <a:fontRef idx="minor">
+            <a:schemeClr val="tx1"/>
+          </a:fontRef>
+        </p:style>
+      </p:cxnSp>
+      <p:sp>
+        <p:nvSpPr>
+          <p:cNvPr id="5" name="Content Placeholder 2">
+            <a:extLst>
+              <a:ext uri="{FF2B5EF4-FFF2-40B4-BE49-F238E27FC236}">
+                <a16:creationId xmlns:a16="http://schemas.microsoft.com/office/drawing/2014/main" id="{F6DC8C55-BD6A-4546-92DB-B9D20D1B748A}"/>
+              </a:ext>
+            </a:extLst>
+          </p:cNvPr>
+          <p:cNvSpPr txBox="1">
+            <a:spLocks/>
+          </p:cNvSpPr>
+          <p:nvPr/>
+        </p:nvSpPr>
+        <p:spPr>
+          <a:xfrm>
+            <a:off x="6026047" y="1795645"/>
+            <a:ext cx="2513352" cy="4351338"/>
+          </a:xfrm>
+          <a:prstGeom prst="rect">
+            <a:avLst/>
+          </a:prstGeom>
+        </p:spPr>
+        <p:txBody>
+          <a:bodyPr vert="horz" lIns="91440" tIns="45720" rIns="91440" bIns="45720" rtlCol="0">
+            <a:normAutofit/>
+          </a:bodyPr>
+          <a:lstStyle>
+            <a:lvl1pPr marL="228600" indent="-228600" algn="l" defTabSz="914400" rtl="0" eaLnBrk="1" latinLnBrk="0" hangingPunct="1">
+              <a:lnSpc>
+                <a:spcPct val="90000"/>
+              </a:lnSpc>
+              <a:spcBef>
+                <a:spcPts val="1000"/>
+              </a:spcBef>
+              <a:buFont typeface="Arial" panose="020B0604020202020204" pitchFamily="34" charset="0"/>
+              <a:buChar char="•"/>
+              <a:defRPr sz="2800" kern="1200">
+                <a:solidFill>
+                  <a:schemeClr val="tx1"/>
+                </a:solidFill>
+                <a:latin typeface="+mn-lt"/>
+                <a:ea typeface="+mn-ea"/>
+                <a:cs typeface="+mn-cs"/>
+              </a:defRPr>
+            </a:lvl1pPr>
+            <a:lvl2pPr marL="685800" indent="-228600" algn="l" defTabSz="914400" rtl="0" eaLnBrk="1" latinLnBrk="0" hangingPunct="1">
+              <a:lnSpc>
+                <a:spcPct val="90000"/>
+              </a:lnSpc>
+              <a:spcBef>
+                <a:spcPts val="500"/>
+              </a:spcBef>
+              <a:buFont typeface="Arial" panose="020B0604020202020204" pitchFamily="34" charset="0"/>
+              <a:buChar char="•"/>
+              <a:defRPr sz="2400" kern="1200">
+                <a:solidFill>
+                  <a:schemeClr val="tx1"/>
+                </a:solidFill>
+                <a:latin typeface="+mn-lt"/>
+                <a:ea typeface="+mn-ea"/>
+                <a:cs typeface="+mn-cs"/>
+              </a:defRPr>
+            </a:lvl2pPr>
+            <a:lvl3pPr marL="1143000" indent="-228600" algn="l" defTabSz="914400" rtl="0" eaLnBrk="1" latinLnBrk="0" hangingPunct="1">
+              <a:lnSpc>
+                <a:spcPct val="90000"/>
+              </a:lnSpc>
+              <a:spcBef>
+                <a:spcPts val="500"/>
+              </a:spcBef>
+              <a:buFont typeface="Arial" panose="020B0604020202020204" pitchFamily="34" charset="0"/>
+              <a:buChar char="•"/>
+              <a:defRPr sz="2000" kern="1200">
+                <a:solidFill>
+                  <a:schemeClr val="tx1"/>
+                </a:solidFill>
+                <a:latin typeface="+mn-lt"/>
+                <a:ea typeface="+mn-ea"/>
+                <a:cs typeface="+mn-cs"/>
+              </a:defRPr>
+            </a:lvl3pPr>
+            <a:lvl4pPr marL="1600200" indent="-228600" algn="l" defTabSz="914400" rtl="0" eaLnBrk="1" latinLnBrk="0" hangingPunct="1">
+              <a:lnSpc>
+                <a:spcPct val="90000"/>
+              </a:lnSpc>
+              <a:spcBef>
+                <a:spcPts val="500"/>
+              </a:spcBef>
+              <a:buFont typeface="Arial" panose="020B0604020202020204" pitchFamily="34" charset="0"/>
+              <a:buChar char="•"/>
+              <a:defRPr sz="1800" kern="1200">
+                <a:solidFill>
+                  <a:schemeClr val="tx1"/>
+                </a:solidFill>
+                <a:latin typeface="+mn-lt"/>
+                <a:ea typeface="+mn-ea"/>
+                <a:cs typeface="+mn-cs"/>
+              </a:defRPr>
+            </a:lvl4pPr>
+            <a:lvl5pPr marL="2057400" indent="-228600" algn="l" defTabSz="914400" rtl="0" eaLnBrk="1" latinLnBrk="0" hangingPunct="1">
+              <a:lnSpc>
+                <a:spcPct val="90000"/>
+              </a:lnSpc>
+              <a:spcBef>
+                <a:spcPts val="500"/>
+              </a:spcBef>
+              <a:buFont typeface="Arial" panose="020B0604020202020204" pitchFamily="34" charset="0"/>
+              <a:buChar char="•"/>
+              <a:defRPr sz="1800" kern="1200">
+                <a:solidFill>
+                  <a:schemeClr val="tx1"/>
+                </a:solidFill>
+                <a:latin typeface="+mn-lt"/>
+                <a:ea typeface="+mn-ea"/>
+                <a:cs typeface="+mn-cs"/>
+              </a:defRPr>
+            </a:lvl5pPr>
+            <a:lvl6pPr marL="2514600" indent="-228600" algn="l" defTabSz="914400" rtl="0" eaLnBrk="1" latinLnBrk="0" hangingPunct="1">
+              <a:lnSpc>
+                <a:spcPct val="90000"/>
+              </a:lnSpc>
+              <a:spcBef>
+                <a:spcPts val="500"/>
+              </a:spcBef>
+              <a:buFont typeface="Arial" panose="020B0604020202020204" pitchFamily="34" charset="0"/>
+              <a:buChar char="•"/>
+              <a:defRPr sz="1800" kern="1200">
+                <a:solidFill>
+                  <a:schemeClr val="tx1"/>
+                </a:solidFill>
+                <a:latin typeface="+mn-lt"/>
+                <a:ea typeface="+mn-ea"/>
+                <a:cs typeface="+mn-cs"/>
+              </a:defRPr>
+            </a:lvl6pPr>
+            <a:lvl7pPr marL="2971800" indent="-228600" algn="l" defTabSz="914400" rtl="0" eaLnBrk="1" latinLnBrk="0" hangingPunct="1">
+              <a:lnSpc>
+                <a:spcPct val="90000"/>
+              </a:lnSpc>
+              <a:spcBef>
+                <a:spcPts val="500"/>
+              </a:spcBef>
+              <a:buFont typeface="Arial" panose="020B0604020202020204" pitchFamily="34" charset="0"/>
+              <a:buChar char="•"/>
+              <a:defRPr sz="1800" kern="1200">
+                <a:solidFill>
+                  <a:schemeClr val="tx1"/>
+                </a:solidFill>
+                <a:latin typeface="+mn-lt"/>
+                <a:ea typeface="+mn-ea"/>
+                <a:cs typeface="+mn-cs"/>
+              </a:defRPr>
+            </a:lvl7pPr>
+            <a:lvl8pPr marL="3429000" indent="-228600" algn="l" defTabSz="914400" rtl="0" eaLnBrk="1" latinLnBrk="0" hangingPunct="1">
+              <a:lnSpc>
+                <a:spcPct val="90000"/>
+              </a:lnSpc>
+              <a:spcBef>
+                <a:spcPts val="500"/>
+              </a:spcBef>
+              <a:buFont typeface="Arial" panose="020B0604020202020204" pitchFamily="34" charset="0"/>
+              <a:buChar char="•"/>
+              <a:defRPr sz="1800" kern="1200">
+                <a:solidFill>
+                  <a:schemeClr val="tx1"/>
+                </a:solidFill>
+                <a:latin typeface="+mn-lt"/>
+                <a:ea typeface="+mn-ea"/>
+                <a:cs typeface="+mn-cs"/>
+              </a:defRPr>
+            </a:lvl8pPr>
+            <a:lvl9pPr marL="3886200" indent="-228600" algn="l" defTabSz="914400" rtl="0" eaLnBrk="1" latinLnBrk="0" hangingPunct="1">
+              <a:lnSpc>
+                <a:spcPct val="90000"/>
+              </a:lnSpc>
+              <a:spcBef>
+                <a:spcPts val="500"/>
+              </a:spcBef>
+              <a:buFont typeface="Arial" panose="020B0604020202020204" pitchFamily="34" charset="0"/>
+              <a:buChar char="•"/>
+              <a:defRPr sz="1800" kern="1200">
+                <a:solidFill>
+                  <a:schemeClr val="tx1"/>
+                </a:solidFill>
+                <a:latin typeface="+mn-lt"/>
+                <a:ea typeface="+mn-ea"/>
+                <a:cs typeface="+mn-cs"/>
+              </a:defRPr>
+            </a:lvl9pPr>
+          </a:lstStyle>
+          <a:p>
+            <a:pPr marL="0" indent="0">
+              <a:lnSpc>
+                <a:spcPct val="150000"/>
+              </a:lnSpc>
+              <a:buFont typeface="Arial" panose="020B0604020202020204" pitchFamily="34" charset="0"/>
+              <a:buNone/>
+            </a:pPr>
+            <a:r>
+              <a:rPr lang="hy-AM" sz="3000" b="1">
+                <a:latin typeface="Sylfaen" panose="010A0502050306030303" pitchFamily="18" charset="0"/>
+              </a:rPr>
+              <a:t>100 – 101</a:t>
+            </a:r>
+          </a:p>
+          <a:p>
+            <a:pPr marL="0" indent="0">
+              <a:lnSpc>
+                <a:spcPct val="150000"/>
+              </a:lnSpc>
+              <a:buFont typeface="Arial" panose="020B0604020202020204" pitchFamily="34" charset="0"/>
+              <a:buNone/>
+            </a:pPr>
+            <a:r>
+              <a:rPr lang="hy-AM" sz="3000" b="1">
+                <a:latin typeface="Sylfaen" panose="010A0502050306030303" pitchFamily="18" charset="0"/>
+              </a:rPr>
+              <a:t>200 – 206</a:t>
+            </a:r>
+          </a:p>
+          <a:p>
+            <a:pPr marL="0" indent="0">
+              <a:lnSpc>
+                <a:spcPct val="150000"/>
+              </a:lnSpc>
+              <a:buFont typeface="Arial" panose="020B0604020202020204" pitchFamily="34" charset="0"/>
+              <a:buNone/>
+            </a:pPr>
+            <a:r>
+              <a:rPr lang="hy-AM" sz="3000" b="1">
+                <a:latin typeface="Sylfaen" panose="010A0502050306030303" pitchFamily="18" charset="0"/>
+              </a:rPr>
+              <a:t>300 – 307</a:t>
+            </a:r>
+          </a:p>
+          <a:p>
+            <a:pPr marL="0" indent="0">
+              <a:lnSpc>
+                <a:spcPct val="150000"/>
+              </a:lnSpc>
+              <a:buFont typeface="Arial" panose="020B0604020202020204" pitchFamily="34" charset="0"/>
+              <a:buNone/>
+            </a:pPr>
+            <a:r>
+              <a:rPr lang="hy-AM" sz="3000" b="1">
+                <a:latin typeface="Sylfaen" panose="010A0502050306030303" pitchFamily="18" charset="0"/>
+              </a:rPr>
+              <a:t>400 – 417</a:t>
+            </a:r>
+          </a:p>
+          <a:p>
+            <a:pPr marL="0" indent="0">
+              <a:lnSpc>
+                <a:spcPct val="150000"/>
+              </a:lnSpc>
+              <a:buFont typeface="Arial" panose="020B0604020202020204" pitchFamily="34" charset="0"/>
+              <a:buNone/>
+            </a:pPr>
+            <a:r>
+              <a:rPr lang="hy-AM" sz="3000" b="1">
+                <a:latin typeface="Sylfaen" panose="010A0502050306030303" pitchFamily="18" charset="0"/>
+              </a:rPr>
+              <a:t>500 - 505</a:t>
+            </a:r>
+            <a:endParaRPr lang="en-US" sz="3000" b="1">
+              <a:latin typeface="Sylfaen" panose="010A0502050306030303" pitchFamily="18" charset="0"/>
+            </a:endParaRPr>
+          </a:p>
+        </p:txBody>
+      </p:sp>
+    </p:spTree>
+    <p:extLst>
+      <p:ext uri="{BB962C8B-B14F-4D97-AF65-F5344CB8AC3E}">
+        <p14:creationId xmlns:p14="http://schemas.microsoft.com/office/powerpoint/2010/main" val="3498827419"/>
+      </p:ext>
+    </p:extLst>
+  </p:cSld>
+  <p:clrMapOvr>
+    <a:masterClrMapping/>
+  </p:clrMapOvr>
+</p:sld>
+</file>
+
+<file path=ppt/slides/slide13.xml><?xml version="1.0" encoding="utf-8"?>
+<p:sld xmlns:a="http://schemas.openxmlformats.org/drawingml/2006/main" xmlns:r="http://schemas.openxmlformats.org/officeDocument/2006/relationships" xmlns:p="http://schemas.openxmlformats.org/presentationml/2006/main">
+  <p:cSld>
+    <p:spTree>
+      <p:nvGrpSpPr>
+        <p:cNvPr id="1" name=""/>
+        <p:cNvGrpSpPr/>
+        <p:nvPr/>
+      </p:nvGrpSpPr>
+      <p:grpSpPr>
+        <a:xfrm>
+          <a:off x="0" y="0"/>
+          <a:ext cx="0" cy="0"/>
+          <a:chOff x="0" y="0"/>
+          <a:chExt cx="0" cy="0"/>
+        </a:xfrm>
+      </p:grpSpPr>
+      <p:sp>
+        <p:nvSpPr>
+          <p:cNvPr id="2" name="Title 1">
+            <a:extLst>
+              <a:ext uri="{FF2B5EF4-FFF2-40B4-BE49-F238E27FC236}">
+                <a16:creationId xmlns:a16="http://schemas.microsoft.com/office/drawing/2014/main" id="{34F4FF8A-05F3-4807-81A1-1CB9DEE1AC63}"/>
+              </a:ext>
+            </a:extLst>
+          </p:cNvPr>
+          <p:cNvSpPr>
+            <a:spLocks noGrp="1"/>
+          </p:cNvSpPr>
+          <p:nvPr>
+            <p:ph type="title"/>
+          </p:nvPr>
+        </p:nvSpPr>
+        <p:spPr>
+          <a:xfrm>
+            <a:off x="838200" y="0"/>
+            <a:ext cx="10515600" cy="1325563"/>
+          </a:xfrm>
+        </p:spPr>
+        <p:txBody>
+          <a:bodyPr/>
+          <a:lstStyle/>
+          <a:p>
+            <a:pPr algn="ctr"/>
+            <a:r>
+              <a:rPr lang="en-US">
+                <a:latin typeface="Sylfaen" panose="010A0502050306030303" pitchFamily="18" charset="0"/>
+              </a:rPr>
+              <a:t>HTTP</a:t>
+            </a:r>
+            <a:r>
+              <a:rPr lang="hy-AM">
+                <a:latin typeface="Sylfaen" panose="010A0502050306030303" pitchFamily="18" charset="0"/>
+              </a:rPr>
+              <a:t> </a:t>
+            </a:r>
+            <a:r>
+              <a:rPr lang="en-US">
+                <a:latin typeface="Sylfaen" panose="010A0502050306030303" pitchFamily="18" charset="0"/>
+              </a:rPr>
+              <a:t>Header Fields</a:t>
+            </a:r>
+            <a:endParaRPr lang="en-US"/>
+          </a:p>
+        </p:txBody>
+      </p:sp>
+      <p:sp>
+        <p:nvSpPr>
+          <p:cNvPr id="3" name="Content Placeholder 2">
+            <a:extLst>
+              <a:ext uri="{FF2B5EF4-FFF2-40B4-BE49-F238E27FC236}">
+                <a16:creationId xmlns:a16="http://schemas.microsoft.com/office/drawing/2014/main" id="{39677D91-3021-4C57-B61E-DBF312B2A410}"/>
+              </a:ext>
+            </a:extLst>
+          </p:cNvPr>
+          <p:cNvSpPr>
+            <a:spLocks noGrp="1"/>
+          </p:cNvSpPr>
+          <p:nvPr>
+            <p:ph idx="1"/>
+          </p:nvPr>
+        </p:nvSpPr>
+        <p:spPr>
+          <a:xfrm>
+            <a:off x="1252928" y="2278829"/>
+            <a:ext cx="4483308" cy="3672266"/>
+          </a:xfrm>
+        </p:spPr>
+        <p:txBody>
+          <a:bodyPr/>
+          <a:lstStyle/>
+          <a:p>
+            <a:pPr>
+              <a:lnSpc>
+                <a:spcPct val="150000"/>
+              </a:lnSpc>
+            </a:pPr>
+            <a:r>
+              <a:rPr lang="en-US" b="1">
+                <a:latin typeface="Sylfaen" panose="010A0502050306030303" pitchFamily="18" charset="0"/>
+              </a:rPr>
+              <a:t>General header</a:t>
+            </a:r>
+          </a:p>
+          <a:p>
+            <a:pPr>
+              <a:lnSpc>
+                <a:spcPct val="150000"/>
+              </a:lnSpc>
+            </a:pPr>
+            <a:r>
+              <a:rPr lang="en-US" b="1">
+                <a:latin typeface="Sylfaen" panose="010A0502050306030303" pitchFamily="18" charset="0"/>
+              </a:rPr>
+              <a:t>Client request-header</a:t>
+            </a:r>
+          </a:p>
+          <a:p>
+            <a:pPr>
+              <a:lnSpc>
+                <a:spcPct val="150000"/>
+              </a:lnSpc>
+            </a:pPr>
+            <a:r>
+              <a:rPr lang="en-US" b="1">
+                <a:latin typeface="Sylfaen" panose="010A0502050306030303" pitchFamily="18" charset="0"/>
+              </a:rPr>
+              <a:t>Server response-header</a:t>
+            </a:r>
+          </a:p>
+          <a:p>
+            <a:pPr>
+              <a:lnSpc>
+                <a:spcPct val="150000"/>
+              </a:lnSpc>
+            </a:pPr>
+            <a:r>
+              <a:rPr lang="en-US" b="1">
+                <a:latin typeface="Sylfaen" panose="010A0502050306030303" pitchFamily="18" charset="0"/>
+              </a:rPr>
+              <a:t>Entity-header</a:t>
+            </a:r>
+          </a:p>
+        </p:txBody>
+      </p:sp>
+      <p:cxnSp>
+        <p:nvCxnSpPr>
+          <p:cNvPr id="4" name="Straight Connector 3">
+            <a:extLst>
+              <a:ext uri="{FF2B5EF4-FFF2-40B4-BE49-F238E27FC236}">
+                <a16:creationId xmlns:a16="http://schemas.microsoft.com/office/drawing/2014/main" id="{4692EA43-E885-4562-AD78-131AB31E5173}"/>
+              </a:ext>
+            </a:extLst>
+          </p:cNvPr>
+          <p:cNvCxnSpPr>
+            <a:cxnSpLocks/>
+          </p:cNvCxnSpPr>
+          <p:nvPr/>
+        </p:nvCxnSpPr>
+        <p:spPr>
+          <a:xfrm>
+            <a:off x="569235" y="1139414"/>
+            <a:ext cx="11053530" cy="0"/>
+          </a:xfrm>
+          <a:prstGeom prst="line">
+            <a:avLst/>
+          </a:prstGeom>
+        </p:spPr>
+        <p:style>
+          <a:lnRef idx="3">
+            <a:schemeClr val="accent1"/>
+          </a:lnRef>
+          <a:fillRef idx="0">
+            <a:schemeClr val="accent1"/>
+          </a:fillRef>
+          <a:effectRef idx="2">
+            <a:schemeClr val="accent1"/>
+          </a:effectRef>
+          <a:fontRef idx="minor">
+            <a:schemeClr val="tx1"/>
+          </a:fontRef>
+        </p:style>
+      </p:cxnSp>
+    </p:spTree>
+    <p:extLst>
+      <p:ext uri="{BB962C8B-B14F-4D97-AF65-F5344CB8AC3E}">
+        <p14:creationId xmlns:p14="http://schemas.microsoft.com/office/powerpoint/2010/main" val="3009284336"/>
+      </p:ext>
+    </p:extLst>
+  </p:cSld>
+  <p:clrMapOvr>
+    <a:masterClrMapping/>
+  </p:clrMapOvr>
+</p:sld>
+</file>
+
+<file path=ppt/slides/slide14.xml><?xml version="1.0" encoding="utf-8"?>
+<p:sld xmlns:a="http://schemas.openxmlformats.org/drawingml/2006/main" xmlns:r="http://schemas.openxmlformats.org/officeDocument/2006/relationships" xmlns:p="http://schemas.openxmlformats.org/presentationml/2006/main">
+  <p:cSld>
+    <p:spTree>
+      <p:nvGrpSpPr>
+        <p:cNvPr id="1" name=""/>
+        <p:cNvGrpSpPr/>
+        <p:nvPr/>
+      </p:nvGrpSpPr>
+      <p:grpSpPr>
+        <a:xfrm>
+          <a:off x="0" y="0"/>
+          <a:ext cx="0" cy="0"/>
+          <a:chOff x="0" y="0"/>
+          <a:chExt cx="0" cy="0"/>
+        </a:xfrm>
+      </p:grpSpPr>
+      <p:sp>
+        <p:nvSpPr>
+          <p:cNvPr id="2" name="Title 1">
+            <a:extLst>
+              <a:ext uri="{FF2B5EF4-FFF2-40B4-BE49-F238E27FC236}">
+                <a16:creationId xmlns:a16="http://schemas.microsoft.com/office/drawing/2014/main" id="{A8B06BCD-222F-4C2D-A7E9-1FD1930D1ECF}"/>
+              </a:ext>
+            </a:extLst>
+          </p:cNvPr>
+          <p:cNvSpPr>
+            <a:spLocks noGrp="1"/>
+          </p:cNvSpPr>
+          <p:nvPr>
+            <p:ph type="title"/>
+          </p:nvPr>
+        </p:nvSpPr>
+        <p:spPr>
+          <a:xfrm>
+            <a:off x="838200" y="-149741"/>
+            <a:ext cx="10515600" cy="1325563"/>
+          </a:xfrm>
+        </p:spPr>
+        <p:txBody>
+          <a:bodyPr/>
+          <a:lstStyle/>
+          <a:p>
+            <a:pPr algn="ctr"/>
+            <a:r>
+              <a:rPr lang="en-US">
+                <a:latin typeface="Sylfaen" panose="010A0502050306030303" pitchFamily="18" charset="0"/>
+              </a:rPr>
+              <a:t>General</a:t>
+            </a:r>
+            <a:r>
+              <a:rPr lang="hy-AM">
+                <a:latin typeface="Sylfaen" panose="010A0502050306030303" pitchFamily="18" charset="0"/>
+              </a:rPr>
+              <a:t> </a:t>
+            </a:r>
+            <a:r>
+              <a:rPr lang="en-US">
+                <a:latin typeface="Sylfaen" panose="010A0502050306030303" pitchFamily="18" charset="0"/>
+              </a:rPr>
+              <a:t>Headers</a:t>
+            </a:r>
+            <a:endParaRPr lang="en-US"/>
+          </a:p>
+        </p:txBody>
+      </p:sp>
+      <p:sp>
+        <p:nvSpPr>
+          <p:cNvPr id="3" name="Content Placeholder 2">
+            <a:extLst>
+              <a:ext uri="{FF2B5EF4-FFF2-40B4-BE49-F238E27FC236}">
+                <a16:creationId xmlns:a16="http://schemas.microsoft.com/office/drawing/2014/main" id="{4C4F74C5-86E2-4899-9C30-7F8ECC593950}"/>
+              </a:ext>
+            </a:extLst>
+          </p:cNvPr>
+          <p:cNvSpPr>
+            <a:spLocks noGrp="1"/>
+          </p:cNvSpPr>
+          <p:nvPr>
+            <p:ph idx="1"/>
+          </p:nvPr>
+        </p:nvSpPr>
+        <p:spPr>
+          <a:xfrm>
+            <a:off x="7380158" y="1711183"/>
+            <a:ext cx="3973643" cy="4741163"/>
+          </a:xfrm>
+        </p:spPr>
+        <p:txBody>
+          <a:bodyPr>
+            <a:normAutofit/>
+          </a:bodyPr>
+          <a:lstStyle/>
+          <a:p>
+            <a:pPr marL="0" indent="0" algn="ctr">
+              <a:buNone/>
+            </a:pPr>
+            <a:r>
+              <a:rPr lang="en-US" b="1">
+                <a:latin typeface="Sylfaen" panose="010A0502050306030303" pitchFamily="18" charset="0"/>
+              </a:rPr>
+              <a:t>HTTP response headers</a:t>
+            </a:r>
+          </a:p>
+          <a:p>
+            <a:pPr marL="0" indent="0" algn="ctr">
+              <a:buNone/>
+            </a:pPr>
+            <a:r>
+              <a:rPr lang="en-US"/>
+              <a:t>public / private</a:t>
+            </a:r>
+          </a:p>
+          <a:p>
+            <a:pPr marL="0" indent="0" algn="ctr">
+              <a:buNone/>
+            </a:pPr>
+            <a:r>
+              <a:rPr lang="en-US"/>
+              <a:t>no-cache</a:t>
+            </a:r>
+          </a:p>
+          <a:p>
+            <a:pPr marL="0" indent="0" algn="ctr">
+              <a:buFont typeface="Arial" panose="020B0604020202020204" pitchFamily="34" charset="0"/>
+              <a:buNone/>
+            </a:pPr>
+            <a:r>
+              <a:rPr lang="en-US">
+                <a:latin typeface="Sylfaen" panose="010A0502050306030303" pitchFamily="18" charset="0"/>
+              </a:rPr>
+              <a:t>no-store</a:t>
+            </a:r>
+          </a:p>
+          <a:p>
+            <a:pPr marL="0" indent="0" algn="ctr">
+              <a:buNone/>
+            </a:pPr>
+            <a:r>
+              <a:rPr lang="en-US">
+                <a:latin typeface="Sylfaen" panose="010A0502050306030303" pitchFamily="18" charset="0"/>
+              </a:rPr>
+              <a:t>no-transform</a:t>
+            </a:r>
+          </a:p>
+          <a:p>
+            <a:pPr marL="0" indent="0" algn="ctr">
+              <a:buFont typeface="Arial" panose="020B0604020202020204" pitchFamily="34" charset="0"/>
+              <a:buNone/>
+            </a:pPr>
+            <a:r>
+              <a:rPr lang="en-US">
+                <a:latin typeface="Sylfaen" panose="010A0502050306030303" pitchFamily="18" charset="0"/>
+              </a:rPr>
+              <a:t>must-revalidate</a:t>
+            </a:r>
+          </a:p>
+          <a:p>
+            <a:pPr marL="0" indent="0" algn="ctr">
+              <a:buNone/>
+            </a:pPr>
+            <a:r>
+              <a:rPr lang="en-US">
+                <a:latin typeface="Sylfaen" panose="010A0502050306030303" pitchFamily="18" charset="0"/>
+              </a:rPr>
+              <a:t>proxy-revalidate</a:t>
+            </a:r>
+          </a:p>
+          <a:p>
+            <a:pPr marL="0" indent="0" algn="ctr">
+              <a:buNone/>
+            </a:pPr>
+            <a:r>
+              <a:rPr lang="en-US">
+                <a:latin typeface="Sylfaen" panose="010A0502050306030303" pitchFamily="18" charset="0"/>
+              </a:rPr>
+              <a:t>max-age = seconds</a:t>
+            </a:r>
+          </a:p>
+          <a:p>
+            <a:pPr marL="0" indent="0" algn="ctr">
+              <a:buNone/>
+            </a:pPr>
+            <a:r>
+              <a:rPr lang="en-US">
+                <a:latin typeface="Sylfaen" panose="010A0502050306030303" pitchFamily="18" charset="0"/>
+              </a:rPr>
+              <a:t>S-maxage = seconds</a:t>
+            </a:r>
+          </a:p>
+          <a:p>
+            <a:pPr marL="0" indent="0" algn="ctr">
+              <a:buNone/>
+            </a:pPr>
+            <a:endParaRPr lang="en-US">
+              <a:latin typeface="Sylfaen" panose="010A0502050306030303" pitchFamily="18" charset="0"/>
+            </a:endParaRPr>
+          </a:p>
+          <a:p>
+            <a:pPr marL="0" indent="0" algn="ctr">
+              <a:buFont typeface="Arial" panose="020B0604020202020204" pitchFamily="34" charset="0"/>
+              <a:buNone/>
+            </a:pPr>
+            <a:endParaRPr lang="en-US">
+              <a:latin typeface="Sylfaen" panose="010A0502050306030303" pitchFamily="18" charset="0"/>
+            </a:endParaRPr>
+          </a:p>
+        </p:txBody>
+      </p:sp>
+      <p:cxnSp>
+        <p:nvCxnSpPr>
+          <p:cNvPr id="4" name="Straight Connector 3">
+            <a:extLst>
+              <a:ext uri="{FF2B5EF4-FFF2-40B4-BE49-F238E27FC236}">
+                <a16:creationId xmlns:a16="http://schemas.microsoft.com/office/drawing/2014/main" id="{ADB733DA-D323-4961-96D6-579C07DCFA92}"/>
+              </a:ext>
+            </a:extLst>
+          </p:cNvPr>
+          <p:cNvCxnSpPr>
+            <a:cxnSpLocks/>
+          </p:cNvCxnSpPr>
+          <p:nvPr/>
+        </p:nvCxnSpPr>
+        <p:spPr>
+          <a:xfrm>
+            <a:off x="569235" y="989512"/>
+            <a:ext cx="11053530" cy="0"/>
+          </a:xfrm>
+          <a:prstGeom prst="line">
+            <a:avLst/>
+          </a:prstGeom>
+        </p:spPr>
+        <p:style>
+          <a:lnRef idx="3">
+            <a:schemeClr val="accent1"/>
+          </a:lnRef>
+          <a:fillRef idx="0">
+            <a:schemeClr val="accent1"/>
+          </a:fillRef>
+          <a:effectRef idx="2">
+            <a:schemeClr val="accent1"/>
+          </a:effectRef>
+          <a:fontRef idx="minor">
+            <a:schemeClr val="tx1"/>
+          </a:fontRef>
+        </p:style>
+      </p:cxnSp>
+      <p:sp>
+        <p:nvSpPr>
+          <p:cNvPr id="5" name="Content Placeholder 2">
+            <a:extLst>
+              <a:ext uri="{FF2B5EF4-FFF2-40B4-BE49-F238E27FC236}">
+                <a16:creationId xmlns:a16="http://schemas.microsoft.com/office/drawing/2014/main" id="{D9D807FB-818E-4232-9C8D-0BCDCCA25373}"/>
+              </a:ext>
+            </a:extLst>
+          </p:cNvPr>
+          <p:cNvSpPr txBox="1">
+            <a:spLocks/>
+          </p:cNvSpPr>
+          <p:nvPr/>
+        </p:nvSpPr>
+        <p:spPr>
+          <a:xfrm>
+            <a:off x="4611349" y="1192870"/>
+            <a:ext cx="2969302" cy="524656"/>
+          </a:xfrm>
+          <a:prstGeom prst="rect">
+            <a:avLst/>
+          </a:prstGeom>
+        </p:spPr>
+        <p:txBody>
+          <a:bodyPr vert="horz" lIns="91440" tIns="45720" rIns="91440" bIns="45720" rtlCol="0">
+            <a:normAutofit/>
+          </a:bodyPr>
+          <a:lstStyle>
+            <a:lvl1pPr marL="228600" indent="-228600" algn="l" defTabSz="914400" rtl="0" eaLnBrk="1" latinLnBrk="0" hangingPunct="1">
+              <a:lnSpc>
+                <a:spcPct val="90000"/>
+              </a:lnSpc>
+              <a:spcBef>
+                <a:spcPts val="1000"/>
+              </a:spcBef>
+              <a:buFont typeface="Arial" panose="020B0604020202020204" pitchFamily="34" charset="0"/>
+              <a:buChar char="•"/>
+              <a:defRPr sz="2800" kern="1200">
+                <a:solidFill>
+                  <a:schemeClr val="tx1"/>
+                </a:solidFill>
+                <a:latin typeface="+mn-lt"/>
+                <a:ea typeface="+mn-ea"/>
+                <a:cs typeface="+mn-cs"/>
+              </a:defRPr>
+            </a:lvl1pPr>
+            <a:lvl2pPr marL="685800" indent="-228600" algn="l" defTabSz="914400" rtl="0" eaLnBrk="1" latinLnBrk="0" hangingPunct="1">
+              <a:lnSpc>
+                <a:spcPct val="90000"/>
+              </a:lnSpc>
+              <a:spcBef>
+                <a:spcPts val="500"/>
+              </a:spcBef>
+              <a:buFont typeface="Arial" panose="020B0604020202020204" pitchFamily="34" charset="0"/>
+              <a:buChar char="•"/>
+              <a:defRPr sz="2400" kern="1200">
+                <a:solidFill>
+                  <a:schemeClr val="tx1"/>
+                </a:solidFill>
+                <a:latin typeface="+mn-lt"/>
+                <a:ea typeface="+mn-ea"/>
+                <a:cs typeface="+mn-cs"/>
+              </a:defRPr>
+            </a:lvl2pPr>
+            <a:lvl3pPr marL="1143000" indent="-228600" algn="l" defTabSz="914400" rtl="0" eaLnBrk="1" latinLnBrk="0" hangingPunct="1">
+              <a:lnSpc>
+                <a:spcPct val="90000"/>
+              </a:lnSpc>
+              <a:spcBef>
+                <a:spcPts val="500"/>
+              </a:spcBef>
+              <a:buFont typeface="Arial" panose="020B0604020202020204" pitchFamily="34" charset="0"/>
+              <a:buChar char="•"/>
+              <a:defRPr sz="2000" kern="1200">
+                <a:solidFill>
+                  <a:schemeClr val="tx1"/>
+                </a:solidFill>
+                <a:latin typeface="+mn-lt"/>
+                <a:ea typeface="+mn-ea"/>
+                <a:cs typeface="+mn-cs"/>
+              </a:defRPr>
+            </a:lvl3pPr>
+            <a:lvl4pPr marL="1600200" indent="-228600" algn="l" defTabSz="914400" rtl="0" eaLnBrk="1" latinLnBrk="0" hangingPunct="1">
+              <a:lnSpc>
+                <a:spcPct val="90000"/>
+              </a:lnSpc>
+              <a:spcBef>
+                <a:spcPts val="500"/>
+              </a:spcBef>
+              <a:buFont typeface="Arial" panose="020B0604020202020204" pitchFamily="34" charset="0"/>
+              <a:buChar char="•"/>
+              <a:defRPr sz="1800" kern="1200">
+                <a:solidFill>
+                  <a:schemeClr val="tx1"/>
+                </a:solidFill>
+                <a:latin typeface="+mn-lt"/>
+                <a:ea typeface="+mn-ea"/>
+                <a:cs typeface="+mn-cs"/>
+              </a:defRPr>
+            </a:lvl4pPr>
+            <a:lvl5pPr marL="2057400" indent="-228600" algn="l" defTabSz="914400" rtl="0" eaLnBrk="1" latinLnBrk="0" hangingPunct="1">
+              <a:lnSpc>
+                <a:spcPct val="90000"/>
+              </a:lnSpc>
+              <a:spcBef>
+                <a:spcPts val="500"/>
+              </a:spcBef>
+              <a:buFont typeface="Arial" panose="020B0604020202020204" pitchFamily="34" charset="0"/>
+              <a:buChar char="•"/>
+              <a:defRPr sz="1800" kern="1200">
+                <a:solidFill>
+                  <a:schemeClr val="tx1"/>
+                </a:solidFill>
+                <a:latin typeface="+mn-lt"/>
+                <a:ea typeface="+mn-ea"/>
+                <a:cs typeface="+mn-cs"/>
+              </a:defRPr>
+            </a:lvl5pPr>
+            <a:lvl6pPr marL="2514600" indent="-228600" algn="l" defTabSz="914400" rtl="0" eaLnBrk="1" latinLnBrk="0" hangingPunct="1">
+              <a:lnSpc>
+                <a:spcPct val="90000"/>
+              </a:lnSpc>
+              <a:spcBef>
+                <a:spcPts val="500"/>
+              </a:spcBef>
+              <a:buFont typeface="Arial" panose="020B0604020202020204" pitchFamily="34" charset="0"/>
+              <a:buChar char="•"/>
+              <a:defRPr sz="1800" kern="1200">
+                <a:solidFill>
+                  <a:schemeClr val="tx1"/>
+                </a:solidFill>
+                <a:latin typeface="+mn-lt"/>
+                <a:ea typeface="+mn-ea"/>
+                <a:cs typeface="+mn-cs"/>
+              </a:defRPr>
+            </a:lvl6pPr>
+            <a:lvl7pPr marL="2971800" indent="-228600" algn="l" defTabSz="914400" rtl="0" eaLnBrk="1" latinLnBrk="0" hangingPunct="1">
+              <a:lnSpc>
+                <a:spcPct val="90000"/>
+              </a:lnSpc>
+              <a:spcBef>
+                <a:spcPts val="500"/>
+              </a:spcBef>
+              <a:buFont typeface="Arial" panose="020B0604020202020204" pitchFamily="34" charset="0"/>
+              <a:buChar char="•"/>
+              <a:defRPr sz="1800" kern="1200">
+                <a:solidFill>
+                  <a:schemeClr val="tx1"/>
+                </a:solidFill>
+                <a:latin typeface="+mn-lt"/>
+                <a:ea typeface="+mn-ea"/>
+                <a:cs typeface="+mn-cs"/>
+              </a:defRPr>
+            </a:lvl7pPr>
+            <a:lvl8pPr marL="3429000" indent="-228600" algn="l" defTabSz="914400" rtl="0" eaLnBrk="1" latinLnBrk="0" hangingPunct="1">
+              <a:lnSpc>
+                <a:spcPct val="90000"/>
+              </a:lnSpc>
+              <a:spcBef>
+                <a:spcPts val="500"/>
+              </a:spcBef>
+              <a:buFont typeface="Arial" panose="020B0604020202020204" pitchFamily="34" charset="0"/>
+              <a:buChar char="•"/>
+              <a:defRPr sz="1800" kern="1200">
+                <a:solidFill>
+                  <a:schemeClr val="tx1"/>
+                </a:solidFill>
+                <a:latin typeface="+mn-lt"/>
+                <a:ea typeface="+mn-ea"/>
+                <a:cs typeface="+mn-cs"/>
+              </a:defRPr>
+            </a:lvl8pPr>
+            <a:lvl9pPr marL="3886200" indent="-228600" algn="l" defTabSz="914400" rtl="0" eaLnBrk="1" latinLnBrk="0" hangingPunct="1">
+              <a:lnSpc>
+                <a:spcPct val="90000"/>
+              </a:lnSpc>
+              <a:spcBef>
+                <a:spcPts val="500"/>
+              </a:spcBef>
+              <a:buFont typeface="Arial" panose="020B0604020202020204" pitchFamily="34" charset="0"/>
+              <a:buChar char="•"/>
+              <a:defRPr sz="1800" kern="1200">
+                <a:solidFill>
+                  <a:schemeClr val="tx1"/>
+                </a:solidFill>
+                <a:latin typeface="+mn-lt"/>
+                <a:ea typeface="+mn-ea"/>
+                <a:cs typeface="+mn-cs"/>
+              </a:defRPr>
+            </a:lvl9pPr>
+          </a:lstStyle>
+          <a:p>
+            <a:pPr marL="0" indent="0" algn="ctr">
+              <a:buFont typeface="Arial" panose="020B0604020202020204" pitchFamily="34" charset="0"/>
+              <a:buNone/>
+            </a:pPr>
+            <a:r>
+              <a:rPr lang="en-US" b="1">
+                <a:latin typeface="Sylfaen" panose="010A0502050306030303" pitchFamily="18" charset="0"/>
+              </a:rPr>
+              <a:t>Cache - Control</a:t>
+            </a:r>
+          </a:p>
+        </p:txBody>
+      </p:sp>
+      <p:sp>
+        <p:nvSpPr>
+          <p:cNvPr id="6" name="Content Placeholder 2">
+            <a:extLst>
+              <a:ext uri="{FF2B5EF4-FFF2-40B4-BE49-F238E27FC236}">
+                <a16:creationId xmlns:a16="http://schemas.microsoft.com/office/drawing/2014/main" id="{8D332C6C-CE06-47A4-927F-CC5CE9F24F41}"/>
+              </a:ext>
+            </a:extLst>
+          </p:cNvPr>
+          <p:cNvSpPr txBox="1">
+            <a:spLocks/>
+          </p:cNvSpPr>
+          <p:nvPr/>
+        </p:nvSpPr>
+        <p:spPr>
+          <a:xfrm>
+            <a:off x="838201" y="1734574"/>
+            <a:ext cx="3973643" cy="4242218"/>
+          </a:xfrm>
+          <a:prstGeom prst="rect">
+            <a:avLst/>
+          </a:prstGeom>
+        </p:spPr>
+        <p:txBody>
+          <a:bodyPr vert="horz" lIns="91440" tIns="45720" rIns="91440" bIns="45720" rtlCol="0">
+            <a:normAutofit/>
+          </a:bodyPr>
+          <a:lstStyle>
+            <a:lvl1pPr marL="228600" indent="-228600" algn="l" defTabSz="914400" rtl="0" eaLnBrk="1" latinLnBrk="0" hangingPunct="1">
+              <a:lnSpc>
+                <a:spcPct val="90000"/>
+              </a:lnSpc>
+              <a:spcBef>
+                <a:spcPts val="1000"/>
+              </a:spcBef>
+              <a:buFont typeface="Arial" panose="020B0604020202020204" pitchFamily="34" charset="0"/>
+              <a:buChar char="•"/>
+              <a:defRPr sz="2800" kern="1200">
+                <a:solidFill>
+                  <a:schemeClr val="tx1"/>
+                </a:solidFill>
+                <a:latin typeface="+mn-lt"/>
+                <a:ea typeface="+mn-ea"/>
+                <a:cs typeface="+mn-cs"/>
+              </a:defRPr>
+            </a:lvl1pPr>
+            <a:lvl2pPr marL="685800" indent="-228600" algn="l" defTabSz="914400" rtl="0" eaLnBrk="1" latinLnBrk="0" hangingPunct="1">
+              <a:lnSpc>
+                <a:spcPct val="90000"/>
+              </a:lnSpc>
+              <a:spcBef>
+                <a:spcPts val="500"/>
+              </a:spcBef>
+              <a:buFont typeface="Arial" panose="020B0604020202020204" pitchFamily="34" charset="0"/>
+              <a:buChar char="•"/>
+              <a:defRPr sz="2400" kern="1200">
+                <a:solidFill>
+                  <a:schemeClr val="tx1"/>
+                </a:solidFill>
+                <a:latin typeface="+mn-lt"/>
+                <a:ea typeface="+mn-ea"/>
+                <a:cs typeface="+mn-cs"/>
+              </a:defRPr>
+            </a:lvl2pPr>
+            <a:lvl3pPr marL="1143000" indent="-228600" algn="l" defTabSz="914400" rtl="0" eaLnBrk="1" latinLnBrk="0" hangingPunct="1">
+              <a:lnSpc>
+                <a:spcPct val="90000"/>
+              </a:lnSpc>
+              <a:spcBef>
+                <a:spcPts val="500"/>
+              </a:spcBef>
+              <a:buFont typeface="Arial" panose="020B0604020202020204" pitchFamily="34" charset="0"/>
+              <a:buChar char="•"/>
+              <a:defRPr sz="2000" kern="1200">
+                <a:solidFill>
+                  <a:schemeClr val="tx1"/>
+                </a:solidFill>
+                <a:latin typeface="+mn-lt"/>
+                <a:ea typeface="+mn-ea"/>
+                <a:cs typeface="+mn-cs"/>
+              </a:defRPr>
+            </a:lvl3pPr>
+            <a:lvl4pPr marL="1600200" indent="-228600" algn="l" defTabSz="914400" rtl="0" eaLnBrk="1" latinLnBrk="0" hangingPunct="1">
+              <a:lnSpc>
+                <a:spcPct val="90000"/>
+              </a:lnSpc>
+              <a:spcBef>
+                <a:spcPts val="500"/>
+              </a:spcBef>
+              <a:buFont typeface="Arial" panose="020B0604020202020204" pitchFamily="34" charset="0"/>
+              <a:buChar char="•"/>
+              <a:defRPr sz="1800" kern="1200">
+                <a:solidFill>
+                  <a:schemeClr val="tx1"/>
+                </a:solidFill>
+                <a:latin typeface="+mn-lt"/>
+                <a:ea typeface="+mn-ea"/>
+                <a:cs typeface="+mn-cs"/>
+              </a:defRPr>
+            </a:lvl4pPr>
+            <a:lvl5pPr marL="2057400" indent="-228600" algn="l" defTabSz="914400" rtl="0" eaLnBrk="1" latinLnBrk="0" hangingPunct="1">
+              <a:lnSpc>
+                <a:spcPct val="90000"/>
+              </a:lnSpc>
+              <a:spcBef>
+                <a:spcPts val="500"/>
+              </a:spcBef>
+              <a:buFont typeface="Arial" panose="020B0604020202020204" pitchFamily="34" charset="0"/>
+              <a:buChar char="•"/>
+              <a:defRPr sz="1800" kern="1200">
+                <a:solidFill>
+                  <a:schemeClr val="tx1"/>
+                </a:solidFill>
+                <a:latin typeface="+mn-lt"/>
+                <a:ea typeface="+mn-ea"/>
+                <a:cs typeface="+mn-cs"/>
+              </a:defRPr>
+            </a:lvl5pPr>
+            <a:lvl6pPr marL="2514600" indent="-228600" algn="l" defTabSz="914400" rtl="0" eaLnBrk="1" latinLnBrk="0" hangingPunct="1">
+              <a:lnSpc>
+                <a:spcPct val="90000"/>
+              </a:lnSpc>
+              <a:spcBef>
+                <a:spcPts val="500"/>
+              </a:spcBef>
+              <a:buFont typeface="Arial" panose="020B0604020202020204" pitchFamily="34" charset="0"/>
+              <a:buChar char="•"/>
+              <a:defRPr sz="1800" kern="1200">
+                <a:solidFill>
+                  <a:schemeClr val="tx1"/>
+                </a:solidFill>
+                <a:latin typeface="+mn-lt"/>
+                <a:ea typeface="+mn-ea"/>
+                <a:cs typeface="+mn-cs"/>
+              </a:defRPr>
+            </a:lvl6pPr>
+            <a:lvl7pPr marL="2971800" indent="-228600" algn="l" defTabSz="914400" rtl="0" eaLnBrk="1" latinLnBrk="0" hangingPunct="1">
+              <a:lnSpc>
+                <a:spcPct val="90000"/>
+              </a:lnSpc>
+              <a:spcBef>
+                <a:spcPts val="500"/>
+              </a:spcBef>
+              <a:buFont typeface="Arial" panose="020B0604020202020204" pitchFamily="34" charset="0"/>
+              <a:buChar char="•"/>
+              <a:defRPr sz="1800" kern="1200">
+                <a:solidFill>
+                  <a:schemeClr val="tx1"/>
+                </a:solidFill>
+                <a:latin typeface="+mn-lt"/>
+                <a:ea typeface="+mn-ea"/>
+                <a:cs typeface="+mn-cs"/>
+              </a:defRPr>
+            </a:lvl7pPr>
+            <a:lvl8pPr marL="3429000" indent="-228600" algn="l" defTabSz="914400" rtl="0" eaLnBrk="1" latinLnBrk="0" hangingPunct="1">
+              <a:lnSpc>
+                <a:spcPct val="90000"/>
+              </a:lnSpc>
+              <a:spcBef>
+                <a:spcPts val="500"/>
+              </a:spcBef>
+              <a:buFont typeface="Arial" panose="020B0604020202020204" pitchFamily="34" charset="0"/>
+              <a:buChar char="•"/>
+              <a:defRPr sz="1800" kern="1200">
+                <a:solidFill>
+                  <a:schemeClr val="tx1"/>
+                </a:solidFill>
+                <a:latin typeface="+mn-lt"/>
+                <a:ea typeface="+mn-ea"/>
+                <a:cs typeface="+mn-cs"/>
+              </a:defRPr>
+            </a:lvl8pPr>
+            <a:lvl9pPr marL="3886200" indent="-228600" algn="l" defTabSz="914400" rtl="0" eaLnBrk="1" latinLnBrk="0" hangingPunct="1">
+              <a:lnSpc>
+                <a:spcPct val="90000"/>
+              </a:lnSpc>
+              <a:spcBef>
+                <a:spcPts val="500"/>
+              </a:spcBef>
+              <a:buFont typeface="Arial" panose="020B0604020202020204" pitchFamily="34" charset="0"/>
+              <a:buChar char="•"/>
+              <a:defRPr sz="1800" kern="1200">
+                <a:solidFill>
+                  <a:schemeClr val="tx1"/>
+                </a:solidFill>
+                <a:latin typeface="+mn-lt"/>
+                <a:ea typeface="+mn-ea"/>
+                <a:cs typeface="+mn-cs"/>
+              </a:defRPr>
+            </a:lvl9pPr>
+          </a:lstStyle>
+          <a:p>
+            <a:pPr marL="0" indent="0" algn="ctr">
+              <a:buFont typeface="Arial" panose="020B0604020202020204" pitchFamily="34" charset="0"/>
+              <a:buNone/>
+            </a:pPr>
+            <a:r>
+              <a:rPr lang="en-US" b="1">
+                <a:latin typeface="Sylfaen" panose="010A0502050306030303" pitchFamily="18" charset="0"/>
+              </a:rPr>
+              <a:t>HTTP request headers</a:t>
+            </a:r>
+          </a:p>
+          <a:p>
+            <a:pPr marL="0" indent="0" algn="ctr">
+              <a:buFont typeface="Arial" panose="020B0604020202020204" pitchFamily="34" charset="0"/>
+              <a:buNone/>
+            </a:pPr>
+            <a:r>
+              <a:rPr lang="en-US">
+                <a:latin typeface="Sylfaen" panose="010A0502050306030303" pitchFamily="18" charset="0"/>
+              </a:rPr>
+              <a:t>no-cache</a:t>
+            </a:r>
+          </a:p>
+          <a:p>
+            <a:pPr marL="0" indent="0" algn="ctr">
+              <a:buFont typeface="Arial" panose="020B0604020202020204" pitchFamily="34" charset="0"/>
+              <a:buNone/>
+            </a:pPr>
+            <a:r>
+              <a:rPr lang="en-US">
+                <a:latin typeface="Sylfaen" panose="010A0502050306030303" pitchFamily="18" charset="0"/>
+              </a:rPr>
+              <a:t>no-store</a:t>
+            </a:r>
+          </a:p>
+          <a:p>
+            <a:pPr marL="0" indent="0" algn="ctr">
+              <a:buFont typeface="Arial" panose="020B0604020202020204" pitchFamily="34" charset="0"/>
+              <a:buNone/>
+            </a:pPr>
+            <a:r>
+              <a:rPr lang="en-US">
+                <a:latin typeface="Sylfaen" panose="010A0502050306030303" pitchFamily="18" charset="0"/>
+              </a:rPr>
+              <a:t>max-age = seconds</a:t>
+            </a:r>
+          </a:p>
+          <a:p>
+            <a:pPr marL="0" indent="0" algn="ctr">
+              <a:buFont typeface="Arial" panose="020B0604020202020204" pitchFamily="34" charset="0"/>
+              <a:buNone/>
+            </a:pPr>
+            <a:r>
+              <a:rPr lang="en-US">
+                <a:latin typeface="Sylfaen" panose="010A0502050306030303" pitchFamily="18" charset="0"/>
+              </a:rPr>
+              <a:t>max-stale [=seconds]</a:t>
+            </a:r>
+          </a:p>
+          <a:p>
+            <a:pPr marL="0" indent="0" algn="ctr">
+              <a:buFont typeface="Arial" panose="020B0604020202020204" pitchFamily="34" charset="0"/>
+              <a:buNone/>
+            </a:pPr>
+            <a:r>
+              <a:rPr lang="en-US">
+                <a:latin typeface="Sylfaen" panose="010A0502050306030303" pitchFamily="18" charset="0"/>
+              </a:rPr>
+              <a:t>min-fresh = sconds</a:t>
+            </a:r>
+          </a:p>
+          <a:p>
+            <a:pPr marL="0" indent="0" algn="ctr">
+              <a:buFont typeface="Arial" panose="020B0604020202020204" pitchFamily="34" charset="0"/>
+              <a:buNone/>
+            </a:pPr>
+            <a:r>
+              <a:rPr lang="en-US">
+                <a:latin typeface="Sylfaen" panose="010A0502050306030303" pitchFamily="18" charset="0"/>
+              </a:rPr>
+              <a:t>no-transform</a:t>
+            </a:r>
+          </a:p>
+          <a:p>
+            <a:pPr marL="0" indent="0" algn="ctr">
+              <a:buFont typeface="Arial" panose="020B0604020202020204" pitchFamily="34" charset="0"/>
+              <a:buNone/>
+            </a:pPr>
+            <a:r>
+              <a:rPr lang="en-US">
+                <a:latin typeface="Sylfaen" panose="010A0502050306030303" pitchFamily="18" charset="0"/>
+              </a:rPr>
+              <a:t>only-if-cached</a:t>
+            </a:r>
+          </a:p>
+          <a:p>
+            <a:pPr marL="0" indent="0" algn="ctr">
+              <a:buFont typeface="Arial" panose="020B0604020202020204" pitchFamily="34" charset="0"/>
+              <a:buNone/>
+            </a:pPr>
+            <a:endParaRPr lang="en-US"/>
+          </a:p>
+        </p:txBody>
+      </p:sp>
+    </p:spTree>
+    <p:extLst>
+      <p:ext uri="{BB962C8B-B14F-4D97-AF65-F5344CB8AC3E}">
+        <p14:creationId xmlns:p14="http://schemas.microsoft.com/office/powerpoint/2010/main" val="1142179341"/>
+      </p:ext>
+    </p:extLst>
+  </p:cSld>
+  <p:clrMapOvr>
+    <a:masterClrMapping/>
+  </p:clrMapOvr>
+</p:sld>
+</file>
+
+<file path=ppt/slides/slide15.xml><?xml version="1.0" encoding="utf-8"?>
+<p:sld xmlns:a="http://schemas.openxmlformats.org/drawingml/2006/main" xmlns:r="http://schemas.openxmlformats.org/officeDocument/2006/relationships" xmlns:p="http://schemas.openxmlformats.org/presentationml/2006/main">
+  <p:cSld>
+    <p:spTree>
+      <p:nvGrpSpPr>
+        <p:cNvPr id="1" name=""/>
+        <p:cNvGrpSpPr/>
+        <p:nvPr/>
+      </p:nvGrpSpPr>
+      <p:grpSpPr>
+        <a:xfrm>
+          <a:off x="0" y="0"/>
+          <a:ext cx="0" cy="0"/>
+          <a:chOff x="0" y="0"/>
+          <a:chExt cx="0" cy="0"/>
+        </a:xfrm>
+      </p:grpSpPr>
+      <p:sp>
+        <p:nvSpPr>
+          <p:cNvPr id="2" name="Title 1">
+            <a:extLst>
+              <a:ext uri="{FF2B5EF4-FFF2-40B4-BE49-F238E27FC236}">
+                <a16:creationId xmlns:a16="http://schemas.microsoft.com/office/drawing/2014/main" id="{191A5D24-88C6-4BE0-8433-37FAC216C584}"/>
+              </a:ext>
+            </a:extLst>
+          </p:cNvPr>
+          <p:cNvSpPr>
+            <a:spLocks noGrp="1"/>
+          </p:cNvSpPr>
+          <p:nvPr>
+            <p:ph type="title"/>
+          </p:nvPr>
+        </p:nvSpPr>
+        <p:spPr>
+          <a:xfrm>
+            <a:off x="838200" y="0"/>
+            <a:ext cx="10515600" cy="1325563"/>
+          </a:xfrm>
+        </p:spPr>
+        <p:txBody>
+          <a:bodyPr/>
+          <a:lstStyle/>
+          <a:p>
+            <a:pPr algn="ctr"/>
+            <a:r>
+              <a:rPr lang="en-US">
+                <a:latin typeface="Sylfaen" panose="010A0502050306030303" pitchFamily="18" charset="0"/>
+              </a:rPr>
+              <a:t>General</a:t>
+            </a:r>
+            <a:r>
+              <a:rPr lang="hy-AM">
+                <a:latin typeface="Sylfaen" panose="010A0502050306030303" pitchFamily="18" charset="0"/>
+              </a:rPr>
+              <a:t> </a:t>
+            </a:r>
+            <a:r>
+              <a:rPr lang="en-US">
+                <a:latin typeface="Sylfaen" panose="010A0502050306030303" pitchFamily="18" charset="0"/>
+              </a:rPr>
+              <a:t>Headers</a:t>
+            </a:r>
+            <a:endParaRPr lang="en-US"/>
+          </a:p>
+        </p:txBody>
+      </p:sp>
+      <p:sp>
+        <p:nvSpPr>
+          <p:cNvPr id="3" name="Content Placeholder 2">
+            <a:extLst>
+              <a:ext uri="{FF2B5EF4-FFF2-40B4-BE49-F238E27FC236}">
+                <a16:creationId xmlns:a16="http://schemas.microsoft.com/office/drawing/2014/main" id="{A6CE0BDF-B0BC-4660-9A86-207E94AEF6AC}"/>
+              </a:ext>
+            </a:extLst>
+          </p:cNvPr>
+          <p:cNvSpPr>
+            <a:spLocks noGrp="1"/>
+          </p:cNvSpPr>
+          <p:nvPr>
+            <p:ph idx="1"/>
+          </p:nvPr>
+        </p:nvSpPr>
+        <p:spPr/>
+        <p:txBody>
+          <a:bodyPr/>
+          <a:lstStyle/>
+          <a:p>
+            <a:pPr marL="0" indent="0">
+              <a:buNone/>
+            </a:pPr>
+            <a:r>
+              <a:rPr lang="en-US">
+                <a:latin typeface="Sylfaen" panose="010A0502050306030303" pitchFamily="18" charset="0"/>
+              </a:rPr>
+              <a:t>Connection: close</a:t>
+            </a:r>
+          </a:p>
+          <a:p>
+            <a:pPr marL="0" indent="0">
+              <a:buNone/>
+            </a:pPr>
+            <a:r>
+              <a:rPr lang="en-US">
+                <a:latin typeface="Sylfaen" panose="010A0502050306030303" pitchFamily="18" charset="0"/>
+              </a:rPr>
+              <a:t>Conection: keep-alive</a:t>
+            </a:r>
+          </a:p>
+        </p:txBody>
+      </p:sp>
+      <p:cxnSp>
+        <p:nvCxnSpPr>
+          <p:cNvPr id="4" name="Straight Connector 3">
+            <a:extLst>
+              <a:ext uri="{FF2B5EF4-FFF2-40B4-BE49-F238E27FC236}">
+                <a16:creationId xmlns:a16="http://schemas.microsoft.com/office/drawing/2014/main" id="{6494ACCA-BC1F-4627-9B4C-6D16C4AC9EFF}"/>
+              </a:ext>
+            </a:extLst>
+          </p:cNvPr>
+          <p:cNvCxnSpPr>
+            <a:cxnSpLocks/>
+          </p:cNvCxnSpPr>
+          <p:nvPr/>
+        </p:nvCxnSpPr>
+        <p:spPr>
+          <a:xfrm>
+            <a:off x="569235" y="1139414"/>
+            <a:ext cx="11053530" cy="0"/>
+          </a:xfrm>
+          <a:prstGeom prst="line">
+            <a:avLst/>
+          </a:prstGeom>
+        </p:spPr>
+        <p:style>
+          <a:lnRef idx="3">
+            <a:schemeClr val="accent1"/>
+          </a:lnRef>
+          <a:fillRef idx="0">
+            <a:schemeClr val="accent1"/>
+          </a:fillRef>
+          <a:effectRef idx="2">
+            <a:schemeClr val="accent1"/>
+          </a:effectRef>
+          <a:fontRef idx="minor">
+            <a:schemeClr val="tx1"/>
+          </a:fontRef>
+        </p:style>
+      </p:cxnSp>
+    </p:spTree>
+    <p:extLst>
+      <p:ext uri="{BB962C8B-B14F-4D97-AF65-F5344CB8AC3E}">
+        <p14:creationId xmlns:p14="http://schemas.microsoft.com/office/powerpoint/2010/main" val="2363655993"/>
       </p:ext>
     </p:extLst>
   </p:cSld>
@@ -4531,7 +7525,7 @@
               <a:rPr lang="en-US">
                 <a:latin typeface="Sylfaen" panose="010A0502050306030303" pitchFamily="18" charset="0"/>
               </a:rPr>
-              <a:t>URI/URL/URN</a:t>
+              <a:t>URI / URL / URN</a:t>
             </a:r>
           </a:p>
         </p:txBody>
@@ -5250,7 +8244,7 @@
               <a:rPr lang="en-US" altLang="en-US">
                 <a:latin typeface="Sylfaen" panose="010A0502050306030303" pitchFamily="18" charset="0"/>
               </a:rPr>
-              <a:t>HTTP messages</a:t>
+              <a:t>HTTP Messages</a:t>
             </a:r>
             <a:endParaRPr lang="en-US"/>
           </a:p>
@@ -5274,8 +8268,8 @@
         </p:nvSpPr>
         <p:spPr>
           <a:xfrm>
-            <a:off x="1295400" y="1825625"/>
-            <a:ext cx="4386943" cy="4351338"/>
+            <a:off x="1597349" y="2096577"/>
+            <a:ext cx="4603154" cy="3809433"/>
           </a:xfrm>
         </p:spPr>
         <p:txBody>
@@ -5288,7 +8282,7 @@
               </a:lnSpc>
             </a:pPr>
             <a:r>
-              <a:rPr lang="en-US">
+              <a:rPr lang="en-US" b="1">
                 <a:latin typeface="Sylfaen" panose="010A0502050306030303" pitchFamily="18" charset="0"/>
               </a:rPr>
               <a:t>Start line</a:t>
@@ -5301,7 +8295,7 @@
               </a:lnSpc>
             </a:pPr>
             <a:r>
-              <a:rPr lang="en-US">
+              <a:rPr lang="en-US" b="1">
                 <a:latin typeface="Sylfaen" panose="010A0502050306030303" pitchFamily="18" charset="0"/>
               </a:rPr>
               <a:t>Header fields (0 or more)</a:t>
@@ -5314,7 +8308,7 @@
               </a:lnSpc>
             </a:pPr>
             <a:r>
-              <a:rPr lang="en-US">
+              <a:rPr lang="en-US" b="1">
                 <a:latin typeface="Sylfaen" panose="010A0502050306030303" pitchFamily="18" charset="0"/>
               </a:rPr>
               <a:t>An empty line</a:t>
@@ -5327,7 +8321,7 @@
               </a:lnSpc>
             </a:pPr>
             <a:r>
-              <a:rPr lang="en-US">
+              <a:rPr lang="en-US" b="1">
                 <a:latin typeface="Sylfaen" panose="010A0502050306030303" pitchFamily="18" charset="0"/>
               </a:rPr>
               <a:t>Message – body (optional)</a:t>
@@ -6332,8 +9326,8 @@
         </p:nvSpPr>
         <p:spPr>
           <a:xfrm>
-            <a:off x="4647109" y="1376725"/>
-            <a:ext cx="1735184" cy="4351338"/>
+            <a:off x="4626972" y="1347959"/>
+            <a:ext cx="1786890" cy="4351338"/>
           </a:xfrm>
           <a:prstGeom prst="rect">
             <a:avLst/>
@@ -6515,7 +9509,7 @@
               <a:buNone/>
             </a:pPr>
             <a:r>
-              <a:rPr lang="en-US"/>
+              <a:rPr lang="en-US" b="1"/>
               <a:t>Start line</a:t>
             </a:r>
           </a:p>
@@ -6527,7 +9521,7 @@
               <a:buNone/>
             </a:pPr>
             <a:r>
-              <a:rPr lang="en-US"/>
+              <a:rPr lang="en-US" b="1"/>
               <a:t>Headers</a:t>
             </a:r>
           </a:p>
@@ -6539,7 +9533,7 @@
               <a:buNone/>
             </a:pPr>
             <a:r>
-              <a:rPr lang="en-US"/>
+              <a:rPr lang="en-US" b="1"/>
               <a:t>Empty line</a:t>
             </a:r>
           </a:p>
@@ -6550,7 +9544,7 @@
               </a:lnSpc>
               <a:buNone/>
             </a:pPr>
-            <a:endParaRPr lang="en-US"/>
+            <a:endParaRPr lang="en-US" b="1"/>
           </a:p>
           <a:p>
             <a:pPr marL="0" indent="0" algn="ctr">
@@ -6560,7 +9554,7 @@
               <a:buNone/>
             </a:pPr>
             <a:r>
-              <a:rPr lang="en-US"/>
+              <a:rPr lang="en-US" b="1"/>
               <a:t>Body</a:t>
             </a:r>
           </a:p>
@@ -7079,7 +10073,7 @@
               <a:buNone/>
             </a:pPr>
             <a:r>
-              <a:rPr lang="en-US"/>
+              <a:rPr lang="en-US" b="1"/>
               <a:t>Request message</a:t>
             </a:r>
           </a:p>
@@ -7284,7 +10278,7 @@
               <a:buNone/>
             </a:pPr>
             <a:r>
-              <a:rPr lang="en-US"/>
+              <a:rPr lang="en-US" b="1"/>
               <a:t>Response message</a:t>
             </a:r>
           </a:p>
@@ -7425,7 +10419,7 @@
               <a:buNone/>
             </a:pPr>
             <a:r>
-              <a:rPr lang="en-US">
+              <a:rPr lang="en-US" b="1">
                 <a:latin typeface="Sylfaen" panose="010A0502050306030303" pitchFamily="18" charset="0"/>
               </a:rPr>
               <a:t>Request-Line = Method  Request-URI  HTTP-Version</a:t>
@@ -7439,7 +10433,7 @@
               <a:buNone/>
             </a:pPr>
             <a:r>
-              <a:rPr lang="en-US">
+              <a:rPr lang="en-US" b="1">
                 <a:latin typeface="Sylfaen" panose="010A0502050306030303" pitchFamily="18" charset="0"/>
               </a:rPr>
               <a:t>Method = GET / POST / PUT …</a:t>
@@ -7453,7 +10447,7 @@
               <a:buNone/>
             </a:pPr>
             <a:r>
-              <a:rPr lang="en-US">
+              <a:rPr lang="en-US" b="1">
                 <a:latin typeface="Sylfaen" panose="010A0502050306030303" pitchFamily="18" charset="0"/>
               </a:rPr>
               <a:t>Request-URI = “*” | absoluteURI | abs_path | authority</a:t>
@@ -7581,7 +10575,12 @@
             <p:ph idx="1"/>
           </p:nvPr>
         </p:nvSpPr>
-        <p:spPr/>
+        <p:spPr>
+          <a:xfrm>
+            <a:off x="838200" y="2373313"/>
+            <a:ext cx="10515600" cy="3106593"/>
+          </a:xfrm>
+        </p:spPr>
         <p:txBody>
           <a:bodyPr/>
           <a:lstStyle/>
@@ -7590,7 +10589,7 @@
               <a:buNone/>
             </a:pPr>
             <a:r>
-              <a:rPr lang="en-US">
+              <a:rPr lang="en-US" b="1">
                 <a:latin typeface="Sylfaen" panose="010A0502050306030303" pitchFamily="18" charset="0"/>
               </a:rPr>
               <a:t>Status-Line = HTTP-Version  Status-Code  Reason-Phrase</a:t>
@@ -7600,7 +10599,7 @@
             <a:pPr marL="0" indent="0">
               <a:buNone/>
             </a:pPr>
-            <a:endParaRPr lang="en-US">
+            <a:endParaRPr lang="en-US" b="1">
               <a:latin typeface="Sylfaen" panose="010A0502050306030303" pitchFamily="18" charset="0"/>
             </a:endParaRPr>
           </a:p>
@@ -7609,7 +10608,7 @@
               <a:buNone/>
             </a:pPr>
             <a:r>
-              <a:rPr lang="en-US">
+              <a:rPr lang="en-US" b="1">
                 <a:latin typeface="Sylfaen" panose="010A0502050306030303" pitchFamily="18" charset="0"/>
               </a:rPr>
               <a:t>HTTP-Version = HTTP/1.1</a:t>
@@ -7619,7 +10618,7 @@
             <a:pPr marL="0" indent="0">
               <a:buNone/>
             </a:pPr>
-            <a:endParaRPr lang="en-US">
+            <a:endParaRPr lang="en-US" b="1">
               <a:latin typeface="Sylfaen" panose="010A0502050306030303" pitchFamily="18" charset="0"/>
             </a:endParaRPr>
           </a:p>
@@ -7628,7 +10627,7 @@
               <a:buNone/>
             </a:pPr>
             <a:r>
-              <a:rPr lang="en-US">
+              <a:rPr lang="en-US" b="1">
                 <a:latin typeface="Sylfaen" panose="010A0502050306030303" pitchFamily="18" charset="0"/>
               </a:rPr>
               <a:t>Status-Code = 1--/2--/3--/4--/5--</a:t>

--- a/Http/Http_presentation.pptx
+++ b/Http/Http_presentation.pptx
@@ -273,7 +273,7 @@
           <a:p>
             <a:fld id="{E36C89DF-7188-4BC0-ADF4-07E309878DC2}" type="datetimeFigureOut">
               <a:rPr lang="ru-RU" smtClean="0"/>
-              <a:t>29.09.2022</a:t>
+              <a:t>02.10.2022</a:t>
             </a:fld>
             <a:endParaRPr lang="ru-RU"/>
           </a:p>
@@ -471,7 +471,7 @@
           <a:p>
             <a:fld id="{E36C89DF-7188-4BC0-ADF4-07E309878DC2}" type="datetimeFigureOut">
               <a:rPr lang="ru-RU" smtClean="0"/>
-              <a:t>29.09.2022</a:t>
+              <a:t>02.10.2022</a:t>
             </a:fld>
             <a:endParaRPr lang="ru-RU"/>
           </a:p>
@@ -679,7 +679,7 @@
           <a:p>
             <a:fld id="{E36C89DF-7188-4BC0-ADF4-07E309878DC2}" type="datetimeFigureOut">
               <a:rPr lang="ru-RU" smtClean="0"/>
-              <a:t>29.09.2022</a:t>
+              <a:t>02.10.2022</a:t>
             </a:fld>
             <a:endParaRPr lang="ru-RU"/>
           </a:p>
@@ -877,7 +877,7 @@
           <a:p>
             <a:fld id="{E36C89DF-7188-4BC0-ADF4-07E309878DC2}" type="datetimeFigureOut">
               <a:rPr lang="ru-RU" smtClean="0"/>
-              <a:t>29.09.2022</a:t>
+              <a:t>02.10.2022</a:t>
             </a:fld>
             <a:endParaRPr lang="ru-RU"/>
           </a:p>
@@ -1152,7 +1152,7 @@
           <a:p>
             <a:fld id="{E36C89DF-7188-4BC0-ADF4-07E309878DC2}" type="datetimeFigureOut">
               <a:rPr lang="ru-RU" smtClean="0"/>
-              <a:t>29.09.2022</a:t>
+              <a:t>02.10.2022</a:t>
             </a:fld>
             <a:endParaRPr lang="ru-RU"/>
           </a:p>
@@ -1417,7 +1417,7 @@
           <a:p>
             <a:fld id="{E36C89DF-7188-4BC0-ADF4-07E309878DC2}" type="datetimeFigureOut">
               <a:rPr lang="ru-RU" smtClean="0"/>
-              <a:t>29.09.2022</a:t>
+              <a:t>02.10.2022</a:t>
             </a:fld>
             <a:endParaRPr lang="ru-RU"/>
           </a:p>
@@ -1829,7 +1829,7 @@
           <a:p>
             <a:fld id="{E36C89DF-7188-4BC0-ADF4-07E309878DC2}" type="datetimeFigureOut">
               <a:rPr lang="ru-RU" smtClean="0"/>
-              <a:t>29.09.2022</a:t>
+              <a:t>02.10.2022</a:t>
             </a:fld>
             <a:endParaRPr lang="ru-RU"/>
           </a:p>
@@ -1970,7 +1970,7 @@
           <a:p>
             <a:fld id="{E36C89DF-7188-4BC0-ADF4-07E309878DC2}" type="datetimeFigureOut">
               <a:rPr lang="ru-RU" smtClean="0"/>
-              <a:t>29.09.2022</a:t>
+              <a:t>02.10.2022</a:t>
             </a:fld>
             <a:endParaRPr lang="ru-RU"/>
           </a:p>
@@ -2083,7 +2083,7 @@
           <a:p>
             <a:fld id="{E36C89DF-7188-4BC0-ADF4-07E309878DC2}" type="datetimeFigureOut">
               <a:rPr lang="ru-RU" smtClean="0"/>
-              <a:t>29.09.2022</a:t>
+              <a:t>02.10.2022</a:t>
             </a:fld>
             <a:endParaRPr lang="ru-RU"/>
           </a:p>
@@ -2394,7 +2394,7 @@
           <a:p>
             <a:fld id="{E36C89DF-7188-4BC0-ADF4-07E309878DC2}" type="datetimeFigureOut">
               <a:rPr lang="ru-RU" smtClean="0"/>
-              <a:t>29.09.2022</a:t>
+              <a:t>02.10.2022</a:t>
             </a:fld>
             <a:endParaRPr lang="ru-RU"/>
           </a:p>
@@ -2682,7 +2682,7 @@
           <a:p>
             <a:fld id="{E36C89DF-7188-4BC0-ADF4-07E309878DC2}" type="datetimeFigureOut">
               <a:rPr lang="ru-RU" smtClean="0"/>
-              <a:t>29.09.2022</a:t>
+              <a:t>02.10.2022</a:t>
             </a:fld>
             <a:endParaRPr lang="ru-RU"/>
           </a:p>
@@ -2923,7 +2923,7 @@
           <a:p>
             <a:fld id="{E36C89DF-7188-4BC0-ADF4-07E309878DC2}" type="datetimeFigureOut">
               <a:rPr lang="ru-RU" smtClean="0"/>
-              <a:t>29.09.2022</a:t>
+              <a:t>02.10.2022</a:t>
             </a:fld>
             <a:endParaRPr lang="ru-RU"/>
           </a:p>
@@ -6694,21 +6694,49 @@
               <a:buNone/>
             </a:pPr>
             <a:r>
-              <a:rPr lang="en-US">
-                <a:latin typeface="Sylfaen" panose="010A0502050306030303" pitchFamily="18" charset="0"/>
-              </a:rPr>
-              <a:t>Connection: close</a:t>
-            </a:r>
+              <a:rPr lang="en-US" dirty="0">
+                <a:latin typeface="Sylfaen" panose="010A0502050306030303" pitchFamily="18" charset="0"/>
+              </a:rPr>
+              <a:t>Cache-Control:</a:t>
+            </a:r>
+            <a:endParaRPr lang="hy-AM" dirty="0">
+              <a:latin typeface="Sylfaen" panose="010A0502050306030303" pitchFamily="18" charset="0"/>
+            </a:endParaRPr>
           </a:p>
           <a:p>
             <a:pPr marL="0" indent="0">
               <a:buNone/>
             </a:pPr>
             <a:r>
-              <a:rPr lang="en-US">
-                <a:latin typeface="Sylfaen" panose="010A0502050306030303" pitchFamily="18" charset="0"/>
-              </a:rPr>
-              <a:t>Conection: keep-alive</a:t>
+              <a:rPr lang="en-US" dirty="0">
+                <a:latin typeface="Sylfaen" panose="010A0502050306030303" pitchFamily="18" charset="0"/>
+              </a:rPr>
+              <a:t>Connection: </a:t>
+            </a:r>
+            <a:endParaRPr lang="hy-AM" dirty="0">
+              <a:latin typeface="Sylfaen" panose="010A0502050306030303" pitchFamily="18" charset="0"/>
+            </a:endParaRPr>
+          </a:p>
+          <a:p>
+            <a:pPr marL="0" indent="0">
+              <a:buNone/>
+            </a:pPr>
+            <a:r>
+              <a:rPr lang="en-US" dirty="0">
+                <a:latin typeface="Sylfaen" panose="010A0502050306030303" pitchFamily="18" charset="0"/>
+              </a:rPr>
+              <a:t>Date:</a:t>
+            </a:r>
+          </a:p>
+          <a:p>
+            <a:pPr marL="0" indent="0">
+              <a:buNone/>
+            </a:pPr>
+            <a:r>
+              <a:rPr lang="en-US" dirty="0">
+                <a:latin typeface="Sylfaen" panose="010A0502050306030303" pitchFamily="18" charset="0"/>
+              </a:rPr>
+              <a:t>Trailer:</a:t>
             </a:r>
           </a:p>
         </p:txBody>

--- a/Http/Http_presentation.pptx
+++ b/Http/Http_presentation.pptx
@@ -20,6 +20,14 @@
     <p:sldId id="268" r:id="rId14"/>
     <p:sldId id="269" r:id="rId15"/>
     <p:sldId id="270" r:id="rId16"/>
+    <p:sldId id="278" r:id="rId17"/>
+    <p:sldId id="271" r:id="rId18"/>
+    <p:sldId id="272" r:id="rId19"/>
+    <p:sldId id="273" r:id="rId20"/>
+    <p:sldId id="274" r:id="rId21"/>
+    <p:sldId id="275" r:id="rId22"/>
+    <p:sldId id="276" r:id="rId23"/>
+    <p:sldId id="277" r:id="rId24"/>
   </p:sldIdLst>
   <p:sldSz cx="12192000" cy="6858000"/>
   <p:notesSz cx="6858000" cy="9144000"/>
@@ -273,7 +281,7 @@
           <a:p>
             <a:fld id="{E36C89DF-7188-4BC0-ADF4-07E309878DC2}" type="datetimeFigureOut">
               <a:rPr lang="ru-RU" smtClean="0"/>
-              <a:t>02.10.2022</a:t>
+              <a:t>03.10.2022</a:t>
             </a:fld>
             <a:endParaRPr lang="ru-RU"/>
           </a:p>
@@ -471,7 +479,7 @@
           <a:p>
             <a:fld id="{E36C89DF-7188-4BC0-ADF4-07E309878DC2}" type="datetimeFigureOut">
               <a:rPr lang="ru-RU" smtClean="0"/>
-              <a:t>02.10.2022</a:t>
+              <a:t>03.10.2022</a:t>
             </a:fld>
             <a:endParaRPr lang="ru-RU"/>
           </a:p>
@@ -679,7 +687,7 @@
           <a:p>
             <a:fld id="{E36C89DF-7188-4BC0-ADF4-07E309878DC2}" type="datetimeFigureOut">
               <a:rPr lang="ru-RU" smtClean="0"/>
-              <a:t>02.10.2022</a:t>
+              <a:t>03.10.2022</a:t>
             </a:fld>
             <a:endParaRPr lang="ru-RU"/>
           </a:p>
@@ -877,7 +885,7 @@
           <a:p>
             <a:fld id="{E36C89DF-7188-4BC0-ADF4-07E309878DC2}" type="datetimeFigureOut">
               <a:rPr lang="ru-RU" smtClean="0"/>
-              <a:t>02.10.2022</a:t>
+              <a:t>03.10.2022</a:t>
             </a:fld>
             <a:endParaRPr lang="ru-RU"/>
           </a:p>
@@ -1152,7 +1160,7 @@
           <a:p>
             <a:fld id="{E36C89DF-7188-4BC0-ADF4-07E309878DC2}" type="datetimeFigureOut">
               <a:rPr lang="ru-RU" smtClean="0"/>
-              <a:t>02.10.2022</a:t>
+              <a:t>03.10.2022</a:t>
             </a:fld>
             <a:endParaRPr lang="ru-RU"/>
           </a:p>
@@ -1417,7 +1425,7 @@
           <a:p>
             <a:fld id="{E36C89DF-7188-4BC0-ADF4-07E309878DC2}" type="datetimeFigureOut">
               <a:rPr lang="ru-RU" smtClean="0"/>
-              <a:t>02.10.2022</a:t>
+              <a:t>03.10.2022</a:t>
             </a:fld>
             <a:endParaRPr lang="ru-RU"/>
           </a:p>
@@ -1829,7 +1837,7 @@
           <a:p>
             <a:fld id="{E36C89DF-7188-4BC0-ADF4-07E309878DC2}" type="datetimeFigureOut">
               <a:rPr lang="ru-RU" smtClean="0"/>
-              <a:t>02.10.2022</a:t>
+              <a:t>03.10.2022</a:t>
             </a:fld>
             <a:endParaRPr lang="ru-RU"/>
           </a:p>
@@ -1970,7 +1978,7 @@
           <a:p>
             <a:fld id="{E36C89DF-7188-4BC0-ADF4-07E309878DC2}" type="datetimeFigureOut">
               <a:rPr lang="ru-RU" smtClean="0"/>
-              <a:t>02.10.2022</a:t>
+              <a:t>03.10.2022</a:t>
             </a:fld>
             <a:endParaRPr lang="ru-RU"/>
           </a:p>
@@ -2083,7 +2091,7 @@
           <a:p>
             <a:fld id="{E36C89DF-7188-4BC0-ADF4-07E309878DC2}" type="datetimeFigureOut">
               <a:rPr lang="ru-RU" smtClean="0"/>
-              <a:t>02.10.2022</a:t>
+              <a:t>03.10.2022</a:t>
             </a:fld>
             <a:endParaRPr lang="ru-RU"/>
           </a:p>
@@ -2394,7 +2402,7 @@
           <a:p>
             <a:fld id="{E36C89DF-7188-4BC0-ADF4-07E309878DC2}" type="datetimeFigureOut">
               <a:rPr lang="ru-RU" smtClean="0"/>
-              <a:t>02.10.2022</a:t>
+              <a:t>03.10.2022</a:t>
             </a:fld>
             <a:endParaRPr lang="ru-RU"/>
           </a:p>
@@ -2682,7 +2690,7 @@
           <a:p>
             <a:fld id="{E36C89DF-7188-4BC0-ADF4-07E309878DC2}" type="datetimeFigureOut">
               <a:rPr lang="ru-RU" smtClean="0"/>
-              <a:t>02.10.2022</a:t>
+              <a:t>03.10.2022</a:t>
             </a:fld>
             <a:endParaRPr lang="ru-RU"/>
           </a:p>
@@ -2923,7 +2931,7 @@
           <a:p>
             <a:fld id="{E36C89DF-7188-4BC0-ADF4-07E309878DC2}" type="datetimeFigureOut">
               <a:rPr lang="ru-RU" smtClean="0"/>
-              <a:t>02.10.2022</a:t>
+              <a:t>03.10.2022</a:t>
             </a:fld>
             <a:endParaRPr lang="ru-RU"/>
           </a:p>
@@ -5951,7 +5959,9 @@
               <a:buNone/>
             </a:pPr>
             <a:r>
-              <a:rPr lang="en-US"/>
+              <a:rPr lang="en-US">
+                <a:latin typeface="Sylfaen" panose="010A0502050306030303" pitchFamily="18" charset="0"/>
+              </a:rPr>
               <a:t>public / private</a:t>
             </a:r>
           </a:p>
@@ -5960,7 +5970,9 @@
               <a:buNone/>
             </a:pPr>
             <a:r>
-              <a:rPr lang="en-US"/>
+              <a:rPr lang="en-US">
+                <a:latin typeface="Sylfaen" panose="010A0502050306030303" pitchFamily="18" charset="0"/>
+              </a:rPr>
               <a:t>no-cache</a:t>
             </a:r>
           </a:p>
@@ -6687,17 +6699,30 @@
         </p:nvSpPr>
         <p:spPr/>
         <p:txBody>
-          <a:bodyPr/>
+          <a:bodyPr>
+            <a:normAutofit lnSpcReduction="10000"/>
+          </a:bodyPr>
           <a:lstStyle/>
           <a:p>
             <a:pPr marL="0" indent="0">
               <a:buNone/>
             </a:pPr>
             <a:r>
-              <a:rPr lang="en-US" dirty="0">
+              <a:rPr lang="en-US">
                 <a:latin typeface="Sylfaen" panose="010A0502050306030303" pitchFamily="18" charset="0"/>
               </a:rPr>
               <a:t>Cache-Control:</a:t>
+            </a:r>
+          </a:p>
+          <a:p>
+            <a:pPr marL="0" indent="0">
+              <a:buNone/>
+            </a:pPr>
+            <a:r>
+              <a:rPr lang="en-US">
+                <a:latin typeface="Sylfaen" panose="010A0502050306030303" pitchFamily="18" charset="0"/>
+              </a:rPr>
+              <a:t>Pragma:</a:t>
             </a:r>
             <a:endParaRPr lang="hy-AM" dirty="0">
               <a:latin typeface="Sylfaen" panose="010A0502050306030303" pitchFamily="18" charset="0"/>
@@ -6733,11 +6758,58 @@
               <a:buNone/>
             </a:pPr>
             <a:r>
-              <a:rPr lang="en-US" dirty="0">
+              <a:rPr lang="en-US">
                 <a:latin typeface="Sylfaen" panose="010A0502050306030303" pitchFamily="18" charset="0"/>
               </a:rPr>
               <a:t>Trailer:</a:t>
             </a:r>
+          </a:p>
+          <a:p>
+            <a:pPr marL="0" indent="0">
+              <a:buNone/>
+            </a:pPr>
+            <a:r>
+              <a:rPr lang="en-US">
+                <a:latin typeface="Sylfaen" panose="010A0502050306030303" pitchFamily="18" charset="0"/>
+              </a:rPr>
+              <a:t>Transfer-Encoding:</a:t>
+            </a:r>
+          </a:p>
+          <a:p>
+            <a:pPr marL="0" indent="0">
+              <a:buNone/>
+            </a:pPr>
+            <a:r>
+              <a:rPr lang="en-US">
+                <a:latin typeface="Sylfaen" panose="010A0502050306030303" pitchFamily="18" charset="0"/>
+              </a:rPr>
+              <a:t>Upgrate:</a:t>
+            </a:r>
+          </a:p>
+          <a:p>
+            <a:pPr marL="0" indent="0">
+              <a:buNone/>
+            </a:pPr>
+            <a:r>
+              <a:rPr lang="en-US">
+                <a:latin typeface="Sylfaen" panose="010A0502050306030303" pitchFamily="18" charset="0"/>
+              </a:rPr>
+              <a:t>VIA:</a:t>
+            </a:r>
+          </a:p>
+          <a:p>
+            <a:pPr marL="0" indent="0">
+              <a:buNone/>
+            </a:pPr>
+            <a:r>
+              <a:rPr lang="en-US">
+                <a:latin typeface="Sylfaen" panose="010A0502050306030303" pitchFamily="18" charset="0"/>
+              </a:rPr>
+              <a:t>Warning:</a:t>
+            </a:r>
+            <a:endParaRPr lang="en-US" dirty="0">
+              <a:latin typeface="Sylfaen" panose="010A0502050306030303" pitchFamily="18" charset="0"/>
+            </a:endParaRPr>
           </a:p>
         </p:txBody>
       </p:sp>
@@ -6792,6 +6864,824 @@
 </p:sld>
 </file>
 
+<file path=ppt/slides/slide16.xml><?xml version="1.0" encoding="utf-8"?>
+<p:sld xmlns:a="http://schemas.openxmlformats.org/drawingml/2006/main" xmlns:r="http://schemas.openxmlformats.org/officeDocument/2006/relationships" xmlns:p="http://schemas.openxmlformats.org/presentationml/2006/main">
+  <p:cSld>
+    <p:spTree>
+      <p:nvGrpSpPr>
+        <p:cNvPr id="1" name=""/>
+        <p:cNvGrpSpPr/>
+        <p:nvPr/>
+      </p:nvGrpSpPr>
+      <p:grpSpPr>
+        <a:xfrm>
+          <a:off x="0" y="0"/>
+          <a:ext cx="0" cy="0"/>
+          <a:chOff x="0" y="0"/>
+          <a:chExt cx="0" cy="0"/>
+        </a:xfrm>
+      </p:grpSpPr>
+      <p:sp>
+        <p:nvSpPr>
+          <p:cNvPr id="2" name="Title 1">
+            <a:extLst>
+              <a:ext uri="{FF2B5EF4-FFF2-40B4-BE49-F238E27FC236}">
+                <a16:creationId xmlns:a16="http://schemas.microsoft.com/office/drawing/2014/main" id="{F39224E1-2703-4ACF-828B-02D1E2E39CF4}"/>
+              </a:ext>
+            </a:extLst>
+          </p:cNvPr>
+          <p:cNvSpPr>
+            <a:spLocks noGrp="1"/>
+          </p:cNvSpPr>
+          <p:nvPr>
+            <p:ph type="title"/>
+          </p:nvPr>
+        </p:nvSpPr>
+        <p:spPr>
+          <a:xfrm>
+            <a:off x="838200" y="0"/>
+            <a:ext cx="10515600" cy="1325563"/>
+          </a:xfrm>
+        </p:spPr>
+        <p:txBody>
+          <a:bodyPr/>
+          <a:lstStyle/>
+          <a:p>
+            <a:pPr algn="ctr"/>
+            <a:r>
+              <a:rPr lang="en-US">
+                <a:latin typeface="Sylfaen" panose="010A0502050306030303" pitchFamily="18" charset="0"/>
+              </a:rPr>
+              <a:t>Request Headers</a:t>
+            </a:r>
+          </a:p>
+        </p:txBody>
+      </p:sp>
+      <p:sp>
+        <p:nvSpPr>
+          <p:cNvPr id="3" name="Content Placeholder 2">
+            <a:extLst>
+              <a:ext uri="{FF2B5EF4-FFF2-40B4-BE49-F238E27FC236}">
+                <a16:creationId xmlns:a16="http://schemas.microsoft.com/office/drawing/2014/main" id="{0704D370-6BEC-44C2-BF4A-D96591470CA7}"/>
+              </a:ext>
+            </a:extLst>
+          </p:cNvPr>
+          <p:cNvSpPr>
+            <a:spLocks noGrp="1"/>
+          </p:cNvSpPr>
+          <p:nvPr>
+            <p:ph idx="1"/>
+          </p:nvPr>
+        </p:nvSpPr>
+        <p:spPr>
+          <a:xfrm>
+            <a:off x="838200" y="1398405"/>
+            <a:ext cx="10515600" cy="5459595"/>
+          </a:xfrm>
+        </p:spPr>
+        <p:txBody>
+          <a:bodyPr>
+            <a:normAutofit/>
+          </a:bodyPr>
+          <a:lstStyle/>
+          <a:p>
+            <a:pPr marL="0" indent="0">
+              <a:lnSpc>
+                <a:spcPct val="200000"/>
+              </a:lnSpc>
+              <a:buNone/>
+            </a:pPr>
+            <a:r>
+              <a:rPr lang="en-US">
+                <a:latin typeface="Sylfaen" panose="010A0502050306030303" pitchFamily="18" charset="0"/>
+              </a:rPr>
+              <a:t>Informational headers</a:t>
+            </a:r>
+          </a:p>
+          <a:p>
+            <a:pPr marL="0" indent="0">
+              <a:lnSpc>
+                <a:spcPct val="200000"/>
+              </a:lnSpc>
+              <a:buNone/>
+            </a:pPr>
+            <a:r>
+              <a:rPr lang="en-US">
+                <a:latin typeface="Sylfaen" panose="010A0502050306030303" pitchFamily="18" charset="0"/>
+              </a:rPr>
+              <a:t>Accept headers</a:t>
+            </a:r>
+          </a:p>
+          <a:p>
+            <a:pPr marL="0" indent="0">
+              <a:lnSpc>
+                <a:spcPct val="200000"/>
+              </a:lnSpc>
+              <a:buNone/>
+            </a:pPr>
+            <a:r>
+              <a:rPr lang="en-US">
+                <a:latin typeface="Sylfaen" panose="010A0502050306030303" pitchFamily="18" charset="0"/>
+              </a:rPr>
+              <a:t>Security headers</a:t>
+            </a:r>
+          </a:p>
+          <a:p>
+            <a:pPr marL="0" indent="0">
+              <a:lnSpc>
+                <a:spcPct val="200000"/>
+              </a:lnSpc>
+              <a:buNone/>
+            </a:pPr>
+            <a:r>
+              <a:rPr lang="en-US">
+                <a:latin typeface="Sylfaen" panose="010A0502050306030303" pitchFamily="18" charset="0"/>
+              </a:rPr>
+              <a:t>Conditional headers</a:t>
+            </a:r>
+          </a:p>
+          <a:p>
+            <a:pPr marL="0" indent="0">
+              <a:lnSpc>
+                <a:spcPct val="200000"/>
+              </a:lnSpc>
+              <a:buNone/>
+            </a:pPr>
+            <a:r>
+              <a:rPr lang="en-US">
+                <a:latin typeface="Sylfaen" panose="010A0502050306030303" pitchFamily="18" charset="0"/>
+              </a:rPr>
+              <a:t>Proxy headers</a:t>
+            </a:r>
+          </a:p>
+        </p:txBody>
+      </p:sp>
+      <p:cxnSp>
+        <p:nvCxnSpPr>
+          <p:cNvPr id="4" name="Straight Connector 3">
+            <a:extLst>
+              <a:ext uri="{FF2B5EF4-FFF2-40B4-BE49-F238E27FC236}">
+                <a16:creationId xmlns:a16="http://schemas.microsoft.com/office/drawing/2014/main" id="{B1F7A86C-AB7B-4582-86E3-F831524BB0AC}"/>
+              </a:ext>
+            </a:extLst>
+          </p:cNvPr>
+          <p:cNvCxnSpPr>
+            <a:cxnSpLocks/>
+          </p:cNvCxnSpPr>
+          <p:nvPr/>
+        </p:nvCxnSpPr>
+        <p:spPr>
+          <a:xfrm>
+            <a:off x="569235" y="1139414"/>
+            <a:ext cx="11053530" cy="0"/>
+          </a:xfrm>
+          <a:prstGeom prst="line">
+            <a:avLst/>
+          </a:prstGeom>
+        </p:spPr>
+        <p:style>
+          <a:lnRef idx="3">
+            <a:schemeClr val="accent1"/>
+          </a:lnRef>
+          <a:fillRef idx="0">
+            <a:schemeClr val="accent1"/>
+          </a:fillRef>
+          <a:effectRef idx="2">
+            <a:schemeClr val="accent1"/>
+          </a:effectRef>
+          <a:fontRef idx="minor">
+            <a:schemeClr val="tx1"/>
+          </a:fontRef>
+        </p:style>
+      </p:cxnSp>
+    </p:spTree>
+    <p:extLst>
+      <p:ext uri="{BB962C8B-B14F-4D97-AF65-F5344CB8AC3E}">
+        <p14:creationId xmlns:p14="http://schemas.microsoft.com/office/powerpoint/2010/main" val="2906954461"/>
+      </p:ext>
+    </p:extLst>
+  </p:cSld>
+  <p:clrMapOvr>
+    <a:masterClrMapping/>
+  </p:clrMapOvr>
+</p:sld>
+</file>
+
+<file path=ppt/slides/slide17.xml><?xml version="1.0" encoding="utf-8"?>
+<p:sld xmlns:a="http://schemas.openxmlformats.org/drawingml/2006/main" xmlns:r="http://schemas.openxmlformats.org/officeDocument/2006/relationships" xmlns:p="http://schemas.openxmlformats.org/presentationml/2006/main">
+  <p:cSld>
+    <p:spTree>
+      <p:nvGrpSpPr>
+        <p:cNvPr id="1" name=""/>
+        <p:cNvGrpSpPr/>
+        <p:nvPr/>
+      </p:nvGrpSpPr>
+      <p:grpSpPr>
+        <a:xfrm>
+          <a:off x="0" y="0"/>
+          <a:ext cx="0" cy="0"/>
+          <a:chOff x="0" y="0"/>
+          <a:chExt cx="0" cy="0"/>
+        </a:xfrm>
+      </p:grpSpPr>
+      <p:sp>
+        <p:nvSpPr>
+          <p:cNvPr id="2" name="Title 1">
+            <a:extLst>
+              <a:ext uri="{FF2B5EF4-FFF2-40B4-BE49-F238E27FC236}">
+                <a16:creationId xmlns:a16="http://schemas.microsoft.com/office/drawing/2014/main" id="{B52257E7-F3A5-433D-9B57-79F6A171BFA5}"/>
+              </a:ext>
+            </a:extLst>
+          </p:cNvPr>
+          <p:cNvSpPr>
+            <a:spLocks noGrp="1"/>
+          </p:cNvSpPr>
+          <p:nvPr>
+            <p:ph type="title"/>
+          </p:nvPr>
+        </p:nvSpPr>
+        <p:spPr>
+          <a:xfrm>
+            <a:off x="838200" y="0"/>
+            <a:ext cx="10515600" cy="1325563"/>
+          </a:xfrm>
+        </p:spPr>
+        <p:txBody>
+          <a:bodyPr/>
+          <a:lstStyle/>
+          <a:p>
+            <a:pPr algn="ctr"/>
+            <a:r>
+              <a:rPr lang="en-US">
+                <a:latin typeface="Sylfaen" panose="010A0502050306030303" pitchFamily="18" charset="0"/>
+              </a:rPr>
+              <a:t>Request Informational</a:t>
+            </a:r>
+            <a:r>
+              <a:rPr lang="hy-AM">
+                <a:latin typeface="Sylfaen" panose="010A0502050306030303" pitchFamily="18" charset="0"/>
+              </a:rPr>
+              <a:t> </a:t>
+            </a:r>
+            <a:r>
+              <a:rPr lang="en-US">
+                <a:latin typeface="Sylfaen" panose="010A0502050306030303" pitchFamily="18" charset="0"/>
+              </a:rPr>
+              <a:t>Headers</a:t>
+            </a:r>
+            <a:endParaRPr lang="en-US"/>
+          </a:p>
+        </p:txBody>
+      </p:sp>
+      <p:sp>
+        <p:nvSpPr>
+          <p:cNvPr id="3" name="Content Placeholder 2">
+            <a:extLst>
+              <a:ext uri="{FF2B5EF4-FFF2-40B4-BE49-F238E27FC236}">
+                <a16:creationId xmlns:a16="http://schemas.microsoft.com/office/drawing/2014/main" id="{A85E76A7-B144-4695-9AB5-2A84AFAB469E}"/>
+              </a:ext>
+            </a:extLst>
+          </p:cNvPr>
+          <p:cNvSpPr>
+            <a:spLocks noGrp="1"/>
+          </p:cNvSpPr>
+          <p:nvPr>
+            <p:ph idx="1"/>
+          </p:nvPr>
+        </p:nvSpPr>
+        <p:spPr>
+          <a:xfrm>
+            <a:off x="838200" y="1325563"/>
+            <a:ext cx="5397708" cy="5257712"/>
+          </a:xfrm>
+        </p:spPr>
+        <p:txBody>
+          <a:bodyPr>
+            <a:normAutofit/>
+          </a:bodyPr>
+          <a:lstStyle/>
+          <a:p>
+            <a:pPr marL="0" indent="0">
+              <a:lnSpc>
+                <a:spcPct val="210000"/>
+              </a:lnSpc>
+              <a:buNone/>
+            </a:pPr>
+            <a:r>
+              <a:rPr lang="en-US">
+                <a:latin typeface="Sylfaen" panose="010A0502050306030303" pitchFamily="18" charset="0"/>
+              </a:rPr>
+              <a:t>Client-IP</a:t>
+            </a:r>
+          </a:p>
+          <a:p>
+            <a:pPr marL="0" indent="0">
+              <a:lnSpc>
+                <a:spcPct val="210000"/>
+              </a:lnSpc>
+              <a:buNone/>
+            </a:pPr>
+            <a:r>
+              <a:rPr lang="en-US">
+                <a:latin typeface="Sylfaen" panose="010A0502050306030303" pitchFamily="18" charset="0"/>
+              </a:rPr>
+              <a:t>From: email</a:t>
+            </a:r>
+          </a:p>
+          <a:p>
+            <a:pPr marL="0" indent="0">
+              <a:lnSpc>
+                <a:spcPct val="210000"/>
+              </a:lnSpc>
+              <a:buNone/>
+            </a:pPr>
+            <a:r>
+              <a:rPr lang="en-US">
+                <a:latin typeface="Sylfaen" panose="010A0502050306030303" pitchFamily="18" charset="0"/>
+              </a:rPr>
+              <a:t>Host: host:port</a:t>
+            </a:r>
+          </a:p>
+          <a:p>
+            <a:pPr marL="0" indent="0">
+              <a:lnSpc>
+                <a:spcPct val="210000"/>
+              </a:lnSpc>
+              <a:buNone/>
+            </a:pPr>
+            <a:r>
+              <a:rPr lang="en-US">
+                <a:latin typeface="Sylfaen" panose="010A0502050306030303" pitchFamily="18" charset="0"/>
+              </a:rPr>
+              <a:t>Referer</a:t>
+            </a:r>
+            <a:r>
+              <a:rPr lang="hy-AM">
+                <a:latin typeface="Sylfaen" panose="010A0502050306030303" pitchFamily="18" charset="0"/>
+              </a:rPr>
+              <a:t>։ </a:t>
+            </a:r>
+            <a:r>
+              <a:rPr lang="en-US">
+                <a:latin typeface="Sylfaen" panose="010A0502050306030303" pitchFamily="18" charset="0"/>
+              </a:rPr>
+              <a:t>absoluteURI | relativeURI</a:t>
+            </a:r>
+          </a:p>
+          <a:p>
+            <a:pPr marL="0" indent="0">
+              <a:lnSpc>
+                <a:spcPct val="210000"/>
+              </a:lnSpc>
+              <a:buNone/>
+            </a:pPr>
+            <a:r>
+              <a:rPr lang="en-US">
+                <a:latin typeface="Sylfaen" panose="010A0502050306030303" pitchFamily="18" charset="0"/>
+              </a:rPr>
+              <a:t>User-Agent: product</a:t>
+            </a:r>
+          </a:p>
+          <a:p>
+            <a:pPr marL="0" indent="0">
+              <a:buNone/>
+            </a:pPr>
+            <a:endParaRPr lang="en-US"/>
+          </a:p>
+        </p:txBody>
+      </p:sp>
+      <p:cxnSp>
+        <p:nvCxnSpPr>
+          <p:cNvPr id="4" name="Straight Connector 3">
+            <a:extLst>
+              <a:ext uri="{FF2B5EF4-FFF2-40B4-BE49-F238E27FC236}">
+                <a16:creationId xmlns:a16="http://schemas.microsoft.com/office/drawing/2014/main" id="{BC115069-5A41-4E33-912E-C4E0A87D01BF}"/>
+              </a:ext>
+            </a:extLst>
+          </p:cNvPr>
+          <p:cNvCxnSpPr>
+            <a:cxnSpLocks/>
+          </p:cNvCxnSpPr>
+          <p:nvPr/>
+        </p:nvCxnSpPr>
+        <p:spPr>
+          <a:xfrm>
+            <a:off x="569235" y="1139414"/>
+            <a:ext cx="11053530" cy="0"/>
+          </a:xfrm>
+          <a:prstGeom prst="line">
+            <a:avLst/>
+          </a:prstGeom>
+        </p:spPr>
+        <p:style>
+          <a:lnRef idx="3">
+            <a:schemeClr val="accent1"/>
+          </a:lnRef>
+          <a:fillRef idx="0">
+            <a:schemeClr val="accent1"/>
+          </a:fillRef>
+          <a:effectRef idx="2">
+            <a:schemeClr val="accent1"/>
+          </a:effectRef>
+          <a:fontRef idx="minor">
+            <a:schemeClr val="tx1"/>
+          </a:fontRef>
+        </p:style>
+      </p:cxnSp>
+    </p:spTree>
+    <p:extLst>
+      <p:ext uri="{BB962C8B-B14F-4D97-AF65-F5344CB8AC3E}">
+        <p14:creationId xmlns:p14="http://schemas.microsoft.com/office/powerpoint/2010/main" val="1411626163"/>
+      </p:ext>
+    </p:extLst>
+  </p:cSld>
+  <p:clrMapOvr>
+    <a:masterClrMapping/>
+  </p:clrMapOvr>
+</p:sld>
+</file>
+
+<file path=ppt/slides/slide18.xml><?xml version="1.0" encoding="utf-8"?>
+<p:sld xmlns:a="http://schemas.openxmlformats.org/drawingml/2006/main" xmlns:r="http://schemas.openxmlformats.org/officeDocument/2006/relationships" xmlns:p="http://schemas.openxmlformats.org/presentationml/2006/main">
+  <p:cSld>
+    <p:spTree>
+      <p:nvGrpSpPr>
+        <p:cNvPr id="1" name=""/>
+        <p:cNvGrpSpPr/>
+        <p:nvPr/>
+      </p:nvGrpSpPr>
+      <p:grpSpPr>
+        <a:xfrm>
+          <a:off x="0" y="0"/>
+          <a:ext cx="0" cy="0"/>
+          <a:chOff x="0" y="0"/>
+          <a:chExt cx="0" cy="0"/>
+        </a:xfrm>
+      </p:grpSpPr>
+      <p:sp>
+        <p:nvSpPr>
+          <p:cNvPr id="2" name="Title 1">
+            <a:extLst>
+              <a:ext uri="{FF2B5EF4-FFF2-40B4-BE49-F238E27FC236}">
+                <a16:creationId xmlns:a16="http://schemas.microsoft.com/office/drawing/2014/main" id="{ADE2FE45-EFFD-4D85-9D85-F5471D3DE8CC}"/>
+              </a:ext>
+            </a:extLst>
+          </p:cNvPr>
+          <p:cNvSpPr>
+            <a:spLocks noGrp="1"/>
+          </p:cNvSpPr>
+          <p:nvPr>
+            <p:ph type="title"/>
+          </p:nvPr>
+        </p:nvSpPr>
+        <p:spPr>
+          <a:xfrm>
+            <a:off x="838200" y="0"/>
+            <a:ext cx="10515600" cy="1325563"/>
+          </a:xfrm>
+        </p:spPr>
+        <p:txBody>
+          <a:bodyPr/>
+          <a:lstStyle/>
+          <a:p>
+            <a:pPr algn="ctr"/>
+            <a:r>
+              <a:rPr lang="en-US">
+                <a:latin typeface="Sylfaen" panose="010A0502050306030303" pitchFamily="18" charset="0"/>
+              </a:rPr>
+              <a:t>Request Accept</a:t>
+            </a:r>
+            <a:r>
+              <a:rPr lang="hy-AM">
+                <a:latin typeface="Sylfaen" panose="010A0502050306030303" pitchFamily="18" charset="0"/>
+              </a:rPr>
+              <a:t> </a:t>
+            </a:r>
+            <a:r>
+              <a:rPr lang="en-US">
+                <a:latin typeface="Sylfaen" panose="010A0502050306030303" pitchFamily="18" charset="0"/>
+              </a:rPr>
+              <a:t>Headers</a:t>
+            </a:r>
+            <a:endParaRPr lang="en-US"/>
+          </a:p>
+        </p:txBody>
+      </p:sp>
+      <p:sp>
+        <p:nvSpPr>
+          <p:cNvPr id="3" name="Content Placeholder 2">
+            <a:extLst>
+              <a:ext uri="{FF2B5EF4-FFF2-40B4-BE49-F238E27FC236}">
+                <a16:creationId xmlns:a16="http://schemas.microsoft.com/office/drawing/2014/main" id="{B834C433-EDD2-4442-A868-570C99BFACAB}"/>
+              </a:ext>
+            </a:extLst>
+          </p:cNvPr>
+          <p:cNvSpPr>
+            <a:spLocks noGrp="1"/>
+          </p:cNvSpPr>
+          <p:nvPr>
+            <p:ph idx="1"/>
+          </p:nvPr>
+        </p:nvSpPr>
+        <p:spPr>
+          <a:xfrm>
+            <a:off x="838200" y="1660733"/>
+            <a:ext cx="6237157" cy="4351338"/>
+          </a:xfrm>
+        </p:spPr>
+        <p:txBody>
+          <a:bodyPr/>
+          <a:lstStyle/>
+          <a:p>
+            <a:pPr marL="0" indent="0">
+              <a:lnSpc>
+                <a:spcPct val="200000"/>
+              </a:lnSpc>
+              <a:buNone/>
+            </a:pPr>
+            <a:r>
+              <a:rPr lang="en-US">
+                <a:latin typeface="Sylfaen" panose="010A0502050306030303" pitchFamily="18" charset="0"/>
+              </a:rPr>
+              <a:t>Accept: type/subtype q=value</a:t>
+            </a:r>
+          </a:p>
+          <a:p>
+            <a:pPr marL="0" indent="0">
+              <a:lnSpc>
+                <a:spcPct val="200000"/>
+              </a:lnSpc>
+              <a:buNone/>
+            </a:pPr>
+            <a:r>
+              <a:rPr lang="en-US">
+                <a:latin typeface="Sylfaen" panose="010A0502050306030303" pitchFamily="18" charset="0"/>
+              </a:rPr>
+              <a:t>Accept-Charset: character_set q=value</a:t>
+            </a:r>
+          </a:p>
+          <a:p>
+            <a:pPr marL="0" indent="0">
+              <a:lnSpc>
+                <a:spcPct val="200000"/>
+              </a:lnSpc>
+              <a:buNone/>
+            </a:pPr>
+            <a:r>
+              <a:rPr lang="en-US">
+                <a:latin typeface="Sylfaen" panose="010A0502050306030303" pitchFamily="18" charset="0"/>
+              </a:rPr>
+              <a:t>Accept-Encoding: encoding_types</a:t>
+            </a:r>
+          </a:p>
+          <a:p>
+            <a:pPr marL="0" indent="0">
+              <a:lnSpc>
+                <a:spcPct val="200000"/>
+              </a:lnSpc>
+              <a:buNone/>
+            </a:pPr>
+            <a:r>
+              <a:rPr lang="en-US">
+                <a:latin typeface="Sylfaen" panose="010A0502050306030303" pitchFamily="18" charset="0"/>
+              </a:rPr>
+              <a:t>Accept-Language: language q=value</a:t>
+            </a:r>
+            <a:endParaRPr lang="hy-AM">
+              <a:latin typeface="Sylfaen" panose="010A0502050306030303" pitchFamily="18" charset="0"/>
+            </a:endParaRPr>
+          </a:p>
+          <a:p>
+            <a:pPr marL="0" indent="0">
+              <a:buNone/>
+            </a:pPr>
+            <a:endParaRPr lang="en-US"/>
+          </a:p>
+        </p:txBody>
+      </p:sp>
+      <p:cxnSp>
+        <p:nvCxnSpPr>
+          <p:cNvPr id="4" name="Straight Connector 3">
+            <a:extLst>
+              <a:ext uri="{FF2B5EF4-FFF2-40B4-BE49-F238E27FC236}">
+                <a16:creationId xmlns:a16="http://schemas.microsoft.com/office/drawing/2014/main" id="{9B7C473E-7381-4FB8-9747-A892129CBA6C}"/>
+              </a:ext>
+            </a:extLst>
+          </p:cNvPr>
+          <p:cNvCxnSpPr>
+            <a:cxnSpLocks/>
+          </p:cNvCxnSpPr>
+          <p:nvPr/>
+        </p:nvCxnSpPr>
+        <p:spPr>
+          <a:xfrm>
+            <a:off x="569235" y="1184385"/>
+            <a:ext cx="11053530" cy="0"/>
+          </a:xfrm>
+          <a:prstGeom prst="line">
+            <a:avLst/>
+          </a:prstGeom>
+        </p:spPr>
+        <p:style>
+          <a:lnRef idx="3">
+            <a:schemeClr val="accent1"/>
+          </a:lnRef>
+          <a:fillRef idx="0">
+            <a:schemeClr val="accent1"/>
+          </a:fillRef>
+          <a:effectRef idx="2">
+            <a:schemeClr val="accent1"/>
+          </a:effectRef>
+          <a:fontRef idx="minor">
+            <a:schemeClr val="tx1"/>
+          </a:fontRef>
+        </p:style>
+      </p:cxnSp>
+    </p:spTree>
+    <p:extLst>
+      <p:ext uri="{BB962C8B-B14F-4D97-AF65-F5344CB8AC3E}">
+        <p14:creationId xmlns:p14="http://schemas.microsoft.com/office/powerpoint/2010/main" val="3247822794"/>
+      </p:ext>
+    </p:extLst>
+  </p:cSld>
+  <p:clrMapOvr>
+    <a:masterClrMapping/>
+  </p:clrMapOvr>
+</p:sld>
+</file>
+
+<file path=ppt/slides/slide19.xml><?xml version="1.0" encoding="utf-8"?>
+<p:sld xmlns:a="http://schemas.openxmlformats.org/drawingml/2006/main" xmlns:r="http://schemas.openxmlformats.org/officeDocument/2006/relationships" xmlns:p="http://schemas.openxmlformats.org/presentationml/2006/main">
+  <p:cSld>
+    <p:spTree>
+      <p:nvGrpSpPr>
+        <p:cNvPr id="1" name=""/>
+        <p:cNvGrpSpPr/>
+        <p:nvPr/>
+      </p:nvGrpSpPr>
+      <p:grpSpPr>
+        <a:xfrm>
+          <a:off x="0" y="0"/>
+          <a:ext cx="0" cy="0"/>
+          <a:chOff x="0" y="0"/>
+          <a:chExt cx="0" cy="0"/>
+        </a:xfrm>
+      </p:grpSpPr>
+      <p:sp>
+        <p:nvSpPr>
+          <p:cNvPr id="2" name="Title 1">
+            <a:extLst>
+              <a:ext uri="{FF2B5EF4-FFF2-40B4-BE49-F238E27FC236}">
+                <a16:creationId xmlns:a16="http://schemas.microsoft.com/office/drawing/2014/main" id="{998E280C-9DA4-41DF-8BBA-4E6CBF174841}"/>
+              </a:ext>
+            </a:extLst>
+          </p:cNvPr>
+          <p:cNvSpPr>
+            <a:spLocks noGrp="1"/>
+          </p:cNvSpPr>
+          <p:nvPr>
+            <p:ph type="title"/>
+          </p:nvPr>
+        </p:nvSpPr>
+        <p:spPr>
+          <a:xfrm>
+            <a:off x="838200" y="0"/>
+            <a:ext cx="10515600" cy="1325563"/>
+          </a:xfrm>
+        </p:spPr>
+        <p:txBody>
+          <a:bodyPr/>
+          <a:lstStyle/>
+          <a:p>
+            <a:pPr algn="ctr"/>
+            <a:r>
+              <a:rPr lang="en-US">
+                <a:latin typeface="Sylfaen" panose="010A0502050306030303" pitchFamily="18" charset="0"/>
+              </a:rPr>
+              <a:t>Request Security</a:t>
+            </a:r>
+            <a:r>
+              <a:rPr lang="hy-AM">
+                <a:latin typeface="Sylfaen" panose="010A0502050306030303" pitchFamily="18" charset="0"/>
+              </a:rPr>
+              <a:t> </a:t>
+            </a:r>
+            <a:r>
+              <a:rPr lang="en-US">
+                <a:latin typeface="Sylfaen" panose="010A0502050306030303" pitchFamily="18" charset="0"/>
+              </a:rPr>
+              <a:t>Headers</a:t>
+            </a:r>
+            <a:endParaRPr lang="en-US"/>
+          </a:p>
+        </p:txBody>
+      </p:sp>
+      <p:sp>
+        <p:nvSpPr>
+          <p:cNvPr id="3" name="Content Placeholder 2">
+            <a:extLst>
+              <a:ext uri="{FF2B5EF4-FFF2-40B4-BE49-F238E27FC236}">
+                <a16:creationId xmlns:a16="http://schemas.microsoft.com/office/drawing/2014/main" id="{6E713848-E067-47DF-ADAF-BE1940FB6175}"/>
+              </a:ext>
+            </a:extLst>
+          </p:cNvPr>
+          <p:cNvSpPr>
+            <a:spLocks noGrp="1"/>
+          </p:cNvSpPr>
+          <p:nvPr>
+            <p:ph idx="1"/>
+          </p:nvPr>
+        </p:nvSpPr>
+        <p:spPr>
+          <a:xfrm>
+            <a:off x="838200" y="2150184"/>
+            <a:ext cx="4333407" cy="2281680"/>
+          </a:xfrm>
+        </p:spPr>
+        <p:txBody>
+          <a:bodyPr/>
+          <a:lstStyle/>
+          <a:p>
+            <a:pPr marL="0" indent="0">
+              <a:lnSpc>
+                <a:spcPct val="200000"/>
+              </a:lnSpc>
+              <a:buNone/>
+            </a:pPr>
+            <a:r>
+              <a:rPr lang="en-US">
+                <a:latin typeface="Sylfaen" panose="010A0502050306030303" pitchFamily="18" charset="0"/>
+              </a:rPr>
+              <a:t>Authorization: credentials</a:t>
+            </a:r>
+          </a:p>
+          <a:p>
+            <a:pPr marL="0" indent="0">
+              <a:lnSpc>
+                <a:spcPct val="200000"/>
+              </a:lnSpc>
+              <a:buNone/>
+            </a:pPr>
+            <a:r>
+              <a:rPr lang="en-US">
+                <a:latin typeface="Sylfaen" panose="010A0502050306030303" pitchFamily="18" charset="0"/>
+              </a:rPr>
+              <a:t>Cookie: name=value</a:t>
+            </a:r>
+          </a:p>
+        </p:txBody>
+      </p:sp>
+      <p:cxnSp>
+        <p:nvCxnSpPr>
+          <p:cNvPr id="4" name="Straight Connector 3">
+            <a:extLst>
+              <a:ext uri="{FF2B5EF4-FFF2-40B4-BE49-F238E27FC236}">
+                <a16:creationId xmlns:a16="http://schemas.microsoft.com/office/drawing/2014/main" id="{D6B7875D-2365-4D60-B05D-B3E761795718}"/>
+              </a:ext>
+            </a:extLst>
+          </p:cNvPr>
+          <p:cNvCxnSpPr>
+            <a:cxnSpLocks/>
+          </p:cNvCxnSpPr>
+          <p:nvPr/>
+        </p:nvCxnSpPr>
+        <p:spPr>
+          <a:xfrm>
+            <a:off x="569235" y="1184385"/>
+            <a:ext cx="11053530" cy="0"/>
+          </a:xfrm>
+          <a:prstGeom prst="line">
+            <a:avLst/>
+          </a:prstGeom>
+        </p:spPr>
+        <p:style>
+          <a:lnRef idx="3">
+            <a:schemeClr val="accent1"/>
+          </a:lnRef>
+          <a:fillRef idx="0">
+            <a:schemeClr val="accent1"/>
+          </a:fillRef>
+          <a:effectRef idx="2">
+            <a:schemeClr val="accent1"/>
+          </a:effectRef>
+          <a:fontRef idx="minor">
+            <a:schemeClr val="tx1"/>
+          </a:fontRef>
+        </p:style>
+      </p:cxnSp>
+    </p:spTree>
+    <p:extLst>
+      <p:ext uri="{BB962C8B-B14F-4D97-AF65-F5344CB8AC3E}">
+        <p14:creationId xmlns:p14="http://schemas.microsoft.com/office/powerpoint/2010/main" val="2073924240"/>
+      </p:ext>
+    </p:extLst>
+  </p:cSld>
+  <p:clrMapOvr>
+    <a:masterClrMapping/>
+  </p:clrMapOvr>
+</p:sld>
+</file>
+
 <file path=ppt/slides/slide2.xml><?xml version="1.0" encoding="utf-8"?>
 <p:sld xmlns:a="http://schemas.openxmlformats.org/drawingml/2006/main" xmlns:r="http://schemas.openxmlformats.org/officeDocument/2006/relationships" xmlns:p="http://schemas.openxmlformats.org/presentationml/2006/main">
   <p:cSld>
@@ -6920,6 +7810,791 @@
     <p:extLst>
       <p:ext uri="{BB962C8B-B14F-4D97-AF65-F5344CB8AC3E}">
         <p14:creationId xmlns:p14="http://schemas.microsoft.com/office/powerpoint/2010/main" val="4226174135"/>
+      </p:ext>
+    </p:extLst>
+  </p:cSld>
+  <p:clrMapOvr>
+    <a:masterClrMapping/>
+  </p:clrMapOvr>
+</p:sld>
+</file>
+
+<file path=ppt/slides/slide20.xml><?xml version="1.0" encoding="utf-8"?>
+<p:sld xmlns:a="http://schemas.openxmlformats.org/drawingml/2006/main" xmlns:r="http://schemas.openxmlformats.org/officeDocument/2006/relationships" xmlns:p="http://schemas.openxmlformats.org/presentationml/2006/main">
+  <p:cSld>
+    <p:spTree>
+      <p:nvGrpSpPr>
+        <p:cNvPr id="1" name=""/>
+        <p:cNvGrpSpPr/>
+        <p:nvPr/>
+      </p:nvGrpSpPr>
+      <p:grpSpPr>
+        <a:xfrm>
+          <a:off x="0" y="0"/>
+          <a:ext cx="0" cy="0"/>
+          <a:chOff x="0" y="0"/>
+          <a:chExt cx="0" cy="0"/>
+        </a:xfrm>
+      </p:grpSpPr>
+      <p:sp>
+        <p:nvSpPr>
+          <p:cNvPr id="2" name="Title 1">
+            <a:extLst>
+              <a:ext uri="{FF2B5EF4-FFF2-40B4-BE49-F238E27FC236}">
+                <a16:creationId xmlns:a16="http://schemas.microsoft.com/office/drawing/2014/main" id="{F4AED645-23E6-4DCA-926D-5C0ACDBF26DC}"/>
+              </a:ext>
+            </a:extLst>
+          </p:cNvPr>
+          <p:cNvSpPr>
+            <a:spLocks noGrp="1"/>
+          </p:cNvSpPr>
+          <p:nvPr>
+            <p:ph type="title"/>
+          </p:nvPr>
+        </p:nvSpPr>
+        <p:spPr>
+          <a:xfrm>
+            <a:off x="838200" y="18255"/>
+            <a:ext cx="10515600" cy="1325563"/>
+          </a:xfrm>
+        </p:spPr>
+        <p:txBody>
+          <a:bodyPr/>
+          <a:lstStyle/>
+          <a:p>
+            <a:pPr algn="ctr"/>
+            <a:r>
+              <a:rPr lang="en-US">
+                <a:latin typeface="Sylfaen" panose="010A0502050306030303" pitchFamily="18" charset="0"/>
+              </a:rPr>
+              <a:t>Conditional Request Headers</a:t>
+            </a:r>
+            <a:endParaRPr lang="en-US"/>
+          </a:p>
+        </p:txBody>
+      </p:sp>
+      <p:sp>
+        <p:nvSpPr>
+          <p:cNvPr id="3" name="Content Placeholder 2">
+            <a:extLst>
+              <a:ext uri="{FF2B5EF4-FFF2-40B4-BE49-F238E27FC236}">
+                <a16:creationId xmlns:a16="http://schemas.microsoft.com/office/drawing/2014/main" id="{838B87A6-3BE7-474A-AC72-8D1A2EA41215}"/>
+              </a:ext>
+            </a:extLst>
+          </p:cNvPr>
+          <p:cNvSpPr>
+            <a:spLocks noGrp="1"/>
+          </p:cNvSpPr>
+          <p:nvPr>
+            <p:ph idx="1"/>
+          </p:nvPr>
+        </p:nvSpPr>
+        <p:spPr>
+          <a:xfrm>
+            <a:off x="838200" y="1325729"/>
+            <a:ext cx="6162207" cy="5514016"/>
+          </a:xfrm>
+        </p:spPr>
+        <p:txBody>
+          <a:bodyPr>
+            <a:normAutofit/>
+          </a:bodyPr>
+          <a:lstStyle/>
+          <a:p>
+            <a:pPr marL="0" indent="0">
+              <a:lnSpc>
+                <a:spcPct val="150000"/>
+              </a:lnSpc>
+              <a:buNone/>
+            </a:pPr>
+            <a:r>
+              <a:rPr lang="en-US">
+                <a:latin typeface="Sylfaen" panose="010A0502050306030303" pitchFamily="18" charset="0"/>
+              </a:rPr>
+              <a:t>Expect: expectation-extension</a:t>
+            </a:r>
+            <a:endParaRPr lang="hy-AM">
+              <a:latin typeface="Sylfaen" panose="010A0502050306030303" pitchFamily="18" charset="0"/>
+            </a:endParaRPr>
+          </a:p>
+          <a:p>
+            <a:pPr marL="0" indent="0">
+              <a:lnSpc>
+                <a:spcPct val="150000"/>
+              </a:lnSpc>
+              <a:buNone/>
+            </a:pPr>
+            <a:r>
+              <a:rPr lang="en-US">
+                <a:latin typeface="Sylfaen" panose="010A0502050306030303" pitchFamily="18" charset="0"/>
+              </a:rPr>
+              <a:t>If-Match: tag</a:t>
+            </a:r>
+            <a:endParaRPr lang="hy-AM">
+              <a:latin typeface="Sylfaen" panose="010A0502050306030303" pitchFamily="18" charset="0"/>
+            </a:endParaRPr>
+          </a:p>
+          <a:p>
+            <a:pPr marL="0" indent="0">
+              <a:lnSpc>
+                <a:spcPct val="150000"/>
+              </a:lnSpc>
+              <a:buNone/>
+            </a:pPr>
+            <a:r>
+              <a:rPr lang="en-US">
+                <a:latin typeface="Sylfaen" panose="010A0502050306030303" pitchFamily="18" charset="0"/>
+              </a:rPr>
+              <a:t>If</a:t>
+            </a:r>
+            <a:r>
+              <a:rPr lang="hy-AM">
+                <a:latin typeface="Sylfaen" panose="010A0502050306030303" pitchFamily="18" charset="0"/>
+              </a:rPr>
+              <a:t>-</a:t>
+            </a:r>
+            <a:r>
+              <a:rPr lang="en-US">
+                <a:latin typeface="Sylfaen" panose="010A0502050306030303" pitchFamily="18" charset="0"/>
+              </a:rPr>
+              <a:t>None-Match: tag</a:t>
+            </a:r>
+          </a:p>
+          <a:p>
+            <a:pPr marL="0" indent="0">
+              <a:lnSpc>
+                <a:spcPct val="150000"/>
+              </a:lnSpc>
+              <a:buNone/>
+            </a:pPr>
+            <a:r>
+              <a:rPr lang="en-US">
+                <a:latin typeface="Sylfaen" panose="010A0502050306030303" pitchFamily="18" charset="0"/>
+              </a:rPr>
+              <a:t>If-Modified-Since: date</a:t>
+            </a:r>
+          </a:p>
+          <a:p>
+            <a:pPr marL="0" indent="0">
+              <a:lnSpc>
+                <a:spcPct val="150000"/>
+              </a:lnSpc>
+              <a:buNone/>
+            </a:pPr>
+            <a:r>
+              <a:rPr lang="en-US">
+                <a:latin typeface="Sylfaen" panose="010A0502050306030303" pitchFamily="18" charset="0"/>
+              </a:rPr>
+              <a:t>If-Unmodified-Since: date</a:t>
+            </a:r>
+          </a:p>
+          <a:p>
+            <a:pPr marL="0" indent="0">
+              <a:lnSpc>
+                <a:spcPct val="150000"/>
+              </a:lnSpc>
+              <a:buNone/>
+            </a:pPr>
+            <a:r>
+              <a:rPr lang="en-US">
+                <a:latin typeface="Sylfaen" panose="010A0502050306030303" pitchFamily="18" charset="0"/>
+              </a:rPr>
+              <a:t>If-Range: tag | date</a:t>
+            </a:r>
+          </a:p>
+          <a:p>
+            <a:pPr marL="0" indent="0">
+              <a:lnSpc>
+                <a:spcPct val="150000"/>
+              </a:lnSpc>
+              <a:buNone/>
+            </a:pPr>
+            <a:r>
+              <a:rPr lang="en-US">
+                <a:latin typeface="Sylfaen" panose="010A0502050306030303" pitchFamily="18" charset="0"/>
+              </a:rPr>
+              <a:t>Range: bytes=0-499</a:t>
+            </a:r>
+          </a:p>
+          <a:p>
+            <a:pPr marL="0" indent="0">
+              <a:lnSpc>
+                <a:spcPct val="150000"/>
+              </a:lnSpc>
+              <a:buNone/>
+            </a:pPr>
+            <a:endParaRPr lang="en-US">
+              <a:latin typeface="Sylfaen" panose="010A0502050306030303" pitchFamily="18" charset="0"/>
+            </a:endParaRPr>
+          </a:p>
+        </p:txBody>
+      </p:sp>
+      <p:cxnSp>
+        <p:nvCxnSpPr>
+          <p:cNvPr id="4" name="Straight Connector 3">
+            <a:extLst>
+              <a:ext uri="{FF2B5EF4-FFF2-40B4-BE49-F238E27FC236}">
+                <a16:creationId xmlns:a16="http://schemas.microsoft.com/office/drawing/2014/main" id="{208F4D16-2BF7-4CB4-9750-DE54C37F56EE}"/>
+              </a:ext>
+            </a:extLst>
+          </p:cNvPr>
+          <p:cNvCxnSpPr>
+            <a:cxnSpLocks/>
+          </p:cNvCxnSpPr>
+          <p:nvPr/>
+        </p:nvCxnSpPr>
+        <p:spPr>
+          <a:xfrm>
+            <a:off x="569235" y="1169394"/>
+            <a:ext cx="11053530" cy="0"/>
+          </a:xfrm>
+          <a:prstGeom prst="line">
+            <a:avLst/>
+          </a:prstGeom>
+        </p:spPr>
+        <p:style>
+          <a:lnRef idx="3">
+            <a:schemeClr val="accent1"/>
+          </a:lnRef>
+          <a:fillRef idx="0">
+            <a:schemeClr val="accent1"/>
+          </a:fillRef>
+          <a:effectRef idx="2">
+            <a:schemeClr val="accent1"/>
+          </a:effectRef>
+          <a:fontRef idx="minor">
+            <a:schemeClr val="tx1"/>
+          </a:fontRef>
+        </p:style>
+      </p:cxnSp>
+    </p:spTree>
+    <p:extLst>
+      <p:ext uri="{BB962C8B-B14F-4D97-AF65-F5344CB8AC3E}">
+        <p14:creationId xmlns:p14="http://schemas.microsoft.com/office/powerpoint/2010/main" val="1689028409"/>
+      </p:ext>
+    </p:extLst>
+  </p:cSld>
+  <p:clrMapOvr>
+    <a:masterClrMapping/>
+  </p:clrMapOvr>
+</p:sld>
+</file>
+
+<file path=ppt/slides/slide21.xml><?xml version="1.0" encoding="utf-8"?>
+<p:sld xmlns:a="http://schemas.openxmlformats.org/drawingml/2006/main" xmlns:r="http://schemas.openxmlformats.org/officeDocument/2006/relationships" xmlns:p="http://schemas.openxmlformats.org/presentationml/2006/main">
+  <p:cSld>
+    <p:spTree>
+      <p:nvGrpSpPr>
+        <p:cNvPr id="1" name=""/>
+        <p:cNvGrpSpPr/>
+        <p:nvPr/>
+      </p:nvGrpSpPr>
+      <p:grpSpPr>
+        <a:xfrm>
+          <a:off x="0" y="0"/>
+          <a:ext cx="0" cy="0"/>
+          <a:chOff x="0" y="0"/>
+          <a:chExt cx="0" cy="0"/>
+        </a:xfrm>
+      </p:grpSpPr>
+      <p:sp>
+        <p:nvSpPr>
+          <p:cNvPr id="2" name="Title 1">
+            <a:extLst>
+              <a:ext uri="{FF2B5EF4-FFF2-40B4-BE49-F238E27FC236}">
+                <a16:creationId xmlns:a16="http://schemas.microsoft.com/office/drawing/2014/main" id="{1B010AAB-E966-4F2B-A355-37BCE75632FF}"/>
+              </a:ext>
+            </a:extLst>
+          </p:cNvPr>
+          <p:cNvSpPr>
+            <a:spLocks noGrp="1"/>
+          </p:cNvSpPr>
+          <p:nvPr>
+            <p:ph type="title"/>
+          </p:nvPr>
+        </p:nvSpPr>
+        <p:spPr>
+          <a:xfrm>
+            <a:off x="838200" y="0"/>
+            <a:ext cx="10515600" cy="1325563"/>
+          </a:xfrm>
+        </p:spPr>
+        <p:txBody>
+          <a:bodyPr/>
+          <a:lstStyle/>
+          <a:p>
+            <a:pPr algn="ctr"/>
+            <a:r>
+              <a:rPr lang="en-US">
+                <a:latin typeface="Sylfaen" panose="010A0502050306030303" pitchFamily="18" charset="0"/>
+              </a:rPr>
+              <a:t>Proxy Request Headers</a:t>
+            </a:r>
+            <a:endParaRPr lang="en-US"/>
+          </a:p>
+        </p:txBody>
+      </p:sp>
+      <p:sp>
+        <p:nvSpPr>
+          <p:cNvPr id="3" name="Content Placeholder 2">
+            <a:extLst>
+              <a:ext uri="{FF2B5EF4-FFF2-40B4-BE49-F238E27FC236}">
+                <a16:creationId xmlns:a16="http://schemas.microsoft.com/office/drawing/2014/main" id="{278B964E-7614-4610-9892-AD175030CC3A}"/>
+              </a:ext>
+            </a:extLst>
+          </p:cNvPr>
+          <p:cNvSpPr>
+            <a:spLocks noGrp="1"/>
+          </p:cNvSpPr>
+          <p:nvPr>
+            <p:ph idx="1"/>
+          </p:nvPr>
+        </p:nvSpPr>
+        <p:spPr>
+          <a:xfrm>
+            <a:off x="838200" y="2398749"/>
+            <a:ext cx="6626902" cy="2311660"/>
+          </a:xfrm>
+        </p:spPr>
+        <p:txBody>
+          <a:bodyPr/>
+          <a:lstStyle/>
+          <a:p>
+            <a:pPr marL="0" indent="0">
+              <a:lnSpc>
+                <a:spcPct val="200000"/>
+              </a:lnSpc>
+              <a:buNone/>
+            </a:pPr>
+            <a:r>
+              <a:rPr lang="en-US">
+                <a:latin typeface="Sylfaen" panose="010A0502050306030303" pitchFamily="18" charset="0"/>
+              </a:rPr>
+              <a:t>Max-Forwards: n</a:t>
+            </a:r>
+            <a:endParaRPr lang="hy-AM">
+              <a:latin typeface="Sylfaen" panose="010A0502050306030303" pitchFamily="18" charset="0"/>
+            </a:endParaRPr>
+          </a:p>
+          <a:p>
+            <a:pPr marL="0" indent="0">
+              <a:lnSpc>
+                <a:spcPct val="200000"/>
+              </a:lnSpc>
+              <a:buNone/>
+            </a:pPr>
+            <a:r>
+              <a:rPr lang="en-US">
+                <a:latin typeface="Sylfaen" panose="010A0502050306030303" pitchFamily="18" charset="0"/>
+              </a:rPr>
+              <a:t>Proxy-Authorization: credentials</a:t>
+            </a:r>
+            <a:endParaRPr lang="hy-AM">
+              <a:latin typeface="Sylfaen" panose="010A0502050306030303" pitchFamily="18" charset="0"/>
+            </a:endParaRPr>
+          </a:p>
+          <a:p>
+            <a:pPr marL="0" indent="0">
+              <a:buNone/>
+            </a:pPr>
+            <a:endParaRPr lang="en-US"/>
+          </a:p>
+        </p:txBody>
+      </p:sp>
+      <p:cxnSp>
+        <p:nvCxnSpPr>
+          <p:cNvPr id="4" name="Straight Connector 3">
+            <a:extLst>
+              <a:ext uri="{FF2B5EF4-FFF2-40B4-BE49-F238E27FC236}">
+                <a16:creationId xmlns:a16="http://schemas.microsoft.com/office/drawing/2014/main" id="{DE84F19D-829D-422F-90B6-D6BD8A9C8614}"/>
+              </a:ext>
+            </a:extLst>
+          </p:cNvPr>
+          <p:cNvCxnSpPr>
+            <a:cxnSpLocks/>
+          </p:cNvCxnSpPr>
+          <p:nvPr/>
+        </p:nvCxnSpPr>
+        <p:spPr>
+          <a:xfrm>
+            <a:off x="569235" y="1199374"/>
+            <a:ext cx="11053530" cy="0"/>
+          </a:xfrm>
+          <a:prstGeom prst="line">
+            <a:avLst/>
+          </a:prstGeom>
+        </p:spPr>
+        <p:style>
+          <a:lnRef idx="3">
+            <a:schemeClr val="accent1"/>
+          </a:lnRef>
+          <a:fillRef idx="0">
+            <a:schemeClr val="accent1"/>
+          </a:fillRef>
+          <a:effectRef idx="2">
+            <a:schemeClr val="accent1"/>
+          </a:effectRef>
+          <a:fontRef idx="minor">
+            <a:schemeClr val="tx1"/>
+          </a:fontRef>
+        </p:style>
+      </p:cxnSp>
+    </p:spTree>
+    <p:extLst>
+      <p:ext uri="{BB962C8B-B14F-4D97-AF65-F5344CB8AC3E}">
+        <p14:creationId xmlns:p14="http://schemas.microsoft.com/office/powerpoint/2010/main" val="3643151142"/>
+      </p:ext>
+    </p:extLst>
+  </p:cSld>
+  <p:clrMapOvr>
+    <a:masterClrMapping/>
+  </p:clrMapOvr>
+</p:sld>
+</file>
+
+<file path=ppt/slides/slide22.xml><?xml version="1.0" encoding="utf-8"?>
+<p:sld xmlns:a="http://schemas.openxmlformats.org/drawingml/2006/main" xmlns:r="http://schemas.openxmlformats.org/officeDocument/2006/relationships" xmlns:p="http://schemas.openxmlformats.org/presentationml/2006/main">
+  <p:cSld>
+    <p:spTree>
+      <p:nvGrpSpPr>
+        <p:cNvPr id="1" name=""/>
+        <p:cNvGrpSpPr/>
+        <p:nvPr/>
+      </p:nvGrpSpPr>
+      <p:grpSpPr>
+        <a:xfrm>
+          <a:off x="0" y="0"/>
+          <a:ext cx="0" cy="0"/>
+          <a:chOff x="0" y="0"/>
+          <a:chExt cx="0" cy="0"/>
+        </a:xfrm>
+      </p:grpSpPr>
+      <p:sp>
+        <p:nvSpPr>
+          <p:cNvPr id="2" name="Title 1">
+            <a:extLst>
+              <a:ext uri="{FF2B5EF4-FFF2-40B4-BE49-F238E27FC236}">
+                <a16:creationId xmlns:a16="http://schemas.microsoft.com/office/drawing/2014/main" id="{6477FEE9-BC48-4C5D-92B4-68220CE93BB1}"/>
+              </a:ext>
+            </a:extLst>
+          </p:cNvPr>
+          <p:cNvSpPr>
+            <a:spLocks noGrp="1"/>
+          </p:cNvSpPr>
+          <p:nvPr>
+            <p:ph type="title"/>
+          </p:nvPr>
+        </p:nvSpPr>
+        <p:spPr>
+          <a:xfrm>
+            <a:off x="838200" y="18255"/>
+            <a:ext cx="10515600" cy="1325563"/>
+          </a:xfrm>
+        </p:spPr>
+        <p:txBody>
+          <a:bodyPr/>
+          <a:lstStyle/>
+          <a:p>
+            <a:pPr algn="ctr"/>
+            <a:r>
+              <a:rPr lang="en-US">
+                <a:latin typeface="Sylfaen" panose="010A0502050306030303" pitchFamily="18" charset="0"/>
+              </a:rPr>
+              <a:t>Response</a:t>
+            </a:r>
+            <a:r>
+              <a:rPr lang="hy-AM">
+                <a:latin typeface="Sylfaen" panose="010A0502050306030303" pitchFamily="18" charset="0"/>
+              </a:rPr>
+              <a:t> </a:t>
+            </a:r>
+            <a:r>
+              <a:rPr lang="en-US">
+                <a:latin typeface="Sylfaen" panose="010A0502050306030303" pitchFamily="18" charset="0"/>
+              </a:rPr>
+              <a:t>Informational Headers</a:t>
+            </a:r>
+            <a:endParaRPr lang="en-US"/>
+          </a:p>
+        </p:txBody>
+      </p:sp>
+      <p:sp>
+        <p:nvSpPr>
+          <p:cNvPr id="3" name="Content Placeholder 2">
+            <a:extLst>
+              <a:ext uri="{FF2B5EF4-FFF2-40B4-BE49-F238E27FC236}">
+                <a16:creationId xmlns:a16="http://schemas.microsoft.com/office/drawing/2014/main" id="{B73F83B8-E31E-4373-9BD0-E64C71C8DB81}"/>
+              </a:ext>
+            </a:extLst>
+          </p:cNvPr>
+          <p:cNvSpPr>
+            <a:spLocks noGrp="1"/>
+          </p:cNvSpPr>
+          <p:nvPr>
+            <p:ph idx="1"/>
+          </p:nvPr>
+        </p:nvSpPr>
+        <p:spPr>
+          <a:xfrm>
+            <a:off x="838200" y="2524937"/>
+            <a:ext cx="10515600" cy="2656435"/>
+          </a:xfrm>
+        </p:spPr>
+        <p:txBody>
+          <a:bodyPr>
+            <a:normAutofit/>
+          </a:bodyPr>
+          <a:lstStyle/>
+          <a:p>
+            <a:pPr marL="0" indent="0">
+              <a:lnSpc>
+                <a:spcPct val="150000"/>
+              </a:lnSpc>
+              <a:buNone/>
+            </a:pPr>
+            <a:r>
+              <a:rPr lang="en-US">
+                <a:latin typeface="Sylfaen" panose="010A0502050306030303" pitchFamily="18" charset="0"/>
+              </a:rPr>
+              <a:t>Age: seconds</a:t>
+            </a:r>
+            <a:endParaRPr lang="hy-AM">
+              <a:latin typeface="Sylfaen" panose="010A0502050306030303" pitchFamily="18" charset="0"/>
+            </a:endParaRPr>
+          </a:p>
+          <a:p>
+            <a:pPr marL="0" indent="0">
+              <a:lnSpc>
+                <a:spcPct val="150000"/>
+              </a:lnSpc>
+              <a:buNone/>
+            </a:pPr>
+            <a:r>
+              <a:rPr lang="en-US">
+                <a:latin typeface="Sylfaen" panose="010A0502050306030303" pitchFamily="18" charset="0"/>
+              </a:rPr>
+              <a:t>Retry-After: date | seconds</a:t>
+            </a:r>
+          </a:p>
+          <a:p>
+            <a:pPr marL="0" indent="0">
+              <a:lnSpc>
+                <a:spcPct val="150000"/>
+              </a:lnSpc>
+              <a:buNone/>
+            </a:pPr>
+            <a:r>
+              <a:rPr lang="en-US">
+                <a:latin typeface="Sylfaen" panose="010A0502050306030303" pitchFamily="18" charset="0"/>
+              </a:rPr>
+              <a:t>Server</a:t>
+            </a:r>
+            <a:r>
+              <a:rPr lang="hy-AM">
+                <a:latin typeface="Sylfaen" panose="010A0502050306030303" pitchFamily="18" charset="0"/>
+              </a:rPr>
+              <a:t>։ </a:t>
+            </a:r>
+            <a:r>
+              <a:rPr lang="en-US">
+                <a:latin typeface="Sylfaen" panose="010A0502050306030303" pitchFamily="18" charset="0"/>
+              </a:rPr>
+              <a:t>product</a:t>
+            </a:r>
+          </a:p>
+        </p:txBody>
+      </p:sp>
+      <p:cxnSp>
+        <p:nvCxnSpPr>
+          <p:cNvPr id="4" name="Straight Connector 3">
+            <a:extLst>
+              <a:ext uri="{FF2B5EF4-FFF2-40B4-BE49-F238E27FC236}">
+                <a16:creationId xmlns:a16="http://schemas.microsoft.com/office/drawing/2014/main" id="{1ECDE09A-B742-4AE7-B9BC-631B69936246}"/>
+              </a:ext>
+            </a:extLst>
+          </p:cNvPr>
+          <p:cNvCxnSpPr>
+            <a:cxnSpLocks/>
+          </p:cNvCxnSpPr>
+          <p:nvPr/>
+        </p:nvCxnSpPr>
+        <p:spPr>
+          <a:xfrm>
+            <a:off x="569235" y="1199374"/>
+            <a:ext cx="11053530" cy="0"/>
+          </a:xfrm>
+          <a:prstGeom prst="line">
+            <a:avLst/>
+          </a:prstGeom>
+        </p:spPr>
+        <p:style>
+          <a:lnRef idx="3">
+            <a:schemeClr val="accent1"/>
+          </a:lnRef>
+          <a:fillRef idx="0">
+            <a:schemeClr val="accent1"/>
+          </a:fillRef>
+          <a:effectRef idx="2">
+            <a:schemeClr val="accent1"/>
+          </a:effectRef>
+          <a:fontRef idx="minor">
+            <a:schemeClr val="tx1"/>
+          </a:fontRef>
+        </p:style>
+      </p:cxnSp>
+    </p:spTree>
+    <p:extLst>
+      <p:ext uri="{BB962C8B-B14F-4D97-AF65-F5344CB8AC3E}">
+        <p14:creationId xmlns:p14="http://schemas.microsoft.com/office/powerpoint/2010/main" val="1199920873"/>
+      </p:ext>
+    </p:extLst>
+  </p:cSld>
+  <p:clrMapOvr>
+    <a:masterClrMapping/>
+  </p:clrMapOvr>
+</p:sld>
+</file>
+
+<file path=ppt/slides/slide23.xml><?xml version="1.0" encoding="utf-8"?>
+<p:sld xmlns:a="http://schemas.openxmlformats.org/drawingml/2006/main" xmlns:r="http://schemas.openxmlformats.org/officeDocument/2006/relationships" xmlns:p="http://schemas.openxmlformats.org/presentationml/2006/main">
+  <p:cSld>
+    <p:spTree>
+      <p:nvGrpSpPr>
+        <p:cNvPr id="1" name=""/>
+        <p:cNvGrpSpPr/>
+        <p:nvPr/>
+      </p:nvGrpSpPr>
+      <p:grpSpPr>
+        <a:xfrm>
+          <a:off x="0" y="0"/>
+          <a:ext cx="0" cy="0"/>
+          <a:chOff x="0" y="0"/>
+          <a:chExt cx="0" cy="0"/>
+        </a:xfrm>
+      </p:grpSpPr>
+      <p:sp>
+        <p:nvSpPr>
+          <p:cNvPr id="2" name="Title 1">
+            <a:extLst>
+              <a:ext uri="{FF2B5EF4-FFF2-40B4-BE49-F238E27FC236}">
+                <a16:creationId xmlns:a16="http://schemas.microsoft.com/office/drawing/2014/main" id="{85561020-5A81-4A7F-9AF4-AFA7208939F0}"/>
+              </a:ext>
+            </a:extLst>
+          </p:cNvPr>
+          <p:cNvSpPr>
+            <a:spLocks noGrp="1"/>
+          </p:cNvSpPr>
+          <p:nvPr>
+            <p:ph type="title"/>
+          </p:nvPr>
+        </p:nvSpPr>
+        <p:spPr>
+          <a:xfrm>
+            <a:off x="838200" y="0"/>
+            <a:ext cx="10515600" cy="1325563"/>
+          </a:xfrm>
+        </p:spPr>
+        <p:txBody>
+          <a:bodyPr/>
+          <a:lstStyle/>
+          <a:p>
+            <a:pPr algn="ctr"/>
+            <a:r>
+              <a:rPr lang="en-US">
+                <a:latin typeface="Sylfaen" panose="010A0502050306030303" pitchFamily="18" charset="0"/>
+              </a:rPr>
+              <a:t>Response</a:t>
+            </a:r>
+            <a:r>
+              <a:rPr lang="hy-AM">
+                <a:latin typeface="Sylfaen" panose="010A0502050306030303" pitchFamily="18" charset="0"/>
+              </a:rPr>
+              <a:t> </a:t>
+            </a:r>
+            <a:r>
+              <a:rPr lang="en-US">
+                <a:latin typeface="Sylfaen" panose="010A0502050306030303" pitchFamily="18" charset="0"/>
+              </a:rPr>
+              <a:t>Negotiation Headers</a:t>
+            </a:r>
+          </a:p>
+        </p:txBody>
+      </p:sp>
+      <p:sp>
+        <p:nvSpPr>
+          <p:cNvPr id="3" name="Content Placeholder 2">
+            <a:extLst>
+              <a:ext uri="{FF2B5EF4-FFF2-40B4-BE49-F238E27FC236}">
+                <a16:creationId xmlns:a16="http://schemas.microsoft.com/office/drawing/2014/main" id="{F0D5CA4E-07AB-4D20-BE79-15B5CCDF7933}"/>
+              </a:ext>
+            </a:extLst>
+          </p:cNvPr>
+          <p:cNvSpPr>
+            <a:spLocks noGrp="1"/>
+          </p:cNvSpPr>
+          <p:nvPr>
+            <p:ph idx="1"/>
+          </p:nvPr>
+        </p:nvSpPr>
+        <p:spPr/>
+        <p:txBody>
+          <a:bodyPr/>
+          <a:lstStyle/>
+          <a:p>
+            <a:pPr marL="0" indent="0">
+              <a:buNone/>
+            </a:pPr>
+            <a:r>
+              <a:rPr lang="en-US">
+                <a:latin typeface="Sylfaen" panose="010A0502050306030303" pitchFamily="18" charset="0"/>
+              </a:rPr>
+              <a:t>Accept-Ranges</a:t>
+            </a:r>
+          </a:p>
+        </p:txBody>
+      </p:sp>
+      <p:cxnSp>
+        <p:nvCxnSpPr>
+          <p:cNvPr id="4" name="Straight Connector 3">
+            <a:extLst>
+              <a:ext uri="{FF2B5EF4-FFF2-40B4-BE49-F238E27FC236}">
+                <a16:creationId xmlns:a16="http://schemas.microsoft.com/office/drawing/2014/main" id="{0E72A9AF-DF3E-4E28-AD5C-F49D52C38355}"/>
+              </a:ext>
+            </a:extLst>
+          </p:cNvPr>
+          <p:cNvCxnSpPr>
+            <a:cxnSpLocks/>
+          </p:cNvCxnSpPr>
+          <p:nvPr/>
+        </p:nvCxnSpPr>
+        <p:spPr>
+          <a:xfrm>
+            <a:off x="569235" y="1199374"/>
+            <a:ext cx="11053530" cy="0"/>
+          </a:xfrm>
+          <a:prstGeom prst="line">
+            <a:avLst/>
+          </a:prstGeom>
+        </p:spPr>
+        <p:style>
+          <a:lnRef idx="3">
+            <a:schemeClr val="accent1"/>
+          </a:lnRef>
+          <a:fillRef idx="0">
+            <a:schemeClr val="accent1"/>
+          </a:fillRef>
+          <a:effectRef idx="2">
+            <a:schemeClr val="accent1"/>
+          </a:effectRef>
+          <a:fontRef idx="minor">
+            <a:schemeClr val="tx1"/>
+          </a:fontRef>
+        </p:style>
+      </p:cxnSp>
+    </p:spTree>
+    <p:extLst>
+      <p:ext uri="{BB962C8B-B14F-4D97-AF65-F5344CB8AC3E}">
+        <p14:creationId xmlns:p14="http://schemas.microsoft.com/office/powerpoint/2010/main" val="313013039"/>
       </p:ext>
     </p:extLst>
   </p:cSld>

--- a/Http/Http_presentation.pptx
+++ b/Http/Http_presentation.pptx
@@ -17,8 +17,8 @@
     <p:sldId id="265" r:id="rId11"/>
     <p:sldId id="266" r:id="rId12"/>
     <p:sldId id="267" r:id="rId13"/>
-    <p:sldId id="268" r:id="rId14"/>
-    <p:sldId id="269" r:id="rId15"/>
+    <p:sldId id="285" r:id="rId14"/>
+    <p:sldId id="268" r:id="rId15"/>
     <p:sldId id="270" r:id="rId16"/>
     <p:sldId id="278" r:id="rId17"/>
     <p:sldId id="271" r:id="rId18"/>
@@ -26,8 +26,16 @@
     <p:sldId id="273" r:id="rId20"/>
     <p:sldId id="274" r:id="rId21"/>
     <p:sldId id="275" r:id="rId22"/>
-    <p:sldId id="276" r:id="rId23"/>
-    <p:sldId id="277" r:id="rId24"/>
+    <p:sldId id="281" r:id="rId23"/>
+    <p:sldId id="276" r:id="rId24"/>
+    <p:sldId id="277" r:id="rId25"/>
+    <p:sldId id="279" r:id="rId26"/>
+    <p:sldId id="280" r:id="rId27"/>
+    <p:sldId id="282" r:id="rId28"/>
+    <p:sldId id="283" r:id="rId29"/>
+    <p:sldId id="284" r:id="rId30"/>
+    <p:sldId id="269" r:id="rId31"/>
+    <p:sldId id="286" r:id="rId32"/>
   </p:sldIdLst>
   <p:sldSz cx="12192000" cy="6858000"/>
   <p:notesSz cx="6858000" cy="9144000"/>
@@ -281,7 +289,7 @@
           <a:p>
             <a:fld id="{E36C89DF-7188-4BC0-ADF4-07E309878DC2}" type="datetimeFigureOut">
               <a:rPr lang="ru-RU" smtClean="0"/>
-              <a:t>03.10.2022</a:t>
+              <a:t>04.10.2022</a:t>
             </a:fld>
             <a:endParaRPr lang="ru-RU"/>
           </a:p>
@@ -479,7 +487,7 @@
           <a:p>
             <a:fld id="{E36C89DF-7188-4BC0-ADF4-07E309878DC2}" type="datetimeFigureOut">
               <a:rPr lang="ru-RU" smtClean="0"/>
-              <a:t>03.10.2022</a:t>
+              <a:t>04.10.2022</a:t>
             </a:fld>
             <a:endParaRPr lang="ru-RU"/>
           </a:p>
@@ -687,7 +695,7 @@
           <a:p>
             <a:fld id="{E36C89DF-7188-4BC0-ADF4-07E309878DC2}" type="datetimeFigureOut">
               <a:rPr lang="ru-RU" smtClean="0"/>
-              <a:t>03.10.2022</a:t>
+              <a:t>04.10.2022</a:t>
             </a:fld>
             <a:endParaRPr lang="ru-RU"/>
           </a:p>
@@ -885,7 +893,7 @@
           <a:p>
             <a:fld id="{E36C89DF-7188-4BC0-ADF4-07E309878DC2}" type="datetimeFigureOut">
               <a:rPr lang="ru-RU" smtClean="0"/>
-              <a:t>03.10.2022</a:t>
+              <a:t>04.10.2022</a:t>
             </a:fld>
             <a:endParaRPr lang="ru-RU"/>
           </a:p>
@@ -1160,7 +1168,7 @@
           <a:p>
             <a:fld id="{E36C89DF-7188-4BC0-ADF4-07E309878DC2}" type="datetimeFigureOut">
               <a:rPr lang="ru-RU" smtClean="0"/>
-              <a:t>03.10.2022</a:t>
+              <a:t>04.10.2022</a:t>
             </a:fld>
             <a:endParaRPr lang="ru-RU"/>
           </a:p>
@@ -1425,7 +1433,7 @@
           <a:p>
             <a:fld id="{E36C89DF-7188-4BC0-ADF4-07E309878DC2}" type="datetimeFigureOut">
               <a:rPr lang="ru-RU" smtClean="0"/>
-              <a:t>03.10.2022</a:t>
+              <a:t>04.10.2022</a:t>
             </a:fld>
             <a:endParaRPr lang="ru-RU"/>
           </a:p>
@@ -1837,7 +1845,7 @@
           <a:p>
             <a:fld id="{E36C89DF-7188-4BC0-ADF4-07E309878DC2}" type="datetimeFigureOut">
               <a:rPr lang="ru-RU" smtClean="0"/>
-              <a:t>03.10.2022</a:t>
+              <a:t>04.10.2022</a:t>
             </a:fld>
             <a:endParaRPr lang="ru-RU"/>
           </a:p>
@@ -1978,7 +1986,7 @@
           <a:p>
             <a:fld id="{E36C89DF-7188-4BC0-ADF4-07E309878DC2}" type="datetimeFigureOut">
               <a:rPr lang="ru-RU" smtClean="0"/>
-              <a:t>03.10.2022</a:t>
+              <a:t>04.10.2022</a:t>
             </a:fld>
             <a:endParaRPr lang="ru-RU"/>
           </a:p>
@@ -2091,7 +2099,7 @@
           <a:p>
             <a:fld id="{E36C89DF-7188-4BC0-ADF4-07E309878DC2}" type="datetimeFigureOut">
               <a:rPr lang="ru-RU" smtClean="0"/>
-              <a:t>03.10.2022</a:t>
+              <a:t>04.10.2022</a:t>
             </a:fld>
             <a:endParaRPr lang="ru-RU"/>
           </a:p>
@@ -2402,7 +2410,7 @@
           <a:p>
             <a:fld id="{E36C89DF-7188-4BC0-ADF4-07E309878DC2}" type="datetimeFigureOut">
               <a:rPr lang="ru-RU" smtClean="0"/>
-              <a:t>03.10.2022</a:t>
+              <a:t>04.10.2022</a:t>
             </a:fld>
             <a:endParaRPr lang="ru-RU"/>
           </a:p>
@@ -2690,7 +2698,7 @@
           <a:p>
             <a:fld id="{E36C89DF-7188-4BC0-ADF4-07E309878DC2}" type="datetimeFigureOut">
               <a:rPr lang="ru-RU" smtClean="0"/>
-              <a:t>03.10.2022</a:t>
+              <a:t>04.10.2022</a:t>
             </a:fld>
             <a:endParaRPr lang="ru-RU"/>
           </a:p>
@@ -2931,7 +2939,7 @@
           <a:p>
             <a:fld id="{E36C89DF-7188-4BC0-ADF4-07E309878DC2}" type="datetimeFigureOut">
               <a:rPr lang="ru-RU" smtClean="0"/>
-              <a:t>03.10.2022</a:t>
+              <a:t>04.10.2022</a:t>
             </a:fld>
             <a:endParaRPr lang="ru-RU"/>
           </a:p>
@@ -5676,6 +5684,568 @@
           <p:cNvPr id="2" name="Title 1">
             <a:extLst>
               <a:ext uri="{FF2B5EF4-FFF2-40B4-BE49-F238E27FC236}">
+                <a16:creationId xmlns:a16="http://schemas.microsoft.com/office/drawing/2014/main" id="{A14FE32E-72D3-4750-A393-5DA1F103AEB6}"/>
+              </a:ext>
+            </a:extLst>
+          </p:cNvPr>
+          <p:cNvSpPr>
+            <a:spLocks noGrp="1"/>
+          </p:cNvSpPr>
+          <p:nvPr>
+            <p:ph type="title"/>
+          </p:nvPr>
+        </p:nvSpPr>
+        <p:spPr>
+          <a:xfrm>
+            <a:off x="838200" y="18255"/>
+            <a:ext cx="10515600" cy="1325563"/>
+          </a:xfrm>
+        </p:spPr>
+        <p:txBody>
+          <a:bodyPr/>
+          <a:lstStyle/>
+          <a:p>
+            <a:pPr algn="ctr"/>
+            <a:r>
+              <a:rPr lang="en-US">
+                <a:latin typeface="Sylfaen" panose="010A0502050306030303" pitchFamily="18" charset="0"/>
+              </a:rPr>
+              <a:t>Most Common HTTP</a:t>
+            </a:r>
+            <a:r>
+              <a:rPr lang="hy-AM">
+                <a:latin typeface="Sylfaen" panose="010A0502050306030303" pitchFamily="18" charset="0"/>
+              </a:rPr>
+              <a:t> </a:t>
+            </a:r>
+            <a:r>
+              <a:rPr lang="en-US">
+                <a:latin typeface="Sylfaen" panose="010A0502050306030303" pitchFamily="18" charset="0"/>
+              </a:rPr>
+              <a:t>Status Codes</a:t>
+            </a:r>
+            <a:endParaRPr lang="en-US"/>
+          </a:p>
+        </p:txBody>
+      </p:sp>
+      <p:sp>
+        <p:nvSpPr>
+          <p:cNvPr id="3" name="Content Placeholder 2">
+            <a:extLst>
+              <a:ext uri="{FF2B5EF4-FFF2-40B4-BE49-F238E27FC236}">
+                <a16:creationId xmlns:a16="http://schemas.microsoft.com/office/drawing/2014/main" id="{D86D9D09-32ED-43A3-A92E-001F675855BA}"/>
+              </a:ext>
+            </a:extLst>
+          </p:cNvPr>
+          <p:cNvSpPr>
+            <a:spLocks noGrp="1"/>
+          </p:cNvSpPr>
+          <p:nvPr>
+            <p:ph idx="1"/>
+          </p:nvPr>
+        </p:nvSpPr>
+        <p:spPr>
+          <a:xfrm>
+            <a:off x="1257926" y="1343817"/>
+            <a:ext cx="4288436" cy="5176903"/>
+          </a:xfrm>
+        </p:spPr>
+        <p:txBody>
+          <a:bodyPr>
+            <a:normAutofit/>
+          </a:bodyPr>
+          <a:lstStyle/>
+          <a:p>
+            <a:pPr marL="0" indent="0">
+              <a:lnSpc>
+                <a:spcPct val="150000"/>
+              </a:lnSpc>
+              <a:buNone/>
+            </a:pPr>
+            <a:r>
+              <a:rPr lang="en-US" sz="3000" b="1">
+                <a:latin typeface="Sylfaen" panose="010A0502050306030303" pitchFamily="18" charset="0"/>
+              </a:rPr>
+              <a:t>200 OK</a:t>
+            </a:r>
+          </a:p>
+          <a:p>
+            <a:pPr marL="0" indent="0">
+              <a:lnSpc>
+                <a:spcPct val="150000"/>
+              </a:lnSpc>
+              <a:buNone/>
+            </a:pPr>
+            <a:r>
+              <a:rPr lang="en-US" sz="3000" b="1">
+                <a:latin typeface="Sylfaen" panose="010A0502050306030303" pitchFamily="18" charset="0"/>
+              </a:rPr>
+              <a:t>301 Permanent Redirect</a:t>
+            </a:r>
+          </a:p>
+          <a:p>
+            <a:pPr marL="0" indent="0">
+              <a:lnSpc>
+                <a:spcPct val="150000"/>
+              </a:lnSpc>
+              <a:buNone/>
+            </a:pPr>
+            <a:r>
+              <a:rPr lang="en-US" sz="3000" b="1">
+                <a:latin typeface="Sylfaen" panose="010A0502050306030303" pitchFamily="18" charset="0"/>
+              </a:rPr>
+              <a:t>302 Temporary Redirect</a:t>
+            </a:r>
+          </a:p>
+          <a:p>
+            <a:pPr marL="0" indent="0">
+              <a:lnSpc>
+                <a:spcPct val="150000"/>
+              </a:lnSpc>
+              <a:buNone/>
+            </a:pPr>
+            <a:r>
+              <a:rPr lang="en-US" sz="3000" b="1">
+                <a:latin typeface="Sylfaen" panose="010A0502050306030303" pitchFamily="18" charset="0"/>
+              </a:rPr>
+              <a:t>304 Not Modified</a:t>
+            </a:r>
+          </a:p>
+          <a:p>
+            <a:pPr marL="0" indent="0">
+              <a:lnSpc>
+                <a:spcPct val="150000"/>
+              </a:lnSpc>
+              <a:buNone/>
+            </a:pPr>
+            <a:r>
+              <a:rPr lang="en-US" sz="3000" b="1">
+                <a:latin typeface="Sylfaen" panose="010A0502050306030303" pitchFamily="18" charset="0"/>
+              </a:rPr>
+              <a:t>400 Bad Request</a:t>
+            </a:r>
+          </a:p>
+          <a:p>
+            <a:pPr marL="0" indent="0">
+              <a:lnSpc>
+                <a:spcPct val="150000"/>
+              </a:lnSpc>
+              <a:buNone/>
+            </a:pPr>
+            <a:r>
+              <a:rPr lang="en-US" sz="3000" b="1">
+                <a:latin typeface="Sylfaen" panose="010A0502050306030303" pitchFamily="18" charset="0"/>
+              </a:rPr>
+              <a:t>401 Unauthorized Error</a:t>
+            </a:r>
+          </a:p>
+          <a:p>
+            <a:pPr marL="0" indent="0">
+              <a:lnSpc>
+                <a:spcPct val="150000"/>
+              </a:lnSpc>
+              <a:buNone/>
+            </a:pPr>
+            <a:endParaRPr lang="en-US" sz="3000" b="1">
+              <a:latin typeface="Sylfaen" panose="010A0502050306030303" pitchFamily="18" charset="0"/>
+            </a:endParaRPr>
+          </a:p>
+        </p:txBody>
+      </p:sp>
+      <p:cxnSp>
+        <p:nvCxnSpPr>
+          <p:cNvPr id="4" name="Straight Connector 3">
+            <a:extLst>
+              <a:ext uri="{FF2B5EF4-FFF2-40B4-BE49-F238E27FC236}">
+                <a16:creationId xmlns:a16="http://schemas.microsoft.com/office/drawing/2014/main" id="{377DA988-6EFA-4492-A85B-4AC61E8C705B}"/>
+              </a:ext>
+            </a:extLst>
+          </p:cNvPr>
+          <p:cNvCxnSpPr>
+            <a:cxnSpLocks/>
+          </p:cNvCxnSpPr>
+          <p:nvPr/>
+        </p:nvCxnSpPr>
+        <p:spPr>
+          <a:xfrm>
+            <a:off x="569235" y="1139414"/>
+            <a:ext cx="11053530" cy="0"/>
+          </a:xfrm>
+          <a:prstGeom prst="line">
+            <a:avLst/>
+          </a:prstGeom>
+        </p:spPr>
+        <p:style>
+          <a:lnRef idx="3">
+            <a:schemeClr val="accent1"/>
+          </a:lnRef>
+          <a:fillRef idx="0">
+            <a:schemeClr val="accent1"/>
+          </a:fillRef>
+          <a:effectRef idx="2">
+            <a:schemeClr val="accent1"/>
+          </a:effectRef>
+          <a:fontRef idx="minor">
+            <a:schemeClr val="tx1"/>
+          </a:fontRef>
+        </p:style>
+      </p:cxnSp>
+      <p:sp>
+        <p:nvSpPr>
+          <p:cNvPr id="6" name="Content Placeholder 2">
+            <a:extLst>
+              <a:ext uri="{FF2B5EF4-FFF2-40B4-BE49-F238E27FC236}">
+                <a16:creationId xmlns:a16="http://schemas.microsoft.com/office/drawing/2014/main" id="{88F46A43-AC52-433B-86D2-CBEE0B853C60}"/>
+              </a:ext>
+            </a:extLst>
+          </p:cNvPr>
+          <p:cNvSpPr txBox="1">
+            <a:spLocks/>
+          </p:cNvSpPr>
+          <p:nvPr/>
+        </p:nvSpPr>
+        <p:spPr>
+          <a:xfrm>
+            <a:off x="6645640" y="1367247"/>
+            <a:ext cx="4288436" cy="5153473"/>
+          </a:xfrm>
+          <a:prstGeom prst="rect">
+            <a:avLst/>
+          </a:prstGeom>
+        </p:spPr>
+        <p:txBody>
+          <a:bodyPr vert="horz" lIns="91440" tIns="45720" rIns="91440" bIns="45720" rtlCol="0">
+            <a:normAutofit/>
+          </a:bodyPr>
+          <a:lstStyle>
+            <a:lvl1pPr marL="228600" indent="-228600" algn="l" defTabSz="914400" rtl="0" eaLnBrk="1" latinLnBrk="0" hangingPunct="1">
+              <a:lnSpc>
+                <a:spcPct val="90000"/>
+              </a:lnSpc>
+              <a:spcBef>
+                <a:spcPts val="1000"/>
+              </a:spcBef>
+              <a:buFont typeface="Arial" panose="020B0604020202020204" pitchFamily="34" charset="0"/>
+              <a:buChar char="•"/>
+              <a:defRPr sz="2800" kern="1200">
+                <a:solidFill>
+                  <a:schemeClr val="tx1"/>
+                </a:solidFill>
+                <a:latin typeface="+mn-lt"/>
+                <a:ea typeface="+mn-ea"/>
+                <a:cs typeface="+mn-cs"/>
+              </a:defRPr>
+            </a:lvl1pPr>
+            <a:lvl2pPr marL="685800" indent="-228600" algn="l" defTabSz="914400" rtl="0" eaLnBrk="1" latinLnBrk="0" hangingPunct="1">
+              <a:lnSpc>
+                <a:spcPct val="90000"/>
+              </a:lnSpc>
+              <a:spcBef>
+                <a:spcPts val="500"/>
+              </a:spcBef>
+              <a:buFont typeface="Arial" panose="020B0604020202020204" pitchFamily="34" charset="0"/>
+              <a:buChar char="•"/>
+              <a:defRPr sz="2400" kern="1200">
+                <a:solidFill>
+                  <a:schemeClr val="tx1"/>
+                </a:solidFill>
+                <a:latin typeface="+mn-lt"/>
+                <a:ea typeface="+mn-ea"/>
+                <a:cs typeface="+mn-cs"/>
+              </a:defRPr>
+            </a:lvl2pPr>
+            <a:lvl3pPr marL="1143000" indent="-228600" algn="l" defTabSz="914400" rtl="0" eaLnBrk="1" latinLnBrk="0" hangingPunct="1">
+              <a:lnSpc>
+                <a:spcPct val="90000"/>
+              </a:lnSpc>
+              <a:spcBef>
+                <a:spcPts val="500"/>
+              </a:spcBef>
+              <a:buFont typeface="Arial" panose="020B0604020202020204" pitchFamily="34" charset="0"/>
+              <a:buChar char="•"/>
+              <a:defRPr sz="2000" kern="1200">
+                <a:solidFill>
+                  <a:schemeClr val="tx1"/>
+                </a:solidFill>
+                <a:latin typeface="+mn-lt"/>
+                <a:ea typeface="+mn-ea"/>
+                <a:cs typeface="+mn-cs"/>
+              </a:defRPr>
+            </a:lvl3pPr>
+            <a:lvl4pPr marL="1600200" indent="-228600" algn="l" defTabSz="914400" rtl="0" eaLnBrk="1" latinLnBrk="0" hangingPunct="1">
+              <a:lnSpc>
+                <a:spcPct val="90000"/>
+              </a:lnSpc>
+              <a:spcBef>
+                <a:spcPts val="500"/>
+              </a:spcBef>
+              <a:buFont typeface="Arial" panose="020B0604020202020204" pitchFamily="34" charset="0"/>
+              <a:buChar char="•"/>
+              <a:defRPr sz="1800" kern="1200">
+                <a:solidFill>
+                  <a:schemeClr val="tx1"/>
+                </a:solidFill>
+                <a:latin typeface="+mn-lt"/>
+                <a:ea typeface="+mn-ea"/>
+                <a:cs typeface="+mn-cs"/>
+              </a:defRPr>
+            </a:lvl4pPr>
+            <a:lvl5pPr marL="2057400" indent="-228600" algn="l" defTabSz="914400" rtl="0" eaLnBrk="1" latinLnBrk="0" hangingPunct="1">
+              <a:lnSpc>
+                <a:spcPct val="90000"/>
+              </a:lnSpc>
+              <a:spcBef>
+                <a:spcPts val="500"/>
+              </a:spcBef>
+              <a:buFont typeface="Arial" panose="020B0604020202020204" pitchFamily="34" charset="0"/>
+              <a:buChar char="•"/>
+              <a:defRPr sz="1800" kern="1200">
+                <a:solidFill>
+                  <a:schemeClr val="tx1"/>
+                </a:solidFill>
+                <a:latin typeface="+mn-lt"/>
+                <a:ea typeface="+mn-ea"/>
+                <a:cs typeface="+mn-cs"/>
+              </a:defRPr>
+            </a:lvl5pPr>
+            <a:lvl6pPr marL="2514600" indent="-228600" algn="l" defTabSz="914400" rtl="0" eaLnBrk="1" latinLnBrk="0" hangingPunct="1">
+              <a:lnSpc>
+                <a:spcPct val="90000"/>
+              </a:lnSpc>
+              <a:spcBef>
+                <a:spcPts val="500"/>
+              </a:spcBef>
+              <a:buFont typeface="Arial" panose="020B0604020202020204" pitchFamily="34" charset="0"/>
+              <a:buChar char="•"/>
+              <a:defRPr sz="1800" kern="1200">
+                <a:solidFill>
+                  <a:schemeClr val="tx1"/>
+                </a:solidFill>
+                <a:latin typeface="+mn-lt"/>
+                <a:ea typeface="+mn-ea"/>
+                <a:cs typeface="+mn-cs"/>
+              </a:defRPr>
+            </a:lvl6pPr>
+            <a:lvl7pPr marL="2971800" indent="-228600" algn="l" defTabSz="914400" rtl="0" eaLnBrk="1" latinLnBrk="0" hangingPunct="1">
+              <a:lnSpc>
+                <a:spcPct val="90000"/>
+              </a:lnSpc>
+              <a:spcBef>
+                <a:spcPts val="500"/>
+              </a:spcBef>
+              <a:buFont typeface="Arial" panose="020B0604020202020204" pitchFamily="34" charset="0"/>
+              <a:buChar char="•"/>
+              <a:defRPr sz="1800" kern="1200">
+                <a:solidFill>
+                  <a:schemeClr val="tx1"/>
+                </a:solidFill>
+                <a:latin typeface="+mn-lt"/>
+                <a:ea typeface="+mn-ea"/>
+                <a:cs typeface="+mn-cs"/>
+              </a:defRPr>
+            </a:lvl7pPr>
+            <a:lvl8pPr marL="3429000" indent="-228600" algn="l" defTabSz="914400" rtl="0" eaLnBrk="1" latinLnBrk="0" hangingPunct="1">
+              <a:lnSpc>
+                <a:spcPct val="90000"/>
+              </a:lnSpc>
+              <a:spcBef>
+                <a:spcPts val="500"/>
+              </a:spcBef>
+              <a:buFont typeface="Arial" panose="020B0604020202020204" pitchFamily="34" charset="0"/>
+              <a:buChar char="•"/>
+              <a:defRPr sz="1800" kern="1200">
+                <a:solidFill>
+                  <a:schemeClr val="tx1"/>
+                </a:solidFill>
+                <a:latin typeface="+mn-lt"/>
+                <a:ea typeface="+mn-ea"/>
+                <a:cs typeface="+mn-cs"/>
+              </a:defRPr>
+            </a:lvl8pPr>
+            <a:lvl9pPr marL="3886200" indent="-228600" algn="l" defTabSz="914400" rtl="0" eaLnBrk="1" latinLnBrk="0" hangingPunct="1">
+              <a:lnSpc>
+                <a:spcPct val="90000"/>
+              </a:lnSpc>
+              <a:spcBef>
+                <a:spcPts val="500"/>
+              </a:spcBef>
+              <a:buFont typeface="Arial" panose="020B0604020202020204" pitchFamily="34" charset="0"/>
+              <a:buChar char="•"/>
+              <a:defRPr sz="1800" kern="1200">
+                <a:solidFill>
+                  <a:schemeClr val="tx1"/>
+                </a:solidFill>
+                <a:latin typeface="+mn-lt"/>
+                <a:ea typeface="+mn-ea"/>
+                <a:cs typeface="+mn-cs"/>
+              </a:defRPr>
+            </a:lvl9pPr>
+          </a:lstStyle>
+          <a:p>
+            <a:pPr marL="0" indent="0">
+              <a:lnSpc>
+                <a:spcPct val="150000"/>
+              </a:lnSpc>
+              <a:buFont typeface="Arial" panose="020B0604020202020204" pitchFamily="34" charset="0"/>
+              <a:buNone/>
+            </a:pPr>
+            <a:r>
+              <a:rPr lang="en-US" sz="3000" b="1">
+                <a:latin typeface="Sylfaen" panose="010A0502050306030303" pitchFamily="18" charset="0"/>
+              </a:rPr>
+              <a:t>403 Forbodden</a:t>
+            </a:r>
+          </a:p>
+          <a:p>
+            <a:pPr marL="0" indent="0">
+              <a:lnSpc>
+                <a:spcPct val="150000"/>
+              </a:lnSpc>
+              <a:buFont typeface="Arial" panose="020B0604020202020204" pitchFamily="34" charset="0"/>
+              <a:buNone/>
+            </a:pPr>
+            <a:r>
+              <a:rPr lang="en-US" sz="3000" b="1">
+                <a:latin typeface="Sylfaen" panose="010A0502050306030303" pitchFamily="18" charset="0"/>
+              </a:rPr>
+              <a:t>404 Not Found</a:t>
+            </a:r>
+          </a:p>
+          <a:p>
+            <a:pPr marL="0" indent="0">
+              <a:lnSpc>
+                <a:spcPct val="150000"/>
+              </a:lnSpc>
+              <a:buFont typeface="Arial" panose="020B0604020202020204" pitchFamily="34" charset="0"/>
+              <a:buNone/>
+            </a:pPr>
+            <a:r>
+              <a:rPr lang="en-US" sz="3000" b="1">
+                <a:latin typeface="Sylfaen" panose="010A0502050306030303" pitchFamily="18" charset="0"/>
+              </a:rPr>
+              <a:t>500 Internal Server Error</a:t>
+            </a:r>
+          </a:p>
+          <a:p>
+            <a:pPr marL="0" indent="0">
+              <a:lnSpc>
+                <a:spcPct val="150000"/>
+              </a:lnSpc>
+              <a:buFont typeface="Arial" panose="020B0604020202020204" pitchFamily="34" charset="0"/>
+              <a:buNone/>
+            </a:pPr>
+            <a:r>
+              <a:rPr lang="en-US" sz="3000" b="1">
+                <a:latin typeface="Sylfaen" panose="010A0502050306030303" pitchFamily="18" charset="0"/>
+              </a:rPr>
+              <a:t>501 Not Implemented</a:t>
+            </a:r>
+            <a:endParaRPr lang="ru-RU" sz="3000" b="1">
+              <a:latin typeface="Sylfaen" panose="010A0502050306030303" pitchFamily="18" charset="0"/>
+            </a:endParaRPr>
+          </a:p>
+          <a:p>
+            <a:pPr marL="0" indent="0">
+              <a:lnSpc>
+                <a:spcPct val="150000"/>
+              </a:lnSpc>
+              <a:buFont typeface="Arial" panose="020B0604020202020204" pitchFamily="34" charset="0"/>
+              <a:buNone/>
+            </a:pPr>
+            <a:r>
+              <a:rPr lang="ru-RU" sz="3000" b="1">
+                <a:latin typeface="Sylfaen" panose="010A0502050306030303" pitchFamily="18" charset="0"/>
+              </a:rPr>
+              <a:t>503 </a:t>
+            </a:r>
+            <a:r>
+              <a:rPr lang="en-US" sz="3000" b="1">
+                <a:latin typeface="Sylfaen" panose="010A0502050306030303" pitchFamily="18" charset="0"/>
+              </a:rPr>
+              <a:t>Service Unavailable</a:t>
+            </a:r>
+          </a:p>
+          <a:p>
+            <a:pPr marL="0" indent="0">
+              <a:lnSpc>
+                <a:spcPct val="150000"/>
+              </a:lnSpc>
+              <a:buNone/>
+            </a:pPr>
+            <a:r>
+              <a:rPr lang="ru-RU" sz="3000" b="1">
+                <a:latin typeface="Sylfaen" panose="010A0502050306030303" pitchFamily="18" charset="0"/>
+              </a:rPr>
+              <a:t>50</a:t>
+            </a:r>
+            <a:r>
+              <a:rPr lang="en-US" sz="3000" b="1">
+                <a:latin typeface="Sylfaen" panose="010A0502050306030303" pitchFamily="18" charset="0"/>
+              </a:rPr>
+              <a:t>4</a:t>
+            </a:r>
+            <a:r>
+              <a:rPr lang="ru-RU" sz="3000" b="1">
+                <a:latin typeface="Sylfaen" panose="010A0502050306030303" pitchFamily="18" charset="0"/>
+              </a:rPr>
+              <a:t> </a:t>
+            </a:r>
+            <a:r>
+              <a:rPr lang="en-US" sz="3000" b="1">
+                <a:latin typeface="Sylfaen" panose="010A0502050306030303" pitchFamily="18" charset="0"/>
+              </a:rPr>
+              <a:t>Gateway Timeout</a:t>
+            </a:r>
+          </a:p>
+          <a:p>
+            <a:pPr marL="0" indent="0">
+              <a:lnSpc>
+                <a:spcPct val="150000"/>
+              </a:lnSpc>
+              <a:buFont typeface="Arial" panose="020B0604020202020204" pitchFamily="34" charset="0"/>
+              <a:buNone/>
+            </a:pPr>
+            <a:endParaRPr lang="en-US" sz="3000" b="1">
+              <a:latin typeface="Sylfaen" panose="010A0502050306030303" pitchFamily="18" charset="0"/>
+            </a:endParaRPr>
+          </a:p>
+        </p:txBody>
+      </p:sp>
+    </p:spTree>
+    <p:extLst>
+      <p:ext uri="{BB962C8B-B14F-4D97-AF65-F5344CB8AC3E}">
+        <p14:creationId xmlns:p14="http://schemas.microsoft.com/office/powerpoint/2010/main" val="3699104983"/>
+      </p:ext>
+    </p:extLst>
+  </p:cSld>
+  <p:clrMapOvr>
+    <a:masterClrMapping/>
+  </p:clrMapOvr>
+</p:sld>
+</file>
+
+<file path=ppt/slides/slide14.xml><?xml version="1.0" encoding="utf-8"?>
+<p:sld xmlns:a="http://schemas.openxmlformats.org/drawingml/2006/main" xmlns:r="http://schemas.openxmlformats.org/officeDocument/2006/relationships" xmlns:p="http://schemas.openxmlformats.org/presentationml/2006/main">
+  <p:cSld>
+    <p:spTree>
+      <p:nvGrpSpPr>
+        <p:cNvPr id="1" name=""/>
+        <p:cNvGrpSpPr/>
+        <p:nvPr/>
+      </p:nvGrpSpPr>
+      <p:grpSpPr>
+        <a:xfrm>
+          <a:off x="0" y="0"/>
+          <a:ext cx="0" cy="0"/>
+          <a:chOff x="0" y="0"/>
+          <a:chExt cx="0" cy="0"/>
+        </a:xfrm>
+      </p:grpSpPr>
+      <p:sp>
+        <p:nvSpPr>
+          <p:cNvPr id="2" name="Title 1">
+            <a:extLst>
+              <a:ext uri="{FF2B5EF4-FFF2-40B4-BE49-F238E27FC236}">
                 <a16:creationId xmlns:a16="http://schemas.microsoft.com/office/drawing/2014/main" id="{34F4FF8A-05F3-4807-81A1-1CB9DEE1AC63}"/>
               </a:ext>
             </a:extLst>
@@ -5850,771 +6420,6 @@
 </p:sld>
 </file>
 
-<file path=ppt/slides/slide14.xml><?xml version="1.0" encoding="utf-8"?>
-<p:sld xmlns:a="http://schemas.openxmlformats.org/drawingml/2006/main" xmlns:r="http://schemas.openxmlformats.org/officeDocument/2006/relationships" xmlns:p="http://schemas.openxmlformats.org/presentationml/2006/main">
-  <p:cSld>
-    <p:spTree>
-      <p:nvGrpSpPr>
-        <p:cNvPr id="1" name=""/>
-        <p:cNvGrpSpPr/>
-        <p:nvPr/>
-      </p:nvGrpSpPr>
-      <p:grpSpPr>
-        <a:xfrm>
-          <a:off x="0" y="0"/>
-          <a:ext cx="0" cy="0"/>
-          <a:chOff x="0" y="0"/>
-          <a:chExt cx="0" cy="0"/>
-        </a:xfrm>
-      </p:grpSpPr>
-      <p:sp>
-        <p:nvSpPr>
-          <p:cNvPr id="2" name="Title 1">
-            <a:extLst>
-              <a:ext uri="{FF2B5EF4-FFF2-40B4-BE49-F238E27FC236}">
-                <a16:creationId xmlns:a16="http://schemas.microsoft.com/office/drawing/2014/main" id="{A8B06BCD-222F-4C2D-A7E9-1FD1930D1ECF}"/>
-              </a:ext>
-            </a:extLst>
-          </p:cNvPr>
-          <p:cNvSpPr>
-            <a:spLocks noGrp="1"/>
-          </p:cNvSpPr>
-          <p:nvPr>
-            <p:ph type="title"/>
-          </p:nvPr>
-        </p:nvSpPr>
-        <p:spPr>
-          <a:xfrm>
-            <a:off x="838200" y="-149741"/>
-            <a:ext cx="10515600" cy="1325563"/>
-          </a:xfrm>
-        </p:spPr>
-        <p:txBody>
-          <a:bodyPr/>
-          <a:lstStyle/>
-          <a:p>
-            <a:pPr algn="ctr"/>
-            <a:r>
-              <a:rPr lang="en-US">
-                <a:latin typeface="Sylfaen" panose="010A0502050306030303" pitchFamily="18" charset="0"/>
-              </a:rPr>
-              <a:t>General</a:t>
-            </a:r>
-            <a:r>
-              <a:rPr lang="hy-AM">
-                <a:latin typeface="Sylfaen" panose="010A0502050306030303" pitchFamily="18" charset="0"/>
-              </a:rPr>
-              <a:t> </a:t>
-            </a:r>
-            <a:r>
-              <a:rPr lang="en-US">
-                <a:latin typeface="Sylfaen" panose="010A0502050306030303" pitchFamily="18" charset="0"/>
-              </a:rPr>
-              <a:t>Headers</a:t>
-            </a:r>
-            <a:endParaRPr lang="en-US"/>
-          </a:p>
-        </p:txBody>
-      </p:sp>
-      <p:sp>
-        <p:nvSpPr>
-          <p:cNvPr id="3" name="Content Placeholder 2">
-            <a:extLst>
-              <a:ext uri="{FF2B5EF4-FFF2-40B4-BE49-F238E27FC236}">
-                <a16:creationId xmlns:a16="http://schemas.microsoft.com/office/drawing/2014/main" id="{4C4F74C5-86E2-4899-9C30-7F8ECC593950}"/>
-              </a:ext>
-            </a:extLst>
-          </p:cNvPr>
-          <p:cNvSpPr>
-            <a:spLocks noGrp="1"/>
-          </p:cNvSpPr>
-          <p:nvPr>
-            <p:ph idx="1"/>
-          </p:nvPr>
-        </p:nvSpPr>
-        <p:spPr>
-          <a:xfrm>
-            <a:off x="7380158" y="1711183"/>
-            <a:ext cx="3973643" cy="4741163"/>
-          </a:xfrm>
-        </p:spPr>
-        <p:txBody>
-          <a:bodyPr>
-            <a:normAutofit/>
-          </a:bodyPr>
-          <a:lstStyle/>
-          <a:p>
-            <a:pPr marL="0" indent="0" algn="ctr">
-              <a:buNone/>
-            </a:pPr>
-            <a:r>
-              <a:rPr lang="en-US" b="1">
-                <a:latin typeface="Sylfaen" panose="010A0502050306030303" pitchFamily="18" charset="0"/>
-              </a:rPr>
-              <a:t>HTTP response headers</a:t>
-            </a:r>
-          </a:p>
-          <a:p>
-            <a:pPr marL="0" indent="0" algn="ctr">
-              <a:buNone/>
-            </a:pPr>
-            <a:r>
-              <a:rPr lang="en-US">
-                <a:latin typeface="Sylfaen" panose="010A0502050306030303" pitchFamily="18" charset="0"/>
-              </a:rPr>
-              <a:t>public / private</a:t>
-            </a:r>
-          </a:p>
-          <a:p>
-            <a:pPr marL="0" indent="0" algn="ctr">
-              <a:buNone/>
-            </a:pPr>
-            <a:r>
-              <a:rPr lang="en-US">
-                <a:latin typeface="Sylfaen" panose="010A0502050306030303" pitchFamily="18" charset="0"/>
-              </a:rPr>
-              <a:t>no-cache</a:t>
-            </a:r>
-          </a:p>
-          <a:p>
-            <a:pPr marL="0" indent="0" algn="ctr">
-              <a:buFont typeface="Arial" panose="020B0604020202020204" pitchFamily="34" charset="0"/>
-              <a:buNone/>
-            </a:pPr>
-            <a:r>
-              <a:rPr lang="en-US">
-                <a:latin typeface="Sylfaen" panose="010A0502050306030303" pitchFamily="18" charset="0"/>
-              </a:rPr>
-              <a:t>no-store</a:t>
-            </a:r>
-          </a:p>
-          <a:p>
-            <a:pPr marL="0" indent="0" algn="ctr">
-              <a:buNone/>
-            </a:pPr>
-            <a:r>
-              <a:rPr lang="en-US">
-                <a:latin typeface="Sylfaen" panose="010A0502050306030303" pitchFamily="18" charset="0"/>
-              </a:rPr>
-              <a:t>no-transform</a:t>
-            </a:r>
-          </a:p>
-          <a:p>
-            <a:pPr marL="0" indent="0" algn="ctr">
-              <a:buFont typeface="Arial" panose="020B0604020202020204" pitchFamily="34" charset="0"/>
-              <a:buNone/>
-            </a:pPr>
-            <a:r>
-              <a:rPr lang="en-US">
-                <a:latin typeface="Sylfaen" panose="010A0502050306030303" pitchFamily="18" charset="0"/>
-              </a:rPr>
-              <a:t>must-revalidate</a:t>
-            </a:r>
-          </a:p>
-          <a:p>
-            <a:pPr marL="0" indent="0" algn="ctr">
-              <a:buNone/>
-            </a:pPr>
-            <a:r>
-              <a:rPr lang="en-US">
-                <a:latin typeface="Sylfaen" panose="010A0502050306030303" pitchFamily="18" charset="0"/>
-              </a:rPr>
-              <a:t>proxy-revalidate</a:t>
-            </a:r>
-          </a:p>
-          <a:p>
-            <a:pPr marL="0" indent="0" algn="ctr">
-              <a:buNone/>
-            </a:pPr>
-            <a:r>
-              <a:rPr lang="en-US">
-                <a:latin typeface="Sylfaen" panose="010A0502050306030303" pitchFamily="18" charset="0"/>
-              </a:rPr>
-              <a:t>max-age = seconds</a:t>
-            </a:r>
-          </a:p>
-          <a:p>
-            <a:pPr marL="0" indent="0" algn="ctr">
-              <a:buNone/>
-            </a:pPr>
-            <a:r>
-              <a:rPr lang="en-US">
-                <a:latin typeface="Sylfaen" panose="010A0502050306030303" pitchFamily="18" charset="0"/>
-              </a:rPr>
-              <a:t>S-maxage = seconds</a:t>
-            </a:r>
-          </a:p>
-          <a:p>
-            <a:pPr marL="0" indent="0" algn="ctr">
-              <a:buNone/>
-            </a:pPr>
-            <a:endParaRPr lang="en-US">
-              <a:latin typeface="Sylfaen" panose="010A0502050306030303" pitchFamily="18" charset="0"/>
-            </a:endParaRPr>
-          </a:p>
-          <a:p>
-            <a:pPr marL="0" indent="0" algn="ctr">
-              <a:buFont typeface="Arial" panose="020B0604020202020204" pitchFamily="34" charset="0"/>
-              <a:buNone/>
-            </a:pPr>
-            <a:endParaRPr lang="en-US">
-              <a:latin typeface="Sylfaen" panose="010A0502050306030303" pitchFamily="18" charset="0"/>
-            </a:endParaRPr>
-          </a:p>
-        </p:txBody>
-      </p:sp>
-      <p:cxnSp>
-        <p:nvCxnSpPr>
-          <p:cNvPr id="4" name="Straight Connector 3">
-            <a:extLst>
-              <a:ext uri="{FF2B5EF4-FFF2-40B4-BE49-F238E27FC236}">
-                <a16:creationId xmlns:a16="http://schemas.microsoft.com/office/drawing/2014/main" id="{ADB733DA-D323-4961-96D6-579C07DCFA92}"/>
-              </a:ext>
-            </a:extLst>
-          </p:cNvPr>
-          <p:cNvCxnSpPr>
-            <a:cxnSpLocks/>
-          </p:cNvCxnSpPr>
-          <p:nvPr/>
-        </p:nvCxnSpPr>
-        <p:spPr>
-          <a:xfrm>
-            <a:off x="569235" y="989512"/>
-            <a:ext cx="11053530" cy="0"/>
-          </a:xfrm>
-          <a:prstGeom prst="line">
-            <a:avLst/>
-          </a:prstGeom>
-        </p:spPr>
-        <p:style>
-          <a:lnRef idx="3">
-            <a:schemeClr val="accent1"/>
-          </a:lnRef>
-          <a:fillRef idx="0">
-            <a:schemeClr val="accent1"/>
-          </a:fillRef>
-          <a:effectRef idx="2">
-            <a:schemeClr val="accent1"/>
-          </a:effectRef>
-          <a:fontRef idx="minor">
-            <a:schemeClr val="tx1"/>
-          </a:fontRef>
-        </p:style>
-      </p:cxnSp>
-      <p:sp>
-        <p:nvSpPr>
-          <p:cNvPr id="5" name="Content Placeholder 2">
-            <a:extLst>
-              <a:ext uri="{FF2B5EF4-FFF2-40B4-BE49-F238E27FC236}">
-                <a16:creationId xmlns:a16="http://schemas.microsoft.com/office/drawing/2014/main" id="{D9D807FB-818E-4232-9C8D-0BCDCCA25373}"/>
-              </a:ext>
-            </a:extLst>
-          </p:cNvPr>
-          <p:cNvSpPr txBox="1">
-            <a:spLocks/>
-          </p:cNvSpPr>
-          <p:nvPr/>
-        </p:nvSpPr>
-        <p:spPr>
-          <a:xfrm>
-            <a:off x="4611349" y="1192870"/>
-            <a:ext cx="2969302" cy="524656"/>
-          </a:xfrm>
-          <a:prstGeom prst="rect">
-            <a:avLst/>
-          </a:prstGeom>
-        </p:spPr>
-        <p:txBody>
-          <a:bodyPr vert="horz" lIns="91440" tIns="45720" rIns="91440" bIns="45720" rtlCol="0">
-            <a:normAutofit/>
-          </a:bodyPr>
-          <a:lstStyle>
-            <a:lvl1pPr marL="228600" indent="-228600" algn="l" defTabSz="914400" rtl="0" eaLnBrk="1" latinLnBrk="0" hangingPunct="1">
-              <a:lnSpc>
-                <a:spcPct val="90000"/>
-              </a:lnSpc>
-              <a:spcBef>
-                <a:spcPts val="1000"/>
-              </a:spcBef>
-              <a:buFont typeface="Arial" panose="020B0604020202020204" pitchFamily="34" charset="0"/>
-              <a:buChar char="•"/>
-              <a:defRPr sz="2800" kern="1200">
-                <a:solidFill>
-                  <a:schemeClr val="tx1"/>
-                </a:solidFill>
-                <a:latin typeface="+mn-lt"/>
-                <a:ea typeface="+mn-ea"/>
-                <a:cs typeface="+mn-cs"/>
-              </a:defRPr>
-            </a:lvl1pPr>
-            <a:lvl2pPr marL="685800" indent="-228600" algn="l" defTabSz="914400" rtl="0" eaLnBrk="1" latinLnBrk="0" hangingPunct="1">
-              <a:lnSpc>
-                <a:spcPct val="90000"/>
-              </a:lnSpc>
-              <a:spcBef>
-                <a:spcPts val="500"/>
-              </a:spcBef>
-              <a:buFont typeface="Arial" panose="020B0604020202020204" pitchFamily="34" charset="0"/>
-              <a:buChar char="•"/>
-              <a:defRPr sz="2400" kern="1200">
-                <a:solidFill>
-                  <a:schemeClr val="tx1"/>
-                </a:solidFill>
-                <a:latin typeface="+mn-lt"/>
-                <a:ea typeface="+mn-ea"/>
-                <a:cs typeface="+mn-cs"/>
-              </a:defRPr>
-            </a:lvl2pPr>
-            <a:lvl3pPr marL="1143000" indent="-228600" algn="l" defTabSz="914400" rtl="0" eaLnBrk="1" latinLnBrk="0" hangingPunct="1">
-              <a:lnSpc>
-                <a:spcPct val="90000"/>
-              </a:lnSpc>
-              <a:spcBef>
-                <a:spcPts val="500"/>
-              </a:spcBef>
-              <a:buFont typeface="Arial" panose="020B0604020202020204" pitchFamily="34" charset="0"/>
-              <a:buChar char="•"/>
-              <a:defRPr sz="2000" kern="1200">
-                <a:solidFill>
-                  <a:schemeClr val="tx1"/>
-                </a:solidFill>
-                <a:latin typeface="+mn-lt"/>
-                <a:ea typeface="+mn-ea"/>
-                <a:cs typeface="+mn-cs"/>
-              </a:defRPr>
-            </a:lvl3pPr>
-            <a:lvl4pPr marL="1600200" indent="-228600" algn="l" defTabSz="914400" rtl="0" eaLnBrk="1" latinLnBrk="0" hangingPunct="1">
-              <a:lnSpc>
-                <a:spcPct val="90000"/>
-              </a:lnSpc>
-              <a:spcBef>
-                <a:spcPts val="500"/>
-              </a:spcBef>
-              <a:buFont typeface="Arial" panose="020B0604020202020204" pitchFamily="34" charset="0"/>
-              <a:buChar char="•"/>
-              <a:defRPr sz="1800" kern="1200">
-                <a:solidFill>
-                  <a:schemeClr val="tx1"/>
-                </a:solidFill>
-                <a:latin typeface="+mn-lt"/>
-                <a:ea typeface="+mn-ea"/>
-                <a:cs typeface="+mn-cs"/>
-              </a:defRPr>
-            </a:lvl4pPr>
-            <a:lvl5pPr marL="2057400" indent="-228600" algn="l" defTabSz="914400" rtl="0" eaLnBrk="1" latinLnBrk="0" hangingPunct="1">
-              <a:lnSpc>
-                <a:spcPct val="90000"/>
-              </a:lnSpc>
-              <a:spcBef>
-                <a:spcPts val="500"/>
-              </a:spcBef>
-              <a:buFont typeface="Arial" panose="020B0604020202020204" pitchFamily="34" charset="0"/>
-              <a:buChar char="•"/>
-              <a:defRPr sz="1800" kern="1200">
-                <a:solidFill>
-                  <a:schemeClr val="tx1"/>
-                </a:solidFill>
-                <a:latin typeface="+mn-lt"/>
-                <a:ea typeface="+mn-ea"/>
-                <a:cs typeface="+mn-cs"/>
-              </a:defRPr>
-            </a:lvl5pPr>
-            <a:lvl6pPr marL="2514600" indent="-228600" algn="l" defTabSz="914400" rtl="0" eaLnBrk="1" latinLnBrk="0" hangingPunct="1">
-              <a:lnSpc>
-                <a:spcPct val="90000"/>
-              </a:lnSpc>
-              <a:spcBef>
-                <a:spcPts val="500"/>
-              </a:spcBef>
-              <a:buFont typeface="Arial" panose="020B0604020202020204" pitchFamily="34" charset="0"/>
-              <a:buChar char="•"/>
-              <a:defRPr sz="1800" kern="1200">
-                <a:solidFill>
-                  <a:schemeClr val="tx1"/>
-                </a:solidFill>
-                <a:latin typeface="+mn-lt"/>
-                <a:ea typeface="+mn-ea"/>
-                <a:cs typeface="+mn-cs"/>
-              </a:defRPr>
-            </a:lvl6pPr>
-            <a:lvl7pPr marL="2971800" indent="-228600" algn="l" defTabSz="914400" rtl="0" eaLnBrk="1" latinLnBrk="0" hangingPunct="1">
-              <a:lnSpc>
-                <a:spcPct val="90000"/>
-              </a:lnSpc>
-              <a:spcBef>
-                <a:spcPts val="500"/>
-              </a:spcBef>
-              <a:buFont typeface="Arial" panose="020B0604020202020204" pitchFamily="34" charset="0"/>
-              <a:buChar char="•"/>
-              <a:defRPr sz="1800" kern="1200">
-                <a:solidFill>
-                  <a:schemeClr val="tx1"/>
-                </a:solidFill>
-                <a:latin typeface="+mn-lt"/>
-                <a:ea typeface="+mn-ea"/>
-                <a:cs typeface="+mn-cs"/>
-              </a:defRPr>
-            </a:lvl7pPr>
-            <a:lvl8pPr marL="3429000" indent="-228600" algn="l" defTabSz="914400" rtl="0" eaLnBrk="1" latinLnBrk="0" hangingPunct="1">
-              <a:lnSpc>
-                <a:spcPct val="90000"/>
-              </a:lnSpc>
-              <a:spcBef>
-                <a:spcPts val="500"/>
-              </a:spcBef>
-              <a:buFont typeface="Arial" panose="020B0604020202020204" pitchFamily="34" charset="0"/>
-              <a:buChar char="•"/>
-              <a:defRPr sz="1800" kern="1200">
-                <a:solidFill>
-                  <a:schemeClr val="tx1"/>
-                </a:solidFill>
-                <a:latin typeface="+mn-lt"/>
-                <a:ea typeface="+mn-ea"/>
-                <a:cs typeface="+mn-cs"/>
-              </a:defRPr>
-            </a:lvl8pPr>
-            <a:lvl9pPr marL="3886200" indent="-228600" algn="l" defTabSz="914400" rtl="0" eaLnBrk="1" latinLnBrk="0" hangingPunct="1">
-              <a:lnSpc>
-                <a:spcPct val="90000"/>
-              </a:lnSpc>
-              <a:spcBef>
-                <a:spcPts val="500"/>
-              </a:spcBef>
-              <a:buFont typeface="Arial" panose="020B0604020202020204" pitchFamily="34" charset="0"/>
-              <a:buChar char="•"/>
-              <a:defRPr sz="1800" kern="1200">
-                <a:solidFill>
-                  <a:schemeClr val="tx1"/>
-                </a:solidFill>
-                <a:latin typeface="+mn-lt"/>
-                <a:ea typeface="+mn-ea"/>
-                <a:cs typeface="+mn-cs"/>
-              </a:defRPr>
-            </a:lvl9pPr>
-          </a:lstStyle>
-          <a:p>
-            <a:pPr marL="0" indent="0" algn="ctr">
-              <a:buFont typeface="Arial" panose="020B0604020202020204" pitchFamily="34" charset="0"/>
-              <a:buNone/>
-            </a:pPr>
-            <a:r>
-              <a:rPr lang="en-US" b="1">
-                <a:latin typeface="Sylfaen" panose="010A0502050306030303" pitchFamily="18" charset="0"/>
-              </a:rPr>
-              <a:t>Cache - Control</a:t>
-            </a:r>
-          </a:p>
-        </p:txBody>
-      </p:sp>
-      <p:sp>
-        <p:nvSpPr>
-          <p:cNvPr id="6" name="Content Placeholder 2">
-            <a:extLst>
-              <a:ext uri="{FF2B5EF4-FFF2-40B4-BE49-F238E27FC236}">
-                <a16:creationId xmlns:a16="http://schemas.microsoft.com/office/drawing/2014/main" id="{8D332C6C-CE06-47A4-927F-CC5CE9F24F41}"/>
-              </a:ext>
-            </a:extLst>
-          </p:cNvPr>
-          <p:cNvSpPr txBox="1">
-            <a:spLocks/>
-          </p:cNvSpPr>
-          <p:nvPr/>
-        </p:nvSpPr>
-        <p:spPr>
-          <a:xfrm>
-            <a:off x="838201" y="1734574"/>
-            <a:ext cx="3973643" cy="4242218"/>
-          </a:xfrm>
-          <a:prstGeom prst="rect">
-            <a:avLst/>
-          </a:prstGeom>
-        </p:spPr>
-        <p:txBody>
-          <a:bodyPr vert="horz" lIns="91440" tIns="45720" rIns="91440" bIns="45720" rtlCol="0">
-            <a:normAutofit/>
-          </a:bodyPr>
-          <a:lstStyle>
-            <a:lvl1pPr marL="228600" indent="-228600" algn="l" defTabSz="914400" rtl="0" eaLnBrk="1" latinLnBrk="0" hangingPunct="1">
-              <a:lnSpc>
-                <a:spcPct val="90000"/>
-              </a:lnSpc>
-              <a:spcBef>
-                <a:spcPts val="1000"/>
-              </a:spcBef>
-              <a:buFont typeface="Arial" panose="020B0604020202020204" pitchFamily="34" charset="0"/>
-              <a:buChar char="•"/>
-              <a:defRPr sz="2800" kern="1200">
-                <a:solidFill>
-                  <a:schemeClr val="tx1"/>
-                </a:solidFill>
-                <a:latin typeface="+mn-lt"/>
-                <a:ea typeface="+mn-ea"/>
-                <a:cs typeface="+mn-cs"/>
-              </a:defRPr>
-            </a:lvl1pPr>
-            <a:lvl2pPr marL="685800" indent="-228600" algn="l" defTabSz="914400" rtl="0" eaLnBrk="1" latinLnBrk="0" hangingPunct="1">
-              <a:lnSpc>
-                <a:spcPct val="90000"/>
-              </a:lnSpc>
-              <a:spcBef>
-                <a:spcPts val="500"/>
-              </a:spcBef>
-              <a:buFont typeface="Arial" panose="020B0604020202020204" pitchFamily="34" charset="0"/>
-              <a:buChar char="•"/>
-              <a:defRPr sz="2400" kern="1200">
-                <a:solidFill>
-                  <a:schemeClr val="tx1"/>
-                </a:solidFill>
-                <a:latin typeface="+mn-lt"/>
-                <a:ea typeface="+mn-ea"/>
-                <a:cs typeface="+mn-cs"/>
-              </a:defRPr>
-            </a:lvl2pPr>
-            <a:lvl3pPr marL="1143000" indent="-228600" algn="l" defTabSz="914400" rtl="0" eaLnBrk="1" latinLnBrk="0" hangingPunct="1">
-              <a:lnSpc>
-                <a:spcPct val="90000"/>
-              </a:lnSpc>
-              <a:spcBef>
-                <a:spcPts val="500"/>
-              </a:spcBef>
-              <a:buFont typeface="Arial" panose="020B0604020202020204" pitchFamily="34" charset="0"/>
-              <a:buChar char="•"/>
-              <a:defRPr sz="2000" kern="1200">
-                <a:solidFill>
-                  <a:schemeClr val="tx1"/>
-                </a:solidFill>
-                <a:latin typeface="+mn-lt"/>
-                <a:ea typeface="+mn-ea"/>
-                <a:cs typeface="+mn-cs"/>
-              </a:defRPr>
-            </a:lvl3pPr>
-            <a:lvl4pPr marL="1600200" indent="-228600" algn="l" defTabSz="914400" rtl="0" eaLnBrk="1" latinLnBrk="0" hangingPunct="1">
-              <a:lnSpc>
-                <a:spcPct val="90000"/>
-              </a:lnSpc>
-              <a:spcBef>
-                <a:spcPts val="500"/>
-              </a:spcBef>
-              <a:buFont typeface="Arial" panose="020B0604020202020204" pitchFamily="34" charset="0"/>
-              <a:buChar char="•"/>
-              <a:defRPr sz="1800" kern="1200">
-                <a:solidFill>
-                  <a:schemeClr val="tx1"/>
-                </a:solidFill>
-                <a:latin typeface="+mn-lt"/>
-                <a:ea typeface="+mn-ea"/>
-                <a:cs typeface="+mn-cs"/>
-              </a:defRPr>
-            </a:lvl4pPr>
-            <a:lvl5pPr marL="2057400" indent="-228600" algn="l" defTabSz="914400" rtl="0" eaLnBrk="1" latinLnBrk="0" hangingPunct="1">
-              <a:lnSpc>
-                <a:spcPct val="90000"/>
-              </a:lnSpc>
-              <a:spcBef>
-                <a:spcPts val="500"/>
-              </a:spcBef>
-              <a:buFont typeface="Arial" panose="020B0604020202020204" pitchFamily="34" charset="0"/>
-              <a:buChar char="•"/>
-              <a:defRPr sz="1800" kern="1200">
-                <a:solidFill>
-                  <a:schemeClr val="tx1"/>
-                </a:solidFill>
-                <a:latin typeface="+mn-lt"/>
-                <a:ea typeface="+mn-ea"/>
-                <a:cs typeface="+mn-cs"/>
-              </a:defRPr>
-            </a:lvl5pPr>
-            <a:lvl6pPr marL="2514600" indent="-228600" algn="l" defTabSz="914400" rtl="0" eaLnBrk="1" latinLnBrk="0" hangingPunct="1">
-              <a:lnSpc>
-                <a:spcPct val="90000"/>
-              </a:lnSpc>
-              <a:spcBef>
-                <a:spcPts val="500"/>
-              </a:spcBef>
-              <a:buFont typeface="Arial" panose="020B0604020202020204" pitchFamily="34" charset="0"/>
-              <a:buChar char="•"/>
-              <a:defRPr sz="1800" kern="1200">
-                <a:solidFill>
-                  <a:schemeClr val="tx1"/>
-                </a:solidFill>
-                <a:latin typeface="+mn-lt"/>
-                <a:ea typeface="+mn-ea"/>
-                <a:cs typeface="+mn-cs"/>
-              </a:defRPr>
-            </a:lvl6pPr>
-            <a:lvl7pPr marL="2971800" indent="-228600" algn="l" defTabSz="914400" rtl="0" eaLnBrk="1" latinLnBrk="0" hangingPunct="1">
-              <a:lnSpc>
-                <a:spcPct val="90000"/>
-              </a:lnSpc>
-              <a:spcBef>
-                <a:spcPts val="500"/>
-              </a:spcBef>
-              <a:buFont typeface="Arial" panose="020B0604020202020204" pitchFamily="34" charset="0"/>
-              <a:buChar char="•"/>
-              <a:defRPr sz="1800" kern="1200">
-                <a:solidFill>
-                  <a:schemeClr val="tx1"/>
-                </a:solidFill>
-                <a:latin typeface="+mn-lt"/>
-                <a:ea typeface="+mn-ea"/>
-                <a:cs typeface="+mn-cs"/>
-              </a:defRPr>
-            </a:lvl7pPr>
-            <a:lvl8pPr marL="3429000" indent="-228600" algn="l" defTabSz="914400" rtl="0" eaLnBrk="1" latinLnBrk="0" hangingPunct="1">
-              <a:lnSpc>
-                <a:spcPct val="90000"/>
-              </a:lnSpc>
-              <a:spcBef>
-                <a:spcPts val="500"/>
-              </a:spcBef>
-              <a:buFont typeface="Arial" panose="020B0604020202020204" pitchFamily="34" charset="0"/>
-              <a:buChar char="•"/>
-              <a:defRPr sz="1800" kern="1200">
-                <a:solidFill>
-                  <a:schemeClr val="tx1"/>
-                </a:solidFill>
-                <a:latin typeface="+mn-lt"/>
-                <a:ea typeface="+mn-ea"/>
-                <a:cs typeface="+mn-cs"/>
-              </a:defRPr>
-            </a:lvl8pPr>
-            <a:lvl9pPr marL="3886200" indent="-228600" algn="l" defTabSz="914400" rtl="0" eaLnBrk="1" latinLnBrk="0" hangingPunct="1">
-              <a:lnSpc>
-                <a:spcPct val="90000"/>
-              </a:lnSpc>
-              <a:spcBef>
-                <a:spcPts val="500"/>
-              </a:spcBef>
-              <a:buFont typeface="Arial" panose="020B0604020202020204" pitchFamily="34" charset="0"/>
-              <a:buChar char="•"/>
-              <a:defRPr sz="1800" kern="1200">
-                <a:solidFill>
-                  <a:schemeClr val="tx1"/>
-                </a:solidFill>
-                <a:latin typeface="+mn-lt"/>
-                <a:ea typeface="+mn-ea"/>
-                <a:cs typeface="+mn-cs"/>
-              </a:defRPr>
-            </a:lvl9pPr>
-          </a:lstStyle>
-          <a:p>
-            <a:pPr marL="0" indent="0" algn="ctr">
-              <a:buFont typeface="Arial" panose="020B0604020202020204" pitchFamily="34" charset="0"/>
-              <a:buNone/>
-            </a:pPr>
-            <a:r>
-              <a:rPr lang="en-US" b="1">
-                <a:latin typeface="Sylfaen" panose="010A0502050306030303" pitchFamily="18" charset="0"/>
-              </a:rPr>
-              <a:t>HTTP request headers</a:t>
-            </a:r>
-          </a:p>
-          <a:p>
-            <a:pPr marL="0" indent="0" algn="ctr">
-              <a:buFont typeface="Arial" panose="020B0604020202020204" pitchFamily="34" charset="0"/>
-              <a:buNone/>
-            </a:pPr>
-            <a:r>
-              <a:rPr lang="en-US">
-                <a:latin typeface="Sylfaen" panose="010A0502050306030303" pitchFamily="18" charset="0"/>
-              </a:rPr>
-              <a:t>no-cache</a:t>
-            </a:r>
-          </a:p>
-          <a:p>
-            <a:pPr marL="0" indent="0" algn="ctr">
-              <a:buFont typeface="Arial" panose="020B0604020202020204" pitchFamily="34" charset="0"/>
-              <a:buNone/>
-            </a:pPr>
-            <a:r>
-              <a:rPr lang="en-US">
-                <a:latin typeface="Sylfaen" panose="010A0502050306030303" pitchFamily="18" charset="0"/>
-              </a:rPr>
-              <a:t>no-store</a:t>
-            </a:r>
-          </a:p>
-          <a:p>
-            <a:pPr marL="0" indent="0" algn="ctr">
-              <a:buFont typeface="Arial" panose="020B0604020202020204" pitchFamily="34" charset="0"/>
-              <a:buNone/>
-            </a:pPr>
-            <a:r>
-              <a:rPr lang="en-US">
-                <a:latin typeface="Sylfaen" panose="010A0502050306030303" pitchFamily="18" charset="0"/>
-              </a:rPr>
-              <a:t>max-age = seconds</a:t>
-            </a:r>
-          </a:p>
-          <a:p>
-            <a:pPr marL="0" indent="0" algn="ctr">
-              <a:buFont typeface="Arial" panose="020B0604020202020204" pitchFamily="34" charset="0"/>
-              <a:buNone/>
-            </a:pPr>
-            <a:r>
-              <a:rPr lang="en-US">
-                <a:latin typeface="Sylfaen" panose="010A0502050306030303" pitchFamily="18" charset="0"/>
-              </a:rPr>
-              <a:t>max-stale [=seconds]</a:t>
-            </a:r>
-          </a:p>
-          <a:p>
-            <a:pPr marL="0" indent="0" algn="ctr">
-              <a:buFont typeface="Arial" panose="020B0604020202020204" pitchFamily="34" charset="0"/>
-              <a:buNone/>
-            </a:pPr>
-            <a:r>
-              <a:rPr lang="en-US">
-                <a:latin typeface="Sylfaen" panose="010A0502050306030303" pitchFamily="18" charset="0"/>
-              </a:rPr>
-              <a:t>min-fresh = sconds</a:t>
-            </a:r>
-          </a:p>
-          <a:p>
-            <a:pPr marL="0" indent="0" algn="ctr">
-              <a:buFont typeface="Arial" panose="020B0604020202020204" pitchFamily="34" charset="0"/>
-              <a:buNone/>
-            </a:pPr>
-            <a:r>
-              <a:rPr lang="en-US">
-                <a:latin typeface="Sylfaen" panose="010A0502050306030303" pitchFamily="18" charset="0"/>
-              </a:rPr>
-              <a:t>no-transform</a:t>
-            </a:r>
-          </a:p>
-          <a:p>
-            <a:pPr marL="0" indent="0" algn="ctr">
-              <a:buFont typeface="Arial" panose="020B0604020202020204" pitchFamily="34" charset="0"/>
-              <a:buNone/>
-            </a:pPr>
-            <a:r>
-              <a:rPr lang="en-US">
-                <a:latin typeface="Sylfaen" panose="010A0502050306030303" pitchFamily="18" charset="0"/>
-              </a:rPr>
-              <a:t>only-if-cached</a:t>
-            </a:r>
-          </a:p>
-          <a:p>
-            <a:pPr marL="0" indent="0" algn="ctr">
-              <a:buFont typeface="Arial" panose="020B0604020202020204" pitchFamily="34" charset="0"/>
-              <a:buNone/>
-            </a:pPr>
-            <a:endParaRPr lang="en-US"/>
-          </a:p>
-        </p:txBody>
-      </p:sp>
-    </p:spTree>
-    <p:extLst>
-      <p:ext uri="{BB962C8B-B14F-4D97-AF65-F5344CB8AC3E}">
-        <p14:creationId xmlns:p14="http://schemas.microsoft.com/office/powerpoint/2010/main" val="1142179341"/>
-      </p:ext>
-    </p:extLst>
-  </p:cSld>
-  <p:clrMapOvr>
-    <a:masterClrMapping/>
-  </p:clrMapOvr>
-</p:sld>
-</file>
-
 <file path=ppt/slides/slide15.xml><?xml version="1.0" encoding="utf-8"?>
 <p:sld xmlns:a="http://schemas.openxmlformats.org/drawingml/2006/main" xmlns:r="http://schemas.openxmlformats.org/officeDocument/2006/relationships" xmlns:p="http://schemas.openxmlformats.org/presentationml/2006/main">
   <p:cSld>
@@ -6697,10 +6502,15 @@
             <p:ph idx="1"/>
           </p:nvPr>
         </p:nvSpPr>
-        <p:spPr/>
+        <p:spPr>
+          <a:xfrm>
+            <a:off x="838200" y="1825625"/>
+            <a:ext cx="3149184" cy="4351338"/>
+          </a:xfrm>
+        </p:spPr>
         <p:txBody>
           <a:bodyPr>
-            <a:normAutofit lnSpcReduction="10000"/>
+            <a:normAutofit/>
           </a:bodyPr>
           <a:lstStyle/>
           <a:p>
@@ -6711,32 +6521,13 @@
               <a:rPr lang="en-US">
                 <a:latin typeface="Sylfaen" panose="010A0502050306030303" pitchFamily="18" charset="0"/>
               </a:rPr>
-              <a:t>Cache-Control:</a:t>
-            </a:r>
-          </a:p>
-          <a:p>
-            <a:pPr marL="0" indent="0">
-              <a:buNone/>
-            </a:pPr>
-            <a:r>
-              <a:rPr lang="en-US">
-                <a:latin typeface="Sylfaen" panose="010A0502050306030303" pitchFamily="18" charset="0"/>
-              </a:rPr>
-              <a:t>Pragma:</a:t>
-            </a:r>
-            <a:endParaRPr lang="hy-AM" dirty="0">
-              <a:latin typeface="Sylfaen" panose="010A0502050306030303" pitchFamily="18" charset="0"/>
-            </a:endParaRPr>
-          </a:p>
-          <a:p>
-            <a:pPr marL="0" indent="0">
-              <a:buNone/>
-            </a:pPr>
+              <a:t>Connection</a:t>
+            </a:r>
             <a:r>
               <a:rPr lang="en-US" dirty="0">
                 <a:latin typeface="Sylfaen" panose="010A0502050306030303" pitchFamily="18" charset="0"/>
               </a:rPr>
-              <a:t>Connection: </a:t>
+              <a:t>: </a:t>
             </a:r>
             <a:endParaRPr lang="hy-AM" dirty="0">
               <a:latin typeface="Sylfaen" panose="010A0502050306030303" pitchFamily="18" charset="0"/>
@@ -6851,6 +6642,224 @@
           </a:fontRef>
         </p:style>
       </p:cxnSp>
+      <p:sp>
+        <p:nvSpPr>
+          <p:cNvPr id="5" name="Content Placeholder 2">
+            <a:extLst>
+              <a:ext uri="{FF2B5EF4-FFF2-40B4-BE49-F238E27FC236}">
+                <a16:creationId xmlns:a16="http://schemas.microsoft.com/office/drawing/2014/main" id="{CBD4F96B-0471-4F63-AF04-00549CABBE9F}"/>
+              </a:ext>
+            </a:extLst>
+          </p:cNvPr>
+          <p:cNvSpPr txBox="1">
+            <a:spLocks/>
+          </p:cNvSpPr>
+          <p:nvPr/>
+        </p:nvSpPr>
+        <p:spPr>
+          <a:xfrm>
+            <a:off x="7119079" y="1825625"/>
+            <a:ext cx="3149184" cy="4351338"/>
+          </a:xfrm>
+          <a:prstGeom prst="rect">
+            <a:avLst/>
+          </a:prstGeom>
+        </p:spPr>
+        <p:txBody>
+          <a:bodyPr vert="horz" lIns="91440" tIns="45720" rIns="91440" bIns="45720" rtlCol="0">
+            <a:normAutofit/>
+          </a:bodyPr>
+          <a:lstStyle>
+            <a:lvl1pPr marL="228600" indent="-228600" algn="l" defTabSz="914400" rtl="0" eaLnBrk="1" latinLnBrk="0" hangingPunct="1">
+              <a:lnSpc>
+                <a:spcPct val="90000"/>
+              </a:lnSpc>
+              <a:spcBef>
+                <a:spcPts val="1000"/>
+              </a:spcBef>
+              <a:buFont typeface="Arial" panose="020B0604020202020204" pitchFamily="34" charset="0"/>
+              <a:buChar char="•"/>
+              <a:defRPr sz="2800" kern="1200">
+                <a:solidFill>
+                  <a:schemeClr val="tx1"/>
+                </a:solidFill>
+                <a:latin typeface="+mn-lt"/>
+                <a:ea typeface="+mn-ea"/>
+                <a:cs typeface="+mn-cs"/>
+              </a:defRPr>
+            </a:lvl1pPr>
+            <a:lvl2pPr marL="685800" indent="-228600" algn="l" defTabSz="914400" rtl="0" eaLnBrk="1" latinLnBrk="0" hangingPunct="1">
+              <a:lnSpc>
+                <a:spcPct val="90000"/>
+              </a:lnSpc>
+              <a:spcBef>
+                <a:spcPts val="500"/>
+              </a:spcBef>
+              <a:buFont typeface="Arial" panose="020B0604020202020204" pitchFamily="34" charset="0"/>
+              <a:buChar char="•"/>
+              <a:defRPr sz="2400" kern="1200">
+                <a:solidFill>
+                  <a:schemeClr val="tx1"/>
+                </a:solidFill>
+                <a:latin typeface="+mn-lt"/>
+                <a:ea typeface="+mn-ea"/>
+                <a:cs typeface="+mn-cs"/>
+              </a:defRPr>
+            </a:lvl2pPr>
+            <a:lvl3pPr marL="1143000" indent="-228600" algn="l" defTabSz="914400" rtl="0" eaLnBrk="1" latinLnBrk="0" hangingPunct="1">
+              <a:lnSpc>
+                <a:spcPct val="90000"/>
+              </a:lnSpc>
+              <a:spcBef>
+                <a:spcPts val="500"/>
+              </a:spcBef>
+              <a:buFont typeface="Arial" panose="020B0604020202020204" pitchFamily="34" charset="0"/>
+              <a:buChar char="•"/>
+              <a:defRPr sz="2000" kern="1200">
+                <a:solidFill>
+                  <a:schemeClr val="tx1"/>
+                </a:solidFill>
+                <a:latin typeface="+mn-lt"/>
+                <a:ea typeface="+mn-ea"/>
+                <a:cs typeface="+mn-cs"/>
+              </a:defRPr>
+            </a:lvl3pPr>
+            <a:lvl4pPr marL="1600200" indent="-228600" algn="l" defTabSz="914400" rtl="0" eaLnBrk="1" latinLnBrk="0" hangingPunct="1">
+              <a:lnSpc>
+                <a:spcPct val="90000"/>
+              </a:lnSpc>
+              <a:spcBef>
+                <a:spcPts val="500"/>
+              </a:spcBef>
+              <a:buFont typeface="Arial" panose="020B0604020202020204" pitchFamily="34" charset="0"/>
+              <a:buChar char="•"/>
+              <a:defRPr sz="1800" kern="1200">
+                <a:solidFill>
+                  <a:schemeClr val="tx1"/>
+                </a:solidFill>
+                <a:latin typeface="+mn-lt"/>
+                <a:ea typeface="+mn-ea"/>
+                <a:cs typeface="+mn-cs"/>
+              </a:defRPr>
+            </a:lvl4pPr>
+            <a:lvl5pPr marL="2057400" indent="-228600" algn="l" defTabSz="914400" rtl="0" eaLnBrk="1" latinLnBrk="0" hangingPunct="1">
+              <a:lnSpc>
+                <a:spcPct val="90000"/>
+              </a:lnSpc>
+              <a:spcBef>
+                <a:spcPts val="500"/>
+              </a:spcBef>
+              <a:buFont typeface="Arial" panose="020B0604020202020204" pitchFamily="34" charset="0"/>
+              <a:buChar char="•"/>
+              <a:defRPr sz="1800" kern="1200">
+                <a:solidFill>
+                  <a:schemeClr val="tx1"/>
+                </a:solidFill>
+                <a:latin typeface="+mn-lt"/>
+                <a:ea typeface="+mn-ea"/>
+                <a:cs typeface="+mn-cs"/>
+              </a:defRPr>
+            </a:lvl5pPr>
+            <a:lvl6pPr marL="2514600" indent="-228600" algn="l" defTabSz="914400" rtl="0" eaLnBrk="1" latinLnBrk="0" hangingPunct="1">
+              <a:lnSpc>
+                <a:spcPct val="90000"/>
+              </a:lnSpc>
+              <a:spcBef>
+                <a:spcPts val="500"/>
+              </a:spcBef>
+              <a:buFont typeface="Arial" panose="020B0604020202020204" pitchFamily="34" charset="0"/>
+              <a:buChar char="•"/>
+              <a:defRPr sz="1800" kern="1200">
+                <a:solidFill>
+                  <a:schemeClr val="tx1"/>
+                </a:solidFill>
+                <a:latin typeface="+mn-lt"/>
+                <a:ea typeface="+mn-ea"/>
+                <a:cs typeface="+mn-cs"/>
+              </a:defRPr>
+            </a:lvl6pPr>
+            <a:lvl7pPr marL="2971800" indent="-228600" algn="l" defTabSz="914400" rtl="0" eaLnBrk="1" latinLnBrk="0" hangingPunct="1">
+              <a:lnSpc>
+                <a:spcPct val="90000"/>
+              </a:lnSpc>
+              <a:spcBef>
+                <a:spcPts val="500"/>
+              </a:spcBef>
+              <a:buFont typeface="Arial" panose="020B0604020202020204" pitchFamily="34" charset="0"/>
+              <a:buChar char="•"/>
+              <a:defRPr sz="1800" kern="1200">
+                <a:solidFill>
+                  <a:schemeClr val="tx1"/>
+                </a:solidFill>
+                <a:latin typeface="+mn-lt"/>
+                <a:ea typeface="+mn-ea"/>
+                <a:cs typeface="+mn-cs"/>
+              </a:defRPr>
+            </a:lvl7pPr>
+            <a:lvl8pPr marL="3429000" indent="-228600" algn="l" defTabSz="914400" rtl="0" eaLnBrk="1" latinLnBrk="0" hangingPunct="1">
+              <a:lnSpc>
+                <a:spcPct val="90000"/>
+              </a:lnSpc>
+              <a:spcBef>
+                <a:spcPts val="500"/>
+              </a:spcBef>
+              <a:buFont typeface="Arial" panose="020B0604020202020204" pitchFamily="34" charset="0"/>
+              <a:buChar char="•"/>
+              <a:defRPr sz="1800" kern="1200">
+                <a:solidFill>
+                  <a:schemeClr val="tx1"/>
+                </a:solidFill>
+                <a:latin typeface="+mn-lt"/>
+                <a:ea typeface="+mn-ea"/>
+                <a:cs typeface="+mn-cs"/>
+              </a:defRPr>
+            </a:lvl8pPr>
+            <a:lvl9pPr marL="3886200" indent="-228600" algn="l" defTabSz="914400" rtl="0" eaLnBrk="1" latinLnBrk="0" hangingPunct="1">
+              <a:lnSpc>
+                <a:spcPct val="90000"/>
+              </a:lnSpc>
+              <a:spcBef>
+                <a:spcPts val="500"/>
+              </a:spcBef>
+              <a:buFont typeface="Arial" panose="020B0604020202020204" pitchFamily="34" charset="0"/>
+              <a:buChar char="•"/>
+              <a:defRPr sz="1800" kern="1200">
+                <a:solidFill>
+                  <a:schemeClr val="tx1"/>
+                </a:solidFill>
+                <a:latin typeface="+mn-lt"/>
+                <a:ea typeface="+mn-ea"/>
+                <a:cs typeface="+mn-cs"/>
+              </a:defRPr>
+            </a:lvl9pPr>
+          </a:lstStyle>
+          <a:p>
+            <a:pPr marL="0" indent="0">
+              <a:buNone/>
+            </a:pPr>
+            <a:r>
+              <a:rPr lang="en-US">
+                <a:latin typeface="Sylfaen" panose="010A0502050306030303" pitchFamily="18" charset="0"/>
+              </a:rPr>
+              <a:t>Cache-Control:</a:t>
+            </a:r>
+          </a:p>
+          <a:p>
+            <a:pPr marL="0" indent="0">
+              <a:buNone/>
+            </a:pPr>
+            <a:r>
+              <a:rPr lang="en-US">
+                <a:latin typeface="Sylfaen" panose="010A0502050306030303" pitchFamily="18" charset="0"/>
+              </a:rPr>
+              <a:t>Pragma:</a:t>
+            </a:r>
+            <a:endParaRPr lang="hy-AM" dirty="0">
+              <a:latin typeface="Sylfaen" panose="010A0502050306030303" pitchFamily="18" charset="0"/>
+            </a:endParaRPr>
+          </a:p>
+        </p:txBody>
+      </p:sp>
     </p:spTree>
     <p:extLst>
       <p:ext uri="{BB962C8B-B14F-4D97-AF65-F5344CB8AC3E}">
@@ -6935,8 +6944,8 @@
         </p:nvSpPr>
         <p:spPr>
           <a:xfrm>
-            <a:off x="838200" y="1398405"/>
-            <a:ext cx="10515600" cy="5459595"/>
+            <a:off x="838200" y="1325563"/>
+            <a:ext cx="10515600" cy="4924269"/>
           </a:xfrm>
         </p:spPr>
         <p:txBody>
@@ -8274,6 +8283,200 @@
           <p:cNvPr id="2" name="Title 1">
             <a:extLst>
               <a:ext uri="{FF2B5EF4-FFF2-40B4-BE49-F238E27FC236}">
+                <a16:creationId xmlns:a16="http://schemas.microsoft.com/office/drawing/2014/main" id="{6D611791-3482-4188-914D-0026E3709B4D}"/>
+              </a:ext>
+            </a:extLst>
+          </p:cNvPr>
+          <p:cNvSpPr>
+            <a:spLocks noGrp="1"/>
+          </p:cNvSpPr>
+          <p:nvPr>
+            <p:ph type="title"/>
+          </p:nvPr>
+        </p:nvSpPr>
+        <p:spPr>
+          <a:xfrm>
+            <a:off x="838200" y="0"/>
+            <a:ext cx="10515600" cy="1325563"/>
+          </a:xfrm>
+        </p:spPr>
+        <p:txBody>
+          <a:bodyPr/>
+          <a:lstStyle/>
+          <a:p>
+            <a:pPr algn="ctr"/>
+            <a:r>
+              <a:rPr lang="en-US">
+                <a:latin typeface="Sylfaen" panose="010A0502050306030303" pitchFamily="18" charset="0"/>
+              </a:rPr>
+              <a:t>Response</a:t>
+            </a:r>
+            <a:r>
+              <a:rPr lang="hy-AM">
+                <a:latin typeface="Sylfaen" panose="010A0502050306030303" pitchFamily="18" charset="0"/>
+              </a:rPr>
+              <a:t> </a:t>
+            </a:r>
+            <a:r>
+              <a:rPr lang="en-US">
+                <a:latin typeface="Sylfaen" panose="010A0502050306030303" pitchFamily="18" charset="0"/>
+              </a:rPr>
+              <a:t>Headers</a:t>
+            </a:r>
+            <a:endParaRPr lang="en-US"/>
+          </a:p>
+        </p:txBody>
+      </p:sp>
+      <p:sp>
+        <p:nvSpPr>
+          <p:cNvPr id="3" name="Content Placeholder 2">
+            <a:extLst>
+              <a:ext uri="{FF2B5EF4-FFF2-40B4-BE49-F238E27FC236}">
+                <a16:creationId xmlns:a16="http://schemas.microsoft.com/office/drawing/2014/main" id="{86EFFE6C-43F8-440C-ADF3-C789042C6171}"/>
+              </a:ext>
+            </a:extLst>
+          </p:cNvPr>
+          <p:cNvSpPr>
+            <a:spLocks noGrp="1"/>
+          </p:cNvSpPr>
+          <p:nvPr>
+            <p:ph idx="1"/>
+          </p:nvPr>
+        </p:nvSpPr>
+        <p:spPr>
+          <a:xfrm>
+            <a:off x="838200" y="2150023"/>
+            <a:ext cx="10515600" cy="3321388"/>
+          </a:xfrm>
+        </p:spPr>
+        <p:txBody>
+          <a:bodyPr>
+            <a:normAutofit/>
+          </a:bodyPr>
+          <a:lstStyle/>
+          <a:p>
+            <a:pPr marL="0" indent="0">
+              <a:lnSpc>
+                <a:spcPct val="200000"/>
+              </a:lnSpc>
+              <a:buNone/>
+            </a:pPr>
+            <a:r>
+              <a:rPr lang="en-US">
+                <a:latin typeface="Sylfaen" panose="010A0502050306030303" pitchFamily="18" charset="0"/>
+              </a:rPr>
+              <a:t>Informational headers</a:t>
+            </a:r>
+          </a:p>
+          <a:p>
+            <a:pPr marL="0" indent="0">
+              <a:lnSpc>
+                <a:spcPct val="200000"/>
+              </a:lnSpc>
+              <a:buNone/>
+            </a:pPr>
+            <a:r>
+              <a:rPr lang="en-US">
+                <a:latin typeface="Sylfaen" panose="010A0502050306030303" pitchFamily="18" charset="0"/>
+              </a:rPr>
+              <a:t>Negotiation headers</a:t>
+            </a:r>
+          </a:p>
+          <a:p>
+            <a:pPr marL="0" indent="0">
+              <a:lnSpc>
+                <a:spcPct val="200000"/>
+              </a:lnSpc>
+              <a:buNone/>
+            </a:pPr>
+            <a:r>
+              <a:rPr lang="en-US">
+                <a:latin typeface="Sylfaen" panose="010A0502050306030303" pitchFamily="18" charset="0"/>
+              </a:rPr>
+              <a:t>Security headers</a:t>
+            </a:r>
+          </a:p>
+          <a:p>
+            <a:pPr marL="0" indent="0">
+              <a:buNone/>
+            </a:pPr>
+            <a:endParaRPr lang="en-US"/>
+          </a:p>
+        </p:txBody>
+      </p:sp>
+      <p:cxnSp>
+        <p:nvCxnSpPr>
+          <p:cNvPr id="4" name="Straight Connector 3">
+            <a:extLst>
+              <a:ext uri="{FF2B5EF4-FFF2-40B4-BE49-F238E27FC236}">
+                <a16:creationId xmlns:a16="http://schemas.microsoft.com/office/drawing/2014/main" id="{A36103DD-9AB5-4523-A443-7FB3FFFAA868}"/>
+              </a:ext>
+            </a:extLst>
+          </p:cNvPr>
+          <p:cNvCxnSpPr>
+            <a:cxnSpLocks/>
+          </p:cNvCxnSpPr>
+          <p:nvPr/>
+        </p:nvCxnSpPr>
+        <p:spPr>
+          <a:xfrm>
+            <a:off x="569235" y="1199374"/>
+            <a:ext cx="11053530" cy="0"/>
+          </a:xfrm>
+          <a:prstGeom prst="line">
+            <a:avLst/>
+          </a:prstGeom>
+        </p:spPr>
+        <p:style>
+          <a:lnRef idx="3">
+            <a:schemeClr val="accent1"/>
+          </a:lnRef>
+          <a:fillRef idx="0">
+            <a:schemeClr val="accent1"/>
+          </a:fillRef>
+          <a:effectRef idx="2">
+            <a:schemeClr val="accent1"/>
+          </a:effectRef>
+          <a:fontRef idx="minor">
+            <a:schemeClr val="tx1"/>
+          </a:fontRef>
+        </p:style>
+      </p:cxnSp>
+    </p:spTree>
+    <p:extLst>
+      <p:ext uri="{BB962C8B-B14F-4D97-AF65-F5344CB8AC3E}">
+        <p14:creationId xmlns:p14="http://schemas.microsoft.com/office/powerpoint/2010/main" val="2015234798"/>
+      </p:ext>
+    </p:extLst>
+  </p:cSld>
+  <p:clrMapOvr>
+    <a:masterClrMapping/>
+  </p:clrMapOvr>
+</p:sld>
+</file>
+
+<file path=ppt/slides/slide23.xml><?xml version="1.0" encoding="utf-8"?>
+<p:sld xmlns:a="http://schemas.openxmlformats.org/drawingml/2006/main" xmlns:r="http://schemas.openxmlformats.org/officeDocument/2006/relationships" xmlns:p="http://schemas.openxmlformats.org/presentationml/2006/main">
+  <p:cSld>
+    <p:spTree>
+      <p:nvGrpSpPr>
+        <p:cNvPr id="1" name=""/>
+        <p:cNvGrpSpPr/>
+        <p:nvPr/>
+      </p:nvGrpSpPr>
+      <p:grpSpPr>
+        <a:xfrm>
+          <a:off x="0" y="0"/>
+          <a:ext cx="0" cy="0"/>
+          <a:chOff x="0" y="0"/>
+          <a:chExt cx="0" cy="0"/>
+        </a:xfrm>
+      </p:grpSpPr>
+      <p:sp>
+        <p:nvSpPr>
+          <p:cNvPr id="2" name="Title 1">
+            <a:extLst>
+              <a:ext uri="{FF2B5EF4-FFF2-40B4-BE49-F238E27FC236}">
                 <a16:creationId xmlns:a16="http://schemas.microsoft.com/office/drawing/2014/main" id="{6477FEE9-BC48-4C5D-92B4-68220CE93BB1}"/>
               </a:ext>
             </a:extLst>
@@ -8455,7 +8658,7 @@
 </p:sld>
 </file>
 
-<file path=ppt/slides/slide23.xml><?xml version="1.0" encoding="utf-8"?>
+<file path=ppt/slides/slide24.xml><?xml version="1.0" encoding="utf-8"?>
 <p:sld xmlns:a="http://schemas.openxmlformats.org/drawingml/2006/main" xmlns:r="http://schemas.openxmlformats.org/officeDocument/2006/relationships" xmlns:p="http://schemas.openxmlformats.org/presentationml/2006/main">
   <p:cSld>
     <p:spTree>
@@ -8549,6 +8752,29 @@
                 <a:latin typeface="Sylfaen" panose="010A0502050306030303" pitchFamily="18" charset="0"/>
               </a:rPr>
               <a:t>Accept-Ranges</a:t>
+            </a:r>
+            <a:r>
+              <a:rPr lang="hy-AM">
+                <a:latin typeface="Sylfaen" panose="010A0502050306030303" pitchFamily="18" charset="0"/>
+              </a:rPr>
+              <a:t>։ </a:t>
+            </a:r>
+            <a:r>
+              <a:rPr lang="en-US">
+                <a:latin typeface="Sylfaen" panose="010A0502050306030303" pitchFamily="18" charset="0"/>
+              </a:rPr>
+              <a:t>range-unit | none</a:t>
+            </a:r>
+          </a:p>
+          <a:p>
+            <a:pPr marL="0" indent="0">
+              <a:buNone/>
+            </a:pPr>
+            <a:r>
+              <a:rPr lang="en-US">
+                <a:latin typeface="Sylfaen" panose="010A0502050306030303" pitchFamily="18" charset="0"/>
+              </a:rPr>
+              <a:t>Vary: </a:t>
             </a:r>
           </a:p>
         </p:txBody>
@@ -8604,6 +8830,896 @@
 </p:sld>
 </file>
 
+<file path=ppt/slides/slide25.xml><?xml version="1.0" encoding="utf-8"?>
+<p:sld xmlns:a="http://schemas.openxmlformats.org/drawingml/2006/main" xmlns:r="http://schemas.openxmlformats.org/officeDocument/2006/relationships" xmlns:p="http://schemas.openxmlformats.org/presentationml/2006/main">
+  <p:cSld>
+    <p:spTree>
+      <p:nvGrpSpPr>
+        <p:cNvPr id="1" name=""/>
+        <p:cNvGrpSpPr/>
+        <p:nvPr/>
+      </p:nvGrpSpPr>
+      <p:grpSpPr>
+        <a:xfrm>
+          <a:off x="0" y="0"/>
+          <a:ext cx="0" cy="0"/>
+          <a:chOff x="0" y="0"/>
+          <a:chExt cx="0" cy="0"/>
+        </a:xfrm>
+      </p:grpSpPr>
+      <p:sp>
+        <p:nvSpPr>
+          <p:cNvPr id="2" name="Title 1">
+            <a:extLst>
+              <a:ext uri="{FF2B5EF4-FFF2-40B4-BE49-F238E27FC236}">
+                <a16:creationId xmlns:a16="http://schemas.microsoft.com/office/drawing/2014/main" id="{4D9DFA2B-C60C-4072-90D1-6B9ACC08665D}"/>
+              </a:ext>
+            </a:extLst>
+          </p:cNvPr>
+          <p:cNvSpPr>
+            <a:spLocks noGrp="1"/>
+          </p:cNvSpPr>
+          <p:nvPr>
+            <p:ph type="title"/>
+          </p:nvPr>
+        </p:nvSpPr>
+        <p:spPr>
+          <a:xfrm>
+            <a:off x="838200" y="0"/>
+            <a:ext cx="10515600" cy="1325563"/>
+          </a:xfrm>
+        </p:spPr>
+        <p:txBody>
+          <a:bodyPr/>
+          <a:lstStyle/>
+          <a:p>
+            <a:pPr algn="ctr"/>
+            <a:r>
+              <a:rPr lang="en-US">
+                <a:latin typeface="Sylfaen" panose="010A0502050306030303" pitchFamily="18" charset="0"/>
+              </a:rPr>
+              <a:t>Response Security</a:t>
+            </a:r>
+            <a:r>
+              <a:rPr lang="hy-AM">
+                <a:latin typeface="Sylfaen" panose="010A0502050306030303" pitchFamily="18" charset="0"/>
+              </a:rPr>
+              <a:t> </a:t>
+            </a:r>
+            <a:r>
+              <a:rPr lang="en-US">
+                <a:latin typeface="Sylfaen" panose="010A0502050306030303" pitchFamily="18" charset="0"/>
+              </a:rPr>
+              <a:t>Headers</a:t>
+            </a:r>
+            <a:endParaRPr lang="en-US"/>
+          </a:p>
+        </p:txBody>
+      </p:sp>
+      <p:sp>
+        <p:nvSpPr>
+          <p:cNvPr id="3" name="Content Placeholder 2">
+            <a:extLst>
+              <a:ext uri="{FF2B5EF4-FFF2-40B4-BE49-F238E27FC236}">
+                <a16:creationId xmlns:a16="http://schemas.microsoft.com/office/drawing/2014/main" id="{324848F6-7CD9-46A4-B3DB-623709D4126C}"/>
+              </a:ext>
+            </a:extLst>
+          </p:cNvPr>
+          <p:cNvSpPr>
+            <a:spLocks noGrp="1"/>
+          </p:cNvSpPr>
+          <p:nvPr>
+            <p:ph idx="1"/>
+          </p:nvPr>
+        </p:nvSpPr>
+        <p:spPr/>
+        <p:txBody>
+          <a:bodyPr/>
+          <a:lstStyle/>
+          <a:p>
+            <a:pPr marL="0" indent="0">
+              <a:buNone/>
+            </a:pPr>
+            <a:r>
+              <a:rPr lang="hy-AM">
+                <a:latin typeface="Sylfaen" panose="010A0502050306030303" pitchFamily="18" charset="0"/>
+              </a:rPr>
+              <a:t>Proxy-Authenticate</a:t>
+            </a:r>
+          </a:p>
+          <a:p>
+            <a:pPr marL="0" indent="0">
+              <a:buNone/>
+            </a:pPr>
+            <a:r>
+              <a:rPr lang="en-US">
+                <a:latin typeface="Sylfaen" panose="010A0502050306030303" pitchFamily="18" charset="0"/>
+              </a:rPr>
+              <a:t>Set-Cookie</a:t>
+            </a:r>
+            <a:r>
+              <a:rPr lang="hy-AM">
+                <a:latin typeface="Sylfaen" panose="010A0502050306030303" pitchFamily="18" charset="0"/>
+              </a:rPr>
+              <a:t>։ </a:t>
+            </a:r>
+            <a:r>
+              <a:rPr lang="en-US">
+                <a:latin typeface="Sylfaen" panose="010A0502050306030303" pitchFamily="18" charset="0"/>
+              </a:rPr>
+              <a:t>name=value</a:t>
+            </a:r>
+            <a:r>
+              <a:rPr lang="hy-AM">
+                <a:latin typeface="Sylfaen" panose="010A0502050306030303" pitchFamily="18" charset="0"/>
+              </a:rPr>
+              <a:t>; </a:t>
+            </a:r>
+            <a:r>
+              <a:rPr lang="en-US">
+                <a:latin typeface="Sylfaen" panose="010A0502050306030303" pitchFamily="18" charset="0"/>
+              </a:rPr>
+              <a:t>options</a:t>
+            </a:r>
+          </a:p>
+        </p:txBody>
+      </p:sp>
+      <p:cxnSp>
+        <p:nvCxnSpPr>
+          <p:cNvPr id="4" name="Straight Connector 3">
+            <a:extLst>
+              <a:ext uri="{FF2B5EF4-FFF2-40B4-BE49-F238E27FC236}">
+                <a16:creationId xmlns:a16="http://schemas.microsoft.com/office/drawing/2014/main" id="{9FE392F9-B704-40EB-B12A-873302AD179E}"/>
+              </a:ext>
+            </a:extLst>
+          </p:cNvPr>
+          <p:cNvCxnSpPr>
+            <a:cxnSpLocks/>
+          </p:cNvCxnSpPr>
+          <p:nvPr/>
+        </p:nvCxnSpPr>
+        <p:spPr>
+          <a:xfrm>
+            <a:off x="569235" y="1199374"/>
+            <a:ext cx="11053530" cy="0"/>
+          </a:xfrm>
+          <a:prstGeom prst="line">
+            <a:avLst/>
+          </a:prstGeom>
+        </p:spPr>
+        <p:style>
+          <a:lnRef idx="3">
+            <a:schemeClr val="accent1"/>
+          </a:lnRef>
+          <a:fillRef idx="0">
+            <a:schemeClr val="accent1"/>
+          </a:fillRef>
+          <a:effectRef idx="2">
+            <a:schemeClr val="accent1"/>
+          </a:effectRef>
+          <a:fontRef idx="minor">
+            <a:schemeClr val="tx1"/>
+          </a:fontRef>
+        </p:style>
+      </p:cxnSp>
+    </p:spTree>
+    <p:extLst>
+      <p:ext uri="{BB962C8B-B14F-4D97-AF65-F5344CB8AC3E}">
+        <p14:creationId xmlns:p14="http://schemas.microsoft.com/office/powerpoint/2010/main" val="4023471285"/>
+      </p:ext>
+    </p:extLst>
+  </p:cSld>
+  <p:clrMapOvr>
+    <a:masterClrMapping/>
+  </p:clrMapOvr>
+</p:sld>
+</file>
+
+<file path=ppt/slides/slide26.xml><?xml version="1.0" encoding="utf-8"?>
+<p:sld xmlns:a="http://schemas.openxmlformats.org/drawingml/2006/main" xmlns:r="http://schemas.openxmlformats.org/officeDocument/2006/relationships" xmlns:p="http://schemas.openxmlformats.org/presentationml/2006/main">
+  <p:cSld>
+    <p:spTree>
+      <p:nvGrpSpPr>
+        <p:cNvPr id="1" name=""/>
+        <p:cNvGrpSpPr/>
+        <p:nvPr/>
+      </p:nvGrpSpPr>
+      <p:grpSpPr>
+        <a:xfrm>
+          <a:off x="0" y="0"/>
+          <a:ext cx="0" cy="0"/>
+          <a:chOff x="0" y="0"/>
+          <a:chExt cx="0" cy="0"/>
+        </a:xfrm>
+      </p:grpSpPr>
+      <p:sp>
+        <p:nvSpPr>
+          <p:cNvPr id="2" name="Title 1">
+            <a:extLst>
+              <a:ext uri="{FF2B5EF4-FFF2-40B4-BE49-F238E27FC236}">
+                <a16:creationId xmlns:a16="http://schemas.microsoft.com/office/drawing/2014/main" id="{4704E754-38E3-474D-8C03-8943568CA82F}"/>
+              </a:ext>
+            </a:extLst>
+          </p:cNvPr>
+          <p:cNvSpPr>
+            <a:spLocks noGrp="1"/>
+          </p:cNvSpPr>
+          <p:nvPr>
+            <p:ph type="title"/>
+          </p:nvPr>
+        </p:nvSpPr>
+        <p:spPr>
+          <a:xfrm>
+            <a:off x="838200" y="18255"/>
+            <a:ext cx="10515600" cy="1325563"/>
+          </a:xfrm>
+        </p:spPr>
+        <p:txBody>
+          <a:bodyPr/>
+          <a:lstStyle/>
+          <a:p>
+            <a:pPr algn="ctr"/>
+            <a:r>
+              <a:rPr lang="en-US">
+                <a:latin typeface="Sylfaen" panose="010A0502050306030303" pitchFamily="18" charset="0"/>
+              </a:rPr>
+              <a:t>Entity</a:t>
+            </a:r>
+            <a:r>
+              <a:rPr lang="hy-AM">
+                <a:latin typeface="Sylfaen" panose="010A0502050306030303" pitchFamily="18" charset="0"/>
+              </a:rPr>
+              <a:t> </a:t>
+            </a:r>
+            <a:r>
+              <a:rPr lang="en-US">
+                <a:latin typeface="Sylfaen" panose="010A0502050306030303" pitchFamily="18" charset="0"/>
+              </a:rPr>
+              <a:t>Headers</a:t>
+            </a:r>
+            <a:endParaRPr lang="en-US"/>
+          </a:p>
+        </p:txBody>
+      </p:sp>
+      <p:sp>
+        <p:nvSpPr>
+          <p:cNvPr id="3" name="Content Placeholder 2">
+            <a:extLst>
+              <a:ext uri="{FF2B5EF4-FFF2-40B4-BE49-F238E27FC236}">
+                <a16:creationId xmlns:a16="http://schemas.microsoft.com/office/drawing/2014/main" id="{F9948211-FCB2-492E-B4A7-D6E26E4188BF}"/>
+              </a:ext>
+            </a:extLst>
+          </p:cNvPr>
+          <p:cNvSpPr>
+            <a:spLocks noGrp="1"/>
+          </p:cNvSpPr>
+          <p:nvPr>
+            <p:ph idx="1"/>
+          </p:nvPr>
+        </p:nvSpPr>
+        <p:spPr/>
+        <p:txBody>
+          <a:bodyPr/>
+          <a:lstStyle/>
+          <a:p>
+            <a:pPr marL="0" indent="0">
+              <a:buNone/>
+            </a:pPr>
+            <a:r>
+              <a:rPr lang="en-US">
+                <a:latin typeface="Sylfaen" panose="010A0502050306030303" pitchFamily="18" charset="0"/>
+              </a:rPr>
+              <a:t>Informational headers</a:t>
+            </a:r>
+          </a:p>
+          <a:p>
+            <a:pPr marL="0" indent="0">
+              <a:buNone/>
+            </a:pPr>
+            <a:r>
+              <a:rPr lang="en-US">
+                <a:latin typeface="Sylfaen" panose="010A0502050306030303" pitchFamily="18" charset="0"/>
+              </a:rPr>
+              <a:t>Content headers</a:t>
+            </a:r>
+          </a:p>
+          <a:p>
+            <a:pPr marL="0" indent="0">
+              <a:buNone/>
+            </a:pPr>
+            <a:r>
+              <a:rPr lang="en-US">
+                <a:latin typeface="Sylfaen" panose="010A0502050306030303" pitchFamily="18" charset="0"/>
+              </a:rPr>
+              <a:t>Entity caching headers</a:t>
+            </a:r>
+          </a:p>
+          <a:p>
+            <a:pPr marL="0" indent="0">
+              <a:buNone/>
+            </a:pPr>
+            <a:endParaRPr lang="en-US"/>
+          </a:p>
+        </p:txBody>
+      </p:sp>
+      <p:cxnSp>
+        <p:nvCxnSpPr>
+          <p:cNvPr id="4" name="Straight Connector 3">
+            <a:extLst>
+              <a:ext uri="{FF2B5EF4-FFF2-40B4-BE49-F238E27FC236}">
+                <a16:creationId xmlns:a16="http://schemas.microsoft.com/office/drawing/2014/main" id="{753CE99D-ADDA-4281-B326-552EDFB2F8BF}"/>
+              </a:ext>
+            </a:extLst>
+          </p:cNvPr>
+          <p:cNvCxnSpPr>
+            <a:cxnSpLocks/>
+          </p:cNvCxnSpPr>
+          <p:nvPr/>
+        </p:nvCxnSpPr>
+        <p:spPr>
+          <a:xfrm>
+            <a:off x="569235" y="1199374"/>
+            <a:ext cx="11053530" cy="0"/>
+          </a:xfrm>
+          <a:prstGeom prst="line">
+            <a:avLst/>
+          </a:prstGeom>
+        </p:spPr>
+        <p:style>
+          <a:lnRef idx="3">
+            <a:schemeClr val="accent1"/>
+          </a:lnRef>
+          <a:fillRef idx="0">
+            <a:schemeClr val="accent1"/>
+          </a:fillRef>
+          <a:effectRef idx="2">
+            <a:schemeClr val="accent1"/>
+          </a:effectRef>
+          <a:fontRef idx="minor">
+            <a:schemeClr val="tx1"/>
+          </a:fontRef>
+        </p:style>
+      </p:cxnSp>
+    </p:spTree>
+    <p:extLst>
+      <p:ext uri="{BB962C8B-B14F-4D97-AF65-F5344CB8AC3E}">
+        <p14:creationId xmlns:p14="http://schemas.microsoft.com/office/powerpoint/2010/main" val="805329348"/>
+      </p:ext>
+    </p:extLst>
+  </p:cSld>
+  <p:clrMapOvr>
+    <a:masterClrMapping/>
+  </p:clrMapOvr>
+</p:sld>
+</file>
+
+<file path=ppt/slides/slide27.xml><?xml version="1.0" encoding="utf-8"?>
+<p:sld xmlns:a="http://schemas.openxmlformats.org/drawingml/2006/main" xmlns:r="http://schemas.openxmlformats.org/officeDocument/2006/relationships" xmlns:p="http://schemas.openxmlformats.org/presentationml/2006/main">
+  <p:cSld>
+    <p:spTree>
+      <p:nvGrpSpPr>
+        <p:cNvPr id="1" name=""/>
+        <p:cNvGrpSpPr/>
+        <p:nvPr/>
+      </p:nvGrpSpPr>
+      <p:grpSpPr>
+        <a:xfrm>
+          <a:off x="0" y="0"/>
+          <a:ext cx="0" cy="0"/>
+          <a:chOff x="0" y="0"/>
+          <a:chExt cx="0" cy="0"/>
+        </a:xfrm>
+      </p:grpSpPr>
+      <p:sp>
+        <p:nvSpPr>
+          <p:cNvPr id="2" name="Title 1">
+            <a:extLst>
+              <a:ext uri="{FF2B5EF4-FFF2-40B4-BE49-F238E27FC236}">
+                <a16:creationId xmlns:a16="http://schemas.microsoft.com/office/drawing/2014/main" id="{ADB04796-4706-4EAA-88D0-CDA2C362C8D9}"/>
+              </a:ext>
+            </a:extLst>
+          </p:cNvPr>
+          <p:cNvSpPr>
+            <a:spLocks noGrp="1"/>
+          </p:cNvSpPr>
+          <p:nvPr>
+            <p:ph type="title"/>
+          </p:nvPr>
+        </p:nvSpPr>
+        <p:spPr/>
+        <p:txBody>
+          <a:bodyPr/>
+          <a:lstStyle/>
+          <a:p>
+            <a:pPr algn="ctr"/>
+            <a:r>
+              <a:rPr lang="en-US">
+                <a:latin typeface="Sylfaen" panose="010A0502050306030303" pitchFamily="18" charset="0"/>
+              </a:rPr>
+              <a:t>Entity</a:t>
+            </a:r>
+            <a:r>
+              <a:rPr lang="hy-AM">
+                <a:latin typeface="Sylfaen" panose="010A0502050306030303" pitchFamily="18" charset="0"/>
+              </a:rPr>
+              <a:t> </a:t>
+            </a:r>
+            <a:r>
+              <a:rPr lang="en-US">
+                <a:latin typeface="Sylfaen" panose="010A0502050306030303" pitchFamily="18" charset="0"/>
+              </a:rPr>
+              <a:t>Informational</a:t>
+            </a:r>
+            <a:r>
+              <a:rPr lang="hy-AM">
+                <a:latin typeface="Sylfaen" panose="010A0502050306030303" pitchFamily="18" charset="0"/>
+              </a:rPr>
+              <a:t> </a:t>
+            </a:r>
+            <a:r>
+              <a:rPr lang="en-US">
+                <a:latin typeface="Sylfaen" panose="010A0502050306030303" pitchFamily="18" charset="0"/>
+              </a:rPr>
+              <a:t>Headers</a:t>
+            </a:r>
+            <a:endParaRPr lang="en-US"/>
+          </a:p>
+        </p:txBody>
+      </p:sp>
+      <p:sp>
+        <p:nvSpPr>
+          <p:cNvPr id="3" name="Content Placeholder 2">
+            <a:extLst>
+              <a:ext uri="{FF2B5EF4-FFF2-40B4-BE49-F238E27FC236}">
+                <a16:creationId xmlns:a16="http://schemas.microsoft.com/office/drawing/2014/main" id="{3B4E313D-86D8-46AB-B3EC-C88872C5282C}"/>
+              </a:ext>
+            </a:extLst>
+          </p:cNvPr>
+          <p:cNvSpPr>
+            <a:spLocks noGrp="1"/>
+          </p:cNvSpPr>
+          <p:nvPr>
+            <p:ph idx="1"/>
+          </p:nvPr>
+        </p:nvSpPr>
+        <p:spPr/>
+        <p:txBody>
+          <a:bodyPr/>
+          <a:lstStyle/>
+          <a:p>
+            <a:pPr marL="0" indent="0">
+              <a:buNone/>
+            </a:pPr>
+            <a:r>
+              <a:rPr lang="en-US"/>
+              <a:t>Allow: method</a:t>
+            </a:r>
+          </a:p>
+        </p:txBody>
+      </p:sp>
+    </p:spTree>
+    <p:extLst>
+      <p:ext uri="{BB962C8B-B14F-4D97-AF65-F5344CB8AC3E}">
+        <p14:creationId xmlns:p14="http://schemas.microsoft.com/office/powerpoint/2010/main" val="3334061831"/>
+      </p:ext>
+    </p:extLst>
+  </p:cSld>
+  <p:clrMapOvr>
+    <a:masterClrMapping/>
+  </p:clrMapOvr>
+</p:sld>
+</file>
+
+<file path=ppt/slides/slide28.xml><?xml version="1.0" encoding="utf-8"?>
+<p:sld xmlns:a="http://schemas.openxmlformats.org/drawingml/2006/main" xmlns:r="http://schemas.openxmlformats.org/officeDocument/2006/relationships" xmlns:p="http://schemas.openxmlformats.org/presentationml/2006/main">
+  <p:cSld>
+    <p:spTree>
+      <p:nvGrpSpPr>
+        <p:cNvPr id="1" name=""/>
+        <p:cNvGrpSpPr/>
+        <p:nvPr/>
+      </p:nvGrpSpPr>
+      <p:grpSpPr>
+        <a:xfrm>
+          <a:off x="0" y="0"/>
+          <a:ext cx="0" cy="0"/>
+          <a:chOff x="0" y="0"/>
+          <a:chExt cx="0" cy="0"/>
+        </a:xfrm>
+      </p:grpSpPr>
+      <p:sp>
+        <p:nvSpPr>
+          <p:cNvPr id="2" name="Title 1">
+            <a:extLst>
+              <a:ext uri="{FF2B5EF4-FFF2-40B4-BE49-F238E27FC236}">
+                <a16:creationId xmlns:a16="http://schemas.microsoft.com/office/drawing/2014/main" id="{748B80DF-2C16-404A-A5AD-6A57A7C9169A}"/>
+              </a:ext>
+            </a:extLst>
+          </p:cNvPr>
+          <p:cNvSpPr>
+            <a:spLocks noGrp="1"/>
+          </p:cNvSpPr>
+          <p:nvPr>
+            <p:ph type="title"/>
+          </p:nvPr>
+        </p:nvSpPr>
+        <p:spPr>
+          <a:xfrm>
+            <a:off x="838200" y="0"/>
+            <a:ext cx="10515600" cy="1325563"/>
+          </a:xfrm>
+        </p:spPr>
+        <p:txBody>
+          <a:bodyPr/>
+          <a:lstStyle/>
+          <a:p>
+            <a:pPr algn="ctr"/>
+            <a:r>
+              <a:rPr lang="en-US">
+                <a:latin typeface="Sylfaen" panose="010A0502050306030303" pitchFamily="18" charset="0"/>
+              </a:rPr>
+              <a:t>Entity Content headers</a:t>
+            </a:r>
+            <a:endParaRPr lang="en-US"/>
+          </a:p>
+        </p:txBody>
+      </p:sp>
+      <p:sp>
+        <p:nvSpPr>
+          <p:cNvPr id="3" name="Content Placeholder 2">
+            <a:extLst>
+              <a:ext uri="{FF2B5EF4-FFF2-40B4-BE49-F238E27FC236}">
+                <a16:creationId xmlns:a16="http://schemas.microsoft.com/office/drawing/2014/main" id="{35AEA57C-6B4C-45C8-AC55-5C4064B56CE9}"/>
+              </a:ext>
+            </a:extLst>
+          </p:cNvPr>
+          <p:cNvSpPr>
+            <a:spLocks noGrp="1"/>
+          </p:cNvSpPr>
+          <p:nvPr>
+            <p:ph idx="1"/>
+          </p:nvPr>
+        </p:nvSpPr>
+        <p:spPr/>
+        <p:txBody>
+          <a:bodyPr/>
+          <a:lstStyle/>
+          <a:p>
+            <a:pPr marL="0" indent="0">
+              <a:buNone/>
+            </a:pPr>
+            <a:r>
+              <a:rPr lang="hy-AM">
+                <a:latin typeface="Sylfaen" panose="010A0502050306030303" pitchFamily="18" charset="0"/>
+              </a:rPr>
+              <a:t>Content-Encoding։ </a:t>
+            </a:r>
+            <a:r>
+              <a:rPr lang="en-US">
+                <a:latin typeface="Sylfaen" panose="010A0502050306030303" pitchFamily="18" charset="0"/>
+              </a:rPr>
+              <a:t>content-coding</a:t>
+            </a:r>
+            <a:r>
+              <a:rPr lang="hy-AM">
+                <a:latin typeface="Sylfaen" panose="010A0502050306030303" pitchFamily="18" charset="0"/>
+              </a:rPr>
+              <a:t> </a:t>
+            </a:r>
+            <a:endParaRPr lang="en-US">
+              <a:latin typeface="Sylfaen" panose="010A0502050306030303" pitchFamily="18" charset="0"/>
+            </a:endParaRPr>
+          </a:p>
+          <a:p>
+            <a:pPr marL="0" indent="0">
+              <a:buNone/>
+            </a:pPr>
+            <a:r>
+              <a:rPr lang="hy-AM">
+                <a:latin typeface="Sylfaen" panose="010A0502050306030303" pitchFamily="18" charset="0"/>
+              </a:rPr>
+              <a:t>Content-</a:t>
+            </a:r>
+            <a:r>
+              <a:rPr lang="en-US">
+                <a:latin typeface="Sylfaen" panose="010A0502050306030303" pitchFamily="18" charset="0"/>
+              </a:rPr>
+              <a:t>Language: language-tag</a:t>
+            </a:r>
+          </a:p>
+          <a:p>
+            <a:pPr marL="0" indent="0">
+              <a:buNone/>
+            </a:pPr>
+            <a:r>
+              <a:rPr lang="hy-AM">
+                <a:latin typeface="Sylfaen" panose="010A0502050306030303" pitchFamily="18" charset="0"/>
+              </a:rPr>
+              <a:t>Content-</a:t>
+            </a:r>
+            <a:r>
+              <a:rPr lang="en-US">
+                <a:latin typeface="Sylfaen" panose="010A0502050306030303" pitchFamily="18" charset="0"/>
+              </a:rPr>
+              <a:t>Length: digits</a:t>
+            </a:r>
+            <a:endParaRPr lang="hy-AM">
+              <a:latin typeface="Sylfaen" panose="010A0502050306030303" pitchFamily="18" charset="0"/>
+            </a:endParaRPr>
+          </a:p>
+          <a:p>
+            <a:pPr marL="0" indent="0">
+              <a:buNone/>
+            </a:pPr>
+            <a:r>
+              <a:rPr lang="hy-AM">
+                <a:latin typeface="Sylfaen" panose="010A0502050306030303" pitchFamily="18" charset="0"/>
+              </a:rPr>
+              <a:t>Content-</a:t>
+            </a:r>
+            <a:r>
+              <a:rPr lang="en-US">
+                <a:latin typeface="Sylfaen" panose="010A0502050306030303" pitchFamily="18" charset="0"/>
+              </a:rPr>
+              <a:t>Location: absoluteURI | relativeURI</a:t>
+            </a:r>
+          </a:p>
+          <a:p>
+            <a:pPr marL="0" indent="0">
+              <a:buNone/>
+            </a:pPr>
+            <a:r>
+              <a:rPr lang="hy-AM">
+                <a:latin typeface="Sylfaen" panose="010A0502050306030303" pitchFamily="18" charset="0"/>
+              </a:rPr>
+              <a:t>Content-</a:t>
+            </a:r>
+            <a:r>
+              <a:rPr lang="en-US">
+                <a:latin typeface="Sylfaen" panose="010A0502050306030303" pitchFamily="18" charset="0"/>
+              </a:rPr>
+              <a:t>MD5: md5-digest</a:t>
+            </a:r>
+            <a:endParaRPr lang="hy-AM">
+              <a:latin typeface="Sylfaen" panose="010A0502050306030303" pitchFamily="18" charset="0"/>
+            </a:endParaRPr>
+          </a:p>
+          <a:p>
+            <a:pPr marL="0" indent="0">
+              <a:buNone/>
+            </a:pPr>
+            <a:r>
+              <a:rPr lang="hy-AM">
+                <a:latin typeface="Sylfaen" panose="010A0502050306030303" pitchFamily="18" charset="0"/>
+              </a:rPr>
+              <a:t>Content-</a:t>
+            </a:r>
+            <a:r>
+              <a:rPr lang="en-US">
+                <a:latin typeface="Sylfaen" panose="010A0502050306030303" pitchFamily="18" charset="0"/>
+              </a:rPr>
+              <a:t>Range: bytes</a:t>
+            </a:r>
+          </a:p>
+        </p:txBody>
+      </p:sp>
+      <p:cxnSp>
+        <p:nvCxnSpPr>
+          <p:cNvPr id="4" name="Straight Connector 3">
+            <a:extLst>
+              <a:ext uri="{FF2B5EF4-FFF2-40B4-BE49-F238E27FC236}">
+                <a16:creationId xmlns:a16="http://schemas.microsoft.com/office/drawing/2014/main" id="{8A190675-0196-43D0-A370-DB555D7C6B4F}"/>
+              </a:ext>
+            </a:extLst>
+          </p:cNvPr>
+          <p:cNvCxnSpPr>
+            <a:cxnSpLocks/>
+          </p:cNvCxnSpPr>
+          <p:nvPr/>
+        </p:nvCxnSpPr>
+        <p:spPr>
+          <a:xfrm>
+            <a:off x="569235" y="1199374"/>
+            <a:ext cx="11053530" cy="0"/>
+          </a:xfrm>
+          <a:prstGeom prst="line">
+            <a:avLst/>
+          </a:prstGeom>
+        </p:spPr>
+        <p:style>
+          <a:lnRef idx="3">
+            <a:schemeClr val="accent1"/>
+          </a:lnRef>
+          <a:fillRef idx="0">
+            <a:schemeClr val="accent1"/>
+          </a:fillRef>
+          <a:effectRef idx="2">
+            <a:schemeClr val="accent1"/>
+          </a:effectRef>
+          <a:fontRef idx="minor">
+            <a:schemeClr val="tx1"/>
+          </a:fontRef>
+        </p:style>
+      </p:cxnSp>
+    </p:spTree>
+    <p:extLst>
+      <p:ext uri="{BB962C8B-B14F-4D97-AF65-F5344CB8AC3E}">
+        <p14:creationId xmlns:p14="http://schemas.microsoft.com/office/powerpoint/2010/main" val="196275197"/>
+      </p:ext>
+    </p:extLst>
+  </p:cSld>
+  <p:clrMapOvr>
+    <a:masterClrMapping/>
+  </p:clrMapOvr>
+</p:sld>
+</file>
+
+<file path=ppt/slides/slide29.xml><?xml version="1.0" encoding="utf-8"?>
+<p:sld xmlns:a="http://schemas.openxmlformats.org/drawingml/2006/main" xmlns:r="http://schemas.openxmlformats.org/officeDocument/2006/relationships" xmlns:p="http://schemas.openxmlformats.org/presentationml/2006/main">
+  <p:cSld>
+    <p:spTree>
+      <p:nvGrpSpPr>
+        <p:cNvPr id="1" name=""/>
+        <p:cNvGrpSpPr/>
+        <p:nvPr/>
+      </p:nvGrpSpPr>
+      <p:grpSpPr>
+        <a:xfrm>
+          <a:off x="0" y="0"/>
+          <a:ext cx="0" cy="0"/>
+          <a:chOff x="0" y="0"/>
+          <a:chExt cx="0" cy="0"/>
+        </a:xfrm>
+      </p:grpSpPr>
+      <p:sp>
+        <p:nvSpPr>
+          <p:cNvPr id="2" name="Title 1">
+            <a:extLst>
+              <a:ext uri="{FF2B5EF4-FFF2-40B4-BE49-F238E27FC236}">
+                <a16:creationId xmlns:a16="http://schemas.microsoft.com/office/drawing/2014/main" id="{F3C06FF0-16F1-4825-902C-515AF7AA251D}"/>
+              </a:ext>
+            </a:extLst>
+          </p:cNvPr>
+          <p:cNvSpPr>
+            <a:spLocks noGrp="1"/>
+          </p:cNvSpPr>
+          <p:nvPr>
+            <p:ph type="title"/>
+          </p:nvPr>
+        </p:nvSpPr>
+        <p:spPr>
+          <a:xfrm>
+            <a:off x="838200" y="18255"/>
+            <a:ext cx="10515600" cy="1325563"/>
+          </a:xfrm>
+        </p:spPr>
+        <p:txBody>
+          <a:bodyPr/>
+          <a:lstStyle/>
+          <a:p>
+            <a:pPr algn="ctr"/>
+            <a:r>
+              <a:rPr lang="en-US">
+                <a:latin typeface="Sylfaen" panose="010A0502050306030303" pitchFamily="18" charset="0"/>
+              </a:rPr>
+              <a:t>Entity Caching headers</a:t>
+            </a:r>
+            <a:endParaRPr lang="en-US"/>
+          </a:p>
+        </p:txBody>
+      </p:sp>
+      <p:sp>
+        <p:nvSpPr>
+          <p:cNvPr id="3" name="Content Placeholder 2">
+            <a:extLst>
+              <a:ext uri="{FF2B5EF4-FFF2-40B4-BE49-F238E27FC236}">
+                <a16:creationId xmlns:a16="http://schemas.microsoft.com/office/drawing/2014/main" id="{AC6C7D7F-A670-412B-8369-0ABB8BC8E4E1}"/>
+              </a:ext>
+            </a:extLst>
+          </p:cNvPr>
+          <p:cNvSpPr>
+            <a:spLocks noGrp="1"/>
+          </p:cNvSpPr>
+          <p:nvPr>
+            <p:ph idx="1"/>
+          </p:nvPr>
+        </p:nvSpPr>
+        <p:spPr/>
+        <p:txBody>
+          <a:bodyPr/>
+          <a:lstStyle/>
+          <a:p>
+            <a:pPr marL="0" indent="0">
+              <a:buNone/>
+            </a:pPr>
+            <a:r>
+              <a:rPr lang="en-US">
+                <a:latin typeface="Sylfaen" panose="010A0502050306030303" pitchFamily="18" charset="0"/>
+              </a:rPr>
+              <a:t>Expires: date</a:t>
+            </a:r>
+          </a:p>
+          <a:p>
+            <a:pPr marL="0" indent="0">
+              <a:buNone/>
+            </a:pPr>
+            <a:r>
+              <a:rPr lang="hy-AM">
+                <a:latin typeface="Sylfaen" panose="010A0502050306030303" pitchFamily="18" charset="0"/>
+              </a:rPr>
+              <a:t>Last-Modified</a:t>
+            </a:r>
+            <a:r>
+              <a:rPr lang="en-US">
+                <a:latin typeface="Sylfaen" panose="010A0502050306030303" pitchFamily="18" charset="0"/>
+              </a:rPr>
+              <a:t>: date</a:t>
+            </a:r>
+            <a:endParaRPr lang="hy-AM">
+              <a:latin typeface="Sylfaen" panose="010A0502050306030303" pitchFamily="18" charset="0"/>
+            </a:endParaRPr>
+          </a:p>
+          <a:p>
+            <a:pPr marL="0" indent="0">
+              <a:buNone/>
+            </a:pPr>
+            <a:endParaRPr lang="en-US">
+              <a:latin typeface="Sylfaen" panose="010A0502050306030303" pitchFamily="18" charset="0"/>
+            </a:endParaRPr>
+          </a:p>
+        </p:txBody>
+      </p:sp>
+      <p:cxnSp>
+        <p:nvCxnSpPr>
+          <p:cNvPr id="4" name="Straight Connector 3">
+            <a:extLst>
+              <a:ext uri="{FF2B5EF4-FFF2-40B4-BE49-F238E27FC236}">
+                <a16:creationId xmlns:a16="http://schemas.microsoft.com/office/drawing/2014/main" id="{1B16E184-AB81-4003-9A83-C098E5CD46BC}"/>
+              </a:ext>
+            </a:extLst>
+          </p:cNvPr>
+          <p:cNvCxnSpPr>
+            <a:cxnSpLocks/>
+          </p:cNvCxnSpPr>
+          <p:nvPr/>
+        </p:nvCxnSpPr>
+        <p:spPr>
+          <a:xfrm>
+            <a:off x="569235" y="1199374"/>
+            <a:ext cx="11053530" cy="0"/>
+          </a:xfrm>
+          <a:prstGeom prst="line">
+            <a:avLst/>
+          </a:prstGeom>
+        </p:spPr>
+        <p:style>
+          <a:lnRef idx="3">
+            <a:schemeClr val="accent1"/>
+          </a:lnRef>
+          <a:fillRef idx="0">
+            <a:schemeClr val="accent1"/>
+          </a:fillRef>
+          <a:effectRef idx="2">
+            <a:schemeClr val="accent1"/>
+          </a:effectRef>
+          <a:fontRef idx="minor">
+            <a:schemeClr val="tx1"/>
+          </a:fontRef>
+        </p:style>
+      </p:cxnSp>
+    </p:spTree>
+    <p:extLst>
+      <p:ext uri="{BB962C8B-B14F-4D97-AF65-F5344CB8AC3E}">
+        <p14:creationId xmlns:p14="http://schemas.microsoft.com/office/powerpoint/2010/main" val="2898420958"/>
+      </p:ext>
+    </p:extLst>
+  </p:cSld>
+  <p:clrMapOvr>
+    <a:masterClrMapping/>
+  </p:clrMapOvr>
+</p:sld>
+</file>
+
 <file path=ppt/slides/slide3.xml><?xml version="1.0" encoding="utf-8"?>
 <p:sld xmlns:a="http://schemas.openxmlformats.org/drawingml/2006/main" xmlns:r="http://schemas.openxmlformats.org/officeDocument/2006/relationships" xmlns:p="http://schemas.openxmlformats.org/presentationml/2006/main">
   <p:cSld>
@@ -9171,6 +10287,1127 @@
     <p:extLst>
       <p:ext uri="{BB962C8B-B14F-4D97-AF65-F5344CB8AC3E}">
         <p14:creationId xmlns:p14="http://schemas.microsoft.com/office/powerpoint/2010/main" val="2044536160"/>
+      </p:ext>
+    </p:extLst>
+  </p:cSld>
+  <p:clrMapOvr>
+    <a:masterClrMapping/>
+  </p:clrMapOvr>
+</p:sld>
+</file>
+
+<file path=ppt/slides/slide30.xml><?xml version="1.0" encoding="utf-8"?>
+<p:sld xmlns:a="http://schemas.openxmlformats.org/drawingml/2006/main" xmlns:r="http://schemas.openxmlformats.org/officeDocument/2006/relationships" xmlns:p="http://schemas.openxmlformats.org/presentationml/2006/main">
+  <p:cSld>
+    <p:spTree>
+      <p:nvGrpSpPr>
+        <p:cNvPr id="1" name=""/>
+        <p:cNvGrpSpPr/>
+        <p:nvPr/>
+      </p:nvGrpSpPr>
+      <p:grpSpPr>
+        <a:xfrm>
+          <a:off x="0" y="0"/>
+          <a:ext cx="0" cy="0"/>
+          <a:chOff x="0" y="0"/>
+          <a:chExt cx="0" cy="0"/>
+        </a:xfrm>
+      </p:grpSpPr>
+      <p:sp>
+        <p:nvSpPr>
+          <p:cNvPr id="2" name="Title 1">
+            <a:extLst>
+              <a:ext uri="{FF2B5EF4-FFF2-40B4-BE49-F238E27FC236}">
+                <a16:creationId xmlns:a16="http://schemas.microsoft.com/office/drawing/2014/main" id="{A8B06BCD-222F-4C2D-A7E9-1FD1930D1ECF}"/>
+              </a:ext>
+            </a:extLst>
+          </p:cNvPr>
+          <p:cNvSpPr>
+            <a:spLocks noGrp="1"/>
+          </p:cNvSpPr>
+          <p:nvPr>
+            <p:ph type="title"/>
+          </p:nvPr>
+        </p:nvSpPr>
+        <p:spPr>
+          <a:xfrm>
+            <a:off x="838200" y="-149741"/>
+            <a:ext cx="10515600" cy="1325563"/>
+          </a:xfrm>
+        </p:spPr>
+        <p:txBody>
+          <a:bodyPr/>
+          <a:lstStyle/>
+          <a:p>
+            <a:pPr algn="ctr"/>
+            <a:r>
+              <a:rPr lang="en-US">
+                <a:latin typeface="Sylfaen" panose="010A0502050306030303" pitchFamily="18" charset="0"/>
+              </a:rPr>
+              <a:t>Cache-Control</a:t>
+            </a:r>
+            <a:endParaRPr lang="en-US"/>
+          </a:p>
+        </p:txBody>
+      </p:sp>
+      <p:sp>
+        <p:nvSpPr>
+          <p:cNvPr id="3" name="Content Placeholder 2">
+            <a:extLst>
+              <a:ext uri="{FF2B5EF4-FFF2-40B4-BE49-F238E27FC236}">
+                <a16:creationId xmlns:a16="http://schemas.microsoft.com/office/drawing/2014/main" id="{4C4F74C5-86E2-4899-9C30-7F8ECC593950}"/>
+              </a:ext>
+            </a:extLst>
+          </p:cNvPr>
+          <p:cNvSpPr>
+            <a:spLocks noGrp="1"/>
+          </p:cNvSpPr>
+          <p:nvPr>
+            <p:ph idx="1"/>
+          </p:nvPr>
+        </p:nvSpPr>
+        <p:spPr>
+          <a:xfrm>
+            <a:off x="6945443" y="1613584"/>
+            <a:ext cx="3973643" cy="4741163"/>
+          </a:xfrm>
+        </p:spPr>
+        <p:txBody>
+          <a:bodyPr>
+            <a:normAutofit/>
+          </a:bodyPr>
+          <a:lstStyle/>
+          <a:p>
+            <a:pPr marL="0" indent="0" algn="ctr">
+              <a:buNone/>
+            </a:pPr>
+            <a:r>
+              <a:rPr lang="en-US" b="1">
+                <a:latin typeface="Sylfaen" panose="010A0502050306030303" pitchFamily="18" charset="0"/>
+              </a:rPr>
+              <a:t>HTTP response directive</a:t>
+            </a:r>
+          </a:p>
+          <a:p>
+            <a:pPr marL="0" indent="0" algn="ctr">
+              <a:buNone/>
+            </a:pPr>
+            <a:r>
+              <a:rPr lang="en-US">
+                <a:latin typeface="Sylfaen" panose="010A0502050306030303" pitchFamily="18" charset="0"/>
+              </a:rPr>
+              <a:t>public / private</a:t>
+            </a:r>
+          </a:p>
+          <a:p>
+            <a:pPr marL="0" indent="0" algn="ctr">
+              <a:buNone/>
+            </a:pPr>
+            <a:r>
+              <a:rPr lang="en-US">
+                <a:latin typeface="Sylfaen" panose="010A0502050306030303" pitchFamily="18" charset="0"/>
+              </a:rPr>
+              <a:t>no-cache</a:t>
+            </a:r>
+          </a:p>
+          <a:p>
+            <a:pPr marL="0" indent="0" algn="ctr">
+              <a:buFont typeface="Arial" panose="020B0604020202020204" pitchFamily="34" charset="0"/>
+              <a:buNone/>
+            </a:pPr>
+            <a:r>
+              <a:rPr lang="en-US">
+                <a:latin typeface="Sylfaen" panose="010A0502050306030303" pitchFamily="18" charset="0"/>
+              </a:rPr>
+              <a:t>no-store</a:t>
+            </a:r>
+          </a:p>
+          <a:p>
+            <a:pPr marL="0" indent="0" algn="ctr">
+              <a:buNone/>
+            </a:pPr>
+            <a:r>
+              <a:rPr lang="en-US">
+                <a:latin typeface="Sylfaen" panose="010A0502050306030303" pitchFamily="18" charset="0"/>
+              </a:rPr>
+              <a:t>no-transform</a:t>
+            </a:r>
+          </a:p>
+          <a:p>
+            <a:pPr marL="0" indent="0" algn="ctr">
+              <a:buFont typeface="Arial" panose="020B0604020202020204" pitchFamily="34" charset="0"/>
+              <a:buNone/>
+            </a:pPr>
+            <a:r>
+              <a:rPr lang="en-US">
+                <a:latin typeface="Sylfaen" panose="010A0502050306030303" pitchFamily="18" charset="0"/>
+              </a:rPr>
+              <a:t>must-revalidate</a:t>
+            </a:r>
+          </a:p>
+          <a:p>
+            <a:pPr marL="0" indent="0" algn="ctr">
+              <a:buNone/>
+            </a:pPr>
+            <a:r>
+              <a:rPr lang="en-US">
+                <a:latin typeface="Sylfaen" panose="010A0502050306030303" pitchFamily="18" charset="0"/>
+              </a:rPr>
+              <a:t>proxy-revalidate</a:t>
+            </a:r>
+          </a:p>
+          <a:p>
+            <a:pPr marL="0" indent="0" algn="ctr">
+              <a:buNone/>
+            </a:pPr>
+            <a:r>
+              <a:rPr lang="en-US">
+                <a:latin typeface="Sylfaen" panose="010A0502050306030303" pitchFamily="18" charset="0"/>
+              </a:rPr>
+              <a:t>max-age = seconds</a:t>
+            </a:r>
+          </a:p>
+          <a:p>
+            <a:pPr marL="0" indent="0" algn="ctr">
+              <a:buNone/>
+            </a:pPr>
+            <a:r>
+              <a:rPr lang="en-US">
+                <a:latin typeface="Sylfaen" panose="010A0502050306030303" pitchFamily="18" charset="0"/>
+              </a:rPr>
+              <a:t>S-maxage = seconds</a:t>
+            </a:r>
+          </a:p>
+          <a:p>
+            <a:pPr marL="0" indent="0" algn="ctr">
+              <a:buNone/>
+            </a:pPr>
+            <a:endParaRPr lang="en-US">
+              <a:latin typeface="Sylfaen" panose="010A0502050306030303" pitchFamily="18" charset="0"/>
+            </a:endParaRPr>
+          </a:p>
+          <a:p>
+            <a:pPr marL="0" indent="0" algn="ctr">
+              <a:buFont typeface="Arial" panose="020B0604020202020204" pitchFamily="34" charset="0"/>
+              <a:buNone/>
+            </a:pPr>
+            <a:endParaRPr lang="en-US">
+              <a:latin typeface="Sylfaen" panose="010A0502050306030303" pitchFamily="18" charset="0"/>
+            </a:endParaRPr>
+          </a:p>
+        </p:txBody>
+      </p:sp>
+      <p:cxnSp>
+        <p:nvCxnSpPr>
+          <p:cNvPr id="4" name="Straight Connector 3">
+            <a:extLst>
+              <a:ext uri="{FF2B5EF4-FFF2-40B4-BE49-F238E27FC236}">
+                <a16:creationId xmlns:a16="http://schemas.microsoft.com/office/drawing/2014/main" id="{ADB733DA-D323-4961-96D6-579C07DCFA92}"/>
+              </a:ext>
+            </a:extLst>
+          </p:cNvPr>
+          <p:cNvCxnSpPr>
+            <a:cxnSpLocks/>
+          </p:cNvCxnSpPr>
+          <p:nvPr/>
+        </p:nvCxnSpPr>
+        <p:spPr>
+          <a:xfrm>
+            <a:off x="569235" y="989512"/>
+            <a:ext cx="11053530" cy="0"/>
+          </a:xfrm>
+          <a:prstGeom prst="line">
+            <a:avLst/>
+          </a:prstGeom>
+        </p:spPr>
+        <p:style>
+          <a:lnRef idx="3">
+            <a:schemeClr val="accent1"/>
+          </a:lnRef>
+          <a:fillRef idx="0">
+            <a:schemeClr val="accent1"/>
+          </a:fillRef>
+          <a:effectRef idx="2">
+            <a:schemeClr val="accent1"/>
+          </a:effectRef>
+          <a:fontRef idx="minor">
+            <a:schemeClr val="tx1"/>
+          </a:fontRef>
+        </p:style>
+      </p:cxnSp>
+      <p:sp>
+        <p:nvSpPr>
+          <p:cNvPr id="6" name="Content Placeholder 2">
+            <a:extLst>
+              <a:ext uri="{FF2B5EF4-FFF2-40B4-BE49-F238E27FC236}">
+                <a16:creationId xmlns:a16="http://schemas.microsoft.com/office/drawing/2014/main" id="{8D332C6C-CE06-47A4-927F-CC5CE9F24F41}"/>
+              </a:ext>
+            </a:extLst>
+          </p:cNvPr>
+          <p:cNvSpPr txBox="1">
+            <a:spLocks/>
+          </p:cNvSpPr>
+          <p:nvPr/>
+        </p:nvSpPr>
+        <p:spPr>
+          <a:xfrm>
+            <a:off x="1272914" y="1613584"/>
+            <a:ext cx="3973643" cy="4242218"/>
+          </a:xfrm>
+          <a:prstGeom prst="rect">
+            <a:avLst/>
+          </a:prstGeom>
+        </p:spPr>
+        <p:txBody>
+          <a:bodyPr vert="horz" lIns="91440" tIns="45720" rIns="91440" bIns="45720" rtlCol="0">
+            <a:normAutofit/>
+          </a:bodyPr>
+          <a:lstStyle>
+            <a:lvl1pPr marL="228600" indent="-228600" algn="l" defTabSz="914400" rtl="0" eaLnBrk="1" latinLnBrk="0" hangingPunct="1">
+              <a:lnSpc>
+                <a:spcPct val="90000"/>
+              </a:lnSpc>
+              <a:spcBef>
+                <a:spcPts val="1000"/>
+              </a:spcBef>
+              <a:buFont typeface="Arial" panose="020B0604020202020204" pitchFamily="34" charset="0"/>
+              <a:buChar char="•"/>
+              <a:defRPr sz="2800" kern="1200">
+                <a:solidFill>
+                  <a:schemeClr val="tx1"/>
+                </a:solidFill>
+                <a:latin typeface="+mn-lt"/>
+                <a:ea typeface="+mn-ea"/>
+                <a:cs typeface="+mn-cs"/>
+              </a:defRPr>
+            </a:lvl1pPr>
+            <a:lvl2pPr marL="685800" indent="-228600" algn="l" defTabSz="914400" rtl="0" eaLnBrk="1" latinLnBrk="0" hangingPunct="1">
+              <a:lnSpc>
+                <a:spcPct val="90000"/>
+              </a:lnSpc>
+              <a:spcBef>
+                <a:spcPts val="500"/>
+              </a:spcBef>
+              <a:buFont typeface="Arial" panose="020B0604020202020204" pitchFamily="34" charset="0"/>
+              <a:buChar char="•"/>
+              <a:defRPr sz="2400" kern="1200">
+                <a:solidFill>
+                  <a:schemeClr val="tx1"/>
+                </a:solidFill>
+                <a:latin typeface="+mn-lt"/>
+                <a:ea typeface="+mn-ea"/>
+                <a:cs typeface="+mn-cs"/>
+              </a:defRPr>
+            </a:lvl2pPr>
+            <a:lvl3pPr marL="1143000" indent="-228600" algn="l" defTabSz="914400" rtl="0" eaLnBrk="1" latinLnBrk="0" hangingPunct="1">
+              <a:lnSpc>
+                <a:spcPct val="90000"/>
+              </a:lnSpc>
+              <a:spcBef>
+                <a:spcPts val="500"/>
+              </a:spcBef>
+              <a:buFont typeface="Arial" panose="020B0604020202020204" pitchFamily="34" charset="0"/>
+              <a:buChar char="•"/>
+              <a:defRPr sz="2000" kern="1200">
+                <a:solidFill>
+                  <a:schemeClr val="tx1"/>
+                </a:solidFill>
+                <a:latin typeface="+mn-lt"/>
+                <a:ea typeface="+mn-ea"/>
+                <a:cs typeface="+mn-cs"/>
+              </a:defRPr>
+            </a:lvl3pPr>
+            <a:lvl4pPr marL="1600200" indent="-228600" algn="l" defTabSz="914400" rtl="0" eaLnBrk="1" latinLnBrk="0" hangingPunct="1">
+              <a:lnSpc>
+                <a:spcPct val="90000"/>
+              </a:lnSpc>
+              <a:spcBef>
+                <a:spcPts val="500"/>
+              </a:spcBef>
+              <a:buFont typeface="Arial" panose="020B0604020202020204" pitchFamily="34" charset="0"/>
+              <a:buChar char="•"/>
+              <a:defRPr sz="1800" kern="1200">
+                <a:solidFill>
+                  <a:schemeClr val="tx1"/>
+                </a:solidFill>
+                <a:latin typeface="+mn-lt"/>
+                <a:ea typeface="+mn-ea"/>
+                <a:cs typeface="+mn-cs"/>
+              </a:defRPr>
+            </a:lvl4pPr>
+            <a:lvl5pPr marL="2057400" indent="-228600" algn="l" defTabSz="914400" rtl="0" eaLnBrk="1" latinLnBrk="0" hangingPunct="1">
+              <a:lnSpc>
+                <a:spcPct val="90000"/>
+              </a:lnSpc>
+              <a:spcBef>
+                <a:spcPts val="500"/>
+              </a:spcBef>
+              <a:buFont typeface="Arial" panose="020B0604020202020204" pitchFamily="34" charset="0"/>
+              <a:buChar char="•"/>
+              <a:defRPr sz="1800" kern="1200">
+                <a:solidFill>
+                  <a:schemeClr val="tx1"/>
+                </a:solidFill>
+                <a:latin typeface="+mn-lt"/>
+                <a:ea typeface="+mn-ea"/>
+                <a:cs typeface="+mn-cs"/>
+              </a:defRPr>
+            </a:lvl5pPr>
+            <a:lvl6pPr marL="2514600" indent="-228600" algn="l" defTabSz="914400" rtl="0" eaLnBrk="1" latinLnBrk="0" hangingPunct="1">
+              <a:lnSpc>
+                <a:spcPct val="90000"/>
+              </a:lnSpc>
+              <a:spcBef>
+                <a:spcPts val="500"/>
+              </a:spcBef>
+              <a:buFont typeface="Arial" panose="020B0604020202020204" pitchFamily="34" charset="0"/>
+              <a:buChar char="•"/>
+              <a:defRPr sz="1800" kern="1200">
+                <a:solidFill>
+                  <a:schemeClr val="tx1"/>
+                </a:solidFill>
+                <a:latin typeface="+mn-lt"/>
+                <a:ea typeface="+mn-ea"/>
+                <a:cs typeface="+mn-cs"/>
+              </a:defRPr>
+            </a:lvl6pPr>
+            <a:lvl7pPr marL="2971800" indent="-228600" algn="l" defTabSz="914400" rtl="0" eaLnBrk="1" latinLnBrk="0" hangingPunct="1">
+              <a:lnSpc>
+                <a:spcPct val="90000"/>
+              </a:lnSpc>
+              <a:spcBef>
+                <a:spcPts val="500"/>
+              </a:spcBef>
+              <a:buFont typeface="Arial" panose="020B0604020202020204" pitchFamily="34" charset="0"/>
+              <a:buChar char="•"/>
+              <a:defRPr sz="1800" kern="1200">
+                <a:solidFill>
+                  <a:schemeClr val="tx1"/>
+                </a:solidFill>
+                <a:latin typeface="+mn-lt"/>
+                <a:ea typeface="+mn-ea"/>
+                <a:cs typeface="+mn-cs"/>
+              </a:defRPr>
+            </a:lvl7pPr>
+            <a:lvl8pPr marL="3429000" indent="-228600" algn="l" defTabSz="914400" rtl="0" eaLnBrk="1" latinLnBrk="0" hangingPunct="1">
+              <a:lnSpc>
+                <a:spcPct val="90000"/>
+              </a:lnSpc>
+              <a:spcBef>
+                <a:spcPts val="500"/>
+              </a:spcBef>
+              <a:buFont typeface="Arial" panose="020B0604020202020204" pitchFamily="34" charset="0"/>
+              <a:buChar char="•"/>
+              <a:defRPr sz="1800" kern="1200">
+                <a:solidFill>
+                  <a:schemeClr val="tx1"/>
+                </a:solidFill>
+                <a:latin typeface="+mn-lt"/>
+                <a:ea typeface="+mn-ea"/>
+                <a:cs typeface="+mn-cs"/>
+              </a:defRPr>
+            </a:lvl8pPr>
+            <a:lvl9pPr marL="3886200" indent="-228600" algn="l" defTabSz="914400" rtl="0" eaLnBrk="1" latinLnBrk="0" hangingPunct="1">
+              <a:lnSpc>
+                <a:spcPct val="90000"/>
+              </a:lnSpc>
+              <a:spcBef>
+                <a:spcPts val="500"/>
+              </a:spcBef>
+              <a:buFont typeface="Arial" panose="020B0604020202020204" pitchFamily="34" charset="0"/>
+              <a:buChar char="•"/>
+              <a:defRPr sz="1800" kern="1200">
+                <a:solidFill>
+                  <a:schemeClr val="tx1"/>
+                </a:solidFill>
+                <a:latin typeface="+mn-lt"/>
+                <a:ea typeface="+mn-ea"/>
+                <a:cs typeface="+mn-cs"/>
+              </a:defRPr>
+            </a:lvl9pPr>
+          </a:lstStyle>
+          <a:p>
+            <a:pPr marL="0" indent="0" algn="ctr">
+              <a:buFont typeface="Arial" panose="020B0604020202020204" pitchFamily="34" charset="0"/>
+              <a:buNone/>
+            </a:pPr>
+            <a:r>
+              <a:rPr lang="en-US" b="1">
+                <a:latin typeface="Sylfaen" panose="010A0502050306030303" pitchFamily="18" charset="0"/>
+              </a:rPr>
+              <a:t>HTTP request directive</a:t>
+            </a:r>
+          </a:p>
+          <a:p>
+            <a:pPr marL="0" indent="0" algn="ctr">
+              <a:buFont typeface="Arial" panose="020B0604020202020204" pitchFamily="34" charset="0"/>
+              <a:buNone/>
+            </a:pPr>
+            <a:r>
+              <a:rPr lang="en-US">
+                <a:latin typeface="Sylfaen" panose="010A0502050306030303" pitchFamily="18" charset="0"/>
+              </a:rPr>
+              <a:t>no-cache</a:t>
+            </a:r>
+          </a:p>
+          <a:p>
+            <a:pPr marL="0" indent="0" algn="ctr">
+              <a:buFont typeface="Arial" panose="020B0604020202020204" pitchFamily="34" charset="0"/>
+              <a:buNone/>
+            </a:pPr>
+            <a:r>
+              <a:rPr lang="en-US">
+                <a:latin typeface="Sylfaen" panose="010A0502050306030303" pitchFamily="18" charset="0"/>
+              </a:rPr>
+              <a:t>no-store</a:t>
+            </a:r>
+          </a:p>
+          <a:p>
+            <a:pPr marL="0" indent="0" algn="ctr">
+              <a:buFont typeface="Arial" panose="020B0604020202020204" pitchFamily="34" charset="0"/>
+              <a:buNone/>
+            </a:pPr>
+            <a:r>
+              <a:rPr lang="en-US">
+                <a:latin typeface="Sylfaen" panose="010A0502050306030303" pitchFamily="18" charset="0"/>
+              </a:rPr>
+              <a:t>max-age = seconds</a:t>
+            </a:r>
+          </a:p>
+          <a:p>
+            <a:pPr marL="0" indent="0" algn="ctr">
+              <a:buFont typeface="Arial" panose="020B0604020202020204" pitchFamily="34" charset="0"/>
+              <a:buNone/>
+            </a:pPr>
+            <a:r>
+              <a:rPr lang="en-US">
+                <a:latin typeface="Sylfaen" panose="010A0502050306030303" pitchFamily="18" charset="0"/>
+              </a:rPr>
+              <a:t>max-stale [=seconds]</a:t>
+            </a:r>
+          </a:p>
+          <a:p>
+            <a:pPr marL="0" indent="0" algn="ctr">
+              <a:buFont typeface="Arial" panose="020B0604020202020204" pitchFamily="34" charset="0"/>
+              <a:buNone/>
+            </a:pPr>
+            <a:r>
+              <a:rPr lang="en-US">
+                <a:latin typeface="Sylfaen" panose="010A0502050306030303" pitchFamily="18" charset="0"/>
+              </a:rPr>
+              <a:t>min-fresh = sconds</a:t>
+            </a:r>
+          </a:p>
+          <a:p>
+            <a:pPr marL="0" indent="0" algn="ctr">
+              <a:buFont typeface="Arial" panose="020B0604020202020204" pitchFamily="34" charset="0"/>
+              <a:buNone/>
+            </a:pPr>
+            <a:r>
+              <a:rPr lang="en-US">
+                <a:latin typeface="Sylfaen" panose="010A0502050306030303" pitchFamily="18" charset="0"/>
+              </a:rPr>
+              <a:t>no-transform</a:t>
+            </a:r>
+          </a:p>
+          <a:p>
+            <a:pPr marL="0" indent="0" algn="ctr">
+              <a:buFont typeface="Arial" panose="020B0604020202020204" pitchFamily="34" charset="0"/>
+              <a:buNone/>
+            </a:pPr>
+            <a:r>
+              <a:rPr lang="en-US">
+                <a:latin typeface="Sylfaen" panose="010A0502050306030303" pitchFamily="18" charset="0"/>
+              </a:rPr>
+              <a:t>only-if-cached</a:t>
+            </a:r>
+          </a:p>
+          <a:p>
+            <a:pPr marL="0" indent="0" algn="ctr">
+              <a:buFont typeface="Arial" panose="020B0604020202020204" pitchFamily="34" charset="0"/>
+              <a:buNone/>
+            </a:pPr>
+            <a:endParaRPr lang="en-US"/>
+          </a:p>
+        </p:txBody>
+      </p:sp>
+    </p:spTree>
+    <p:extLst>
+      <p:ext uri="{BB962C8B-B14F-4D97-AF65-F5344CB8AC3E}">
+        <p14:creationId xmlns:p14="http://schemas.microsoft.com/office/powerpoint/2010/main" val="1142179341"/>
+      </p:ext>
+    </p:extLst>
+  </p:cSld>
+  <p:clrMapOvr>
+    <a:masterClrMapping/>
+  </p:clrMapOvr>
+</p:sld>
+</file>
+
+<file path=ppt/slides/slide31.xml><?xml version="1.0" encoding="utf-8"?>
+<p:sld xmlns:a="http://schemas.openxmlformats.org/drawingml/2006/main" xmlns:r="http://schemas.openxmlformats.org/officeDocument/2006/relationships" xmlns:p="http://schemas.openxmlformats.org/presentationml/2006/main">
+  <p:cSld>
+    <p:spTree>
+      <p:nvGrpSpPr>
+        <p:cNvPr id="1" name=""/>
+        <p:cNvGrpSpPr/>
+        <p:nvPr/>
+      </p:nvGrpSpPr>
+      <p:grpSpPr>
+        <a:xfrm>
+          <a:off x="0" y="0"/>
+          <a:ext cx="0" cy="0"/>
+          <a:chOff x="0" y="0"/>
+          <a:chExt cx="0" cy="0"/>
+        </a:xfrm>
+      </p:grpSpPr>
+      <p:sp>
+        <p:nvSpPr>
+          <p:cNvPr id="2" name="Title 1">
+            <a:extLst>
+              <a:ext uri="{FF2B5EF4-FFF2-40B4-BE49-F238E27FC236}">
+                <a16:creationId xmlns:a16="http://schemas.microsoft.com/office/drawing/2014/main" id="{7F29CC9F-5ED1-44E5-AC0D-FC32EC4529DD}"/>
+              </a:ext>
+            </a:extLst>
+          </p:cNvPr>
+          <p:cNvSpPr>
+            <a:spLocks noGrp="1"/>
+          </p:cNvSpPr>
+          <p:nvPr>
+            <p:ph type="title"/>
+          </p:nvPr>
+        </p:nvSpPr>
+        <p:spPr>
+          <a:xfrm>
+            <a:off x="838200" y="0"/>
+            <a:ext cx="10515600" cy="1325563"/>
+          </a:xfrm>
+        </p:spPr>
+        <p:txBody>
+          <a:bodyPr/>
+          <a:lstStyle/>
+          <a:p>
+            <a:pPr algn="ctr"/>
+            <a:r>
+              <a:rPr lang="en-US">
+                <a:latin typeface="Sylfaen" panose="010A0502050306030303" pitchFamily="18" charset="0"/>
+              </a:rPr>
+              <a:t>URL Encoding</a:t>
+            </a:r>
+            <a:endParaRPr lang="en-US"/>
+          </a:p>
+        </p:txBody>
+      </p:sp>
+      <p:sp>
+        <p:nvSpPr>
+          <p:cNvPr id="3" name="Content Placeholder 2">
+            <a:extLst>
+              <a:ext uri="{FF2B5EF4-FFF2-40B4-BE49-F238E27FC236}">
+                <a16:creationId xmlns:a16="http://schemas.microsoft.com/office/drawing/2014/main" id="{6CBF3C7C-37FA-4A16-8D05-3BAB364D642C}"/>
+              </a:ext>
+            </a:extLst>
+          </p:cNvPr>
+          <p:cNvSpPr>
+            <a:spLocks noGrp="1"/>
+          </p:cNvSpPr>
+          <p:nvPr>
+            <p:ph idx="1"/>
+          </p:nvPr>
+        </p:nvSpPr>
+        <p:spPr>
+          <a:xfrm>
+            <a:off x="7373912" y="1780654"/>
+            <a:ext cx="2789420" cy="4351338"/>
+          </a:xfrm>
+        </p:spPr>
+        <p:txBody>
+          <a:bodyPr/>
+          <a:lstStyle/>
+          <a:p>
+            <a:pPr marL="0" indent="0">
+              <a:lnSpc>
+                <a:spcPct val="200000"/>
+              </a:lnSpc>
+              <a:buNone/>
+            </a:pPr>
+            <a:r>
+              <a:rPr lang="en-US">
+                <a:latin typeface="Sylfaen" panose="010A0502050306030303" pitchFamily="18" charset="0"/>
+              </a:rPr>
+              <a:t>{     </a:t>
+            </a:r>
+            <a:r>
+              <a:rPr lang="en-US">
+                <a:latin typeface="Sylfaen" panose="010A0502050306030303" pitchFamily="18" charset="0"/>
+                <a:sym typeface="Wingdings" panose="05000000000000000000" pitchFamily="2" charset="2"/>
+              </a:rPr>
+              <a:t>     </a:t>
+            </a:r>
+            <a:r>
+              <a:rPr lang="en-US">
+                <a:latin typeface="Sylfaen" panose="010A0502050306030303" pitchFamily="18" charset="0"/>
+              </a:rPr>
+              <a:t>%7B</a:t>
+            </a:r>
+          </a:p>
+          <a:p>
+            <a:pPr marL="0" indent="0">
+              <a:lnSpc>
+                <a:spcPct val="200000"/>
+              </a:lnSpc>
+              <a:buNone/>
+            </a:pPr>
+            <a:r>
+              <a:rPr lang="en-US">
+                <a:latin typeface="Sylfaen" panose="010A0502050306030303" pitchFamily="18" charset="0"/>
+              </a:rPr>
+              <a:t>|     </a:t>
+            </a:r>
+            <a:r>
+              <a:rPr lang="en-US">
+                <a:latin typeface="Sylfaen" panose="010A0502050306030303" pitchFamily="18" charset="0"/>
+                <a:sym typeface="Wingdings" panose="05000000000000000000" pitchFamily="2" charset="2"/>
+              </a:rPr>
+              <a:t>     </a:t>
+            </a:r>
+            <a:r>
+              <a:rPr lang="en-US">
+                <a:latin typeface="Sylfaen" panose="010A0502050306030303" pitchFamily="18" charset="0"/>
+              </a:rPr>
+              <a:t>%7C</a:t>
+            </a:r>
+          </a:p>
+          <a:p>
+            <a:pPr marL="0" indent="0">
+              <a:lnSpc>
+                <a:spcPct val="200000"/>
+              </a:lnSpc>
+              <a:buNone/>
+            </a:pPr>
+            <a:r>
+              <a:rPr lang="en-US">
+                <a:latin typeface="Sylfaen" panose="010A0502050306030303" pitchFamily="18" charset="0"/>
+              </a:rPr>
+              <a:t>}     </a:t>
+            </a:r>
+            <a:r>
+              <a:rPr lang="en-US">
+                <a:latin typeface="Sylfaen" panose="010A0502050306030303" pitchFamily="18" charset="0"/>
+                <a:sym typeface="Wingdings" panose="05000000000000000000" pitchFamily="2" charset="2"/>
+              </a:rPr>
+              <a:t>     </a:t>
+            </a:r>
+            <a:r>
+              <a:rPr lang="en-US">
+                <a:latin typeface="Sylfaen" panose="010A0502050306030303" pitchFamily="18" charset="0"/>
+              </a:rPr>
+              <a:t>%7D</a:t>
+            </a:r>
+          </a:p>
+          <a:p>
+            <a:pPr marL="0" indent="0">
+              <a:lnSpc>
+                <a:spcPct val="200000"/>
+              </a:lnSpc>
+              <a:buNone/>
+            </a:pPr>
+            <a:r>
+              <a:rPr lang="en-US">
+                <a:latin typeface="Sylfaen" panose="010A0502050306030303" pitchFamily="18" charset="0"/>
+              </a:rPr>
+              <a:t>~     </a:t>
+            </a:r>
+            <a:r>
+              <a:rPr lang="en-US">
+                <a:latin typeface="Sylfaen" panose="010A0502050306030303" pitchFamily="18" charset="0"/>
+                <a:sym typeface="Wingdings" panose="05000000000000000000" pitchFamily="2" charset="2"/>
+              </a:rPr>
+              <a:t>     </a:t>
+            </a:r>
+            <a:r>
+              <a:rPr lang="en-US">
+                <a:latin typeface="Sylfaen" panose="010A0502050306030303" pitchFamily="18" charset="0"/>
+              </a:rPr>
+              <a:t>%7D</a:t>
+            </a:r>
+          </a:p>
+          <a:p>
+            <a:pPr marL="0" indent="0">
+              <a:buNone/>
+            </a:pPr>
+            <a:endParaRPr lang="en-US">
+              <a:latin typeface="Sylfaen" panose="010A0502050306030303" pitchFamily="18" charset="0"/>
+            </a:endParaRPr>
+          </a:p>
+          <a:p>
+            <a:pPr marL="0" indent="0">
+              <a:buNone/>
+            </a:pPr>
+            <a:endParaRPr lang="en-US">
+              <a:latin typeface="Sylfaen" panose="010A0502050306030303" pitchFamily="18" charset="0"/>
+            </a:endParaRPr>
+          </a:p>
+        </p:txBody>
+      </p:sp>
+      <p:cxnSp>
+        <p:nvCxnSpPr>
+          <p:cNvPr id="4" name="Straight Connector 3">
+            <a:extLst>
+              <a:ext uri="{FF2B5EF4-FFF2-40B4-BE49-F238E27FC236}">
+                <a16:creationId xmlns:a16="http://schemas.microsoft.com/office/drawing/2014/main" id="{7A10B049-CE78-45DD-ABCA-025F196E6404}"/>
+              </a:ext>
+            </a:extLst>
+          </p:cNvPr>
+          <p:cNvCxnSpPr>
+            <a:cxnSpLocks/>
+          </p:cNvCxnSpPr>
+          <p:nvPr/>
+        </p:nvCxnSpPr>
+        <p:spPr>
+          <a:xfrm>
+            <a:off x="569235" y="1079453"/>
+            <a:ext cx="11053530" cy="0"/>
+          </a:xfrm>
+          <a:prstGeom prst="line">
+            <a:avLst/>
+          </a:prstGeom>
+        </p:spPr>
+        <p:style>
+          <a:lnRef idx="3">
+            <a:schemeClr val="accent1"/>
+          </a:lnRef>
+          <a:fillRef idx="0">
+            <a:schemeClr val="accent1"/>
+          </a:fillRef>
+          <a:effectRef idx="2">
+            <a:schemeClr val="accent1"/>
+          </a:effectRef>
+          <a:fontRef idx="minor">
+            <a:schemeClr val="tx1"/>
+          </a:fontRef>
+        </p:style>
+      </p:cxnSp>
+      <p:sp>
+        <p:nvSpPr>
+          <p:cNvPr id="5" name="Content Placeholder 2">
+            <a:extLst>
+              <a:ext uri="{FF2B5EF4-FFF2-40B4-BE49-F238E27FC236}">
+                <a16:creationId xmlns:a16="http://schemas.microsoft.com/office/drawing/2014/main" id="{7FD96FCD-5E9A-4D3A-8E90-819A8C12C104}"/>
+              </a:ext>
+            </a:extLst>
+          </p:cNvPr>
+          <p:cNvSpPr txBox="1">
+            <a:spLocks/>
+          </p:cNvSpPr>
+          <p:nvPr/>
+        </p:nvSpPr>
+        <p:spPr>
+          <a:xfrm>
+            <a:off x="2028668" y="1780654"/>
+            <a:ext cx="2789420" cy="4351338"/>
+          </a:xfrm>
+          <a:prstGeom prst="rect">
+            <a:avLst/>
+          </a:prstGeom>
+        </p:spPr>
+        <p:txBody>
+          <a:bodyPr vert="horz" lIns="91440" tIns="45720" rIns="91440" bIns="45720" rtlCol="0">
+            <a:normAutofit/>
+          </a:bodyPr>
+          <a:lstStyle>
+            <a:lvl1pPr marL="228600" indent="-228600" algn="l" defTabSz="914400" rtl="0" eaLnBrk="1" latinLnBrk="0" hangingPunct="1">
+              <a:lnSpc>
+                <a:spcPct val="90000"/>
+              </a:lnSpc>
+              <a:spcBef>
+                <a:spcPts val="1000"/>
+              </a:spcBef>
+              <a:buFont typeface="Arial" panose="020B0604020202020204" pitchFamily="34" charset="0"/>
+              <a:buChar char="•"/>
+              <a:defRPr sz="2800" kern="1200">
+                <a:solidFill>
+                  <a:schemeClr val="tx1"/>
+                </a:solidFill>
+                <a:latin typeface="+mn-lt"/>
+                <a:ea typeface="+mn-ea"/>
+                <a:cs typeface="+mn-cs"/>
+              </a:defRPr>
+            </a:lvl1pPr>
+            <a:lvl2pPr marL="685800" indent="-228600" algn="l" defTabSz="914400" rtl="0" eaLnBrk="1" latinLnBrk="0" hangingPunct="1">
+              <a:lnSpc>
+                <a:spcPct val="90000"/>
+              </a:lnSpc>
+              <a:spcBef>
+                <a:spcPts val="500"/>
+              </a:spcBef>
+              <a:buFont typeface="Arial" panose="020B0604020202020204" pitchFamily="34" charset="0"/>
+              <a:buChar char="•"/>
+              <a:defRPr sz="2400" kern="1200">
+                <a:solidFill>
+                  <a:schemeClr val="tx1"/>
+                </a:solidFill>
+                <a:latin typeface="+mn-lt"/>
+                <a:ea typeface="+mn-ea"/>
+                <a:cs typeface="+mn-cs"/>
+              </a:defRPr>
+            </a:lvl2pPr>
+            <a:lvl3pPr marL="1143000" indent="-228600" algn="l" defTabSz="914400" rtl="0" eaLnBrk="1" latinLnBrk="0" hangingPunct="1">
+              <a:lnSpc>
+                <a:spcPct val="90000"/>
+              </a:lnSpc>
+              <a:spcBef>
+                <a:spcPts val="500"/>
+              </a:spcBef>
+              <a:buFont typeface="Arial" panose="020B0604020202020204" pitchFamily="34" charset="0"/>
+              <a:buChar char="•"/>
+              <a:defRPr sz="2000" kern="1200">
+                <a:solidFill>
+                  <a:schemeClr val="tx1"/>
+                </a:solidFill>
+                <a:latin typeface="+mn-lt"/>
+                <a:ea typeface="+mn-ea"/>
+                <a:cs typeface="+mn-cs"/>
+              </a:defRPr>
+            </a:lvl3pPr>
+            <a:lvl4pPr marL="1600200" indent="-228600" algn="l" defTabSz="914400" rtl="0" eaLnBrk="1" latinLnBrk="0" hangingPunct="1">
+              <a:lnSpc>
+                <a:spcPct val="90000"/>
+              </a:lnSpc>
+              <a:spcBef>
+                <a:spcPts val="500"/>
+              </a:spcBef>
+              <a:buFont typeface="Arial" panose="020B0604020202020204" pitchFamily="34" charset="0"/>
+              <a:buChar char="•"/>
+              <a:defRPr sz="1800" kern="1200">
+                <a:solidFill>
+                  <a:schemeClr val="tx1"/>
+                </a:solidFill>
+                <a:latin typeface="+mn-lt"/>
+                <a:ea typeface="+mn-ea"/>
+                <a:cs typeface="+mn-cs"/>
+              </a:defRPr>
+            </a:lvl4pPr>
+            <a:lvl5pPr marL="2057400" indent="-228600" algn="l" defTabSz="914400" rtl="0" eaLnBrk="1" latinLnBrk="0" hangingPunct="1">
+              <a:lnSpc>
+                <a:spcPct val="90000"/>
+              </a:lnSpc>
+              <a:spcBef>
+                <a:spcPts val="500"/>
+              </a:spcBef>
+              <a:buFont typeface="Arial" panose="020B0604020202020204" pitchFamily="34" charset="0"/>
+              <a:buChar char="•"/>
+              <a:defRPr sz="1800" kern="1200">
+                <a:solidFill>
+                  <a:schemeClr val="tx1"/>
+                </a:solidFill>
+                <a:latin typeface="+mn-lt"/>
+                <a:ea typeface="+mn-ea"/>
+                <a:cs typeface="+mn-cs"/>
+              </a:defRPr>
+            </a:lvl5pPr>
+            <a:lvl6pPr marL="2514600" indent="-228600" algn="l" defTabSz="914400" rtl="0" eaLnBrk="1" latinLnBrk="0" hangingPunct="1">
+              <a:lnSpc>
+                <a:spcPct val="90000"/>
+              </a:lnSpc>
+              <a:spcBef>
+                <a:spcPts val="500"/>
+              </a:spcBef>
+              <a:buFont typeface="Arial" panose="020B0604020202020204" pitchFamily="34" charset="0"/>
+              <a:buChar char="•"/>
+              <a:defRPr sz="1800" kern="1200">
+                <a:solidFill>
+                  <a:schemeClr val="tx1"/>
+                </a:solidFill>
+                <a:latin typeface="+mn-lt"/>
+                <a:ea typeface="+mn-ea"/>
+                <a:cs typeface="+mn-cs"/>
+              </a:defRPr>
+            </a:lvl6pPr>
+            <a:lvl7pPr marL="2971800" indent="-228600" algn="l" defTabSz="914400" rtl="0" eaLnBrk="1" latinLnBrk="0" hangingPunct="1">
+              <a:lnSpc>
+                <a:spcPct val="90000"/>
+              </a:lnSpc>
+              <a:spcBef>
+                <a:spcPts val="500"/>
+              </a:spcBef>
+              <a:buFont typeface="Arial" panose="020B0604020202020204" pitchFamily="34" charset="0"/>
+              <a:buChar char="•"/>
+              <a:defRPr sz="1800" kern="1200">
+                <a:solidFill>
+                  <a:schemeClr val="tx1"/>
+                </a:solidFill>
+                <a:latin typeface="+mn-lt"/>
+                <a:ea typeface="+mn-ea"/>
+                <a:cs typeface="+mn-cs"/>
+              </a:defRPr>
+            </a:lvl7pPr>
+            <a:lvl8pPr marL="3429000" indent="-228600" algn="l" defTabSz="914400" rtl="0" eaLnBrk="1" latinLnBrk="0" hangingPunct="1">
+              <a:lnSpc>
+                <a:spcPct val="90000"/>
+              </a:lnSpc>
+              <a:spcBef>
+                <a:spcPts val="500"/>
+              </a:spcBef>
+              <a:buFont typeface="Arial" panose="020B0604020202020204" pitchFamily="34" charset="0"/>
+              <a:buChar char="•"/>
+              <a:defRPr sz="1800" kern="1200">
+                <a:solidFill>
+                  <a:schemeClr val="tx1"/>
+                </a:solidFill>
+                <a:latin typeface="+mn-lt"/>
+                <a:ea typeface="+mn-ea"/>
+                <a:cs typeface="+mn-cs"/>
+              </a:defRPr>
+            </a:lvl8pPr>
+            <a:lvl9pPr marL="3886200" indent="-228600" algn="l" defTabSz="914400" rtl="0" eaLnBrk="1" latinLnBrk="0" hangingPunct="1">
+              <a:lnSpc>
+                <a:spcPct val="90000"/>
+              </a:lnSpc>
+              <a:spcBef>
+                <a:spcPts val="500"/>
+              </a:spcBef>
+              <a:buFont typeface="Arial" panose="020B0604020202020204" pitchFamily="34" charset="0"/>
+              <a:buChar char="•"/>
+              <a:defRPr sz="1800" kern="1200">
+                <a:solidFill>
+                  <a:schemeClr val="tx1"/>
+                </a:solidFill>
+                <a:latin typeface="+mn-lt"/>
+                <a:ea typeface="+mn-ea"/>
+                <a:cs typeface="+mn-cs"/>
+              </a:defRPr>
+            </a:lvl9pPr>
+          </a:lstStyle>
+          <a:p>
+            <a:pPr marL="0" indent="0">
+              <a:lnSpc>
+                <a:spcPct val="200000"/>
+              </a:lnSpc>
+              <a:buFont typeface="Arial" panose="020B0604020202020204" pitchFamily="34" charset="0"/>
+              <a:buNone/>
+            </a:pPr>
+            <a:r>
+              <a:rPr lang="en-US">
+                <a:latin typeface="Sylfaen" panose="010A0502050306030303" pitchFamily="18" charset="0"/>
+              </a:rPr>
+              <a:t>!     </a:t>
+            </a:r>
+            <a:r>
+              <a:rPr lang="en-US">
+                <a:latin typeface="Sylfaen" panose="010A0502050306030303" pitchFamily="18" charset="0"/>
+                <a:sym typeface="Wingdings" panose="05000000000000000000" pitchFamily="2" charset="2"/>
+              </a:rPr>
+              <a:t>     </a:t>
+            </a:r>
+            <a:r>
+              <a:rPr lang="en-US">
+                <a:latin typeface="Sylfaen" panose="010A0502050306030303" pitchFamily="18" charset="0"/>
+              </a:rPr>
+              <a:t>%21</a:t>
+            </a:r>
+          </a:p>
+          <a:p>
+            <a:pPr marL="0" indent="0">
+              <a:lnSpc>
+                <a:spcPct val="200000"/>
+              </a:lnSpc>
+              <a:buFont typeface="Arial" panose="020B0604020202020204" pitchFamily="34" charset="0"/>
+              <a:buNone/>
+            </a:pPr>
+            <a:r>
+              <a:rPr lang="en-US">
+                <a:latin typeface="Sylfaen" panose="010A0502050306030303" pitchFamily="18" charset="0"/>
+              </a:rPr>
+              <a:t>#     </a:t>
+            </a:r>
+            <a:r>
+              <a:rPr lang="en-US">
+                <a:latin typeface="Sylfaen" panose="010A0502050306030303" pitchFamily="18" charset="0"/>
+                <a:sym typeface="Wingdings" panose="05000000000000000000" pitchFamily="2" charset="2"/>
+              </a:rPr>
+              <a:t>     </a:t>
+            </a:r>
+            <a:r>
+              <a:rPr lang="en-US">
+                <a:latin typeface="Sylfaen" panose="010A0502050306030303" pitchFamily="18" charset="0"/>
+              </a:rPr>
+              <a:t>%23</a:t>
+            </a:r>
+          </a:p>
+          <a:p>
+            <a:pPr marL="0" indent="0">
+              <a:lnSpc>
+                <a:spcPct val="200000"/>
+              </a:lnSpc>
+              <a:buFont typeface="Arial" panose="020B0604020202020204" pitchFamily="34" charset="0"/>
+              <a:buNone/>
+            </a:pPr>
+            <a:r>
+              <a:rPr lang="en-US">
+                <a:latin typeface="Sylfaen" panose="010A0502050306030303" pitchFamily="18" charset="0"/>
+              </a:rPr>
+              <a:t>$     </a:t>
+            </a:r>
+            <a:r>
+              <a:rPr lang="en-US">
+                <a:latin typeface="Sylfaen" panose="010A0502050306030303" pitchFamily="18" charset="0"/>
+                <a:sym typeface="Wingdings" panose="05000000000000000000" pitchFamily="2" charset="2"/>
+              </a:rPr>
+              <a:t>     </a:t>
+            </a:r>
+            <a:r>
+              <a:rPr lang="en-US">
+                <a:latin typeface="Sylfaen" panose="010A0502050306030303" pitchFamily="18" charset="0"/>
+              </a:rPr>
+              <a:t>%24</a:t>
+            </a:r>
+          </a:p>
+          <a:p>
+            <a:pPr marL="0" indent="0">
+              <a:lnSpc>
+                <a:spcPct val="200000"/>
+              </a:lnSpc>
+              <a:buFont typeface="Arial" panose="020B0604020202020204" pitchFamily="34" charset="0"/>
+              <a:buNone/>
+            </a:pPr>
+            <a:r>
+              <a:rPr lang="en-US">
+                <a:latin typeface="Sylfaen" panose="010A0502050306030303" pitchFamily="18" charset="0"/>
+                <a:sym typeface="Wingdings" panose="05000000000000000000" pitchFamily="2" charset="2"/>
+              </a:rPr>
+              <a:t>&amp;         </a:t>
+            </a:r>
+            <a:r>
+              <a:rPr lang="en-US">
+                <a:latin typeface="Sylfaen" panose="010A0502050306030303" pitchFamily="18" charset="0"/>
+              </a:rPr>
+              <a:t>%26</a:t>
+            </a:r>
+          </a:p>
+          <a:p>
+            <a:pPr marL="0" indent="0">
+              <a:buFont typeface="Arial" panose="020B0604020202020204" pitchFamily="34" charset="0"/>
+              <a:buNone/>
+            </a:pPr>
+            <a:endParaRPr lang="en-US">
+              <a:latin typeface="Sylfaen" panose="010A0502050306030303" pitchFamily="18" charset="0"/>
+            </a:endParaRPr>
+          </a:p>
+          <a:p>
+            <a:pPr marL="0" indent="0">
+              <a:buFont typeface="Arial" panose="020B0604020202020204" pitchFamily="34" charset="0"/>
+              <a:buNone/>
+            </a:pPr>
+            <a:endParaRPr lang="en-US">
+              <a:latin typeface="Sylfaen" panose="010A0502050306030303" pitchFamily="18" charset="0"/>
+            </a:endParaRPr>
+          </a:p>
+        </p:txBody>
+      </p:sp>
+    </p:spTree>
+    <p:extLst>
+      <p:ext uri="{BB962C8B-B14F-4D97-AF65-F5344CB8AC3E}">
+        <p14:creationId xmlns:p14="http://schemas.microsoft.com/office/powerpoint/2010/main" val="1333610910"/>
       </p:ext>
     </p:extLst>
   </p:cSld>

--- a/Http/Http_presentation.pptx
+++ b/Http/Http_presentation.pptx
@@ -29,16 +29,13 @@
     <p:sldId id="274" r:id="rId23"/>
     <p:sldId id="275" r:id="rId24"/>
     <p:sldId id="281" r:id="rId25"/>
-    <p:sldId id="276" r:id="rId26"/>
-    <p:sldId id="277" r:id="rId27"/>
-    <p:sldId id="279" r:id="rId28"/>
-    <p:sldId id="280" r:id="rId29"/>
-    <p:sldId id="282" r:id="rId30"/>
-    <p:sldId id="283" r:id="rId31"/>
-    <p:sldId id="284" r:id="rId32"/>
-    <p:sldId id="269" r:id="rId33"/>
-    <p:sldId id="286" r:id="rId34"/>
-    <p:sldId id="287" r:id="rId35"/>
+    <p:sldId id="280" r:id="rId26"/>
+    <p:sldId id="282" r:id="rId27"/>
+    <p:sldId id="283" r:id="rId28"/>
+    <p:sldId id="269" r:id="rId29"/>
+    <p:sldId id="286" r:id="rId30"/>
+    <p:sldId id="287" r:id="rId31"/>
+    <p:sldId id="290" r:id="rId32"/>
   </p:sldIdLst>
   <p:sldSz cx="12192000" cy="6858000"/>
   <p:notesSz cx="6858000" cy="9144000"/>
@@ -292,7 +289,7 @@
           <a:p>
             <a:fld id="{E36C89DF-7188-4BC0-ADF4-07E309878DC2}" type="datetimeFigureOut">
               <a:rPr lang="ru-RU" smtClean="0"/>
-              <a:t>06.10.2022</a:t>
+              <a:t>07.10.2022</a:t>
             </a:fld>
             <a:endParaRPr lang="ru-RU"/>
           </a:p>
@@ -490,7 +487,7 @@
           <a:p>
             <a:fld id="{E36C89DF-7188-4BC0-ADF4-07E309878DC2}" type="datetimeFigureOut">
               <a:rPr lang="ru-RU" smtClean="0"/>
-              <a:t>06.10.2022</a:t>
+              <a:t>07.10.2022</a:t>
             </a:fld>
             <a:endParaRPr lang="ru-RU"/>
           </a:p>
@@ -698,7 +695,7 @@
           <a:p>
             <a:fld id="{E36C89DF-7188-4BC0-ADF4-07E309878DC2}" type="datetimeFigureOut">
               <a:rPr lang="ru-RU" smtClean="0"/>
-              <a:t>06.10.2022</a:t>
+              <a:t>07.10.2022</a:t>
             </a:fld>
             <a:endParaRPr lang="ru-RU"/>
           </a:p>
@@ -896,7 +893,7 @@
           <a:p>
             <a:fld id="{E36C89DF-7188-4BC0-ADF4-07E309878DC2}" type="datetimeFigureOut">
               <a:rPr lang="ru-RU" smtClean="0"/>
-              <a:t>06.10.2022</a:t>
+              <a:t>07.10.2022</a:t>
             </a:fld>
             <a:endParaRPr lang="ru-RU"/>
           </a:p>
@@ -1171,7 +1168,7 @@
           <a:p>
             <a:fld id="{E36C89DF-7188-4BC0-ADF4-07E309878DC2}" type="datetimeFigureOut">
               <a:rPr lang="ru-RU" smtClean="0"/>
-              <a:t>06.10.2022</a:t>
+              <a:t>07.10.2022</a:t>
             </a:fld>
             <a:endParaRPr lang="ru-RU"/>
           </a:p>
@@ -1436,7 +1433,7 @@
           <a:p>
             <a:fld id="{E36C89DF-7188-4BC0-ADF4-07E309878DC2}" type="datetimeFigureOut">
               <a:rPr lang="ru-RU" smtClean="0"/>
-              <a:t>06.10.2022</a:t>
+              <a:t>07.10.2022</a:t>
             </a:fld>
             <a:endParaRPr lang="ru-RU"/>
           </a:p>
@@ -1848,7 +1845,7 @@
           <a:p>
             <a:fld id="{E36C89DF-7188-4BC0-ADF4-07E309878DC2}" type="datetimeFigureOut">
               <a:rPr lang="ru-RU" smtClean="0"/>
-              <a:t>06.10.2022</a:t>
+              <a:t>07.10.2022</a:t>
             </a:fld>
             <a:endParaRPr lang="ru-RU"/>
           </a:p>
@@ -1989,7 +1986,7 @@
           <a:p>
             <a:fld id="{E36C89DF-7188-4BC0-ADF4-07E309878DC2}" type="datetimeFigureOut">
               <a:rPr lang="ru-RU" smtClean="0"/>
-              <a:t>06.10.2022</a:t>
+              <a:t>07.10.2022</a:t>
             </a:fld>
             <a:endParaRPr lang="ru-RU"/>
           </a:p>
@@ -2102,7 +2099,7 @@
           <a:p>
             <a:fld id="{E36C89DF-7188-4BC0-ADF4-07E309878DC2}" type="datetimeFigureOut">
               <a:rPr lang="ru-RU" smtClean="0"/>
-              <a:t>06.10.2022</a:t>
+              <a:t>07.10.2022</a:t>
             </a:fld>
             <a:endParaRPr lang="ru-RU"/>
           </a:p>
@@ -2413,7 +2410,7 @@
           <a:p>
             <a:fld id="{E36C89DF-7188-4BC0-ADF4-07E309878DC2}" type="datetimeFigureOut">
               <a:rPr lang="ru-RU" smtClean="0"/>
-              <a:t>06.10.2022</a:t>
+              <a:t>07.10.2022</a:t>
             </a:fld>
             <a:endParaRPr lang="ru-RU"/>
           </a:p>
@@ -2701,7 +2698,7 @@
           <a:p>
             <a:fld id="{E36C89DF-7188-4BC0-ADF4-07E309878DC2}" type="datetimeFigureOut">
               <a:rPr lang="ru-RU" smtClean="0"/>
-              <a:t>06.10.2022</a:t>
+              <a:t>07.10.2022</a:t>
             </a:fld>
             <a:endParaRPr lang="ru-RU"/>
           </a:p>
@@ -2942,7 +2939,7 @@
           <a:p>
             <a:fld id="{E36C89DF-7188-4BC0-ADF4-07E309878DC2}" type="datetimeFigureOut">
               <a:rPr lang="ru-RU" smtClean="0"/>
-              <a:t>06.10.2022</a:t>
+              <a:t>07.10.2022</a:t>
             </a:fld>
             <a:endParaRPr lang="ru-RU"/>
           </a:p>
@@ -6530,7 +6527,7 @@
         </p:nvSpPr>
         <p:spPr>
           <a:xfrm>
-            <a:off x="1252928" y="2278829"/>
+            <a:off x="1357859" y="1874095"/>
             <a:ext cx="4483308" cy="3672266"/>
           </a:xfrm>
         </p:spPr>
@@ -6726,8 +6723,8 @@
         </p:nvSpPr>
         <p:spPr>
           <a:xfrm>
-            <a:off x="838200" y="1825625"/>
-            <a:ext cx="3149184" cy="4351338"/>
+            <a:off x="838200" y="2271172"/>
+            <a:ext cx="4183505" cy="4204579"/>
           </a:xfrm>
         </p:spPr>
         <p:txBody>
@@ -6737,6 +6734,9 @@
           <a:lstStyle/>
           <a:p>
             <a:pPr marL="0" indent="0">
+              <a:lnSpc>
+                <a:spcPct val="100000"/>
+              </a:lnSpc>
               <a:buNone/>
             </a:pPr>
             <a:r>
@@ -6744,12 +6744,6 @@
                 <a:latin typeface="Sylfaen" panose="010A0502050306030303" pitchFamily="18" charset="0"/>
               </a:rPr>
               <a:t>Connection</a:t>
-            </a:r>
-            <a:r>
-              <a:rPr lang="en-US" dirty="0">
-                <a:latin typeface="Sylfaen" panose="010A0502050306030303" pitchFamily="18" charset="0"/>
-              </a:rPr>
-              <a:t>: </a:t>
             </a:r>
             <a:endParaRPr lang="hy-AM" dirty="0">
               <a:latin typeface="Sylfaen" panose="010A0502050306030303" pitchFamily="18" charset="0"/>
@@ -6757,68 +6751,89 @@
           </a:p>
           <a:p>
             <a:pPr marL="0" indent="0">
-              <a:buNone/>
-            </a:pPr>
-            <a:r>
-              <a:rPr lang="en-US" dirty="0">
-                <a:latin typeface="Sylfaen" panose="010A0502050306030303" pitchFamily="18" charset="0"/>
-              </a:rPr>
-              <a:t>Date:</a:t>
-            </a:r>
-          </a:p>
-          <a:p>
-            <a:pPr marL="0" indent="0">
+              <a:lnSpc>
+                <a:spcPct val="100000"/>
+              </a:lnSpc>
               <a:buNone/>
             </a:pPr>
             <a:r>
               <a:rPr lang="en-US">
                 <a:latin typeface="Sylfaen" panose="010A0502050306030303" pitchFamily="18" charset="0"/>
               </a:rPr>
-              <a:t>Trailer:</a:t>
-            </a:r>
-          </a:p>
-          <a:p>
-            <a:pPr marL="0" indent="0">
+              <a:t>Date</a:t>
+            </a:r>
+            <a:endParaRPr lang="en-US" dirty="0">
+              <a:latin typeface="Sylfaen" panose="010A0502050306030303" pitchFamily="18" charset="0"/>
+            </a:endParaRPr>
+          </a:p>
+          <a:p>
+            <a:pPr marL="0" indent="0">
+              <a:lnSpc>
+                <a:spcPct val="100000"/>
+              </a:lnSpc>
               <a:buNone/>
             </a:pPr>
             <a:r>
               <a:rPr lang="en-US">
                 <a:latin typeface="Sylfaen" panose="010A0502050306030303" pitchFamily="18" charset="0"/>
               </a:rPr>
-              <a:t>Transfer-Encoding:</a:t>
-            </a:r>
-          </a:p>
-          <a:p>
-            <a:pPr marL="0" indent="0">
+              <a:t>Trailer</a:t>
+            </a:r>
+          </a:p>
+          <a:p>
+            <a:pPr marL="0" indent="0">
+              <a:lnSpc>
+                <a:spcPct val="100000"/>
+              </a:lnSpc>
               <a:buNone/>
             </a:pPr>
             <a:r>
               <a:rPr lang="en-US">
                 <a:latin typeface="Sylfaen" panose="010A0502050306030303" pitchFamily="18" charset="0"/>
               </a:rPr>
-              <a:t>Upgrate:</a:t>
-            </a:r>
-          </a:p>
-          <a:p>
-            <a:pPr marL="0" indent="0">
+              <a:t>Transfer-Encoding</a:t>
+            </a:r>
+          </a:p>
+          <a:p>
+            <a:pPr marL="0" indent="0">
+              <a:lnSpc>
+                <a:spcPct val="100000"/>
+              </a:lnSpc>
               <a:buNone/>
             </a:pPr>
             <a:r>
               <a:rPr lang="en-US">
                 <a:latin typeface="Sylfaen" panose="010A0502050306030303" pitchFamily="18" charset="0"/>
               </a:rPr>
-              <a:t>VIA:</a:t>
-            </a:r>
-          </a:p>
-          <a:p>
-            <a:pPr marL="0" indent="0">
+              <a:t>Upgrate</a:t>
+            </a:r>
+          </a:p>
+          <a:p>
+            <a:pPr marL="0" indent="0">
+              <a:lnSpc>
+                <a:spcPct val="100000"/>
+              </a:lnSpc>
               <a:buNone/>
             </a:pPr>
             <a:r>
               <a:rPr lang="en-US">
                 <a:latin typeface="Sylfaen" panose="010A0502050306030303" pitchFamily="18" charset="0"/>
               </a:rPr>
-              <a:t>Warning:</a:t>
+              <a:t>VIA</a:t>
+            </a:r>
+          </a:p>
+          <a:p>
+            <a:pPr marL="0" indent="0">
+              <a:lnSpc>
+                <a:spcPct val="100000"/>
+              </a:lnSpc>
+              <a:buNone/>
+            </a:pPr>
+            <a:r>
+              <a:rPr lang="en-US">
+                <a:latin typeface="Sylfaen" panose="010A0502050306030303" pitchFamily="18" charset="0"/>
+              </a:rPr>
+              <a:t>Warning</a:t>
             </a:r>
             <a:endParaRPr lang="en-US" dirty="0">
               <a:latin typeface="Sylfaen" panose="010A0502050306030303" pitchFamily="18" charset="0"/>
@@ -6866,10 +6881,10 @@
       </p:cxnSp>
       <p:sp>
         <p:nvSpPr>
-          <p:cNvPr id="5" name="Content Placeholder 2">
-            <a:extLst>
-              <a:ext uri="{FF2B5EF4-FFF2-40B4-BE49-F238E27FC236}">
-                <a16:creationId xmlns:a16="http://schemas.microsoft.com/office/drawing/2014/main" id="{CBD4F96B-0471-4F63-AF04-00549CABBE9F}"/>
+          <p:cNvPr id="8" name="Content Placeholder 2">
+            <a:extLst>
+              <a:ext uri="{FF2B5EF4-FFF2-40B4-BE49-F238E27FC236}">
+                <a16:creationId xmlns:a16="http://schemas.microsoft.com/office/drawing/2014/main" id="{86094AFD-6545-45E1-B338-8B9836E2F8AB}"/>
               </a:ext>
             </a:extLst>
           </p:cNvPr>
@@ -6880,8 +6895,8 @@
         </p:nvSpPr>
         <p:spPr>
           <a:xfrm>
-            <a:off x="7119079" y="1825625"/>
-            <a:ext cx="3149184" cy="4351338"/>
+            <a:off x="6504482" y="2271171"/>
+            <a:ext cx="4183505" cy="4204579"/>
           </a:xfrm>
           <a:prstGeom prst="rect">
             <a:avLst/>
@@ -7063,7 +7078,7 @@
               <a:rPr lang="en-US">
                 <a:latin typeface="Sylfaen" panose="010A0502050306030303" pitchFamily="18" charset="0"/>
               </a:rPr>
-              <a:t>Cache-Control:</a:t>
+              <a:t>Cache-Control</a:t>
             </a:r>
           </a:p>
           <a:p>
@@ -7074,11 +7089,8 @@
               <a:rPr lang="en-US">
                 <a:latin typeface="Sylfaen" panose="010A0502050306030303" pitchFamily="18" charset="0"/>
               </a:rPr>
-              <a:t>Pragma:</a:t>
-            </a:r>
-            <a:endParaRPr lang="hy-AM" dirty="0">
-              <a:latin typeface="Sylfaen" panose="010A0502050306030303" pitchFamily="18" charset="0"/>
-            </a:endParaRPr>
+              <a:t>Pragma</a:t>
+            </a:r>
           </a:p>
         </p:txBody>
       </p:sp>
@@ -7382,8 +7394,8 @@
         </p:nvSpPr>
         <p:spPr>
           <a:xfrm>
-            <a:off x="838200" y="1325563"/>
-            <a:ext cx="5397708" cy="5257712"/>
+            <a:off x="838200" y="1805248"/>
+            <a:ext cx="5397708" cy="4115862"/>
           </a:xfrm>
         </p:spPr>
         <p:txBody>
@@ -7394,7 +7406,7 @@
           <a:p>
             <a:pPr marL="0" indent="0">
               <a:lnSpc>
-                <a:spcPct val="210000"/>
+                <a:spcPct val="150000"/>
               </a:lnSpc>
               <a:buNone/>
             </a:pPr>
@@ -7408,7 +7420,7 @@
           <a:p>
             <a:pPr marL="0" indent="0">
               <a:lnSpc>
-                <a:spcPct val="210000"/>
+                <a:spcPct val="150000"/>
               </a:lnSpc>
               <a:buNone/>
             </a:pPr>
@@ -7422,7 +7434,7 @@
           <a:p>
             <a:pPr marL="0" indent="0">
               <a:lnSpc>
-                <a:spcPct val="210000"/>
+                <a:spcPct val="150000"/>
               </a:lnSpc>
               <a:buNone/>
             </a:pPr>
@@ -7436,7 +7448,7 @@
           <a:p>
             <a:pPr marL="0" indent="0">
               <a:lnSpc>
-                <a:spcPct val="210000"/>
+                <a:spcPct val="150000"/>
               </a:lnSpc>
               <a:buNone/>
             </a:pPr>
@@ -7462,7 +7474,7 @@
           <a:p>
             <a:pPr marL="0" indent="0">
               <a:lnSpc>
-                <a:spcPct val="210000"/>
+                <a:spcPct val="150000"/>
               </a:lnSpc>
               <a:buNone/>
             </a:pPr>
@@ -8034,7 +8046,7 @@
         </p:nvSpPr>
         <p:spPr>
           <a:xfrm>
-            <a:off x="838200" y="2150184"/>
+            <a:off x="838200" y="2509948"/>
             <a:ext cx="4333407" cy="2281680"/>
           </a:xfrm>
         </p:spPr>
@@ -8639,8 +8651,8 @@
         </p:nvSpPr>
         <p:spPr>
           <a:xfrm>
-            <a:off x="838200" y="2150023"/>
-            <a:ext cx="10515600" cy="3321388"/>
+            <a:off x="6096000" y="1407770"/>
+            <a:ext cx="5598006" cy="2563150"/>
           </a:xfrm>
         </p:spPr>
         <p:txBody>
@@ -8651,7 +8663,35 @@
           <a:p>
             <a:pPr marL="0" indent="0">
               <a:lnSpc>
-                <a:spcPct val="200000"/>
+                <a:spcPct val="150000"/>
+              </a:lnSpc>
+              <a:buNone/>
+            </a:pPr>
+            <a:r>
+              <a:rPr lang="en-US" b="1">
+                <a:latin typeface="Sylfaen" panose="010A0502050306030303" pitchFamily="18" charset="0"/>
+              </a:rPr>
+              <a:t>Security headers</a:t>
+            </a:r>
+          </a:p>
+          <a:p>
+            <a:pPr marL="0" indent="0">
+              <a:lnSpc>
+                <a:spcPct val="150000"/>
+              </a:lnSpc>
+              <a:buNone/>
+            </a:pPr>
+            <a:r>
+              <a:rPr lang="hy-AM">
+                <a:latin typeface="Sylfaen" panose="010A0502050306030303" pitchFamily="18" charset="0"/>
+              </a:rPr>
+              <a:t>Proxy-Authenticate</a:t>
+            </a:r>
+          </a:p>
+          <a:p>
+            <a:pPr marL="0" indent="0">
+              <a:lnSpc>
+                <a:spcPct val="150000"/>
               </a:lnSpc>
               <a:buNone/>
             </a:pPr>
@@ -8659,42 +8699,32 @@
               <a:rPr lang="en-US">
                 <a:latin typeface="Sylfaen" panose="010A0502050306030303" pitchFamily="18" charset="0"/>
               </a:rPr>
-              <a:t>Informational headers</a:t>
-            </a:r>
-          </a:p>
-          <a:p>
-            <a:pPr marL="0" indent="0">
-              <a:lnSpc>
-                <a:spcPct val="200000"/>
-              </a:lnSpc>
-              <a:buNone/>
-            </a:pPr>
+              <a:t>Set-Cookie</a:t>
+            </a:r>
+            <a:r>
+              <a:rPr lang="hy-AM">
+                <a:latin typeface="Sylfaen" panose="010A0502050306030303" pitchFamily="18" charset="0"/>
+              </a:rPr>
+              <a:t>։ </a:t>
+            </a:r>
             <a:r>
               <a:rPr lang="en-US">
                 <a:latin typeface="Sylfaen" panose="010A0502050306030303" pitchFamily="18" charset="0"/>
               </a:rPr>
-              <a:t>Negotiation headers</a:t>
-            </a:r>
-          </a:p>
-          <a:p>
-            <a:pPr marL="0" indent="0">
-              <a:lnSpc>
-                <a:spcPct val="200000"/>
-              </a:lnSpc>
-              <a:buNone/>
-            </a:pPr>
+              <a:t>name=value</a:t>
+            </a:r>
+            <a:r>
+              <a:rPr lang="hy-AM">
+                <a:latin typeface="Sylfaen" panose="010A0502050306030303" pitchFamily="18" charset="0"/>
+              </a:rPr>
+              <a:t>; </a:t>
+            </a:r>
             <a:r>
               <a:rPr lang="en-US">
                 <a:latin typeface="Sylfaen" panose="010A0502050306030303" pitchFamily="18" charset="0"/>
               </a:rPr>
-              <a:t>Security headers</a:t>
-            </a:r>
-          </a:p>
-          <a:p>
-            <a:pPr marL="0" indent="0">
-              <a:buNone/>
-            </a:pPr>
-            <a:endParaRPr lang="en-US"/>
+              <a:t>options</a:t>
+            </a:r>
           </a:p>
         </p:txBody>
       </p:sp>
@@ -8736,6 +8766,526 @@
           </a:fontRef>
         </p:style>
       </p:cxnSp>
+      <p:sp>
+        <p:nvSpPr>
+          <p:cNvPr id="5" name="Content Placeholder 2">
+            <a:extLst>
+              <a:ext uri="{FF2B5EF4-FFF2-40B4-BE49-F238E27FC236}">
+                <a16:creationId xmlns:a16="http://schemas.microsoft.com/office/drawing/2014/main" id="{FAF32FB8-6C1C-47EA-BFA1-DCA9C5A18BEF}"/>
+              </a:ext>
+            </a:extLst>
+          </p:cNvPr>
+          <p:cNvSpPr txBox="1">
+            <a:spLocks/>
+          </p:cNvSpPr>
+          <p:nvPr/>
+        </p:nvSpPr>
+        <p:spPr>
+          <a:xfrm>
+            <a:off x="838200" y="1768306"/>
+            <a:ext cx="4422098" cy="3321388"/>
+          </a:xfrm>
+          <a:prstGeom prst="rect">
+            <a:avLst/>
+          </a:prstGeom>
+        </p:spPr>
+        <p:txBody>
+          <a:bodyPr vert="horz" lIns="91440" tIns="45720" rIns="91440" bIns="45720" rtlCol="0">
+            <a:normAutofit/>
+          </a:bodyPr>
+          <a:lstStyle>
+            <a:lvl1pPr marL="228600" indent="-228600" algn="l" defTabSz="914400" rtl="0" eaLnBrk="1" latinLnBrk="0" hangingPunct="1">
+              <a:lnSpc>
+                <a:spcPct val="90000"/>
+              </a:lnSpc>
+              <a:spcBef>
+                <a:spcPts val="1000"/>
+              </a:spcBef>
+              <a:buFont typeface="Arial" panose="020B0604020202020204" pitchFamily="34" charset="0"/>
+              <a:buChar char="•"/>
+              <a:defRPr sz="2800" kern="1200">
+                <a:solidFill>
+                  <a:schemeClr val="tx1"/>
+                </a:solidFill>
+                <a:latin typeface="+mn-lt"/>
+                <a:ea typeface="+mn-ea"/>
+                <a:cs typeface="+mn-cs"/>
+              </a:defRPr>
+            </a:lvl1pPr>
+            <a:lvl2pPr marL="685800" indent="-228600" algn="l" defTabSz="914400" rtl="0" eaLnBrk="1" latinLnBrk="0" hangingPunct="1">
+              <a:lnSpc>
+                <a:spcPct val="90000"/>
+              </a:lnSpc>
+              <a:spcBef>
+                <a:spcPts val="500"/>
+              </a:spcBef>
+              <a:buFont typeface="Arial" panose="020B0604020202020204" pitchFamily="34" charset="0"/>
+              <a:buChar char="•"/>
+              <a:defRPr sz="2400" kern="1200">
+                <a:solidFill>
+                  <a:schemeClr val="tx1"/>
+                </a:solidFill>
+                <a:latin typeface="+mn-lt"/>
+                <a:ea typeface="+mn-ea"/>
+                <a:cs typeface="+mn-cs"/>
+              </a:defRPr>
+            </a:lvl2pPr>
+            <a:lvl3pPr marL="1143000" indent="-228600" algn="l" defTabSz="914400" rtl="0" eaLnBrk="1" latinLnBrk="0" hangingPunct="1">
+              <a:lnSpc>
+                <a:spcPct val="90000"/>
+              </a:lnSpc>
+              <a:spcBef>
+                <a:spcPts val="500"/>
+              </a:spcBef>
+              <a:buFont typeface="Arial" panose="020B0604020202020204" pitchFamily="34" charset="0"/>
+              <a:buChar char="•"/>
+              <a:defRPr sz="2000" kern="1200">
+                <a:solidFill>
+                  <a:schemeClr val="tx1"/>
+                </a:solidFill>
+                <a:latin typeface="+mn-lt"/>
+                <a:ea typeface="+mn-ea"/>
+                <a:cs typeface="+mn-cs"/>
+              </a:defRPr>
+            </a:lvl3pPr>
+            <a:lvl4pPr marL="1600200" indent="-228600" algn="l" defTabSz="914400" rtl="0" eaLnBrk="1" latinLnBrk="0" hangingPunct="1">
+              <a:lnSpc>
+                <a:spcPct val="90000"/>
+              </a:lnSpc>
+              <a:spcBef>
+                <a:spcPts val="500"/>
+              </a:spcBef>
+              <a:buFont typeface="Arial" panose="020B0604020202020204" pitchFamily="34" charset="0"/>
+              <a:buChar char="•"/>
+              <a:defRPr sz="1800" kern="1200">
+                <a:solidFill>
+                  <a:schemeClr val="tx1"/>
+                </a:solidFill>
+                <a:latin typeface="+mn-lt"/>
+                <a:ea typeface="+mn-ea"/>
+                <a:cs typeface="+mn-cs"/>
+              </a:defRPr>
+            </a:lvl4pPr>
+            <a:lvl5pPr marL="2057400" indent="-228600" algn="l" defTabSz="914400" rtl="0" eaLnBrk="1" latinLnBrk="0" hangingPunct="1">
+              <a:lnSpc>
+                <a:spcPct val="90000"/>
+              </a:lnSpc>
+              <a:spcBef>
+                <a:spcPts val="500"/>
+              </a:spcBef>
+              <a:buFont typeface="Arial" panose="020B0604020202020204" pitchFamily="34" charset="0"/>
+              <a:buChar char="•"/>
+              <a:defRPr sz="1800" kern="1200">
+                <a:solidFill>
+                  <a:schemeClr val="tx1"/>
+                </a:solidFill>
+                <a:latin typeface="+mn-lt"/>
+                <a:ea typeface="+mn-ea"/>
+                <a:cs typeface="+mn-cs"/>
+              </a:defRPr>
+            </a:lvl5pPr>
+            <a:lvl6pPr marL="2514600" indent="-228600" algn="l" defTabSz="914400" rtl="0" eaLnBrk="1" latinLnBrk="0" hangingPunct="1">
+              <a:lnSpc>
+                <a:spcPct val="90000"/>
+              </a:lnSpc>
+              <a:spcBef>
+                <a:spcPts val="500"/>
+              </a:spcBef>
+              <a:buFont typeface="Arial" panose="020B0604020202020204" pitchFamily="34" charset="0"/>
+              <a:buChar char="•"/>
+              <a:defRPr sz="1800" kern="1200">
+                <a:solidFill>
+                  <a:schemeClr val="tx1"/>
+                </a:solidFill>
+                <a:latin typeface="+mn-lt"/>
+                <a:ea typeface="+mn-ea"/>
+                <a:cs typeface="+mn-cs"/>
+              </a:defRPr>
+            </a:lvl6pPr>
+            <a:lvl7pPr marL="2971800" indent="-228600" algn="l" defTabSz="914400" rtl="0" eaLnBrk="1" latinLnBrk="0" hangingPunct="1">
+              <a:lnSpc>
+                <a:spcPct val="90000"/>
+              </a:lnSpc>
+              <a:spcBef>
+                <a:spcPts val="500"/>
+              </a:spcBef>
+              <a:buFont typeface="Arial" panose="020B0604020202020204" pitchFamily="34" charset="0"/>
+              <a:buChar char="•"/>
+              <a:defRPr sz="1800" kern="1200">
+                <a:solidFill>
+                  <a:schemeClr val="tx1"/>
+                </a:solidFill>
+                <a:latin typeface="+mn-lt"/>
+                <a:ea typeface="+mn-ea"/>
+                <a:cs typeface="+mn-cs"/>
+              </a:defRPr>
+            </a:lvl7pPr>
+            <a:lvl8pPr marL="3429000" indent="-228600" algn="l" defTabSz="914400" rtl="0" eaLnBrk="1" latinLnBrk="0" hangingPunct="1">
+              <a:lnSpc>
+                <a:spcPct val="90000"/>
+              </a:lnSpc>
+              <a:spcBef>
+                <a:spcPts val="500"/>
+              </a:spcBef>
+              <a:buFont typeface="Arial" panose="020B0604020202020204" pitchFamily="34" charset="0"/>
+              <a:buChar char="•"/>
+              <a:defRPr sz="1800" kern="1200">
+                <a:solidFill>
+                  <a:schemeClr val="tx1"/>
+                </a:solidFill>
+                <a:latin typeface="+mn-lt"/>
+                <a:ea typeface="+mn-ea"/>
+                <a:cs typeface="+mn-cs"/>
+              </a:defRPr>
+            </a:lvl8pPr>
+            <a:lvl9pPr marL="3886200" indent="-228600" algn="l" defTabSz="914400" rtl="0" eaLnBrk="1" latinLnBrk="0" hangingPunct="1">
+              <a:lnSpc>
+                <a:spcPct val="90000"/>
+              </a:lnSpc>
+              <a:spcBef>
+                <a:spcPts val="500"/>
+              </a:spcBef>
+              <a:buFont typeface="Arial" panose="020B0604020202020204" pitchFamily="34" charset="0"/>
+              <a:buChar char="•"/>
+              <a:defRPr sz="1800" kern="1200">
+                <a:solidFill>
+                  <a:schemeClr val="tx1"/>
+                </a:solidFill>
+                <a:latin typeface="+mn-lt"/>
+                <a:ea typeface="+mn-ea"/>
+                <a:cs typeface="+mn-cs"/>
+              </a:defRPr>
+            </a:lvl9pPr>
+          </a:lstStyle>
+          <a:p>
+            <a:pPr marL="0" indent="0">
+              <a:lnSpc>
+                <a:spcPct val="200000"/>
+              </a:lnSpc>
+              <a:buFont typeface="Arial" panose="020B0604020202020204" pitchFamily="34" charset="0"/>
+              <a:buNone/>
+            </a:pPr>
+            <a:r>
+              <a:rPr lang="en-US" b="1">
+                <a:latin typeface="Sylfaen" panose="010A0502050306030303" pitchFamily="18" charset="0"/>
+              </a:rPr>
+              <a:t>Informational headers</a:t>
+            </a:r>
+          </a:p>
+          <a:p>
+            <a:pPr marL="0" indent="0">
+              <a:lnSpc>
+                <a:spcPct val="150000"/>
+              </a:lnSpc>
+              <a:buNone/>
+            </a:pPr>
+            <a:r>
+              <a:rPr lang="en-US">
+                <a:latin typeface="Sylfaen" panose="010A0502050306030303" pitchFamily="18" charset="0"/>
+              </a:rPr>
+              <a:t>Age: seconds</a:t>
+            </a:r>
+            <a:endParaRPr lang="hy-AM">
+              <a:latin typeface="Sylfaen" panose="010A0502050306030303" pitchFamily="18" charset="0"/>
+            </a:endParaRPr>
+          </a:p>
+          <a:p>
+            <a:pPr marL="0" indent="0">
+              <a:lnSpc>
+                <a:spcPct val="150000"/>
+              </a:lnSpc>
+              <a:buNone/>
+            </a:pPr>
+            <a:r>
+              <a:rPr lang="en-US">
+                <a:latin typeface="Sylfaen" panose="010A0502050306030303" pitchFamily="18" charset="0"/>
+              </a:rPr>
+              <a:t>Retry-After: date | seconds</a:t>
+            </a:r>
+          </a:p>
+          <a:p>
+            <a:pPr marL="0" indent="0">
+              <a:lnSpc>
+                <a:spcPct val="150000"/>
+              </a:lnSpc>
+              <a:buNone/>
+            </a:pPr>
+            <a:r>
+              <a:rPr lang="en-US">
+                <a:latin typeface="Sylfaen" panose="010A0502050306030303" pitchFamily="18" charset="0"/>
+              </a:rPr>
+              <a:t>Server</a:t>
+            </a:r>
+            <a:r>
+              <a:rPr lang="hy-AM">
+                <a:latin typeface="Sylfaen" panose="010A0502050306030303" pitchFamily="18" charset="0"/>
+              </a:rPr>
+              <a:t>։ </a:t>
+            </a:r>
+            <a:r>
+              <a:rPr lang="en-US">
+                <a:latin typeface="Sylfaen" panose="010A0502050306030303" pitchFamily="18" charset="0"/>
+              </a:rPr>
+              <a:t>product</a:t>
+            </a:r>
+          </a:p>
+          <a:p>
+            <a:pPr marL="0" indent="0">
+              <a:buFont typeface="Arial" panose="020B0604020202020204" pitchFamily="34" charset="0"/>
+              <a:buNone/>
+            </a:pPr>
+            <a:endParaRPr lang="en-US"/>
+          </a:p>
+        </p:txBody>
+      </p:sp>
+      <p:sp>
+        <p:nvSpPr>
+          <p:cNvPr id="6" name="Content Placeholder 2">
+            <a:extLst>
+              <a:ext uri="{FF2B5EF4-FFF2-40B4-BE49-F238E27FC236}">
+                <a16:creationId xmlns:a16="http://schemas.microsoft.com/office/drawing/2014/main" id="{26E0ABD7-C24E-423C-B8E2-7129A4A24862}"/>
+              </a:ext>
+            </a:extLst>
+          </p:cNvPr>
+          <p:cNvSpPr txBox="1">
+            <a:spLocks/>
+          </p:cNvSpPr>
+          <p:nvPr/>
+        </p:nvSpPr>
+        <p:spPr>
+          <a:xfrm>
+            <a:off x="6024759" y="3970920"/>
+            <a:ext cx="5598006" cy="2138072"/>
+          </a:xfrm>
+          <a:prstGeom prst="rect">
+            <a:avLst/>
+          </a:prstGeom>
+        </p:spPr>
+        <p:txBody>
+          <a:bodyPr vert="horz" lIns="91440" tIns="45720" rIns="91440" bIns="45720" rtlCol="0">
+            <a:normAutofit/>
+          </a:bodyPr>
+          <a:lstStyle>
+            <a:lvl1pPr marL="228600" indent="-228600" algn="l" defTabSz="914400" rtl="0" eaLnBrk="1" latinLnBrk="0" hangingPunct="1">
+              <a:lnSpc>
+                <a:spcPct val="90000"/>
+              </a:lnSpc>
+              <a:spcBef>
+                <a:spcPts val="1000"/>
+              </a:spcBef>
+              <a:buFont typeface="Arial" panose="020B0604020202020204" pitchFamily="34" charset="0"/>
+              <a:buChar char="•"/>
+              <a:defRPr sz="2800" kern="1200">
+                <a:solidFill>
+                  <a:schemeClr val="tx1"/>
+                </a:solidFill>
+                <a:latin typeface="+mn-lt"/>
+                <a:ea typeface="+mn-ea"/>
+                <a:cs typeface="+mn-cs"/>
+              </a:defRPr>
+            </a:lvl1pPr>
+            <a:lvl2pPr marL="685800" indent="-228600" algn="l" defTabSz="914400" rtl="0" eaLnBrk="1" latinLnBrk="0" hangingPunct="1">
+              <a:lnSpc>
+                <a:spcPct val="90000"/>
+              </a:lnSpc>
+              <a:spcBef>
+                <a:spcPts val="500"/>
+              </a:spcBef>
+              <a:buFont typeface="Arial" panose="020B0604020202020204" pitchFamily="34" charset="0"/>
+              <a:buChar char="•"/>
+              <a:defRPr sz="2400" kern="1200">
+                <a:solidFill>
+                  <a:schemeClr val="tx1"/>
+                </a:solidFill>
+                <a:latin typeface="+mn-lt"/>
+                <a:ea typeface="+mn-ea"/>
+                <a:cs typeface="+mn-cs"/>
+              </a:defRPr>
+            </a:lvl2pPr>
+            <a:lvl3pPr marL="1143000" indent="-228600" algn="l" defTabSz="914400" rtl="0" eaLnBrk="1" latinLnBrk="0" hangingPunct="1">
+              <a:lnSpc>
+                <a:spcPct val="90000"/>
+              </a:lnSpc>
+              <a:spcBef>
+                <a:spcPts val="500"/>
+              </a:spcBef>
+              <a:buFont typeface="Arial" panose="020B0604020202020204" pitchFamily="34" charset="0"/>
+              <a:buChar char="•"/>
+              <a:defRPr sz="2000" kern="1200">
+                <a:solidFill>
+                  <a:schemeClr val="tx1"/>
+                </a:solidFill>
+                <a:latin typeface="+mn-lt"/>
+                <a:ea typeface="+mn-ea"/>
+                <a:cs typeface="+mn-cs"/>
+              </a:defRPr>
+            </a:lvl3pPr>
+            <a:lvl4pPr marL="1600200" indent="-228600" algn="l" defTabSz="914400" rtl="0" eaLnBrk="1" latinLnBrk="0" hangingPunct="1">
+              <a:lnSpc>
+                <a:spcPct val="90000"/>
+              </a:lnSpc>
+              <a:spcBef>
+                <a:spcPts val="500"/>
+              </a:spcBef>
+              <a:buFont typeface="Arial" panose="020B0604020202020204" pitchFamily="34" charset="0"/>
+              <a:buChar char="•"/>
+              <a:defRPr sz="1800" kern="1200">
+                <a:solidFill>
+                  <a:schemeClr val="tx1"/>
+                </a:solidFill>
+                <a:latin typeface="+mn-lt"/>
+                <a:ea typeface="+mn-ea"/>
+                <a:cs typeface="+mn-cs"/>
+              </a:defRPr>
+            </a:lvl4pPr>
+            <a:lvl5pPr marL="2057400" indent="-228600" algn="l" defTabSz="914400" rtl="0" eaLnBrk="1" latinLnBrk="0" hangingPunct="1">
+              <a:lnSpc>
+                <a:spcPct val="90000"/>
+              </a:lnSpc>
+              <a:spcBef>
+                <a:spcPts val="500"/>
+              </a:spcBef>
+              <a:buFont typeface="Arial" panose="020B0604020202020204" pitchFamily="34" charset="0"/>
+              <a:buChar char="•"/>
+              <a:defRPr sz="1800" kern="1200">
+                <a:solidFill>
+                  <a:schemeClr val="tx1"/>
+                </a:solidFill>
+                <a:latin typeface="+mn-lt"/>
+                <a:ea typeface="+mn-ea"/>
+                <a:cs typeface="+mn-cs"/>
+              </a:defRPr>
+            </a:lvl5pPr>
+            <a:lvl6pPr marL="2514600" indent="-228600" algn="l" defTabSz="914400" rtl="0" eaLnBrk="1" latinLnBrk="0" hangingPunct="1">
+              <a:lnSpc>
+                <a:spcPct val="90000"/>
+              </a:lnSpc>
+              <a:spcBef>
+                <a:spcPts val="500"/>
+              </a:spcBef>
+              <a:buFont typeface="Arial" panose="020B0604020202020204" pitchFamily="34" charset="0"/>
+              <a:buChar char="•"/>
+              <a:defRPr sz="1800" kern="1200">
+                <a:solidFill>
+                  <a:schemeClr val="tx1"/>
+                </a:solidFill>
+                <a:latin typeface="+mn-lt"/>
+                <a:ea typeface="+mn-ea"/>
+                <a:cs typeface="+mn-cs"/>
+              </a:defRPr>
+            </a:lvl6pPr>
+            <a:lvl7pPr marL="2971800" indent="-228600" algn="l" defTabSz="914400" rtl="0" eaLnBrk="1" latinLnBrk="0" hangingPunct="1">
+              <a:lnSpc>
+                <a:spcPct val="90000"/>
+              </a:lnSpc>
+              <a:spcBef>
+                <a:spcPts val="500"/>
+              </a:spcBef>
+              <a:buFont typeface="Arial" panose="020B0604020202020204" pitchFamily="34" charset="0"/>
+              <a:buChar char="•"/>
+              <a:defRPr sz="1800" kern="1200">
+                <a:solidFill>
+                  <a:schemeClr val="tx1"/>
+                </a:solidFill>
+                <a:latin typeface="+mn-lt"/>
+                <a:ea typeface="+mn-ea"/>
+                <a:cs typeface="+mn-cs"/>
+              </a:defRPr>
+            </a:lvl7pPr>
+            <a:lvl8pPr marL="3429000" indent="-228600" algn="l" defTabSz="914400" rtl="0" eaLnBrk="1" latinLnBrk="0" hangingPunct="1">
+              <a:lnSpc>
+                <a:spcPct val="90000"/>
+              </a:lnSpc>
+              <a:spcBef>
+                <a:spcPts val="500"/>
+              </a:spcBef>
+              <a:buFont typeface="Arial" panose="020B0604020202020204" pitchFamily="34" charset="0"/>
+              <a:buChar char="•"/>
+              <a:defRPr sz="1800" kern="1200">
+                <a:solidFill>
+                  <a:schemeClr val="tx1"/>
+                </a:solidFill>
+                <a:latin typeface="+mn-lt"/>
+                <a:ea typeface="+mn-ea"/>
+                <a:cs typeface="+mn-cs"/>
+              </a:defRPr>
+            </a:lvl8pPr>
+            <a:lvl9pPr marL="3886200" indent="-228600" algn="l" defTabSz="914400" rtl="0" eaLnBrk="1" latinLnBrk="0" hangingPunct="1">
+              <a:lnSpc>
+                <a:spcPct val="90000"/>
+              </a:lnSpc>
+              <a:spcBef>
+                <a:spcPts val="500"/>
+              </a:spcBef>
+              <a:buFont typeface="Arial" panose="020B0604020202020204" pitchFamily="34" charset="0"/>
+              <a:buChar char="•"/>
+              <a:defRPr sz="1800" kern="1200">
+                <a:solidFill>
+                  <a:schemeClr val="tx1"/>
+                </a:solidFill>
+                <a:latin typeface="+mn-lt"/>
+                <a:ea typeface="+mn-ea"/>
+                <a:cs typeface="+mn-cs"/>
+              </a:defRPr>
+            </a:lvl9pPr>
+          </a:lstStyle>
+          <a:p>
+            <a:pPr marL="0" indent="0">
+              <a:lnSpc>
+                <a:spcPct val="200000"/>
+              </a:lnSpc>
+              <a:buNone/>
+            </a:pPr>
+            <a:r>
+              <a:rPr lang="en-US" b="1">
+                <a:latin typeface="Sylfaen" panose="010A0502050306030303" pitchFamily="18" charset="0"/>
+              </a:rPr>
+              <a:t>Negotiation headers</a:t>
+            </a:r>
+          </a:p>
+          <a:p>
+            <a:pPr marL="0" indent="0">
+              <a:buNone/>
+            </a:pPr>
+            <a:r>
+              <a:rPr lang="en-US">
+                <a:latin typeface="Sylfaen" panose="010A0502050306030303" pitchFamily="18" charset="0"/>
+              </a:rPr>
+              <a:t>Accept-Ranges</a:t>
+            </a:r>
+            <a:r>
+              <a:rPr lang="hy-AM">
+                <a:latin typeface="Sylfaen" panose="010A0502050306030303" pitchFamily="18" charset="0"/>
+              </a:rPr>
+              <a:t>։ </a:t>
+            </a:r>
+            <a:r>
+              <a:rPr lang="en-US">
+                <a:latin typeface="Sylfaen" panose="010A0502050306030303" pitchFamily="18" charset="0"/>
+              </a:rPr>
+              <a:t>range-unit | none</a:t>
+            </a:r>
+          </a:p>
+          <a:p>
+            <a:pPr marL="0" indent="0">
+              <a:buNone/>
+            </a:pPr>
+            <a:r>
+              <a:rPr lang="en-US">
+                <a:latin typeface="Sylfaen" panose="010A0502050306030303" pitchFamily="18" charset="0"/>
+              </a:rPr>
+              <a:t>Vary: </a:t>
+            </a:r>
+          </a:p>
+          <a:p>
+            <a:pPr marL="0" indent="0">
+              <a:buFont typeface="Arial" panose="020B0604020202020204" pitchFamily="34" charset="0"/>
+              <a:buNone/>
+            </a:pPr>
+            <a:endParaRPr lang="en-US"/>
+          </a:p>
+        </p:txBody>
+      </p:sp>
     </p:spTree>
     <p:extLst>
       <p:ext uri="{BB962C8B-B14F-4D97-AF65-F5344CB8AC3E}">
@@ -8771,7 +9321,7 @@
           <p:cNvPr id="2" name="Title 1">
             <a:extLst>
               <a:ext uri="{FF2B5EF4-FFF2-40B4-BE49-F238E27FC236}">
-                <a16:creationId xmlns:a16="http://schemas.microsoft.com/office/drawing/2014/main" id="{6477FEE9-BC48-4C5D-92B4-68220CE93BB1}"/>
+                <a16:creationId xmlns:a16="http://schemas.microsoft.com/office/drawing/2014/main" id="{4704E754-38E3-474D-8C03-8943568CA82F}"/>
               </a:ext>
             </a:extLst>
           </p:cNvPr>
@@ -8797,7 +9347,7 @@
               <a:rPr lang="en-US">
                 <a:latin typeface="Sylfaen" panose="010A0502050306030303" pitchFamily="18" charset="0"/>
               </a:rPr>
-              <a:t>Response</a:t>
+              <a:t>Entity</a:t>
             </a:r>
             <a:r>
               <a:rPr lang="hy-AM">
@@ -8809,7 +9359,7 @@
               <a:rPr lang="en-US">
                 <a:latin typeface="Sylfaen" panose="010A0502050306030303" pitchFamily="18" charset="0"/>
               </a:rPr>
-              <a:t>Informational Headers</a:t>
+              <a:t>Headers</a:t>
             </a:r>
             <a:endParaRPr lang="en-US"/>
           </a:p>
@@ -8820,7 +9370,7 @@
           <p:cNvPr id="3" name="Content Placeholder 2">
             <a:extLst>
               <a:ext uri="{FF2B5EF4-FFF2-40B4-BE49-F238E27FC236}">
-                <a16:creationId xmlns:a16="http://schemas.microsoft.com/office/drawing/2014/main" id="{B73F83B8-E31E-4373-9BD0-E64C71C8DB81}"/>
+                <a16:creationId xmlns:a16="http://schemas.microsoft.com/office/drawing/2014/main" id="{F9948211-FCB2-492E-B4A7-D6E26E4188BF}"/>
               </a:ext>
             </a:extLst>
           </p:cNvPr>
@@ -8833,19 +9383,19 @@
         </p:nvSpPr>
         <p:spPr>
           <a:xfrm>
-            <a:off x="838200" y="2524937"/>
-            <a:ext cx="10515600" cy="2656435"/>
+            <a:off x="1018082" y="2155642"/>
+            <a:ext cx="6926705" cy="2776355"/>
           </a:xfrm>
         </p:spPr>
         <p:txBody>
           <a:bodyPr>
-            <a:normAutofit/>
+            <a:normAutofit fontScale="92500"/>
           </a:bodyPr>
           <a:lstStyle/>
           <a:p>
             <a:pPr marL="0" indent="0">
               <a:lnSpc>
-                <a:spcPct val="150000"/>
+                <a:spcPct val="200000"/>
               </a:lnSpc>
               <a:buNone/>
             </a:pPr>
@@ -8853,16 +9403,13 @@
               <a:rPr lang="en-US">
                 <a:latin typeface="Sylfaen" panose="010A0502050306030303" pitchFamily="18" charset="0"/>
               </a:rPr>
-              <a:t>Age: seconds</a:t>
-            </a:r>
-            <a:endParaRPr lang="hy-AM">
-              <a:latin typeface="Sylfaen" panose="010A0502050306030303" pitchFamily="18" charset="0"/>
-            </a:endParaRPr>
-          </a:p>
-          <a:p>
-            <a:pPr marL="0" indent="0">
-              <a:lnSpc>
-                <a:spcPct val="150000"/>
+              <a:t>Informational headers</a:t>
+            </a:r>
+          </a:p>
+          <a:p>
+            <a:pPr marL="0" indent="0">
+              <a:lnSpc>
+                <a:spcPct val="200000"/>
               </a:lnSpc>
               <a:buNone/>
             </a:pPr>
@@ -8870,555 +9417,14 @@
               <a:rPr lang="en-US">
                 <a:latin typeface="Sylfaen" panose="010A0502050306030303" pitchFamily="18" charset="0"/>
               </a:rPr>
-              <a:t>Retry-After: date | seconds</a:t>
-            </a:r>
-          </a:p>
-          <a:p>
-            <a:pPr marL="0" indent="0">
-              <a:lnSpc>
-                <a:spcPct val="150000"/>
-              </a:lnSpc>
-              <a:buNone/>
-            </a:pPr>
-            <a:r>
-              <a:rPr lang="en-US">
-                <a:latin typeface="Sylfaen" panose="010A0502050306030303" pitchFamily="18" charset="0"/>
-              </a:rPr>
-              <a:t>Server</a:t>
-            </a:r>
-            <a:r>
-              <a:rPr lang="hy-AM">
-                <a:latin typeface="Sylfaen" panose="010A0502050306030303" pitchFamily="18" charset="0"/>
-              </a:rPr>
-              <a:t>։ </a:t>
-            </a:r>
-            <a:r>
-              <a:rPr lang="en-US">
-                <a:latin typeface="Sylfaen" panose="010A0502050306030303" pitchFamily="18" charset="0"/>
-              </a:rPr>
-              <a:t>product</a:t>
-            </a:r>
-          </a:p>
-        </p:txBody>
-      </p:sp>
-      <p:cxnSp>
-        <p:nvCxnSpPr>
-          <p:cNvPr id="4" name="Straight Connector 3">
-            <a:extLst>
-              <a:ext uri="{FF2B5EF4-FFF2-40B4-BE49-F238E27FC236}">
-                <a16:creationId xmlns:a16="http://schemas.microsoft.com/office/drawing/2014/main" id="{1ECDE09A-B742-4AE7-B9BC-631B69936246}"/>
-              </a:ext>
-            </a:extLst>
-          </p:cNvPr>
-          <p:cNvCxnSpPr>
-            <a:cxnSpLocks/>
-          </p:cNvCxnSpPr>
-          <p:nvPr/>
-        </p:nvCxnSpPr>
-        <p:spPr>
-          <a:xfrm>
-            <a:off x="569235" y="1199374"/>
-            <a:ext cx="11053530" cy="0"/>
-          </a:xfrm>
-          <a:prstGeom prst="line">
-            <a:avLst/>
-          </a:prstGeom>
-        </p:spPr>
-        <p:style>
-          <a:lnRef idx="3">
-            <a:schemeClr val="accent1"/>
-          </a:lnRef>
-          <a:fillRef idx="0">
-            <a:schemeClr val="accent1"/>
-          </a:fillRef>
-          <a:effectRef idx="2">
-            <a:schemeClr val="accent1"/>
-          </a:effectRef>
-          <a:fontRef idx="minor">
-            <a:schemeClr val="tx1"/>
-          </a:fontRef>
-        </p:style>
-      </p:cxnSp>
-    </p:spTree>
-    <p:extLst>
-      <p:ext uri="{BB962C8B-B14F-4D97-AF65-F5344CB8AC3E}">
-        <p14:creationId xmlns:p14="http://schemas.microsoft.com/office/powerpoint/2010/main" val="1199920873"/>
-      </p:ext>
-    </p:extLst>
-  </p:cSld>
-  <p:clrMapOvr>
-    <a:masterClrMapping/>
-  </p:clrMapOvr>
-</p:sld>
-</file>
-
-<file path=ppt/slides/slide26.xml><?xml version="1.0" encoding="utf-8"?>
-<p:sld xmlns:a="http://schemas.openxmlformats.org/drawingml/2006/main" xmlns:r="http://schemas.openxmlformats.org/officeDocument/2006/relationships" xmlns:p="http://schemas.openxmlformats.org/presentationml/2006/main">
-  <p:cSld>
-    <p:spTree>
-      <p:nvGrpSpPr>
-        <p:cNvPr id="1" name=""/>
-        <p:cNvGrpSpPr/>
-        <p:nvPr/>
-      </p:nvGrpSpPr>
-      <p:grpSpPr>
-        <a:xfrm>
-          <a:off x="0" y="0"/>
-          <a:ext cx="0" cy="0"/>
-          <a:chOff x="0" y="0"/>
-          <a:chExt cx="0" cy="0"/>
-        </a:xfrm>
-      </p:grpSpPr>
-      <p:sp>
-        <p:nvSpPr>
-          <p:cNvPr id="2" name="Title 1">
-            <a:extLst>
-              <a:ext uri="{FF2B5EF4-FFF2-40B4-BE49-F238E27FC236}">
-                <a16:creationId xmlns:a16="http://schemas.microsoft.com/office/drawing/2014/main" id="{85561020-5A81-4A7F-9AF4-AFA7208939F0}"/>
-              </a:ext>
-            </a:extLst>
-          </p:cNvPr>
-          <p:cNvSpPr>
-            <a:spLocks noGrp="1"/>
-          </p:cNvSpPr>
-          <p:nvPr>
-            <p:ph type="title"/>
-          </p:nvPr>
-        </p:nvSpPr>
-        <p:spPr>
-          <a:xfrm>
-            <a:off x="838200" y="0"/>
-            <a:ext cx="10515600" cy="1325563"/>
-          </a:xfrm>
-        </p:spPr>
-        <p:txBody>
-          <a:bodyPr/>
-          <a:lstStyle/>
-          <a:p>
-            <a:pPr algn="ctr"/>
-            <a:r>
-              <a:rPr lang="en-US">
-                <a:latin typeface="Sylfaen" panose="010A0502050306030303" pitchFamily="18" charset="0"/>
-              </a:rPr>
-              <a:t>Response</a:t>
-            </a:r>
-            <a:r>
-              <a:rPr lang="hy-AM">
-                <a:latin typeface="Sylfaen" panose="010A0502050306030303" pitchFamily="18" charset="0"/>
-              </a:rPr>
-              <a:t> </a:t>
-            </a:r>
-            <a:r>
-              <a:rPr lang="en-US">
-                <a:latin typeface="Sylfaen" panose="010A0502050306030303" pitchFamily="18" charset="0"/>
-              </a:rPr>
-              <a:t>Negotiation Headers</a:t>
-            </a:r>
-          </a:p>
-        </p:txBody>
-      </p:sp>
-      <p:sp>
-        <p:nvSpPr>
-          <p:cNvPr id="3" name="Content Placeholder 2">
-            <a:extLst>
-              <a:ext uri="{FF2B5EF4-FFF2-40B4-BE49-F238E27FC236}">
-                <a16:creationId xmlns:a16="http://schemas.microsoft.com/office/drawing/2014/main" id="{F0D5CA4E-07AB-4D20-BE79-15B5CCDF7933}"/>
-              </a:ext>
-            </a:extLst>
-          </p:cNvPr>
-          <p:cNvSpPr>
-            <a:spLocks noGrp="1"/>
-          </p:cNvSpPr>
-          <p:nvPr>
-            <p:ph idx="1"/>
-          </p:nvPr>
-        </p:nvSpPr>
-        <p:spPr/>
-        <p:txBody>
-          <a:bodyPr/>
-          <a:lstStyle/>
-          <a:p>
-            <a:pPr marL="0" indent="0">
-              <a:buNone/>
-            </a:pPr>
-            <a:r>
-              <a:rPr lang="en-US">
-                <a:latin typeface="Sylfaen" panose="010A0502050306030303" pitchFamily="18" charset="0"/>
-              </a:rPr>
-              <a:t>Accept-Ranges</a:t>
-            </a:r>
-            <a:r>
-              <a:rPr lang="hy-AM">
-                <a:latin typeface="Sylfaen" panose="010A0502050306030303" pitchFamily="18" charset="0"/>
-              </a:rPr>
-              <a:t>։ </a:t>
-            </a:r>
-            <a:r>
-              <a:rPr lang="en-US">
-                <a:latin typeface="Sylfaen" panose="010A0502050306030303" pitchFamily="18" charset="0"/>
-              </a:rPr>
-              <a:t>range-unit | none</a:t>
-            </a:r>
-          </a:p>
-          <a:p>
-            <a:pPr marL="0" indent="0">
-              <a:buNone/>
-            </a:pPr>
-            <a:r>
-              <a:rPr lang="en-US">
-                <a:latin typeface="Sylfaen" panose="010A0502050306030303" pitchFamily="18" charset="0"/>
-              </a:rPr>
-              <a:t>Vary: </a:t>
-            </a:r>
-          </a:p>
-        </p:txBody>
-      </p:sp>
-      <p:cxnSp>
-        <p:nvCxnSpPr>
-          <p:cNvPr id="4" name="Straight Connector 3">
-            <a:extLst>
-              <a:ext uri="{FF2B5EF4-FFF2-40B4-BE49-F238E27FC236}">
-                <a16:creationId xmlns:a16="http://schemas.microsoft.com/office/drawing/2014/main" id="{0E72A9AF-DF3E-4E28-AD5C-F49D52C38355}"/>
-              </a:ext>
-            </a:extLst>
-          </p:cNvPr>
-          <p:cNvCxnSpPr>
-            <a:cxnSpLocks/>
-          </p:cNvCxnSpPr>
-          <p:nvPr/>
-        </p:nvCxnSpPr>
-        <p:spPr>
-          <a:xfrm>
-            <a:off x="569235" y="1199374"/>
-            <a:ext cx="11053530" cy="0"/>
-          </a:xfrm>
-          <a:prstGeom prst="line">
-            <a:avLst/>
-          </a:prstGeom>
-        </p:spPr>
-        <p:style>
-          <a:lnRef idx="3">
-            <a:schemeClr val="accent1"/>
-          </a:lnRef>
-          <a:fillRef idx="0">
-            <a:schemeClr val="accent1"/>
-          </a:fillRef>
-          <a:effectRef idx="2">
-            <a:schemeClr val="accent1"/>
-          </a:effectRef>
-          <a:fontRef idx="minor">
-            <a:schemeClr val="tx1"/>
-          </a:fontRef>
-        </p:style>
-      </p:cxnSp>
-    </p:spTree>
-    <p:extLst>
-      <p:ext uri="{BB962C8B-B14F-4D97-AF65-F5344CB8AC3E}">
-        <p14:creationId xmlns:p14="http://schemas.microsoft.com/office/powerpoint/2010/main" val="313013039"/>
-      </p:ext>
-    </p:extLst>
-  </p:cSld>
-  <p:clrMapOvr>
-    <a:masterClrMapping/>
-  </p:clrMapOvr>
-</p:sld>
-</file>
-
-<file path=ppt/slides/slide27.xml><?xml version="1.0" encoding="utf-8"?>
-<p:sld xmlns:a="http://schemas.openxmlformats.org/drawingml/2006/main" xmlns:r="http://schemas.openxmlformats.org/officeDocument/2006/relationships" xmlns:p="http://schemas.openxmlformats.org/presentationml/2006/main">
-  <p:cSld>
-    <p:spTree>
-      <p:nvGrpSpPr>
-        <p:cNvPr id="1" name=""/>
-        <p:cNvGrpSpPr/>
-        <p:nvPr/>
-      </p:nvGrpSpPr>
-      <p:grpSpPr>
-        <a:xfrm>
-          <a:off x="0" y="0"/>
-          <a:ext cx="0" cy="0"/>
-          <a:chOff x="0" y="0"/>
-          <a:chExt cx="0" cy="0"/>
-        </a:xfrm>
-      </p:grpSpPr>
-      <p:sp>
-        <p:nvSpPr>
-          <p:cNvPr id="2" name="Title 1">
-            <a:extLst>
-              <a:ext uri="{FF2B5EF4-FFF2-40B4-BE49-F238E27FC236}">
-                <a16:creationId xmlns:a16="http://schemas.microsoft.com/office/drawing/2014/main" id="{4D9DFA2B-C60C-4072-90D1-6B9ACC08665D}"/>
-              </a:ext>
-            </a:extLst>
-          </p:cNvPr>
-          <p:cNvSpPr>
-            <a:spLocks noGrp="1"/>
-          </p:cNvSpPr>
-          <p:nvPr>
-            <p:ph type="title"/>
-          </p:nvPr>
-        </p:nvSpPr>
-        <p:spPr>
-          <a:xfrm>
-            <a:off x="838200" y="0"/>
-            <a:ext cx="10515600" cy="1325563"/>
-          </a:xfrm>
-        </p:spPr>
-        <p:txBody>
-          <a:bodyPr/>
-          <a:lstStyle/>
-          <a:p>
-            <a:pPr algn="ctr"/>
-            <a:r>
-              <a:rPr lang="en-US">
-                <a:latin typeface="Sylfaen" panose="010A0502050306030303" pitchFamily="18" charset="0"/>
-              </a:rPr>
-              <a:t>Response Security</a:t>
-            </a:r>
-            <a:r>
-              <a:rPr lang="hy-AM">
-                <a:latin typeface="Sylfaen" panose="010A0502050306030303" pitchFamily="18" charset="0"/>
-              </a:rPr>
-              <a:t> </a:t>
-            </a:r>
-            <a:r>
-              <a:rPr lang="en-US">
-                <a:latin typeface="Sylfaen" panose="010A0502050306030303" pitchFamily="18" charset="0"/>
-              </a:rPr>
-              <a:t>Headers</a:t>
-            </a:r>
-            <a:endParaRPr lang="en-US"/>
-          </a:p>
-        </p:txBody>
-      </p:sp>
-      <p:sp>
-        <p:nvSpPr>
-          <p:cNvPr id="3" name="Content Placeholder 2">
-            <a:extLst>
-              <a:ext uri="{FF2B5EF4-FFF2-40B4-BE49-F238E27FC236}">
-                <a16:creationId xmlns:a16="http://schemas.microsoft.com/office/drawing/2014/main" id="{324848F6-7CD9-46A4-B3DB-623709D4126C}"/>
-              </a:ext>
-            </a:extLst>
-          </p:cNvPr>
-          <p:cNvSpPr>
-            <a:spLocks noGrp="1"/>
-          </p:cNvSpPr>
-          <p:nvPr>
-            <p:ph idx="1"/>
-          </p:nvPr>
-        </p:nvSpPr>
-        <p:spPr/>
-        <p:txBody>
-          <a:bodyPr/>
-          <a:lstStyle/>
-          <a:p>
-            <a:pPr marL="0" indent="0">
-              <a:buNone/>
-            </a:pPr>
-            <a:r>
-              <a:rPr lang="hy-AM">
-                <a:latin typeface="Sylfaen" panose="010A0502050306030303" pitchFamily="18" charset="0"/>
-              </a:rPr>
-              <a:t>Proxy-Authenticate</a:t>
-            </a:r>
-          </a:p>
-          <a:p>
-            <a:pPr marL="0" indent="0">
-              <a:buNone/>
-            </a:pPr>
-            <a:r>
-              <a:rPr lang="en-US">
-                <a:latin typeface="Sylfaen" panose="010A0502050306030303" pitchFamily="18" charset="0"/>
-              </a:rPr>
-              <a:t>Set-Cookie</a:t>
-            </a:r>
-            <a:r>
-              <a:rPr lang="hy-AM">
-                <a:latin typeface="Sylfaen" panose="010A0502050306030303" pitchFamily="18" charset="0"/>
-              </a:rPr>
-              <a:t>։ </a:t>
-            </a:r>
-            <a:r>
-              <a:rPr lang="en-US">
-                <a:latin typeface="Sylfaen" panose="010A0502050306030303" pitchFamily="18" charset="0"/>
-              </a:rPr>
-              <a:t>name=value</a:t>
-            </a:r>
-            <a:r>
-              <a:rPr lang="hy-AM">
-                <a:latin typeface="Sylfaen" panose="010A0502050306030303" pitchFamily="18" charset="0"/>
-              </a:rPr>
-              <a:t>; </a:t>
-            </a:r>
-            <a:r>
-              <a:rPr lang="en-US">
-                <a:latin typeface="Sylfaen" panose="010A0502050306030303" pitchFamily="18" charset="0"/>
-              </a:rPr>
-              <a:t>options</a:t>
-            </a:r>
-          </a:p>
-        </p:txBody>
-      </p:sp>
-      <p:cxnSp>
-        <p:nvCxnSpPr>
-          <p:cNvPr id="4" name="Straight Connector 3">
-            <a:extLst>
-              <a:ext uri="{FF2B5EF4-FFF2-40B4-BE49-F238E27FC236}">
-                <a16:creationId xmlns:a16="http://schemas.microsoft.com/office/drawing/2014/main" id="{9FE392F9-B704-40EB-B12A-873302AD179E}"/>
-              </a:ext>
-            </a:extLst>
-          </p:cNvPr>
-          <p:cNvCxnSpPr>
-            <a:cxnSpLocks/>
-          </p:cNvCxnSpPr>
-          <p:nvPr/>
-        </p:nvCxnSpPr>
-        <p:spPr>
-          <a:xfrm>
-            <a:off x="569235" y="1199374"/>
-            <a:ext cx="11053530" cy="0"/>
-          </a:xfrm>
-          <a:prstGeom prst="line">
-            <a:avLst/>
-          </a:prstGeom>
-        </p:spPr>
-        <p:style>
-          <a:lnRef idx="3">
-            <a:schemeClr val="accent1"/>
-          </a:lnRef>
-          <a:fillRef idx="0">
-            <a:schemeClr val="accent1"/>
-          </a:fillRef>
-          <a:effectRef idx="2">
-            <a:schemeClr val="accent1"/>
-          </a:effectRef>
-          <a:fontRef idx="minor">
-            <a:schemeClr val="tx1"/>
-          </a:fontRef>
-        </p:style>
-      </p:cxnSp>
-    </p:spTree>
-    <p:extLst>
-      <p:ext uri="{BB962C8B-B14F-4D97-AF65-F5344CB8AC3E}">
-        <p14:creationId xmlns:p14="http://schemas.microsoft.com/office/powerpoint/2010/main" val="4023471285"/>
-      </p:ext>
-    </p:extLst>
-  </p:cSld>
-  <p:clrMapOvr>
-    <a:masterClrMapping/>
-  </p:clrMapOvr>
-</p:sld>
-</file>
-
-<file path=ppt/slides/slide28.xml><?xml version="1.0" encoding="utf-8"?>
-<p:sld xmlns:a="http://schemas.openxmlformats.org/drawingml/2006/main" xmlns:r="http://schemas.openxmlformats.org/officeDocument/2006/relationships" xmlns:p="http://schemas.openxmlformats.org/presentationml/2006/main">
-  <p:cSld>
-    <p:spTree>
-      <p:nvGrpSpPr>
-        <p:cNvPr id="1" name=""/>
-        <p:cNvGrpSpPr/>
-        <p:nvPr/>
-      </p:nvGrpSpPr>
-      <p:grpSpPr>
-        <a:xfrm>
-          <a:off x="0" y="0"/>
-          <a:ext cx="0" cy="0"/>
-          <a:chOff x="0" y="0"/>
-          <a:chExt cx="0" cy="0"/>
-        </a:xfrm>
-      </p:grpSpPr>
-      <p:sp>
-        <p:nvSpPr>
-          <p:cNvPr id="2" name="Title 1">
-            <a:extLst>
-              <a:ext uri="{FF2B5EF4-FFF2-40B4-BE49-F238E27FC236}">
-                <a16:creationId xmlns:a16="http://schemas.microsoft.com/office/drawing/2014/main" id="{4704E754-38E3-474D-8C03-8943568CA82F}"/>
-              </a:ext>
-            </a:extLst>
-          </p:cNvPr>
-          <p:cNvSpPr>
-            <a:spLocks noGrp="1"/>
-          </p:cNvSpPr>
-          <p:nvPr>
-            <p:ph type="title"/>
-          </p:nvPr>
-        </p:nvSpPr>
-        <p:spPr>
-          <a:xfrm>
-            <a:off x="838200" y="18255"/>
-            <a:ext cx="10515600" cy="1325563"/>
-          </a:xfrm>
-        </p:spPr>
-        <p:txBody>
-          <a:bodyPr/>
-          <a:lstStyle/>
-          <a:p>
-            <a:pPr algn="ctr"/>
-            <a:r>
-              <a:rPr lang="en-US">
-                <a:latin typeface="Sylfaen" panose="010A0502050306030303" pitchFamily="18" charset="0"/>
-              </a:rPr>
-              <a:t>Entity</a:t>
-            </a:r>
-            <a:r>
-              <a:rPr lang="hy-AM">
-                <a:latin typeface="Sylfaen" panose="010A0502050306030303" pitchFamily="18" charset="0"/>
-              </a:rPr>
-              <a:t> </a:t>
-            </a:r>
-            <a:r>
-              <a:rPr lang="en-US">
-                <a:latin typeface="Sylfaen" panose="010A0502050306030303" pitchFamily="18" charset="0"/>
-              </a:rPr>
-              <a:t>Headers</a:t>
-            </a:r>
-            <a:endParaRPr lang="en-US"/>
-          </a:p>
-        </p:txBody>
-      </p:sp>
-      <p:sp>
-        <p:nvSpPr>
-          <p:cNvPr id="3" name="Content Placeholder 2">
-            <a:extLst>
-              <a:ext uri="{FF2B5EF4-FFF2-40B4-BE49-F238E27FC236}">
-                <a16:creationId xmlns:a16="http://schemas.microsoft.com/office/drawing/2014/main" id="{F9948211-FCB2-492E-B4A7-D6E26E4188BF}"/>
-              </a:ext>
-            </a:extLst>
-          </p:cNvPr>
-          <p:cNvSpPr>
-            <a:spLocks noGrp="1"/>
-          </p:cNvSpPr>
-          <p:nvPr>
-            <p:ph idx="1"/>
-          </p:nvPr>
-        </p:nvSpPr>
-        <p:spPr/>
-        <p:txBody>
-          <a:bodyPr/>
-          <a:lstStyle/>
-          <a:p>
-            <a:pPr marL="0" indent="0">
-              <a:buNone/>
-            </a:pPr>
-            <a:r>
-              <a:rPr lang="en-US">
-                <a:latin typeface="Sylfaen" panose="010A0502050306030303" pitchFamily="18" charset="0"/>
-              </a:rPr>
-              <a:t>Informational headers</a:t>
-            </a:r>
-          </a:p>
-          <a:p>
-            <a:pPr marL="0" indent="0">
-              <a:buNone/>
-            </a:pPr>
-            <a:r>
-              <a:rPr lang="en-US">
-                <a:latin typeface="Sylfaen" panose="010A0502050306030303" pitchFamily="18" charset="0"/>
-              </a:rPr>
               <a:t>Content headers</a:t>
             </a:r>
           </a:p>
           <a:p>
             <a:pPr marL="0" indent="0">
+              <a:lnSpc>
+                <a:spcPct val="200000"/>
+              </a:lnSpc>
               <a:buNone/>
             </a:pPr>
             <a:r>
@@ -9487,6 +9493,1091 @@
 </p:sld>
 </file>
 
+<file path=ppt/slides/slide26.xml><?xml version="1.0" encoding="utf-8"?>
+<p:sld xmlns:a="http://schemas.openxmlformats.org/drawingml/2006/main" xmlns:r="http://schemas.openxmlformats.org/officeDocument/2006/relationships" xmlns:p="http://schemas.openxmlformats.org/presentationml/2006/main">
+  <p:cSld>
+    <p:spTree>
+      <p:nvGrpSpPr>
+        <p:cNvPr id="1" name=""/>
+        <p:cNvGrpSpPr/>
+        <p:nvPr/>
+      </p:nvGrpSpPr>
+      <p:grpSpPr>
+        <a:xfrm>
+          <a:off x="0" y="0"/>
+          <a:ext cx="0" cy="0"/>
+          <a:chOff x="0" y="0"/>
+          <a:chExt cx="0" cy="0"/>
+        </a:xfrm>
+      </p:grpSpPr>
+      <p:sp>
+        <p:nvSpPr>
+          <p:cNvPr id="2" name="Title 1">
+            <a:extLst>
+              <a:ext uri="{FF2B5EF4-FFF2-40B4-BE49-F238E27FC236}">
+                <a16:creationId xmlns:a16="http://schemas.microsoft.com/office/drawing/2014/main" id="{ADB04796-4706-4EAA-88D0-CDA2C362C8D9}"/>
+              </a:ext>
+            </a:extLst>
+          </p:cNvPr>
+          <p:cNvSpPr>
+            <a:spLocks noGrp="1"/>
+          </p:cNvSpPr>
+          <p:nvPr>
+            <p:ph type="title"/>
+          </p:nvPr>
+        </p:nvSpPr>
+        <p:spPr>
+          <a:xfrm>
+            <a:off x="838200" y="0"/>
+            <a:ext cx="10515600" cy="1325563"/>
+          </a:xfrm>
+        </p:spPr>
+        <p:txBody>
+          <a:bodyPr/>
+          <a:lstStyle/>
+          <a:p>
+            <a:pPr algn="ctr"/>
+            <a:r>
+              <a:rPr lang="en-US">
+                <a:latin typeface="Sylfaen" panose="010A0502050306030303" pitchFamily="18" charset="0"/>
+              </a:rPr>
+              <a:t>Entity</a:t>
+            </a:r>
+            <a:r>
+              <a:rPr lang="hy-AM">
+                <a:latin typeface="Sylfaen" panose="010A0502050306030303" pitchFamily="18" charset="0"/>
+              </a:rPr>
+              <a:t> </a:t>
+            </a:r>
+            <a:r>
+              <a:rPr lang="en-US">
+                <a:latin typeface="Sylfaen" panose="010A0502050306030303" pitchFamily="18" charset="0"/>
+              </a:rPr>
+              <a:t>Informational</a:t>
+            </a:r>
+            <a:r>
+              <a:rPr lang="hy-AM">
+                <a:latin typeface="Sylfaen" panose="010A0502050306030303" pitchFamily="18" charset="0"/>
+              </a:rPr>
+              <a:t> </a:t>
+            </a:r>
+            <a:r>
+              <a:rPr lang="en-US">
+                <a:latin typeface="Sylfaen" panose="010A0502050306030303" pitchFamily="18" charset="0"/>
+              </a:rPr>
+              <a:t>Headers</a:t>
+            </a:r>
+            <a:endParaRPr lang="en-US"/>
+          </a:p>
+        </p:txBody>
+      </p:sp>
+      <p:sp>
+        <p:nvSpPr>
+          <p:cNvPr id="3" name="Content Placeholder 2">
+            <a:extLst>
+              <a:ext uri="{FF2B5EF4-FFF2-40B4-BE49-F238E27FC236}">
+                <a16:creationId xmlns:a16="http://schemas.microsoft.com/office/drawing/2014/main" id="{3B4E313D-86D8-46AB-B3EC-C88872C5282C}"/>
+              </a:ext>
+            </a:extLst>
+          </p:cNvPr>
+          <p:cNvSpPr>
+            <a:spLocks noGrp="1"/>
+          </p:cNvSpPr>
+          <p:nvPr>
+            <p:ph idx="1"/>
+          </p:nvPr>
+        </p:nvSpPr>
+        <p:spPr>
+          <a:xfrm>
+            <a:off x="838200" y="1585757"/>
+            <a:ext cx="5257800" cy="4830008"/>
+          </a:xfrm>
+        </p:spPr>
+        <p:txBody>
+          <a:bodyPr>
+            <a:normAutofit/>
+          </a:bodyPr>
+          <a:lstStyle/>
+          <a:p>
+            <a:pPr marL="0" indent="0">
+              <a:lnSpc>
+                <a:spcPct val="150000"/>
+              </a:lnSpc>
+              <a:buNone/>
+            </a:pPr>
+            <a:r>
+              <a:rPr lang="en-US" b="1">
+                <a:latin typeface="Sylfaen" panose="010A0502050306030303" pitchFamily="18" charset="0"/>
+              </a:rPr>
+              <a:t>Informational</a:t>
+            </a:r>
+            <a:r>
+              <a:rPr lang="hy-AM" b="1">
+                <a:latin typeface="Sylfaen" panose="010A0502050306030303" pitchFamily="18" charset="0"/>
+              </a:rPr>
+              <a:t> </a:t>
+            </a:r>
+            <a:r>
+              <a:rPr lang="en-US" b="1">
+                <a:latin typeface="Sylfaen" panose="010A0502050306030303" pitchFamily="18" charset="0"/>
+              </a:rPr>
+              <a:t>headers</a:t>
+            </a:r>
+          </a:p>
+          <a:p>
+            <a:pPr marL="0" indent="0">
+              <a:lnSpc>
+                <a:spcPct val="150000"/>
+              </a:lnSpc>
+              <a:buNone/>
+            </a:pPr>
+            <a:r>
+              <a:rPr lang="en-US">
+                <a:latin typeface="Sylfaen" panose="010A0502050306030303" pitchFamily="18" charset="0"/>
+              </a:rPr>
+              <a:t>Allow: method</a:t>
+            </a:r>
+          </a:p>
+          <a:p>
+            <a:pPr marL="0" indent="0">
+              <a:lnSpc>
+                <a:spcPct val="150000"/>
+              </a:lnSpc>
+              <a:buNone/>
+            </a:pPr>
+            <a:endParaRPr lang="en-US">
+              <a:latin typeface="Sylfaen" panose="010A0502050306030303" pitchFamily="18" charset="0"/>
+            </a:endParaRPr>
+          </a:p>
+          <a:p>
+            <a:pPr marL="0" indent="0">
+              <a:lnSpc>
+                <a:spcPct val="150000"/>
+              </a:lnSpc>
+              <a:buNone/>
+            </a:pPr>
+            <a:r>
+              <a:rPr lang="en-US" b="1">
+                <a:latin typeface="Sylfaen" panose="010A0502050306030303" pitchFamily="18" charset="0"/>
+              </a:rPr>
+              <a:t>Entity Caching headers</a:t>
+            </a:r>
+          </a:p>
+          <a:p>
+            <a:pPr marL="0" indent="0">
+              <a:lnSpc>
+                <a:spcPct val="150000"/>
+              </a:lnSpc>
+              <a:buNone/>
+            </a:pPr>
+            <a:r>
+              <a:rPr lang="en-US">
+                <a:latin typeface="Sylfaen" panose="010A0502050306030303" pitchFamily="18" charset="0"/>
+              </a:rPr>
+              <a:t>Expires: date</a:t>
+            </a:r>
+          </a:p>
+          <a:p>
+            <a:pPr marL="0" indent="0">
+              <a:lnSpc>
+                <a:spcPct val="150000"/>
+              </a:lnSpc>
+              <a:buNone/>
+            </a:pPr>
+            <a:r>
+              <a:rPr lang="hy-AM">
+                <a:latin typeface="Sylfaen" panose="010A0502050306030303" pitchFamily="18" charset="0"/>
+              </a:rPr>
+              <a:t>Last-Modified</a:t>
+            </a:r>
+            <a:r>
+              <a:rPr lang="en-US">
+                <a:latin typeface="Sylfaen" panose="010A0502050306030303" pitchFamily="18" charset="0"/>
+              </a:rPr>
+              <a:t>: date</a:t>
+            </a:r>
+            <a:endParaRPr lang="hy-AM">
+              <a:latin typeface="Sylfaen" panose="010A0502050306030303" pitchFamily="18" charset="0"/>
+            </a:endParaRPr>
+          </a:p>
+          <a:p>
+            <a:pPr marL="0" indent="0">
+              <a:buNone/>
+            </a:pPr>
+            <a:endParaRPr lang="en-US">
+              <a:latin typeface="Sylfaen" panose="010A0502050306030303" pitchFamily="18" charset="0"/>
+            </a:endParaRPr>
+          </a:p>
+        </p:txBody>
+      </p:sp>
+      <p:cxnSp>
+        <p:nvCxnSpPr>
+          <p:cNvPr id="4" name="Straight Connector 3">
+            <a:extLst>
+              <a:ext uri="{FF2B5EF4-FFF2-40B4-BE49-F238E27FC236}">
+                <a16:creationId xmlns:a16="http://schemas.microsoft.com/office/drawing/2014/main" id="{BA814931-1547-4837-9C52-155F54A36BEA}"/>
+              </a:ext>
+            </a:extLst>
+          </p:cNvPr>
+          <p:cNvCxnSpPr>
+            <a:cxnSpLocks/>
+          </p:cNvCxnSpPr>
+          <p:nvPr/>
+        </p:nvCxnSpPr>
+        <p:spPr>
+          <a:xfrm>
+            <a:off x="569235" y="1199374"/>
+            <a:ext cx="11053530" cy="0"/>
+          </a:xfrm>
+          <a:prstGeom prst="line">
+            <a:avLst/>
+          </a:prstGeom>
+        </p:spPr>
+        <p:style>
+          <a:lnRef idx="3">
+            <a:schemeClr val="accent1"/>
+          </a:lnRef>
+          <a:fillRef idx="0">
+            <a:schemeClr val="accent1"/>
+          </a:fillRef>
+          <a:effectRef idx="2">
+            <a:schemeClr val="accent1"/>
+          </a:effectRef>
+          <a:fontRef idx="minor">
+            <a:schemeClr val="tx1"/>
+          </a:fontRef>
+        </p:style>
+      </p:cxnSp>
+    </p:spTree>
+    <p:extLst>
+      <p:ext uri="{BB962C8B-B14F-4D97-AF65-F5344CB8AC3E}">
+        <p14:creationId xmlns:p14="http://schemas.microsoft.com/office/powerpoint/2010/main" val="3334061831"/>
+      </p:ext>
+    </p:extLst>
+  </p:cSld>
+  <p:clrMapOvr>
+    <a:masterClrMapping/>
+  </p:clrMapOvr>
+</p:sld>
+</file>
+
+<file path=ppt/slides/slide27.xml><?xml version="1.0" encoding="utf-8"?>
+<p:sld xmlns:a="http://schemas.openxmlformats.org/drawingml/2006/main" xmlns:r="http://schemas.openxmlformats.org/officeDocument/2006/relationships" xmlns:p="http://schemas.openxmlformats.org/presentationml/2006/main">
+  <p:cSld>
+    <p:spTree>
+      <p:nvGrpSpPr>
+        <p:cNvPr id="1" name=""/>
+        <p:cNvGrpSpPr/>
+        <p:nvPr/>
+      </p:nvGrpSpPr>
+      <p:grpSpPr>
+        <a:xfrm>
+          <a:off x="0" y="0"/>
+          <a:ext cx="0" cy="0"/>
+          <a:chOff x="0" y="0"/>
+          <a:chExt cx="0" cy="0"/>
+        </a:xfrm>
+      </p:grpSpPr>
+      <p:sp>
+        <p:nvSpPr>
+          <p:cNvPr id="2" name="Title 1">
+            <a:extLst>
+              <a:ext uri="{FF2B5EF4-FFF2-40B4-BE49-F238E27FC236}">
+                <a16:creationId xmlns:a16="http://schemas.microsoft.com/office/drawing/2014/main" id="{748B80DF-2C16-404A-A5AD-6A57A7C9169A}"/>
+              </a:ext>
+            </a:extLst>
+          </p:cNvPr>
+          <p:cNvSpPr>
+            <a:spLocks noGrp="1"/>
+          </p:cNvSpPr>
+          <p:nvPr>
+            <p:ph type="title"/>
+          </p:nvPr>
+        </p:nvSpPr>
+        <p:spPr>
+          <a:xfrm>
+            <a:off x="838200" y="0"/>
+            <a:ext cx="10515600" cy="1325563"/>
+          </a:xfrm>
+        </p:spPr>
+        <p:txBody>
+          <a:bodyPr/>
+          <a:lstStyle/>
+          <a:p>
+            <a:pPr algn="ctr"/>
+            <a:r>
+              <a:rPr lang="en-US">
+                <a:latin typeface="Sylfaen" panose="010A0502050306030303" pitchFamily="18" charset="0"/>
+              </a:rPr>
+              <a:t>Entity Content headers</a:t>
+            </a:r>
+            <a:endParaRPr lang="en-US"/>
+          </a:p>
+        </p:txBody>
+      </p:sp>
+      <p:sp>
+        <p:nvSpPr>
+          <p:cNvPr id="3" name="Content Placeholder 2">
+            <a:extLst>
+              <a:ext uri="{FF2B5EF4-FFF2-40B4-BE49-F238E27FC236}">
+                <a16:creationId xmlns:a16="http://schemas.microsoft.com/office/drawing/2014/main" id="{35AEA57C-6B4C-45C8-AC55-5C4064B56CE9}"/>
+              </a:ext>
+            </a:extLst>
+          </p:cNvPr>
+          <p:cNvSpPr>
+            <a:spLocks noGrp="1"/>
+          </p:cNvSpPr>
+          <p:nvPr>
+            <p:ph idx="1"/>
+          </p:nvPr>
+        </p:nvSpPr>
+        <p:spPr>
+          <a:xfrm>
+            <a:off x="838200" y="1540810"/>
+            <a:ext cx="7706194" cy="4695098"/>
+          </a:xfrm>
+        </p:spPr>
+        <p:txBody>
+          <a:bodyPr>
+            <a:normAutofit/>
+          </a:bodyPr>
+          <a:lstStyle/>
+          <a:p>
+            <a:pPr marL="0" indent="0">
+              <a:lnSpc>
+                <a:spcPct val="150000"/>
+              </a:lnSpc>
+              <a:buNone/>
+            </a:pPr>
+            <a:r>
+              <a:rPr lang="hy-AM">
+                <a:latin typeface="Sylfaen" panose="010A0502050306030303" pitchFamily="18" charset="0"/>
+              </a:rPr>
+              <a:t>Content-Encoding։ </a:t>
+            </a:r>
+            <a:r>
+              <a:rPr lang="en-US">
+                <a:latin typeface="Sylfaen" panose="010A0502050306030303" pitchFamily="18" charset="0"/>
+              </a:rPr>
+              <a:t>content-coding</a:t>
+            </a:r>
+            <a:r>
+              <a:rPr lang="hy-AM">
+                <a:latin typeface="Sylfaen" panose="010A0502050306030303" pitchFamily="18" charset="0"/>
+              </a:rPr>
+              <a:t> </a:t>
+            </a:r>
+            <a:endParaRPr lang="en-US">
+              <a:latin typeface="Sylfaen" panose="010A0502050306030303" pitchFamily="18" charset="0"/>
+            </a:endParaRPr>
+          </a:p>
+          <a:p>
+            <a:pPr marL="0" indent="0">
+              <a:lnSpc>
+                <a:spcPct val="150000"/>
+              </a:lnSpc>
+              <a:buNone/>
+            </a:pPr>
+            <a:r>
+              <a:rPr lang="hy-AM">
+                <a:latin typeface="Sylfaen" panose="010A0502050306030303" pitchFamily="18" charset="0"/>
+              </a:rPr>
+              <a:t>Content-</a:t>
+            </a:r>
+            <a:r>
+              <a:rPr lang="en-US">
+                <a:latin typeface="Sylfaen" panose="010A0502050306030303" pitchFamily="18" charset="0"/>
+              </a:rPr>
+              <a:t>Language: language-tag</a:t>
+            </a:r>
+          </a:p>
+          <a:p>
+            <a:pPr marL="0" indent="0">
+              <a:lnSpc>
+                <a:spcPct val="150000"/>
+              </a:lnSpc>
+              <a:buNone/>
+            </a:pPr>
+            <a:r>
+              <a:rPr lang="hy-AM">
+                <a:latin typeface="Sylfaen" panose="010A0502050306030303" pitchFamily="18" charset="0"/>
+              </a:rPr>
+              <a:t>Content-</a:t>
+            </a:r>
+            <a:r>
+              <a:rPr lang="en-US">
+                <a:latin typeface="Sylfaen" panose="010A0502050306030303" pitchFamily="18" charset="0"/>
+              </a:rPr>
+              <a:t>Length: digits</a:t>
+            </a:r>
+            <a:endParaRPr lang="hy-AM">
+              <a:latin typeface="Sylfaen" panose="010A0502050306030303" pitchFamily="18" charset="0"/>
+            </a:endParaRPr>
+          </a:p>
+          <a:p>
+            <a:pPr marL="0" indent="0">
+              <a:lnSpc>
+                <a:spcPct val="150000"/>
+              </a:lnSpc>
+              <a:buNone/>
+            </a:pPr>
+            <a:r>
+              <a:rPr lang="hy-AM">
+                <a:latin typeface="Sylfaen" panose="010A0502050306030303" pitchFamily="18" charset="0"/>
+              </a:rPr>
+              <a:t>Content-</a:t>
+            </a:r>
+            <a:r>
+              <a:rPr lang="en-US">
+                <a:latin typeface="Sylfaen" panose="010A0502050306030303" pitchFamily="18" charset="0"/>
+              </a:rPr>
+              <a:t>Location: absoluteURI | relativeURI</a:t>
+            </a:r>
+          </a:p>
+          <a:p>
+            <a:pPr marL="0" indent="0">
+              <a:lnSpc>
+                <a:spcPct val="150000"/>
+              </a:lnSpc>
+              <a:buNone/>
+            </a:pPr>
+            <a:r>
+              <a:rPr lang="hy-AM">
+                <a:latin typeface="Sylfaen" panose="010A0502050306030303" pitchFamily="18" charset="0"/>
+              </a:rPr>
+              <a:t>Content-</a:t>
+            </a:r>
+            <a:r>
+              <a:rPr lang="en-US">
+                <a:latin typeface="Sylfaen" panose="010A0502050306030303" pitchFamily="18" charset="0"/>
+              </a:rPr>
+              <a:t>MD5: md5-digest</a:t>
+            </a:r>
+            <a:endParaRPr lang="hy-AM">
+              <a:latin typeface="Sylfaen" panose="010A0502050306030303" pitchFamily="18" charset="0"/>
+            </a:endParaRPr>
+          </a:p>
+          <a:p>
+            <a:pPr marL="0" indent="0">
+              <a:lnSpc>
+                <a:spcPct val="150000"/>
+              </a:lnSpc>
+              <a:buNone/>
+            </a:pPr>
+            <a:r>
+              <a:rPr lang="hy-AM">
+                <a:latin typeface="Sylfaen" panose="010A0502050306030303" pitchFamily="18" charset="0"/>
+              </a:rPr>
+              <a:t>Content-</a:t>
+            </a:r>
+            <a:r>
+              <a:rPr lang="en-US">
+                <a:latin typeface="Sylfaen" panose="010A0502050306030303" pitchFamily="18" charset="0"/>
+              </a:rPr>
+              <a:t>Range: bytes</a:t>
+            </a:r>
+          </a:p>
+        </p:txBody>
+      </p:sp>
+      <p:cxnSp>
+        <p:nvCxnSpPr>
+          <p:cNvPr id="4" name="Straight Connector 3">
+            <a:extLst>
+              <a:ext uri="{FF2B5EF4-FFF2-40B4-BE49-F238E27FC236}">
+                <a16:creationId xmlns:a16="http://schemas.microsoft.com/office/drawing/2014/main" id="{8A190675-0196-43D0-A370-DB555D7C6B4F}"/>
+              </a:ext>
+            </a:extLst>
+          </p:cNvPr>
+          <p:cNvCxnSpPr>
+            <a:cxnSpLocks/>
+          </p:cNvCxnSpPr>
+          <p:nvPr/>
+        </p:nvCxnSpPr>
+        <p:spPr>
+          <a:xfrm>
+            <a:off x="569235" y="1199374"/>
+            <a:ext cx="11053530" cy="0"/>
+          </a:xfrm>
+          <a:prstGeom prst="line">
+            <a:avLst/>
+          </a:prstGeom>
+        </p:spPr>
+        <p:style>
+          <a:lnRef idx="3">
+            <a:schemeClr val="accent1"/>
+          </a:lnRef>
+          <a:fillRef idx="0">
+            <a:schemeClr val="accent1"/>
+          </a:fillRef>
+          <a:effectRef idx="2">
+            <a:schemeClr val="accent1"/>
+          </a:effectRef>
+          <a:fontRef idx="minor">
+            <a:schemeClr val="tx1"/>
+          </a:fontRef>
+        </p:style>
+      </p:cxnSp>
+    </p:spTree>
+    <p:extLst>
+      <p:ext uri="{BB962C8B-B14F-4D97-AF65-F5344CB8AC3E}">
+        <p14:creationId xmlns:p14="http://schemas.microsoft.com/office/powerpoint/2010/main" val="196275197"/>
+      </p:ext>
+    </p:extLst>
+  </p:cSld>
+  <p:clrMapOvr>
+    <a:masterClrMapping/>
+  </p:clrMapOvr>
+</p:sld>
+</file>
+
+<file path=ppt/slides/slide28.xml><?xml version="1.0" encoding="utf-8"?>
+<p:sld xmlns:a="http://schemas.openxmlformats.org/drawingml/2006/main" xmlns:r="http://schemas.openxmlformats.org/officeDocument/2006/relationships" xmlns:p="http://schemas.openxmlformats.org/presentationml/2006/main">
+  <p:cSld>
+    <p:spTree>
+      <p:nvGrpSpPr>
+        <p:cNvPr id="1" name=""/>
+        <p:cNvGrpSpPr/>
+        <p:nvPr/>
+      </p:nvGrpSpPr>
+      <p:grpSpPr>
+        <a:xfrm>
+          <a:off x="0" y="0"/>
+          <a:ext cx="0" cy="0"/>
+          <a:chOff x="0" y="0"/>
+          <a:chExt cx="0" cy="0"/>
+        </a:xfrm>
+      </p:grpSpPr>
+      <p:sp>
+        <p:nvSpPr>
+          <p:cNvPr id="2" name="Title 1">
+            <a:extLst>
+              <a:ext uri="{FF2B5EF4-FFF2-40B4-BE49-F238E27FC236}">
+                <a16:creationId xmlns:a16="http://schemas.microsoft.com/office/drawing/2014/main" id="{A8B06BCD-222F-4C2D-A7E9-1FD1930D1ECF}"/>
+              </a:ext>
+            </a:extLst>
+          </p:cNvPr>
+          <p:cNvSpPr>
+            <a:spLocks noGrp="1"/>
+          </p:cNvSpPr>
+          <p:nvPr>
+            <p:ph type="title"/>
+          </p:nvPr>
+        </p:nvSpPr>
+        <p:spPr>
+          <a:xfrm>
+            <a:off x="838200" y="-149741"/>
+            <a:ext cx="10515600" cy="1325563"/>
+          </a:xfrm>
+        </p:spPr>
+        <p:txBody>
+          <a:bodyPr/>
+          <a:lstStyle/>
+          <a:p>
+            <a:pPr algn="ctr"/>
+            <a:r>
+              <a:rPr lang="en-US">
+                <a:latin typeface="Sylfaen" panose="010A0502050306030303" pitchFamily="18" charset="0"/>
+              </a:rPr>
+              <a:t>Cache-Control</a:t>
+            </a:r>
+            <a:endParaRPr lang="en-US"/>
+          </a:p>
+        </p:txBody>
+      </p:sp>
+      <p:sp>
+        <p:nvSpPr>
+          <p:cNvPr id="3" name="Content Placeholder 2">
+            <a:extLst>
+              <a:ext uri="{FF2B5EF4-FFF2-40B4-BE49-F238E27FC236}">
+                <a16:creationId xmlns:a16="http://schemas.microsoft.com/office/drawing/2014/main" id="{4C4F74C5-86E2-4899-9C30-7F8ECC593950}"/>
+              </a:ext>
+            </a:extLst>
+          </p:cNvPr>
+          <p:cNvSpPr>
+            <a:spLocks noGrp="1"/>
+          </p:cNvSpPr>
+          <p:nvPr>
+            <p:ph idx="1"/>
+          </p:nvPr>
+        </p:nvSpPr>
+        <p:spPr>
+          <a:xfrm>
+            <a:off x="6945443" y="1613584"/>
+            <a:ext cx="3973643" cy="4741163"/>
+          </a:xfrm>
+        </p:spPr>
+        <p:txBody>
+          <a:bodyPr>
+            <a:normAutofit/>
+          </a:bodyPr>
+          <a:lstStyle/>
+          <a:p>
+            <a:pPr marL="0" indent="0" algn="ctr">
+              <a:buNone/>
+            </a:pPr>
+            <a:r>
+              <a:rPr lang="en-US" b="1">
+                <a:latin typeface="Sylfaen" panose="010A0502050306030303" pitchFamily="18" charset="0"/>
+              </a:rPr>
+              <a:t>HTTP response directive</a:t>
+            </a:r>
+          </a:p>
+          <a:p>
+            <a:pPr marL="0" indent="0" algn="ctr">
+              <a:buNone/>
+            </a:pPr>
+            <a:r>
+              <a:rPr lang="en-US">
+                <a:latin typeface="Sylfaen" panose="010A0502050306030303" pitchFamily="18" charset="0"/>
+              </a:rPr>
+              <a:t>public / private</a:t>
+            </a:r>
+          </a:p>
+          <a:p>
+            <a:pPr marL="0" indent="0" algn="ctr">
+              <a:buNone/>
+            </a:pPr>
+            <a:r>
+              <a:rPr lang="en-US">
+                <a:latin typeface="Sylfaen" panose="010A0502050306030303" pitchFamily="18" charset="0"/>
+              </a:rPr>
+              <a:t>no-cache</a:t>
+            </a:r>
+          </a:p>
+          <a:p>
+            <a:pPr marL="0" indent="0" algn="ctr">
+              <a:buFont typeface="Arial" panose="020B0604020202020204" pitchFamily="34" charset="0"/>
+              <a:buNone/>
+            </a:pPr>
+            <a:r>
+              <a:rPr lang="en-US">
+                <a:latin typeface="Sylfaen" panose="010A0502050306030303" pitchFamily="18" charset="0"/>
+              </a:rPr>
+              <a:t>no-store</a:t>
+            </a:r>
+          </a:p>
+          <a:p>
+            <a:pPr marL="0" indent="0" algn="ctr">
+              <a:buNone/>
+            </a:pPr>
+            <a:r>
+              <a:rPr lang="en-US">
+                <a:latin typeface="Sylfaen" panose="010A0502050306030303" pitchFamily="18" charset="0"/>
+              </a:rPr>
+              <a:t>no-transform</a:t>
+            </a:r>
+          </a:p>
+          <a:p>
+            <a:pPr marL="0" indent="0" algn="ctr">
+              <a:buFont typeface="Arial" panose="020B0604020202020204" pitchFamily="34" charset="0"/>
+              <a:buNone/>
+            </a:pPr>
+            <a:r>
+              <a:rPr lang="en-US">
+                <a:latin typeface="Sylfaen" panose="010A0502050306030303" pitchFamily="18" charset="0"/>
+              </a:rPr>
+              <a:t>must-revalidate</a:t>
+            </a:r>
+          </a:p>
+          <a:p>
+            <a:pPr marL="0" indent="0" algn="ctr">
+              <a:buNone/>
+            </a:pPr>
+            <a:r>
+              <a:rPr lang="en-US">
+                <a:latin typeface="Sylfaen" panose="010A0502050306030303" pitchFamily="18" charset="0"/>
+              </a:rPr>
+              <a:t>proxy-revalidate</a:t>
+            </a:r>
+          </a:p>
+          <a:p>
+            <a:pPr marL="0" indent="0" algn="ctr">
+              <a:buNone/>
+            </a:pPr>
+            <a:r>
+              <a:rPr lang="en-US">
+                <a:latin typeface="Sylfaen" panose="010A0502050306030303" pitchFamily="18" charset="0"/>
+              </a:rPr>
+              <a:t>max-age = seconds</a:t>
+            </a:r>
+          </a:p>
+          <a:p>
+            <a:pPr marL="0" indent="0" algn="ctr">
+              <a:buNone/>
+            </a:pPr>
+            <a:r>
+              <a:rPr lang="en-US">
+                <a:latin typeface="Sylfaen" panose="010A0502050306030303" pitchFamily="18" charset="0"/>
+              </a:rPr>
+              <a:t>S-maxage = seconds</a:t>
+            </a:r>
+          </a:p>
+          <a:p>
+            <a:pPr marL="0" indent="0" algn="ctr">
+              <a:buNone/>
+            </a:pPr>
+            <a:endParaRPr lang="en-US">
+              <a:latin typeface="Sylfaen" panose="010A0502050306030303" pitchFamily="18" charset="0"/>
+            </a:endParaRPr>
+          </a:p>
+          <a:p>
+            <a:pPr marL="0" indent="0" algn="ctr">
+              <a:buFont typeface="Arial" panose="020B0604020202020204" pitchFamily="34" charset="0"/>
+              <a:buNone/>
+            </a:pPr>
+            <a:endParaRPr lang="en-US">
+              <a:latin typeface="Sylfaen" panose="010A0502050306030303" pitchFamily="18" charset="0"/>
+            </a:endParaRPr>
+          </a:p>
+        </p:txBody>
+      </p:sp>
+      <p:cxnSp>
+        <p:nvCxnSpPr>
+          <p:cNvPr id="4" name="Straight Connector 3">
+            <a:extLst>
+              <a:ext uri="{FF2B5EF4-FFF2-40B4-BE49-F238E27FC236}">
+                <a16:creationId xmlns:a16="http://schemas.microsoft.com/office/drawing/2014/main" id="{ADB733DA-D323-4961-96D6-579C07DCFA92}"/>
+              </a:ext>
+            </a:extLst>
+          </p:cNvPr>
+          <p:cNvCxnSpPr>
+            <a:cxnSpLocks/>
+          </p:cNvCxnSpPr>
+          <p:nvPr/>
+        </p:nvCxnSpPr>
+        <p:spPr>
+          <a:xfrm>
+            <a:off x="569235" y="989512"/>
+            <a:ext cx="11053530" cy="0"/>
+          </a:xfrm>
+          <a:prstGeom prst="line">
+            <a:avLst/>
+          </a:prstGeom>
+        </p:spPr>
+        <p:style>
+          <a:lnRef idx="3">
+            <a:schemeClr val="accent1"/>
+          </a:lnRef>
+          <a:fillRef idx="0">
+            <a:schemeClr val="accent1"/>
+          </a:fillRef>
+          <a:effectRef idx="2">
+            <a:schemeClr val="accent1"/>
+          </a:effectRef>
+          <a:fontRef idx="minor">
+            <a:schemeClr val="tx1"/>
+          </a:fontRef>
+        </p:style>
+      </p:cxnSp>
+      <p:sp>
+        <p:nvSpPr>
+          <p:cNvPr id="6" name="Content Placeholder 2">
+            <a:extLst>
+              <a:ext uri="{FF2B5EF4-FFF2-40B4-BE49-F238E27FC236}">
+                <a16:creationId xmlns:a16="http://schemas.microsoft.com/office/drawing/2014/main" id="{8D332C6C-CE06-47A4-927F-CC5CE9F24F41}"/>
+              </a:ext>
+            </a:extLst>
+          </p:cNvPr>
+          <p:cNvSpPr txBox="1">
+            <a:spLocks/>
+          </p:cNvSpPr>
+          <p:nvPr/>
+        </p:nvSpPr>
+        <p:spPr>
+          <a:xfrm>
+            <a:off x="1272914" y="1613584"/>
+            <a:ext cx="3973643" cy="4242218"/>
+          </a:xfrm>
+          <a:prstGeom prst="rect">
+            <a:avLst/>
+          </a:prstGeom>
+        </p:spPr>
+        <p:txBody>
+          <a:bodyPr vert="horz" lIns="91440" tIns="45720" rIns="91440" bIns="45720" rtlCol="0">
+            <a:normAutofit/>
+          </a:bodyPr>
+          <a:lstStyle>
+            <a:lvl1pPr marL="228600" indent="-228600" algn="l" defTabSz="914400" rtl="0" eaLnBrk="1" latinLnBrk="0" hangingPunct="1">
+              <a:lnSpc>
+                <a:spcPct val="90000"/>
+              </a:lnSpc>
+              <a:spcBef>
+                <a:spcPts val="1000"/>
+              </a:spcBef>
+              <a:buFont typeface="Arial" panose="020B0604020202020204" pitchFamily="34" charset="0"/>
+              <a:buChar char="•"/>
+              <a:defRPr sz="2800" kern="1200">
+                <a:solidFill>
+                  <a:schemeClr val="tx1"/>
+                </a:solidFill>
+                <a:latin typeface="+mn-lt"/>
+                <a:ea typeface="+mn-ea"/>
+                <a:cs typeface="+mn-cs"/>
+              </a:defRPr>
+            </a:lvl1pPr>
+            <a:lvl2pPr marL="685800" indent="-228600" algn="l" defTabSz="914400" rtl="0" eaLnBrk="1" latinLnBrk="0" hangingPunct="1">
+              <a:lnSpc>
+                <a:spcPct val="90000"/>
+              </a:lnSpc>
+              <a:spcBef>
+                <a:spcPts val="500"/>
+              </a:spcBef>
+              <a:buFont typeface="Arial" panose="020B0604020202020204" pitchFamily="34" charset="0"/>
+              <a:buChar char="•"/>
+              <a:defRPr sz="2400" kern="1200">
+                <a:solidFill>
+                  <a:schemeClr val="tx1"/>
+                </a:solidFill>
+                <a:latin typeface="+mn-lt"/>
+                <a:ea typeface="+mn-ea"/>
+                <a:cs typeface="+mn-cs"/>
+              </a:defRPr>
+            </a:lvl2pPr>
+            <a:lvl3pPr marL="1143000" indent="-228600" algn="l" defTabSz="914400" rtl="0" eaLnBrk="1" latinLnBrk="0" hangingPunct="1">
+              <a:lnSpc>
+                <a:spcPct val="90000"/>
+              </a:lnSpc>
+              <a:spcBef>
+                <a:spcPts val="500"/>
+              </a:spcBef>
+              <a:buFont typeface="Arial" panose="020B0604020202020204" pitchFamily="34" charset="0"/>
+              <a:buChar char="•"/>
+              <a:defRPr sz="2000" kern="1200">
+                <a:solidFill>
+                  <a:schemeClr val="tx1"/>
+                </a:solidFill>
+                <a:latin typeface="+mn-lt"/>
+                <a:ea typeface="+mn-ea"/>
+                <a:cs typeface="+mn-cs"/>
+              </a:defRPr>
+            </a:lvl3pPr>
+            <a:lvl4pPr marL="1600200" indent="-228600" algn="l" defTabSz="914400" rtl="0" eaLnBrk="1" latinLnBrk="0" hangingPunct="1">
+              <a:lnSpc>
+                <a:spcPct val="90000"/>
+              </a:lnSpc>
+              <a:spcBef>
+                <a:spcPts val="500"/>
+              </a:spcBef>
+              <a:buFont typeface="Arial" panose="020B0604020202020204" pitchFamily="34" charset="0"/>
+              <a:buChar char="•"/>
+              <a:defRPr sz="1800" kern="1200">
+                <a:solidFill>
+                  <a:schemeClr val="tx1"/>
+                </a:solidFill>
+                <a:latin typeface="+mn-lt"/>
+                <a:ea typeface="+mn-ea"/>
+                <a:cs typeface="+mn-cs"/>
+              </a:defRPr>
+            </a:lvl4pPr>
+            <a:lvl5pPr marL="2057400" indent="-228600" algn="l" defTabSz="914400" rtl="0" eaLnBrk="1" latinLnBrk="0" hangingPunct="1">
+              <a:lnSpc>
+                <a:spcPct val="90000"/>
+              </a:lnSpc>
+              <a:spcBef>
+                <a:spcPts val="500"/>
+              </a:spcBef>
+              <a:buFont typeface="Arial" panose="020B0604020202020204" pitchFamily="34" charset="0"/>
+              <a:buChar char="•"/>
+              <a:defRPr sz="1800" kern="1200">
+                <a:solidFill>
+                  <a:schemeClr val="tx1"/>
+                </a:solidFill>
+                <a:latin typeface="+mn-lt"/>
+                <a:ea typeface="+mn-ea"/>
+                <a:cs typeface="+mn-cs"/>
+              </a:defRPr>
+            </a:lvl5pPr>
+            <a:lvl6pPr marL="2514600" indent="-228600" algn="l" defTabSz="914400" rtl="0" eaLnBrk="1" latinLnBrk="0" hangingPunct="1">
+              <a:lnSpc>
+                <a:spcPct val="90000"/>
+              </a:lnSpc>
+              <a:spcBef>
+                <a:spcPts val="500"/>
+              </a:spcBef>
+              <a:buFont typeface="Arial" panose="020B0604020202020204" pitchFamily="34" charset="0"/>
+              <a:buChar char="•"/>
+              <a:defRPr sz="1800" kern="1200">
+                <a:solidFill>
+                  <a:schemeClr val="tx1"/>
+                </a:solidFill>
+                <a:latin typeface="+mn-lt"/>
+                <a:ea typeface="+mn-ea"/>
+                <a:cs typeface="+mn-cs"/>
+              </a:defRPr>
+            </a:lvl6pPr>
+            <a:lvl7pPr marL="2971800" indent="-228600" algn="l" defTabSz="914400" rtl="0" eaLnBrk="1" latinLnBrk="0" hangingPunct="1">
+              <a:lnSpc>
+                <a:spcPct val="90000"/>
+              </a:lnSpc>
+              <a:spcBef>
+                <a:spcPts val="500"/>
+              </a:spcBef>
+              <a:buFont typeface="Arial" panose="020B0604020202020204" pitchFamily="34" charset="0"/>
+              <a:buChar char="•"/>
+              <a:defRPr sz="1800" kern="1200">
+                <a:solidFill>
+                  <a:schemeClr val="tx1"/>
+                </a:solidFill>
+                <a:latin typeface="+mn-lt"/>
+                <a:ea typeface="+mn-ea"/>
+                <a:cs typeface="+mn-cs"/>
+              </a:defRPr>
+            </a:lvl7pPr>
+            <a:lvl8pPr marL="3429000" indent="-228600" algn="l" defTabSz="914400" rtl="0" eaLnBrk="1" latinLnBrk="0" hangingPunct="1">
+              <a:lnSpc>
+                <a:spcPct val="90000"/>
+              </a:lnSpc>
+              <a:spcBef>
+                <a:spcPts val="500"/>
+              </a:spcBef>
+              <a:buFont typeface="Arial" panose="020B0604020202020204" pitchFamily="34" charset="0"/>
+              <a:buChar char="•"/>
+              <a:defRPr sz="1800" kern="1200">
+                <a:solidFill>
+                  <a:schemeClr val="tx1"/>
+                </a:solidFill>
+                <a:latin typeface="+mn-lt"/>
+                <a:ea typeface="+mn-ea"/>
+                <a:cs typeface="+mn-cs"/>
+              </a:defRPr>
+            </a:lvl8pPr>
+            <a:lvl9pPr marL="3886200" indent="-228600" algn="l" defTabSz="914400" rtl="0" eaLnBrk="1" latinLnBrk="0" hangingPunct="1">
+              <a:lnSpc>
+                <a:spcPct val="90000"/>
+              </a:lnSpc>
+              <a:spcBef>
+                <a:spcPts val="500"/>
+              </a:spcBef>
+              <a:buFont typeface="Arial" panose="020B0604020202020204" pitchFamily="34" charset="0"/>
+              <a:buChar char="•"/>
+              <a:defRPr sz="1800" kern="1200">
+                <a:solidFill>
+                  <a:schemeClr val="tx1"/>
+                </a:solidFill>
+                <a:latin typeface="+mn-lt"/>
+                <a:ea typeface="+mn-ea"/>
+                <a:cs typeface="+mn-cs"/>
+              </a:defRPr>
+            </a:lvl9pPr>
+          </a:lstStyle>
+          <a:p>
+            <a:pPr marL="0" indent="0" algn="ctr">
+              <a:buFont typeface="Arial" panose="020B0604020202020204" pitchFamily="34" charset="0"/>
+              <a:buNone/>
+            </a:pPr>
+            <a:r>
+              <a:rPr lang="en-US" b="1">
+                <a:latin typeface="Sylfaen" panose="010A0502050306030303" pitchFamily="18" charset="0"/>
+              </a:rPr>
+              <a:t>HTTP request directive</a:t>
+            </a:r>
+          </a:p>
+          <a:p>
+            <a:pPr marL="0" indent="0" algn="ctr">
+              <a:buFont typeface="Arial" panose="020B0604020202020204" pitchFamily="34" charset="0"/>
+              <a:buNone/>
+            </a:pPr>
+            <a:r>
+              <a:rPr lang="en-US">
+                <a:latin typeface="Sylfaen" panose="010A0502050306030303" pitchFamily="18" charset="0"/>
+              </a:rPr>
+              <a:t>no-cache</a:t>
+            </a:r>
+          </a:p>
+          <a:p>
+            <a:pPr marL="0" indent="0" algn="ctr">
+              <a:buFont typeface="Arial" panose="020B0604020202020204" pitchFamily="34" charset="0"/>
+              <a:buNone/>
+            </a:pPr>
+            <a:r>
+              <a:rPr lang="en-US">
+                <a:latin typeface="Sylfaen" panose="010A0502050306030303" pitchFamily="18" charset="0"/>
+              </a:rPr>
+              <a:t>no-store</a:t>
+            </a:r>
+          </a:p>
+          <a:p>
+            <a:pPr marL="0" indent="0" algn="ctr">
+              <a:buFont typeface="Arial" panose="020B0604020202020204" pitchFamily="34" charset="0"/>
+              <a:buNone/>
+            </a:pPr>
+            <a:r>
+              <a:rPr lang="en-US">
+                <a:latin typeface="Sylfaen" panose="010A0502050306030303" pitchFamily="18" charset="0"/>
+              </a:rPr>
+              <a:t>max-age = seconds</a:t>
+            </a:r>
+          </a:p>
+          <a:p>
+            <a:pPr marL="0" indent="0" algn="ctr">
+              <a:buFont typeface="Arial" panose="020B0604020202020204" pitchFamily="34" charset="0"/>
+              <a:buNone/>
+            </a:pPr>
+            <a:r>
+              <a:rPr lang="en-US">
+                <a:latin typeface="Sylfaen" panose="010A0502050306030303" pitchFamily="18" charset="0"/>
+              </a:rPr>
+              <a:t>max-stale [=seconds]</a:t>
+            </a:r>
+          </a:p>
+          <a:p>
+            <a:pPr marL="0" indent="0" algn="ctr">
+              <a:buFont typeface="Arial" panose="020B0604020202020204" pitchFamily="34" charset="0"/>
+              <a:buNone/>
+            </a:pPr>
+            <a:r>
+              <a:rPr lang="en-US">
+                <a:latin typeface="Sylfaen" panose="010A0502050306030303" pitchFamily="18" charset="0"/>
+              </a:rPr>
+              <a:t>min-fresh = sconds</a:t>
+            </a:r>
+          </a:p>
+          <a:p>
+            <a:pPr marL="0" indent="0" algn="ctr">
+              <a:buFont typeface="Arial" panose="020B0604020202020204" pitchFamily="34" charset="0"/>
+              <a:buNone/>
+            </a:pPr>
+            <a:r>
+              <a:rPr lang="en-US">
+                <a:latin typeface="Sylfaen" panose="010A0502050306030303" pitchFamily="18" charset="0"/>
+              </a:rPr>
+              <a:t>no-transform</a:t>
+            </a:r>
+          </a:p>
+          <a:p>
+            <a:pPr marL="0" indent="0" algn="ctr">
+              <a:buFont typeface="Arial" panose="020B0604020202020204" pitchFamily="34" charset="0"/>
+              <a:buNone/>
+            </a:pPr>
+            <a:r>
+              <a:rPr lang="en-US">
+                <a:latin typeface="Sylfaen" panose="010A0502050306030303" pitchFamily="18" charset="0"/>
+              </a:rPr>
+              <a:t>only-if-cached</a:t>
+            </a:r>
+          </a:p>
+          <a:p>
+            <a:pPr marL="0" indent="0" algn="ctr">
+              <a:buFont typeface="Arial" panose="020B0604020202020204" pitchFamily="34" charset="0"/>
+              <a:buNone/>
+            </a:pPr>
+            <a:endParaRPr lang="en-US"/>
+          </a:p>
+        </p:txBody>
+      </p:sp>
+    </p:spTree>
+    <p:extLst>
+      <p:ext uri="{BB962C8B-B14F-4D97-AF65-F5344CB8AC3E}">
+        <p14:creationId xmlns:p14="http://schemas.microsoft.com/office/powerpoint/2010/main" val="1142179341"/>
+      </p:ext>
+    </p:extLst>
+  </p:cSld>
+  <p:clrMapOvr>
+    <a:masterClrMapping/>
+  </p:clrMapOvr>
+</p:sld>
+</file>
+
 <file path=ppt/slides/slide29.xml><?xml version="1.0" encoding="utf-8"?>
 <p:sld xmlns:a="http://schemas.openxmlformats.org/drawingml/2006/main" xmlns:r="http://schemas.openxmlformats.org/officeDocument/2006/relationships" xmlns:p="http://schemas.openxmlformats.org/presentationml/2006/main">
   <p:cSld>
@@ -9509,7 +10600,7 @@
           <p:cNvPr id="2" name="Title 1">
             <a:extLst>
               <a:ext uri="{FF2B5EF4-FFF2-40B4-BE49-F238E27FC236}">
-                <a16:creationId xmlns:a16="http://schemas.microsoft.com/office/drawing/2014/main" id="{ADB04796-4706-4EAA-88D0-CDA2C362C8D9}"/>
+                <a16:creationId xmlns:a16="http://schemas.microsoft.com/office/drawing/2014/main" id="{7F29CC9F-5ED1-44E5-AC0D-FC32EC4529DD}"/>
               </a:ext>
             </a:extLst>
           </p:cNvPr>
@@ -9520,7 +10611,12 @@
             <p:ph type="title"/>
           </p:nvPr>
         </p:nvSpPr>
-        <p:spPr/>
+        <p:spPr>
+          <a:xfrm>
+            <a:off x="838200" y="0"/>
+            <a:ext cx="10515600" cy="1325563"/>
+          </a:xfrm>
+        </p:spPr>
         <p:txBody>
           <a:bodyPr/>
           <a:lstStyle/>
@@ -9530,31 +10626,7 @@
               <a:rPr lang="en-US">
                 <a:latin typeface="Sylfaen" panose="010A0502050306030303" pitchFamily="18" charset="0"/>
               </a:rPr>
-              <a:t>Entity</a:t>
-            </a:r>
-            <a:r>
-              <a:rPr lang="hy-AM">
-                <a:latin typeface="Sylfaen" panose="010A0502050306030303" pitchFamily="18" charset="0"/>
-              </a:rPr>
-              <a:t> </a:t>
-            </a:r>
-            <a:r>
-              <a:rPr lang="en-US">
-                <a:latin typeface="Sylfaen" panose="010A0502050306030303" pitchFamily="18" charset="0"/>
-              </a:rPr>
-              <a:t>Informational</a:t>
-            </a:r>
-            <a:r>
-              <a:rPr lang="hy-AM">
-                <a:latin typeface="Sylfaen" panose="010A0502050306030303" pitchFamily="18" charset="0"/>
-              </a:rPr>
-              <a:t> </a:t>
-            </a:r>
-            <a:r>
-              <a:rPr lang="en-US">
-                <a:latin typeface="Sylfaen" panose="010A0502050306030303" pitchFamily="18" charset="0"/>
-              </a:rPr>
-              <a:t>Headers</a:t>
+              <a:t>URL Encoding</a:t>
             </a:r>
             <a:endParaRPr lang="en-US"/>
           </a:p>
@@ -9565,7 +10637,7 @@
           <p:cNvPr id="3" name="Content Placeholder 2">
             <a:extLst>
               <a:ext uri="{FF2B5EF4-FFF2-40B4-BE49-F238E27FC236}">
-                <a16:creationId xmlns:a16="http://schemas.microsoft.com/office/drawing/2014/main" id="{3B4E313D-86D8-46AB-B3EC-C88872C5282C}"/>
+                <a16:creationId xmlns:a16="http://schemas.microsoft.com/office/drawing/2014/main" id="{6CBF3C7C-37FA-4A16-8D05-3BAB364D642C}"/>
               </a:ext>
             </a:extLst>
           </p:cNvPr>
@@ -9576,25 +10648,500 @@
             <p:ph idx="1"/>
           </p:nvPr>
         </p:nvSpPr>
-        <p:spPr/>
+        <p:spPr>
+          <a:xfrm>
+            <a:off x="7373912" y="1780654"/>
+            <a:ext cx="2789420" cy="4351338"/>
+          </a:xfrm>
+        </p:spPr>
         <p:txBody>
           <a:bodyPr/>
           <a:lstStyle/>
           <a:p>
             <a:pPr marL="0" indent="0">
-              <a:buNone/>
-            </a:pPr>
-            <a:r>
-              <a:rPr lang="en-US"/>
-              <a:t>Allow: method</a:t>
-            </a:r>
+              <a:lnSpc>
+                <a:spcPct val="200000"/>
+              </a:lnSpc>
+              <a:buNone/>
+            </a:pPr>
+            <a:r>
+              <a:rPr lang="en-US">
+                <a:latin typeface="Sylfaen" panose="010A0502050306030303" pitchFamily="18" charset="0"/>
+              </a:rPr>
+              <a:t>{     </a:t>
+            </a:r>
+            <a:r>
+              <a:rPr lang="en-US">
+                <a:latin typeface="Sylfaen" panose="010A0502050306030303" pitchFamily="18" charset="0"/>
+                <a:sym typeface="Wingdings" panose="05000000000000000000" pitchFamily="2" charset="2"/>
+              </a:rPr>
+              <a:t>     </a:t>
+            </a:r>
+            <a:r>
+              <a:rPr lang="en-US">
+                <a:latin typeface="Sylfaen" panose="010A0502050306030303" pitchFamily="18" charset="0"/>
+              </a:rPr>
+              <a:t>%7B</a:t>
+            </a:r>
+          </a:p>
+          <a:p>
+            <a:pPr marL="0" indent="0">
+              <a:lnSpc>
+                <a:spcPct val="200000"/>
+              </a:lnSpc>
+              <a:buNone/>
+            </a:pPr>
+            <a:r>
+              <a:rPr lang="en-US">
+                <a:latin typeface="Sylfaen" panose="010A0502050306030303" pitchFamily="18" charset="0"/>
+              </a:rPr>
+              <a:t>|     </a:t>
+            </a:r>
+            <a:r>
+              <a:rPr lang="en-US">
+                <a:latin typeface="Sylfaen" panose="010A0502050306030303" pitchFamily="18" charset="0"/>
+                <a:sym typeface="Wingdings" panose="05000000000000000000" pitchFamily="2" charset="2"/>
+              </a:rPr>
+              <a:t>     </a:t>
+            </a:r>
+            <a:r>
+              <a:rPr lang="en-US">
+                <a:latin typeface="Sylfaen" panose="010A0502050306030303" pitchFamily="18" charset="0"/>
+              </a:rPr>
+              <a:t>%7C</a:t>
+            </a:r>
+          </a:p>
+          <a:p>
+            <a:pPr marL="0" indent="0">
+              <a:lnSpc>
+                <a:spcPct val="200000"/>
+              </a:lnSpc>
+              <a:buNone/>
+            </a:pPr>
+            <a:r>
+              <a:rPr lang="en-US">
+                <a:latin typeface="Sylfaen" panose="010A0502050306030303" pitchFamily="18" charset="0"/>
+              </a:rPr>
+              <a:t>}     </a:t>
+            </a:r>
+            <a:r>
+              <a:rPr lang="en-US">
+                <a:latin typeface="Sylfaen" panose="010A0502050306030303" pitchFamily="18" charset="0"/>
+                <a:sym typeface="Wingdings" panose="05000000000000000000" pitchFamily="2" charset="2"/>
+              </a:rPr>
+              <a:t>     </a:t>
+            </a:r>
+            <a:r>
+              <a:rPr lang="en-US">
+                <a:latin typeface="Sylfaen" panose="010A0502050306030303" pitchFamily="18" charset="0"/>
+              </a:rPr>
+              <a:t>%7D</a:t>
+            </a:r>
+          </a:p>
+          <a:p>
+            <a:pPr marL="0" indent="0">
+              <a:lnSpc>
+                <a:spcPct val="200000"/>
+              </a:lnSpc>
+              <a:buNone/>
+            </a:pPr>
+            <a:r>
+              <a:rPr lang="en-US">
+                <a:latin typeface="Sylfaen" panose="010A0502050306030303" pitchFamily="18" charset="0"/>
+              </a:rPr>
+              <a:t>~     </a:t>
+            </a:r>
+            <a:r>
+              <a:rPr lang="en-US">
+                <a:latin typeface="Sylfaen" panose="010A0502050306030303" pitchFamily="18" charset="0"/>
+                <a:sym typeface="Wingdings" panose="05000000000000000000" pitchFamily="2" charset="2"/>
+              </a:rPr>
+              <a:t>     </a:t>
+            </a:r>
+            <a:r>
+              <a:rPr lang="en-US">
+                <a:latin typeface="Sylfaen" panose="010A0502050306030303" pitchFamily="18" charset="0"/>
+              </a:rPr>
+              <a:t>%7D</a:t>
+            </a:r>
+          </a:p>
+          <a:p>
+            <a:pPr marL="0" indent="0">
+              <a:buNone/>
+            </a:pPr>
+            <a:endParaRPr lang="en-US">
+              <a:latin typeface="Sylfaen" panose="010A0502050306030303" pitchFamily="18" charset="0"/>
+            </a:endParaRPr>
+          </a:p>
+          <a:p>
+            <a:pPr marL="0" indent="0">
+              <a:buNone/>
+            </a:pPr>
+            <a:endParaRPr lang="en-US">
+              <a:latin typeface="Sylfaen" panose="010A0502050306030303" pitchFamily="18" charset="0"/>
+            </a:endParaRPr>
+          </a:p>
+        </p:txBody>
+      </p:sp>
+      <p:cxnSp>
+        <p:nvCxnSpPr>
+          <p:cNvPr id="4" name="Straight Connector 3">
+            <a:extLst>
+              <a:ext uri="{FF2B5EF4-FFF2-40B4-BE49-F238E27FC236}">
+                <a16:creationId xmlns:a16="http://schemas.microsoft.com/office/drawing/2014/main" id="{7A10B049-CE78-45DD-ABCA-025F196E6404}"/>
+              </a:ext>
+            </a:extLst>
+          </p:cNvPr>
+          <p:cNvCxnSpPr>
+            <a:cxnSpLocks/>
+          </p:cNvCxnSpPr>
+          <p:nvPr/>
+        </p:nvCxnSpPr>
+        <p:spPr>
+          <a:xfrm>
+            <a:off x="569235" y="1079453"/>
+            <a:ext cx="11053530" cy="0"/>
+          </a:xfrm>
+          <a:prstGeom prst="line">
+            <a:avLst/>
+          </a:prstGeom>
+        </p:spPr>
+        <p:style>
+          <a:lnRef idx="3">
+            <a:schemeClr val="accent1"/>
+          </a:lnRef>
+          <a:fillRef idx="0">
+            <a:schemeClr val="accent1"/>
+          </a:fillRef>
+          <a:effectRef idx="2">
+            <a:schemeClr val="accent1"/>
+          </a:effectRef>
+          <a:fontRef idx="minor">
+            <a:schemeClr val="tx1"/>
+          </a:fontRef>
+        </p:style>
+      </p:cxnSp>
+      <p:sp>
+        <p:nvSpPr>
+          <p:cNvPr id="5" name="Content Placeholder 2">
+            <a:extLst>
+              <a:ext uri="{FF2B5EF4-FFF2-40B4-BE49-F238E27FC236}">
+                <a16:creationId xmlns:a16="http://schemas.microsoft.com/office/drawing/2014/main" id="{7FD96FCD-5E9A-4D3A-8E90-819A8C12C104}"/>
+              </a:ext>
+            </a:extLst>
+          </p:cNvPr>
+          <p:cNvSpPr txBox="1">
+            <a:spLocks/>
+          </p:cNvSpPr>
+          <p:nvPr/>
+        </p:nvSpPr>
+        <p:spPr>
+          <a:xfrm>
+            <a:off x="2028668" y="1780654"/>
+            <a:ext cx="2789420" cy="4351338"/>
+          </a:xfrm>
+          <a:prstGeom prst="rect">
+            <a:avLst/>
+          </a:prstGeom>
+        </p:spPr>
+        <p:txBody>
+          <a:bodyPr vert="horz" lIns="91440" tIns="45720" rIns="91440" bIns="45720" rtlCol="0">
+            <a:normAutofit/>
+          </a:bodyPr>
+          <a:lstStyle>
+            <a:lvl1pPr marL="228600" indent="-228600" algn="l" defTabSz="914400" rtl="0" eaLnBrk="1" latinLnBrk="0" hangingPunct="1">
+              <a:lnSpc>
+                <a:spcPct val="90000"/>
+              </a:lnSpc>
+              <a:spcBef>
+                <a:spcPts val="1000"/>
+              </a:spcBef>
+              <a:buFont typeface="Arial" panose="020B0604020202020204" pitchFamily="34" charset="0"/>
+              <a:buChar char="•"/>
+              <a:defRPr sz="2800" kern="1200">
+                <a:solidFill>
+                  <a:schemeClr val="tx1"/>
+                </a:solidFill>
+                <a:latin typeface="+mn-lt"/>
+                <a:ea typeface="+mn-ea"/>
+                <a:cs typeface="+mn-cs"/>
+              </a:defRPr>
+            </a:lvl1pPr>
+            <a:lvl2pPr marL="685800" indent="-228600" algn="l" defTabSz="914400" rtl="0" eaLnBrk="1" latinLnBrk="0" hangingPunct="1">
+              <a:lnSpc>
+                <a:spcPct val="90000"/>
+              </a:lnSpc>
+              <a:spcBef>
+                <a:spcPts val="500"/>
+              </a:spcBef>
+              <a:buFont typeface="Arial" panose="020B0604020202020204" pitchFamily="34" charset="0"/>
+              <a:buChar char="•"/>
+              <a:defRPr sz="2400" kern="1200">
+                <a:solidFill>
+                  <a:schemeClr val="tx1"/>
+                </a:solidFill>
+                <a:latin typeface="+mn-lt"/>
+                <a:ea typeface="+mn-ea"/>
+                <a:cs typeface="+mn-cs"/>
+              </a:defRPr>
+            </a:lvl2pPr>
+            <a:lvl3pPr marL="1143000" indent="-228600" algn="l" defTabSz="914400" rtl="0" eaLnBrk="1" latinLnBrk="0" hangingPunct="1">
+              <a:lnSpc>
+                <a:spcPct val="90000"/>
+              </a:lnSpc>
+              <a:spcBef>
+                <a:spcPts val="500"/>
+              </a:spcBef>
+              <a:buFont typeface="Arial" panose="020B0604020202020204" pitchFamily="34" charset="0"/>
+              <a:buChar char="•"/>
+              <a:defRPr sz="2000" kern="1200">
+                <a:solidFill>
+                  <a:schemeClr val="tx1"/>
+                </a:solidFill>
+                <a:latin typeface="+mn-lt"/>
+                <a:ea typeface="+mn-ea"/>
+                <a:cs typeface="+mn-cs"/>
+              </a:defRPr>
+            </a:lvl3pPr>
+            <a:lvl4pPr marL="1600200" indent="-228600" algn="l" defTabSz="914400" rtl="0" eaLnBrk="1" latinLnBrk="0" hangingPunct="1">
+              <a:lnSpc>
+                <a:spcPct val="90000"/>
+              </a:lnSpc>
+              <a:spcBef>
+                <a:spcPts val="500"/>
+              </a:spcBef>
+              <a:buFont typeface="Arial" panose="020B0604020202020204" pitchFamily="34" charset="0"/>
+              <a:buChar char="•"/>
+              <a:defRPr sz="1800" kern="1200">
+                <a:solidFill>
+                  <a:schemeClr val="tx1"/>
+                </a:solidFill>
+                <a:latin typeface="+mn-lt"/>
+                <a:ea typeface="+mn-ea"/>
+                <a:cs typeface="+mn-cs"/>
+              </a:defRPr>
+            </a:lvl4pPr>
+            <a:lvl5pPr marL="2057400" indent="-228600" algn="l" defTabSz="914400" rtl="0" eaLnBrk="1" latinLnBrk="0" hangingPunct="1">
+              <a:lnSpc>
+                <a:spcPct val="90000"/>
+              </a:lnSpc>
+              <a:spcBef>
+                <a:spcPts val="500"/>
+              </a:spcBef>
+              <a:buFont typeface="Arial" panose="020B0604020202020204" pitchFamily="34" charset="0"/>
+              <a:buChar char="•"/>
+              <a:defRPr sz="1800" kern="1200">
+                <a:solidFill>
+                  <a:schemeClr val="tx1"/>
+                </a:solidFill>
+                <a:latin typeface="+mn-lt"/>
+                <a:ea typeface="+mn-ea"/>
+                <a:cs typeface="+mn-cs"/>
+              </a:defRPr>
+            </a:lvl5pPr>
+            <a:lvl6pPr marL="2514600" indent="-228600" algn="l" defTabSz="914400" rtl="0" eaLnBrk="1" latinLnBrk="0" hangingPunct="1">
+              <a:lnSpc>
+                <a:spcPct val="90000"/>
+              </a:lnSpc>
+              <a:spcBef>
+                <a:spcPts val="500"/>
+              </a:spcBef>
+              <a:buFont typeface="Arial" panose="020B0604020202020204" pitchFamily="34" charset="0"/>
+              <a:buChar char="•"/>
+              <a:defRPr sz="1800" kern="1200">
+                <a:solidFill>
+                  <a:schemeClr val="tx1"/>
+                </a:solidFill>
+                <a:latin typeface="+mn-lt"/>
+                <a:ea typeface="+mn-ea"/>
+                <a:cs typeface="+mn-cs"/>
+              </a:defRPr>
+            </a:lvl6pPr>
+            <a:lvl7pPr marL="2971800" indent="-228600" algn="l" defTabSz="914400" rtl="0" eaLnBrk="1" latinLnBrk="0" hangingPunct="1">
+              <a:lnSpc>
+                <a:spcPct val="90000"/>
+              </a:lnSpc>
+              <a:spcBef>
+                <a:spcPts val="500"/>
+              </a:spcBef>
+              <a:buFont typeface="Arial" panose="020B0604020202020204" pitchFamily="34" charset="0"/>
+              <a:buChar char="•"/>
+              <a:defRPr sz="1800" kern="1200">
+                <a:solidFill>
+                  <a:schemeClr val="tx1"/>
+                </a:solidFill>
+                <a:latin typeface="+mn-lt"/>
+                <a:ea typeface="+mn-ea"/>
+                <a:cs typeface="+mn-cs"/>
+              </a:defRPr>
+            </a:lvl7pPr>
+            <a:lvl8pPr marL="3429000" indent="-228600" algn="l" defTabSz="914400" rtl="0" eaLnBrk="1" latinLnBrk="0" hangingPunct="1">
+              <a:lnSpc>
+                <a:spcPct val="90000"/>
+              </a:lnSpc>
+              <a:spcBef>
+                <a:spcPts val="500"/>
+              </a:spcBef>
+              <a:buFont typeface="Arial" panose="020B0604020202020204" pitchFamily="34" charset="0"/>
+              <a:buChar char="•"/>
+              <a:defRPr sz="1800" kern="1200">
+                <a:solidFill>
+                  <a:schemeClr val="tx1"/>
+                </a:solidFill>
+                <a:latin typeface="+mn-lt"/>
+                <a:ea typeface="+mn-ea"/>
+                <a:cs typeface="+mn-cs"/>
+              </a:defRPr>
+            </a:lvl8pPr>
+            <a:lvl9pPr marL="3886200" indent="-228600" algn="l" defTabSz="914400" rtl="0" eaLnBrk="1" latinLnBrk="0" hangingPunct="1">
+              <a:lnSpc>
+                <a:spcPct val="90000"/>
+              </a:lnSpc>
+              <a:spcBef>
+                <a:spcPts val="500"/>
+              </a:spcBef>
+              <a:buFont typeface="Arial" panose="020B0604020202020204" pitchFamily="34" charset="0"/>
+              <a:buChar char="•"/>
+              <a:defRPr sz="1800" kern="1200">
+                <a:solidFill>
+                  <a:schemeClr val="tx1"/>
+                </a:solidFill>
+                <a:latin typeface="+mn-lt"/>
+                <a:ea typeface="+mn-ea"/>
+                <a:cs typeface="+mn-cs"/>
+              </a:defRPr>
+            </a:lvl9pPr>
+          </a:lstStyle>
+          <a:p>
+            <a:pPr marL="0" indent="0">
+              <a:lnSpc>
+                <a:spcPct val="200000"/>
+              </a:lnSpc>
+              <a:buFont typeface="Arial" panose="020B0604020202020204" pitchFamily="34" charset="0"/>
+              <a:buNone/>
+            </a:pPr>
+            <a:r>
+              <a:rPr lang="en-US">
+                <a:latin typeface="Sylfaen" panose="010A0502050306030303" pitchFamily="18" charset="0"/>
+              </a:rPr>
+              <a:t>!     </a:t>
+            </a:r>
+            <a:r>
+              <a:rPr lang="en-US">
+                <a:latin typeface="Sylfaen" panose="010A0502050306030303" pitchFamily="18" charset="0"/>
+                <a:sym typeface="Wingdings" panose="05000000000000000000" pitchFamily="2" charset="2"/>
+              </a:rPr>
+              <a:t>     </a:t>
+            </a:r>
+            <a:r>
+              <a:rPr lang="en-US">
+                <a:latin typeface="Sylfaen" panose="010A0502050306030303" pitchFamily="18" charset="0"/>
+              </a:rPr>
+              <a:t>%21</a:t>
+            </a:r>
+          </a:p>
+          <a:p>
+            <a:pPr marL="0" indent="0">
+              <a:lnSpc>
+                <a:spcPct val="200000"/>
+              </a:lnSpc>
+              <a:buFont typeface="Arial" panose="020B0604020202020204" pitchFamily="34" charset="0"/>
+              <a:buNone/>
+            </a:pPr>
+            <a:r>
+              <a:rPr lang="en-US">
+                <a:latin typeface="Sylfaen" panose="010A0502050306030303" pitchFamily="18" charset="0"/>
+              </a:rPr>
+              <a:t>#     </a:t>
+            </a:r>
+            <a:r>
+              <a:rPr lang="en-US">
+                <a:latin typeface="Sylfaen" panose="010A0502050306030303" pitchFamily="18" charset="0"/>
+                <a:sym typeface="Wingdings" panose="05000000000000000000" pitchFamily="2" charset="2"/>
+              </a:rPr>
+              <a:t>     </a:t>
+            </a:r>
+            <a:r>
+              <a:rPr lang="en-US">
+                <a:latin typeface="Sylfaen" panose="010A0502050306030303" pitchFamily="18" charset="0"/>
+              </a:rPr>
+              <a:t>%23</a:t>
+            </a:r>
+          </a:p>
+          <a:p>
+            <a:pPr marL="0" indent="0">
+              <a:lnSpc>
+                <a:spcPct val="200000"/>
+              </a:lnSpc>
+              <a:buFont typeface="Arial" panose="020B0604020202020204" pitchFamily="34" charset="0"/>
+              <a:buNone/>
+            </a:pPr>
+            <a:r>
+              <a:rPr lang="en-US">
+                <a:latin typeface="Sylfaen" panose="010A0502050306030303" pitchFamily="18" charset="0"/>
+              </a:rPr>
+              <a:t>$     </a:t>
+            </a:r>
+            <a:r>
+              <a:rPr lang="en-US">
+                <a:latin typeface="Sylfaen" panose="010A0502050306030303" pitchFamily="18" charset="0"/>
+                <a:sym typeface="Wingdings" panose="05000000000000000000" pitchFamily="2" charset="2"/>
+              </a:rPr>
+              <a:t>     </a:t>
+            </a:r>
+            <a:r>
+              <a:rPr lang="en-US">
+                <a:latin typeface="Sylfaen" panose="010A0502050306030303" pitchFamily="18" charset="0"/>
+              </a:rPr>
+              <a:t>%24</a:t>
+            </a:r>
+          </a:p>
+          <a:p>
+            <a:pPr marL="0" indent="0">
+              <a:lnSpc>
+                <a:spcPct val="200000"/>
+              </a:lnSpc>
+              <a:buFont typeface="Arial" panose="020B0604020202020204" pitchFamily="34" charset="0"/>
+              <a:buNone/>
+            </a:pPr>
+            <a:r>
+              <a:rPr lang="en-US">
+                <a:latin typeface="Sylfaen" panose="010A0502050306030303" pitchFamily="18" charset="0"/>
+                <a:sym typeface="Wingdings" panose="05000000000000000000" pitchFamily="2" charset="2"/>
+              </a:rPr>
+              <a:t>&amp;         </a:t>
+            </a:r>
+            <a:r>
+              <a:rPr lang="en-US">
+                <a:latin typeface="Sylfaen" panose="010A0502050306030303" pitchFamily="18" charset="0"/>
+              </a:rPr>
+              <a:t>%26</a:t>
+            </a:r>
+          </a:p>
+          <a:p>
+            <a:pPr marL="0" indent="0">
+              <a:buFont typeface="Arial" panose="020B0604020202020204" pitchFamily="34" charset="0"/>
+              <a:buNone/>
+            </a:pPr>
+            <a:endParaRPr lang="en-US">
+              <a:latin typeface="Sylfaen" panose="010A0502050306030303" pitchFamily="18" charset="0"/>
+            </a:endParaRPr>
+          </a:p>
+          <a:p>
+            <a:pPr marL="0" indent="0">
+              <a:buFont typeface="Arial" panose="020B0604020202020204" pitchFamily="34" charset="0"/>
+              <a:buNone/>
+            </a:pPr>
+            <a:endParaRPr lang="en-US">
+              <a:latin typeface="Sylfaen" panose="010A0502050306030303" pitchFamily="18" charset="0"/>
+            </a:endParaRPr>
           </a:p>
         </p:txBody>
       </p:sp>
     </p:spTree>
     <p:extLst>
       <p:ext uri="{BB962C8B-B14F-4D97-AF65-F5344CB8AC3E}">
-        <p14:creationId xmlns:p14="http://schemas.microsoft.com/office/powerpoint/2010/main" val="3334061831"/>
+        <p14:creationId xmlns:p14="http://schemas.microsoft.com/office/powerpoint/2010/main" val="1333610910"/>
       </p:ext>
     </p:extLst>
   </p:cSld>
@@ -9763,1537 +11310,6 @@
           <p:cNvPr id="2" name="Title 1">
             <a:extLst>
               <a:ext uri="{FF2B5EF4-FFF2-40B4-BE49-F238E27FC236}">
-                <a16:creationId xmlns:a16="http://schemas.microsoft.com/office/drawing/2014/main" id="{748B80DF-2C16-404A-A5AD-6A57A7C9169A}"/>
-              </a:ext>
-            </a:extLst>
-          </p:cNvPr>
-          <p:cNvSpPr>
-            <a:spLocks noGrp="1"/>
-          </p:cNvSpPr>
-          <p:nvPr>
-            <p:ph type="title"/>
-          </p:nvPr>
-        </p:nvSpPr>
-        <p:spPr>
-          <a:xfrm>
-            <a:off x="838200" y="0"/>
-            <a:ext cx="10515600" cy="1325563"/>
-          </a:xfrm>
-        </p:spPr>
-        <p:txBody>
-          <a:bodyPr/>
-          <a:lstStyle/>
-          <a:p>
-            <a:pPr algn="ctr"/>
-            <a:r>
-              <a:rPr lang="en-US">
-                <a:latin typeface="Sylfaen" panose="010A0502050306030303" pitchFamily="18" charset="0"/>
-              </a:rPr>
-              <a:t>Entity Content headers</a:t>
-            </a:r>
-            <a:endParaRPr lang="en-US"/>
-          </a:p>
-        </p:txBody>
-      </p:sp>
-      <p:sp>
-        <p:nvSpPr>
-          <p:cNvPr id="3" name="Content Placeholder 2">
-            <a:extLst>
-              <a:ext uri="{FF2B5EF4-FFF2-40B4-BE49-F238E27FC236}">
-                <a16:creationId xmlns:a16="http://schemas.microsoft.com/office/drawing/2014/main" id="{35AEA57C-6B4C-45C8-AC55-5C4064B56CE9}"/>
-              </a:ext>
-            </a:extLst>
-          </p:cNvPr>
-          <p:cNvSpPr>
-            <a:spLocks noGrp="1"/>
-          </p:cNvSpPr>
-          <p:nvPr>
-            <p:ph idx="1"/>
-          </p:nvPr>
-        </p:nvSpPr>
-        <p:spPr/>
-        <p:txBody>
-          <a:bodyPr/>
-          <a:lstStyle/>
-          <a:p>
-            <a:pPr marL="0" indent="0">
-              <a:buNone/>
-            </a:pPr>
-            <a:r>
-              <a:rPr lang="hy-AM">
-                <a:latin typeface="Sylfaen" panose="010A0502050306030303" pitchFamily="18" charset="0"/>
-              </a:rPr>
-              <a:t>Content-Encoding։ </a:t>
-            </a:r>
-            <a:r>
-              <a:rPr lang="en-US">
-                <a:latin typeface="Sylfaen" panose="010A0502050306030303" pitchFamily="18" charset="0"/>
-              </a:rPr>
-              <a:t>content-coding</a:t>
-            </a:r>
-            <a:r>
-              <a:rPr lang="hy-AM">
-                <a:latin typeface="Sylfaen" panose="010A0502050306030303" pitchFamily="18" charset="0"/>
-              </a:rPr>
-              <a:t> </a:t>
-            </a:r>
-            <a:endParaRPr lang="en-US">
-              <a:latin typeface="Sylfaen" panose="010A0502050306030303" pitchFamily="18" charset="0"/>
-            </a:endParaRPr>
-          </a:p>
-          <a:p>
-            <a:pPr marL="0" indent="0">
-              <a:buNone/>
-            </a:pPr>
-            <a:r>
-              <a:rPr lang="hy-AM">
-                <a:latin typeface="Sylfaen" panose="010A0502050306030303" pitchFamily="18" charset="0"/>
-              </a:rPr>
-              <a:t>Content-</a:t>
-            </a:r>
-            <a:r>
-              <a:rPr lang="en-US">
-                <a:latin typeface="Sylfaen" panose="010A0502050306030303" pitchFamily="18" charset="0"/>
-              </a:rPr>
-              <a:t>Language: language-tag</a:t>
-            </a:r>
-          </a:p>
-          <a:p>
-            <a:pPr marL="0" indent="0">
-              <a:buNone/>
-            </a:pPr>
-            <a:r>
-              <a:rPr lang="hy-AM">
-                <a:latin typeface="Sylfaen" panose="010A0502050306030303" pitchFamily="18" charset="0"/>
-              </a:rPr>
-              <a:t>Content-</a:t>
-            </a:r>
-            <a:r>
-              <a:rPr lang="en-US">
-                <a:latin typeface="Sylfaen" panose="010A0502050306030303" pitchFamily="18" charset="0"/>
-              </a:rPr>
-              <a:t>Length: digits</a:t>
-            </a:r>
-            <a:endParaRPr lang="hy-AM">
-              <a:latin typeface="Sylfaen" panose="010A0502050306030303" pitchFamily="18" charset="0"/>
-            </a:endParaRPr>
-          </a:p>
-          <a:p>
-            <a:pPr marL="0" indent="0">
-              <a:buNone/>
-            </a:pPr>
-            <a:r>
-              <a:rPr lang="hy-AM">
-                <a:latin typeface="Sylfaen" panose="010A0502050306030303" pitchFamily="18" charset="0"/>
-              </a:rPr>
-              <a:t>Content-</a:t>
-            </a:r>
-            <a:r>
-              <a:rPr lang="en-US">
-                <a:latin typeface="Sylfaen" panose="010A0502050306030303" pitchFamily="18" charset="0"/>
-              </a:rPr>
-              <a:t>Location: absoluteURI | relativeURI</a:t>
-            </a:r>
-          </a:p>
-          <a:p>
-            <a:pPr marL="0" indent="0">
-              <a:buNone/>
-            </a:pPr>
-            <a:r>
-              <a:rPr lang="hy-AM">
-                <a:latin typeface="Sylfaen" panose="010A0502050306030303" pitchFamily="18" charset="0"/>
-              </a:rPr>
-              <a:t>Content-</a:t>
-            </a:r>
-            <a:r>
-              <a:rPr lang="en-US">
-                <a:latin typeface="Sylfaen" panose="010A0502050306030303" pitchFamily="18" charset="0"/>
-              </a:rPr>
-              <a:t>MD5: md5-digest</a:t>
-            </a:r>
-            <a:endParaRPr lang="hy-AM">
-              <a:latin typeface="Sylfaen" panose="010A0502050306030303" pitchFamily="18" charset="0"/>
-            </a:endParaRPr>
-          </a:p>
-          <a:p>
-            <a:pPr marL="0" indent="0">
-              <a:buNone/>
-            </a:pPr>
-            <a:r>
-              <a:rPr lang="hy-AM">
-                <a:latin typeface="Sylfaen" panose="010A0502050306030303" pitchFamily="18" charset="0"/>
-              </a:rPr>
-              <a:t>Content-</a:t>
-            </a:r>
-            <a:r>
-              <a:rPr lang="en-US">
-                <a:latin typeface="Sylfaen" panose="010A0502050306030303" pitchFamily="18" charset="0"/>
-              </a:rPr>
-              <a:t>Range: bytes</a:t>
-            </a:r>
-          </a:p>
-        </p:txBody>
-      </p:sp>
-      <p:cxnSp>
-        <p:nvCxnSpPr>
-          <p:cNvPr id="4" name="Straight Connector 3">
-            <a:extLst>
-              <a:ext uri="{FF2B5EF4-FFF2-40B4-BE49-F238E27FC236}">
-                <a16:creationId xmlns:a16="http://schemas.microsoft.com/office/drawing/2014/main" id="{8A190675-0196-43D0-A370-DB555D7C6B4F}"/>
-              </a:ext>
-            </a:extLst>
-          </p:cNvPr>
-          <p:cNvCxnSpPr>
-            <a:cxnSpLocks/>
-          </p:cNvCxnSpPr>
-          <p:nvPr/>
-        </p:nvCxnSpPr>
-        <p:spPr>
-          <a:xfrm>
-            <a:off x="569235" y="1199374"/>
-            <a:ext cx="11053530" cy="0"/>
-          </a:xfrm>
-          <a:prstGeom prst="line">
-            <a:avLst/>
-          </a:prstGeom>
-        </p:spPr>
-        <p:style>
-          <a:lnRef idx="3">
-            <a:schemeClr val="accent1"/>
-          </a:lnRef>
-          <a:fillRef idx="0">
-            <a:schemeClr val="accent1"/>
-          </a:fillRef>
-          <a:effectRef idx="2">
-            <a:schemeClr val="accent1"/>
-          </a:effectRef>
-          <a:fontRef idx="minor">
-            <a:schemeClr val="tx1"/>
-          </a:fontRef>
-        </p:style>
-      </p:cxnSp>
-    </p:spTree>
-    <p:extLst>
-      <p:ext uri="{BB962C8B-B14F-4D97-AF65-F5344CB8AC3E}">
-        <p14:creationId xmlns:p14="http://schemas.microsoft.com/office/powerpoint/2010/main" val="196275197"/>
-      </p:ext>
-    </p:extLst>
-  </p:cSld>
-  <p:clrMapOvr>
-    <a:masterClrMapping/>
-  </p:clrMapOvr>
-</p:sld>
-</file>
-
-<file path=ppt/slides/slide31.xml><?xml version="1.0" encoding="utf-8"?>
-<p:sld xmlns:a="http://schemas.openxmlformats.org/drawingml/2006/main" xmlns:r="http://schemas.openxmlformats.org/officeDocument/2006/relationships" xmlns:p="http://schemas.openxmlformats.org/presentationml/2006/main">
-  <p:cSld>
-    <p:spTree>
-      <p:nvGrpSpPr>
-        <p:cNvPr id="1" name=""/>
-        <p:cNvGrpSpPr/>
-        <p:nvPr/>
-      </p:nvGrpSpPr>
-      <p:grpSpPr>
-        <a:xfrm>
-          <a:off x="0" y="0"/>
-          <a:ext cx="0" cy="0"/>
-          <a:chOff x="0" y="0"/>
-          <a:chExt cx="0" cy="0"/>
-        </a:xfrm>
-      </p:grpSpPr>
-      <p:sp>
-        <p:nvSpPr>
-          <p:cNvPr id="2" name="Title 1">
-            <a:extLst>
-              <a:ext uri="{FF2B5EF4-FFF2-40B4-BE49-F238E27FC236}">
-                <a16:creationId xmlns:a16="http://schemas.microsoft.com/office/drawing/2014/main" id="{F3C06FF0-16F1-4825-902C-515AF7AA251D}"/>
-              </a:ext>
-            </a:extLst>
-          </p:cNvPr>
-          <p:cNvSpPr>
-            <a:spLocks noGrp="1"/>
-          </p:cNvSpPr>
-          <p:nvPr>
-            <p:ph type="title"/>
-          </p:nvPr>
-        </p:nvSpPr>
-        <p:spPr>
-          <a:xfrm>
-            <a:off x="838200" y="18255"/>
-            <a:ext cx="10515600" cy="1325563"/>
-          </a:xfrm>
-        </p:spPr>
-        <p:txBody>
-          <a:bodyPr/>
-          <a:lstStyle/>
-          <a:p>
-            <a:pPr algn="ctr"/>
-            <a:r>
-              <a:rPr lang="en-US">
-                <a:latin typeface="Sylfaen" panose="010A0502050306030303" pitchFamily="18" charset="0"/>
-              </a:rPr>
-              <a:t>Entity Caching headers</a:t>
-            </a:r>
-            <a:endParaRPr lang="en-US"/>
-          </a:p>
-        </p:txBody>
-      </p:sp>
-      <p:sp>
-        <p:nvSpPr>
-          <p:cNvPr id="3" name="Content Placeholder 2">
-            <a:extLst>
-              <a:ext uri="{FF2B5EF4-FFF2-40B4-BE49-F238E27FC236}">
-                <a16:creationId xmlns:a16="http://schemas.microsoft.com/office/drawing/2014/main" id="{AC6C7D7F-A670-412B-8369-0ABB8BC8E4E1}"/>
-              </a:ext>
-            </a:extLst>
-          </p:cNvPr>
-          <p:cNvSpPr>
-            <a:spLocks noGrp="1"/>
-          </p:cNvSpPr>
-          <p:nvPr>
-            <p:ph idx="1"/>
-          </p:nvPr>
-        </p:nvSpPr>
-        <p:spPr/>
-        <p:txBody>
-          <a:bodyPr/>
-          <a:lstStyle/>
-          <a:p>
-            <a:pPr marL="0" indent="0">
-              <a:buNone/>
-            </a:pPr>
-            <a:r>
-              <a:rPr lang="en-US">
-                <a:latin typeface="Sylfaen" panose="010A0502050306030303" pitchFamily="18" charset="0"/>
-              </a:rPr>
-              <a:t>Expires: date</a:t>
-            </a:r>
-          </a:p>
-          <a:p>
-            <a:pPr marL="0" indent="0">
-              <a:buNone/>
-            </a:pPr>
-            <a:r>
-              <a:rPr lang="hy-AM">
-                <a:latin typeface="Sylfaen" panose="010A0502050306030303" pitchFamily="18" charset="0"/>
-              </a:rPr>
-              <a:t>Last-Modified</a:t>
-            </a:r>
-            <a:r>
-              <a:rPr lang="en-US">
-                <a:latin typeface="Sylfaen" panose="010A0502050306030303" pitchFamily="18" charset="0"/>
-              </a:rPr>
-              <a:t>: date</a:t>
-            </a:r>
-            <a:endParaRPr lang="hy-AM">
-              <a:latin typeface="Sylfaen" panose="010A0502050306030303" pitchFamily="18" charset="0"/>
-            </a:endParaRPr>
-          </a:p>
-          <a:p>
-            <a:pPr marL="0" indent="0">
-              <a:buNone/>
-            </a:pPr>
-            <a:endParaRPr lang="en-US">
-              <a:latin typeface="Sylfaen" panose="010A0502050306030303" pitchFamily="18" charset="0"/>
-            </a:endParaRPr>
-          </a:p>
-        </p:txBody>
-      </p:sp>
-      <p:cxnSp>
-        <p:nvCxnSpPr>
-          <p:cNvPr id="4" name="Straight Connector 3">
-            <a:extLst>
-              <a:ext uri="{FF2B5EF4-FFF2-40B4-BE49-F238E27FC236}">
-                <a16:creationId xmlns:a16="http://schemas.microsoft.com/office/drawing/2014/main" id="{1B16E184-AB81-4003-9A83-C098E5CD46BC}"/>
-              </a:ext>
-            </a:extLst>
-          </p:cNvPr>
-          <p:cNvCxnSpPr>
-            <a:cxnSpLocks/>
-          </p:cNvCxnSpPr>
-          <p:nvPr/>
-        </p:nvCxnSpPr>
-        <p:spPr>
-          <a:xfrm>
-            <a:off x="569235" y="1199374"/>
-            <a:ext cx="11053530" cy="0"/>
-          </a:xfrm>
-          <a:prstGeom prst="line">
-            <a:avLst/>
-          </a:prstGeom>
-        </p:spPr>
-        <p:style>
-          <a:lnRef idx="3">
-            <a:schemeClr val="accent1"/>
-          </a:lnRef>
-          <a:fillRef idx="0">
-            <a:schemeClr val="accent1"/>
-          </a:fillRef>
-          <a:effectRef idx="2">
-            <a:schemeClr val="accent1"/>
-          </a:effectRef>
-          <a:fontRef idx="minor">
-            <a:schemeClr val="tx1"/>
-          </a:fontRef>
-        </p:style>
-      </p:cxnSp>
-    </p:spTree>
-    <p:extLst>
-      <p:ext uri="{BB962C8B-B14F-4D97-AF65-F5344CB8AC3E}">
-        <p14:creationId xmlns:p14="http://schemas.microsoft.com/office/powerpoint/2010/main" val="2898420958"/>
-      </p:ext>
-    </p:extLst>
-  </p:cSld>
-  <p:clrMapOvr>
-    <a:masterClrMapping/>
-  </p:clrMapOvr>
-</p:sld>
-</file>
-
-<file path=ppt/slides/slide32.xml><?xml version="1.0" encoding="utf-8"?>
-<p:sld xmlns:a="http://schemas.openxmlformats.org/drawingml/2006/main" xmlns:r="http://schemas.openxmlformats.org/officeDocument/2006/relationships" xmlns:p="http://schemas.openxmlformats.org/presentationml/2006/main">
-  <p:cSld>
-    <p:spTree>
-      <p:nvGrpSpPr>
-        <p:cNvPr id="1" name=""/>
-        <p:cNvGrpSpPr/>
-        <p:nvPr/>
-      </p:nvGrpSpPr>
-      <p:grpSpPr>
-        <a:xfrm>
-          <a:off x="0" y="0"/>
-          <a:ext cx="0" cy="0"/>
-          <a:chOff x="0" y="0"/>
-          <a:chExt cx="0" cy="0"/>
-        </a:xfrm>
-      </p:grpSpPr>
-      <p:sp>
-        <p:nvSpPr>
-          <p:cNvPr id="2" name="Title 1">
-            <a:extLst>
-              <a:ext uri="{FF2B5EF4-FFF2-40B4-BE49-F238E27FC236}">
-                <a16:creationId xmlns:a16="http://schemas.microsoft.com/office/drawing/2014/main" id="{A8B06BCD-222F-4C2D-A7E9-1FD1930D1ECF}"/>
-              </a:ext>
-            </a:extLst>
-          </p:cNvPr>
-          <p:cNvSpPr>
-            <a:spLocks noGrp="1"/>
-          </p:cNvSpPr>
-          <p:nvPr>
-            <p:ph type="title"/>
-          </p:nvPr>
-        </p:nvSpPr>
-        <p:spPr>
-          <a:xfrm>
-            <a:off x="838200" y="-149741"/>
-            <a:ext cx="10515600" cy="1325563"/>
-          </a:xfrm>
-        </p:spPr>
-        <p:txBody>
-          <a:bodyPr/>
-          <a:lstStyle/>
-          <a:p>
-            <a:pPr algn="ctr"/>
-            <a:r>
-              <a:rPr lang="en-US">
-                <a:latin typeface="Sylfaen" panose="010A0502050306030303" pitchFamily="18" charset="0"/>
-              </a:rPr>
-              <a:t>Cache-Control</a:t>
-            </a:r>
-            <a:endParaRPr lang="en-US"/>
-          </a:p>
-        </p:txBody>
-      </p:sp>
-      <p:sp>
-        <p:nvSpPr>
-          <p:cNvPr id="3" name="Content Placeholder 2">
-            <a:extLst>
-              <a:ext uri="{FF2B5EF4-FFF2-40B4-BE49-F238E27FC236}">
-                <a16:creationId xmlns:a16="http://schemas.microsoft.com/office/drawing/2014/main" id="{4C4F74C5-86E2-4899-9C30-7F8ECC593950}"/>
-              </a:ext>
-            </a:extLst>
-          </p:cNvPr>
-          <p:cNvSpPr>
-            <a:spLocks noGrp="1"/>
-          </p:cNvSpPr>
-          <p:nvPr>
-            <p:ph idx="1"/>
-          </p:nvPr>
-        </p:nvSpPr>
-        <p:spPr>
-          <a:xfrm>
-            <a:off x="6945443" y="1613584"/>
-            <a:ext cx="3973643" cy="4741163"/>
-          </a:xfrm>
-        </p:spPr>
-        <p:txBody>
-          <a:bodyPr>
-            <a:normAutofit/>
-          </a:bodyPr>
-          <a:lstStyle/>
-          <a:p>
-            <a:pPr marL="0" indent="0" algn="ctr">
-              <a:buNone/>
-            </a:pPr>
-            <a:r>
-              <a:rPr lang="en-US" b="1">
-                <a:latin typeface="Sylfaen" panose="010A0502050306030303" pitchFamily="18" charset="0"/>
-              </a:rPr>
-              <a:t>HTTP response directive</a:t>
-            </a:r>
-          </a:p>
-          <a:p>
-            <a:pPr marL="0" indent="0" algn="ctr">
-              <a:buNone/>
-            </a:pPr>
-            <a:r>
-              <a:rPr lang="en-US">
-                <a:latin typeface="Sylfaen" panose="010A0502050306030303" pitchFamily="18" charset="0"/>
-              </a:rPr>
-              <a:t>public / private</a:t>
-            </a:r>
-          </a:p>
-          <a:p>
-            <a:pPr marL="0" indent="0" algn="ctr">
-              <a:buNone/>
-            </a:pPr>
-            <a:r>
-              <a:rPr lang="en-US">
-                <a:latin typeface="Sylfaen" panose="010A0502050306030303" pitchFamily="18" charset="0"/>
-              </a:rPr>
-              <a:t>no-cache</a:t>
-            </a:r>
-          </a:p>
-          <a:p>
-            <a:pPr marL="0" indent="0" algn="ctr">
-              <a:buFont typeface="Arial" panose="020B0604020202020204" pitchFamily="34" charset="0"/>
-              <a:buNone/>
-            </a:pPr>
-            <a:r>
-              <a:rPr lang="en-US">
-                <a:latin typeface="Sylfaen" panose="010A0502050306030303" pitchFamily="18" charset="0"/>
-              </a:rPr>
-              <a:t>no-store</a:t>
-            </a:r>
-          </a:p>
-          <a:p>
-            <a:pPr marL="0" indent="0" algn="ctr">
-              <a:buNone/>
-            </a:pPr>
-            <a:r>
-              <a:rPr lang="en-US">
-                <a:latin typeface="Sylfaen" panose="010A0502050306030303" pitchFamily="18" charset="0"/>
-              </a:rPr>
-              <a:t>no-transform</a:t>
-            </a:r>
-          </a:p>
-          <a:p>
-            <a:pPr marL="0" indent="0" algn="ctr">
-              <a:buFont typeface="Arial" panose="020B0604020202020204" pitchFamily="34" charset="0"/>
-              <a:buNone/>
-            </a:pPr>
-            <a:r>
-              <a:rPr lang="en-US">
-                <a:latin typeface="Sylfaen" panose="010A0502050306030303" pitchFamily="18" charset="0"/>
-              </a:rPr>
-              <a:t>must-revalidate</a:t>
-            </a:r>
-          </a:p>
-          <a:p>
-            <a:pPr marL="0" indent="0" algn="ctr">
-              <a:buNone/>
-            </a:pPr>
-            <a:r>
-              <a:rPr lang="en-US">
-                <a:latin typeface="Sylfaen" panose="010A0502050306030303" pitchFamily="18" charset="0"/>
-              </a:rPr>
-              <a:t>proxy-revalidate</a:t>
-            </a:r>
-          </a:p>
-          <a:p>
-            <a:pPr marL="0" indent="0" algn="ctr">
-              <a:buNone/>
-            </a:pPr>
-            <a:r>
-              <a:rPr lang="en-US">
-                <a:latin typeface="Sylfaen" panose="010A0502050306030303" pitchFamily="18" charset="0"/>
-              </a:rPr>
-              <a:t>max-age = seconds</a:t>
-            </a:r>
-          </a:p>
-          <a:p>
-            <a:pPr marL="0" indent="0" algn="ctr">
-              <a:buNone/>
-            </a:pPr>
-            <a:r>
-              <a:rPr lang="en-US">
-                <a:latin typeface="Sylfaen" panose="010A0502050306030303" pitchFamily="18" charset="0"/>
-              </a:rPr>
-              <a:t>S-maxage = seconds</a:t>
-            </a:r>
-          </a:p>
-          <a:p>
-            <a:pPr marL="0" indent="0" algn="ctr">
-              <a:buNone/>
-            </a:pPr>
-            <a:endParaRPr lang="en-US">
-              <a:latin typeface="Sylfaen" panose="010A0502050306030303" pitchFamily="18" charset="0"/>
-            </a:endParaRPr>
-          </a:p>
-          <a:p>
-            <a:pPr marL="0" indent="0" algn="ctr">
-              <a:buFont typeface="Arial" panose="020B0604020202020204" pitchFamily="34" charset="0"/>
-              <a:buNone/>
-            </a:pPr>
-            <a:endParaRPr lang="en-US">
-              <a:latin typeface="Sylfaen" panose="010A0502050306030303" pitchFamily="18" charset="0"/>
-            </a:endParaRPr>
-          </a:p>
-        </p:txBody>
-      </p:sp>
-      <p:cxnSp>
-        <p:nvCxnSpPr>
-          <p:cNvPr id="4" name="Straight Connector 3">
-            <a:extLst>
-              <a:ext uri="{FF2B5EF4-FFF2-40B4-BE49-F238E27FC236}">
-                <a16:creationId xmlns:a16="http://schemas.microsoft.com/office/drawing/2014/main" id="{ADB733DA-D323-4961-96D6-579C07DCFA92}"/>
-              </a:ext>
-            </a:extLst>
-          </p:cNvPr>
-          <p:cNvCxnSpPr>
-            <a:cxnSpLocks/>
-          </p:cNvCxnSpPr>
-          <p:nvPr/>
-        </p:nvCxnSpPr>
-        <p:spPr>
-          <a:xfrm>
-            <a:off x="569235" y="989512"/>
-            <a:ext cx="11053530" cy="0"/>
-          </a:xfrm>
-          <a:prstGeom prst="line">
-            <a:avLst/>
-          </a:prstGeom>
-        </p:spPr>
-        <p:style>
-          <a:lnRef idx="3">
-            <a:schemeClr val="accent1"/>
-          </a:lnRef>
-          <a:fillRef idx="0">
-            <a:schemeClr val="accent1"/>
-          </a:fillRef>
-          <a:effectRef idx="2">
-            <a:schemeClr val="accent1"/>
-          </a:effectRef>
-          <a:fontRef idx="minor">
-            <a:schemeClr val="tx1"/>
-          </a:fontRef>
-        </p:style>
-      </p:cxnSp>
-      <p:sp>
-        <p:nvSpPr>
-          <p:cNvPr id="6" name="Content Placeholder 2">
-            <a:extLst>
-              <a:ext uri="{FF2B5EF4-FFF2-40B4-BE49-F238E27FC236}">
-                <a16:creationId xmlns:a16="http://schemas.microsoft.com/office/drawing/2014/main" id="{8D332C6C-CE06-47A4-927F-CC5CE9F24F41}"/>
-              </a:ext>
-            </a:extLst>
-          </p:cNvPr>
-          <p:cNvSpPr txBox="1">
-            <a:spLocks/>
-          </p:cNvSpPr>
-          <p:nvPr/>
-        </p:nvSpPr>
-        <p:spPr>
-          <a:xfrm>
-            <a:off x="1272914" y="1613584"/>
-            <a:ext cx="3973643" cy="4242218"/>
-          </a:xfrm>
-          <a:prstGeom prst="rect">
-            <a:avLst/>
-          </a:prstGeom>
-        </p:spPr>
-        <p:txBody>
-          <a:bodyPr vert="horz" lIns="91440" tIns="45720" rIns="91440" bIns="45720" rtlCol="0">
-            <a:normAutofit/>
-          </a:bodyPr>
-          <a:lstStyle>
-            <a:lvl1pPr marL="228600" indent="-228600" algn="l" defTabSz="914400" rtl="0" eaLnBrk="1" latinLnBrk="0" hangingPunct="1">
-              <a:lnSpc>
-                <a:spcPct val="90000"/>
-              </a:lnSpc>
-              <a:spcBef>
-                <a:spcPts val="1000"/>
-              </a:spcBef>
-              <a:buFont typeface="Arial" panose="020B0604020202020204" pitchFamily="34" charset="0"/>
-              <a:buChar char="•"/>
-              <a:defRPr sz="2800" kern="1200">
-                <a:solidFill>
-                  <a:schemeClr val="tx1"/>
-                </a:solidFill>
-                <a:latin typeface="+mn-lt"/>
-                <a:ea typeface="+mn-ea"/>
-                <a:cs typeface="+mn-cs"/>
-              </a:defRPr>
-            </a:lvl1pPr>
-            <a:lvl2pPr marL="685800" indent="-228600" algn="l" defTabSz="914400" rtl="0" eaLnBrk="1" latinLnBrk="0" hangingPunct="1">
-              <a:lnSpc>
-                <a:spcPct val="90000"/>
-              </a:lnSpc>
-              <a:spcBef>
-                <a:spcPts val="500"/>
-              </a:spcBef>
-              <a:buFont typeface="Arial" panose="020B0604020202020204" pitchFamily="34" charset="0"/>
-              <a:buChar char="•"/>
-              <a:defRPr sz="2400" kern="1200">
-                <a:solidFill>
-                  <a:schemeClr val="tx1"/>
-                </a:solidFill>
-                <a:latin typeface="+mn-lt"/>
-                <a:ea typeface="+mn-ea"/>
-                <a:cs typeface="+mn-cs"/>
-              </a:defRPr>
-            </a:lvl2pPr>
-            <a:lvl3pPr marL="1143000" indent="-228600" algn="l" defTabSz="914400" rtl="0" eaLnBrk="1" latinLnBrk="0" hangingPunct="1">
-              <a:lnSpc>
-                <a:spcPct val="90000"/>
-              </a:lnSpc>
-              <a:spcBef>
-                <a:spcPts val="500"/>
-              </a:spcBef>
-              <a:buFont typeface="Arial" panose="020B0604020202020204" pitchFamily="34" charset="0"/>
-              <a:buChar char="•"/>
-              <a:defRPr sz="2000" kern="1200">
-                <a:solidFill>
-                  <a:schemeClr val="tx1"/>
-                </a:solidFill>
-                <a:latin typeface="+mn-lt"/>
-                <a:ea typeface="+mn-ea"/>
-                <a:cs typeface="+mn-cs"/>
-              </a:defRPr>
-            </a:lvl3pPr>
-            <a:lvl4pPr marL="1600200" indent="-228600" algn="l" defTabSz="914400" rtl="0" eaLnBrk="1" latinLnBrk="0" hangingPunct="1">
-              <a:lnSpc>
-                <a:spcPct val="90000"/>
-              </a:lnSpc>
-              <a:spcBef>
-                <a:spcPts val="500"/>
-              </a:spcBef>
-              <a:buFont typeface="Arial" panose="020B0604020202020204" pitchFamily="34" charset="0"/>
-              <a:buChar char="•"/>
-              <a:defRPr sz="1800" kern="1200">
-                <a:solidFill>
-                  <a:schemeClr val="tx1"/>
-                </a:solidFill>
-                <a:latin typeface="+mn-lt"/>
-                <a:ea typeface="+mn-ea"/>
-                <a:cs typeface="+mn-cs"/>
-              </a:defRPr>
-            </a:lvl4pPr>
-            <a:lvl5pPr marL="2057400" indent="-228600" algn="l" defTabSz="914400" rtl="0" eaLnBrk="1" latinLnBrk="0" hangingPunct="1">
-              <a:lnSpc>
-                <a:spcPct val="90000"/>
-              </a:lnSpc>
-              <a:spcBef>
-                <a:spcPts val="500"/>
-              </a:spcBef>
-              <a:buFont typeface="Arial" panose="020B0604020202020204" pitchFamily="34" charset="0"/>
-              <a:buChar char="•"/>
-              <a:defRPr sz="1800" kern="1200">
-                <a:solidFill>
-                  <a:schemeClr val="tx1"/>
-                </a:solidFill>
-                <a:latin typeface="+mn-lt"/>
-                <a:ea typeface="+mn-ea"/>
-                <a:cs typeface="+mn-cs"/>
-              </a:defRPr>
-            </a:lvl5pPr>
-            <a:lvl6pPr marL="2514600" indent="-228600" algn="l" defTabSz="914400" rtl="0" eaLnBrk="1" latinLnBrk="0" hangingPunct="1">
-              <a:lnSpc>
-                <a:spcPct val="90000"/>
-              </a:lnSpc>
-              <a:spcBef>
-                <a:spcPts val="500"/>
-              </a:spcBef>
-              <a:buFont typeface="Arial" panose="020B0604020202020204" pitchFamily="34" charset="0"/>
-              <a:buChar char="•"/>
-              <a:defRPr sz="1800" kern="1200">
-                <a:solidFill>
-                  <a:schemeClr val="tx1"/>
-                </a:solidFill>
-                <a:latin typeface="+mn-lt"/>
-                <a:ea typeface="+mn-ea"/>
-                <a:cs typeface="+mn-cs"/>
-              </a:defRPr>
-            </a:lvl6pPr>
-            <a:lvl7pPr marL="2971800" indent="-228600" algn="l" defTabSz="914400" rtl="0" eaLnBrk="1" latinLnBrk="0" hangingPunct="1">
-              <a:lnSpc>
-                <a:spcPct val="90000"/>
-              </a:lnSpc>
-              <a:spcBef>
-                <a:spcPts val="500"/>
-              </a:spcBef>
-              <a:buFont typeface="Arial" panose="020B0604020202020204" pitchFamily="34" charset="0"/>
-              <a:buChar char="•"/>
-              <a:defRPr sz="1800" kern="1200">
-                <a:solidFill>
-                  <a:schemeClr val="tx1"/>
-                </a:solidFill>
-                <a:latin typeface="+mn-lt"/>
-                <a:ea typeface="+mn-ea"/>
-                <a:cs typeface="+mn-cs"/>
-              </a:defRPr>
-            </a:lvl7pPr>
-            <a:lvl8pPr marL="3429000" indent="-228600" algn="l" defTabSz="914400" rtl="0" eaLnBrk="1" latinLnBrk="0" hangingPunct="1">
-              <a:lnSpc>
-                <a:spcPct val="90000"/>
-              </a:lnSpc>
-              <a:spcBef>
-                <a:spcPts val="500"/>
-              </a:spcBef>
-              <a:buFont typeface="Arial" panose="020B0604020202020204" pitchFamily="34" charset="0"/>
-              <a:buChar char="•"/>
-              <a:defRPr sz="1800" kern="1200">
-                <a:solidFill>
-                  <a:schemeClr val="tx1"/>
-                </a:solidFill>
-                <a:latin typeface="+mn-lt"/>
-                <a:ea typeface="+mn-ea"/>
-                <a:cs typeface="+mn-cs"/>
-              </a:defRPr>
-            </a:lvl8pPr>
-            <a:lvl9pPr marL="3886200" indent="-228600" algn="l" defTabSz="914400" rtl="0" eaLnBrk="1" latinLnBrk="0" hangingPunct="1">
-              <a:lnSpc>
-                <a:spcPct val="90000"/>
-              </a:lnSpc>
-              <a:spcBef>
-                <a:spcPts val="500"/>
-              </a:spcBef>
-              <a:buFont typeface="Arial" panose="020B0604020202020204" pitchFamily="34" charset="0"/>
-              <a:buChar char="•"/>
-              <a:defRPr sz="1800" kern="1200">
-                <a:solidFill>
-                  <a:schemeClr val="tx1"/>
-                </a:solidFill>
-                <a:latin typeface="+mn-lt"/>
-                <a:ea typeface="+mn-ea"/>
-                <a:cs typeface="+mn-cs"/>
-              </a:defRPr>
-            </a:lvl9pPr>
-          </a:lstStyle>
-          <a:p>
-            <a:pPr marL="0" indent="0" algn="ctr">
-              <a:buFont typeface="Arial" panose="020B0604020202020204" pitchFamily="34" charset="0"/>
-              <a:buNone/>
-            </a:pPr>
-            <a:r>
-              <a:rPr lang="en-US" b="1">
-                <a:latin typeface="Sylfaen" panose="010A0502050306030303" pitchFamily="18" charset="0"/>
-              </a:rPr>
-              <a:t>HTTP request directive</a:t>
-            </a:r>
-          </a:p>
-          <a:p>
-            <a:pPr marL="0" indent="0" algn="ctr">
-              <a:buFont typeface="Arial" panose="020B0604020202020204" pitchFamily="34" charset="0"/>
-              <a:buNone/>
-            </a:pPr>
-            <a:r>
-              <a:rPr lang="en-US">
-                <a:latin typeface="Sylfaen" panose="010A0502050306030303" pitchFamily="18" charset="0"/>
-              </a:rPr>
-              <a:t>no-cache</a:t>
-            </a:r>
-          </a:p>
-          <a:p>
-            <a:pPr marL="0" indent="0" algn="ctr">
-              <a:buFont typeface="Arial" panose="020B0604020202020204" pitchFamily="34" charset="0"/>
-              <a:buNone/>
-            </a:pPr>
-            <a:r>
-              <a:rPr lang="en-US">
-                <a:latin typeface="Sylfaen" panose="010A0502050306030303" pitchFamily="18" charset="0"/>
-              </a:rPr>
-              <a:t>no-store</a:t>
-            </a:r>
-          </a:p>
-          <a:p>
-            <a:pPr marL="0" indent="0" algn="ctr">
-              <a:buFont typeface="Arial" panose="020B0604020202020204" pitchFamily="34" charset="0"/>
-              <a:buNone/>
-            </a:pPr>
-            <a:r>
-              <a:rPr lang="en-US">
-                <a:latin typeface="Sylfaen" panose="010A0502050306030303" pitchFamily="18" charset="0"/>
-              </a:rPr>
-              <a:t>max-age = seconds</a:t>
-            </a:r>
-          </a:p>
-          <a:p>
-            <a:pPr marL="0" indent="0" algn="ctr">
-              <a:buFont typeface="Arial" panose="020B0604020202020204" pitchFamily="34" charset="0"/>
-              <a:buNone/>
-            </a:pPr>
-            <a:r>
-              <a:rPr lang="en-US">
-                <a:latin typeface="Sylfaen" panose="010A0502050306030303" pitchFamily="18" charset="0"/>
-              </a:rPr>
-              <a:t>max-stale [=seconds]</a:t>
-            </a:r>
-          </a:p>
-          <a:p>
-            <a:pPr marL="0" indent="0" algn="ctr">
-              <a:buFont typeface="Arial" panose="020B0604020202020204" pitchFamily="34" charset="0"/>
-              <a:buNone/>
-            </a:pPr>
-            <a:r>
-              <a:rPr lang="en-US">
-                <a:latin typeface="Sylfaen" panose="010A0502050306030303" pitchFamily="18" charset="0"/>
-              </a:rPr>
-              <a:t>min-fresh = sconds</a:t>
-            </a:r>
-          </a:p>
-          <a:p>
-            <a:pPr marL="0" indent="0" algn="ctr">
-              <a:buFont typeface="Arial" panose="020B0604020202020204" pitchFamily="34" charset="0"/>
-              <a:buNone/>
-            </a:pPr>
-            <a:r>
-              <a:rPr lang="en-US">
-                <a:latin typeface="Sylfaen" panose="010A0502050306030303" pitchFamily="18" charset="0"/>
-              </a:rPr>
-              <a:t>no-transform</a:t>
-            </a:r>
-          </a:p>
-          <a:p>
-            <a:pPr marL="0" indent="0" algn="ctr">
-              <a:buFont typeface="Arial" panose="020B0604020202020204" pitchFamily="34" charset="0"/>
-              <a:buNone/>
-            </a:pPr>
-            <a:r>
-              <a:rPr lang="en-US">
-                <a:latin typeface="Sylfaen" panose="010A0502050306030303" pitchFamily="18" charset="0"/>
-              </a:rPr>
-              <a:t>only-if-cached</a:t>
-            </a:r>
-          </a:p>
-          <a:p>
-            <a:pPr marL="0" indent="0" algn="ctr">
-              <a:buFont typeface="Arial" panose="020B0604020202020204" pitchFamily="34" charset="0"/>
-              <a:buNone/>
-            </a:pPr>
-            <a:endParaRPr lang="en-US"/>
-          </a:p>
-        </p:txBody>
-      </p:sp>
-    </p:spTree>
-    <p:extLst>
-      <p:ext uri="{BB962C8B-B14F-4D97-AF65-F5344CB8AC3E}">
-        <p14:creationId xmlns:p14="http://schemas.microsoft.com/office/powerpoint/2010/main" val="1142179341"/>
-      </p:ext>
-    </p:extLst>
-  </p:cSld>
-  <p:clrMapOvr>
-    <a:masterClrMapping/>
-  </p:clrMapOvr>
-</p:sld>
-</file>
-
-<file path=ppt/slides/slide33.xml><?xml version="1.0" encoding="utf-8"?>
-<p:sld xmlns:a="http://schemas.openxmlformats.org/drawingml/2006/main" xmlns:r="http://schemas.openxmlformats.org/officeDocument/2006/relationships" xmlns:p="http://schemas.openxmlformats.org/presentationml/2006/main">
-  <p:cSld>
-    <p:spTree>
-      <p:nvGrpSpPr>
-        <p:cNvPr id="1" name=""/>
-        <p:cNvGrpSpPr/>
-        <p:nvPr/>
-      </p:nvGrpSpPr>
-      <p:grpSpPr>
-        <a:xfrm>
-          <a:off x="0" y="0"/>
-          <a:ext cx="0" cy="0"/>
-          <a:chOff x="0" y="0"/>
-          <a:chExt cx="0" cy="0"/>
-        </a:xfrm>
-      </p:grpSpPr>
-      <p:sp>
-        <p:nvSpPr>
-          <p:cNvPr id="2" name="Title 1">
-            <a:extLst>
-              <a:ext uri="{FF2B5EF4-FFF2-40B4-BE49-F238E27FC236}">
-                <a16:creationId xmlns:a16="http://schemas.microsoft.com/office/drawing/2014/main" id="{7F29CC9F-5ED1-44E5-AC0D-FC32EC4529DD}"/>
-              </a:ext>
-            </a:extLst>
-          </p:cNvPr>
-          <p:cNvSpPr>
-            <a:spLocks noGrp="1"/>
-          </p:cNvSpPr>
-          <p:nvPr>
-            <p:ph type="title"/>
-          </p:nvPr>
-        </p:nvSpPr>
-        <p:spPr>
-          <a:xfrm>
-            <a:off x="838200" y="0"/>
-            <a:ext cx="10515600" cy="1325563"/>
-          </a:xfrm>
-        </p:spPr>
-        <p:txBody>
-          <a:bodyPr/>
-          <a:lstStyle/>
-          <a:p>
-            <a:pPr algn="ctr"/>
-            <a:r>
-              <a:rPr lang="en-US">
-                <a:latin typeface="Sylfaen" panose="010A0502050306030303" pitchFamily="18" charset="0"/>
-              </a:rPr>
-              <a:t>URL Encoding</a:t>
-            </a:r>
-            <a:endParaRPr lang="en-US"/>
-          </a:p>
-        </p:txBody>
-      </p:sp>
-      <p:sp>
-        <p:nvSpPr>
-          <p:cNvPr id="3" name="Content Placeholder 2">
-            <a:extLst>
-              <a:ext uri="{FF2B5EF4-FFF2-40B4-BE49-F238E27FC236}">
-                <a16:creationId xmlns:a16="http://schemas.microsoft.com/office/drawing/2014/main" id="{6CBF3C7C-37FA-4A16-8D05-3BAB364D642C}"/>
-              </a:ext>
-            </a:extLst>
-          </p:cNvPr>
-          <p:cNvSpPr>
-            <a:spLocks noGrp="1"/>
-          </p:cNvSpPr>
-          <p:nvPr>
-            <p:ph idx="1"/>
-          </p:nvPr>
-        </p:nvSpPr>
-        <p:spPr>
-          <a:xfrm>
-            <a:off x="7373912" y="1780654"/>
-            <a:ext cx="2789420" cy="4351338"/>
-          </a:xfrm>
-        </p:spPr>
-        <p:txBody>
-          <a:bodyPr/>
-          <a:lstStyle/>
-          <a:p>
-            <a:pPr marL="0" indent="0">
-              <a:lnSpc>
-                <a:spcPct val="200000"/>
-              </a:lnSpc>
-              <a:buNone/>
-            </a:pPr>
-            <a:r>
-              <a:rPr lang="en-US">
-                <a:latin typeface="Sylfaen" panose="010A0502050306030303" pitchFamily="18" charset="0"/>
-              </a:rPr>
-              <a:t>{     </a:t>
-            </a:r>
-            <a:r>
-              <a:rPr lang="en-US">
-                <a:latin typeface="Sylfaen" panose="010A0502050306030303" pitchFamily="18" charset="0"/>
-                <a:sym typeface="Wingdings" panose="05000000000000000000" pitchFamily="2" charset="2"/>
-              </a:rPr>
-              <a:t>     </a:t>
-            </a:r>
-            <a:r>
-              <a:rPr lang="en-US">
-                <a:latin typeface="Sylfaen" panose="010A0502050306030303" pitchFamily="18" charset="0"/>
-              </a:rPr>
-              <a:t>%7B</a:t>
-            </a:r>
-          </a:p>
-          <a:p>
-            <a:pPr marL="0" indent="0">
-              <a:lnSpc>
-                <a:spcPct val="200000"/>
-              </a:lnSpc>
-              <a:buNone/>
-            </a:pPr>
-            <a:r>
-              <a:rPr lang="en-US">
-                <a:latin typeface="Sylfaen" panose="010A0502050306030303" pitchFamily="18" charset="0"/>
-              </a:rPr>
-              <a:t>|     </a:t>
-            </a:r>
-            <a:r>
-              <a:rPr lang="en-US">
-                <a:latin typeface="Sylfaen" panose="010A0502050306030303" pitchFamily="18" charset="0"/>
-                <a:sym typeface="Wingdings" panose="05000000000000000000" pitchFamily="2" charset="2"/>
-              </a:rPr>
-              <a:t>     </a:t>
-            </a:r>
-            <a:r>
-              <a:rPr lang="en-US">
-                <a:latin typeface="Sylfaen" panose="010A0502050306030303" pitchFamily="18" charset="0"/>
-              </a:rPr>
-              <a:t>%7C</a:t>
-            </a:r>
-          </a:p>
-          <a:p>
-            <a:pPr marL="0" indent="0">
-              <a:lnSpc>
-                <a:spcPct val="200000"/>
-              </a:lnSpc>
-              <a:buNone/>
-            </a:pPr>
-            <a:r>
-              <a:rPr lang="en-US">
-                <a:latin typeface="Sylfaen" panose="010A0502050306030303" pitchFamily="18" charset="0"/>
-              </a:rPr>
-              <a:t>}     </a:t>
-            </a:r>
-            <a:r>
-              <a:rPr lang="en-US">
-                <a:latin typeface="Sylfaen" panose="010A0502050306030303" pitchFamily="18" charset="0"/>
-                <a:sym typeface="Wingdings" panose="05000000000000000000" pitchFamily="2" charset="2"/>
-              </a:rPr>
-              <a:t>     </a:t>
-            </a:r>
-            <a:r>
-              <a:rPr lang="en-US">
-                <a:latin typeface="Sylfaen" panose="010A0502050306030303" pitchFamily="18" charset="0"/>
-              </a:rPr>
-              <a:t>%7D</a:t>
-            </a:r>
-          </a:p>
-          <a:p>
-            <a:pPr marL="0" indent="0">
-              <a:lnSpc>
-                <a:spcPct val="200000"/>
-              </a:lnSpc>
-              <a:buNone/>
-            </a:pPr>
-            <a:r>
-              <a:rPr lang="en-US">
-                <a:latin typeface="Sylfaen" panose="010A0502050306030303" pitchFamily="18" charset="0"/>
-              </a:rPr>
-              <a:t>~     </a:t>
-            </a:r>
-            <a:r>
-              <a:rPr lang="en-US">
-                <a:latin typeface="Sylfaen" panose="010A0502050306030303" pitchFamily="18" charset="0"/>
-                <a:sym typeface="Wingdings" panose="05000000000000000000" pitchFamily="2" charset="2"/>
-              </a:rPr>
-              <a:t>     </a:t>
-            </a:r>
-            <a:r>
-              <a:rPr lang="en-US">
-                <a:latin typeface="Sylfaen" panose="010A0502050306030303" pitchFamily="18" charset="0"/>
-              </a:rPr>
-              <a:t>%7D</a:t>
-            </a:r>
-          </a:p>
-          <a:p>
-            <a:pPr marL="0" indent="0">
-              <a:buNone/>
-            </a:pPr>
-            <a:endParaRPr lang="en-US">
-              <a:latin typeface="Sylfaen" panose="010A0502050306030303" pitchFamily="18" charset="0"/>
-            </a:endParaRPr>
-          </a:p>
-          <a:p>
-            <a:pPr marL="0" indent="0">
-              <a:buNone/>
-            </a:pPr>
-            <a:endParaRPr lang="en-US">
-              <a:latin typeface="Sylfaen" panose="010A0502050306030303" pitchFamily="18" charset="0"/>
-            </a:endParaRPr>
-          </a:p>
-        </p:txBody>
-      </p:sp>
-      <p:cxnSp>
-        <p:nvCxnSpPr>
-          <p:cNvPr id="4" name="Straight Connector 3">
-            <a:extLst>
-              <a:ext uri="{FF2B5EF4-FFF2-40B4-BE49-F238E27FC236}">
-                <a16:creationId xmlns:a16="http://schemas.microsoft.com/office/drawing/2014/main" id="{7A10B049-CE78-45DD-ABCA-025F196E6404}"/>
-              </a:ext>
-            </a:extLst>
-          </p:cNvPr>
-          <p:cNvCxnSpPr>
-            <a:cxnSpLocks/>
-          </p:cNvCxnSpPr>
-          <p:nvPr/>
-        </p:nvCxnSpPr>
-        <p:spPr>
-          <a:xfrm>
-            <a:off x="569235" y="1079453"/>
-            <a:ext cx="11053530" cy="0"/>
-          </a:xfrm>
-          <a:prstGeom prst="line">
-            <a:avLst/>
-          </a:prstGeom>
-        </p:spPr>
-        <p:style>
-          <a:lnRef idx="3">
-            <a:schemeClr val="accent1"/>
-          </a:lnRef>
-          <a:fillRef idx="0">
-            <a:schemeClr val="accent1"/>
-          </a:fillRef>
-          <a:effectRef idx="2">
-            <a:schemeClr val="accent1"/>
-          </a:effectRef>
-          <a:fontRef idx="minor">
-            <a:schemeClr val="tx1"/>
-          </a:fontRef>
-        </p:style>
-      </p:cxnSp>
-      <p:sp>
-        <p:nvSpPr>
-          <p:cNvPr id="5" name="Content Placeholder 2">
-            <a:extLst>
-              <a:ext uri="{FF2B5EF4-FFF2-40B4-BE49-F238E27FC236}">
-                <a16:creationId xmlns:a16="http://schemas.microsoft.com/office/drawing/2014/main" id="{7FD96FCD-5E9A-4D3A-8E90-819A8C12C104}"/>
-              </a:ext>
-            </a:extLst>
-          </p:cNvPr>
-          <p:cNvSpPr txBox="1">
-            <a:spLocks/>
-          </p:cNvSpPr>
-          <p:nvPr/>
-        </p:nvSpPr>
-        <p:spPr>
-          <a:xfrm>
-            <a:off x="2028668" y="1780654"/>
-            <a:ext cx="2789420" cy="4351338"/>
-          </a:xfrm>
-          <a:prstGeom prst="rect">
-            <a:avLst/>
-          </a:prstGeom>
-        </p:spPr>
-        <p:txBody>
-          <a:bodyPr vert="horz" lIns="91440" tIns="45720" rIns="91440" bIns="45720" rtlCol="0">
-            <a:normAutofit/>
-          </a:bodyPr>
-          <a:lstStyle>
-            <a:lvl1pPr marL="228600" indent="-228600" algn="l" defTabSz="914400" rtl="0" eaLnBrk="1" latinLnBrk="0" hangingPunct="1">
-              <a:lnSpc>
-                <a:spcPct val="90000"/>
-              </a:lnSpc>
-              <a:spcBef>
-                <a:spcPts val="1000"/>
-              </a:spcBef>
-              <a:buFont typeface="Arial" panose="020B0604020202020204" pitchFamily="34" charset="0"/>
-              <a:buChar char="•"/>
-              <a:defRPr sz="2800" kern="1200">
-                <a:solidFill>
-                  <a:schemeClr val="tx1"/>
-                </a:solidFill>
-                <a:latin typeface="+mn-lt"/>
-                <a:ea typeface="+mn-ea"/>
-                <a:cs typeface="+mn-cs"/>
-              </a:defRPr>
-            </a:lvl1pPr>
-            <a:lvl2pPr marL="685800" indent="-228600" algn="l" defTabSz="914400" rtl="0" eaLnBrk="1" latinLnBrk="0" hangingPunct="1">
-              <a:lnSpc>
-                <a:spcPct val="90000"/>
-              </a:lnSpc>
-              <a:spcBef>
-                <a:spcPts val="500"/>
-              </a:spcBef>
-              <a:buFont typeface="Arial" panose="020B0604020202020204" pitchFamily="34" charset="0"/>
-              <a:buChar char="•"/>
-              <a:defRPr sz="2400" kern="1200">
-                <a:solidFill>
-                  <a:schemeClr val="tx1"/>
-                </a:solidFill>
-                <a:latin typeface="+mn-lt"/>
-                <a:ea typeface="+mn-ea"/>
-                <a:cs typeface="+mn-cs"/>
-              </a:defRPr>
-            </a:lvl2pPr>
-            <a:lvl3pPr marL="1143000" indent="-228600" algn="l" defTabSz="914400" rtl="0" eaLnBrk="1" latinLnBrk="0" hangingPunct="1">
-              <a:lnSpc>
-                <a:spcPct val="90000"/>
-              </a:lnSpc>
-              <a:spcBef>
-                <a:spcPts val="500"/>
-              </a:spcBef>
-              <a:buFont typeface="Arial" panose="020B0604020202020204" pitchFamily="34" charset="0"/>
-              <a:buChar char="•"/>
-              <a:defRPr sz="2000" kern="1200">
-                <a:solidFill>
-                  <a:schemeClr val="tx1"/>
-                </a:solidFill>
-                <a:latin typeface="+mn-lt"/>
-                <a:ea typeface="+mn-ea"/>
-                <a:cs typeface="+mn-cs"/>
-              </a:defRPr>
-            </a:lvl3pPr>
-            <a:lvl4pPr marL="1600200" indent="-228600" algn="l" defTabSz="914400" rtl="0" eaLnBrk="1" latinLnBrk="0" hangingPunct="1">
-              <a:lnSpc>
-                <a:spcPct val="90000"/>
-              </a:lnSpc>
-              <a:spcBef>
-                <a:spcPts val="500"/>
-              </a:spcBef>
-              <a:buFont typeface="Arial" panose="020B0604020202020204" pitchFamily="34" charset="0"/>
-              <a:buChar char="•"/>
-              <a:defRPr sz="1800" kern="1200">
-                <a:solidFill>
-                  <a:schemeClr val="tx1"/>
-                </a:solidFill>
-                <a:latin typeface="+mn-lt"/>
-                <a:ea typeface="+mn-ea"/>
-                <a:cs typeface="+mn-cs"/>
-              </a:defRPr>
-            </a:lvl4pPr>
-            <a:lvl5pPr marL="2057400" indent="-228600" algn="l" defTabSz="914400" rtl="0" eaLnBrk="1" latinLnBrk="0" hangingPunct="1">
-              <a:lnSpc>
-                <a:spcPct val="90000"/>
-              </a:lnSpc>
-              <a:spcBef>
-                <a:spcPts val="500"/>
-              </a:spcBef>
-              <a:buFont typeface="Arial" panose="020B0604020202020204" pitchFamily="34" charset="0"/>
-              <a:buChar char="•"/>
-              <a:defRPr sz="1800" kern="1200">
-                <a:solidFill>
-                  <a:schemeClr val="tx1"/>
-                </a:solidFill>
-                <a:latin typeface="+mn-lt"/>
-                <a:ea typeface="+mn-ea"/>
-                <a:cs typeface="+mn-cs"/>
-              </a:defRPr>
-            </a:lvl5pPr>
-            <a:lvl6pPr marL="2514600" indent="-228600" algn="l" defTabSz="914400" rtl="0" eaLnBrk="1" latinLnBrk="0" hangingPunct="1">
-              <a:lnSpc>
-                <a:spcPct val="90000"/>
-              </a:lnSpc>
-              <a:spcBef>
-                <a:spcPts val="500"/>
-              </a:spcBef>
-              <a:buFont typeface="Arial" panose="020B0604020202020204" pitchFamily="34" charset="0"/>
-              <a:buChar char="•"/>
-              <a:defRPr sz="1800" kern="1200">
-                <a:solidFill>
-                  <a:schemeClr val="tx1"/>
-                </a:solidFill>
-                <a:latin typeface="+mn-lt"/>
-                <a:ea typeface="+mn-ea"/>
-                <a:cs typeface="+mn-cs"/>
-              </a:defRPr>
-            </a:lvl6pPr>
-            <a:lvl7pPr marL="2971800" indent="-228600" algn="l" defTabSz="914400" rtl="0" eaLnBrk="1" latinLnBrk="0" hangingPunct="1">
-              <a:lnSpc>
-                <a:spcPct val="90000"/>
-              </a:lnSpc>
-              <a:spcBef>
-                <a:spcPts val="500"/>
-              </a:spcBef>
-              <a:buFont typeface="Arial" panose="020B0604020202020204" pitchFamily="34" charset="0"/>
-              <a:buChar char="•"/>
-              <a:defRPr sz="1800" kern="1200">
-                <a:solidFill>
-                  <a:schemeClr val="tx1"/>
-                </a:solidFill>
-                <a:latin typeface="+mn-lt"/>
-                <a:ea typeface="+mn-ea"/>
-                <a:cs typeface="+mn-cs"/>
-              </a:defRPr>
-            </a:lvl7pPr>
-            <a:lvl8pPr marL="3429000" indent="-228600" algn="l" defTabSz="914400" rtl="0" eaLnBrk="1" latinLnBrk="0" hangingPunct="1">
-              <a:lnSpc>
-                <a:spcPct val="90000"/>
-              </a:lnSpc>
-              <a:spcBef>
-                <a:spcPts val="500"/>
-              </a:spcBef>
-              <a:buFont typeface="Arial" panose="020B0604020202020204" pitchFamily="34" charset="0"/>
-              <a:buChar char="•"/>
-              <a:defRPr sz="1800" kern="1200">
-                <a:solidFill>
-                  <a:schemeClr val="tx1"/>
-                </a:solidFill>
-                <a:latin typeface="+mn-lt"/>
-                <a:ea typeface="+mn-ea"/>
-                <a:cs typeface="+mn-cs"/>
-              </a:defRPr>
-            </a:lvl8pPr>
-            <a:lvl9pPr marL="3886200" indent="-228600" algn="l" defTabSz="914400" rtl="0" eaLnBrk="1" latinLnBrk="0" hangingPunct="1">
-              <a:lnSpc>
-                <a:spcPct val="90000"/>
-              </a:lnSpc>
-              <a:spcBef>
-                <a:spcPts val="500"/>
-              </a:spcBef>
-              <a:buFont typeface="Arial" panose="020B0604020202020204" pitchFamily="34" charset="0"/>
-              <a:buChar char="•"/>
-              <a:defRPr sz="1800" kern="1200">
-                <a:solidFill>
-                  <a:schemeClr val="tx1"/>
-                </a:solidFill>
-                <a:latin typeface="+mn-lt"/>
-                <a:ea typeface="+mn-ea"/>
-                <a:cs typeface="+mn-cs"/>
-              </a:defRPr>
-            </a:lvl9pPr>
-          </a:lstStyle>
-          <a:p>
-            <a:pPr marL="0" indent="0">
-              <a:lnSpc>
-                <a:spcPct val="200000"/>
-              </a:lnSpc>
-              <a:buFont typeface="Arial" panose="020B0604020202020204" pitchFamily="34" charset="0"/>
-              <a:buNone/>
-            </a:pPr>
-            <a:r>
-              <a:rPr lang="en-US">
-                <a:latin typeface="Sylfaen" panose="010A0502050306030303" pitchFamily="18" charset="0"/>
-              </a:rPr>
-              <a:t>!     </a:t>
-            </a:r>
-            <a:r>
-              <a:rPr lang="en-US">
-                <a:latin typeface="Sylfaen" panose="010A0502050306030303" pitchFamily="18" charset="0"/>
-                <a:sym typeface="Wingdings" panose="05000000000000000000" pitchFamily="2" charset="2"/>
-              </a:rPr>
-              <a:t>     </a:t>
-            </a:r>
-            <a:r>
-              <a:rPr lang="en-US">
-                <a:latin typeface="Sylfaen" panose="010A0502050306030303" pitchFamily="18" charset="0"/>
-              </a:rPr>
-              <a:t>%21</a:t>
-            </a:r>
-          </a:p>
-          <a:p>
-            <a:pPr marL="0" indent="0">
-              <a:lnSpc>
-                <a:spcPct val="200000"/>
-              </a:lnSpc>
-              <a:buFont typeface="Arial" panose="020B0604020202020204" pitchFamily="34" charset="0"/>
-              <a:buNone/>
-            </a:pPr>
-            <a:r>
-              <a:rPr lang="en-US">
-                <a:latin typeface="Sylfaen" panose="010A0502050306030303" pitchFamily="18" charset="0"/>
-              </a:rPr>
-              <a:t>#     </a:t>
-            </a:r>
-            <a:r>
-              <a:rPr lang="en-US">
-                <a:latin typeface="Sylfaen" panose="010A0502050306030303" pitchFamily="18" charset="0"/>
-                <a:sym typeface="Wingdings" panose="05000000000000000000" pitchFamily="2" charset="2"/>
-              </a:rPr>
-              <a:t>     </a:t>
-            </a:r>
-            <a:r>
-              <a:rPr lang="en-US">
-                <a:latin typeface="Sylfaen" panose="010A0502050306030303" pitchFamily="18" charset="0"/>
-              </a:rPr>
-              <a:t>%23</a:t>
-            </a:r>
-          </a:p>
-          <a:p>
-            <a:pPr marL="0" indent="0">
-              <a:lnSpc>
-                <a:spcPct val="200000"/>
-              </a:lnSpc>
-              <a:buFont typeface="Arial" panose="020B0604020202020204" pitchFamily="34" charset="0"/>
-              <a:buNone/>
-            </a:pPr>
-            <a:r>
-              <a:rPr lang="en-US">
-                <a:latin typeface="Sylfaen" panose="010A0502050306030303" pitchFamily="18" charset="0"/>
-              </a:rPr>
-              <a:t>$     </a:t>
-            </a:r>
-            <a:r>
-              <a:rPr lang="en-US">
-                <a:latin typeface="Sylfaen" panose="010A0502050306030303" pitchFamily="18" charset="0"/>
-                <a:sym typeface="Wingdings" panose="05000000000000000000" pitchFamily="2" charset="2"/>
-              </a:rPr>
-              <a:t>     </a:t>
-            </a:r>
-            <a:r>
-              <a:rPr lang="en-US">
-                <a:latin typeface="Sylfaen" panose="010A0502050306030303" pitchFamily="18" charset="0"/>
-              </a:rPr>
-              <a:t>%24</a:t>
-            </a:r>
-          </a:p>
-          <a:p>
-            <a:pPr marL="0" indent="0">
-              <a:lnSpc>
-                <a:spcPct val="200000"/>
-              </a:lnSpc>
-              <a:buFont typeface="Arial" panose="020B0604020202020204" pitchFamily="34" charset="0"/>
-              <a:buNone/>
-            </a:pPr>
-            <a:r>
-              <a:rPr lang="en-US">
-                <a:latin typeface="Sylfaen" panose="010A0502050306030303" pitchFamily="18" charset="0"/>
-                <a:sym typeface="Wingdings" panose="05000000000000000000" pitchFamily="2" charset="2"/>
-              </a:rPr>
-              <a:t>&amp;         </a:t>
-            </a:r>
-            <a:r>
-              <a:rPr lang="en-US">
-                <a:latin typeface="Sylfaen" panose="010A0502050306030303" pitchFamily="18" charset="0"/>
-              </a:rPr>
-              <a:t>%26</a:t>
-            </a:r>
-          </a:p>
-          <a:p>
-            <a:pPr marL="0" indent="0">
-              <a:buFont typeface="Arial" panose="020B0604020202020204" pitchFamily="34" charset="0"/>
-              <a:buNone/>
-            </a:pPr>
-            <a:endParaRPr lang="en-US">
-              <a:latin typeface="Sylfaen" panose="010A0502050306030303" pitchFamily="18" charset="0"/>
-            </a:endParaRPr>
-          </a:p>
-          <a:p>
-            <a:pPr marL="0" indent="0">
-              <a:buFont typeface="Arial" panose="020B0604020202020204" pitchFamily="34" charset="0"/>
-              <a:buNone/>
-            </a:pPr>
-            <a:endParaRPr lang="en-US">
-              <a:latin typeface="Sylfaen" panose="010A0502050306030303" pitchFamily="18" charset="0"/>
-            </a:endParaRPr>
-          </a:p>
-        </p:txBody>
-      </p:sp>
-    </p:spTree>
-    <p:extLst>
-      <p:ext uri="{BB962C8B-B14F-4D97-AF65-F5344CB8AC3E}">
-        <p14:creationId xmlns:p14="http://schemas.microsoft.com/office/powerpoint/2010/main" val="1333610910"/>
-      </p:ext>
-    </p:extLst>
-  </p:cSld>
-  <p:clrMapOvr>
-    <a:masterClrMapping/>
-  </p:clrMapOvr>
-</p:sld>
-</file>
-
-<file path=ppt/slides/slide34.xml><?xml version="1.0" encoding="utf-8"?>
-<p:sld xmlns:a="http://schemas.openxmlformats.org/drawingml/2006/main" xmlns:r="http://schemas.openxmlformats.org/officeDocument/2006/relationships" xmlns:p="http://schemas.openxmlformats.org/presentationml/2006/main">
-  <p:cSld>
-    <p:spTree>
-      <p:nvGrpSpPr>
-        <p:cNvPr id="1" name=""/>
-        <p:cNvGrpSpPr/>
-        <p:nvPr/>
-      </p:nvGrpSpPr>
-      <p:grpSpPr>
-        <a:xfrm>
-          <a:off x="0" y="0"/>
-          <a:ext cx="0" cy="0"/>
-          <a:chOff x="0" y="0"/>
-          <a:chExt cx="0" cy="0"/>
-        </a:xfrm>
-      </p:grpSpPr>
-      <p:sp>
-        <p:nvSpPr>
-          <p:cNvPr id="2" name="Title 1">
-            <a:extLst>
-              <a:ext uri="{FF2B5EF4-FFF2-40B4-BE49-F238E27FC236}">
                 <a16:creationId xmlns:a16="http://schemas.microsoft.com/office/drawing/2014/main" id="{F65AC74C-D795-4170-A3BA-717017C90091}"/>
               </a:ext>
             </a:extLst>
@@ -11490,6 +11506,93 @@
     <p:extLst>
       <p:ext uri="{BB962C8B-B14F-4D97-AF65-F5344CB8AC3E}">
         <p14:creationId xmlns:p14="http://schemas.microsoft.com/office/powerpoint/2010/main" val="1200370157"/>
+      </p:ext>
+    </p:extLst>
+  </p:cSld>
+  <p:clrMapOvr>
+    <a:masterClrMapping/>
+  </p:clrMapOvr>
+</p:sld>
+</file>
+
+<file path=ppt/slides/slide31.xml><?xml version="1.0" encoding="utf-8"?>
+<p:sld xmlns:a="http://schemas.openxmlformats.org/drawingml/2006/main" xmlns:r="http://schemas.openxmlformats.org/officeDocument/2006/relationships" xmlns:p="http://schemas.openxmlformats.org/presentationml/2006/main">
+  <p:cSld>
+    <p:spTree>
+      <p:nvGrpSpPr>
+        <p:cNvPr id="1" name=""/>
+        <p:cNvGrpSpPr/>
+        <p:nvPr/>
+      </p:nvGrpSpPr>
+      <p:grpSpPr>
+        <a:xfrm>
+          <a:off x="0" y="0"/>
+          <a:ext cx="0" cy="0"/>
+          <a:chOff x="0" y="0"/>
+          <a:chExt cx="0" cy="0"/>
+        </a:xfrm>
+      </p:grpSpPr>
+      <p:sp>
+        <p:nvSpPr>
+          <p:cNvPr id="2" name="Title 1">
+            <a:extLst>
+              <a:ext uri="{FF2B5EF4-FFF2-40B4-BE49-F238E27FC236}">
+                <a16:creationId xmlns:a16="http://schemas.microsoft.com/office/drawing/2014/main" id="{DF9A6979-52A1-4B28-A1A6-35A5B6E9DDF2}"/>
+              </a:ext>
+            </a:extLst>
+          </p:cNvPr>
+          <p:cNvSpPr>
+            <a:spLocks noGrp="1"/>
+          </p:cNvSpPr>
+          <p:nvPr>
+            <p:ph type="title"/>
+          </p:nvPr>
+        </p:nvSpPr>
+        <p:spPr/>
+        <p:txBody>
+          <a:bodyPr/>
+          <a:lstStyle/>
+          <a:p>
+            <a:pPr algn="ctr"/>
+            <a:r>
+              <a:rPr lang="en-US">
+                <a:latin typeface="Sylfaen" panose="010A0502050306030303" pitchFamily="18" charset="0"/>
+              </a:rPr>
+              <a:t>HTTPS</a:t>
+            </a:r>
+            <a:endParaRPr lang="en-US"/>
+          </a:p>
+        </p:txBody>
+      </p:sp>
+      <p:sp>
+        <p:nvSpPr>
+          <p:cNvPr id="3" name="Content Placeholder 2">
+            <a:extLst>
+              <a:ext uri="{FF2B5EF4-FFF2-40B4-BE49-F238E27FC236}">
+                <a16:creationId xmlns:a16="http://schemas.microsoft.com/office/drawing/2014/main" id="{14EFF180-8030-4397-B245-F03274FEA3BB}"/>
+              </a:ext>
+            </a:extLst>
+          </p:cNvPr>
+          <p:cNvSpPr>
+            <a:spLocks noGrp="1"/>
+          </p:cNvSpPr>
+          <p:nvPr>
+            <p:ph idx="1"/>
+          </p:nvPr>
+        </p:nvSpPr>
+        <p:spPr/>
+        <p:txBody>
+          <a:bodyPr/>
+          <a:lstStyle/>
+          <a:p>
+            <a:endParaRPr lang="en-US"/>
+          </a:p>
+        </p:txBody>
+      </p:sp>
+    </p:spTree>
+    <p:extLst>
+      <p:ext uri="{BB962C8B-B14F-4D97-AF65-F5344CB8AC3E}">
+        <p14:creationId xmlns:p14="http://schemas.microsoft.com/office/powerpoint/2010/main" val="356244803"/>
       </p:ext>
     </p:extLst>
   </p:cSld>

--- a/Http/Http_presentation.pptx
+++ b/Http/Http_presentation.pptx
@@ -32,7 +32,7 @@
     <p:sldId id="280" r:id="rId26"/>
     <p:sldId id="282" r:id="rId27"/>
     <p:sldId id="283" r:id="rId28"/>
-    <p:sldId id="269" r:id="rId29"/>
+    <p:sldId id="291" r:id="rId29"/>
     <p:sldId id="286" r:id="rId30"/>
     <p:sldId id="287" r:id="rId31"/>
     <p:sldId id="290" r:id="rId32"/>
@@ -289,7 +289,7 @@
           <a:p>
             <a:fld id="{E36C89DF-7188-4BC0-ADF4-07E309878DC2}" type="datetimeFigureOut">
               <a:rPr lang="ru-RU" smtClean="0"/>
-              <a:t>07.10.2022</a:t>
+              <a:t>10.10.2022</a:t>
             </a:fld>
             <a:endParaRPr lang="ru-RU"/>
           </a:p>
@@ -487,7 +487,7 @@
           <a:p>
             <a:fld id="{E36C89DF-7188-4BC0-ADF4-07E309878DC2}" type="datetimeFigureOut">
               <a:rPr lang="ru-RU" smtClean="0"/>
-              <a:t>07.10.2022</a:t>
+              <a:t>10.10.2022</a:t>
             </a:fld>
             <a:endParaRPr lang="ru-RU"/>
           </a:p>
@@ -695,7 +695,7 @@
           <a:p>
             <a:fld id="{E36C89DF-7188-4BC0-ADF4-07E309878DC2}" type="datetimeFigureOut">
               <a:rPr lang="ru-RU" smtClean="0"/>
-              <a:t>07.10.2022</a:t>
+              <a:t>10.10.2022</a:t>
             </a:fld>
             <a:endParaRPr lang="ru-RU"/>
           </a:p>
@@ -893,7 +893,7 @@
           <a:p>
             <a:fld id="{E36C89DF-7188-4BC0-ADF4-07E309878DC2}" type="datetimeFigureOut">
               <a:rPr lang="ru-RU" smtClean="0"/>
-              <a:t>07.10.2022</a:t>
+              <a:t>10.10.2022</a:t>
             </a:fld>
             <a:endParaRPr lang="ru-RU"/>
           </a:p>
@@ -1168,7 +1168,7 @@
           <a:p>
             <a:fld id="{E36C89DF-7188-4BC0-ADF4-07E309878DC2}" type="datetimeFigureOut">
               <a:rPr lang="ru-RU" smtClean="0"/>
-              <a:t>07.10.2022</a:t>
+              <a:t>10.10.2022</a:t>
             </a:fld>
             <a:endParaRPr lang="ru-RU"/>
           </a:p>
@@ -1433,7 +1433,7 @@
           <a:p>
             <a:fld id="{E36C89DF-7188-4BC0-ADF4-07E309878DC2}" type="datetimeFigureOut">
               <a:rPr lang="ru-RU" smtClean="0"/>
-              <a:t>07.10.2022</a:t>
+              <a:t>10.10.2022</a:t>
             </a:fld>
             <a:endParaRPr lang="ru-RU"/>
           </a:p>
@@ -1845,7 +1845,7 @@
           <a:p>
             <a:fld id="{E36C89DF-7188-4BC0-ADF4-07E309878DC2}" type="datetimeFigureOut">
               <a:rPr lang="ru-RU" smtClean="0"/>
-              <a:t>07.10.2022</a:t>
+              <a:t>10.10.2022</a:t>
             </a:fld>
             <a:endParaRPr lang="ru-RU"/>
           </a:p>
@@ -1986,7 +1986,7 @@
           <a:p>
             <a:fld id="{E36C89DF-7188-4BC0-ADF4-07E309878DC2}" type="datetimeFigureOut">
               <a:rPr lang="ru-RU" smtClean="0"/>
-              <a:t>07.10.2022</a:t>
+              <a:t>10.10.2022</a:t>
             </a:fld>
             <a:endParaRPr lang="ru-RU"/>
           </a:p>
@@ -2099,7 +2099,7 @@
           <a:p>
             <a:fld id="{E36C89DF-7188-4BC0-ADF4-07E309878DC2}" type="datetimeFigureOut">
               <a:rPr lang="ru-RU" smtClean="0"/>
-              <a:t>07.10.2022</a:t>
+              <a:t>10.10.2022</a:t>
             </a:fld>
             <a:endParaRPr lang="ru-RU"/>
           </a:p>
@@ -2410,7 +2410,7 @@
           <a:p>
             <a:fld id="{E36C89DF-7188-4BC0-ADF4-07E309878DC2}" type="datetimeFigureOut">
               <a:rPr lang="ru-RU" smtClean="0"/>
-              <a:t>07.10.2022</a:t>
+              <a:t>10.10.2022</a:t>
             </a:fld>
             <a:endParaRPr lang="ru-RU"/>
           </a:p>
@@ -2698,7 +2698,7 @@
           <a:p>
             <a:fld id="{E36C89DF-7188-4BC0-ADF4-07E309878DC2}" type="datetimeFigureOut">
               <a:rPr lang="ru-RU" smtClean="0"/>
-              <a:t>07.10.2022</a:t>
+              <a:t>10.10.2022</a:t>
             </a:fld>
             <a:endParaRPr lang="ru-RU"/>
           </a:p>
@@ -2939,7 +2939,7 @@
           <a:p>
             <a:fld id="{E36C89DF-7188-4BC0-ADF4-07E309878DC2}" type="datetimeFigureOut">
               <a:rPr lang="ru-RU" smtClean="0"/>
-              <a:t>07.10.2022</a:t>
+              <a:t>10.10.2022</a:t>
             </a:fld>
             <a:endParaRPr lang="ru-RU"/>
           </a:p>
@@ -3356,56 +3356,41 @@
           <a:chExt cx="0" cy="0"/>
         </a:xfrm>
       </p:grpSpPr>
-      <p:sp>
-        <p:nvSpPr>
-          <p:cNvPr id="2" name="Title 1">
-            <a:extLst>
-              <a:ext uri="{FF2B5EF4-FFF2-40B4-BE49-F238E27FC236}">
-                <a16:creationId xmlns:a16="http://schemas.microsoft.com/office/drawing/2014/main" id="{7A9D3839-7A56-4339-AEEA-30089A6CBE9A}"/>
-              </a:ext>
-            </a:extLst>
-          </p:cNvPr>
-          <p:cNvSpPr>
-            <a:spLocks noGrp="1"/>
-          </p:cNvSpPr>
-          <p:nvPr>
-            <p:ph type="title"/>
-          </p:nvPr>
-        </p:nvSpPr>
-        <p:spPr/>
-        <p:txBody>
-          <a:bodyPr/>
-          <a:lstStyle/>
-          <a:p>
-            <a:endParaRPr lang="en-US"/>
-          </a:p>
-        </p:txBody>
-      </p:sp>
-      <p:sp>
-        <p:nvSpPr>
-          <p:cNvPr id="3" name="Content Placeholder 2">
-            <a:extLst>
-              <a:ext uri="{FF2B5EF4-FFF2-40B4-BE49-F238E27FC236}">
-                <a16:creationId xmlns:a16="http://schemas.microsoft.com/office/drawing/2014/main" id="{8F74E7E9-3EF6-44F8-A538-9E2489B9FE8A}"/>
-              </a:ext>
-            </a:extLst>
-          </p:cNvPr>
-          <p:cNvSpPr>
-            <a:spLocks noGrp="1"/>
-          </p:cNvSpPr>
+      <p:pic>
+        <p:nvPicPr>
+          <p:cNvPr id="5" name="Content Placeholder 4">
+            <a:extLst>
+              <a:ext uri="{FF2B5EF4-FFF2-40B4-BE49-F238E27FC236}">
+                <a16:creationId xmlns:a16="http://schemas.microsoft.com/office/drawing/2014/main" id="{37901CC0-D8D4-468E-91E6-6FCD7E28E9AE}"/>
+              </a:ext>
+            </a:extLst>
+          </p:cNvPr>
+          <p:cNvPicPr>
+            <a:picLocks noGrp="1" noChangeAspect="1"/>
+          </p:cNvPicPr>
           <p:nvPr>
             <p:ph idx="1"/>
           </p:nvPr>
-        </p:nvSpPr>
-        <p:spPr/>
-        <p:txBody>
-          <a:bodyPr/>
-          <a:lstStyle/>
-          <a:p>
-            <a:endParaRPr lang="en-US"/>
-          </a:p>
-        </p:txBody>
-      </p:sp>
+        </p:nvPicPr>
+        <p:blipFill>
+          <a:blip r:embed="rId2">
+            <a:extLst>
+              <a:ext uri="{28A0092B-C50C-407E-A947-70E740481C1C}">
+                <a14:useLocalDpi xmlns:a14="http://schemas.microsoft.com/office/drawing/2010/main" val="0"/>
+              </a:ext>
+            </a:extLst>
+          </a:blip>
+          <a:stretch>
+            <a:fillRect/>
+          </a:stretch>
+        </p:blipFill>
+        <p:spPr>
+          <a:xfrm>
+            <a:off x="2291327" y="1393500"/>
+            <a:ext cx="7609346" cy="4071000"/>
+          </a:xfrm>
+        </p:spPr>
+      </p:pic>
     </p:spTree>
     <p:extLst>
       <p:ext uri="{BB962C8B-B14F-4D97-AF65-F5344CB8AC3E}">
@@ -6723,7 +6708,7 @@
         </p:nvSpPr>
         <p:spPr>
           <a:xfrm>
-            <a:off x="838200" y="2271172"/>
+            <a:off x="1504013" y="1821468"/>
             <a:ext cx="4183505" cy="4204579"/>
           </a:xfrm>
         </p:spPr>
@@ -6895,7 +6880,7 @@
         </p:nvSpPr>
         <p:spPr>
           <a:xfrm>
-            <a:off x="6504482" y="2271171"/>
+            <a:off x="6504482" y="1821467"/>
             <a:ext cx="4183505" cy="4204579"/>
           </a:xfrm>
           <a:prstGeom prst="rect">
@@ -10052,7 +10037,7 @@
           <p:cNvPr id="2" name="Title 1">
             <a:extLst>
               <a:ext uri="{FF2B5EF4-FFF2-40B4-BE49-F238E27FC236}">
-                <a16:creationId xmlns:a16="http://schemas.microsoft.com/office/drawing/2014/main" id="{A8B06BCD-222F-4C2D-A7E9-1FD1930D1ECF}"/>
+                <a16:creationId xmlns:a16="http://schemas.microsoft.com/office/drawing/2014/main" id="{FBA3CECF-5A55-4255-8DE4-21988E34386C}"/>
               </a:ext>
             </a:extLst>
           </p:cNvPr>
@@ -10065,7 +10050,7 @@
         </p:nvSpPr>
         <p:spPr>
           <a:xfrm>
-            <a:off x="838200" y="-149741"/>
+            <a:off x="838200" y="18255"/>
             <a:ext cx="10515600" cy="1325563"/>
           </a:xfrm>
         </p:spPr>
@@ -10084,159 +10069,47 @@
           </a:p>
         </p:txBody>
       </p:sp>
-      <p:sp>
-        <p:nvSpPr>
-          <p:cNvPr id="3" name="Content Placeholder 2">
-            <a:extLst>
-              <a:ext uri="{FF2B5EF4-FFF2-40B4-BE49-F238E27FC236}">
-                <a16:creationId xmlns:a16="http://schemas.microsoft.com/office/drawing/2014/main" id="{4C4F74C5-86E2-4899-9C30-7F8ECC593950}"/>
-              </a:ext>
-            </a:extLst>
-          </p:cNvPr>
-          <p:cNvSpPr>
-            <a:spLocks noGrp="1"/>
-          </p:cNvSpPr>
+      <p:pic>
+        <p:nvPicPr>
+          <p:cNvPr id="6" name="Content Placeholder 5">
+            <a:extLst>
+              <a:ext uri="{FF2B5EF4-FFF2-40B4-BE49-F238E27FC236}">
+                <a16:creationId xmlns:a16="http://schemas.microsoft.com/office/drawing/2014/main" id="{B3DF56BB-D3AF-4316-B1F5-C41F5E2F4B49}"/>
+              </a:ext>
+            </a:extLst>
+          </p:cNvPr>
+          <p:cNvPicPr>
+            <a:picLocks noGrp="1" noChangeAspect="1"/>
+          </p:cNvPicPr>
           <p:nvPr>
             <p:ph idx="1"/>
           </p:nvPr>
-        </p:nvSpPr>
+        </p:nvPicPr>
+        <p:blipFill>
+          <a:blip r:embed="rId2">
+            <a:extLst>
+              <a:ext uri="{28A0092B-C50C-407E-A947-70E740481C1C}">
+                <a14:useLocalDpi xmlns:a14="http://schemas.microsoft.com/office/drawing/2010/main" val="0"/>
+              </a:ext>
+            </a:extLst>
+          </a:blip>
+          <a:stretch>
+            <a:fillRect/>
+          </a:stretch>
+        </p:blipFill>
         <p:spPr>
           <a:xfrm>
-            <a:off x="6945443" y="1613584"/>
-            <a:ext cx="3973643" cy="4741163"/>
+            <a:off x="1954498" y="1081937"/>
+            <a:ext cx="8283004" cy="5562487"/>
           </a:xfrm>
         </p:spPr>
-        <p:txBody>
-          <a:bodyPr>
-            <a:normAutofit/>
-          </a:bodyPr>
-          <a:lstStyle/>
-          <a:p>
-            <a:pPr marL="0" indent="0" algn="ctr">
-              <a:buNone/>
-            </a:pPr>
-            <a:r>
-              <a:rPr lang="en-US" b="1">
-                <a:latin typeface="Sylfaen" panose="010A0502050306030303" pitchFamily="18" charset="0"/>
-              </a:rPr>
-              <a:t>HTTP response directive</a:t>
-            </a:r>
-          </a:p>
-          <a:p>
-            <a:pPr marL="0" indent="0" algn="ctr">
-              <a:buNone/>
-            </a:pPr>
-            <a:r>
-              <a:rPr lang="en-US">
-                <a:latin typeface="Sylfaen" panose="010A0502050306030303" pitchFamily="18" charset="0"/>
-              </a:rPr>
-              <a:t>public / private</a:t>
-            </a:r>
-          </a:p>
-          <a:p>
-            <a:pPr marL="0" indent="0" algn="ctr">
-              <a:buNone/>
-            </a:pPr>
-            <a:r>
-              <a:rPr lang="en-US">
-                <a:latin typeface="Sylfaen" panose="010A0502050306030303" pitchFamily="18" charset="0"/>
-              </a:rPr>
-              <a:t>no-cache</a:t>
-            </a:r>
-          </a:p>
-          <a:p>
-            <a:pPr marL="0" indent="0" algn="ctr">
-              <a:buFont typeface="Arial" panose="020B0604020202020204" pitchFamily="34" charset="0"/>
-              <a:buNone/>
-            </a:pPr>
-            <a:r>
-              <a:rPr lang="en-US">
-                <a:latin typeface="Sylfaen" panose="010A0502050306030303" pitchFamily="18" charset="0"/>
-              </a:rPr>
-              <a:t>no-store</a:t>
-            </a:r>
-          </a:p>
-          <a:p>
-            <a:pPr marL="0" indent="0" algn="ctr">
-              <a:buNone/>
-            </a:pPr>
-            <a:r>
-              <a:rPr lang="en-US">
-                <a:latin typeface="Sylfaen" panose="010A0502050306030303" pitchFamily="18" charset="0"/>
-              </a:rPr>
-              <a:t>no-transform</a:t>
-            </a:r>
-          </a:p>
-          <a:p>
-            <a:pPr marL="0" indent="0" algn="ctr">
-              <a:buFont typeface="Arial" panose="020B0604020202020204" pitchFamily="34" charset="0"/>
-              <a:buNone/>
-            </a:pPr>
-            <a:r>
-              <a:rPr lang="en-US">
-                <a:latin typeface="Sylfaen" panose="010A0502050306030303" pitchFamily="18" charset="0"/>
-              </a:rPr>
-              <a:t>must-revalidate</a:t>
-            </a:r>
-          </a:p>
-          <a:p>
-            <a:pPr marL="0" indent="0" algn="ctr">
-              <a:buNone/>
-            </a:pPr>
-            <a:r>
-              <a:rPr lang="en-US">
-                <a:latin typeface="Sylfaen" panose="010A0502050306030303" pitchFamily="18" charset="0"/>
-              </a:rPr>
-              <a:t>proxy-revalidate</a:t>
-            </a:r>
-          </a:p>
-          <a:p>
-            <a:pPr marL="0" indent="0" algn="ctr">
-              <a:buNone/>
-            </a:pPr>
-            <a:r>
-              <a:rPr lang="en-US">
-                <a:latin typeface="Sylfaen" panose="010A0502050306030303" pitchFamily="18" charset="0"/>
-              </a:rPr>
-              <a:t>max-age = seconds</a:t>
-            </a:r>
-          </a:p>
-          <a:p>
-            <a:pPr marL="0" indent="0" algn="ctr">
-              <a:buNone/>
-            </a:pPr>
-            <a:r>
-              <a:rPr lang="en-US">
-                <a:latin typeface="Sylfaen" panose="010A0502050306030303" pitchFamily="18" charset="0"/>
-              </a:rPr>
-              <a:t>S-maxage = seconds</a:t>
-            </a:r>
-          </a:p>
-          <a:p>
-            <a:pPr marL="0" indent="0" algn="ctr">
-              <a:buNone/>
-            </a:pPr>
-            <a:endParaRPr lang="en-US">
-              <a:latin typeface="Sylfaen" panose="010A0502050306030303" pitchFamily="18" charset="0"/>
-            </a:endParaRPr>
-          </a:p>
-          <a:p>
-            <a:pPr marL="0" indent="0" algn="ctr">
-              <a:buFont typeface="Arial" panose="020B0604020202020204" pitchFamily="34" charset="0"/>
-              <a:buNone/>
-            </a:pPr>
-            <a:endParaRPr lang="en-US">
-              <a:latin typeface="Sylfaen" panose="010A0502050306030303" pitchFamily="18" charset="0"/>
-            </a:endParaRPr>
-          </a:p>
-        </p:txBody>
-      </p:sp>
+      </p:pic>
       <p:cxnSp>
         <p:nvCxnSpPr>
           <p:cNvPr id="4" name="Straight Connector 3">
             <a:extLst>
               <a:ext uri="{FF2B5EF4-FFF2-40B4-BE49-F238E27FC236}">
-                <a16:creationId xmlns:a16="http://schemas.microsoft.com/office/drawing/2014/main" id="{ADB733DA-D323-4961-96D6-579C07DCFA92}"/>
+                <a16:creationId xmlns:a16="http://schemas.microsoft.com/office/drawing/2014/main" id="{8535B9B5-C10A-4E38-BA44-19D874137EEC}"/>
               </a:ext>
             </a:extLst>
           </p:cNvPr>
@@ -10247,7 +10120,7 @@
         </p:nvCxnSpPr>
         <p:spPr>
           <a:xfrm>
-            <a:off x="569235" y="989512"/>
+            <a:off x="569235" y="1124423"/>
             <a:ext cx="11053530" cy="0"/>
           </a:xfrm>
           <a:prstGeom prst="line">
@@ -10269,306 +10142,10 @@
           </a:fontRef>
         </p:style>
       </p:cxnSp>
-      <p:sp>
-        <p:nvSpPr>
-          <p:cNvPr id="6" name="Content Placeholder 2">
-            <a:extLst>
-              <a:ext uri="{FF2B5EF4-FFF2-40B4-BE49-F238E27FC236}">
-                <a16:creationId xmlns:a16="http://schemas.microsoft.com/office/drawing/2014/main" id="{8D332C6C-CE06-47A4-927F-CC5CE9F24F41}"/>
-              </a:ext>
-            </a:extLst>
-          </p:cNvPr>
-          <p:cNvSpPr txBox="1">
-            <a:spLocks/>
-          </p:cNvSpPr>
-          <p:nvPr/>
-        </p:nvSpPr>
-        <p:spPr>
-          <a:xfrm>
-            <a:off x="1272914" y="1613584"/>
-            <a:ext cx="3973643" cy="4242218"/>
-          </a:xfrm>
-          <a:prstGeom prst="rect">
-            <a:avLst/>
-          </a:prstGeom>
-        </p:spPr>
-        <p:txBody>
-          <a:bodyPr vert="horz" lIns="91440" tIns="45720" rIns="91440" bIns="45720" rtlCol="0">
-            <a:normAutofit/>
-          </a:bodyPr>
-          <a:lstStyle>
-            <a:lvl1pPr marL="228600" indent="-228600" algn="l" defTabSz="914400" rtl="0" eaLnBrk="1" latinLnBrk="0" hangingPunct="1">
-              <a:lnSpc>
-                <a:spcPct val="90000"/>
-              </a:lnSpc>
-              <a:spcBef>
-                <a:spcPts val="1000"/>
-              </a:spcBef>
-              <a:buFont typeface="Arial" panose="020B0604020202020204" pitchFamily="34" charset="0"/>
-              <a:buChar char="•"/>
-              <a:defRPr sz="2800" kern="1200">
-                <a:solidFill>
-                  <a:schemeClr val="tx1"/>
-                </a:solidFill>
-                <a:latin typeface="+mn-lt"/>
-                <a:ea typeface="+mn-ea"/>
-                <a:cs typeface="+mn-cs"/>
-              </a:defRPr>
-            </a:lvl1pPr>
-            <a:lvl2pPr marL="685800" indent="-228600" algn="l" defTabSz="914400" rtl="0" eaLnBrk="1" latinLnBrk="0" hangingPunct="1">
-              <a:lnSpc>
-                <a:spcPct val="90000"/>
-              </a:lnSpc>
-              <a:spcBef>
-                <a:spcPts val="500"/>
-              </a:spcBef>
-              <a:buFont typeface="Arial" panose="020B0604020202020204" pitchFamily="34" charset="0"/>
-              <a:buChar char="•"/>
-              <a:defRPr sz="2400" kern="1200">
-                <a:solidFill>
-                  <a:schemeClr val="tx1"/>
-                </a:solidFill>
-                <a:latin typeface="+mn-lt"/>
-                <a:ea typeface="+mn-ea"/>
-                <a:cs typeface="+mn-cs"/>
-              </a:defRPr>
-            </a:lvl2pPr>
-            <a:lvl3pPr marL="1143000" indent="-228600" algn="l" defTabSz="914400" rtl="0" eaLnBrk="1" latinLnBrk="0" hangingPunct="1">
-              <a:lnSpc>
-                <a:spcPct val="90000"/>
-              </a:lnSpc>
-              <a:spcBef>
-                <a:spcPts val="500"/>
-              </a:spcBef>
-              <a:buFont typeface="Arial" panose="020B0604020202020204" pitchFamily="34" charset="0"/>
-              <a:buChar char="•"/>
-              <a:defRPr sz="2000" kern="1200">
-                <a:solidFill>
-                  <a:schemeClr val="tx1"/>
-                </a:solidFill>
-                <a:latin typeface="+mn-lt"/>
-                <a:ea typeface="+mn-ea"/>
-                <a:cs typeface="+mn-cs"/>
-              </a:defRPr>
-            </a:lvl3pPr>
-            <a:lvl4pPr marL="1600200" indent="-228600" algn="l" defTabSz="914400" rtl="0" eaLnBrk="1" latinLnBrk="0" hangingPunct="1">
-              <a:lnSpc>
-                <a:spcPct val="90000"/>
-              </a:lnSpc>
-              <a:spcBef>
-                <a:spcPts val="500"/>
-              </a:spcBef>
-              <a:buFont typeface="Arial" panose="020B0604020202020204" pitchFamily="34" charset="0"/>
-              <a:buChar char="•"/>
-              <a:defRPr sz="1800" kern="1200">
-                <a:solidFill>
-                  <a:schemeClr val="tx1"/>
-                </a:solidFill>
-                <a:latin typeface="+mn-lt"/>
-                <a:ea typeface="+mn-ea"/>
-                <a:cs typeface="+mn-cs"/>
-              </a:defRPr>
-            </a:lvl4pPr>
-            <a:lvl5pPr marL="2057400" indent="-228600" algn="l" defTabSz="914400" rtl="0" eaLnBrk="1" latinLnBrk="0" hangingPunct="1">
-              <a:lnSpc>
-                <a:spcPct val="90000"/>
-              </a:lnSpc>
-              <a:spcBef>
-                <a:spcPts val="500"/>
-              </a:spcBef>
-              <a:buFont typeface="Arial" panose="020B0604020202020204" pitchFamily="34" charset="0"/>
-              <a:buChar char="•"/>
-              <a:defRPr sz="1800" kern="1200">
-                <a:solidFill>
-                  <a:schemeClr val="tx1"/>
-                </a:solidFill>
-                <a:latin typeface="+mn-lt"/>
-                <a:ea typeface="+mn-ea"/>
-                <a:cs typeface="+mn-cs"/>
-              </a:defRPr>
-            </a:lvl5pPr>
-            <a:lvl6pPr marL="2514600" indent="-228600" algn="l" defTabSz="914400" rtl="0" eaLnBrk="1" latinLnBrk="0" hangingPunct="1">
-              <a:lnSpc>
-                <a:spcPct val="90000"/>
-              </a:lnSpc>
-              <a:spcBef>
-                <a:spcPts val="500"/>
-              </a:spcBef>
-              <a:buFont typeface="Arial" panose="020B0604020202020204" pitchFamily="34" charset="0"/>
-              <a:buChar char="•"/>
-              <a:defRPr sz="1800" kern="1200">
-                <a:solidFill>
-                  <a:schemeClr val="tx1"/>
-                </a:solidFill>
-                <a:latin typeface="+mn-lt"/>
-                <a:ea typeface="+mn-ea"/>
-                <a:cs typeface="+mn-cs"/>
-              </a:defRPr>
-            </a:lvl6pPr>
-            <a:lvl7pPr marL="2971800" indent="-228600" algn="l" defTabSz="914400" rtl="0" eaLnBrk="1" latinLnBrk="0" hangingPunct="1">
-              <a:lnSpc>
-                <a:spcPct val="90000"/>
-              </a:lnSpc>
-              <a:spcBef>
-                <a:spcPts val="500"/>
-              </a:spcBef>
-              <a:buFont typeface="Arial" panose="020B0604020202020204" pitchFamily="34" charset="0"/>
-              <a:buChar char="•"/>
-              <a:defRPr sz="1800" kern="1200">
-                <a:solidFill>
-                  <a:schemeClr val="tx1"/>
-                </a:solidFill>
-                <a:latin typeface="+mn-lt"/>
-                <a:ea typeface="+mn-ea"/>
-                <a:cs typeface="+mn-cs"/>
-              </a:defRPr>
-            </a:lvl7pPr>
-            <a:lvl8pPr marL="3429000" indent="-228600" algn="l" defTabSz="914400" rtl="0" eaLnBrk="1" latinLnBrk="0" hangingPunct="1">
-              <a:lnSpc>
-                <a:spcPct val="90000"/>
-              </a:lnSpc>
-              <a:spcBef>
-                <a:spcPts val="500"/>
-              </a:spcBef>
-              <a:buFont typeface="Arial" panose="020B0604020202020204" pitchFamily="34" charset="0"/>
-              <a:buChar char="•"/>
-              <a:defRPr sz="1800" kern="1200">
-                <a:solidFill>
-                  <a:schemeClr val="tx1"/>
-                </a:solidFill>
-                <a:latin typeface="+mn-lt"/>
-                <a:ea typeface="+mn-ea"/>
-                <a:cs typeface="+mn-cs"/>
-              </a:defRPr>
-            </a:lvl8pPr>
-            <a:lvl9pPr marL="3886200" indent="-228600" algn="l" defTabSz="914400" rtl="0" eaLnBrk="1" latinLnBrk="0" hangingPunct="1">
-              <a:lnSpc>
-                <a:spcPct val="90000"/>
-              </a:lnSpc>
-              <a:spcBef>
-                <a:spcPts val="500"/>
-              </a:spcBef>
-              <a:buFont typeface="Arial" panose="020B0604020202020204" pitchFamily="34" charset="0"/>
-              <a:buChar char="•"/>
-              <a:defRPr sz="1800" kern="1200">
-                <a:solidFill>
-                  <a:schemeClr val="tx1"/>
-                </a:solidFill>
-                <a:latin typeface="+mn-lt"/>
-                <a:ea typeface="+mn-ea"/>
-                <a:cs typeface="+mn-cs"/>
-              </a:defRPr>
-            </a:lvl9pPr>
-          </a:lstStyle>
-          <a:p>
-            <a:pPr marL="0" indent="0" algn="ctr">
-              <a:buFont typeface="Arial" panose="020B0604020202020204" pitchFamily="34" charset="0"/>
-              <a:buNone/>
-            </a:pPr>
-            <a:r>
-              <a:rPr lang="en-US" b="1">
-                <a:latin typeface="Sylfaen" panose="010A0502050306030303" pitchFamily="18" charset="0"/>
-              </a:rPr>
-              <a:t>HTTP request directive</a:t>
-            </a:r>
-          </a:p>
-          <a:p>
-            <a:pPr marL="0" indent="0" algn="ctr">
-              <a:buFont typeface="Arial" panose="020B0604020202020204" pitchFamily="34" charset="0"/>
-              <a:buNone/>
-            </a:pPr>
-            <a:r>
-              <a:rPr lang="en-US">
-                <a:latin typeface="Sylfaen" panose="010A0502050306030303" pitchFamily="18" charset="0"/>
-              </a:rPr>
-              <a:t>no-cache</a:t>
-            </a:r>
-          </a:p>
-          <a:p>
-            <a:pPr marL="0" indent="0" algn="ctr">
-              <a:buFont typeface="Arial" panose="020B0604020202020204" pitchFamily="34" charset="0"/>
-              <a:buNone/>
-            </a:pPr>
-            <a:r>
-              <a:rPr lang="en-US">
-                <a:latin typeface="Sylfaen" panose="010A0502050306030303" pitchFamily="18" charset="0"/>
-              </a:rPr>
-              <a:t>no-store</a:t>
-            </a:r>
-          </a:p>
-          <a:p>
-            <a:pPr marL="0" indent="0" algn="ctr">
-              <a:buFont typeface="Arial" panose="020B0604020202020204" pitchFamily="34" charset="0"/>
-              <a:buNone/>
-            </a:pPr>
-            <a:r>
-              <a:rPr lang="en-US">
-                <a:latin typeface="Sylfaen" panose="010A0502050306030303" pitchFamily="18" charset="0"/>
-              </a:rPr>
-              <a:t>max-age = seconds</a:t>
-            </a:r>
-          </a:p>
-          <a:p>
-            <a:pPr marL="0" indent="0" algn="ctr">
-              <a:buFont typeface="Arial" panose="020B0604020202020204" pitchFamily="34" charset="0"/>
-              <a:buNone/>
-            </a:pPr>
-            <a:r>
-              <a:rPr lang="en-US">
-                <a:latin typeface="Sylfaen" panose="010A0502050306030303" pitchFamily="18" charset="0"/>
-              </a:rPr>
-              <a:t>max-stale [=seconds]</a:t>
-            </a:r>
-          </a:p>
-          <a:p>
-            <a:pPr marL="0" indent="0" algn="ctr">
-              <a:buFont typeface="Arial" panose="020B0604020202020204" pitchFamily="34" charset="0"/>
-              <a:buNone/>
-            </a:pPr>
-            <a:r>
-              <a:rPr lang="en-US">
-                <a:latin typeface="Sylfaen" panose="010A0502050306030303" pitchFamily="18" charset="0"/>
-              </a:rPr>
-              <a:t>min-fresh = sconds</a:t>
-            </a:r>
-          </a:p>
-          <a:p>
-            <a:pPr marL="0" indent="0" algn="ctr">
-              <a:buFont typeface="Arial" panose="020B0604020202020204" pitchFamily="34" charset="0"/>
-              <a:buNone/>
-            </a:pPr>
-            <a:r>
-              <a:rPr lang="en-US">
-                <a:latin typeface="Sylfaen" panose="010A0502050306030303" pitchFamily="18" charset="0"/>
-              </a:rPr>
-              <a:t>no-transform</a:t>
-            </a:r>
-          </a:p>
-          <a:p>
-            <a:pPr marL="0" indent="0" algn="ctr">
-              <a:buFont typeface="Arial" panose="020B0604020202020204" pitchFamily="34" charset="0"/>
-              <a:buNone/>
-            </a:pPr>
-            <a:r>
-              <a:rPr lang="en-US">
-                <a:latin typeface="Sylfaen" panose="010A0502050306030303" pitchFamily="18" charset="0"/>
-              </a:rPr>
-              <a:t>only-if-cached</a:t>
-            </a:r>
-          </a:p>
-          <a:p>
-            <a:pPr marL="0" indent="0" algn="ctr">
-              <a:buFont typeface="Arial" panose="020B0604020202020204" pitchFamily="34" charset="0"/>
-              <a:buNone/>
-            </a:pPr>
-            <a:endParaRPr lang="en-US"/>
-          </a:p>
-        </p:txBody>
-      </p:sp>
     </p:spTree>
     <p:extLst>
       <p:ext uri="{BB962C8B-B14F-4D97-AF65-F5344CB8AC3E}">
-        <p14:creationId xmlns:p14="http://schemas.microsoft.com/office/powerpoint/2010/main" val="1142179341"/>
+        <p14:creationId xmlns:p14="http://schemas.microsoft.com/office/powerpoint/2010/main" val="285317334"/>
       </p:ext>
     </p:extLst>
   </p:cSld>
@@ -11548,7 +11125,12 @@
             <p:ph type="title"/>
           </p:nvPr>
         </p:nvSpPr>
-        <p:spPr/>
+        <p:spPr>
+          <a:xfrm>
+            <a:off x="838200" y="18255"/>
+            <a:ext cx="10515600" cy="1325563"/>
+          </a:xfrm>
+        </p:spPr>
         <p:txBody>
           <a:bodyPr/>
           <a:lstStyle/>
@@ -11585,10 +11167,51 @@
           <a:bodyPr/>
           <a:lstStyle/>
           <a:p>
+            <a:pPr marL="0" indent="0">
+              <a:buNone/>
+            </a:pPr>
             <a:endParaRPr lang="en-US"/>
           </a:p>
         </p:txBody>
       </p:sp>
+      <p:cxnSp>
+        <p:nvCxnSpPr>
+          <p:cNvPr id="4" name="Straight Connector 3">
+            <a:extLst>
+              <a:ext uri="{FF2B5EF4-FFF2-40B4-BE49-F238E27FC236}">
+                <a16:creationId xmlns:a16="http://schemas.microsoft.com/office/drawing/2014/main" id="{5882D82C-96E0-40B7-9F23-B1BC0A08AE52}"/>
+              </a:ext>
+            </a:extLst>
+          </p:cNvPr>
+          <p:cNvCxnSpPr>
+            <a:cxnSpLocks/>
+          </p:cNvCxnSpPr>
+          <p:nvPr/>
+        </p:nvCxnSpPr>
+        <p:spPr>
+          <a:xfrm>
+            <a:off x="569235" y="1154404"/>
+            <a:ext cx="11053530" cy="0"/>
+          </a:xfrm>
+          <a:prstGeom prst="line">
+            <a:avLst/>
+          </a:prstGeom>
+        </p:spPr>
+        <p:style>
+          <a:lnRef idx="3">
+            <a:schemeClr val="accent1"/>
+          </a:lnRef>
+          <a:fillRef idx="0">
+            <a:schemeClr val="accent1"/>
+          </a:fillRef>
+          <a:effectRef idx="2">
+            <a:schemeClr val="accent1"/>
+          </a:effectRef>
+          <a:fontRef idx="minor">
+            <a:schemeClr val="tx1"/>
+          </a:fontRef>
+        </p:style>
+      </p:cxnSp>
     </p:spTree>
     <p:extLst>
       <p:ext uri="{BB962C8B-B14F-4D97-AF65-F5344CB8AC3E}">
@@ -11650,7 +11273,7 @@
               <a:rPr lang="en-US">
                 <a:latin typeface="Sylfaen" panose="010A0502050306030303" pitchFamily="18" charset="0"/>
               </a:rPr>
-              <a:t>TCP/IP</a:t>
+              <a:t>TCP/IP model</a:t>
             </a:r>
             <a:endParaRPr lang="en-US"/>
           </a:p>
@@ -11710,7 +11333,7 @@
         </p:nvSpPr>
         <p:spPr>
           <a:xfrm>
-            <a:off x="4157253" y="4637696"/>
+            <a:off x="4157251" y="5106816"/>
             <a:ext cx="3877491" cy="1672259"/>
           </a:xfrm>
           <a:prstGeom prst="rect">
@@ -11934,7 +11557,7 @@
         </p:nvSpPr>
         <p:spPr>
           <a:xfrm rot="16200000">
-            <a:off x="5912493" y="4218895"/>
+            <a:off x="5912492" y="4709557"/>
             <a:ext cx="367008" cy="2142851"/>
           </a:xfrm>
           <a:prstGeom prst="leftBrace">
@@ -11979,14 +11602,14 @@
           <p:nvPr>
             <p:extLst>
               <p:ext uri="{D42A27DB-BD31-4B8C-83A1-F6EECF244321}">
-                <p14:modId xmlns:p14="http://schemas.microsoft.com/office/powerpoint/2010/main" val="90827155"/>
+                <p14:modId xmlns:p14="http://schemas.microsoft.com/office/powerpoint/2010/main" val="556969710"/>
               </p:ext>
             </p:extLst>
           </p:nvPr>
         </p:nvGraphicFramePr>
         <p:xfrm>
-          <a:off x="1573131" y="1514950"/>
-          <a:ext cx="9045733" cy="2499789"/>
+          <a:off x="1573129" y="1388082"/>
+          <a:ext cx="9384681" cy="3342941"/>
         </p:xfrm>
         <a:graphic>
           <a:graphicData uri="http://schemas.openxmlformats.org/drawingml/2006/table">
@@ -11995,14 +11618,14 @@
                 <a:tableStyleId>{5C22544A-7EE6-4342-B048-85BDC9FD1C3A}</a:tableStyleId>
               </a:tblPr>
               <a:tblGrid>
-                <a:gridCol w="2959351">
+                <a:gridCol w="3388615">
                   <a:extLst>
                     <a:ext uri="{9D8B030D-6E8A-4147-A177-3AD203B41FA5}">
                       <a16:colId xmlns:a16="http://schemas.microsoft.com/office/drawing/2014/main" val="2264695111"/>
                     </a:ext>
                   </a:extLst>
                 </a:gridCol>
-                <a:gridCol w="6086382">
+                <a:gridCol w="5996066">
                   <a:extLst>
                     <a:ext uri="{9D8B030D-6E8A-4147-A177-3AD203B41FA5}">
                       <a16:colId xmlns:a16="http://schemas.microsoft.com/office/drawing/2014/main" val="3491653623"/>
@@ -12419,6 +12042,146 @@
                   </a:ext>
                 </a:extLst>
               </a:tr>
+              <a:tr h="843152">
+                <a:tc>
+                  <a:txBody>
+                    <a:bodyPr/>
+                    <a:lstStyle/>
+                    <a:p>
+                      <a:pPr algn="l"/>
+                      <a:r>
+                        <a:rPr lang="en-US" sz="2800" kern="1200">
+                          <a:solidFill>
+                            <a:schemeClr val="tx1"/>
+                          </a:solidFill>
+                          <a:latin typeface="Sylfaen" panose="010A0502050306030303" pitchFamily="18" charset="0"/>
+                          <a:ea typeface="+mn-ea"/>
+                          <a:cs typeface="+mn-cs"/>
+                        </a:rPr>
+                        <a:t>Network interfaces</a:t>
+                      </a:r>
+                    </a:p>
+                  </a:txBody>
+                  <a:tcPr anchor="ctr">
+                    <a:lnL w="12700" cap="flat" cmpd="sng" algn="ctr">
+                      <a:solidFill>
+                        <a:schemeClr val="tx1"/>
+                      </a:solidFill>
+                      <a:prstDash val="solid"/>
+                      <a:round/>
+                      <a:headEnd type="none" w="med" len="med"/>
+                      <a:tailEnd type="none" w="med" len="med"/>
+                    </a:lnL>
+                    <a:lnR w="12700" cap="flat" cmpd="sng" algn="ctr">
+                      <a:solidFill>
+                        <a:schemeClr val="tx1"/>
+                      </a:solidFill>
+                      <a:prstDash val="solid"/>
+                      <a:round/>
+                      <a:headEnd type="none" w="med" len="med"/>
+                      <a:tailEnd type="none" w="med" len="med"/>
+                    </a:lnR>
+                    <a:lnT w="12700" cap="flat" cmpd="sng" algn="ctr">
+                      <a:solidFill>
+                        <a:schemeClr val="tx1"/>
+                      </a:solidFill>
+                      <a:prstDash val="solid"/>
+                      <a:round/>
+                      <a:headEnd type="none" w="med" len="med"/>
+                      <a:tailEnd type="none" w="med" len="med"/>
+                    </a:lnT>
+                    <a:lnB w="12700" cap="flat" cmpd="sng" algn="ctr">
+                      <a:solidFill>
+                        <a:schemeClr val="tx1"/>
+                      </a:solidFill>
+                      <a:prstDash val="solid"/>
+                      <a:round/>
+                      <a:headEnd type="none" w="med" len="med"/>
+                      <a:tailEnd type="none" w="med" len="med"/>
+                    </a:lnB>
+                    <a:solidFill>
+                      <a:schemeClr val="bg1"/>
+                    </a:solidFill>
+                  </a:tcPr>
+                </a:tc>
+                <a:tc>
+                  <a:txBody>
+                    <a:bodyPr/>
+                    <a:lstStyle/>
+                    <a:p>
+                      <a:pPr marL="0" marR="0" lvl="0" indent="0" algn="l" defTabSz="914400" rtl="0" eaLnBrk="1" fontAlgn="auto" latinLnBrk="0" hangingPunct="1">
+                        <a:lnSpc>
+                          <a:spcPct val="100000"/>
+                        </a:lnSpc>
+                        <a:spcBef>
+                          <a:spcPts val="0"/>
+                        </a:spcBef>
+                        <a:spcAft>
+                          <a:spcPts val="0"/>
+                        </a:spcAft>
+                        <a:buClrTx/>
+                        <a:buSzTx/>
+                        <a:buFontTx/>
+                        <a:buNone/>
+                        <a:tabLst/>
+                        <a:defRPr/>
+                      </a:pPr>
+                      <a:r>
+                        <a:rPr lang="en-US" sz="2800">
+                          <a:latin typeface="Sylfaen" panose="010A0502050306030303" pitchFamily="18" charset="0"/>
+                        </a:rPr>
+                        <a:t>Wi-Fi</a:t>
+                      </a:r>
+                    </a:p>
+                  </a:txBody>
+                  <a:tcPr anchor="ctr">
+                    <a:lnL w="12700" cap="flat" cmpd="sng" algn="ctr">
+                      <a:solidFill>
+                        <a:schemeClr val="tx1"/>
+                      </a:solidFill>
+                      <a:prstDash val="solid"/>
+                      <a:round/>
+                      <a:headEnd type="none" w="med" len="med"/>
+                      <a:tailEnd type="none" w="med" len="med"/>
+                    </a:lnL>
+                    <a:lnR w="12700" cap="flat" cmpd="sng" algn="ctr">
+                      <a:solidFill>
+                        <a:schemeClr val="tx1"/>
+                      </a:solidFill>
+                      <a:prstDash val="solid"/>
+                      <a:round/>
+                      <a:headEnd type="none" w="med" len="med"/>
+                      <a:tailEnd type="none" w="med" len="med"/>
+                    </a:lnR>
+                    <a:lnT w="12700" cap="flat" cmpd="sng" algn="ctr">
+                      <a:solidFill>
+                        <a:schemeClr val="tx1"/>
+                      </a:solidFill>
+                      <a:prstDash val="solid"/>
+                      <a:round/>
+                      <a:headEnd type="none" w="med" len="med"/>
+                      <a:tailEnd type="none" w="med" len="med"/>
+                    </a:lnT>
+                    <a:lnB w="12700" cap="flat" cmpd="sng" algn="ctr">
+                      <a:solidFill>
+                        <a:schemeClr val="tx1"/>
+                      </a:solidFill>
+                      <a:prstDash val="solid"/>
+                      <a:round/>
+                      <a:headEnd type="none" w="med" len="med"/>
+                      <a:tailEnd type="none" w="med" len="med"/>
+                    </a:lnB>
+                    <a:solidFill>
+                      <a:schemeClr val="bg1"/>
+                    </a:solidFill>
+                  </a:tcPr>
+                </a:tc>
+                <a:extLst>
+                  <a:ext uri="{0D108BD9-81ED-4DB2-BD59-A6C34878D82A}">
+                    <a16:rowId xmlns:a16="http://schemas.microsoft.com/office/drawing/2014/main" val="2698099449"/>
+                  </a:ext>
+                </a:extLst>
+              </a:tr>
             </a:tbl>
           </a:graphicData>
         </a:graphic>
@@ -12557,7 +12320,7 @@
                 </a:solidFill>
                 <a:latin typeface="Sylfaen" panose="010A0502050306030303" pitchFamily="18" charset="0"/>
               </a:rPr>
-              <a:t>https://www.tutorialspoint.com</a:t>
+              <a:t>http://www.tutorialspoint.com</a:t>
             </a:r>
             <a:r>
               <a:rPr lang="en-US">
@@ -12973,7 +12736,7 @@
               <a:rPr lang="en-US">
                 <a:latin typeface="Sylfaen" panose="010A0502050306030303" pitchFamily="18" charset="0"/>
               </a:rPr>
-              <a:t>https://www.tutorialspoint.com/http/http_messages.html</a:t>
+              <a:t>http://www.tutorialspoint.com/http/http_messages.html</a:t>
             </a:r>
           </a:p>
           <a:p>
@@ -12987,7 +12750,7 @@
               <a:rPr lang="en-US">
                 <a:latin typeface="Sylfaen" panose="010A0502050306030303" pitchFamily="18" charset="0"/>
               </a:rPr>
-              <a:t>https://192.229.221.69:443/http/http_messages.html</a:t>
+              <a:t>http://192.229.221.69:80/http/http_messages.html</a:t>
             </a:r>
           </a:p>
           <a:p>
@@ -13752,7 +13515,7 @@
             <p:ph idx="1"/>
             <p:extLst>
               <p:ext uri="{D42A27DB-BD31-4B8C-83A1-F6EECF244321}">
-                <p14:modId xmlns:p14="http://schemas.microsoft.com/office/powerpoint/2010/main" val="2684827523"/>
+                <p14:modId xmlns:p14="http://schemas.microsoft.com/office/powerpoint/2010/main" val="4243137820"/>
               </p:ext>
             </p:extLst>
           </p:nvPr>
@@ -13896,34 +13659,6 @@
                           <a:ea typeface="+mn-ea"/>
                           <a:cs typeface="+mn-cs"/>
                         </a:rPr>
-                        <a:t>:authority:  www.tutorialspoint.com</a:t>
-                      </a:r>
-                    </a:p>
-                    <a:p>
-                      <a:pPr fontAlgn="t"/>
-                      <a:r>
-                        <a:rPr lang="en-US" sz="1800" kern="1200">
-                          <a:solidFill>
-                            <a:schemeClr val="tx1"/>
-                          </a:solidFill>
-                          <a:latin typeface="Sylfaen" panose="010A0502050306030303" pitchFamily="18" charset="0"/>
-                          <a:ea typeface="+mn-ea"/>
-                          <a:cs typeface="+mn-cs"/>
-                        </a:rPr>
-                        <a:t>:path:  /http/http_messages.htm</a:t>
-                      </a:r>
-                    </a:p>
-                    <a:p>
-                      <a:pPr fontAlgn="t"/>
-                      <a:r>
-                        <a:rPr lang="en-US" sz="1800" kern="1200">
-                          <a:solidFill>
-                            <a:schemeClr val="tx1"/>
-                          </a:solidFill>
-                          <a:latin typeface="Sylfaen" panose="010A0502050306030303" pitchFamily="18" charset="0"/>
-                          <a:ea typeface="+mn-ea"/>
-                          <a:cs typeface="+mn-cs"/>
-                        </a:rPr>
                         <a:t>accept: text/html</a:t>
                       </a:r>
                     </a:p>
@@ -13968,6 +13703,42 @@
                           <a:cs typeface="+mn-cs"/>
                         </a:rPr>
                         <a:t>cache-control: max-age=0</a:t>
+                      </a:r>
+                      <a:endParaRPr lang="en-US" sz="1800" kern="1200">
+                        <a:solidFill>
+                          <a:schemeClr val="tx1"/>
+                        </a:solidFill>
+                        <a:latin typeface="Sylfaen" panose="010A0502050306030303" pitchFamily="18" charset="0"/>
+                        <a:ea typeface="+mn-ea"/>
+                        <a:cs typeface="+mn-cs"/>
+                      </a:endParaRPr>
+                    </a:p>
+                    <a:p>
+                      <a:pPr fontAlgn="t"/>
+                      <a:r>
+                        <a:rPr lang="en-US" sz="1800" kern="1200">
+                          <a:solidFill>
+                            <a:schemeClr val="tx1"/>
+                          </a:solidFill>
+                          <a:latin typeface="Sylfaen" panose="010A0502050306030303" pitchFamily="18" charset="0"/>
+                          <a:ea typeface="+mn-ea"/>
+                          <a:cs typeface="+mn-cs"/>
+                        </a:rPr>
+                        <a:t>:authority:  www.tutorialspoint.com</a:t>
+                      </a:r>
+                    </a:p>
+                    <a:p>
+                      <a:pPr fontAlgn="t"/>
+                      <a:r>
+                        <a:rPr lang="en-US" sz="1800" kern="1200">
+                          <a:solidFill>
+                            <a:schemeClr val="tx1"/>
+                          </a:solidFill>
+                          <a:latin typeface="Sylfaen" panose="010A0502050306030303" pitchFamily="18" charset="0"/>
+                          <a:ea typeface="+mn-ea"/>
+                          <a:cs typeface="+mn-cs"/>
+                        </a:rPr>
+                        <a:t>:path:  /http/http_messages.htm</a:t>
                       </a:r>
                     </a:p>
                     <a:p>

--- a/Http/Http_presentation.pptx
+++ b/Http/Http_presentation.pptx
@@ -289,7 +289,7 @@
           <a:p>
             <a:fld id="{E36C89DF-7188-4BC0-ADF4-07E309878DC2}" type="datetimeFigureOut">
               <a:rPr lang="ru-RU" smtClean="0"/>
-              <a:t>10.10.2022</a:t>
+              <a:t>13.10.2022</a:t>
             </a:fld>
             <a:endParaRPr lang="ru-RU"/>
           </a:p>
@@ -487,7 +487,7 @@
           <a:p>
             <a:fld id="{E36C89DF-7188-4BC0-ADF4-07E309878DC2}" type="datetimeFigureOut">
               <a:rPr lang="ru-RU" smtClean="0"/>
-              <a:t>10.10.2022</a:t>
+              <a:t>13.10.2022</a:t>
             </a:fld>
             <a:endParaRPr lang="ru-RU"/>
           </a:p>
@@ -695,7 +695,7 @@
           <a:p>
             <a:fld id="{E36C89DF-7188-4BC0-ADF4-07E309878DC2}" type="datetimeFigureOut">
               <a:rPr lang="ru-RU" smtClean="0"/>
-              <a:t>10.10.2022</a:t>
+              <a:t>13.10.2022</a:t>
             </a:fld>
             <a:endParaRPr lang="ru-RU"/>
           </a:p>
@@ -893,7 +893,7 @@
           <a:p>
             <a:fld id="{E36C89DF-7188-4BC0-ADF4-07E309878DC2}" type="datetimeFigureOut">
               <a:rPr lang="ru-RU" smtClean="0"/>
-              <a:t>10.10.2022</a:t>
+              <a:t>13.10.2022</a:t>
             </a:fld>
             <a:endParaRPr lang="ru-RU"/>
           </a:p>
@@ -1168,7 +1168,7 @@
           <a:p>
             <a:fld id="{E36C89DF-7188-4BC0-ADF4-07E309878DC2}" type="datetimeFigureOut">
               <a:rPr lang="ru-RU" smtClean="0"/>
-              <a:t>10.10.2022</a:t>
+              <a:t>13.10.2022</a:t>
             </a:fld>
             <a:endParaRPr lang="ru-RU"/>
           </a:p>
@@ -1433,7 +1433,7 @@
           <a:p>
             <a:fld id="{E36C89DF-7188-4BC0-ADF4-07E309878DC2}" type="datetimeFigureOut">
               <a:rPr lang="ru-RU" smtClean="0"/>
-              <a:t>10.10.2022</a:t>
+              <a:t>13.10.2022</a:t>
             </a:fld>
             <a:endParaRPr lang="ru-RU"/>
           </a:p>
@@ -1845,7 +1845,7 @@
           <a:p>
             <a:fld id="{E36C89DF-7188-4BC0-ADF4-07E309878DC2}" type="datetimeFigureOut">
               <a:rPr lang="ru-RU" smtClean="0"/>
-              <a:t>10.10.2022</a:t>
+              <a:t>13.10.2022</a:t>
             </a:fld>
             <a:endParaRPr lang="ru-RU"/>
           </a:p>
@@ -1986,7 +1986,7 @@
           <a:p>
             <a:fld id="{E36C89DF-7188-4BC0-ADF4-07E309878DC2}" type="datetimeFigureOut">
               <a:rPr lang="ru-RU" smtClean="0"/>
-              <a:t>10.10.2022</a:t>
+              <a:t>13.10.2022</a:t>
             </a:fld>
             <a:endParaRPr lang="ru-RU"/>
           </a:p>
@@ -2099,7 +2099,7 @@
           <a:p>
             <a:fld id="{E36C89DF-7188-4BC0-ADF4-07E309878DC2}" type="datetimeFigureOut">
               <a:rPr lang="ru-RU" smtClean="0"/>
-              <a:t>10.10.2022</a:t>
+              <a:t>13.10.2022</a:t>
             </a:fld>
             <a:endParaRPr lang="ru-RU"/>
           </a:p>
@@ -2410,7 +2410,7 @@
           <a:p>
             <a:fld id="{E36C89DF-7188-4BC0-ADF4-07E309878DC2}" type="datetimeFigureOut">
               <a:rPr lang="ru-RU" smtClean="0"/>
-              <a:t>10.10.2022</a:t>
+              <a:t>13.10.2022</a:t>
             </a:fld>
             <a:endParaRPr lang="ru-RU"/>
           </a:p>
@@ -2698,7 +2698,7 @@
           <a:p>
             <a:fld id="{E36C89DF-7188-4BC0-ADF4-07E309878DC2}" type="datetimeFigureOut">
               <a:rPr lang="ru-RU" smtClean="0"/>
-              <a:t>10.10.2022</a:t>
+              <a:t>13.10.2022</a:t>
             </a:fld>
             <a:endParaRPr lang="ru-RU"/>
           </a:p>
@@ -2939,7 +2939,7 @@
           <a:p>
             <a:fld id="{E36C89DF-7188-4BC0-ADF4-07E309878DC2}" type="datetimeFigureOut">
               <a:rPr lang="ru-RU" smtClean="0"/>
-              <a:t>10.10.2022</a:t>
+              <a:t>13.10.2022</a:t>
             </a:fld>
             <a:endParaRPr lang="ru-RU"/>
           </a:p>
@@ -3485,7 +3485,7 @@
               <a:buNone/>
             </a:pPr>
             <a:r>
-              <a:rPr lang="en-US" b="1">
+              <a:rPr lang="en-US">
                 <a:latin typeface="Sylfaen" panose="010A0502050306030303" pitchFamily="18" charset="0"/>
               </a:rPr>
               <a:t>Request-Line = Method  Request-URI  HTTP-Version</a:t>
@@ -3499,7 +3499,7 @@
               <a:buNone/>
             </a:pPr>
             <a:r>
-              <a:rPr lang="en-US" b="1">
+              <a:rPr lang="en-US">
                 <a:latin typeface="Sylfaen" panose="010A0502050306030303" pitchFamily="18" charset="0"/>
               </a:rPr>
               <a:t>Method = GET / POST / PUT …</a:t>
@@ -3513,7 +3513,7 @@
               <a:buNone/>
             </a:pPr>
             <a:r>
-              <a:rPr lang="en-US" b="1">
+              <a:rPr lang="en-US">
                 <a:latin typeface="Sylfaen" panose="010A0502050306030303" pitchFamily="18" charset="0"/>
               </a:rPr>
               <a:t>Request-URI = “*” | absoluteURI | abs_path | authority</a:t>
@@ -3835,7 +3835,7 @@
         </p:nvSpPr>
         <p:spPr>
           <a:xfrm>
-            <a:off x="1716975" y="1603973"/>
+            <a:off x="1477133" y="1573992"/>
             <a:ext cx="7712141" cy="4851400"/>
           </a:xfrm>
         </p:spPr>
@@ -3850,7 +3850,7 @@
               <a:buNone/>
             </a:pPr>
             <a:r>
-              <a:rPr lang="en-US" b="1">
+              <a:rPr lang="en-US">
                 <a:latin typeface="Sylfaen" panose="010A0502050306030303" pitchFamily="18" charset="0"/>
               </a:rPr>
               <a:t>GET</a:t>
@@ -3864,7 +3864,7 @@
               <a:buNone/>
             </a:pPr>
             <a:r>
-              <a:rPr lang="en-US" b="1">
+              <a:rPr lang="en-US">
                 <a:latin typeface="Sylfaen" panose="010A0502050306030303" pitchFamily="18" charset="0"/>
               </a:rPr>
               <a:t>HEAD</a:t>
@@ -3878,7 +3878,7 @@
               <a:buNone/>
             </a:pPr>
             <a:r>
-              <a:rPr lang="en-US" b="1">
+              <a:rPr lang="en-US">
                 <a:latin typeface="Sylfaen" panose="010A0502050306030303" pitchFamily="18" charset="0"/>
               </a:rPr>
               <a:t>POST</a:t>
@@ -3892,7 +3892,7 @@
               <a:buNone/>
             </a:pPr>
             <a:r>
-              <a:rPr lang="en-US" b="1">
+              <a:rPr lang="en-US">
                 <a:latin typeface="Sylfaen" panose="010A0502050306030303" pitchFamily="18" charset="0"/>
               </a:rPr>
               <a:t>PUT</a:t>
@@ -3906,7 +3906,7 @@
               <a:buNone/>
             </a:pPr>
             <a:r>
-              <a:rPr lang="en-US" b="1">
+              <a:rPr lang="en-US">
                 <a:latin typeface="Sylfaen" panose="010A0502050306030303" pitchFamily="18" charset="0"/>
               </a:rPr>
               <a:t>DELETE</a:t>
@@ -3920,7 +3920,7 @@
               <a:buNone/>
             </a:pPr>
             <a:r>
-              <a:rPr lang="en-US" b="1">
+              <a:rPr lang="en-US">
                 <a:latin typeface="Sylfaen" panose="010A0502050306030303" pitchFamily="18" charset="0"/>
               </a:rPr>
               <a:t>CONNECT</a:t>
@@ -3934,7 +3934,7 @@
               <a:buNone/>
             </a:pPr>
             <a:r>
-              <a:rPr lang="en-US" b="1">
+              <a:rPr lang="en-US">
                 <a:latin typeface="Sylfaen" panose="010A0502050306030303" pitchFamily="18" charset="0"/>
               </a:rPr>
               <a:t>OPTIONS</a:t>
@@ -3948,7 +3948,7 @@
               <a:buNone/>
             </a:pPr>
             <a:r>
-              <a:rPr lang="en-US" b="1">
+              <a:rPr lang="en-US">
                 <a:latin typeface="Sylfaen" panose="010A0502050306030303" pitchFamily="18" charset="0"/>
               </a:rPr>
               <a:t>TRACE</a:t>
@@ -4096,7 +4096,7 @@
               <a:buNone/>
             </a:pPr>
             <a:r>
-              <a:rPr lang="en-US" b="1">
+              <a:rPr lang="en-US">
                 <a:latin typeface="Sylfaen" panose="010A0502050306030303" pitchFamily="18" charset="0"/>
               </a:rPr>
               <a:t>GET</a:t>
@@ -4110,7 +4110,7 @@
               <a:buNone/>
             </a:pPr>
             <a:r>
-              <a:rPr lang="en-US" b="1">
+              <a:rPr lang="en-US">
                 <a:latin typeface="Sylfaen" panose="010A0502050306030303" pitchFamily="18" charset="0"/>
               </a:rPr>
               <a:t>HEAD</a:t>
@@ -4124,7 +4124,7 @@
               <a:buNone/>
             </a:pPr>
             <a:r>
-              <a:rPr lang="en-US" b="1">
+              <a:rPr lang="en-US">
                 <a:latin typeface="Sylfaen" panose="010A0502050306030303" pitchFamily="18" charset="0"/>
               </a:rPr>
               <a:t>PUT</a:t>
@@ -4138,7 +4138,7 @@
               <a:buNone/>
             </a:pPr>
             <a:r>
-              <a:rPr lang="en-US" b="1">
+              <a:rPr lang="en-US">
                 <a:latin typeface="Sylfaen" panose="010A0502050306030303" pitchFamily="18" charset="0"/>
               </a:rPr>
               <a:t>DELETE</a:t>
@@ -4152,7 +4152,7 @@
               <a:buNone/>
             </a:pPr>
             <a:r>
-              <a:rPr lang="en-US" b="1">
+              <a:rPr lang="en-US">
                 <a:latin typeface="Sylfaen" panose="010A0502050306030303" pitchFamily="18" charset="0"/>
               </a:rPr>
               <a:t>CONNECT</a:t>
@@ -4166,7 +4166,7 @@
               <a:buNone/>
             </a:pPr>
             <a:r>
-              <a:rPr lang="en-US" b="1">
+              <a:rPr lang="en-US">
                 <a:latin typeface="Sylfaen" panose="010A0502050306030303" pitchFamily="18" charset="0"/>
               </a:rPr>
               <a:t>OPTIONS</a:t>
@@ -4180,7 +4180,7 @@
               <a:buNone/>
             </a:pPr>
             <a:r>
-              <a:rPr lang="en-US" b="1">
+              <a:rPr lang="en-US">
                 <a:latin typeface="Sylfaen" panose="010A0502050306030303" pitchFamily="18" charset="0"/>
               </a:rPr>
               <a:t>TRACE</a:t>
@@ -4194,7 +4194,7 @@
               <a:buNone/>
             </a:pPr>
             <a:r>
-              <a:rPr lang="en-US" b="1">
+              <a:rPr lang="en-US">
                 <a:latin typeface="Sylfaen" panose="010A0502050306030303" pitchFamily="18" charset="0"/>
               </a:rPr>
               <a:t>POST</a:t>
@@ -4645,7 +4645,7 @@
               <a:buNone/>
             </a:pPr>
             <a:r>
-              <a:rPr lang="en-US" b="1">
+              <a:rPr lang="en-US">
                 <a:latin typeface="Sylfaen" panose="010A0502050306030303" pitchFamily="18" charset="0"/>
               </a:rPr>
               <a:t>Idempotent</a:t>
@@ -4853,7 +4853,7 @@
               <a:buNone/>
             </a:pPr>
             <a:r>
-              <a:rPr lang="en-US" b="1">
+              <a:rPr lang="en-US">
                 <a:latin typeface="Sylfaen" panose="010A0502050306030303" pitchFamily="18" charset="0"/>
               </a:rPr>
               <a:t>Non-Idempotent</a:t>
@@ -5152,7 +5152,7 @@
               <a:buNone/>
             </a:pPr>
             <a:r>
-              <a:rPr lang="en-US" sz="1800" b="1">
+              <a:rPr lang="en-US" sz="1800">
                 <a:latin typeface="Sylfaen" panose="010A0502050306030303" pitchFamily="18" charset="0"/>
               </a:rPr>
               <a:t>GET /page HTTP/1.1</a:t>
@@ -5166,7 +5166,7 @@
               <a:buNone/>
             </a:pPr>
             <a:r>
-              <a:rPr lang="en-US" sz="1800" b="1">
+              <a:rPr lang="en-US" sz="1800">
                 <a:latin typeface="Sylfaen" panose="010A0502050306030303" pitchFamily="18" charset="0"/>
               </a:rPr>
               <a:t>GET /page HTTP/1.1</a:t>
@@ -5180,7 +5180,7 @@
               <a:buNone/>
             </a:pPr>
             <a:r>
-              <a:rPr lang="en-US" sz="1800" b="1">
+              <a:rPr lang="en-US" sz="1800">
                 <a:latin typeface="Sylfaen" panose="010A0502050306030303" pitchFamily="18" charset="0"/>
               </a:rPr>
               <a:t>GET /page HTTP/1.1</a:t>
@@ -5193,7 +5193,7 @@
               </a:lnSpc>
               <a:buNone/>
             </a:pPr>
-            <a:endParaRPr lang="en-US" sz="1800" b="1">
+            <a:endParaRPr lang="en-US" sz="1800">
               <a:latin typeface="Sylfaen" panose="010A0502050306030303" pitchFamily="18" charset="0"/>
             </a:endParaRPr>
           </a:p>
@@ -5205,7 +5205,7 @@
               <a:buNone/>
             </a:pPr>
             <a:r>
-              <a:rPr lang="en-US" sz="1800" b="1">
+              <a:rPr lang="en-US" sz="1800">
                 <a:latin typeface="Sylfaen" panose="010A0502050306030303" pitchFamily="18" charset="0"/>
               </a:rPr>
               <a:t>DELETE /page HTTP/1.1    //200 OK </a:t>
@@ -5219,7 +5219,7 @@
               <a:buNone/>
             </a:pPr>
             <a:r>
-              <a:rPr lang="en-US" sz="1800" b="1">
+              <a:rPr lang="en-US" sz="1800">
                 <a:latin typeface="Sylfaen" panose="010A0502050306030303" pitchFamily="18" charset="0"/>
               </a:rPr>
               <a:t>DELETE /page HTTP/1.1    //404 Not Found</a:t>
@@ -5233,7 +5233,7 @@
               <a:buNone/>
             </a:pPr>
             <a:r>
-              <a:rPr lang="en-US" sz="1800" b="1">
+              <a:rPr lang="en-US" sz="1800">
                 <a:latin typeface="Sylfaen" panose="010A0502050306030303" pitchFamily="18" charset="0"/>
               </a:rPr>
               <a:t>DELETE /page HTTP/1.1    //404 Not Found</a:t>
@@ -5246,7 +5246,7 @@
               </a:lnSpc>
               <a:buNone/>
             </a:pPr>
-            <a:endParaRPr lang="en-US" sz="1800" b="1">
+            <a:endParaRPr lang="en-US" sz="1800">
               <a:latin typeface="Sylfaen" panose="010A0502050306030303" pitchFamily="18" charset="0"/>
             </a:endParaRPr>
           </a:p>
@@ -5258,7 +5258,7 @@
               <a:buNone/>
             </a:pPr>
             <a:r>
-              <a:rPr lang="en-US" sz="1800" b="1">
+              <a:rPr lang="en-US" sz="1800">
                 <a:latin typeface="Sylfaen" panose="010A0502050306030303" pitchFamily="18" charset="0"/>
               </a:rPr>
               <a:t>POST /add_row HTTP/1.1   //adds 1-ts row</a:t>
@@ -5272,7 +5272,7 @@
               <a:buNone/>
             </a:pPr>
             <a:r>
-              <a:rPr lang="en-US" sz="1800" b="1">
+              <a:rPr lang="en-US" sz="1800">
                 <a:latin typeface="Sylfaen" panose="010A0502050306030303" pitchFamily="18" charset="0"/>
               </a:rPr>
               <a:t>POST /add_row HTTP/1.1   //adds 2-nd row</a:t>
@@ -5286,7 +5286,7 @@
               <a:buNone/>
             </a:pPr>
             <a:r>
-              <a:rPr lang="en-US" sz="1800" b="1">
+              <a:rPr lang="en-US" sz="1800">
                 <a:latin typeface="Sylfaen" panose="010A0502050306030303" pitchFamily="18" charset="0"/>
               </a:rPr>
               <a:t>POST /add_row HTTP/1.1   //adds 3-rd row</a:t>
@@ -5453,12 +5453,12 @@
               <a:buNone/>
             </a:pPr>
             <a:r>
-              <a:rPr lang="en-US" sz="3000" b="1">
+              <a:rPr lang="en-US" sz="3000">
                 <a:latin typeface="Sylfaen" panose="010A0502050306030303" pitchFamily="18" charset="0"/>
               </a:rPr>
               <a:t>1 - - : Informational</a:t>
             </a:r>
-            <a:endParaRPr lang="hy-AM" sz="3000" b="1">
+            <a:endParaRPr lang="hy-AM" sz="3000">
               <a:latin typeface="Sylfaen" panose="010A0502050306030303" pitchFamily="18" charset="0"/>
             </a:endParaRPr>
           </a:p>
@@ -5470,13 +5470,13 @@
               <a:buNone/>
             </a:pPr>
             <a:r>
-              <a:rPr lang="hy-AM" sz="3000" b="1">
+              <a:rPr lang="hy-AM" sz="3000">
                 <a:latin typeface="Sylfaen" panose="010A0502050306030303" pitchFamily="18" charset="0"/>
               </a:rPr>
               <a:t>2</a:t>
             </a:r>
             <a:r>
-              <a:rPr lang="en-US" sz="3000" b="1">
+              <a:rPr lang="en-US" sz="3000">
                 <a:latin typeface="Sylfaen" panose="010A0502050306030303" pitchFamily="18" charset="0"/>
               </a:rPr>
               <a:t> - - : Success</a:t>
@@ -5490,13 +5490,13 @@
               <a:buNone/>
             </a:pPr>
             <a:r>
-              <a:rPr lang="hy-AM" sz="3000" b="1">
+              <a:rPr lang="hy-AM" sz="3000">
                 <a:latin typeface="Sylfaen" panose="010A0502050306030303" pitchFamily="18" charset="0"/>
               </a:rPr>
               <a:t>3</a:t>
             </a:r>
             <a:r>
-              <a:rPr lang="en-US" sz="3000" b="1">
+              <a:rPr lang="en-US" sz="3000">
                 <a:latin typeface="Sylfaen" panose="010A0502050306030303" pitchFamily="18" charset="0"/>
               </a:rPr>
               <a:t> - - : Redirection</a:t>
@@ -5510,13 +5510,13 @@
               <a:buNone/>
             </a:pPr>
             <a:r>
-              <a:rPr lang="hy-AM" sz="3000" b="1">
+              <a:rPr lang="hy-AM" sz="3000">
                 <a:latin typeface="Sylfaen" panose="010A0502050306030303" pitchFamily="18" charset="0"/>
               </a:rPr>
               <a:t>4</a:t>
             </a:r>
             <a:r>
-              <a:rPr lang="en-US" sz="3000" b="1">
+              <a:rPr lang="en-US" sz="3000">
                 <a:latin typeface="Sylfaen" panose="010A0502050306030303" pitchFamily="18" charset="0"/>
               </a:rPr>
               <a:t> - - : Client Error</a:t>
@@ -5530,13 +5530,13 @@
               <a:buNone/>
             </a:pPr>
             <a:r>
-              <a:rPr lang="hy-AM" sz="3000" b="1">
+              <a:rPr lang="hy-AM" sz="3000">
                 <a:latin typeface="Sylfaen" panose="010A0502050306030303" pitchFamily="18" charset="0"/>
               </a:rPr>
               <a:t>5</a:t>
             </a:r>
             <a:r>
-              <a:rPr lang="en-US" sz="3000" b="1">
+              <a:rPr lang="en-US" sz="3000">
                 <a:latin typeface="Sylfaen" panose="010A0502050306030303" pitchFamily="18" charset="0"/>
               </a:rPr>
               <a:t> - - : Server Error</a:t>
@@ -5782,7 +5782,7 @@
               <a:buNone/>
             </a:pPr>
             <a:r>
-              <a:rPr lang="hy-AM" sz="3000" b="1">
+              <a:rPr lang="hy-AM" sz="3000">
                 <a:latin typeface="Sylfaen" panose="010A0502050306030303" pitchFamily="18" charset="0"/>
               </a:rPr>
               <a:t>100 – 101</a:t>
@@ -5797,7 +5797,7 @@
               <a:buNone/>
             </a:pPr>
             <a:r>
-              <a:rPr lang="hy-AM" sz="3000" b="1">
+              <a:rPr lang="hy-AM" sz="3000">
                 <a:latin typeface="Sylfaen" panose="010A0502050306030303" pitchFamily="18" charset="0"/>
               </a:rPr>
               <a:t>200 – 206</a:t>
@@ -5812,7 +5812,7 @@
               <a:buNone/>
             </a:pPr>
             <a:r>
-              <a:rPr lang="hy-AM" sz="3000" b="1">
+              <a:rPr lang="hy-AM" sz="3000">
                 <a:latin typeface="Sylfaen" panose="010A0502050306030303" pitchFamily="18" charset="0"/>
               </a:rPr>
               <a:t>300 – 307</a:t>
@@ -5827,7 +5827,7 @@
               <a:buNone/>
             </a:pPr>
             <a:r>
-              <a:rPr lang="hy-AM" sz="3000" b="1">
+              <a:rPr lang="hy-AM" sz="3000">
                 <a:latin typeface="Sylfaen" panose="010A0502050306030303" pitchFamily="18" charset="0"/>
               </a:rPr>
               <a:t>400 – 417</a:t>
@@ -5842,12 +5842,12 @@
               <a:buNone/>
             </a:pPr>
             <a:r>
-              <a:rPr lang="hy-AM" sz="3000" b="1">
+              <a:rPr lang="hy-AM" sz="3000">
                 <a:latin typeface="Sylfaen" panose="010A0502050306030303" pitchFamily="18" charset="0"/>
               </a:rPr>
               <a:t>500 - 505</a:t>
             </a:r>
-            <a:endParaRPr lang="en-US" sz="3000" b="1">
+            <a:endParaRPr lang="en-US" sz="3000">
               <a:latin typeface="Sylfaen" panose="010A0502050306030303" pitchFamily="18" charset="0"/>
             </a:endParaRPr>
           </a:p>
@@ -5967,7 +5967,7 @@
               <a:buNone/>
             </a:pPr>
             <a:r>
-              <a:rPr lang="en-US" sz="3000" b="1">
+              <a:rPr lang="en-US" sz="3000">
                 <a:latin typeface="Sylfaen" panose="010A0502050306030303" pitchFamily="18" charset="0"/>
               </a:rPr>
               <a:t>200 OK</a:t>
@@ -5981,7 +5981,7 @@
               <a:buNone/>
             </a:pPr>
             <a:r>
-              <a:rPr lang="en-US" sz="3000" b="1">
+              <a:rPr lang="en-US" sz="3000">
                 <a:latin typeface="Sylfaen" panose="010A0502050306030303" pitchFamily="18" charset="0"/>
               </a:rPr>
               <a:t>301 Permanent Redirect</a:t>
@@ -5995,7 +5995,7 @@
               <a:buNone/>
             </a:pPr>
             <a:r>
-              <a:rPr lang="en-US" sz="3000" b="1">
+              <a:rPr lang="en-US" sz="3000">
                 <a:latin typeface="Sylfaen" panose="010A0502050306030303" pitchFamily="18" charset="0"/>
               </a:rPr>
               <a:t>302 Temporary Redirect</a:t>
@@ -6009,7 +6009,7 @@
               <a:buNone/>
             </a:pPr>
             <a:r>
-              <a:rPr lang="en-US" sz="3000" b="1">
+              <a:rPr lang="en-US" sz="3000">
                 <a:latin typeface="Sylfaen" panose="010A0502050306030303" pitchFamily="18" charset="0"/>
               </a:rPr>
               <a:t>304 Not Modified</a:t>
@@ -6023,7 +6023,7 @@
               <a:buNone/>
             </a:pPr>
             <a:r>
-              <a:rPr lang="en-US" sz="3000" b="1">
+              <a:rPr lang="en-US" sz="3000">
                 <a:latin typeface="Sylfaen" panose="010A0502050306030303" pitchFamily="18" charset="0"/>
               </a:rPr>
               <a:t>400 Bad Request</a:t>
@@ -6037,7 +6037,7 @@
               <a:buNone/>
             </a:pPr>
             <a:r>
-              <a:rPr lang="en-US" sz="3000" b="1">
+              <a:rPr lang="en-US" sz="3000">
                 <a:latin typeface="Sylfaen" panose="010A0502050306030303" pitchFamily="18" charset="0"/>
               </a:rPr>
               <a:t>401 Unauthorized Error</a:t>
@@ -6294,7 +6294,7 @@
               <a:buNone/>
             </a:pPr>
             <a:r>
-              <a:rPr lang="en-US" sz="3000" b="1">
+              <a:rPr lang="en-US" sz="3000">
                 <a:latin typeface="Sylfaen" panose="010A0502050306030303" pitchFamily="18" charset="0"/>
               </a:rPr>
               <a:t>403 Forbodden</a:t>
@@ -6309,7 +6309,7 @@
               <a:buNone/>
             </a:pPr>
             <a:r>
-              <a:rPr lang="en-US" sz="3000" b="1">
+              <a:rPr lang="en-US" sz="3000">
                 <a:latin typeface="Sylfaen" panose="010A0502050306030303" pitchFamily="18" charset="0"/>
               </a:rPr>
               <a:t>404 Not Found</a:t>
@@ -6324,7 +6324,7 @@
               <a:buNone/>
             </a:pPr>
             <a:r>
-              <a:rPr lang="en-US" sz="3000" b="1">
+              <a:rPr lang="en-US" sz="3000">
                 <a:latin typeface="Sylfaen" panose="010A0502050306030303" pitchFamily="18" charset="0"/>
               </a:rPr>
               <a:t>500 Internal Server Error</a:t>
@@ -6339,12 +6339,12 @@
               <a:buNone/>
             </a:pPr>
             <a:r>
-              <a:rPr lang="en-US" sz="3000" b="1">
+              <a:rPr lang="en-US" sz="3000">
                 <a:latin typeface="Sylfaen" panose="010A0502050306030303" pitchFamily="18" charset="0"/>
               </a:rPr>
               <a:t>501 Not Implemented</a:t>
             </a:r>
-            <a:endParaRPr lang="ru-RU" sz="3000" b="1">
+            <a:endParaRPr lang="ru-RU" sz="3000">
               <a:latin typeface="Sylfaen" panose="010A0502050306030303" pitchFamily="18" charset="0"/>
             </a:endParaRPr>
           </a:p>
@@ -6357,13 +6357,13 @@
               <a:buNone/>
             </a:pPr>
             <a:r>
-              <a:rPr lang="ru-RU" sz="3000" b="1">
+              <a:rPr lang="ru-RU" sz="3000">
                 <a:latin typeface="Sylfaen" panose="010A0502050306030303" pitchFamily="18" charset="0"/>
               </a:rPr>
               <a:t>503 </a:t>
             </a:r>
             <a:r>
-              <a:rPr lang="en-US" sz="3000" b="1">
+              <a:rPr lang="en-US" sz="3000">
                 <a:latin typeface="Sylfaen" panose="010A0502050306030303" pitchFamily="18" charset="0"/>
               </a:rPr>
               <a:t>Service Unavailable</a:t>
@@ -6377,25 +6377,25 @@
               <a:buNone/>
             </a:pPr>
             <a:r>
-              <a:rPr lang="ru-RU" sz="3000" b="1">
+              <a:rPr lang="ru-RU" sz="3000">
                 <a:latin typeface="Sylfaen" panose="010A0502050306030303" pitchFamily="18" charset="0"/>
               </a:rPr>
               <a:t>50</a:t>
             </a:r>
             <a:r>
-              <a:rPr lang="en-US" sz="3000" b="1">
+              <a:rPr lang="en-US" sz="3000">
                 <a:latin typeface="Sylfaen" panose="010A0502050306030303" pitchFamily="18" charset="0"/>
               </a:rPr>
               <a:t>4</a:t>
             </a:r>
             <a:r>
-              <a:rPr lang="ru-RU" sz="3000" b="1">
+              <a:rPr lang="ru-RU" sz="3000">
                 <a:latin typeface="Sylfaen" panose="010A0502050306030303" pitchFamily="18" charset="0"/>
               </a:rPr>
               <a:t> </a:t>
             </a:r>
             <a:r>
-              <a:rPr lang="en-US" sz="3000" b="1">
+              <a:rPr lang="en-US" sz="3000">
                 <a:latin typeface="Sylfaen" panose="010A0502050306030303" pitchFamily="18" charset="0"/>
               </a:rPr>
               <a:t>Gateway Timeout</a:t>
@@ -6512,7 +6512,7 @@
         </p:nvSpPr>
         <p:spPr>
           <a:xfrm>
-            <a:off x="1357859" y="1874095"/>
+            <a:off x="838200" y="1859105"/>
             <a:ext cx="4483308" cy="3672266"/>
           </a:xfrm>
         </p:spPr>
@@ -6520,52 +6520,56 @@
           <a:bodyPr/>
           <a:lstStyle/>
           <a:p>
-            <a:pPr>
+            <a:pPr marL="0" indent="0">
               <a:lnSpc>
                 <a:spcPct val="150000"/>
               </a:lnSpc>
-            </a:pPr>
-            <a:r>
-              <a:rPr lang="en-US" b="1">
+              <a:buNone/>
+            </a:pPr>
+            <a:r>
+              <a:rPr lang="en-US">
                 <a:latin typeface="Sylfaen" panose="010A0502050306030303" pitchFamily="18" charset="0"/>
               </a:rPr>
               <a:t>General header</a:t>
             </a:r>
           </a:p>
           <a:p>
-            <a:pPr>
+            <a:pPr marL="0" indent="0">
               <a:lnSpc>
                 <a:spcPct val="150000"/>
               </a:lnSpc>
-            </a:pPr>
-            <a:r>
-              <a:rPr lang="en-US" b="1">
+              <a:buNone/>
+            </a:pPr>
+            <a:r>
+              <a:rPr lang="en-US">
                 <a:latin typeface="Sylfaen" panose="010A0502050306030303" pitchFamily="18" charset="0"/>
               </a:rPr>
               <a:t>Client request-header</a:t>
             </a:r>
           </a:p>
           <a:p>
-            <a:pPr>
+            <a:pPr marL="0" indent="0">
               <a:lnSpc>
                 <a:spcPct val="150000"/>
               </a:lnSpc>
-            </a:pPr>
-            <a:r>
-              <a:rPr lang="en-US" b="1">
+              <a:buNone/>
+            </a:pPr>
+            <a:r>
+              <a:rPr lang="en-US">
                 <a:latin typeface="Sylfaen" panose="010A0502050306030303" pitchFamily="18" charset="0"/>
               </a:rPr>
               <a:t>Server response-header</a:t>
             </a:r>
           </a:p>
           <a:p>
-            <a:pPr>
+            <a:pPr marL="0" indent="0">
               <a:lnSpc>
                 <a:spcPct val="150000"/>
               </a:lnSpc>
-            </a:pPr>
-            <a:r>
-              <a:rPr lang="en-US" b="1">
+              <a:buNone/>
+            </a:pPr>
+            <a:r>
+              <a:rPr lang="en-US">
                 <a:latin typeface="Sylfaen" panose="010A0502050306030303" pitchFamily="18" charset="0"/>
               </a:rPr>
               <a:t>Entity-header</a:t>
@@ -6708,8 +6712,8 @@
         </p:nvSpPr>
         <p:spPr>
           <a:xfrm>
-            <a:off x="1504013" y="1821468"/>
-            <a:ext cx="4183505" cy="4204579"/>
+            <a:off x="1504012" y="1543082"/>
+            <a:ext cx="4591987" cy="5479809"/>
           </a:xfrm>
         </p:spPr>
         <p:txBody>
@@ -6719,6 +6723,28 @@
           <a:lstStyle/>
           <a:p>
             <a:pPr marL="0" indent="0">
+              <a:buNone/>
+            </a:pPr>
+            <a:r>
+              <a:rPr lang="en-US">
+                <a:latin typeface="Sylfaen" panose="010A0502050306030303" pitchFamily="18" charset="0"/>
+              </a:rPr>
+              <a:t>Cache-Control</a:t>
+            </a:r>
+          </a:p>
+          <a:p>
+            <a:pPr marL="0" indent="0">
+              <a:buNone/>
+            </a:pPr>
+            <a:r>
+              <a:rPr lang="en-US">
+                <a:latin typeface="Sylfaen" panose="010A0502050306030303" pitchFamily="18" charset="0"/>
+              </a:rPr>
+              <a:t>Pragma</a:t>
+            </a:r>
+          </a:p>
+          <a:p>
+            <a:pPr marL="0" indent="0">
               <a:lnSpc>
                 <a:spcPct val="100000"/>
               </a:lnSpc>
@@ -6842,7 +6868,7 @@
         </p:nvCxnSpPr>
         <p:spPr>
           <a:xfrm>
-            <a:off x="569235" y="1139414"/>
+            <a:off x="569234" y="1094443"/>
             <a:ext cx="11053530" cy="0"/>
           </a:xfrm>
           <a:prstGeom prst="line">
@@ -6864,221 +6890,6 @@
           </a:fontRef>
         </p:style>
       </p:cxnSp>
-      <p:sp>
-        <p:nvSpPr>
-          <p:cNvPr id="8" name="Content Placeholder 2">
-            <a:extLst>
-              <a:ext uri="{FF2B5EF4-FFF2-40B4-BE49-F238E27FC236}">
-                <a16:creationId xmlns:a16="http://schemas.microsoft.com/office/drawing/2014/main" id="{86094AFD-6545-45E1-B338-8B9836E2F8AB}"/>
-              </a:ext>
-            </a:extLst>
-          </p:cNvPr>
-          <p:cNvSpPr txBox="1">
-            <a:spLocks/>
-          </p:cNvSpPr>
-          <p:nvPr/>
-        </p:nvSpPr>
-        <p:spPr>
-          <a:xfrm>
-            <a:off x="6504482" y="1821467"/>
-            <a:ext cx="4183505" cy="4204579"/>
-          </a:xfrm>
-          <a:prstGeom prst="rect">
-            <a:avLst/>
-          </a:prstGeom>
-        </p:spPr>
-        <p:txBody>
-          <a:bodyPr vert="horz" lIns="91440" tIns="45720" rIns="91440" bIns="45720" rtlCol="0">
-            <a:normAutofit/>
-          </a:bodyPr>
-          <a:lstStyle>
-            <a:lvl1pPr marL="228600" indent="-228600" algn="l" defTabSz="914400" rtl="0" eaLnBrk="1" latinLnBrk="0" hangingPunct="1">
-              <a:lnSpc>
-                <a:spcPct val="90000"/>
-              </a:lnSpc>
-              <a:spcBef>
-                <a:spcPts val="1000"/>
-              </a:spcBef>
-              <a:buFont typeface="Arial" panose="020B0604020202020204" pitchFamily="34" charset="0"/>
-              <a:buChar char="•"/>
-              <a:defRPr sz="2800" kern="1200">
-                <a:solidFill>
-                  <a:schemeClr val="tx1"/>
-                </a:solidFill>
-                <a:latin typeface="+mn-lt"/>
-                <a:ea typeface="+mn-ea"/>
-                <a:cs typeface="+mn-cs"/>
-              </a:defRPr>
-            </a:lvl1pPr>
-            <a:lvl2pPr marL="685800" indent="-228600" algn="l" defTabSz="914400" rtl="0" eaLnBrk="1" latinLnBrk="0" hangingPunct="1">
-              <a:lnSpc>
-                <a:spcPct val="90000"/>
-              </a:lnSpc>
-              <a:spcBef>
-                <a:spcPts val="500"/>
-              </a:spcBef>
-              <a:buFont typeface="Arial" panose="020B0604020202020204" pitchFamily="34" charset="0"/>
-              <a:buChar char="•"/>
-              <a:defRPr sz="2400" kern="1200">
-                <a:solidFill>
-                  <a:schemeClr val="tx1"/>
-                </a:solidFill>
-                <a:latin typeface="+mn-lt"/>
-                <a:ea typeface="+mn-ea"/>
-                <a:cs typeface="+mn-cs"/>
-              </a:defRPr>
-            </a:lvl2pPr>
-            <a:lvl3pPr marL="1143000" indent="-228600" algn="l" defTabSz="914400" rtl="0" eaLnBrk="1" latinLnBrk="0" hangingPunct="1">
-              <a:lnSpc>
-                <a:spcPct val="90000"/>
-              </a:lnSpc>
-              <a:spcBef>
-                <a:spcPts val="500"/>
-              </a:spcBef>
-              <a:buFont typeface="Arial" panose="020B0604020202020204" pitchFamily="34" charset="0"/>
-              <a:buChar char="•"/>
-              <a:defRPr sz="2000" kern="1200">
-                <a:solidFill>
-                  <a:schemeClr val="tx1"/>
-                </a:solidFill>
-                <a:latin typeface="+mn-lt"/>
-                <a:ea typeface="+mn-ea"/>
-                <a:cs typeface="+mn-cs"/>
-              </a:defRPr>
-            </a:lvl3pPr>
-            <a:lvl4pPr marL="1600200" indent="-228600" algn="l" defTabSz="914400" rtl="0" eaLnBrk="1" latinLnBrk="0" hangingPunct="1">
-              <a:lnSpc>
-                <a:spcPct val="90000"/>
-              </a:lnSpc>
-              <a:spcBef>
-                <a:spcPts val="500"/>
-              </a:spcBef>
-              <a:buFont typeface="Arial" panose="020B0604020202020204" pitchFamily="34" charset="0"/>
-              <a:buChar char="•"/>
-              <a:defRPr sz="1800" kern="1200">
-                <a:solidFill>
-                  <a:schemeClr val="tx1"/>
-                </a:solidFill>
-                <a:latin typeface="+mn-lt"/>
-                <a:ea typeface="+mn-ea"/>
-                <a:cs typeface="+mn-cs"/>
-              </a:defRPr>
-            </a:lvl4pPr>
-            <a:lvl5pPr marL="2057400" indent="-228600" algn="l" defTabSz="914400" rtl="0" eaLnBrk="1" latinLnBrk="0" hangingPunct="1">
-              <a:lnSpc>
-                <a:spcPct val="90000"/>
-              </a:lnSpc>
-              <a:spcBef>
-                <a:spcPts val="500"/>
-              </a:spcBef>
-              <a:buFont typeface="Arial" panose="020B0604020202020204" pitchFamily="34" charset="0"/>
-              <a:buChar char="•"/>
-              <a:defRPr sz="1800" kern="1200">
-                <a:solidFill>
-                  <a:schemeClr val="tx1"/>
-                </a:solidFill>
-                <a:latin typeface="+mn-lt"/>
-                <a:ea typeface="+mn-ea"/>
-                <a:cs typeface="+mn-cs"/>
-              </a:defRPr>
-            </a:lvl5pPr>
-            <a:lvl6pPr marL="2514600" indent="-228600" algn="l" defTabSz="914400" rtl="0" eaLnBrk="1" latinLnBrk="0" hangingPunct="1">
-              <a:lnSpc>
-                <a:spcPct val="90000"/>
-              </a:lnSpc>
-              <a:spcBef>
-                <a:spcPts val="500"/>
-              </a:spcBef>
-              <a:buFont typeface="Arial" panose="020B0604020202020204" pitchFamily="34" charset="0"/>
-              <a:buChar char="•"/>
-              <a:defRPr sz="1800" kern="1200">
-                <a:solidFill>
-                  <a:schemeClr val="tx1"/>
-                </a:solidFill>
-                <a:latin typeface="+mn-lt"/>
-                <a:ea typeface="+mn-ea"/>
-                <a:cs typeface="+mn-cs"/>
-              </a:defRPr>
-            </a:lvl6pPr>
-            <a:lvl7pPr marL="2971800" indent="-228600" algn="l" defTabSz="914400" rtl="0" eaLnBrk="1" latinLnBrk="0" hangingPunct="1">
-              <a:lnSpc>
-                <a:spcPct val="90000"/>
-              </a:lnSpc>
-              <a:spcBef>
-                <a:spcPts val="500"/>
-              </a:spcBef>
-              <a:buFont typeface="Arial" panose="020B0604020202020204" pitchFamily="34" charset="0"/>
-              <a:buChar char="•"/>
-              <a:defRPr sz="1800" kern="1200">
-                <a:solidFill>
-                  <a:schemeClr val="tx1"/>
-                </a:solidFill>
-                <a:latin typeface="+mn-lt"/>
-                <a:ea typeface="+mn-ea"/>
-                <a:cs typeface="+mn-cs"/>
-              </a:defRPr>
-            </a:lvl7pPr>
-            <a:lvl8pPr marL="3429000" indent="-228600" algn="l" defTabSz="914400" rtl="0" eaLnBrk="1" latinLnBrk="0" hangingPunct="1">
-              <a:lnSpc>
-                <a:spcPct val="90000"/>
-              </a:lnSpc>
-              <a:spcBef>
-                <a:spcPts val="500"/>
-              </a:spcBef>
-              <a:buFont typeface="Arial" panose="020B0604020202020204" pitchFamily="34" charset="0"/>
-              <a:buChar char="•"/>
-              <a:defRPr sz="1800" kern="1200">
-                <a:solidFill>
-                  <a:schemeClr val="tx1"/>
-                </a:solidFill>
-                <a:latin typeface="+mn-lt"/>
-                <a:ea typeface="+mn-ea"/>
-                <a:cs typeface="+mn-cs"/>
-              </a:defRPr>
-            </a:lvl8pPr>
-            <a:lvl9pPr marL="3886200" indent="-228600" algn="l" defTabSz="914400" rtl="0" eaLnBrk="1" latinLnBrk="0" hangingPunct="1">
-              <a:lnSpc>
-                <a:spcPct val="90000"/>
-              </a:lnSpc>
-              <a:spcBef>
-                <a:spcPts val="500"/>
-              </a:spcBef>
-              <a:buFont typeface="Arial" panose="020B0604020202020204" pitchFamily="34" charset="0"/>
-              <a:buChar char="•"/>
-              <a:defRPr sz="1800" kern="1200">
-                <a:solidFill>
-                  <a:schemeClr val="tx1"/>
-                </a:solidFill>
-                <a:latin typeface="+mn-lt"/>
-                <a:ea typeface="+mn-ea"/>
-                <a:cs typeface="+mn-cs"/>
-              </a:defRPr>
-            </a:lvl9pPr>
-          </a:lstStyle>
-          <a:p>
-            <a:pPr marL="0" indent="0">
-              <a:buNone/>
-            </a:pPr>
-            <a:r>
-              <a:rPr lang="en-US">
-                <a:latin typeface="Sylfaen" panose="010A0502050306030303" pitchFamily="18" charset="0"/>
-              </a:rPr>
-              <a:t>Cache-Control</a:t>
-            </a:r>
-          </a:p>
-          <a:p>
-            <a:pPr marL="0" indent="0">
-              <a:buNone/>
-            </a:pPr>
-            <a:r>
-              <a:rPr lang="en-US">
-                <a:latin typeface="Sylfaen" panose="010A0502050306030303" pitchFamily="18" charset="0"/>
-              </a:rPr>
-              <a:t>Pragma</a:t>
-            </a:r>
-          </a:p>
-        </p:txBody>
-      </p:sp>
     </p:spTree>
     <p:extLst>
       <p:ext uri="{BB962C8B-B14F-4D97-AF65-F5344CB8AC3E}">
@@ -7644,12 +7455,12 @@
               </a:lnSpc>
             </a:pPr>
             <a:r>
-              <a:rPr lang="en-US" sz="3200" b="1" dirty="0">
+              <a:rPr lang="en-US" sz="3200" dirty="0">
                 <a:latin typeface="Sylfaen" panose="010A0502050306030303" pitchFamily="18" charset="0"/>
               </a:rPr>
               <a:t>HTTP is connectionless</a:t>
             </a:r>
-            <a:endParaRPr lang="hy-AM" sz="3200" b="1" dirty="0">
+            <a:endParaRPr lang="hy-AM" sz="3200" dirty="0">
               <a:latin typeface="Sylfaen" panose="010A0502050306030303" pitchFamily="18" charset="0"/>
             </a:endParaRPr>
           </a:p>
@@ -7660,12 +7471,12 @@
               </a:lnSpc>
             </a:pPr>
             <a:r>
-              <a:rPr lang="en-US" sz="3200" b="1" dirty="0">
+              <a:rPr lang="en-US" sz="3200" dirty="0">
                 <a:latin typeface="Sylfaen" panose="010A0502050306030303" pitchFamily="18" charset="0"/>
               </a:rPr>
               <a:t>HTTP is media independent</a:t>
             </a:r>
-            <a:endParaRPr lang="hy-AM" sz="3200" b="1" dirty="0">
+            <a:endParaRPr lang="hy-AM" sz="3200" dirty="0">
               <a:latin typeface="Sylfaen" panose="010A0502050306030303" pitchFamily="18" charset="0"/>
             </a:endParaRPr>
           </a:p>
@@ -7676,7 +7487,7 @@
               </a:lnSpc>
             </a:pPr>
             <a:r>
-              <a:rPr lang="en-US" sz="3200" b="1" dirty="0">
+              <a:rPr lang="en-US" sz="3200" dirty="0">
                 <a:latin typeface="Sylfaen" panose="010A0502050306030303" pitchFamily="18" charset="0"/>
               </a:rPr>
               <a:t>HTTP is stateless</a:t>
@@ -11146,34 +10957,6 @@
           </a:p>
         </p:txBody>
       </p:sp>
-      <p:sp>
-        <p:nvSpPr>
-          <p:cNvPr id="3" name="Content Placeholder 2">
-            <a:extLst>
-              <a:ext uri="{FF2B5EF4-FFF2-40B4-BE49-F238E27FC236}">
-                <a16:creationId xmlns:a16="http://schemas.microsoft.com/office/drawing/2014/main" id="{14EFF180-8030-4397-B245-F03274FEA3BB}"/>
-              </a:ext>
-            </a:extLst>
-          </p:cNvPr>
-          <p:cNvSpPr>
-            <a:spLocks noGrp="1"/>
-          </p:cNvSpPr>
-          <p:nvPr>
-            <p:ph idx="1"/>
-          </p:nvPr>
-        </p:nvSpPr>
-        <p:spPr/>
-        <p:txBody>
-          <a:bodyPr/>
-          <a:lstStyle/>
-          <a:p>
-            <a:pPr marL="0" indent="0">
-              <a:buNone/>
-            </a:pPr>
-            <a:endParaRPr lang="en-US"/>
-          </a:p>
-        </p:txBody>
-      </p:sp>
       <p:cxnSp>
         <p:nvCxnSpPr>
           <p:cNvPr id="4" name="Straight Connector 3">
@@ -11212,6 +10995,41 @@
           </a:fontRef>
         </p:style>
       </p:cxnSp>
+      <p:pic>
+        <p:nvPicPr>
+          <p:cNvPr id="12" name="Content Placeholder 11">
+            <a:extLst>
+              <a:ext uri="{FF2B5EF4-FFF2-40B4-BE49-F238E27FC236}">
+                <a16:creationId xmlns:a16="http://schemas.microsoft.com/office/drawing/2014/main" id="{C2016D2D-E5AC-406E-A17D-ED85C2D57E32}"/>
+              </a:ext>
+            </a:extLst>
+          </p:cNvPr>
+          <p:cNvPicPr>
+            <a:picLocks noGrp="1" noChangeAspect="1"/>
+          </p:cNvPicPr>
+          <p:nvPr>
+            <p:ph idx="1"/>
+          </p:nvPr>
+        </p:nvPicPr>
+        <p:blipFill>
+          <a:blip r:embed="rId2">
+            <a:extLst>
+              <a:ext uri="{28A0092B-C50C-407E-A947-70E740481C1C}">
+                <a14:useLocalDpi xmlns:a14="http://schemas.microsoft.com/office/drawing/2010/main" val="0"/>
+              </a:ext>
+            </a:extLst>
+          </a:blip>
+          <a:stretch>
+            <a:fillRect/>
+          </a:stretch>
+        </p:blipFill>
+        <p:spPr>
+          <a:xfrm>
+            <a:off x="2269877" y="1448750"/>
+            <a:ext cx="7652246" cy="5069851"/>
+          </a:xfrm>
+        </p:spPr>
+      </p:pic>
     </p:spTree>
     <p:extLst>
       <p:ext uri="{BB962C8B-B14F-4D97-AF65-F5344CB8AC3E}">
@@ -11514,7 +11332,7 @@
               <a:buNone/>
             </a:pPr>
             <a:r>
-              <a:rPr lang="en-US">
+              <a:rPr lang="en-US" b="1">
                 <a:latin typeface="Sylfaen" panose="010A0502050306030303" pitchFamily="18" charset="0"/>
               </a:rPr>
               <a:t>IPAdress:port</a:t>
@@ -11525,7 +11343,7 @@
               <a:buFont typeface="Arial" panose="020B0604020202020204" pitchFamily="34" charset="0"/>
               <a:buNone/>
             </a:pPr>
-            <a:endParaRPr lang="en-US">
+            <a:endParaRPr lang="en-US" b="1">
               <a:latin typeface="Sylfaen" panose="010A0502050306030303" pitchFamily="18" charset="0"/>
             </a:endParaRPr>
           </a:p>
@@ -11535,7 +11353,7 @@
               <a:buNone/>
             </a:pPr>
             <a:r>
-              <a:rPr lang="en-US">
+              <a:rPr lang="en-US" b="1">
                 <a:latin typeface="Sylfaen" panose="010A0502050306030303" pitchFamily="18" charset="0"/>
               </a:rPr>
               <a:t>socket</a:t>
@@ -11557,7 +11375,7 @@
         </p:nvSpPr>
         <p:spPr>
           <a:xfrm rot="16200000">
-            <a:off x="5912492" y="4709557"/>
+            <a:off x="5912492" y="4694260"/>
             <a:ext cx="367008" cy="2142851"/>
           </a:xfrm>
           <a:prstGeom prst="leftBrace">
@@ -11602,7 +11420,7 @@
           <p:nvPr>
             <p:extLst>
               <p:ext uri="{D42A27DB-BD31-4B8C-83A1-F6EECF244321}">
-                <p14:modId xmlns:p14="http://schemas.microsoft.com/office/powerpoint/2010/main" val="556969710"/>
+                <p14:modId xmlns:p14="http://schemas.microsoft.com/office/powerpoint/2010/main" val="2266788328"/>
               </p:ext>
             </p:extLst>
           </p:nvPr>
@@ -11641,7 +11459,7 @@
                     <a:p>
                       <a:pPr algn="l"/>
                       <a:r>
-                        <a:rPr lang="en-US" sz="2800" b="0" kern="1200">
+                        <a:rPr lang="en-US" sz="2800" b="1" kern="1200">
                           <a:solidFill>
                             <a:schemeClr val="tx1"/>
                           </a:solidFill>
@@ -11702,7 +11520,7 @@
                     <a:p>
                       <a:pPr algn="l"/>
                       <a:r>
-                        <a:rPr lang="en-US" sz="2800" b="0" kern="1200">
+                        <a:rPr lang="en-US" sz="2800" b="1" kern="1200">
                           <a:solidFill>
                             <a:schemeClr val="tx1"/>
                           </a:solidFill>
@@ -11770,12 +11588,12 @@
                     <a:p>
                       <a:pPr algn="l"/>
                       <a:r>
-                        <a:rPr lang="en-US" sz="2800">
+                        <a:rPr lang="en-US" sz="2800" b="1">
                           <a:latin typeface="Sylfaen" panose="010A0502050306030303" pitchFamily="18" charset="0"/>
                         </a:rPr>
                         <a:t>Transport layer</a:t>
                       </a:r>
-                      <a:endParaRPr lang="en-US" sz="2800" kern="1200">
+                      <a:endParaRPr lang="en-US" sz="2800" b="1" kern="1200">
                         <a:solidFill>
                           <a:schemeClr val="tx1"/>
                         </a:solidFill>
@@ -11836,12 +11654,12 @@
                         <a:buNone/>
                       </a:pPr>
                       <a:r>
-                        <a:rPr lang="en-US" sz="2800">
+                        <a:rPr lang="en-US" sz="2800" b="1">
                           <a:latin typeface="Sylfaen" panose="010A0502050306030303" pitchFamily="18" charset="0"/>
                         </a:rPr>
                         <a:t>TCP (Transmission Control Protocol)</a:t>
                       </a:r>
-                      <a:endParaRPr lang="en-US" sz="2800" b="0" kern="1200">
+                      <a:endParaRPr lang="en-US" sz="2800" b="1" kern="1200">
                         <a:solidFill>
                           <a:schemeClr val="tx1"/>
                         </a:solidFill>
@@ -11907,12 +11725,12 @@
                     <a:p>
                       <a:pPr algn="l"/>
                       <a:r>
-                        <a:rPr lang="en-US" sz="2800">
+                        <a:rPr lang="en-US" sz="2800" b="1">
                           <a:latin typeface="Sylfaen" panose="010A0502050306030303" pitchFamily="18" charset="0"/>
                         </a:rPr>
                         <a:t>Internet layer</a:t>
                       </a:r>
-                      <a:endParaRPr lang="en-US" sz="2800" kern="1200">
+                      <a:endParaRPr lang="en-US" sz="2800" b="1" kern="1200">
                         <a:solidFill>
                           <a:schemeClr val="tx1"/>
                         </a:solidFill>
@@ -11987,7 +11805,7 @@
                         <a:defRPr/>
                       </a:pPr>
                       <a:r>
-                        <a:rPr lang="en-US" sz="2800">
+                        <a:rPr lang="en-US" sz="2800" b="1">
                           <a:latin typeface="Sylfaen" panose="010A0502050306030303" pitchFamily="18" charset="0"/>
                         </a:rPr>
                         <a:t>IP (Internet Protocol)</a:t>
@@ -12050,7 +11868,7 @@
                     <a:p>
                       <a:pPr algn="l"/>
                       <a:r>
-                        <a:rPr lang="en-US" sz="2800" kern="1200">
+                        <a:rPr lang="en-US" sz="2800" b="1" kern="1200">
                           <a:solidFill>
                             <a:schemeClr val="tx1"/>
                           </a:solidFill>
@@ -12127,7 +11945,7 @@
                         <a:defRPr/>
                       </a:pPr>
                       <a:r>
-                        <a:rPr lang="en-US" sz="2800">
+                        <a:rPr lang="en-US" sz="2800" b="1">
                           <a:latin typeface="Sylfaen" panose="010A0502050306030303" pitchFamily="18" charset="0"/>
                         </a:rPr>
                         <a:t>Wi-Fi</a:t>
@@ -12345,7 +12163,7 @@
               <a:buNone/>
             </a:pPr>
             <a:r>
-              <a:rPr lang="en-US">
+              <a:rPr lang="en-US" b="1">
                 <a:latin typeface="Sylfaen" panose="010A0502050306030303" pitchFamily="18" charset="0"/>
               </a:rPr>
               <a:t>URI</a:t>
@@ -12832,41 +12650,6 @@
           </a:p>
         </p:txBody>
       </p:sp>
-      <p:pic>
-        <p:nvPicPr>
-          <p:cNvPr id="6" name="Content Placeholder 5">
-            <a:extLst>
-              <a:ext uri="{FF2B5EF4-FFF2-40B4-BE49-F238E27FC236}">
-                <a16:creationId xmlns:a16="http://schemas.microsoft.com/office/drawing/2014/main" id="{31DBC1BF-DA34-470B-A870-6847E4CEDF5A}"/>
-              </a:ext>
-            </a:extLst>
-          </p:cNvPr>
-          <p:cNvPicPr>
-            <a:picLocks noGrp="1" noChangeAspect="1"/>
-          </p:cNvPicPr>
-          <p:nvPr>
-            <p:ph idx="1"/>
-          </p:nvPr>
-        </p:nvPicPr>
-        <p:blipFill>
-          <a:blip r:embed="rId2">
-            <a:extLst>
-              <a:ext uri="{28A0092B-C50C-407E-A947-70E740481C1C}">
-                <a14:useLocalDpi xmlns:a14="http://schemas.microsoft.com/office/drawing/2010/main" val="0"/>
-              </a:ext>
-            </a:extLst>
-          </a:blip>
-          <a:stretch>
-            <a:fillRect/>
-          </a:stretch>
-        </p:blipFill>
-        <p:spPr>
-          <a:xfrm>
-            <a:off x="1389517" y="1343818"/>
-            <a:ext cx="8917665" cy="5155403"/>
-          </a:xfrm>
-        </p:spPr>
-      </p:pic>
       <p:cxnSp>
         <p:nvCxnSpPr>
           <p:cNvPr id="4" name="Straight Connector 3">
@@ -12905,6 +12688,41 @@
           </a:fontRef>
         </p:style>
       </p:cxnSp>
+      <p:pic>
+        <p:nvPicPr>
+          <p:cNvPr id="8" name="Content Placeholder 7">
+            <a:extLst>
+              <a:ext uri="{FF2B5EF4-FFF2-40B4-BE49-F238E27FC236}">
+                <a16:creationId xmlns:a16="http://schemas.microsoft.com/office/drawing/2014/main" id="{70DF9714-D6EE-40C2-9198-2D892379ADAD}"/>
+              </a:ext>
+            </a:extLst>
+          </p:cNvPr>
+          <p:cNvPicPr>
+            <a:picLocks noGrp="1" noChangeAspect="1"/>
+          </p:cNvPicPr>
+          <p:nvPr>
+            <p:ph idx="1"/>
+          </p:nvPr>
+        </p:nvPicPr>
+        <p:blipFill>
+          <a:blip r:embed="rId2">
+            <a:extLst>
+              <a:ext uri="{28A0092B-C50C-407E-A947-70E740481C1C}">
+                <a14:useLocalDpi xmlns:a14="http://schemas.microsoft.com/office/drawing/2010/main" val="0"/>
+              </a:ext>
+            </a:extLst>
+          </a:blip>
+          <a:stretch>
+            <a:fillRect/>
+          </a:stretch>
+        </p:blipFill>
+        <p:spPr>
+          <a:xfrm>
+            <a:off x="1787507" y="1343818"/>
+            <a:ext cx="8616985" cy="4981576"/>
+          </a:xfrm>
+        </p:spPr>
+      </p:pic>
     </p:spTree>
     <p:extLst>
       <p:ext uri="{BB962C8B-B14F-4D97-AF65-F5344CB8AC3E}">
@@ -13045,10 +12863,10 @@
       </p:cxnSp>
       <p:pic>
         <p:nvPicPr>
-          <p:cNvPr id="8" name="Picture 7">
-            <a:extLst>
-              <a:ext uri="{FF2B5EF4-FFF2-40B4-BE49-F238E27FC236}">
-                <a16:creationId xmlns:a16="http://schemas.microsoft.com/office/drawing/2014/main" id="{38117982-C00E-4905-8FB2-F3AE75CDA4B0}"/>
+          <p:cNvPr id="5" name="Picture 4">
+            <a:extLst>
+              <a:ext uri="{FF2B5EF4-FFF2-40B4-BE49-F238E27FC236}">
+                <a16:creationId xmlns:a16="http://schemas.microsoft.com/office/drawing/2014/main" id="{DB3B5CB0-46DA-4029-B1CC-BDCA8DDE85CF}"/>
               </a:ext>
             </a:extLst>
           </p:cNvPr>
@@ -13071,7 +12889,7 @@
         </p:blipFill>
         <p:spPr>
           <a:xfrm>
-            <a:off x="1171574" y="4234565"/>
+            <a:off x="1171574" y="4117975"/>
             <a:ext cx="9848850" cy="2076450"/>
           </a:xfrm>
           <a:prstGeom prst="rect">
@@ -13164,8 +12982,8 @@
         </p:nvSpPr>
         <p:spPr>
           <a:xfrm>
-            <a:off x="838198" y="1931686"/>
-            <a:ext cx="4603154" cy="3809433"/>
+            <a:off x="838198" y="2157718"/>
+            <a:ext cx="4603154" cy="3462350"/>
           </a:xfrm>
         </p:spPr>
         <p:txBody>
@@ -13224,7 +13042,7 @@
               <a:rPr lang="en-US" b="1">
                 <a:latin typeface="Sylfaen" panose="010A0502050306030303" pitchFamily="18" charset="0"/>
               </a:rPr>
-              <a:t>Message – body (optional)</a:t>
+              <a:t>Body (optional)</a:t>
             </a:r>
           </a:p>
         </p:txBody>

--- a/Http/Http_presentation.pptx
+++ b/Http/Http_presentation.pptx
@@ -289,7 +289,7 @@
           <a:p>
             <a:fld id="{E36C89DF-7188-4BC0-ADF4-07E309878DC2}" type="datetimeFigureOut">
               <a:rPr lang="ru-RU" smtClean="0"/>
-              <a:t>13.10.2022</a:t>
+              <a:t>14.10.2022</a:t>
             </a:fld>
             <a:endParaRPr lang="ru-RU"/>
           </a:p>
@@ -487,7 +487,7 @@
           <a:p>
             <a:fld id="{E36C89DF-7188-4BC0-ADF4-07E309878DC2}" type="datetimeFigureOut">
               <a:rPr lang="ru-RU" smtClean="0"/>
-              <a:t>13.10.2022</a:t>
+              <a:t>14.10.2022</a:t>
             </a:fld>
             <a:endParaRPr lang="ru-RU"/>
           </a:p>
@@ -695,7 +695,7 @@
           <a:p>
             <a:fld id="{E36C89DF-7188-4BC0-ADF4-07E309878DC2}" type="datetimeFigureOut">
               <a:rPr lang="ru-RU" smtClean="0"/>
-              <a:t>13.10.2022</a:t>
+              <a:t>14.10.2022</a:t>
             </a:fld>
             <a:endParaRPr lang="ru-RU"/>
           </a:p>
@@ -893,7 +893,7 @@
           <a:p>
             <a:fld id="{E36C89DF-7188-4BC0-ADF4-07E309878DC2}" type="datetimeFigureOut">
               <a:rPr lang="ru-RU" smtClean="0"/>
-              <a:t>13.10.2022</a:t>
+              <a:t>14.10.2022</a:t>
             </a:fld>
             <a:endParaRPr lang="ru-RU"/>
           </a:p>
@@ -1168,7 +1168,7 @@
           <a:p>
             <a:fld id="{E36C89DF-7188-4BC0-ADF4-07E309878DC2}" type="datetimeFigureOut">
               <a:rPr lang="ru-RU" smtClean="0"/>
-              <a:t>13.10.2022</a:t>
+              <a:t>14.10.2022</a:t>
             </a:fld>
             <a:endParaRPr lang="ru-RU"/>
           </a:p>
@@ -1433,7 +1433,7 @@
           <a:p>
             <a:fld id="{E36C89DF-7188-4BC0-ADF4-07E309878DC2}" type="datetimeFigureOut">
               <a:rPr lang="ru-RU" smtClean="0"/>
-              <a:t>13.10.2022</a:t>
+              <a:t>14.10.2022</a:t>
             </a:fld>
             <a:endParaRPr lang="ru-RU"/>
           </a:p>
@@ -1845,7 +1845,7 @@
           <a:p>
             <a:fld id="{E36C89DF-7188-4BC0-ADF4-07E309878DC2}" type="datetimeFigureOut">
               <a:rPr lang="ru-RU" smtClean="0"/>
-              <a:t>13.10.2022</a:t>
+              <a:t>14.10.2022</a:t>
             </a:fld>
             <a:endParaRPr lang="ru-RU"/>
           </a:p>
@@ -1986,7 +1986,7 @@
           <a:p>
             <a:fld id="{E36C89DF-7188-4BC0-ADF4-07E309878DC2}" type="datetimeFigureOut">
               <a:rPr lang="ru-RU" smtClean="0"/>
-              <a:t>13.10.2022</a:t>
+              <a:t>14.10.2022</a:t>
             </a:fld>
             <a:endParaRPr lang="ru-RU"/>
           </a:p>
@@ -2099,7 +2099,7 @@
           <a:p>
             <a:fld id="{E36C89DF-7188-4BC0-ADF4-07E309878DC2}" type="datetimeFigureOut">
               <a:rPr lang="ru-RU" smtClean="0"/>
-              <a:t>13.10.2022</a:t>
+              <a:t>14.10.2022</a:t>
             </a:fld>
             <a:endParaRPr lang="ru-RU"/>
           </a:p>
@@ -2410,7 +2410,7 @@
           <a:p>
             <a:fld id="{E36C89DF-7188-4BC0-ADF4-07E309878DC2}" type="datetimeFigureOut">
               <a:rPr lang="ru-RU" smtClean="0"/>
-              <a:t>13.10.2022</a:t>
+              <a:t>14.10.2022</a:t>
             </a:fld>
             <a:endParaRPr lang="ru-RU"/>
           </a:p>
@@ -2698,7 +2698,7 @@
           <a:p>
             <a:fld id="{E36C89DF-7188-4BC0-ADF4-07E309878DC2}" type="datetimeFigureOut">
               <a:rPr lang="ru-RU" smtClean="0"/>
-              <a:t>13.10.2022</a:t>
+              <a:t>14.10.2022</a:t>
             </a:fld>
             <a:endParaRPr lang="ru-RU"/>
           </a:p>
@@ -2939,7 +2939,7 @@
           <a:p>
             <a:fld id="{E36C89DF-7188-4BC0-ADF4-07E309878DC2}" type="datetimeFigureOut">
               <a:rPr lang="ru-RU" smtClean="0"/>
-              <a:t>13.10.2022</a:t>
+              <a:t>14.10.2022</a:t>
             </a:fld>
             <a:endParaRPr lang="ru-RU"/>
           </a:p>

--- a/Http/Http_presentation.pptx
+++ b/Http/Http_presentation.pptx
@@ -6,8 +6,8 @@
   </p:sldMasterIdLst>
   <p:sldIdLst>
     <p:sldId id="288" r:id="rId2"/>
-    <p:sldId id="256" r:id="rId3"/>
-    <p:sldId id="257" r:id="rId4"/>
+    <p:sldId id="257" r:id="rId3"/>
+    <p:sldId id="256" r:id="rId4"/>
     <p:sldId id="262" r:id="rId5"/>
     <p:sldId id="259" r:id="rId6"/>
     <p:sldId id="263" r:id="rId7"/>
@@ -15,9 +15,9 @@
     <p:sldId id="258" r:id="rId9"/>
     <p:sldId id="260" r:id="rId10"/>
     <p:sldId id="261" r:id="rId11"/>
-    <p:sldId id="264" r:id="rId12"/>
-    <p:sldId id="265" r:id="rId13"/>
-    <p:sldId id="266" r:id="rId14"/>
+    <p:sldId id="265" r:id="rId12"/>
+    <p:sldId id="266" r:id="rId13"/>
+    <p:sldId id="264" r:id="rId14"/>
     <p:sldId id="267" r:id="rId15"/>
     <p:sldId id="285" r:id="rId16"/>
     <p:sldId id="268" r:id="rId17"/>
@@ -289,7 +289,7 @@
           <a:p>
             <a:fld id="{E36C89DF-7188-4BC0-ADF4-07E309878DC2}" type="datetimeFigureOut">
               <a:rPr lang="ru-RU" smtClean="0"/>
-              <a:t>14.10.2022</a:t>
+              <a:t>24.10.2022</a:t>
             </a:fld>
             <a:endParaRPr lang="ru-RU"/>
           </a:p>
@@ -487,7 +487,7 @@
           <a:p>
             <a:fld id="{E36C89DF-7188-4BC0-ADF4-07E309878DC2}" type="datetimeFigureOut">
               <a:rPr lang="ru-RU" smtClean="0"/>
-              <a:t>14.10.2022</a:t>
+              <a:t>24.10.2022</a:t>
             </a:fld>
             <a:endParaRPr lang="ru-RU"/>
           </a:p>
@@ -695,7 +695,7 @@
           <a:p>
             <a:fld id="{E36C89DF-7188-4BC0-ADF4-07E309878DC2}" type="datetimeFigureOut">
               <a:rPr lang="ru-RU" smtClean="0"/>
-              <a:t>14.10.2022</a:t>
+              <a:t>24.10.2022</a:t>
             </a:fld>
             <a:endParaRPr lang="ru-RU"/>
           </a:p>
@@ -893,7 +893,7 @@
           <a:p>
             <a:fld id="{E36C89DF-7188-4BC0-ADF4-07E309878DC2}" type="datetimeFigureOut">
               <a:rPr lang="ru-RU" smtClean="0"/>
-              <a:t>14.10.2022</a:t>
+              <a:t>24.10.2022</a:t>
             </a:fld>
             <a:endParaRPr lang="ru-RU"/>
           </a:p>
@@ -1168,7 +1168,7 @@
           <a:p>
             <a:fld id="{E36C89DF-7188-4BC0-ADF4-07E309878DC2}" type="datetimeFigureOut">
               <a:rPr lang="ru-RU" smtClean="0"/>
-              <a:t>14.10.2022</a:t>
+              <a:t>24.10.2022</a:t>
             </a:fld>
             <a:endParaRPr lang="ru-RU"/>
           </a:p>
@@ -1433,7 +1433,7 @@
           <a:p>
             <a:fld id="{E36C89DF-7188-4BC0-ADF4-07E309878DC2}" type="datetimeFigureOut">
               <a:rPr lang="ru-RU" smtClean="0"/>
-              <a:t>14.10.2022</a:t>
+              <a:t>24.10.2022</a:t>
             </a:fld>
             <a:endParaRPr lang="ru-RU"/>
           </a:p>
@@ -1845,7 +1845,7 @@
           <a:p>
             <a:fld id="{E36C89DF-7188-4BC0-ADF4-07E309878DC2}" type="datetimeFigureOut">
               <a:rPr lang="ru-RU" smtClean="0"/>
-              <a:t>14.10.2022</a:t>
+              <a:t>24.10.2022</a:t>
             </a:fld>
             <a:endParaRPr lang="ru-RU"/>
           </a:p>
@@ -1986,7 +1986,7 @@
           <a:p>
             <a:fld id="{E36C89DF-7188-4BC0-ADF4-07E309878DC2}" type="datetimeFigureOut">
               <a:rPr lang="ru-RU" smtClean="0"/>
-              <a:t>14.10.2022</a:t>
+              <a:t>24.10.2022</a:t>
             </a:fld>
             <a:endParaRPr lang="ru-RU"/>
           </a:p>
@@ -2099,7 +2099,7 @@
           <a:p>
             <a:fld id="{E36C89DF-7188-4BC0-ADF4-07E309878DC2}" type="datetimeFigureOut">
               <a:rPr lang="ru-RU" smtClean="0"/>
-              <a:t>14.10.2022</a:t>
+              <a:t>24.10.2022</a:t>
             </a:fld>
             <a:endParaRPr lang="ru-RU"/>
           </a:p>
@@ -2410,7 +2410,7 @@
           <a:p>
             <a:fld id="{E36C89DF-7188-4BC0-ADF4-07E309878DC2}" type="datetimeFigureOut">
               <a:rPr lang="ru-RU" smtClean="0"/>
-              <a:t>14.10.2022</a:t>
+              <a:t>24.10.2022</a:t>
             </a:fld>
             <a:endParaRPr lang="ru-RU"/>
           </a:p>
@@ -2698,7 +2698,7 @@
           <a:p>
             <a:fld id="{E36C89DF-7188-4BC0-ADF4-07E309878DC2}" type="datetimeFigureOut">
               <a:rPr lang="ru-RU" smtClean="0"/>
-              <a:t>14.10.2022</a:t>
+              <a:t>24.10.2022</a:t>
             </a:fld>
             <a:endParaRPr lang="ru-RU"/>
           </a:p>
@@ -2939,7 +2939,7 @@
           <a:p>
             <a:fld id="{E36C89DF-7188-4BC0-ADF4-07E309878DC2}" type="datetimeFigureOut">
               <a:rPr lang="ru-RU" smtClean="0"/>
-              <a:t>14.10.2022</a:t>
+              <a:t>24.10.2022</a:t>
             </a:fld>
             <a:endParaRPr lang="ru-RU"/>
           </a:p>
@@ -3439,7 +3439,7 @@
         </p:nvSpPr>
         <p:spPr>
           <a:xfrm>
-            <a:off x="838200" y="-144327"/>
+            <a:off x="838200" y="0"/>
             <a:ext cx="10515600" cy="1325563"/>
           </a:xfrm>
         </p:spPr>
@@ -3473,9 +3473,16 @@
             <p:ph idx="1"/>
           </p:nvPr>
         </p:nvSpPr>
-        <p:spPr/>
+        <p:spPr>
+          <a:xfrm>
+            <a:off x="838200" y="1708517"/>
+            <a:ext cx="10515600" cy="4407469"/>
+          </a:xfrm>
+        </p:spPr>
         <p:txBody>
-          <a:bodyPr/>
+          <a:bodyPr>
+            <a:normAutofit/>
+          </a:bodyPr>
           <a:lstStyle/>
           <a:p>
             <a:pPr marL="0" indent="0">
@@ -3518,6 +3525,31 @@
               </a:rPr>
               <a:t>Request-URI = “*” | absoluteURI | abs_path | authority</a:t>
             </a:r>
+          </a:p>
+          <a:p>
+            <a:pPr marL="0" indent="0">
+              <a:lnSpc>
+                <a:spcPct val="200000"/>
+              </a:lnSpc>
+              <a:buNone/>
+            </a:pPr>
+            <a:r>
+              <a:rPr lang="en-US">
+                <a:latin typeface="Sylfaen" panose="010A0502050306030303" pitchFamily="18" charset="0"/>
+              </a:rPr>
+              <a:t>HTTP-Version = HTTP/1.1</a:t>
+            </a:r>
+          </a:p>
+          <a:p>
+            <a:pPr marL="0" indent="0">
+              <a:lnSpc>
+                <a:spcPct val="200000"/>
+              </a:lnSpc>
+              <a:buNone/>
+            </a:pPr>
+            <a:endParaRPr lang="en-US">
+              <a:latin typeface="Sylfaen" panose="010A0502050306030303" pitchFamily="18" charset="0"/>
+            </a:endParaRPr>
           </a:p>
         </p:txBody>
       </p:sp>
@@ -3537,7 +3569,7 @@
         </p:nvCxnSpPr>
         <p:spPr>
           <a:xfrm>
-            <a:off x="569235" y="1026999"/>
+            <a:off x="569235" y="1218884"/>
             <a:ext cx="11053530" cy="0"/>
           </a:xfrm>
           <a:prstGeom prst="line">
@@ -3594,7 +3626,7 @@
           <p:cNvPr id="2" name="Title 1">
             <a:extLst>
               <a:ext uri="{FF2B5EF4-FFF2-40B4-BE49-F238E27FC236}">
-                <a16:creationId xmlns:a16="http://schemas.microsoft.com/office/drawing/2014/main" id="{777BC29E-4F78-4046-9F3B-086281AD152F}"/>
+                <a16:creationId xmlns:a16="http://schemas.microsoft.com/office/drawing/2014/main" id="{2D7E231A-3DEE-4402-BBB3-864F7E4E45C9}"/>
               </a:ext>
             </a:extLst>
           </p:cNvPr>
@@ -3620,7 +3652,19 @@
               <a:rPr lang="en-US">
                 <a:latin typeface="Sylfaen" panose="010A0502050306030303" pitchFamily="18" charset="0"/>
               </a:rPr>
-              <a:t>Responses</a:t>
+              <a:t>HTTP</a:t>
+            </a:r>
+            <a:r>
+              <a:rPr lang="hy-AM">
+                <a:latin typeface="Sylfaen" panose="010A0502050306030303" pitchFamily="18" charset="0"/>
+              </a:rPr>
+              <a:t> </a:t>
+            </a:r>
+            <a:r>
+              <a:rPr lang="en-US">
+                <a:latin typeface="Sylfaen" panose="010A0502050306030303" pitchFamily="18" charset="0"/>
+              </a:rPr>
+              <a:t>Methods</a:t>
             </a:r>
           </a:p>
         </p:txBody>
@@ -3630,7 +3674,7 @@
           <p:cNvPr id="3" name="Content Placeholder 2">
             <a:extLst>
               <a:ext uri="{FF2B5EF4-FFF2-40B4-BE49-F238E27FC236}">
-                <a16:creationId xmlns:a16="http://schemas.microsoft.com/office/drawing/2014/main" id="{6A04A757-A017-44F3-8EBF-8E9455A1DF13}"/>
+                <a16:creationId xmlns:a16="http://schemas.microsoft.com/office/drawing/2014/main" id="{7D29E69B-D10C-4E70-830B-6FDEA4352060}"/>
               </a:ext>
             </a:extLst>
           </p:cNvPr>
@@ -3643,7 +3687,1595 @@
         </p:nvSpPr>
         <p:spPr>
           <a:xfrm>
-            <a:off x="838200" y="2373313"/>
+            <a:off x="1477133" y="1573992"/>
+            <a:ext cx="7712141" cy="4851400"/>
+          </a:xfrm>
+        </p:spPr>
+        <p:txBody>
+          <a:bodyPr/>
+          <a:lstStyle/>
+          <a:p>
+            <a:pPr marL="0" indent="0">
+              <a:lnSpc>
+                <a:spcPct val="100000"/>
+              </a:lnSpc>
+              <a:buNone/>
+            </a:pPr>
+            <a:r>
+              <a:rPr lang="en-US">
+                <a:latin typeface="Sylfaen" panose="010A0502050306030303" pitchFamily="18" charset="0"/>
+              </a:rPr>
+              <a:t>GET</a:t>
+            </a:r>
+          </a:p>
+          <a:p>
+            <a:pPr marL="0" indent="0">
+              <a:lnSpc>
+                <a:spcPct val="100000"/>
+              </a:lnSpc>
+              <a:buNone/>
+            </a:pPr>
+            <a:r>
+              <a:rPr lang="en-US">
+                <a:latin typeface="Sylfaen" panose="010A0502050306030303" pitchFamily="18" charset="0"/>
+              </a:rPr>
+              <a:t>HEAD</a:t>
+            </a:r>
+          </a:p>
+          <a:p>
+            <a:pPr marL="0" indent="0">
+              <a:lnSpc>
+                <a:spcPct val="100000"/>
+              </a:lnSpc>
+              <a:buNone/>
+            </a:pPr>
+            <a:r>
+              <a:rPr lang="en-US">
+                <a:latin typeface="Sylfaen" panose="010A0502050306030303" pitchFamily="18" charset="0"/>
+              </a:rPr>
+              <a:t>POST</a:t>
+            </a:r>
+          </a:p>
+          <a:p>
+            <a:pPr marL="0" indent="0">
+              <a:lnSpc>
+                <a:spcPct val="100000"/>
+              </a:lnSpc>
+              <a:buNone/>
+            </a:pPr>
+            <a:r>
+              <a:rPr lang="en-US">
+                <a:latin typeface="Sylfaen" panose="010A0502050306030303" pitchFamily="18" charset="0"/>
+              </a:rPr>
+              <a:t>PUT</a:t>
+            </a:r>
+          </a:p>
+          <a:p>
+            <a:pPr marL="0" indent="0">
+              <a:lnSpc>
+                <a:spcPct val="100000"/>
+              </a:lnSpc>
+              <a:buNone/>
+            </a:pPr>
+            <a:r>
+              <a:rPr lang="en-US">
+                <a:latin typeface="Sylfaen" panose="010A0502050306030303" pitchFamily="18" charset="0"/>
+              </a:rPr>
+              <a:t>DELETE</a:t>
+            </a:r>
+          </a:p>
+          <a:p>
+            <a:pPr marL="0" indent="0">
+              <a:lnSpc>
+                <a:spcPct val="100000"/>
+              </a:lnSpc>
+              <a:buNone/>
+            </a:pPr>
+            <a:r>
+              <a:rPr lang="en-US">
+                <a:latin typeface="Sylfaen" panose="010A0502050306030303" pitchFamily="18" charset="0"/>
+              </a:rPr>
+              <a:t>CONNECT</a:t>
+            </a:r>
+          </a:p>
+          <a:p>
+            <a:pPr marL="0" indent="0">
+              <a:lnSpc>
+                <a:spcPct val="100000"/>
+              </a:lnSpc>
+              <a:buNone/>
+            </a:pPr>
+            <a:r>
+              <a:rPr lang="en-US">
+                <a:latin typeface="Sylfaen" panose="010A0502050306030303" pitchFamily="18" charset="0"/>
+              </a:rPr>
+              <a:t>OPTIONS</a:t>
+            </a:r>
+          </a:p>
+          <a:p>
+            <a:pPr marL="0" indent="0">
+              <a:lnSpc>
+                <a:spcPct val="100000"/>
+              </a:lnSpc>
+              <a:buNone/>
+            </a:pPr>
+            <a:r>
+              <a:rPr lang="en-US">
+                <a:latin typeface="Sylfaen" panose="010A0502050306030303" pitchFamily="18" charset="0"/>
+              </a:rPr>
+              <a:t>TRACE</a:t>
+            </a:r>
+          </a:p>
+        </p:txBody>
+      </p:sp>
+      <p:cxnSp>
+        <p:nvCxnSpPr>
+          <p:cNvPr id="4" name="Straight Connector 3">
+            <a:extLst>
+              <a:ext uri="{FF2B5EF4-FFF2-40B4-BE49-F238E27FC236}">
+                <a16:creationId xmlns:a16="http://schemas.microsoft.com/office/drawing/2014/main" id="{6FFB6DAC-5366-45F1-B3CF-6BC18F746533}"/>
+              </a:ext>
+            </a:extLst>
+          </p:cNvPr>
+          <p:cNvCxnSpPr>
+            <a:cxnSpLocks/>
+          </p:cNvCxnSpPr>
+          <p:nvPr/>
+        </p:nvCxnSpPr>
+        <p:spPr>
+          <a:xfrm>
+            <a:off x="569235" y="1085056"/>
+            <a:ext cx="11053530" cy="0"/>
+          </a:xfrm>
+          <a:prstGeom prst="line">
+            <a:avLst/>
+          </a:prstGeom>
+        </p:spPr>
+        <p:style>
+          <a:lnRef idx="3">
+            <a:schemeClr val="accent1"/>
+          </a:lnRef>
+          <a:fillRef idx="0">
+            <a:schemeClr val="accent1"/>
+          </a:fillRef>
+          <a:effectRef idx="2">
+            <a:schemeClr val="accent1"/>
+          </a:effectRef>
+          <a:fontRef idx="minor">
+            <a:schemeClr val="tx1"/>
+          </a:fontRef>
+        </p:style>
+      </p:cxnSp>
+    </p:spTree>
+    <p:extLst>
+      <p:ext uri="{BB962C8B-B14F-4D97-AF65-F5344CB8AC3E}">
+        <p14:creationId xmlns:p14="http://schemas.microsoft.com/office/powerpoint/2010/main" val="3160597686"/>
+      </p:ext>
+    </p:extLst>
+  </p:cSld>
+  <p:clrMapOvr>
+    <a:masterClrMapping/>
+  </p:clrMapOvr>
+</p:sld>
+</file>
+
+<file path=ppt/slides/slide12.xml><?xml version="1.0" encoding="utf-8"?>
+<p:sld xmlns:a="http://schemas.openxmlformats.org/drawingml/2006/main" xmlns:r="http://schemas.openxmlformats.org/officeDocument/2006/relationships" xmlns:p="http://schemas.openxmlformats.org/presentationml/2006/main">
+  <p:cSld>
+    <p:spTree>
+      <p:nvGrpSpPr>
+        <p:cNvPr id="1" name=""/>
+        <p:cNvGrpSpPr/>
+        <p:nvPr/>
+      </p:nvGrpSpPr>
+      <p:grpSpPr>
+        <a:xfrm>
+          <a:off x="0" y="0"/>
+          <a:ext cx="0" cy="0"/>
+          <a:chOff x="0" y="0"/>
+          <a:chExt cx="0" cy="0"/>
+        </a:xfrm>
+      </p:grpSpPr>
+      <p:sp>
+        <p:nvSpPr>
+          <p:cNvPr id="2" name="Title 1">
+            <a:extLst>
+              <a:ext uri="{FF2B5EF4-FFF2-40B4-BE49-F238E27FC236}">
+                <a16:creationId xmlns:a16="http://schemas.microsoft.com/office/drawing/2014/main" id="{9A8E88EF-4C66-4108-9D3D-90CE0580E5C6}"/>
+              </a:ext>
+            </a:extLst>
+          </p:cNvPr>
+          <p:cNvSpPr>
+            <a:spLocks noGrp="1"/>
+          </p:cNvSpPr>
+          <p:nvPr>
+            <p:ph type="title"/>
+          </p:nvPr>
+        </p:nvSpPr>
+        <p:spPr>
+          <a:xfrm>
+            <a:off x="838200" y="0"/>
+            <a:ext cx="10515600" cy="1325563"/>
+          </a:xfrm>
+        </p:spPr>
+        <p:txBody>
+          <a:bodyPr/>
+          <a:lstStyle/>
+          <a:p>
+            <a:pPr algn="ctr"/>
+            <a:r>
+              <a:rPr lang="en-US">
+                <a:latin typeface="Sylfaen" panose="010A0502050306030303" pitchFamily="18" charset="0"/>
+              </a:rPr>
+              <a:t>Idempotency</a:t>
+            </a:r>
+            <a:endParaRPr lang="en-US"/>
+          </a:p>
+        </p:txBody>
+      </p:sp>
+      <p:sp>
+        <p:nvSpPr>
+          <p:cNvPr id="3" name="Content Placeholder 2">
+            <a:extLst>
+              <a:ext uri="{FF2B5EF4-FFF2-40B4-BE49-F238E27FC236}">
+                <a16:creationId xmlns:a16="http://schemas.microsoft.com/office/drawing/2014/main" id="{C4BFAEC6-3075-4015-9448-D90A5AE0E53C}"/>
+              </a:ext>
+            </a:extLst>
+          </p:cNvPr>
+          <p:cNvSpPr>
+            <a:spLocks noGrp="1"/>
+          </p:cNvSpPr>
+          <p:nvPr>
+            <p:ph idx="1"/>
+          </p:nvPr>
+        </p:nvSpPr>
+        <p:spPr>
+          <a:xfrm>
+            <a:off x="3794393" y="1720562"/>
+            <a:ext cx="2182090" cy="4484110"/>
+          </a:xfrm>
+        </p:spPr>
+        <p:txBody>
+          <a:bodyPr>
+            <a:normAutofit/>
+          </a:bodyPr>
+          <a:lstStyle/>
+          <a:p>
+            <a:pPr marL="0" indent="0">
+              <a:lnSpc>
+                <a:spcPct val="100000"/>
+              </a:lnSpc>
+              <a:buNone/>
+            </a:pPr>
+            <a:r>
+              <a:rPr lang="en-US">
+                <a:latin typeface="Sylfaen" panose="010A0502050306030303" pitchFamily="18" charset="0"/>
+              </a:rPr>
+              <a:t>GET</a:t>
+            </a:r>
+          </a:p>
+          <a:p>
+            <a:pPr marL="0" indent="0">
+              <a:lnSpc>
+                <a:spcPct val="100000"/>
+              </a:lnSpc>
+              <a:buNone/>
+            </a:pPr>
+            <a:r>
+              <a:rPr lang="en-US">
+                <a:latin typeface="Sylfaen" panose="010A0502050306030303" pitchFamily="18" charset="0"/>
+              </a:rPr>
+              <a:t>HEAD</a:t>
+            </a:r>
+          </a:p>
+          <a:p>
+            <a:pPr marL="0" indent="0">
+              <a:lnSpc>
+                <a:spcPct val="100000"/>
+              </a:lnSpc>
+              <a:buNone/>
+            </a:pPr>
+            <a:r>
+              <a:rPr lang="en-US">
+                <a:latin typeface="Sylfaen" panose="010A0502050306030303" pitchFamily="18" charset="0"/>
+              </a:rPr>
+              <a:t>PUT</a:t>
+            </a:r>
+          </a:p>
+          <a:p>
+            <a:pPr marL="0" indent="0">
+              <a:lnSpc>
+                <a:spcPct val="100000"/>
+              </a:lnSpc>
+              <a:buNone/>
+            </a:pPr>
+            <a:r>
+              <a:rPr lang="en-US">
+                <a:latin typeface="Sylfaen" panose="010A0502050306030303" pitchFamily="18" charset="0"/>
+              </a:rPr>
+              <a:t>DELETE</a:t>
+            </a:r>
+          </a:p>
+          <a:p>
+            <a:pPr marL="0" indent="0">
+              <a:lnSpc>
+                <a:spcPct val="100000"/>
+              </a:lnSpc>
+              <a:buNone/>
+            </a:pPr>
+            <a:r>
+              <a:rPr lang="en-US">
+                <a:latin typeface="Sylfaen" panose="010A0502050306030303" pitchFamily="18" charset="0"/>
+              </a:rPr>
+              <a:t>CONNECT</a:t>
+            </a:r>
+          </a:p>
+          <a:p>
+            <a:pPr marL="0" indent="0">
+              <a:lnSpc>
+                <a:spcPct val="100000"/>
+              </a:lnSpc>
+              <a:buNone/>
+            </a:pPr>
+            <a:r>
+              <a:rPr lang="en-US">
+                <a:latin typeface="Sylfaen" panose="010A0502050306030303" pitchFamily="18" charset="0"/>
+              </a:rPr>
+              <a:t>OPTIONS</a:t>
+            </a:r>
+          </a:p>
+          <a:p>
+            <a:pPr marL="0" indent="0">
+              <a:lnSpc>
+                <a:spcPct val="100000"/>
+              </a:lnSpc>
+              <a:buNone/>
+            </a:pPr>
+            <a:r>
+              <a:rPr lang="en-US">
+                <a:latin typeface="Sylfaen" panose="010A0502050306030303" pitchFamily="18" charset="0"/>
+              </a:rPr>
+              <a:t>TRACE</a:t>
+            </a:r>
+          </a:p>
+          <a:p>
+            <a:pPr marL="0" indent="0">
+              <a:lnSpc>
+                <a:spcPct val="100000"/>
+              </a:lnSpc>
+              <a:buNone/>
+            </a:pPr>
+            <a:r>
+              <a:rPr lang="en-US">
+                <a:latin typeface="Sylfaen" panose="010A0502050306030303" pitchFamily="18" charset="0"/>
+              </a:rPr>
+              <a:t>POST</a:t>
+            </a:r>
+          </a:p>
+        </p:txBody>
+      </p:sp>
+      <p:cxnSp>
+        <p:nvCxnSpPr>
+          <p:cNvPr id="4" name="Straight Connector 3">
+            <a:extLst>
+              <a:ext uri="{FF2B5EF4-FFF2-40B4-BE49-F238E27FC236}">
+                <a16:creationId xmlns:a16="http://schemas.microsoft.com/office/drawing/2014/main" id="{86ECD613-06F9-4894-B8C8-B2E139B068C0}"/>
+              </a:ext>
+            </a:extLst>
+          </p:cNvPr>
+          <p:cNvCxnSpPr>
+            <a:cxnSpLocks/>
+          </p:cNvCxnSpPr>
+          <p:nvPr/>
+        </p:nvCxnSpPr>
+        <p:spPr>
+          <a:xfrm>
+            <a:off x="569235" y="1214365"/>
+            <a:ext cx="11053530" cy="0"/>
+          </a:xfrm>
+          <a:prstGeom prst="line">
+            <a:avLst/>
+          </a:prstGeom>
+        </p:spPr>
+        <p:style>
+          <a:lnRef idx="3">
+            <a:schemeClr val="accent1"/>
+          </a:lnRef>
+          <a:fillRef idx="0">
+            <a:schemeClr val="accent1"/>
+          </a:fillRef>
+          <a:effectRef idx="2">
+            <a:schemeClr val="accent1"/>
+          </a:effectRef>
+          <a:fontRef idx="minor">
+            <a:schemeClr val="tx1"/>
+          </a:fontRef>
+        </p:style>
+      </p:cxnSp>
+      <p:sp>
+        <p:nvSpPr>
+          <p:cNvPr id="5" name="Content Placeholder 2">
+            <a:extLst>
+              <a:ext uri="{FF2B5EF4-FFF2-40B4-BE49-F238E27FC236}">
+                <a16:creationId xmlns:a16="http://schemas.microsoft.com/office/drawing/2014/main" id="{39A79BEA-E6DA-4ED0-8A9E-DF3368F4BDE5}"/>
+              </a:ext>
+            </a:extLst>
+          </p:cNvPr>
+          <p:cNvSpPr txBox="1">
+            <a:spLocks/>
+          </p:cNvSpPr>
+          <p:nvPr/>
+        </p:nvSpPr>
+        <p:spPr>
+          <a:xfrm>
+            <a:off x="891310" y="1853334"/>
+            <a:ext cx="1988127" cy="4351338"/>
+          </a:xfrm>
+          <a:prstGeom prst="rect">
+            <a:avLst/>
+          </a:prstGeom>
+        </p:spPr>
+        <p:txBody>
+          <a:bodyPr vert="horz" lIns="91440" tIns="45720" rIns="91440" bIns="45720" rtlCol="0">
+            <a:normAutofit/>
+          </a:bodyPr>
+          <a:lstStyle>
+            <a:lvl1pPr marL="228600" indent="-228600" algn="l" defTabSz="914400" rtl="0" eaLnBrk="1" latinLnBrk="0" hangingPunct="1">
+              <a:lnSpc>
+                <a:spcPct val="90000"/>
+              </a:lnSpc>
+              <a:spcBef>
+                <a:spcPts val="1000"/>
+              </a:spcBef>
+              <a:buFont typeface="Arial" panose="020B0604020202020204" pitchFamily="34" charset="0"/>
+              <a:buChar char="•"/>
+              <a:defRPr sz="2800" kern="1200">
+                <a:solidFill>
+                  <a:schemeClr val="tx1"/>
+                </a:solidFill>
+                <a:latin typeface="+mn-lt"/>
+                <a:ea typeface="+mn-ea"/>
+                <a:cs typeface="+mn-cs"/>
+              </a:defRPr>
+            </a:lvl1pPr>
+            <a:lvl2pPr marL="685800" indent="-228600" algn="l" defTabSz="914400" rtl="0" eaLnBrk="1" latinLnBrk="0" hangingPunct="1">
+              <a:lnSpc>
+                <a:spcPct val="90000"/>
+              </a:lnSpc>
+              <a:spcBef>
+                <a:spcPts val="500"/>
+              </a:spcBef>
+              <a:buFont typeface="Arial" panose="020B0604020202020204" pitchFamily="34" charset="0"/>
+              <a:buChar char="•"/>
+              <a:defRPr sz="2400" kern="1200">
+                <a:solidFill>
+                  <a:schemeClr val="tx1"/>
+                </a:solidFill>
+                <a:latin typeface="+mn-lt"/>
+                <a:ea typeface="+mn-ea"/>
+                <a:cs typeface="+mn-cs"/>
+              </a:defRPr>
+            </a:lvl2pPr>
+            <a:lvl3pPr marL="1143000" indent="-228600" algn="l" defTabSz="914400" rtl="0" eaLnBrk="1" latinLnBrk="0" hangingPunct="1">
+              <a:lnSpc>
+                <a:spcPct val="90000"/>
+              </a:lnSpc>
+              <a:spcBef>
+                <a:spcPts val="500"/>
+              </a:spcBef>
+              <a:buFont typeface="Arial" panose="020B0604020202020204" pitchFamily="34" charset="0"/>
+              <a:buChar char="•"/>
+              <a:defRPr sz="2000" kern="1200">
+                <a:solidFill>
+                  <a:schemeClr val="tx1"/>
+                </a:solidFill>
+                <a:latin typeface="+mn-lt"/>
+                <a:ea typeface="+mn-ea"/>
+                <a:cs typeface="+mn-cs"/>
+              </a:defRPr>
+            </a:lvl3pPr>
+            <a:lvl4pPr marL="1600200" indent="-228600" algn="l" defTabSz="914400" rtl="0" eaLnBrk="1" latinLnBrk="0" hangingPunct="1">
+              <a:lnSpc>
+                <a:spcPct val="90000"/>
+              </a:lnSpc>
+              <a:spcBef>
+                <a:spcPts val="500"/>
+              </a:spcBef>
+              <a:buFont typeface="Arial" panose="020B0604020202020204" pitchFamily="34" charset="0"/>
+              <a:buChar char="•"/>
+              <a:defRPr sz="1800" kern="1200">
+                <a:solidFill>
+                  <a:schemeClr val="tx1"/>
+                </a:solidFill>
+                <a:latin typeface="+mn-lt"/>
+                <a:ea typeface="+mn-ea"/>
+                <a:cs typeface="+mn-cs"/>
+              </a:defRPr>
+            </a:lvl4pPr>
+            <a:lvl5pPr marL="2057400" indent="-228600" algn="l" defTabSz="914400" rtl="0" eaLnBrk="1" latinLnBrk="0" hangingPunct="1">
+              <a:lnSpc>
+                <a:spcPct val="90000"/>
+              </a:lnSpc>
+              <a:spcBef>
+                <a:spcPts val="500"/>
+              </a:spcBef>
+              <a:buFont typeface="Arial" panose="020B0604020202020204" pitchFamily="34" charset="0"/>
+              <a:buChar char="•"/>
+              <a:defRPr sz="1800" kern="1200">
+                <a:solidFill>
+                  <a:schemeClr val="tx1"/>
+                </a:solidFill>
+                <a:latin typeface="+mn-lt"/>
+                <a:ea typeface="+mn-ea"/>
+                <a:cs typeface="+mn-cs"/>
+              </a:defRPr>
+            </a:lvl5pPr>
+            <a:lvl6pPr marL="2514600" indent="-228600" algn="l" defTabSz="914400" rtl="0" eaLnBrk="1" latinLnBrk="0" hangingPunct="1">
+              <a:lnSpc>
+                <a:spcPct val="90000"/>
+              </a:lnSpc>
+              <a:spcBef>
+                <a:spcPts val="500"/>
+              </a:spcBef>
+              <a:buFont typeface="Arial" panose="020B0604020202020204" pitchFamily="34" charset="0"/>
+              <a:buChar char="•"/>
+              <a:defRPr sz="1800" kern="1200">
+                <a:solidFill>
+                  <a:schemeClr val="tx1"/>
+                </a:solidFill>
+                <a:latin typeface="+mn-lt"/>
+                <a:ea typeface="+mn-ea"/>
+                <a:cs typeface="+mn-cs"/>
+              </a:defRPr>
+            </a:lvl6pPr>
+            <a:lvl7pPr marL="2971800" indent="-228600" algn="l" defTabSz="914400" rtl="0" eaLnBrk="1" latinLnBrk="0" hangingPunct="1">
+              <a:lnSpc>
+                <a:spcPct val="90000"/>
+              </a:lnSpc>
+              <a:spcBef>
+                <a:spcPts val="500"/>
+              </a:spcBef>
+              <a:buFont typeface="Arial" panose="020B0604020202020204" pitchFamily="34" charset="0"/>
+              <a:buChar char="•"/>
+              <a:defRPr sz="1800" kern="1200">
+                <a:solidFill>
+                  <a:schemeClr val="tx1"/>
+                </a:solidFill>
+                <a:latin typeface="+mn-lt"/>
+                <a:ea typeface="+mn-ea"/>
+                <a:cs typeface="+mn-cs"/>
+              </a:defRPr>
+            </a:lvl7pPr>
+            <a:lvl8pPr marL="3429000" indent="-228600" algn="l" defTabSz="914400" rtl="0" eaLnBrk="1" latinLnBrk="0" hangingPunct="1">
+              <a:lnSpc>
+                <a:spcPct val="90000"/>
+              </a:lnSpc>
+              <a:spcBef>
+                <a:spcPts val="500"/>
+              </a:spcBef>
+              <a:buFont typeface="Arial" panose="020B0604020202020204" pitchFamily="34" charset="0"/>
+              <a:buChar char="•"/>
+              <a:defRPr sz="1800" kern="1200">
+                <a:solidFill>
+                  <a:schemeClr val="tx1"/>
+                </a:solidFill>
+                <a:latin typeface="+mn-lt"/>
+                <a:ea typeface="+mn-ea"/>
+                <a:cs typeface="+mn-cs"/>
+              </a:defRPr>
+            </a:lvl8pPr>
+            <a:lvl9pPr marL="3886200" indent="-228600" algn="l" defTabSz="914400" rtl="0" eaLnBrk="1" latinLnBrk="0" hangingPunct="1">
+              <a:lnSpc>
+                <a:spcPct val="90000"/>
+              </a:lnSpc>
+              <a:spcBef>
+                <a:spcPts val="500"/>
+              </a:spcBef>
+              <a:buFont typeface="Arial" panose="020B0604020202020204" pitchFamily="34" charset="0"/>
+              <a:buChar char="•"/>
+              <a:defRPr sz="1800" kern="1200">
+                <a:solidFill>
+                  <a:schemeClr val="tx1"/>
+                </a:solidFill>
+                <a:latin typeface="+mn-lt"/>
+                <a:ea typeface="+mn-ea"/>
+                <a:cs typeface="+mn-cs"/>
+              </a:defRPr>
+            </a:lvl9pPr>
+          </a:lstStyle>
+          <a:p>
+            <a:pPr marL="0" indent="0">
+              <a:lnSpc>
+                <a:spcPct val="100000"/>
+              </a:lnSpc>
+              <a:buFont typeface="Arial" panose="020B0604020202020204" pitchFamily="34" charset="0"/>
+              <a:buNone/>
+            </a:pPr>
+            <a:endParaRPr lang="en-US">
+              <a:latin typeface="Sylfaen" panose="010A0502050306030303" pitchFamily="18" charset="0"/>
+            </a:endParaRPr>
+          </a:p>
+        </p:txBody>
+      </p:sp>
+      <p:sp>
+        <p:nvSpPr>
+          <p:cNvPr id="6" name="Content Placeholder 2">
+            <a:extLst>
+              <a:ext uri="{FF2B5EF4-FFF2-40B4-BE49-F238E27FC236}">
+                <a16:creationId xmlns:a16="http://schemas.microsoft.com/office/drawing/2014/main" id="{E98908ED-B247-4242-9934-D8FF8F341C6E}"/>
+              </a:ext>
+            </a:extLst>
+          </p:cNvPr>
+          <p:cNvSpPr txBox="1">
+            <a:spLocks/>
+          </p:cNvSpPr>
+          <p:nvPr/>
+        </p:nvSpPr>
+        <p:spPr>
+          <a:xfrm>
+            <a:off x="1288473" y="3338656"/>
+            <a:ext cx="2006600" cy="568325"/>
+          </a:xfrm>
+          <a:prstGeom prst="rect">
+            <a:avLst/>
+          </a:prstGeom>
+        </p:spPr>
+        <p:txBody>
+          <a:bodyPr vert="horz" lIns="91440" tIns="45720" rIns="91440" bIns="45720" rtlCol="0">
+            <a:normAutofit/>
+          </a:bodyPr>
+          <a:lstStyle>
+            <a:lvl1pPr marL="228600" indent="-228600" algn="l" defTabSz="914400" rtl="0" eaLnBrk="1" latinLnBrk="0" hangingPunct="1">
+              <a:lnSpc>
+                <a:spcPct val="90000"/>
+              </a:lnSpc>
+              <a:spcBef>
+                <a:spcPts val="1000"/>
+              </a:spcBef>
+              <a:buFont typeface="Arial" panose="020B0604020202020204" pitchFamily="34" charset="0"/>
+              <a:buChar char="•"/>
+              <a:defRPr sz="2800" kern="1200">
+                <a:solidFill>
+                  <a:schemeClr val="tx1"/>
+                </a:solidFill>
+                <a:latin typeface="+mn-lt"/>
+                <a:ea typeface="+mn-ea"/>
+                <a:cs typeface="+mn-cs"/>
+              </a:defRPr>
+            </a:lvl1pPr>
+            <a:lvl2pPr marL="685800" indent="-228600" algn="l" defTabSz="914400" rtl="0" eaLnBrk="1" latinLnBrk="0" hangingPunct="1">
+              <a:lnSpc>
+                <a:spcPct val="90000"/>
+              </a:lnSpc>
+              <a:spcBef>
+                <a:spcPts val="500"/>
+              </a:spcBef>
+              <a:buFont typeface="Arial" panose="020B0604020202020204" pitchFamily="34" charset="0"/>
+              <a:buChar char="•"/>
+              <a:defRPr sz="2400" kern="1200">
+                <a:solidFill>
+                  <a:schemeClr val="tx1"/>
+                </a:solidFill>
+                <a:latin typeface="+mn-lt"/>
+                <a:ea typeface="+mn-ea"/>
+                <a:cs typeface="+mn-cs"/>
+              </a:defRPr>
+            </a:lvl2pPr>
+            <a:lvl3pPr marL="1143000" indent="-228600" algn="l" defTabSz="914400" rtl="0" eaLnBrk="1" latinLnBrk="0" hangingPunct="1">
+              <a:lnSpc>
+                <a:spcPct val="90000"/>
+              </a:lnSpc>
+              <a:spcBef>
+                <a:spcPts val="500"/>
+              </a:spcBef>
+              <a:buFont typeface="Arial" panose="020B0604020202020204" pitchFamily="34" charset="0"/>
+              <a:buChar char="•"/>
+              <a:defRPr sz="2000" kern="1200">
+                <a:solidFill>
+                  <a:schemeClr val="tx1"/>
+                </a:solidFill>
+                <a:latin typeface="+mn-lt"/>
+                <a:ea typeface="+mn-ea"/>
+                <a:cs typeface="+mn-cs"/>
+              </a:defRPr>
+            </a:lvl3pPr>
+            <a:lvl4pPr marL="1600200" indent="-228600" algn="l" defTabSz="914400" rtl="0" eaLnBrk="1" latinLnBrk="0" hangingPunct="1">
+              <a:lnSpc>
+                <a:spcPct val="90000"/>
+              </a:lnSpc>
+              <a:spcBef>
+                <a:spcPts val="500"/>
+              </a:spcBef>
+              <a:buFont typeface="Arial" panose="020B0604020202020204" pitchFamily="34" charset="0"/>
+              <a:buChar char="•"/>
+              <a:defRPr sz="1800" kern="1200">
+                <a:solidFill>
+                  <a:schemeClr val="tx1"/>
+                </a:solidFill>
+                <a:latin typeface="+mn-lt"/>
+                <a:ea typeface="+mn-ea"/>
+                <a:cs typeface="+mn-cs"/>
+              </a:defRPr>
+            </a:lvl4pPr>
+            <a:lvl5pPr marL="2057400" indent="-228600" algn="l" defTabSz="914400" rtl="0" eaLnBrk="1" latinLnBrk="0" hangingPunct="1">
+              <a:lnSpc>
+                <a:spcPct val="90000"/>
+              </a:lnSpc>
+              <a:spcBef>
+                <a:spcPts val="500"/>
+              </a:spcBef>
+              <a:buFont typeface="Arial" panose="020B0604020202020204" pitchFamily="34" charset="0"/>
+              <a:buChar char="•"/>
+              <a:defRPr sz="1800" kern="1200">
+                <a:solidFill>
+                  <a:schemeClr val="tx1"/>
+                </a:solidFill>
+                <a:latin typeface="+mn-lt"/>
+                <a:ea typeface="+mn-ea"/>
+                <a:cs typeface="+mn-cs"/>
+              </a:defRPr>
+            </a:lvl5pPr>
+            <a:lvl6pPr marL="2514600" indent="-228600" algn="l" defTabSz="914400" rtl="0" eaLnBrk="1" latinLnBrk="0" hangingPunct="1">
+              <a:lnSpc>
+                <a:spcPct val="90000"/>
+              </a:lnSpc>
+              <a:spcBef>
+                <a:spcPts val="500"/>
+              </a:spcBef>
+              <a:buFont typeface="Arial" panose="020B0604020202020204" pitchFamily="34" charset="0"/>
+              <a:buChar char="•"/>
+              <a:defRPr sz="1800" kern="1200">
+                <a:solidFill>
+                  <a:schemeClr val="tx1"/>
+                </a:solidFill>
+                <a:latin typeface="+mn-lt"/>
+                <a:ea typeface="+mn-ea"/>
+                <a:cs typeface="+mn-cs"/>
+              </a:defRPr>
+            </a:lvl6pPr>
+            <a:lvl7pPr marL="2971800" indent="-228600" algn="l" defTabSz="914400" rtl="0" eaLnBrk="1" latinLnBrk="0" hangingPunct="1">
+              <a:lnSpc>
+                <a:spcPct val="90000"/>
+              </a:lnSpc>
+              <a:spcBef>
+                <a:spcPts val="500"/>
+              </a:spcBef>
+              <a:buFont typeface="Arial" panose="020B0604020202020204" pitchFamily="34" charset="0"/>
+              <a:buChar char="•"/>
+              <a:defRPr sz="1800" kern="1200">
+                <a:solidFill>
+                  <a:schemeClr val="tx1"/>
+                </a:solidFill>
+                <a:latin typeface="+mn-lt"/>
+                <a:ea typeface="+mn-ea"/>
+                <a:cs typeface="+mn-cs"/>
+              </a:defRPr>
+            </a:lvl7pPr>
+            <a:lvl8pPr marL="3429000" indent="-228600" algn="l" defTabSz="914400" rtl="0" eaLnBrk="1" latinLnBrk="0" hangingPunct="1">
+              <a:lnSpc>
+                <a:spcPct val="90000"/>
+              </a:lnSpc>
+              <a:spcBef>
+                <a:spcPts val="500"/>
+              </a:spcBef>
+              <a:buFont typeface="Arial" panose="020B0604020202020204" pitchFamily="34" charset="0"/>
+              <a:buChar char="•"/>
+              <a:defRPr sz="1800" kern="1200">
+                <a:solidFill>
+                  <a:schemeClr val="tx1"/>
+                </a:solidFill>
+                <a:latin typeface="+mn-lt"/>
+                <a:ea typeface="+mn-ea"/>
+                <a:cs typeface="+mn-cs"/>
+              </a:defRPr>
+            </a:lvl8pPr>
+            <a:lvl9pPr marL="3886200" indent="-228600" algn="l" defTabSz="914400" rtl="0" eaLnBrk="1" latinLnBrk="0" hangingPunct="1">
+              <a:lnSpc>
+                <a:spcPct val="90000"/>
+              </a:lnSpc>
+              <a:spcBef>
+                <a:spcPts val="500"/>
+              </a:spcBef>
+              <a:buFont typeface="Arial" panose="020B0604020202020204" pitchFamily="34" charset="0"/>
+              <a:buChar char="•"/>
+              <a:defRPr sz="1800" kern="1200">
+                <a:solidFill>
+                  <a:schemeClr val="tx1"/>
+                </a:solidFill>
+                <a:latin typeface="+mn-lt"/>
+                <a:ea typeface="+mn-ea"/>
+                <a:cs typeface="+mn-cs"/>
+              </a:defRPr>
+            </a:lvl9pPr>
+          </a:lstStyle>
+          <a:p>
+            <a:pPr marL="0" indent="0">
+              <a:lnSpc>
+                <a:spcPct val="100000"/>
+              </a:lnSpc>
+              <a:buFont typeface="Arial" panose="020B0604020202020204" pitchFamily="34" charset="0"/>
+              <a:buNone/>
+            </a:pPr>
+            <a:r>
+              <a:rPr lang="en-US">
+                <a:latin typeface="Sylfaen" panose="010A0502050306030303" pitchFamily="18" charset="0"/>
+              </a:rPr>
+              <a:t>Idempotent</a:t>
+            </a:r>
+          </a:p>
+        </p:txBody>
+      </p:sp>
+      <p:sp>
+        <p:nvSpPr>
+          <p:cNvPr id="7" name="Content Placeholder 2">
+            <a:extLst>
+              <a:ext uri="{FF2B5EF4-FFF2-40B4-BE49-F238E27FC236}">
+                <a16:creationId xmlns:a16="http://schemas.microsoft.com/office/drawing/2014/main" id="{2F80F4A4-1025-4960-86B2-724C1099EA87}"/>
+              </a:ext>
+            </a:extLst>
+          </p:cNvPr>
+          <p:cNvSpPr txBox="1">
+            <a:spLocks/>
+          </p:cNvSpPr>
+          <p:nvPr/>
+        </p:nvSpPr>
+        <p:spPr>
+          <a:xfrm>
+            <a:off x="591172" y="5541114"/>
+            <a:ext cx="2892136" cy="627423"/>
+          </a:xfrm>
+          <a:prstGeom prst="rect">
+            <a:avLst/>
+          </a:prstGeom>
+        </p:spPr>
+        <p:txBody>
+          <a:bodyPr vert="horz" lIns="91440" tIns="45720" rIns="91440" bIns="45720" rtlCol="0">
+            <a:normAutofit/>
+          </a:bodyPr>
+          <a:lstStyle>
+            <a:lvl1pPr marL="228600" indent="-228600" algn="l" defTabSz="914400" rtl="0" eaLnBrk="1" latinLnBrk="0" hangingPunct="1">
+              <a:lnSpc>
+                <a:spcPct val="90000"/>
+              </a:lnSpc>
+              <a:spcBef>
+                <a:spcPts val="1000"/>
+              </a:spcBef>
+              <a:buFont typeface="Arial" panose="020B0604020202020204" pitchFamily="34" charset="0"/>
+              <a:buChar char="•"/>
+              <a:defRPr sz="2800" kern="1200">
+                <a:solidFill>
+                  <a:schemeClr val="tx1"/>
+                </a:solidFill>
+                <a:latin typeface="+mn-lt"/>
+                <a:ea typeface="+mn-ea"/>
+                <a:cs typeface="+mn-cs"/>
+              </a:defRPr>
+            </a:lvl1pPr>
+            <a:lvl2pPr marL="685800" indent="-228600" algn="l" defTabSz="914400" rtl="0" eaLnBrk="1" latinLnBrk="0" hangingPunct="1">
+              <a:lnSpc>
+                <a:spcPct val="90000"/>
+              </a:lnSpc>
+              <a:spcBef>
+                <a:spcPts val="500"/>
+              </a:spcBef>
+              <a:buFont typeface="Arial" panose="020B0604020202020204" pitchFamily="34" charset="0"/>
+              <a:buChar char="•"/>
+              <a:defRPr sz="2400" kern="1200">
+                <a:solidFill>
+                  <a:schemeClr val="tx1"/>
+                </a:solidFill>
+                <a:latin typeface="+mn-lt"/>
+                <a:ea typeface="+mn-ea"/>
+                <a:cs typeface="+mn-cs"/>
+              </a:defRPr>
+            </a:lvl2pPr>
+            <a:lvl3pPr marL="1143000" indent="-228600" algn="l" defTabSz="914400" rtl="0" eaLnBrk="1" latinLnBrk="0" hangingPunct="1">
+              <a:lnSpc>
+                <a:spcPct val="90000"/>
+              </a:lnSpc>
+              <a:spcBef>
+                <a:spcPts val="500"/>
+              </a:spcBef>
+              <a:buFont typeface="Arial" panose="020B0604020202020204" pitchFamily="34" charset="0"/>
+              <a:buChar char="•"/>
+              <a:defRPr sz="2000" kern="1200">
+                <a:solidFill>
+                  <a:schemeClr val="tx1"/>
+                </a:solidFill>
+                <a:latin typeface="+mn-lt"/>
+                <a:ea typeface="+mn-ea"/>
+                <a:cs typeface="+mn-cs"/>
+              </a:defRPr>
+            </a:lvl3pPr>
+            <a:lvl4pPr marL="1600200" indent="-228600" algn="l" defTabSz="914400" rtl="0" eaLnBrk="1" latinLnBrk="0" hangingPunct="1">
+              <a:lnSpc>
+                <a:spcPct val="90000"/>
+              </a:lnSpc>
+              <a:spcBef>
+                <a:spcPts val="500"/>
+              </a:spcBef>
+              <a:buFont typeface="Arial" panose="020B0604020202020204" pitchFamily="34" charset="0"/>
+              <a:buChar char="•"/>
+              <a:defRPr sz="1800" kern="1200">
+                <a:solidFill>
+                  <a:schemeClr val="tx1"/>
+                </a:solidFill>
+                <a:latin typeface="+mn-lt"/>
+                <a:ea typeface="+mn-ea"/>
+                <a:cs typeface="+mn-cs"/>
+              </a:defRPr>
+            </a:lvl4pPr>
+            <a:lvl5pPr marL="2057400" indent="-228600" algn="l" defTabSz="914400" rtl="0" eaLnBrk="1" latinLnBrk="0" hangingPunct="1">
+              <a:lnSpc>
+                <a:spcPct val="90000"/>
+              </a:lnSpc>
+              <a:spcBef>
+                <a:spcPts val="500"/>
+              </a:spcBef>
+              <a:buFont typeface="Arial" panose="020B0604020202020204" pitchFamily="34" charset="0"/>
+              <a:buChar char="•"/>
+              <a:defRPr sz="1800" kern="1200">
+                <a:solidFill>
+                  <a:schemeClr val="tx1"/>
+                </a:solidFill>
+                <a:latin typeface="+mn-lt"/>
+                <a:ea typeface="+mn-ea"/>
+                <a:cs typeface="+mn-cs"/>
+              </a:defRPr>
+            </a:lvl5pPr>
+            <a:lvl6pPr marL="2514600" indent="-228600" algn="l" defTabSz="914400" rtl="0" eaLnBrk="1" latinLnBrk="0" hangingPunct="1">
+              <a:lnSpc>
+                <a:spcPct val="90000"/>
+              </a:lnSpc>
+              <a:spcBef>
+                <a:spcPts val="500"/>
+              </a:spcBef>
+              <a:buFont typeface="Arial" panose="020B0604020202020204" pitchFamily="34" charset="0"/>
+              <a:buChar char="•"/>
+              <a:defRPr sz="1800" kern="1200">
+                <a:solidFill>
+                  <a:schemeClr val="tx1"/>
+                </a:solidFill>
+                <a:latin typeface="+mn-lt"/>
+                <a:ea typeface="+mn-ea"/>
+                <a:cs typeface="+mn-cs"/>
+              </a:defRPr>
+            </a:lvl6pPr>
+            <a:lvl7pPr marL="2971800" indent="-228600" algn="l" defTabSz="914400" rtl="0" eaLnBrk="1" latinLnBrk="0" hangingPunct="1">
+              <a:lnSpc>
+                <a:spcPct val="90000"/>
+              </a:lnSpc>
+              <a:spcBef>
+                <a:spcPts val="500"/>
+              </a:spcBef>
+              <a:buFont typeface="Arial" panose="020B0604020202020204" pitchFamily="34" charset="0"/>
+              <a:buChar char="•"/>
+              <a:defRPr sz="1800" kern="1200">
+                <a:solidFill>
+                  <a:schemeClr val="tx1"/>
+                </a:solidFill>
+                <a:latin typeface="+mn-lt"/>
+                <a:ea typeface="+mn-ea"/>
+                <a:cs typeface="+mn-cs"/>
+              </a:defRPr>
+            </a:lvl7pPr>
+            <a:lvl8pPr marL="3429000" indent="-228600" algn="l" defTabSz="914400" rtl="0" eaLnBrk="1" latinLnBrk="0" hangingPunct="1">
+              <a:lnSpc>
+                <a:spcPct val="90000"/>
+              </a:lnSpc>
+              <a:spcBef>
+                <a:spcPts val="500"/>
+              </a:spcBef>
+              <a:buFont typeface="Arial" panose="020B0604020202020204" pitchFamily="34" charset="0"/>
+              <a:buChar char="•"/>
+              <a:defRPr sz="1800" kern="1200">
+                <a:solidFill>
+                  <a:schemeClr val="tx1"/>
+                </a:solidFill>
+                <a:latin typeface="+mn-lt"/>
+                <a:ea typeface="+mn-ea"/>
+                <a:cs typeface="+mn-cs"/>
+              </a:defRPr>
+            </a:lvl8pPr>
+            <a:lvl9pPr marL="3886200" indent="-228600" algn="l" defTabSz="914400" rtl="0" eaLnBrk="1" latinLnBrk="0" hangingPunct="1">
+              <a:lnSpc>
+                <a:spcPct val="90000"/>
+              </a:lnSpc>
+              <a:spcBef>
+                <a:spcPts val="500"/>
+              </a:spcBef>
+              <a:buFont typeface="Arial" panose="020B0604020202020204" pitchFamily="34" charset="0"/>
+              <a:buChar char="•"/>
+              <a:defRPr sz="1800" kern="1200">
+                <a:solidFill>
+                  <a:schemeClr val="tx1"/>
+                </a:solidFill>
+                <a:latin typeface="+mn-lt"/>
+                <a:ea typeface="+mn-ea"/>
+                <a:cs typeface="+mn-cs"/>
+              </a:defRPr>
+            </a:lvl9pPr>
+          </a:lstStyle>
+          <a:p>
+            <a:pPr marL="0" indent="0">
+              <a:lnSpc>
+                <a:spcPct val="100000"/>
+              </a:lnSpc>
+              <a:buFont typeface="Arial" panose="020B0604020202020204" pitchFamily="34" charset="0"/>
+              <a:buNone/>
+            </a:pPr>
+            <a:r>
+              <a:rPr lang="en-US">
+                <a:latin typeface="Sylfaen" panose="010A0502050306030303" pitchFamily="18" charset="0"/>
+              </a:rPr>
+              <a:t>Non-Idempotent</a:t>
+            </a:r>
+          </a:p>
+        </p:txBody>
+      </p:sp>
+      <p:sp>
+        <p:nvSpPr>
+          <p:cNvPr id="8" name="Left Brace 7">
+            <a:extLst>
+              <a:ext uri="{FF2B5EF4-FFF2-40B4-BE49-F238E27FC236}">
+                <a16:creationId xmlns:a16="http://schemas.microsoft.com/office/drawing/2014/main" id="{186879F1-78D4-4C40-B381-993B2273AA4E}"/>
+              </a:ext>
+            </a:extLst>
+          </p:cNvPr>
+          <p:cNvSpPr/>
+          <p:nvPr/>
+        </p:nvSpPr>
+        <p:spPr>
+          <a:xfrm>
+            <a:off x="3444052" y="1786946"/>
+            <a:ext cx="267855" cy="3671743"/>
+          </a:xfrm>
+          <a:prstGeom prst="leftBrace">
+            <a:avLst/>
+          </a:prstGeom>
+        </p:spPr>
+        <p:style>
+          <a:lnRef idx="3">
+            <a:schemeClr val="dk1"/>
+          </a:lnRef>
+          <a:fillRef idx="0">
+            <a:schemeClr val="dk1"/>
+          </a:fillRef>
+          <a:effectRef idx="2">
+            <a:schemeClr val="dk1"/>
+          </a:effectRef>
+          <a:fontRef idx="minor">
+            <a:schemeClr val="tx1"/>
+          </a:fontRef>
+        </p:style>
+        <p:txBody>
+          <a:bodyPr rtlCol="0" anchor="ctr"/>
+          <a:lstStyle/>
+          <a:p>
+            <a:pPr algn="ctr"/>
+            <a:endParaRPr lang="en-US"/>
+          </a:p>
+        </p:txBody>
+      </p:sp>
+      <p:sp>
+        <p:nvSpPr>
+          <p:cNvPr id="9" name="Left Brace 8">
+            <a:extLst>
+              <a:ext uri="{FF2B5EF4-FFF2-40B4-BE49-F238E27FC236}">
+                <a16:creationId xmlns:a16="http://schemas.microsoft.com/office/drawing/2014/main" id="{5E90702D-E1CA-4FE6-BFF6-29DE8A68D0CA}"/>
+              </a:ext>
+            </a:extLst>
+          </p:cNvPr>
+          <p:cNvSpPr/>
+          <p:nvPr/>
+        </p:nvSpPr>
+        <p:spPr>
+          <a:xfrm>
+            <a:off x="3444053" y="5624133"/>
+            <a:ext cx="267855" cy="422383"/>
+          </a:xfrm>
+          <a:prstGeom prst="leftBrace">
+            <a:avLst>
+              <a:gd name="adj1" fmla="val 8333"/>
+              <a:gd name="adj2" fmla="val 49248"/>
+            </a:avLst>
+          </a:prstGeom>
+        </p:spPr>
+        <p:style>
+          <a:lnRef idx="3">
+            <a:schemeClr val="dk1"/>
+          </a:lnRef>
+          <a:fillRef idx="0">
+            <a:schemeClr val="dk1"/>
+          </a:fillRef>
+          <a:effectRef idx="2">
+            <a:schemeClr val="dk1"/>
+          </a:effectRef>
+          <a:fontRef idx="minor">
+            <a:schemeClr val="tx1"/>
+          </a:fontRef>
+        </p:style>
+        <p:txBody>
+          <a:bodyPr rtlCol="0" anchor="ctr"/>
+          <a:lstStyle/>
+          <a:p>
+            <a:pPr algn="ctr"/>
+            <a:endParaRPr lang="en-US"/>
+          </a:p>
+        </p:txBody>
+      </p:sp>
+      <p:sp>
+        <p:nvSpPr>
+          <p:cNvPr id="11" name="Content Placeholder 2">
+            <a:extLst>
+              <a:ext uri="{FF2B5EF4-FFF2-40B4-BE49-F238E27FC236}">
+                <a16:creationId xmlns:a16="http://schemas.microsoft.com/office/drawing/2014/main" id="{AC378AF2-B733-42AE-8819-E78D064A3272}"/>
+              </a:ext>
+            </a:extLst>
+          </p:cNvPr>
+          <p:cNvSpPr txBox="1">
+            <a:spLocks/>
+          </p:cNvSpPr>
+          <p:nvPr/>
+        </p:nvSpPr>
+        <p:spPr>
+          <a:xfrm>
+            <a:off x="6770209" y="1730285"/>
+            <a:ext cx="5080045" cy="4484107"/>
+          </a:xfrm>
+          <a:prstGeom prst="rect">
+            <a:avLst/>
+          </a:prstGeom>
+        </p:spPr>
+        <p:txBody>
+          <a:bodyPr vert="horz" lIns="91440" tIns="45720" rIns="91440" bIns="45720" rtlCol="0">
+            <a:normAutofit/>
+          </a:bodyPr>
+          <a:lstStyle>
+            <a:lvl1pPr marL="228600" indent="-228600" algn="l" defTabSz="914400" rtl="0" eaLnBrk="1" latinLnBrk="0" hangingPunct="1">
+              <a:lnSpc>
+                <a:spcPct val="90000"/>
+              </a:lnSpc>
+              <a:spcBef>
+                <a:spcPts val="1000"/>
+              </a:spcBef>
+              <a:buFont typeface="Arial" panose="020B0604020202020204" pitchFamily="34" charset="0"/>
+              <a:buChar char="•"/>
+              <a:defRPr sz="2800" kern="1200">
+                <a:solidFill>
+                  <a:schemeClr val="tx1"/>
+                </a:solidFill>
+                <a:latin typeface="+mn-lt"/>
+                <a:ea typeface="+mn-ea"/>
+                <a:cs typeface="+mn-cs"/>
+              </a:defRPr>
+            </a:lvl1pPr>
+            <a:lvl2pPr marL="685800" indent="-228600" algn="l" defTabSz="914400" rtl="0" eaLnBrk="1" latinLnBrk="0" hangingPunct="1">
+              <a:lnSpc>
+                <a:spcPct val="90000"/>
+              </a:lnSpc>
+              <a:spcBef>
+                <a:spcPts val="500"/>
+              </a:spcBef>
+              <a:buFont typeface="Arial" panose="020B0604020202020204" pitchFamily="34" charset="0"/>
+              <a:buChar char="•"/>
+              <a:defRPr sz="2400" kern="1200">
+                <a:solidFill>
+                  <a:schemeClr val="tx1"/>
+                </a:solidFill>
+                <a:latin typeface="+mn-lt"/>
+                <a:ea typeface="+mn-ea"/>
+                <a:cs typeface="+mn-cs"/>
+              </a:defRPr>
+            </a:lvl2pPr>
+            <a:lvl3pPr marL="1143000" indent="-228600" algn="l" defTabSz="914400" rtl="0" eaLnBrk="1" latinLnBrk="0" hangingPunct="1">
+              <a:lnSpc>
+                <a:spcPct val="90000"/>
+              </a:lnSpc>
+              <a:spcBef>
+                <a:spcPts val="500"/>
+              </a:spcBef>
+              <a:buFont typeface="Arial" panose="020B0604020202020204" pitchFamily="34" charset="0"/>
+              <a:buChar char="•"/>
+              <a:defRPr sz="2000" kern="1200">
+                <a:solidFill>
+                  <a:schemeClr val="tx1"/>
+                </a:solidFill>
+                <a:latin typeface="+mn-lt"/>
+                <a:ea typeface="+mn-ea"/>
+                <a:cs typeface="+mn-cs"/>
+              </a:defRPr>
+            </a:lvl3pPr>
+            <a:lvl4pPr marL="1600200" indent="-228600" algn="l" defTabSz="914400" rtl="0" eaLnBrk="1" latinLnBrk="0" hangingPunct="1">
+              <a:lnSpc>
+                <a:spcPct val="90000"/>
+              </a:lnSpc>
+              <a:spcBef>
+                <a:spcPts val="500"/>
+              </a:spcBef>
+              <a:buFont typeface="Arial" panose="020B0604020202020204" pitchFamily="34" charset="0"/>
+              <a:buChar char="•"/>
+              <a:defRPr sz="1800" kern="1200">
+                <a:solidFill>
+                  <a:schemeClr val="tx1"/>
+                </a:solidFill>
+                <a:latin typeface="+mn-lt"/>
+                <a:ea typeface="+mn-ea"/>
+                <a:cs typeface="+mn-cs"/>
+              </a:defRPr>
+            </a:lvl4pPr>
+            <a:lvl5pPr marL="2057400" indent="-228600" algn="l" defTabSz="914400" rtl="0" eaLnBrk="1" latinLnBrk="0" hangingPunct="1">
+              <a:lnSpc>
+                <a:spcPct val="90000"/>
+              </a:lnSpc>
+              <a:spcBef>
+                <a:spcPts val="500"/>
+              </a:spcBef>
+              <a:buFont typeface="Arial" panose="020B0604020202020204" pitchFamily="34" charset="0"/>
+              <a:buChar char="•"/>
+              <a:defRPr sz="1800" kern="1200">
+                <a:solidFill>
+                  <a:schemeClr val="tx1"/>
+                </a:solidFill>
+                <a:latin typeface="+mn-lt"/>
+                <a:ea typeface="+mn-ea"/>
+                <a:cs typeface="+mn-cs"/>
+              </a:defRPr>
+            </a:lvl5pPr>
+            <a:lvl6pPr marL="2514600" indent="-228600" algn="l" defTabSz="914400" rtl="0" eaLnBrk="1" latinLnBrk="0" hangingPunct="1">
+              <a:lnSpc>
+                <a:spcPct val="90000"/>
+              </a:lnSpc>
+              <a:spcBef>
+                <a:spcPts val="500"/>
+              </a:spcBef>
+              <a:buFont typeface="Arial" panose="020B0604020202020204" pitchFamily="34" charset="0"/>
+              <a:buChar char="•"/>
+              <a:defRPr sz="1800" kern="1200">
+                <a:solidFill>
+                  <a:schemeClr val="tx1"/>
+                </a:solidFill>
+                <a:latin typeface="+mn-lt"/>
+                <a:ea typeface="+mn-ea"/>
+                <a:cs typeface="+mn-cs"/>
+              </a:defRPr>
+            </a:lvl6pPr>
+            <a:lvl7pPr marL="2971800" indent="-228600" algn="l" defTabSz="914400" rtl="0" eaLnBrk="1" latinLnBrk="0" hangingPunct="1">
+              <a:lnSpc>
+                <a:spcPct val="90000"/>
+              </a:lnSpc>
+              <a:spcBef>
+                <a:spcPts val="500"/>
+              </a:spcBef>
+              <a:buFont typeface="Arial" panose="020B0604020202020204" pitchFamily="34" charset="0"/>
+              <a:buChar char="•"/>
+              <a:defRPr sz="1800" kern="1200">
+                <a:solidFill>
+                  <a:schemeClr val="tx1"/>
+                </a:solidFill>
+                <a:latin typeface="+mn-lt"/>
+                <a:ea typeface="+mn-ea"/>
+                <a:cs typeface="+mn-cs"/>
+              </a:defRPr>
+            </a:lvl7pPr>
+            <a:lvl8pPr marL="3429000" indent="-228600" algn="l" defTabSz="914400" rtl="0" eaLnBrk="1" latinLnBrk="0" hangingPunct="1">
+              <a:lnSpc>
+                <a:spcPct val="90000"/>
+              </a:lnSpc>
+              <a:spcBef>
+                <a:spcPts val="500"/>
+              </a:spcBef>
+              <a:buFont typeface="Arial" panose="020B0604020202020204" pitchFamily="34" charset="0"/>
+              <a:buChar char="•"/>
+              <a:defRPr sz="1800" kern="1200">
+                <a:solidFill>
+                  <a:schemeClr val="tx1"/>
+                </a:solidFill>
+                <a:latin typeface="+mn-lt"/>
+                <a:ea typeface="+mn-ea"/>
+                <a:cs typeface="+mn-cs"/>
+              </a:defRPr>
+            </a:lvl8pPr>
+            <a:lvl9pPr marL="3886200" indent="-228600" algn="l" defTabSz="914400" rtl="0" eaLnBrk="1" latinLnBrk="0" hangingPunct="1">
+              <a:lnSpc>
+                <a:spcPct val="90000"/>
+              </a:lnSpc>
+              <a:spcBef>
+                <a:spcPts val="500"/>
+              </a:spcBef>
+              <a:buFont typeface="Arial" panose="020B0604020202020204" pitchFamily="34" charset="0"/>
+              <a:buChar char="•"/>
+              <a:defRPr sz="1800" kern="1200">
+                <a:solidFill>
+                  <a:schemeClr val="tx1"/>
+                </a:solidFill>
+                <a:latin typeface="+mn-lt"/>
+                <a:ea typeface="+mn-ea"/>
+                <a:cs typeface="+mn-cs"/>
+              </a:defRPr>
+            </a:lvl9pPr>
+          </a:lstStyle>
+          <a:p>
+            <a:pPr marL="0" indent="0">
+              <a:lnSpc>
+                <a:spcPct val="100000"/>
+              </a:lnSpc>
+              <a:buFont typeface="Arial" panose="020B0604020202020204" pitchFamily="34" charset="0"/>
+              <a:buNone/>
+            </a:pPr>
+            <a:r>
+              <a:rPr lang="en-US" sz="1800">
+                <a:latin typeface="Sylfaen" panose="010A0502050306030303" pitchFamily="18" charset="0"/>
+              </a:rPr>
+              <a:t>GET /page HTTP/1.1</a:t>
+            </a:r>
+          </a:p>
+          <a:p>
+            <a:pPr marL="0" indent="0">
+              <a:lnSpc>
+                <a:spcPct val="100000"/>
+              </a:lnSpc>
+              <a:buNone/>
+            </a:pPr>
+            <a:r>
+              <a:rPr lang="en-US" sz="1800">
+                <a:latin typeface="Sylfaen" panose="010A0502050306030303" pitchFamily="18" charset="0"/>
+              </a:rPr>
+              <a:t>GET /page HTTP/1.1</a:t>
+            </a:r>
+          </a:p>
+          <a:p>
+            <a:pPr marL="0" indent="0">
+              <a:lnSpc>
+                <a:spcPct val="100000"/>
+              </a:lnSpc>
+              <a:buNone/>
+            </a:pPr>
+            <a:r>
+              <a:rPr lang="en-US" sz="1800">
+                <a:latin typeface="Sylfaen" panose="010A0502050306030303" pitchFamily="18" charset="0"/>
+              </a:rPr>
+              <a:t>GET /page HTTP/1.1</a:t>
+            </a:r>
+          </a:p>
+          <a:p>
+            <a:pPr marL="0" indent="0">
+              <a:lnSpc>
+                <a:spcPct val="100000"/>
+              </a:lnSpc>
+              <a:buNone/>
+            </a:pPr>
+            <a:endParaRPr lang="en-US" sz="1800">
+              <a:latin typeface="Sylfaen" panose="010A0502050306030303" pitchFamily="18" charset="0"/>
+            </a:endParaRPr>
+          </a:p>
+          <a:p>
+            <a:pPr marL="0" indent="0">
+              <a:lnSpc>
+                <a:spcPct val="100000"/>
+              </a:lnSpc>
+              <a:buNone/>
+            </a:pPr>
+            <a:r>
+              <a:rPr lang="en-US" sz="1800">
+                <a:latin typeface="Sylfaen" panose="010A0502050306030303" pitchFamily="18" charset="0"/>
+              </a:rPr>
+              <a:t>DELETE /page HTTP/1.1    //200 OK </a:t>
+            </a:r>
+          </a:p>
+          <a:p>
+            <a:pPr marL="0" indent="0">
+              <a:lnSpc>
+                <a:spcPct val="100000"/>
+              </a:lnSpc>
+              <a:buNone/>
+            </a:pPr>
+            <a:r>
+              <a:rPr lang="en-US" sz="1800">
+                <a:latin typeface="Sylfaen" panose="010A0502050306030303" pitchFamily="18" charset="0"/>
+              </a:rPr>
+              <a:t>DELETE /page HTTP/1.1    //404 Not Found</a:t>
+            </a:r>
+          </a:p>
+          <a:p>
+            <a:pPr marL="0" indent="0">
+              <a:lnSpc>
+                <a:spcPct val="100000"/>
+              </a:lnSpc>
+              <a:buNone/>
+            </a:pPr>
+            <a:r>
+              <a:rPr lang="en-US" sz="1800">
+                <a:latin typeface="Sylfaen" panose="010A0502050306030303" pitchFamily="18" charset="0"/>
+              </a:rPr>
+              <a:t>DELETE /page HTTP/1.1    //404 Not Found</a:t>
+            </a:r>
+          </a:p>
+          <a:p>
+            <a:pPr marL="0" indent="0">
+              <a:lnSpc>
+                <a:spcPct val="100000"/>
+              </a:lnSpc>
+              <a:buNone/>
+            </a:pPr>
+            <a:endParaRPr lang="en-US" sz="1800">
+              <a:latin typeface="Sylfaen" panose="010A0502050306030303" pitchFamily="18" charset="0"/>
+            </a:endParaRPr>
+          </a:p>
+          <a:p>
+            <a:pPr marL="0" indent="0">
+              <a:lnSpc>
+                <a:spcPct val="100000"/>
+              </a:lnSpc>
+              <a:buNone/>
+            </a:pPr>
+            <a:r>
+              <a:rPr lang="en-US" sz="1800">
+                <a:latin typeface="Sylfaen" panose="010A0502050306030303" pitchFamily="18" charset="0"/>
+              </a:rPr>
+              <a:t>POST /add_row HTTP/1.1   //adds 1-ts row</a:t>
+            </a:r>
+          </a:p>
+          <a:p>
+            <a:pPr marL="0" indent="0">
+              <a:lnSpc>
+                <a:spcPct val="100000"/>
+              </a:lnSpc>
+              <a:buNone/>
+            </a:pPr>
+            <a:r>
+              <a:rPr lang="en-US" sz="1800">
+                <a:latin typeface="Sylfaen" panose="010A0502050306030303" pitchFamily="18" charset="0"/>
+              </a:rPr>
+              <a:t>POST /add_row HTTP/1.1   //adds 2-nd row</a:t>
+            </a:r>
+          </a:p>
+          <a:p>
+            <a:pPr marL="0" indent="0">
+              <a:lnSpc>
+                <a:spcPct val="100000"/>
+              </a:lnSpc>
+              <a:buNone/>
+            </a:pPr>
+            <a:r>
+              <a:rPr lang="en-US" sz="1800">
+                <a:latin typeface="Sylfaen" panose="010A0502050306030303" pitchFamily="18" charset="0"/>
+              </a:rPr>
+              <a:t>POST /add_row HTTP/1.1   //adds 3-rd row</a:t>
+            </a:r>
+          </a:p>
+          <a:p>
+            <a:pPr marL="0" indent="0">
+              <a:lnSpc>
+                <a:spcPct val="100000"/>
+              </a:lnSpc>
+              <a:buNone/>
+            </a:pPr>
+            <a:endParaRPr lang="en-US" sz="1800" b="1">
+              <a:latin typeface="Sylfaen" panose="010A0502050306030303" pitchFamily="18" charset="0"/>
+            </a:endParaRPr>
+          </a:p>
+          <a:p>
+            <a:pPr marL="0" indent="0">
+              <a:lnSpc>
+                <a:spcPct val="100000"/>
+              </a:lnSpc>
+              <a:buNone/>
+            </a:pPr>
+            <a:endParaRPr lang="en-US" sz="1800" b="1">
+              <a:latin typeface="Sylfaen" panose="010A0502050306030303" pitchFamily="18" charset="0"/>
+            </a:endParaRPr>
+          </a:p>
+          <a:p>
+            <a:pPr marL="0" indent="0">
+              <a:lnSpc>
+                <a:spcPct val="100000"/>
+              </a:lnSpc>
+              <a:buNone/>
+            </a:pPr>
+            <a:endParaRPr lang="en-US" sz="1800" b="1">
+              <a:latin typeface="Sylfaen" panose="010A0502050306030303" pitchFamily="18" charset="0"/>
+            </a:endParaRPr>
+          </a:p>
+          <a:p>
+            <a:pPr marL="0" indent="0">
+              <a:lnSpc>
+                <a:spcPct val="100000"/>
+              </a:lnSpc>
+              <a:buFont typeface="Arial" panose="020B0604020202020204" pitchFamily="34" charset="0"/>
+              <a:buNone/>
+            </a:pPr>
+            <a:endParaRPr lang="en-US" sz="1800" b="1">
+              <a:latin typeface="Sylfaen" panose="010A0502050306030303" pitchFamily="18" charset="0"/>
+            </a:endParaRPr>
+          </a:p>
+        </p:txBody>
+      </p:sp>
+    </p:spTree>
+    <p:extLst>
+      <p:ext uri="{BB962C8B-B14F-4D97-AF65-F5344CB8AC3E}">
+        <p14:creationId xmlns:p14="http://schemas.microsoft.com/office/powerpoint/2010/main" val="1275801941"/>
+      </p:ext>
+    </p:extLst>
+  </p:cSld>
+  <p:clrMapOvr>
+    <a:masterClrMapping/>
+  </p:clrMapOvr>
+</p:sld>
+</file>
+
+<file path=ppt/slides/slide13.xml><?xml version="1.0" encoding="utf-8"?>
+<p:sld xmlns:a="http://schemas.openxmlformats.org/drawingml/2006/main" xmlns:r="http://schemas.openxmlformats.org/officeDocument/2006/relationships" xmlns:p="http://schemas.openxmlformats.org/presentationml/2006/main">
+  <p:cSld>
+    <p:spTree>
+      <p:nvGrpSpPr>
+        <p:cNvPr id="1" name=""/>
+        <p:cNvGrpSpPr/>
+        <p:nvPr/>
+      </p:nvGrpSpPr>
+      <p:grpSpPr>
+        <a:xfrm>
+          <a:off x="0" y="0"/>
+          <a:ext cx="0" cy="0"/>
+          <a:chOff x="0" y="0"/>
+          <a:chExt cx="0" cy="0"/>
+        </a:xfrm>
+      </p:grpSpPr>
+      <p:sp>
+        <p:nvSpPr>
+          <p:cNvPr id="2" name="Title 1">
+            <a:extLst>
+              <a:ext uri="{FF2B5EF4-FFF2-40B4-BE49-F238E27FC236}">
+                <a16:creationId xmlns:a16="http://schemas.microsoft.com/office/drawing/2014/main" id="{777BC29E-4F78-4046-9F3B-086281AD152F}"/>
+              </a:ext>
+            </a:extLst>
+          </p:cNvPr>
+          <p:cNvSpPr>
+            <a:spLocks noGrp="1"/>
+          </p:cNvSpPr>
+          <p:nvPr>
+            <p:ph type="title"/>
+          </p:nvPr>
+        </p:nvSpPr>
+        <p:spPr>
+          <a:xfrm>
+            <a:off x="838200" y="0"/>
+            <a:ext cx="10515600" cy="1325563"/>
+          </a:xfrm>
+        </p:spPr>
+        <p:txBody>
+          <a:bodyPr/>
+          <a:lstStyle/>
+          <a:p>
+            <a:pPr algn="ctr"/>
+            <a:r>
+              <a:rPr lang="en-US">
+                <a:latin typeface="Sylfaen" panose="010A0502050306030303" pitchFamily="18" charset="0"/>
+              </a:rPr>
+              <a:t>Responses</a:t>
+            </a:r>
+          </a:p>
+        </p:txBody>
+      </p:sp>
+      <p:sp>
+        <p:nvSpPr>
+          <p:cNvPr id="3" name="Content Placeholder 2">
+            <a:extLst>
+              <a:ext uri="{FF2B5EF4-FFF2-40B4-BE49-F238E27FC236}">
+                <a16:creationId xmlns:a16="http://schemas.microsoft.com/office/drawing/2014/main" id="{6A04A757-A017-44F3-8EBF-8E9455A1DF13}"/>
+              </a:ext>
+            </a:extLst>
+          </p:cNvPr>
+          <p:cNvSpPr>
+            <a:spLocks noGrp="1"/>
+          </p:cNvSpPr>
+          <p:nvPr>
+            <p:ph idx="1"/>
+          </p:nvPr>
+        </p:nvSpPr>
+        <p:spPr>
+          <a:xfrm>
+            <a:off x="838200" y="2512219"/>
             <a:ext cx="10515600" cy="3106593"/>
           </a:xfrm>
         </p:spPr>
@@ -3752,1606 +5384,6 @@
 </p:sld>
 </file>
 
-<file path=ppt/slides/slide12.xml><?xml version="1.0" encoding="utf-8"?>
-<p:sld xmlns:a="http://schemas.openxmlformats.org/drawingml/2006/main" xmlns:r="http://schemas.openxmlformats.org/officeDocument/2006/relationships" xmlns:p="http://schemas.openxmlformats.org/presentationml/2006/main">
-  <p:cSld>
-    <p:spTree>
-      <p:nvGrpSpPr>
-        <p:cNvPr id="1" name=""/>
-        <p:cNvGrpSpPr/>
-        <p:nvPr/>
-      </p:nvGrpSpPr>
-      <p:grpSpPr>
-        <a:xfrm>
-          <a:off x="0" y="0"/>
-          <a:ext cx="0" cy="0"/>
-          <a:chOff x="0" y="0"/>
-          <a:chExt cx="0" cy="0"/>
-        </a:xfrm>
-      </p:grpSpPr>
-      <p:sp>
-        <p:nvSpPr>
-          <p:cNvPr id="2" name="Title 1">
-            <a:extLst>
-              <a:ext uri="{FF2B5EF4-FFF2-40B4-BE49-F238E27FC236}">
-                <a16:creationId xmlns:a16="http://schemas.microsoft.com/office/drawing/2014/main" id="{2D7E231A-3DEE-4402-BBB3-864F7E4E45C9}"/>
-              </a:ext>
-            </a:extLst>
-          </p:cNvPr>
-          <p:cNvSpPr>
-            <a:spLocks noGrp="1"/>
-          </p:cNvSpPr>
-          <p:nvPr>
-            <p:ph type="title"/>
-          </p:nvPr>
-        </p:nvSpPr>
-        <p:spPr>
-          <a:xfrm>
-            <a:off x="838200" y="0"/>
-            <a:ext cx="10515600" cy="1325563"/>
-          </a:xfrm>
-        </p:spPr>
-        <p:txBody>
-          <a:bodyPr/>
-          <a:lstStyle/>
-          <a:p>
-            <a:pPr algn="ctr"/>
-            <a:r>
-              <a:rPr lang="en-US">
-                <a:latin typeface="Sylfaen" panose="010A0502050306030303" pitchFamily="18" charset="0"/>
-              </a:rPr>
-              <a:t>HTTP</a:t>
-            </a:r>
-            <a:r>
-              <a:rPr lang="hy-AM">
-                <a:latin typeface="Sylfaen" panose="010A0502050306030303" pitchFamily="18" charset="0"/>
-              </a:rPr>
-              <a:t> </a:t>
-            </a:r>
-            <a:r>
-              <a:rPr lang="en-US">
-                <a:latin typeface="Sylfaen" panose="010A0502050306030303" pitchFamily="18" charset="0"/>
-              </a:rPr>
-              <a:t>Methods</a:t>
-            </a:r>
-          </a:p>
-        </p:txBody>
-      </p:sp>
-      <p:sp>
-        <p:nvSpPr>
-          <p:cNvPr id="3" name="Content Placeholder 2">
-            <a:extLst>
-              <a:ext uri="{FF2B5EF4-FFF2-40B4-BE49-F238E27FC236}">
-                <a16:creationId xmlns:a16="http://schemas.microsoft.com/office/drawing/2014/main" id="{7D29E69B-D10C-4E70-830B-6FDEA4352060}"/>
-              </a:ext>
-            </a:extLst>
-          </p:cNvPr>
-          <p:cNvSpPr>
-            <a:spLocks noGrp="1"/>
-          </p:cNvSpPr>
-          <p:nvPr>
-            <p:ph idx="1"/>
-          </p:nvPr>
-        </p:nvSpPr>
-        <p:spPr>
-          <a:xfrm>
-            <a:off x="1477133" y="1573992"/>
-            <a:ext cx="7712141" cy="4851400"/>
-          </a:xfrm>
-        </p:spPr>
-        <p:txBody>
-          <a:bodyPr/>
-          <a:lstStyle/>
-          <a:p>
-            <a:pPr marL="0" indent="0">
-              <a:lnSpc>
-                <a:spcPct val="100000"/>
-              </a:lnSpc>
-              <a:buNone/>
-            </a:pPr>
-            <a:r>
-              <a:rPr lang="en-US">
-                <a:latin typeface="Sylfaen" panose="010A0502050306030303" pitchFamily="18" charset="0"/>
-              </a:rPr>
-              <a:t>GET</a:t>
-            </a:r>
-          </a:p>
-          <a:p>
-            <a:pPr marL="0" indent="0">
-              <a:lnSpc>
-                <a:spcPct val="100000"/>
-              </a:lnSpc>
-              <a:buNone/>
-            </a:pPr>
-            <a:r>
-              <a:rPr lang="en-US">
-                <a:latin typeface="Sylfaen" panose="010A0502050306030303" pitchFamily="18" charset="0"/>
-              </a:rPr>
-              <a:t>HEAD</a:t>
-            </a:r>
-          </a:p>
-          <a:p>
-            <a:pPr marL="0" indent="0">
-              <a:lnSpc>
-                <a:spcPct val="100000"/>
-              </a:lnSpc>
-              <a:buNone/>
-            </a:pPr>
-            <a:r>
-              <a:rPr lang="en-US">
-                <a:latin typeface="Sylfaen" panose="010A0502050306030303" pitchFamily="18" charset="0"/>
-              </a:rPr>
-              <a:t>POST</a:t>
-            </a:r>
-          </a:p>
-          <a:p>
-            <a:pPr marL="0" indent="0">
-              <a:lnSpc>
-                <a:spcPct val="100000"/>
-              </a:lnSpc>
-              <a:buNone/>
-            </a:pPr>
-            <a:r>
-              <a:rPr lang="en-US">
-                <a:latin typeface="Sylfaen" panose="010A0502050306030303" pitchFamily="18" charset="0"/>
-              </a:rPr>
-              <a:t>PUT</a:t>
-            </a:r>
-          </a:p>
-          <a:p>
-            <a:pPr marL="0" indent="0">
-              <a:lnSpc>
-                <a:spcPct val="100000"/>
-              </a:lnSpc>
-              <a:buNone/>
-            </a:pPr>
-            <a:r>
-              <a:rPr lang="en-US">
-                <a:latin typeface="Sylfaen" panose="010A0502050306030303" pitchFamily="18" charset="0"/>
-              </a:rPr>
-              <a:t>DELETE</a:t>
-            </a:r>
-          </a:p>
-          <a:p>
-            <a:pPr marL="0" indent="0">
-              <a:lnSpc>
-                <a:spcPct val="100000"/>
-              </a:lnSpc>
-              <a:buNone/>
-            </a:pPr>
-            <a:r>
-              <a:rPr lang="en-US">
-                <a:latin typeface="Sylfaen" panose="010A0502050306030303" pitchFamily="18" charset="0"/>
-              </a:rPr>
-              <a:t>CONNECT</a:t>
-            </a:r>
-          </a:p>
-          <a:p>
-            <a:pPr marL="0" indent="0">
-              <a:lnSpc>
-                <a:spcPct val="100000"/>
-              </a:lnSpc>
-              <a:buNone/>
-            </a:pPr>
-            <a:r>
-              <a:rPr lang="en-US">
-                <a:latin typeface="Sylfaen" panose="010A0502050306030303" pitchFamily="18" charset="0"/>
-              </a:rPr>
-              <a:t>OPTIONS</a:t>
-            </a:r>
-          </a:p>
-          <a:p>
-            <a:pPr marL="0" indent="0">
-              <a:lnSpc>
-                <a:spcPct val="100000"/>
-              </a:lnSpc>
-              <a:buNone/>
-            </a:pPr>
-            <a:r>
-              <a:rPr lang="en-US">
-                <a:latin typeface="Sylfaen" panose="010A0502050306030303" pitchFamily="18" charset="0"/>
-              </a:rPr>
-              <a:t>TRACE</a:t>
-            </a:r>
-          </a:p>
-        </p:txBody>
-      </p:sp>
-      <p:cxnSp>
-        <p:nvCxnSpPr>
-          <p:cNvPr id="4" name="Straight Connector 3">
-            <a:extLst>
-              <a:ext uri="{FF2B5EF4-FFF2-40B4-BE49-F238E27FC236}">
-                <a16:creationId xmlns:a16="http://schemas.microsoft.com/office/drawing/2014/main" id="{6FFB6DAC-5366-45F1-B3CF-6BC18F746533}"/>
-              </a:ext>
-            </a:extLst>
-          </p:cNvPr>
-          <p:cNvCxnSpPr>
-            <a:cxnSpLocks/>
-          </p:cNvCxnSpPr>
-          <p:nvPr/>
-        </p:nvCxnSpPr>
-        <p:spPr>
-          <a:xfrm>
-            <a:off x="569235" y="1085056"/>
-            <a:ext cx="11053530" cy="0"/>
-          </a:xfrm>
-          <a:prstGeom prst="line">
-            <a:avLst/>
-          </a:prstGeom>
-        </p:spPr>
-        <p:style>
-          <a:lnRef idx="3">
-            <a:schemeClr val="accent1"/>
-          </a:lnRef>
-          <a:fillRef idx="0">
-            <a:schemeClr val="accent1"/>
-          </a:fillRef>
-          <a:effectRef idx="2">
-            <a:schemeClr val="accent1"/>
-          </a:effectRef>
-          <a:fontRef idx="minor">
-            <a:schemeClr val="tx1"/>
-          </a:fontRef>
-        </p:style>
-      </p:cxnSp>
-    </p:spTree>
-    <p:extLst>
-      <p:ext uri="{BB962C8B-B14F-4D97-AF65-F5344CB8AC3E}">
-        <p14:creationId xmlns:p14="http://schemas.microsoft.com/office/powerpoint/2010/main" val="3160597686"/>
-      </p:ext>
-    </p:extLst>
-  </p:cSld>
-  <p:clrMapOvr>
-    <a:masterClrMapping/>
-  </p:clrMapOvr>
-</p:sld>
-</file>
-
-<file path=ppt/slides/slide13.xml><?xml version="1.0" encoding="utf-8"?>
-<p:sld xmlns:a="http://schemas.openxmlformats.org/drawingml/2006/main" xmlns:r="http://schemas.openxmlformats.org/officeDocument/2006/relationships" xmlns:p="http://schemas.openxmlformats.org/presentationml/2006/main">
-  <p:cSld>
-    <p:spTree>
-      <p:nvGrpSpPr>
-        <p:cNvPr id="1" name=""/>
-        <p:cNvGrpSpPr/>
-        <p:nvPr/>
-      </p:nvGrpSpPr>
-      <p:grpSpPr>
-        <a:xfrm>
-          <a:off x="0" y="0"/>
-          <a:ext cx="0" cy="0"/>
-          <a:chOff x="0" y="0"/>
-          <a:chExt cx="0" cy="0"/>
-        </a:xfrm>
-      </p:grpSpPr>
-      <p:sp>
-        <p:nvSpPr>
-          <p:cNvPr id="2" name="Title 1">
-            <a:extLst>
-              <a:ext uri="{FF2B5EF4-FFF2-40B4-BE49-F238E27FC236}">
-                <a16:creationId xmlns:a16="http://schemas.microsoft.com/office/drawing/2014/main" id="{9A8E88EF-4C66-4108-9D3D-90CE0580E5C6}"/>
-              </a:ext>
-            </a:extLst>
-          </p:cNvPr>
-          <p:cNvSpPr>
-            <a:spLocks noGrp="1"/>
-          </p:cNvSpPr>
-          <p:nvPr>
-            <p:ph type="title"/>
-          </p:nvPr>
-        </p:nvSpPr>
-        <p:spPr>
-          <a:xfrm>
-            <a:off x="838200" y="0"/>
-            <a:ext cx="10515600" cy="1325563"/>
-          </a:xfrm>
-        </p:spPr>
-        <p:txBody>
-          <a:bodyPr/>
-          <a:lstStyle/>
-          <a:p>
-            <a:pPr algn="ctr"/>
-            <a:r>
-              <a:rPr lang="en-US">
-                <a:latin typeface="Sylfaen" panose="010A0502050306030303" pitchFamily="18" charset="0"/>
-              </a:rPr>
-              <a:t>Idempotency</a:t>
-            </a:r>
-            <a:endParaRPr lang="en-US"/>
-          </a:p>
-        </p:txBody>
-      </p:sp>
-      <p:sp>
-        <p:nvSpPr>
-          <p:cNvPr id="3" name="Content Placeholder 2">
-            <a:extLst>
-              <a:ext uri="{FF2B5EF4-FFF2-40B4-BE49-F238E27FC236}">
-                <a16:creationId xmlns:a16="http://schemas.microsoft.com/office/drawing/2014/main" id="{C4BFAEC6-3075-4015-9448-D90A5AE0E53C}"/>
-              </a:ext>
-            </a:extLst>
-          </p:cNvPr>
-          <p:cNvSpPr>
-            <a:spLocks noGrp="1"/>
-          </p:cNvSpPr>
-          <p:nvPr>
-            <p:ph idx="1"/>
-          </p:nvPr>
-        </p:nvSpPr>
-        <p:spPr>
-          <a:xfrm>
-            <a:off x="3794393" y="1720562"/>
-            <a:ext cx="2182090" cy="4484110"/>
-          </a:xfrm>
-        </p:spPr>
-        <p:txBody>
-          <a:bodyPr>
-            <a:normAutofit/>
-          </a:bodyPr>
-          <a:lstStyle/>
-          <a:p>
-            <a:pPr marL="0" indent="0">
-              <a:lnSpc>
-                <a:spcPct val="100000"/>
-              </a:lnSpc>
-              <a:buNone/>
-            </a:pPr>
-            <a:r>
-              <a:rPr lang="en-US">
-                <a:latin typeface="Sylfaen" panose="010A0502050306030303" pitchFamily="18" charset="0"/>
-              </a:rPr>
-              <a:t>GET</a:t>
-            </a:r>
-          </a:p>
-          <a:p>
-            <a:pPr marL="0" indent="0">
-              <a:lnSpc>
-                <a:spcPct val="100000"/>
-              </a:lnSpc>
-              <a:buNone/>
-            </a:pPr>
-            <a:r>
-              <a:rPr lang="en-US">
-                <a:latin typeface="Sylfaen" panose="010A0502050306030303" pitchFamily="18" charset="0"/>
-              </a:rPr>
-              <a:t>HEAD</a:t>
-            </a:r>
-          </a:p>
-          <a:p>
-            <a:pPr marL="0" indent="0">
-              <a:lnSpc>
-                <a:spcPct val="100000"/>
-              </a:lnSpc>
-              <a:buNone/>
-            </a:pPr>
-            <a:r>
-              <a:rPr lang="en-US">
-                <a:latin typeface="Sylfaen" panose="010A0502050306030303" pitchFamily="18" charset="0"/>
-              </a:rPr>
-              <a:t>PUT</a:t>
-            </a:r>
-          </a:p>
-          <a:p>
-            <a:pPr marL="0" indent="0">
-              <a:lnSpc>
-                <a:spcPct val="100000"/>
-              </a:lnSpc>
-              <a:buNone/>
-            </a:pPr>
-            <a:r>
-              <a:rPr lang="en-US">
-                <a:latin typeface="Sylfaen" panose="010A0502050306030303" pitchFamily="18" charset="0"/>
-              </a:rPr>
-              <a:t>DELETE</a:t>
-            </a:r>
-          </a:p>
-          <a:p>
-            <a:pPr marL="0" indent="0">
-              <a:lnSpc>
-                <a:spcPct val="100000"/>
-              </a:lnSpc>
-              <a:buNone/>
-            </a:pPr>
-            <a:r>
-              <a:rPr lang="en-US">
-                <a:latin typeface="Sylfaen" panose="010A0502050306030303" pitchFamily="18" charset="0"/>
-              </a:rPr>
-              <a:t>CONNECT</a:t>
-            </a:r>
-          </a:p>
-          <a:p>
-            <a:pPr marL="0" indent="0">
-              <a:lnSpc>
-                <a:spcPct val="100000"/>
-              </a:lnSpc>
-              <a:buNone/>
-            </a:pPr>
-            <a:r>
-              <a:rPr lang="en-US">
-                <a:latin typeface="Sylfaen" panose="010A0502050306030303" pitchFamily="18" charset="0"/>
-              </a:rPr>
-              <a:t>OPTIONS</a:t>
-            </a:r>
-          </a:p>
-          <a:p>
-            <a:pPr marL="0" indent="0">
-              <a:lnSpc>
-                <a:spcPct val="100000"/>
-              </a:lnSpc>
-              <a:buNone/>
-            </a:pPr>
-            <a:r>
-              <a:rPr lang="en-US">
-                <a:latin typeface="Sylfaen" panose="010A0502050306030303" pitchFamily="18" charset="0"/>
-              </a:rPr>
-              <a:t>TRACE</a:t>
-            </a:r>
-          </a:p>
-          <a:p>
-            <a:pPr marL="0" indent="0">
-              <a:lnSpc>
-                <a:spcPct val="100000"/>
-              </a:lnSpc>
-              <a:buNone/>
-            </a:pPr>
-            <a:r>
-              <a:rPr lang="en-US">
-                <a:latin typeface="Sylfaen" panose="010A0502050306030303" pitchFamily="18" charset="0"/>
-              </a:rPr>
-              <a:t>POST</a:t>
-            </a:r>
-          </a:p>
-        </p:txBody>
-      </p:sp>
-      <p:cxnSp>
-        <p:nvCxnSpPr>
-          <p:cNvPr id="4" name="Straight Connector 3">
-            <a:extLst>
-              <a:ext uri="{FF2B5EF4-FFF2-40B4-BE49-F238E27FC236}">
-                <a16:creationId xmlns:a16="http://schemas.microsoft.com/office/drawing/2014/main" id="{86ECD613-06F9-4894-B8C8-B2E139B068C0}"/>
-              </a:ext>
-            </a:extLst>
-          </p:cNvPr>
-          <p:cNvCxnSpPr>
-            <a:cxnSpLocks/>
-          </p:cNvCxnSpPr>
-          <p:nvPr/>
-        </p:nvCxnSpPr>
-        <p:spPr>
-          <a:xfrm>
-            <a:off x="569235" y="1214365"/>
-            <a:ext cx="11053530" cy="0"/>
-          </a:xfrm>
-          <a:prstGeom prst="line">
-            <a:avLst/>
-          </a:prstGeom>
-        </p:spPr>
-        <p:style>
-          <a:lnRef idx="3">
-            <a:schemeClr val="accent1"/>
-          </a:lnRef>
-          <a:fillRef idx="0">
-            <a:schemeClr val="accent1"/>
-          </a:fillRef>
-          <a:effectRef idx="2">
-            <a:schemeClr val="accent1"/>
-          </a:effectRef>
-          <a:fontRef idx="minor">
-            <a:schemeClr val="tx1"/>
-          </a:fontRef>
-        </p:style>
-      </p:cxnSp>
-      <p:sp>
-        <p:nvSpPr>
-          <p:cNvPr id="5" name="Content Placeholder 2">
-            <a:extLst>
-              <a:ext uri="{FF2B5EF4-FFF2-40B4-BE49-F238E27FC236}">
-                <a16:creationId xmlns:a16="http://schemas.microsoft.com/office/drawing/2014/main" id="{39A79BEA-E6DA-4ED0-8A9E-DF3368F4BDE5}"/>
-              </a:ext>
-            </a:extLst>
-          </p:cNvPr>
-          <p:cNvSpPr txBox="1">
-            <a:spLocks/>
-          </p:cNvSpPr>
-          <p:nvPr/>
-        </p:nvSpPr>
-        <p:spPr>
-          <a:xfrm>
-            <a:off x="891310" y="1853334"/>
-            <a:ext cx="1988127" cy="4351338"/>
-          </a:xfrm>
-          <a:prstGeom prst="rect">
-            <a:avLst/>
-          </a:prstGeom>
-        </p:spPr>
-        <p:txBody>
-          <a:bodyPr vert="horz" lIns="91440" tIns="45720" rIns="91440" bIns="45720" rtlCol="0">
-            <a:normAutofit/>
-          </a:bodyPr>
-          <a:lstStyle>
-            <a:lvl1pPr marL="228600" indent="-228600" algn="l" defTabSz="914400" rtl="0" eaLnBrk="1" latinLnBrk="0" hangingPunct="1">
-              <a:lnSpc>
-                <a:spcPct val="90000"/>
-              </a:lnSpc>
-              <a:spcBef>
-                <a:spcPts val="1000"/>
-              </a:spcBef>
-              <a:buFont typeface="Arial" panose="020B0604020202020204" pitchFamily="34" charset="0"/>
-              <a:buChar char="•"/>
-              <a:defRPr sz="2800" kern="1200">
-                <a:solidFill>
-                  <a:schemeClr val="tx1"/>
-                </a:solidFill>
-                <a:latin typeface="+mn-lt"/>
-                <a:ea typeface="+mn-ea"/>
-                <a:cs typeface="+mn-cs"/>
-              </a:defRPr>
-            </a:lvl1pPr>
-            <a:lvl2pPr marL="685800" indent="-228600" algn="l" defTabSz="914400" rtl="0" eaLnBrk="1" latinLnBrk="0" hangingPunct="1">
-              <a:lnSpc>
-                <a:spcPct val="90000"/>
-              </a:lnSpc>
-              <a:spcBef>
-                <a:spcPts val="500"/>
-              </a:spcBef>
-              <a:buFont typeface="Arial" panose="020B0604020202020204" pitchFamily="34" charset="0"/>
-              <a:buChar char="•"/>
-              <a:defRPr sz="2400" kern="1200">
-                <a:solidFill>
-                  <a:schemeClr val="tx1"/>
-                </a:solidFill>
-                <a:latin typeface="+mn-lt"/>
-                <a:ea typeface="+mn-ea"/>
-                <a:cs typeface="+mn-cs"/>
-              </a:defRPr>
-            </a:lvl2pPr>
-            <a:lvl3pPr marL="1143000" indent="-228600" algn="l" defTabSz="914400" rtl="0" eaLnBrk="1" latinLnBrk="0" hangingPunct="1">
-              <a:lnSpc>
-                <a:spcPct val="90000"/>
-              </a:lnSpc>
-              <a:spcBef>
-                <a:spcPts val="500"/>
-              </a:spcBef>
-              <a:buFont typeface="Arial" panose="020B0604020202020204" pitchFamily="34" charset="0"/>
-              <a:buChar char="•"/>
-              <a:defRPr sz="2000" kern="1200">
-                <a:solidFill>
-                  <a:schemeClr val="tx1"/>
-                </a:solidFill>
-                <a:latin typeface="+mn-lt"/>
-                <a:ea typeface="+mn-ea"/>
-                <a:cs typeface="+mn-cs"/>
-              </a:defRPr>
-            </a:lvl3pPr>
-            <a:lvl4pPr marL="1600200" indent="-228600" algn="l" defTabSz="914400" rtl="0" eaLnBrk="1" latinLnBrk="0" hangingPunct="1">
-              <a:lnSpc>
-                <a:spcPct val="90000"/>
-              </a:lnSpc>
-              <a:spcBef>
-                <a:spcPts val="500"/>
-              </a:spcBef>
-              <a:buFont typeface="Arial" panose="020B0604020202020204" pitchFamily="34" charset="0"/>
-              <a:buChar char="•"/>
-              <a:defRPr sz="1800" kern="1200">
-                <a:solidFill>
-                  <a:schemeClr val="tx1"/>
-                </a:solidFill>
-                <a:latin typeface="+mn-lt"/>
-                <a:ea typeface="+mn-ea"/>
-                <a:cs typeface="+mn-cs"/>
-              </a:defRPr>
-            </a:lvl4pPr>
-            <a:lvl5pPr marL="2057400" indent="-228600" algn="l" defTabSz="914400" rtl="0" eaLnBrk="1" latinLnBrk="0" hangingPunct="1">
-              <a:lnSpc>
-                <a:spcPct val="90000"/>
-              </a:lnSpc>
-              <a:spcBef>
-                <a:spcPts val="500"/>
-              </a:spcBef>
-              <a:buFont typeface="Arial" panose="020B0604020202020204" pitchFamily="34" charset="0"/>
-              <a:buChar char="•"/>
-              <a:defRPr sz="1800" kern="1200">
-                <a:solidFill>
-                  <a:schemeClr val="tx1"/>
-                </a:solidFill>
-                <a:latin typeface="+mn-lt"/>
-                <a:ea typeface="+mn-ea"/>
-                <a:cs typeface="+mn-cs"/>
-              </a:defRPr>
-            </a:lvl5pPr>
-            <a:lvl6pPr marL="2514600" indent="-228600" algn="l" defTabSz="914400" rtl="0" eaLnBrk="1" latinLnBrk="0" hangingPunct="1">
-              <a:lnSpc>
-                <a:spcPct val="90000"/>
-              </a:lnSpc>
-              <a:spcBef>
-                <a:spcPts val="500"/>
-              </a:spcBef>
-              <a:buFont typeface="Arial" panose="020B0604020202020204" pitchFamily="34" charset="0"/>
-              <a:buChar char="•"/>
-              <a:defRPr sz="1800" kern="1200">
-                <a:solidFill>
-                  <a:schemeClr val="tx1"/>
-                </a:solidFill>
-                <a:latin typeface="+mn-lt"/>
-                <a:ea typeface="+mn-ea"/>
-                <a:cs typeface="+mn-cs"/>
-              </a:defRPr>
-            </a:lvl6pPr>
-            <a:lvl7pPr marL="2971800" indent="-228600" algn="l" defTabSz="914400" rtl="0" eaLnBrk="1" latinLnBrk="0" hangingPunct="1">
-              <a:lnSpc>
-                <a:spcPct val="90000"/>
-              </a:lnSpc>
-              <a:spcBef>
-                <a:spcPts val="500"/>
-              </a:spcBef>
-              <a:buFont typeface="Arial" panose="020B0604020202020204" pitchFamily="34" charset="0"/>
-              <a:buChar char="•"/>
-              <a:defRPr sz="1800" kern="1200">
-                <a:solidFill>
-                  <a:schemeClr val="tx1"/>
-                </a:solidFill>
-                <a:latin typeface="+mn-lt"/>
-                <a:ea typeface="+mn-ea"/>
-                <a:cs typeface="+mn-cs"/>
-              </a:defRPr>
-            </a:lvl7pPr>
-            <a:lvl8pPr marL="3429000" indent="-228600" algn="l" defTabSz="914400" rtl="0" eaLnBrk="1" latinLnBrk="0" hangingPunct="1">
-              <a:lnSpc>
-                <a:spcPct val="90000"/>
-              </a:lnSpc>
-              <a:spcBef>
-                <a:spcPts val="500"/>
-              </a:spcBef>
-              <a:buFont typeface="Arial" panose="020B0604020202020204" pitchFamily="34" charset="0"/>
-              <a:buChar char="•"/>
-              <a:defRPr sz="1800" kern="1200">
-                <a:solidFill>
-                  <a:schemeClr val="tx1"/>
-                </a:solidFill>
-                <a:latin typeface="+mn-lt"/>
-                <a:ea typeface="+mn-ea"/>
-                <a:cs typeface="+mn-cs"/>
-              </a:defRPr>
-            </a:lvl8pPr>
-            <a:lvl9pPr marL="3886200" indent="-228600" algn="l" defTabSz="914400" rtl="0" eaLnBrk="1" latinLnBrk="0" hangingPunct="1">
-              <a:lnSpc>
-                <a:spcPct val="90000"/>
-              </a:lnSpc>
-              <a:spcBef>
-                <a:spcPts val="500"/>
-              </a:spcBef>
-              <a:buFont typeface="Arial" panose="020B0604020202020204" pitchFamily="34" charset="0"/>
-              <a:buChar char="•"/>
-              <a:defRPr sz="1800" kern="1200">
-                <a:solidFill>
-                  <a:schemeClr val="tx1"/>
-                </a:solidFill>
-                <a:latin typeface="+mn-lt"/>
-                <a:ea typeface="+mn-ea"/>
-                <a:cs typeface="+mn-cs"/>
-              </a:defRPr>
-            </a:lvl9pPr>
-          </a:lstStyle>
-          <a:p>
-            <a:pPr marL="0" indent="0">
-              <a:lnSpc>
-                <a:spcPct val="100000"/>
-              </a:lnSpc>
-              <a:buFont typeface="Arial" panose="020B0604020202020204" pitchFamily="34" charset="0"/>
-              <a:buNone/>
-            </a:pPr>
-            <a:endParaRPr lang="en-US">
-              <a:latin typeface="Sylfaen" panose="010A0502050306030303" pitchFamily="18" charset="0"/>
-            </a:endParaRPr>
-          </a:p>
-        </p:txBody>
-      </p:sp>
-      <p:sp>
-        <p:nvSpPr>
-          <p:cNvPr id="6" name="Content Placeholder 2">
-            <a:extLst>
-              <a:ext uri="{FF2B5EF4-FFF2-40B4-BE49-F238E27FC236}">
-                <a16:creationId xmlns:a16="http://schemas.microsoft.com/office/drawing/2014/main" id="{E98908ED-B247-4242-9934-D8FF8F341C6E}"/>
-              </a:ext>
-            </a:extLst>
-          </p:cNvPr>
-          <p:cNvSpPr txBox="1">
-            <a:spLocks/>
-          </p:cNvSpPr>
-          <p:nvPr/>
-        </p:nvSpPr>
-        <p:spPr>
-          <a:xfrm>
-            <a:off x="1288473" y="3338656"/>
-            <a:ext cx="2006600" cy="568325"/>
-          </a:xfrm>
-          <a:prstGeom prst="rect">
-            <a:avLst/>
-          </a:prstGeom>
-        </p:spPr>
-        <p:txBody>
-          <a:bodyPr vert="horz" lIns="91440" tIns="45720" rIns="91440" bIns="45720" rtlCol="0">
-            <a:normAutofit/>
-          </a:bodyPr>
-          <a:lstStyle>
-            <a:lvl1pPr marL="228600" indent="-228600" algn="l" defTabSz="914400" rtl="0" eaLnBrk="1" latinLnBrk="0" hangingPunct="1">
-              <a:lnSpc>
-                <a:spcPct val="90000"/>
-              </a:lnSpc>
-              <a:spcBef>
-                <a:spcPts val="1000"/>
-              </a:spcBef>
-              <a:buFont typeface="Arial" panose="020B0604020202020204" pitchFamily="34" charset="0"/>
-              <a:buChar char="•"/>
-              <a:defRPr sz="2800" kern="1200">
-                <a:solidFill>
-                  <a:schemeClr val="tx1"/>
-                </a:solidFill>
-                <a:latin typeface="+mn-lt"/>
-                <a:ea typeface="+mn-ea"/>
-                <a:cs typeface="+mn-cs"/>
-              </a:defRPr>
-            </a:lvl1pPr>
-            <a:lvl2pPr marL="685800" indent="-228600" algn="l" defTabSz="914400" rtl="0" eaLnBrk="1" latinLnBrk="0" hangingPunct="1">
-              <a:lnSpc>
-                <a:spcPct val="90000"/>
-              </a:lnSpc>
-              <a:spcBef>
-                <a:spcPts val="500"/>
-              </a:spcBef>
-              <a:buFont typeface="Arial" panose="020B0604020202020204" pitchFamily="34" charset="0"/>
-              <a:buChar char="•"/>
-              <a:defRPr sz="2400" kern="1200">
-                <a:solidFill>
-                  <a:schemeClr val="tx1"/>
-                </a:solidFill>
-                <a:latin typeface="+mn-lt"/>
-                <a:ea typeface="+mn-ea"/>
-                <a:cs typeface="+mn-cs"/>
-              </a:defRPr>
-            </a:lvl2pPr>
-            <a:lvl3pPr marL="1143000" indent="-228600" algn="l" defTabSz="914400" rtl="0" eaLnBrk="1" latinLnBrk="0" hangingPunct="1">
-              <a:lnSpc>
-                <a:spcPct val="90000"/>
-              </a:lnSpc>
-              <a:spcBef>
-                <a:spcPts val="500"/>
-              </a:spcBef>
-              <a:buFont typeface="Arial" panose="020B0604020202020204" pitchFamily="34" charset="0"/>
-              <a:buChar char="•"/>
-              <a:defRPr sz="2000" kern="1200">
-                <a:solidFill>
-                  <a:schemeClr val="tx1"/>
-                </a:solidFill>
-                <a:latin typeface="+mn-lt"/>
-                <a:ea typeface="+mn-ea"/>
-                <a:cs typeface="+mn-cs"/>
-              </a:defRPr>
-            </a:lvl3pPr>
-            <a:lvl4pPr marL="1600200" indent="-228600" algn="l" defTabSz="914400" rtl="0" eaLnBrk="1" latinLnBrk="0" hangingPunct="1">
-              <a:lnSpc>
-                <a:spcPct val="90000"/>
-              </a:lnSpc>
-              <a:spcBef>
-                <a:spcPts val="500"/>
-              </a:spcBef>
-              <a:buFont typeface="Arial" panose="020B0604020202020204" pitchFamily="34" charset="0"/>
-              <a:buChar char="•"/>
-              <a:defRPr sz="1800" kern="1200">
-                <a:solidFill>
-                  <a:schemeClr val="tx1"/>
-                </a:solidFill>
-                <a:latin typeface="+mn-lt"/>
-                <a:ea typeface="+mn-ea"/>
-                <a:cs typeface="+mn-cs"/>
-              </a:defRPr>
-            </a:lvl4pPr>
-            <a:lvl5pPr marL="2057400" indent="-228600" algn="l" defTabSz="914400" rtl="0" eaLnBrk="1" latinLnBrk="0" hangingPunct="1">
-              <a:lnSpc>
-                <a:spcPct val="90000"/>
-              </a:lnSpc>
-              <a:spcBef>
-                <a:spcPts val="500"/>
-              </a:spcBef>
-              <a:buFont typeface="Arial" panose="020B0604020202020204" pitchFamily="34" charset="0"/>
-              <a:buChar char="•"/>
-              <a:defRPr sz="1800" kern="1200">
-                <a:solidFill>
-                  <a:schemeClr val="tx1"/>
-                </a:solidFill>
-                <a:latin typeface="+mn-lt"/>
-                <a:ea typeface="+mn-ea"/>
-                <a:cs typeface="+mn-cs"/>
-              </a:defRPr>
-            </a:lvl5pPr>
-            <a:lvl6pPr marL="2514600" indent="-228600" algn="l" defTabSz="914400" rtl="0" eaLnBrk="1" latinLnBrk="0" hangingPunct="1">
-              <a:lnSpc>
-                <a:spcPct val="90000"/>
-              </a:lnSpc>
-              <a:spcBef>
-                <a:spcPts val="500"/>
-              </a:spcBef>
-              <a:buFont typeface="Arial" panose="020B0604020202020204" pitchFamily="34" charset="0"/>
-              <a:buChar char="•"/>
-              <a:defRPr sz="1800" kern="1200">
-                <a:solidFill>
-                  <a:schemeClr val="tx1"/>
-                </a:solidFill>
-                <a:latin typeface="+mn-lt"/>
-                <a:ea typeface="+mn-ea"/>
-                <a:cs typeface="+mn-cs"/>
-              </a:defRPr>
-            </a:lvl6pPr>
-            <a:lvl7pPr marL="2971800" indent="-228600" algn="l" defTabSz="914400" rtl="0" eaLnBrk="1" latinLnBrk="0" hangingPunct="1">
-              <a:lnSpc>
-                <a:spcPct val="90000"/>
-              </a:lnSpc>
-              <a:spcBef>
-                <a:spcPts val="500"/>
-              </a:spcBef>
-              <a:buFont typeface="Arial" panose="020B0604020202020204" pitchFamily="34" charset="0"/>
-              <a:buChar char="•"/>
-              <a:defRPr sz="1800" kern="1200">
-                <a:solidFill>
-                  <a:schemeClr val="tx1"/>
-                </a:solidFill>
-                <a:latin typeface="+mn-lt"/>
-                <a:ea typeface="+mn-ea"/>
-                <a:cs typeface="+mn-cs"/>
-              </a:defRPr>
-            </a:lvl7pPr>
-            <a:lvl8pPr marL="3429000" indent="-228600" algn="l" defTabSz="914400" rtl="0" eaLnBrk="1" latinLnBrk="0" hangingPunct="1">
-              <a:lnSpc>
-                <a:spcPct val="90000"/>
-              </a:lnSpc>
-              <a:spcBef>
-                <a:spcPts val="500"/>
-              </a:spcBef>
-              <a:buFont typeface="Arial" panose="020B0604020202020204" pitchFamily="34" charset="0"/>
-              <a:buChar char="•"/>
-              <a:defRPr sz="1800" kern="1200">
-                <a:solidFill>
-                  <a:schemeClr val="tx1"/>
-                </a:solidFill>
-                <a:latin typeface="+mn-lt"/>
-                <a:ea typeface="+mn-ea"/>
-                <a:cs typeface="+mn-cs"/>
-              </a:defRPr>
-            </a:lvl8pPr>
-            <a:lvl9pPr marL="3886200" indent="-228600" algn="l" defTabSz="914400" rtl="0" eaLnBrk="1" latinLnBrk="0" hangingPunct="1">
-              <a:lnSpc>
-                <a:spcPct val="90000"/>
-              </a:lnSpc>
-              <a:spcBef>
-                <a:spcPts val="500"/>
-              </a:spcBef>
-              <a:buFont typeface="Arial" panose="020B0604020202020204" pitchFamily="34" charset="0"/>
-              <a:buChar char="•"/>
-              <a:defRPr sz="1800" kern="1200">
-                <a:solidFill>
-                  <a:schemeClr val="tx1"/>
-                </a:solidFill>
-                <a:latin typeface="+mn-lt"/>
-                <a:ea typeface="+mn-ea"/>
-                <a:cs typeface="+mn-cs"/>
-              </a:defRPr>
-            </a:lvl9pPr>
-          </a:lstStyle>
-          <a:p>
-            <a:pPr marL="0" indent="0">
-              <a:lnSpc>
-                <a:spcPct val="100000"/>
-              </a:lnSpc>
-              <a:buFont typeface="Arial" panose="020B0604020202020204" pitchFamily="34" charset="0"/>
-              <a:buNone/>
-            </a:pPr>
-            <a:r>
-              <a:rPr lang="en-US">
-                <a:latin typeface="Sylfaen" panose="010A0502050306030303" pitchFamily="18" charset="0"/>
-              </a:rPr>
-              <a:t>Idempotent</a:t>
-            </a:r>
-          </a:p>
-        </p:txBody>
-      </p:sp>
-      <p:sp>
-        <p:nvSpPr>
-          <p:cNvPr id="7" name="Content Placeholder 2">
-            <a:extLst>
-              <a:ext uri="{FF2B5EF4-FFF2-40B4-BE49-F238E27FC236}">
-                <a16:creationId xmlns:a16="http://schemas.microsoft.com/office/drawing/2014/main" id="{2F80F4A4-1025-4960-86B2-724C1099EA87}"/>
-              </a:ext>
-            </a:extLst>
-          </p:cNvPr>
-          <p:cNvSpPr txBox="1">
-            <a:spLocks/>
-          </p:cNvSpPr>
-          <p:nvPr/>
-        </p:nvSpPr>
-        <p:spPr>
-          <a:xfrm>
-            <a:off x="591172" y="5541114"/>
-            <a:ext cx="2892136" cy="627423"/>
-          </a:xfrm>
-          <a:prstGeom prst="rect">
-            <a:avLst/>
-          </a:prstGeom>
-        </p:spPr>
-        <p:txBody>
-          <a:bodyPr vert="horz" lIns="91440" tIns="45720" rIns="91440" bIns="45720" rtlCol="0">
-            <a:normAutofit/>
-          </a:bodyPr>
-          <a:lstStyle>
-            <a:lvl1pPr marL="228600" indent="-228600" algn="l" defTabSz="914400" rtl="0" eaLnBrk="1" latinLnBrk="0" hangingPunct="1">
-              <a:lnSpc>
-                <a:spcPct val="90000"/>
-              </a:lnSpc>
-              <a:spcBef>
-                <a:spcPts val="1000"/>
-              </a:spcBef>
-              <a:buFont typeface="Arial" panose="020B0604020202020204" pitchFamily="34" charset="0"/>
-              <a:buChar char="•"/>
-              <a:defRPr sz="2800" kern="1200">
-                <a:solidFill>
-                  <a:schemeClr val="tx1"/>
-                </a:solidFill>
-                <a:latin typeface="+mn-lt"/>
-                <a:ea typeface="+mn-ea"/>
-                <a:cs typeface="+mn-cs"/>
-              </a:defRPr>
-            </a:lvl1pPr>
-            <a:lvl2pPr marL="685800" indent="-228600" algn="l" defTabSz="914400" rtl="0" eaLnBrk="1" latinLnBrk="0" hangingPunct="1">
-              <a:lnSpc>
-                <a:spcPct val="90000"/>
-              </a:lnSpc>
-              <a:spcBef>
-                <a:spcPts val="500"/>
-              </a:spcBef>
-              <a:buFont typeface="Arial" panose="020B0604020202020204" pitchFamily="34" charset="0"/>
-              <a:buChar char="•"/>
-              <a:defRPr sz="2400" kern="1200">
-                <a:solidFill>
-                  <a:schemeClr val="tx1"/>
-                </a:solidFill>
-                <a:latin typeface="+mn-lt"/>
-                <a:ea typeface="+mn-ea"/>
-                <a:cs typeface="+mn-cs"/>
-              </a:defRPr>
-            </a:lvl2pPr>
-            <a:lvl3pPr marL="1143000" indent="-228600" algn="l" defTabSz="914400" rtl="0" eaLnBrk="1" latinLnBrk="0" hangingPunct="1">
-              <a:lnSpc>
-                <a:spcPct val="90000"/>
-              </a:lnSpc>
-              <a:spcBef>
-                <a:spcPts val="500"/>
-              </a:spcBef>
-              <a:buFont typeface="Arial" panose="020B0604020202020204" pitchFamily="34" charset="0"/>
-              <a:buChar char="•"/>
-              <a:defRPr sz="2000" kern="1200">
-                <a:solidFill>
-                  <a:schemeClr val="tx1"/>
-                </a:solidFill>
-                <a:latin typeface="+mn-lt"/>
-                <a:ea typeface="+mn-ea"/>
-                <a:cs typeface="+mn-cs"/>
-              </a:defRPr>
-            </a:lvl3pPr>
-            <a:lvl4pPr marL="1600200" indent="-228600" algn="l" defTabSz="914400" rtl="0" eaLnBrk="1" latinLnBrk="0" hangingPunct="1">
-              <a:lnSpc>
-                <a:spcPct val="90000"/>
-              </a:lnSpc>
-              <a:spcBef>
-                <a:spcPts val="500"/>
-              </a:spcBef>
-              <a:buFont typeface="Arial" panose="020B0604020202020204" pitchFamily="34" charset="0"/>
-              <a:buChar char="•"/>
-              <a:defRPr sz="1800" kern="1200">
-                <a:solidFill>
-                  <a:schemeClr val="tx1"/>
-                </a:solidFill>
-                <a:latin typeface="+mn-lt"/>
-                <a:ea typeface="+mn-ea"/>
-                <a:cs typeface="+mn-cs"/>
-              </a:defRPr>
-            </a:lvl4pPr>
-            <a:lvl5pPr marL="2057400" indent="-228600" algn="l" defTabSz="914400" rtl="0" eaLnBrk="1" latinLnBrk="0" hangingPunct="1">
-              <a:lnSpc>
-                <a:spcPct val="90000"/>
-              </a:lnSpc>
-              <a:spcBef>
-                <a:spcPts val="500"/>
-              </a:spcBef>
-              <a:buFont typeface="Arial" panose="020B0604020202020204" pitchFamily="34" charset="0"/>
-              <a:buChar char="•"/>
-              <a:defRPr sz="1800" kern="1200">
-                <a:solidFill>
-                  <a:schemeClr val="tx1"/>
-                </a:solidFill>
-                <a:latin typeface="+mn-lt"/>
-                <a:ea typeface="+mn-ea"/>
-                <a:cs typeface="+mn-cs"/>
-              </a:defRPr>
-            </a:lvl5pPr>
-            <a:lvl6pPr marL="2514600" indent="-228600" algn="l" defTabSz="914400" rtl="0" eaLnBrk="1" latinLnBrk="0" hangingPunct="1">
-              <a:lnSpc>
-                <a:spcPct val="90000"/>
-              </a:lnSpc>
-              <a:spcBef>
-                <a:spcPts val="500"/>
-              </a:spcBef>
-              <a:buFont typeface="Arial" panose="020B0604020202020204" pitchFamily="34" charset="0"/>
-              <a:buChar char="•"/>
-              <a:defRPr sz="1800" kern="1200">
-                <a:solidFill>
-                  <a:schemeClr val="tx1"/>
-                </a:solidFill>
-                <a:latin typeface="+mn-lt"/>
-                <a:ea typeface="+mn-ea"/>
-                <a:cs typeface="+mn-cs"/>
-              </a:defRPr>
-            </a:lvl6pPr>
-            <a:lvl7pPr marL="2971800" indent="-228600" algn="l" defTabSz="914400" rtl="0" eaLnBrk="1" latinLnBrk="0" hangingPunct="1">
-              <a:lnSpc>
-                <a:spcPct val="90000"/>
-              </a:lnSpc>
-              <a:spcBef>
-                <a:spcPts val="500"/>
-              </a:spcBef>
-              <a:buFont typeface="Arial" panose="020B0604020202020204" pitchFamily="34" charset="0"/>
-              <a:buChar char="•"/>
-              <a:defRPr sz="1800" kern="1200">
-                <a:solidFill>
-                  <a:schemeClr val="tx1"/>
-                </a:solidFill>
-                <a:latin typeface="+mn-lt"/>
-                <a:ea typeface="+mn-ea"/>
-                <a:cs typeface="+mn-cs"/>
-              </a:defRPr>
-            </a:lvl7pPr>
-            <a:lvl8pPr marL="3429000" indent="-228600" algn="l" defTabSz="914400" rtl="0" eaLnBrk="1" latinLnBrk="0" hangingPunct="1">
-              <a:lnSpc>
-                <a:spcPct val="90000"/>
-              </a:lnSpc>
-              <a:spcBef>
-                <a:spcPts val="500"/>
-              </a:spcBef>
-              <a:buFont typeface="Arial" panose="020B0604020202020204" pitchFamily="34" charset="0"/>
-              <a:buChar char="•"/>
-              <a:defRPr sz="1800" kern="1200">
-                <a:solidFill>
-                  <a:schemeClr val="tx1"/>
-                </a:solidFill>
-                <a:latin typeface="+mn-lt"/>
-                <a:ea typeface="+mn-ea"/>
-                <a:cs typeface="+mn-cs"/>
-              </a:defRPr>
-            </a:lvl8pPr>
-            <a:lvl9pPr marL="3886200" indent="-228600" algn="l" defTabSz="914400" rtl="0" eaLnBrk="1" latinLnBrk="0" hangingPunct="1">
-              <a:lnSpc>
-                <a:spcPct val="90000"/>
-              </a:lnSpc>
-              <a:spcBef>
-                <a:spcPts val="500"/>
-              </a:spcBef>
-              <a:buFont typeface="Arial" panose="020B0604020202020204" pitchFamily="34" charset="0"/>
-              <a:buChar char="•"/>
-              <a:defRPr sz="1800" kern="1200">
-                <a:solidFill>
-                  <a:schemeClr val="tx1"/>
-                </a:solidFill>
-                <a:latin typeface="+mn-lt"/>
-                <a:ea typeface="+mn-ea"/>
-                <a:cs typeface="+mn-cs"/>
-              </a:defRPr>
-            </a:lvl9pPr>
-          </a:lstStyle>
-          <a:p>
-            <a:pPr marL="0" indent="0">
-              <a:lnSpc>
-                <a:spcPct val="100000"/>
-              </a:lnSpc>
-              <a:buFont typeface="Arial" panose="020B0604020202020204" pitchFamily="34" charset="0"/>
-              <a:buNone/>
-            </a:pPr>
-            <a:r>
-              <a:rPr lang="en-US">
-                <a:latin typeface="Sylfaen" panose="010A0502050306030303" pitchFamily="18" charset="0"/>
-              </a:rPr>
-              <a:t>Non-Idempotent</a:t>
-            </a:r>
-          </a:p>
-        </p:txBody>
-      </p:sp>
-      <p:sp>
-        <p:nvSpPr>
-          <p:cNvPr id="8" name="Left Brace 7">
-            <a:extLst>
-              <a:ext uri="{FF2B5EF4-FFF2-40B4-BE49-F238E27FC236}">
-                <a16:creationId xmlns:a16="http://schemas.microsoft.com/office/drawing/2014/main" id="{186879F1-78D4-4C40-B381-993B2273AA4E}"/>
-              </a:ext>
-            </a:extLst>
-          </p:cNvPr>
-          <p:cNvSpPr/>
-          <p:nvPr/>
-        </p:nvSpPr>
-        <p:spPr>
-          <a:xfrm>
-            <a:off x="3444052" y="1786946"/>
-            <a:ext cx="267855" cy="3671743"/>
-          </a:xfrm>
-          <a:prstGeom prst="leftBrace">
-            <a:avLst/>
-          </a:prstGeom>
-        </p:spPr>
-        <p:style>
-          <a:lnRef idx="3">
-            <a:schemeClr val="dk1"/>
-          </a:lnRef>
-          <a:fillRef idx="0">
-            <a:schemeClr val="dk1"/>
-          </a:fillRef>
-          <a:effectRef idx="2">
-            <a:schemeClr val="dk1"/>
-          </a:effectRef>
-          <a:fontRef idx="minor">
-            <a:schemeClr val="tx1"/>
-          </a:fontRef>
-        </p:style>
-        <p:txBody>
-          <a:bodyPr rtlCol="0" anchor="ctr"/>
-          <a:lstStyle/>
-          <a:p>
-            <a:pPr algn="ctr"/>
-            <a:endParaRPr lang="en-US"/>
-          </a:p>
-        </p:txBody>
-      </p:sp>
-      <p:sp>
-        <p:nvSpPr>
-          <p:cNvPr id="9" name="Left Brace 8">
-            <a:extLst>
-              <a:ext uri="{FF2B5EF4-FFF2-40B4-BE49-F238E27FC236}">
-                <a16:creationId xmlns:a16="http://schemas.microsoft.com/office/drawing/2014/main" id="{5E90702D-E1CA-4FE6-BFF6-29DE8A68D0CA}"/>
-              </a:ext>
-            </a:extLst>
-          </p:cNvPr>
-          <p:cNvSpPr/>
-          <p:nvPr/>
-        </p:nvSpPr>
-        <p:spPr>
-          <a:xfrm>
-            <a:off x="3444053" y="5624133"/>
-            <a:ext cx="267855" cy="422383"/>
-          </a:xfrm>
-          <a:prstGeom prst="leftBrace">
-            <a:avLst>
-              <a:gd name="adj1" fmla="val 8333"/>
-              <a:gd name="adj2" fmla="val 49248"/>
-            </a:avLst>
-          </a:prstGeom>
-        </p:spPr>
-        <p:style>
-          <a:lnRef idx="3">
-            <a:schemeClr val="dk1"/>
-          </a:lnRef>
-          <a:fillRef idx="0">
-            <a:schemeClr val="dk1"/>
-          </a:fillRef>
-          <a:effectRef idx="2">
-            <a:schemeClr val="dk1"/>
-          </a:effectRef>
-          <a:fontRef idx="minor">
-            <a:schemeClr val="tx1"/>
-          </a:fontRef>
-        </p:style>
-        <p:txBody>
-          <a:bodyPr rtlCol="0" anchor="ctr"/>
-          <a:lstStyle/>
-          <a:p>
-            <a:pPr algn="ctr"/>
-            <a:endParaRPr lang="en-US"/>
-          </a:p>
-        </p:txBody>
-      </p:sp>
-      <p:sp>
-        <p:nvSpPr>
-          <p:cNvPr id="11" name="Content Placeholder 2">
-            <a:extLst>
-              <a:ext uri="{FF2B5EF4-FFF2-40B4-BE49-F238E27FC236}">
-                <a16:creationId xmlns:a16="http://schemas.microsoft.com/office/drawing/2014/main" id="{AC378AF2-B733-42AE-8819-E78D064A3272}"/>
-              </a:ext>
-            </a:extLst>
-          </p:cNvPr>
-          <p:cNvSpPr txBox="1">
-            <a:spLocks/>
-          </p:cNvSpPr>
-          <p:nvPr/>
-        </p:nvSpPr>
-        <p:spPr>
-          <a:xfrm>
-            <a:off x="6770209" y="1730285"/>
-            <a:ext cx="5080045" cy="4484107"/>
-          </a:xfrm>
-          <a:prstGeom prst="rect">
-            <a:avLst/>
-          </a:prstGeom>
-        </p:spPr>
-        <p:txBody>
-          <a:bodyPr vert="horz" lIns="91440" tIns="45720" rIns="91440" bIns="45720" rtlCol="0">
-            <a:normAutofit/>
-          </a:bodyPr>
-          <a:lstStyle>
-            <a:lvl1pPr marL="228600" indent="-228600" algn="l" defTabSz="914400" rtl="0" eaLnBrk="1" latinLnBrk="0" hangingPunct="1">
-              <a:lnSpc>
-                <a:spcPct val="90000"/>
-              </a:lnSpc>
-              <a:spcBef>
-                <a:spcPts val="1000"/>
-              </a:spcBef>
-              <a:buFont typeface="Arial" panose="020B0604020202020204" pitchFamily="34" charset="0"/>
-              <a:buChar char="•"/>
-              <a:defRPr sz="2800" kern="1200">
-                <a:solidFill>
-                  <a:schemeClr val="tx1"/>
-                </a:solidFill>
-                <a:latin typeface="+mn-lt"/>
-                <a:ea typeface="+mn-ea"/>
-                <a:cs typeface="+mn-cs"/>
-              </a:defRPr>
-            </a:lvl1pPr>
-            <a:lvl2pPr marL="685800" indent="-228600" algn="l" defTabSz="914400" rtl="0" eaLnBrk="1" latinLnBrk="0" hangingPunct="1">
-              <a:lnSpc>
-                <a:spcPct val="90000"/>
-              </a:lnSpc>
-              <a:spcBef>
-                <a:spcPts val="500"/>
-              </a:spcBef>
-              <a:buFont typeface="Arial" panose="020B0604020202020204" pitchFamily="34" charset="0"/>
-              <a:buChar char="•"/>
-              <a:defRPr sz="2400" kern="1200">
-                <a:solidFill>
-                  <a:schemeClr val="tx1"/>
-                </a:solidFill>
-                <a:latin typeface="+mn-lt"/>
-                <a:ea typeface="+mn-ea"/>
-                <a:cs typeface="+mn-cs"/>
-              </a:defRPr>
-            </a:lvl2pPr>
-            <a:lvl3pPr marL="1143000" indent="-228600" algn="l" defTabSz="914400" rtl="0" eaLnBrk="1" latinLnBrk="0" hangingPunct="1">
-              <a:lnSpc>
-                <a:spcPct val="90000"/>
-              </a:lnSpc>
-              <a:spcBef>
-                <a:spcPts val="500"/>
-              </a:spcBef>
-              <a:buFont typeface="Arial" panose="020B0604020202020204" pitchFamily="34" charset="0"/>
-              <a:buChar char="•"/>
-              <a:defRPr sz="2000" kern="1200">
-                <a:solidFill>
-                  <a:schemeClr val="tx1"/>
-                </a:solidFill>
-                <a:latin typeface="+mn-lt"/>
-                <a:ea typeface="+mn-ea"/>
-                <a:cs typeface="+mn-cs"/>
-              </a:defRPr>
-            </a:lvl3pPr>
-            <a:lvl4pPr marL="1600200" indent="-228600" algn="l" defTabSz="914400" rtl="0" eaLnBrk="1" latinLnBrk="0" hangingPunct="1">
-              <a:lnSpc>
-                <a:spcPct val="90000"/>
-              </a:lnSpc>
-              <a:spcBef>
-                <a:spcPts val="500"/>
-              </a:spcBef>
-              <a:buFont typeface="Arial" panose="020B0604020202020204" pitchFamily="34" charset="0"/>
-              <a:buChar char="•"/>
-              <a:defRPr sz="1800" kern="1200">
-                <a:solidFill>
-                  <a:schemeClr val="tx1"/>
-                </a:solidFill>
-                <a:latin typeface="+mn-lt"/>
-                <a:ea typeface="+mn-ea"/>
-                <a:cs typeface="+mn-cs"/>
-              </a:defRPr>
-            </a:lvl4pPr>
-            <a:lvl5pPr marL="2057400" indent="-228600" algn="l" defTabSz="914400" rtl="0" eaLnBrk="1" latinLnBrk="0" hangingPunct="1">
-              <a:lnSpc>
-                <a:spcPct val="90000"/>
-              </a:lnSpc>
-              <a:spcBef>
-                <a:spcPts val="500"/>
-              </a:spcBef>
-              <a:buFont typeface="Arial" panose="020B0604020202020204" pitchFamily="34" charset="0"/>
-              <a:buChar char="•"/>
-              <a:defRPr sz="1800" kern="1200">
-                <a:solidFill>
-                  <a:schemeClr val="tx1"/>
-                </a:solidFill>
-                <a:latin typeface="+mn-lt"/>
-                <a:ea typeface="+mn-ea"/>
-                <a:cs typeface="+mn-cs"/>
-              </a:defRPr>
-            </a:lvl5pPr>
-            <a:lvl6pPr marL="2514600" indent="-228600" algn="l" defTabSz="914400" rtl="0" eaLnBrk="1" latinLnBrk="0" hangingPunct="1">
-              <a:lnSpc>
-                <a:spcPct val="90000"/>
-              </a:lnSpc>
-              <a:spcBef>
-                <a:spcPts val="500"/>
-              </a:spcBef>
-              <a:buFont typeface="Arial" panose="020B0604020202020204" pitchFamily="34" charset="0"/>
-              <a:buChar char="•"/>
-              <a:defRPr sz="1800" kern="1200">
-                <a:solidFill>
-                  <a:schemeClr val="tx1"/>
-                </a:solidFill>
-                <a:latin typeface="+mn-lt"/>
-                <a:ea typeface="+mn-ea"/>
-                <a:cs typeface="+mn-cs"/>
-              </a:defRPr>
-            </a:lvl6pPr>
-            <a:lvl7pPr marL="2971800" indent="-228600" algn="l" defTabSz="914400" rtl="0" eaLnBrk="1" latinLnBrk="0" hangingPunct="1">
-              <a:lnSpc>
-                <a:spcPct val="90000"/>
-              </a:lnSpc>
-              <a:spcBef>
-                <a:spcPts val="500"/>
-              </a:spcBef>
-              <a:buFont typeface="Arial" panose="020B0604020202020204" pitchFamily="34" charset="0"/>
-              <a:buChar char="•"/>
-              <a:defRPr sz="1800" kern="1200">
-                <a:solidFill>
-                  <a:schemeClr val="tx1"/>
-                </a:solidFill>
-                <a:latin typeface="+mn-lt"/>
-                <a:ea typeface="+mn-ea"/>
-                <a:cs typeface="+mn-cs"/>
-              </a:defRPr>
-            </a:lvl7pPr>
-            <a:lvl8pPr marL="3429000" indent="-228600" algn="l" defTabSz="914400" rtl="0" eaLnBrk="1" latinLnBrk="0" hangingPunct="1">
-              <a:lnSpc>
-                <a:spcPct val="90000"/>
-              </a:lnSpc>
-              <a:spcBef>
-                <a:spcPts val="500"/>
-              </a:spcBef>
-              <a:buFont typeface="Arial" panose="020B0604020202020204" pitchFamily="34" charset="0"/>
-              <a:buChar char="•"/>
-              <a:defRPr sz="1800" kern="1200">
-                <a:solidFill>
-                  <a:schemeClr val="tx1"/>
-                </a:solidFill>
-                <a:latin typeface="+mn-lt"/>
-                <a:ea typeface="+mn-ea"/>
-                <a:cs typeface="+mn-cs"/>
-              </a:defRPr>
-            </a:lvl8pPr>
-            <a:lvl9pPr marL="3886200" indent="-228600" algn="l" defTabSz="914400" rtl="0" eaLnBrk="1" latinLnBrk="0" hangingPunct="1">
-              <a:lnSpc>
-                <a:spcPct val="90000"/>
-              </a:lnSpc>
-              <a:spcBef>
-                <a:spcPts val="500"/>
-              </a:spcBef>
-              <a:buFont typeface="Arial" panose="020B0604020202020204" pitchFamily="34" charset="0"/>
-              <a:buChar char="•"/>
-              <a:defRPr sz="1800" kern="1200">
-                <a:solidFill>
-                  <a:schemeClr val="tx1"/>
-                </a:solidFill>
-                <a:latin typeface="+mn-lt"/>
-                <a:ea typeface="+mn-ea"/>
-                <a:cs typeface="+mn-cs"/>
-              </a:defRPr>
-            </a:lvl9pPr>
-          </a:lstStyle>
-          <a:p>
-            <a:pPr marL="0" indent="0">
-              <a:lnSpc>
-                <a:spcPct val="100000"/>
-              </a:lnSpc>
-              <a:buFont typeface="Arial" panose="020B0604020202020204" pitchFamily="34" charset="0"/>
-              <a:buNone/>
-            </a:pPr>
-            <a:r>
-              <a:rPr lang="en-US" sz="1800">
-                <a:latin typeface="Sylfaen" panose="010A0502050306030303" pitchFamily="18" charset="0"/>
-              </a:rPr>
-              <a:t>GET /page HTTP/1.1</a:t>
-            </a:r>
-          </a:p>
-          <a:p>
-            <a:pPr marL="0" indent="0">
-              <a:lnSpc>
-                <a:spcPct val="100000"/>
-              </a:lnSpc>
-              <a:buNone/>
-            </a:pPr>
-            <a:r>
-              <a:rPr lang="en-US" sz="1800">
-                <a:latin typeface="Sylfaen" panose="010A0502050306030303" pitchFamily="18" charset="0"/>
-              </a:rPr>
-              <a:t>GET /page HTTP/1.1</a:t>
-            </a:r>
-          </a:p>
-          <a:p>
-            <a:pPr marL="0" indent="0">
-              <a:lnSpc>
-                <a:spcPct val="100000"/>
-              </a:lnSpc>
-              <a:buNone/>
-            </a:pPr>
-            <a:r>
-              <a:rPr lang="en-US" sz="1800">
-                <a:latin typeface="Sylfaen" panose="010A0502050306030303" pitchFamily="18" charset="0"/>
-              </a:rPr>
-              <a:t>GET /page HTTP/1.1</a:t>
-            </a:r>
-          </a:p>
-          <a:p>
-            <a:pPr marL="0" indent="0">
-              <a:lnSpc>
-                <a:spcPct val="100000"/>
-              </a:lnSpc>
-              <a:buNone/>
-            </a:pPr>
-            <a:endParaRPr lang="en-US" sz="1800">
-              <a:latin typeface="Sylfaen" panose="010A0502050306030303" pitchFamily="18" charset="0"/>
-            </a:endParaRPr>
-          </a:p>
-          <a:p>
-            <a:pPr marL="0" indent="0">
-              <a:lnSpc>
-                <a:spcPct val="100000"/>
-              </a:lnSpc>
-              <a:buNone/>
-            </a:pPr>
-            <a:r>
-              <a:rPr lang="en-US" sz="1800">
-                <a:latin typeface="Sylfaen" panose="010A0502050306030303" pitchFamily="18" charset="0"/>
-              </a:rPr>
-              <a:t>DELETE /page HTTP/1.1    //200 OK </a:t>
-            </a:r>
-          </a:p>
-          <a:p>
-            <a:pPr marL="0" indent="0">
-              <a:lnSpc>
-                <a:spcPct val="100000"/>
-              </a:lnSpc>
-              <a:buNone/>
-            </a:pPr>
-            <a:r>
-              <a:rPr lang="en-US" sz="1800">
-                <a:latin typeface="Sylfaen" panose="010A0502050306030303" pitchFamily="18" charset="0"/>
-              </a:rPr>
-              <a:t>DELETE /page HTTP/1.1    //404 Not Found</a:t>
-            </a:r>
-          </a:p>
-          <a:p>
-            <a:pPr marL="0" indent="0">
-              <a:lnSpc>
-                <a:spcPct val="100000"/>
-              </a:lnSpc>
-              <a:buNone/>
-            </a:pPr>
-            <a:r>
-              <a:rPr lang="en-US" sz="1800">
-                <a:latin typeface="Sylfaen" panose="010A0502050306030303" pitchFamily="18" charset="0"/>
-              </a:rPr>
-              <a:t>DELETE /page HTTP/1.1    //404 Not Found</a:t>
-            </a:r>
-          </a:p>
-          <a:p>
-            <a:pPr marL="0" indent="0">
-              <a:lnSpc>
-                <a:spcPct val="100000"/>
-              </a:lnSpc>
-              <a:buNone/>
-            </a:pPr>
-            <a:endParaRPr lang="en-US" sz="1800">
-              <a:latin typeface="Sylfaen" panose="010A0502050306030303" pitchFamily="18" charset="0"/>
-            </a:endParaRPr>
-          </a:p>
-          <a:p>
-            <a:pPr marL="0" indent="0">
-              <a:lnSpc>
-                <a:spcPct val="100000"/>
-              </a:lnSpc>
-              <a:buNone/>
-            </a:pPr>
-            <a:r>
-              <a:rPr lang="en-US" sz="1800">
-                <a:latin typeface="Sylfaen" panose="010A0502050306030303" pitchFamily="18" charset="0"/>
-              </a:rPr>
-              <a:t>POST /add_row HTTP/1.1   //adds 1-ts row</a:t>
-            </a:r>
-          </a:p>
-          <a:p>
-            <a:pPr marL="0" indent="0">
-              <a:lnSpc>
-                <a:spcPct val="100000"/>
-              </a:lnSpc>
-              <a:buNone/>
-            </a:pPr>
-            <a:r>
-              <a:rPr lang="en-US" sz="1800">
-                <a:latin typeface="Sylfaen" panose="010A0502050306030303" pitchFamily="18" charset="0"/>
-              </a:rPr>
-              <a:t>POST /add_row HTTP/1.1   //adds 2-nd row</a:t>
-            </a:r>
-          </a:p>
-          <a:p>
-            <a:pPr marL="0" indent="0">
-              <a:lnSpc>
-                <a:spcPct val="100000"/>
-              </a:lnSpc>
-              <a:buNone/>
-            </a:pPr>
-            <a:r>
-              <a:rPr lang="en-US" sz="1800">
-                <a:latin typeface="Sylfaen" panose="010A0502050306030303" pitchFamily="18" charset="0"/>
-              </a:rPr>
-              <a:t>POST /add_row HTTP/1.1   //adds 3-rd row</a:t>
-            </a:r>
-          </a:p>
-          <a:p>
-            <a:pPr marL="0" indent="0">
-              <a:lnSpc>
-                <a:spcPct val="100000"/>
-              </a:lnSpc>
-              <a:buNone/>
-            </a:pPr>
-            <a:endParaRPr lang="en-US" sz="1800" b="1">
-              <a:latin typeface="Sylfaen" panose="010A0502050306030303" pitchFamily="18" charset="0"/>
-            </a:endParaRPr>
-          </a:p>
-          <a:p>
-            <a:pPr marL="0" indent="0">
-              <a:lnSpc>
-                <a:spcPct val="100000"/>
-              </a:lnSpc>
-              <a:buNone/>
-            </a:pPr>
-            <a:endParaRPr lang="en-US" sz="1800" b="1">
-              <a:latin typeface="Sylfaen" panose="010A0502050306030303" pitchFamily="18" charset="0"/>
-            </a:endParaRPr>
-          </a:p>
-          <a:p>
-            <a:pPr marL="0" indent="0">
-              <a:lnSpc>
-                <a:spcPct val="100000"/>
-              </a:lnSpc>
-              <a:buNone/>
-            </a:pPr>
-            <a:endParaRPr lang="en-US" sz="1800" b="1">
-              <a:latin typeface="Sylfaen" panose="010A0502050306030303" pitchFamily="18" charset="0"/>
-            </a:endParaRPr>
-          </a:p>
-          <a:p>
-            <a:pPr marL="0" indent="0">
-              <a:lnSpc>
-                <a:spcPct val="100000"/>
-              </a:lnSpc>
-              <a:buFont typeface="Arial" panose="020B0604020202020204" pitchFamily="34" charset="0"/>
-              <a:buNone/>
-            </a:pPr>
-            <a:endParaRPr lang="en-US" sz="1800" b="1">
-              <a:latin typeface="Sylfaen" panose="010A0502050306030303" pitchFamily="18" charset="0"/>
-            </a:endParaRPr>
-          </a:p>
-        </p:txBody>
-      </p:sp>
-    </p:spTree>
-    <p:extLst>
-      <p:ext uri="{BB962C8B-B14F-4D97-AF65-F5344CB8AC3E}">
-        <p14:creationId xmlns:p14="http://schemas.microsoft.com/office/powerpoint/2010/main" val="1275801941"/>
-      </p:ext>
-    </p:extLst>
-  </p:cSld>
-  <p:clrMapOvr>
-    <a:masterClrMapping/>
-  </p:clrMapOvr>
-</p:sld>
-</file>
-
 <file path=ppt/slides/slide14.xml><?xml version="1.0" encoding="utf-8"?>
 <p:sld xmlns:a="http://schemas.openxmlformats.org/drawingml/2006/main" xmlns:r="http://schemas.openxmlformats.org/officeDocument/2006/relationships" xmlns:p="http://schemas.openxmlformats.org/presentationml/2006/main">
   <p:cSld>
@@ -6512,7 +6544,7 @@
         </p:nvSpPr>
         <p:spPr>
           <a:xfrm>
-            <a:off x="838200" y="1859105"/>
+            <a:off x="838200" y="2046320"/>
             <a:ext cx="4483308" cy="3672266"/>
           </a:xfrm>
         </p:spPr>
@@ -7359,10 +7391,10 @@
       </p:grpSpPr>
       <p:sp>
         <p:nvSpPr>
-          <p:cNvPr id="2" name="Заголовок 1">
-            <a:extLst>
-              <a:ext uri="{FF2B5EF4-FFF2-40B4-BE49-F238E27FC236}">
-                <a16:creationId xmlns:a16="http://schemas.microsoft.com/office/drawing/2014/main" id="{9AB766F8-1969-4D97-AC71-58F525620369}"/>
+          <p:cNvPr id="2" name="Title 1">
+            <a:extLst>
+              <a:ext uri="{FF2B5EF4-FFF2-40B4-BE49-F238E27FC236}">
+                <a16:creationId xmlns:a16="http://schemas.microsoft.com/office/drawing/2014/main" id="{3AB7C46E-6CD9-4F2B-8889-0FB5AC305B04}"/>
               </a:ext>
             </a:extLst>
           </p:cNvPr>
@@ -7373,12 +7405,7 @@
             <p:ph type="title"/>
           </p:nvPr>
         </p:nvSpPr>
-        <p:spPr>
-          <a:xfrm>
-            <a:off x="838200" y="0"/>
-            <a:ext cx="10515600" cy="1325563"/>
-          </a:xfrm>
-        </p:spPr>
+        <p:spPr/>
         <p:txBody>
           <a:bodyPr>
             <a:normAutofit/>
@@ -7387,123 +7414,56 @@
           <a:p>
             <a:pPr algn="ctr"/>
             <a:r>
-              <a:rPr lang="en-US" sz="5000">
-                <a:latin typeface="Sylfaen" panose="010A0502050306030303" pitchFamily="18" charset="0"/>
-              </a:rPr>
-              <a:t>What is HTTP</a:t>
-            </a:r>
-            <a:endParaRPr lang="ru-RU" sz="5000">
-              <a:latin typeface="Sylfaen" panose="010A0502050306030303" pitchFamily="18" charset="0"/>
-            </a:endParaRPr>
+              <a:rPr lang="en-US" altLang="en-US">
+                <a:latin typeface="Sylfaen" panose="010A0502050306030303" pitchFamily="18" charset="0"/>
+              </a:rPr>
+              <a:t>Interaction between client and server using HTTP</a:t>
+            </a:r>
+            <a:endParaRPr lang="en-US"/>
           </a:p>
         </p:txBody>
       </p:sp>
-      <p:sp>
-        <p:nvSpPr>
-          <p:cNvPr id="3" name="Объект 2">
-            <a:extLst>
-              <a:ext uri="{FF2B5EF4-FFF2-40B4-BE49-F238E27FC236}">
-                <a16:creationId xmlns:a16="http://schemas.microsoft.com/office/drawing/2014/main" id="{CD07CB4D-45E2-4515-87D7-6F3741123265}"/>
-              </a:ext>
-            </a:extLst>
-          </p:cNvPr>
-          <p:cNvSpPr>
-            <a:spLocks noGrp="1"/>
-          </p:cNvSpPr>
+      <p:pic>
+        <p:nvPicPr>
+          <p:cNvPr id="5" name="Content Placeholder 4">
+            <a:extLst>
+              <a:ext uri="{FF2B5EF4-FFF2-40B4-BE49-F238E27FC236}">
+                <a16:creationId xmlns:a16="http://schemas.microsoft.com/office/drawing/2014/main" id="{85E328A6-E252-4956-A6BC-C76B4FA7E03E}"/>
+              </a:ext>
+            </a:extLst>
+          </p:cNvPr>
+          <p:cNvPicPr>
+            <a:picLocks noGrp="1" noChangeAspect="1"/>
+          </p:cNvPicPr>
           <p:nvPr>
             <p:ph idx="1"/>
           </p:nvPr>
-        </p:nvSpPr>
+        </p:nvPicPr>
+        <p:blipFill>
+          <a:blip r:embed="rId2">
+            <a:extLst>
+              <a:ext uri="{28A0092B-C50C-407E-A947-70E740481C1C}">
+                <a14:useLocalDpi xmlns:a14="http://schemas.microsoft.com/office/drawing/2010/main" val="0"/>
+              </a:ext>
+            </a:extLst>
+          </a:blip>
+          <a:stretch>
+            <a:fillRect/>
+          </a:stretch>
+        </p:blipFill>
         <p:spPr>
           <a:xfrm>
-            <a:off x="1779814" y="1587493"/>
-            <a:ext cx="8632371" cy="4351338"/>
+            <a:off x="1080845" y="3429000"/>
+            <a:ext cx="10030308" cy="2665485"/>
           </a:xfrm>
         </p:spPr>
-        <p:txBody>
-          <a:bodyPr>
-            <a:normAutofit/>
-          </a:bodyPr>
-          <a:lstStyle/>
-          <a:p>
-            <a:pPr marL="0" indent="0">
-              <a:lnSpc>
-                <a:spcPct val="200000"/>
-              </a:lnSpc>
-              <a:buNone/>
-            </a:pPr>
-            <a:r>
-              <a:rPr lang="en-US" sz="3200" dirty="0">
-                <a:latin typeface="Sylfaen" panose="010A0502050306030303" pitchFamily="18" charset="0"/>
-              </a:rPr>
-              <a:t>Hypertext </a:t>
-            </a:r>
-            <a:r>
-              <a:rPr lang="en-US" sz="3200">
-                <a:latin typeface="Sylfaen" panose="010A0502050306030303" pitchFamily="18" charset="0"/>
-              </a:rPr>
-              <a:t>transfer protocol</a:t>
-            </a:r>
-            <a:endParaRPr lang="hy-AM" sz="3200" dirty="0">
-              <a:latin typeface="Sylfaen" panose="010A0502050306030303" pitchFamily="18" charset="0"/>
-            </a:endParaRPr>
-          </a:p>
-          <a:p>
-            <a:pPr>
-              <a:lnSpc>
-                <a:spcPct val="200000"/>
-              </a:lnSpc>
-            </a:pPr>
-            <a:r>
-              <a:rPr lang="en-US" sz="3200" dirty="0">
-                <a:latin typeface="Sylfaen" panose="010A0502050306030303" pitchFamily="18" charset="0"/>
-              </a:rPr>
-              <a:t>HTTP is connectionless</a:t>
-            </a:r>
-            <a:endParaRPr lang="hy-AM" sz="3200" dirty="0">
-              <a:latin typeface="Sylfaen" panose="010A0502050306030303" pitchFamily="18" charset="0"/>
-            </a:endParaRPr>
-          </a:p>
-          <a:p>
-            <a:pPr>
-              <a:lnSpc>
-                <a:spcPct val="150000"/>
-              </a:lnSpc>
-            </a:pPr>
-            <a:r>
-              <a:rPr lang="en-US" sz="3200" dirty="0">
-                <a:latin typeface="Sylfaen" panose="010A0502050306030303" pitchFamily="18" charset="0"/>
-              </a:rPr>
-              <a:t>HTTP is media independent</a:t>
-            </a:r>
-            <a:endParaRPr lang="hy-AM" sz="3200" dirty="0">
-              <a:latin typeface="Sylfaen" panose="010A0502050306030303" pitchFamily="18" charset="0"/>
-            </a:endParaRPr>
-          </a:p>
-          <a:p>
-            <a:pPr>
-              <a:lnSpc>
-                <a:spcPct val="150000"/>
-              </a:lnSpc>
-            </a:pPr>
-            <a:r>
-              <a:rPr lang="en-US" sz="3200" dirty="0">
-                <a:latin typeface="Sylfaen" panose="010A0502050306030303" pitchFamily="18" charset="0"/>
-              </a:rPr>
-              <a:t>HTTP is stateless</a:t>
-            </a:r>
-            <a:endParaRPr lang="ru-RU" sz="3200" dirty="0">
-              <a:latin typeface="Sylfaen" panose="010A0502050306030303" pitchFamily="18" charset="0"/>
-            </a:endParaRPr>
-          </a:p>
-        </p:txBody>
-      </p:sp>
+      </p:pic>
       <p:cxnSp>
         <p:nvCxnSpPr>
           <p:cNvPr id="4" name="Straight Connector 3">
             <a:extLst>
               <a:ext uri="{FF2B5EF4-FFF2-40B4-BE49-F238E27FC236}">
-                <a16:creationId xmlns:a16="http://schemas.microsoft.com/office/drawing/2014/main" id="{453C08CA-550C-4E7C-85A3-5973BC63A8D4}"/>
+                <a16:creationId xmlns:a16="http://schemas.microsoft.com/office/drawing/2014/main" id="{C1CC82A6-2DB7-45C9-8AD1-2F2E65F5C835}"/>
               </a:ext>
             </a:extLst>
           </p:cNvPr>
@@ -7514,7 +7474,7 @@
         </p:nvCxnSpPr>
         <p:spPr>
           <a:xfrm>
-            <a:off x="569235" y="1138985"/>
+            <a:off x="569235" y="1745456"/>
             <a:ext cx="11053530" cy="0"/>
           </a:xfrm>
           <a:prstGeom prst="line">
@@ -7536,10 +7496,221 @@
           </a:fontRef>
         </p:style>
       </p:cxnSp>
+      <p:sp>
+        <p:nvSpPr>
+          <p:cNvPr id="6" name="Объект 2">
+            <a:extLst>
+              <a:ext uri="{FF2B5EF4-FFF2-40B4-BE49-F238E27FC236}">
+                <a16:creationId xmlns:a16="http://schemas.microsoft.com/office/drawing/2014/main" id="{C564235D-0072-4AA4-91C1-6F27C825C0A5}"/>
+              </a:ext>
+            </a:extLst>
+          </p:cNvPr>
+          <p:cNvSpPr txBox="1">
+            <a:spLocks/>
+          </p:cNvSpPr>
+          <p:nvPr/>
+        </p:nvSpPr>
+        <p:spPr>
+          <a:xfrm>
+            <a:off x="3485702" y="1932122"/>
+            <a:ext cx="5220593" cy="1200675"/>
+          </a:xfrm>
+          <a:prstGeom prst="rect">
+            <a:avLst/>
+          </a:prstGeom>
+        </p:spPr>
+        <p:txBody>
+          <a:bodyPr vert="horz" lIns="91440" tIns="45720" rIns="91440" bIns="45720" rtlCol="0">
+            <a:normAutofit/>
+          </a:bodyPr>
+          <a:lstStyle>
+            <a:lvl1pPr marL="228600" indent="-228600" algn="l" defTabSz="914400" rtl="0" eaLnBrk="1" latinLnBrk="0" hangingPunct="1">
+              <a:lnSpc>
+                <a:spcPct val="90000"/>
+              </a:lnSpc>
+              <a:spcBef>
+                <a:spcPts val="1000"/>
+              </a:spcBef>
+              <a:buFont typeface="Arial" panose="020B0604020202020204" pitchFamily="34" charset="0"/>
+              <a:buChar char="•"/>
+              <a:defRPr sz="2800" kern="1200">
+                <a:solidFill>
+                  <a:schemeClr val="tx1"/>
+                </a:solidFill>
+                <a:latin typeface="+mn-lt"/>
+                <a:ea typeface="+mn-ea"/>
+                <a:cs typeface="+mn-cs"/>
+              </a:defRPr>
+            </a:lvl1pPr>
+            <a:lvl2pPr marL="685800" indent="-228600" algn="l" defTabSz="914400" rtl="0" eaLnBrk="1" latinLnBrk="0" hangingPunct="1">
+              <a:lnSpc>
+                <a:spcPct val="90000"/>
+              </a:lnSpc>
+              <a:spcBef>
+                <a:spcPts val="500"/>
+              </a:spcBef>
+              <a:buFont typeface="Arial" panose="020B0604020202020204" pitchFamily="34" charset="0"/>
+              <a:buChar char="•"/>
+              <a:defRPr sz="2400" kern="1200">
+                <a:solidFill>
+                  <a:schemeClr val="tx1"/>
+                </a:solidFill>
+                <a:latin typeface="+mn-lt"/>
+                <a:ea typeface="+mn-ea"/>
+                <a:cs typeface="+mn-cs"/>
+              </a:defRPr>
+            </a:lvl2pPr>
+            <a:lvl3pPr marL="1143000" indent="-228600" algn="l" defTabSz="914400" rtl="0" eaLnBrk="1" latinLnBrk="0" hangingPunct="1">
+              <a:lnSpc>
+                <a:spcPct val="90000"/>
+              </a:lnSpc>
+              <a:spcBef>
+                <a:spcPts val="500"/>
+              </a:spcBef>
+              <a:buFont typeface="Arial" panose="020B0604020202020204" pitchFamily="34" charset="0"/>
+              <a:buChar char="•"/>
+              <a:defRPr sz="2000" kern="1200">
+                <a:solidFill>
+                  <a:schemeClr val="tx1"/>
+                </a:solidFill>
+                <a:latin typeface="+mn-lt"/>
+                <a:ea typeface="+mn-ea"/>
+                <a:cs typeface="+mn-cs"/>
+              </a:defRPr>
+            </a:lvl3pPr>
+            <a:lvl4pPr marL="1600200" indent="-228600" algn="l" defTabSz="914400" rtl="0" eaLnBrk="1" latinLnBrk="0" hangingPunct="1">
+              <a:lnSpc>
+                <a:spcPct val="90000"/>
+              </a:lnSpc>
+              <a:spcBef>
+                <a:spcPts val="500"/>
+              </a:spcBef>
+              <a:buFont typeface="Arial" panose="020B0604020202020204" pitchFamily="34" charset="0"/>
+              <a:buChar char="•"/>
+              <a:defRPr sz="1800" kern="1200">
+                <a:solidFill>
+                  <a:schemeClr val="tx1"/>
+                </a:solidFill>
+                <a:latin typeface="+mn-lt"/>
+                <a:ea typeface="+mn-ea"/>
+                <a:cs typeface="+mn-cs"/>
+              </a:defRPr>
+            </a:lvl4pPr>
+            <a:lvl5pPr marL="2057400" indent="-228600" algn="l" defTabSz="914400" rtl="0" eaLnBrk="1" latinLnBrk="0" hangingPunct="1">
+              <a:lnSpc>
+                <a:spcPct val="90000"/>
+              </a:lnSpc>
+              <a:spcBef>
+                <a:spcPts val="500"/>
+              </a:spcBef>
+              <a:buFont typeface="Arial" panose="020B0604020202020204" pitchFamily="34" charset="0"/>
+              <a:buChar char="•"/>
+              <a:defRPr sz="1800" kern="1200">
+                <a:solidFill>
+                  <a:schemeClr val="tx1"/>
+                </a:solidFill>
+                <a:latin typeface="+mn-lt"/>
+                <a:ea typeface="+mn-ea"/>
+                <a:cs typeface="+mn-cs"/>
+              </a:defRPr>
+            </a:lvl5pPr>
+            <a:lvl6pPr marL="2514600" indent="-228600" algn="l" defTabSz="914400" rtl="0" eaLnBrk="1" latinLnBrk="0" hangingPunct="1">
+              <a:lnSpc>
+                <a:spcPct val="90000"/>
+              </a:lnSpc>
+              <a:spcBef>
+                <a:spcPts val="500"/>
+              </a:spcBef>
+              <a:buFont typeface="Arial" panose="020B0604020202020204" pitchFamily="34" charset="0"/>
+              <a:buChar char="•"/>
+              <a:defRPr sz="1800" kern="1200">
+                <a:solidFill>
+                  <a:schemeClr val="tx1"/>
+                </a:solidFill>
+                <a:latin typeface="+mn-lt"/>
+                <a:ea typeface="+mn-ea"/>
+                <a:cs typeface="+mn-cs"/>
+              </a:defRPr>
+            </a:lvl6pPr>
+            <a:lvl7pPr marL="2971800" indent="-228600" algn="l" defTabSz="914400" rtl="0" eaLnBrk="1" latinLnBrk="0" hangingPunct="1">
+              <a:lnSpc>
+                <a:spcPct val="90000"/>
+              </a:lnSpc>
+              <a:spcBef>
+                <a:spcPts val="500"/>
+              </a:spcBef>
+              <a:buFont typeface="Arial" panose="020B0604020202020204" pitchFamily="34" charset="0"/>
+              <a:buChar char="•"/>
+              <a:defRPr sz="1800" kern="1200">
+                <a:solidFill>
+                  <a:schemeClr val="tx1"/>
+                </a:solidFill>
+                <a:latin typeface="+mn-lt"/>
+                <a:ea typeface="+mn-ea"/>
+                <a:cs typeface="+mn-cs"/>
+              </a:defRPr>
+            </a:lvl7pPr>
+            <a:lvl8pPr marL="3429000" indent="-228600" algn="l" defTabSz="914400" rtl="0" eaLnBrk="1" latinLnBrk="0" hangingPunct="1">
+              <a:lnSpc>
+                <a:spcPct val="90000"/>
+              </a:lnSpc>
+              <a:spcBef>
+                <a:spcPts val="500"/>
+              </a:spcBef>
+              <a:buFont typeface="Arial" panose="020B0604020202020204" pitchFamily="34" charset="0"/>
+              <a:buChar char="•"/>
+              <a:defRPr sz="1800" kern="1200">
+                <a:solidFill>
+                  <a:schemeClr val="tx1"/>
+                </a:solidFill>
+                <a:latin typeface="+mn-lt"/>
+                <a:ea typeface="+mn-ea"/>
+                <a:cs typeface="+mn-cs"/>
+              </a:defRPr>
+            </a:lvl8pPr>
+            <a:lvl9pPr marL="3886200" indent="-228600" algn="l" defTabSz="914400" rtl="0" eaLnBrk="1" latinLnBrk="0" hangingPunct="1">
+              <a:lnSpc>
+                <a:spcPct val="90000"/>
+              </a:lnSpc>
+              <a:spcBef>
+                <a:spcPts val="500"/>
+              </a:spcBef>
+              <a:buFont typeface="Arial" panose="020B0604020202020204" pitchFamily="34" charset="0"/>
+              <a:buChar char="•"/>
+              <a:defRPr sz="1800" kern="1200">
+                <a:solidFill>
+                  <a:schemeClr val="tx1"/>
+                </a:solidFill>
+                <a:latin typeface="+mn-lt"/>
+                <a:ea typeface="+mn-ea"/>
+                <a:cs typeface="+mn-cs"/>
+              </a:defRPr>
+            </a:lvl9pPr>
+          </a:lstStyle>
+          <a:p>
+            <a:pPr marL="0" indent="0">
+              <a:lnSpc>
+                <a:spcPct val="200000"/>
+              </a:lnSpc>
+              <a:buFont typeface="Arial" panose="020B0604020202020204" pitchFamily="34" charset="0"/>
+              <a:buNone/>
+            </a:pPr>
+            <a:r>
+              <a:rPr lang="en-US" sz="3200">
+                <a:latin typeface="Sylfaen" panose="010A0502050306030303" pitchFamily="18" charset="0"/>
+              </a:rPr>
+              <a:t>Hypertext transfer protocol</a:t>
+            </a:r>
+            <a:endParaRPr lang="hy-AM" sz="3200">
+              <a:latin typeface="Sylfaen" panose="010A0502050306030303" pitchFamily="18" charset="0"/>
+            </a:endParaRPr>
+          </a:p>
+        </p:txBody>
+      </p:sp>
     </p:spTree>
     <p:extLst>
       <p:ext uri="{BB962C8B-B14F-4D97-AF65-F5344CB8AC3E}">
-        <p14:creationId xmlns:p14="http://schemas.microsoft.com/office/powerpoint/2010/main" val="745845446"/>
+        <p14:creationId xmlns:p14="http://schemas.microsoft.com/office/powerpoint/2010/main" val="4226174135"/>
       </p:ext>
     </p:extLst>
   </p:cSld>
@@ -10558,10 +10729,10 @@
       </p:grpSpPr>
       <p:sp>
         <p:nvSpPr>
-          <p:cNvPr id="2" name="Title 1">
-            <a:extLst>
-              <a:ext uri="{FF2B5EF4-FFF2-40B4-BE49-F238E27FC236}">
-                <a16:creationId xmlns:a16="http://schemas.microsoft.com/office/drawing/2014/main" id="{3AB7C46E-6CD9-4F2B-8889-0FB5AC305B04}"/>
+          <p:cNvPr id="2" name="Заголовок 1">
+            <a:extLst>
+              <a:ext uri="{FF2B5EF4-FFF2-40B4-BE49-F238E27FC236}">
+                <a16:creationId xmlns:a16="http://schemas.microsoft.com/office/drawing/2014/main" id="{9AB766F8-1969-4D97-AC71-58F525620369}"/>
               </a:ext>
             </a:extLst>
           </p:cNvPr>
@@ -10572,7 +10743,12 @@
             <p:ph type="title"/>
           </p:nvPr>
         </p:nvSpPr>
-        <p:spPr/>
+        <p:spPr>
+          <a:xfrm>
+            <a:off x="838199" y="0"/>
+            <a:ext cx="10515600" cy="1325563"/>
+          </a:xfrm>
+        </p:spPr>
         <p:txBody>
           <a:bodyPr>
             <a:normAutofit/>
@@ -10581,56 +10757,109 @@
           <a:p>
             <a:pPr algn="ctr"/>
             <a:r>
-              <a:rPr lang="en-US" altLang="en-US">
-                <a:latin typeface="Sylfaen" panose="010A0502050306030303" pitchFamily="18" charset="0"/>
-              </a:rPr>
-              <a:t>Interaction between client and server using HTTP</a:t>
-            </a:r>
-            <a:endParaRPr lang="en-US"/>
+              <a:rPr lang="en-US" sz="5000">
+                <a:latin typeface="Sylfaen" panose="010A0502050306030303" pitchFamily="18" charset="0"/>
+              </a:rPr>
+              <a:t>HTTP Basic Features</a:t>
+            </a:r>
+            <a:endParaRPr lang="ru-RU" sz="5000">
+              <a:latin typeface="Sylfaen" panose="010A0502050306030303" pitchFamily="18" charset="0"/>
+            </a:endParaRPr>
           </a:p>
         </p:txBody>
       </p:sp>
-      <p:pic>
-        <p:nvPicPr>
-          <p:cNvPr id="5" name="Content Placeholder 4">
-            <a:extLst>
-              <a:ext uri="{FF2B5EF4-FFF2-40B4-BE49-F238E27FC236}">
-                <a16:creationId xmlns:a16="http://schemas.microsoft.com/office/drawing/2014/main" id="{85E328A6-E252-4956-A6BC-C76B4FA7E03E}"/>
-              </a:ext>
-            </a:extLst>
-          </p:cNvPr>
-          <p:cNvPicPr>
-            <a:picLocks noGrp="1" noChangeAspect="1"/>
-          </p:cNvPicPr>
+      <p:sp>
+        <p:nvSpPr>
+          <p:cNvPr id="3" name="Объект 2">
+            <a:extLst>
+              <a:ext uri="{FF2B5EF4-FFF2-40B4-BE49-F238E27FC236}">
+                <a16:creationId xmlns:a16="http://schemas.microsoft.com/office/drawing/2014/main" id="{CD07CB4D-45E2-4515-87D7-6F3741123265}"/>
+              </a:ext>
+            </a:extLst>
+          </p:cNvPr>
+          <p:cNvSpPr>
+            <a:spLocks noGrp="1"/>
+          </p:cNvSpPr>
           <p:nvPr>
             <p:ph idx="1"/>
           </p:nvPr>
-        </p:nvPicPr>
-        <p:blipFill>
-          <a:blip r:embed="rId2">
-            <a:extLst>
-              <a:ext uri="{28A0092B-C50C-407E-A947-70E740481C1C}">
-                <a14:useLocalDpi xmlns:a14="http://schemas.microsoft.com/office/drawing/2010/main" val="0"/>
-              </a:ext>
-            </a:extLst>
-          </a:blip>
-          <a:stretch>
-            <a:fillRect/>
-          </a:stretch>
-        </p:blipFill>
+        </p:nvSpPr>
         <p:spPr>
           <a:xfrm>
-            <a:off x="1080846" y="2966850"/>
-            <a:ext cx="10030308" cy="2665485"/>
+            <a:off x="1779813" y="2134901"/>
+            <a:ext cx="8632371" cy="3449202"/>
           </a:xfrm>
         </p:spPr>
-      </p:pic>
+        <p:txBody>
+          <a:bodyPr>
+            <a:normAutofit/>
+          </a:bodyPr>
+          <a:lstStyle/>
+          <a:p>
+            <a:pPr marL="0" indent="0">
+              <a:lnSpc>
+                <a:spcPct val="200000"/>
+              </a:lnSpc>
+              <a:buNone/>
+            </a:pPr>
+            <a:r>
+              <a:rPr lang="en-US" sz="3200">
+                <a:latin typeface="Sylfaen" panose="010A0502050306030303" pitchFamily="18" charset="0"/>
+              </a:rPr>
+              <a:t>HTTP </a:t>
+            </a:r>
+            <a:r>
+              <a:rPr lang="en-US" sz="3200" dirty="0">
+                <a:latin typeface="Sylfaen" panose="010A0502050306030303" pitchFamily="18" charset="0"/>
+              </a:rPr>
+              <a:t>is connectionless</a:t>
+            </a:r>
+            <a:endParaRPr lang="hy-AM" sz="3200" dirty="0">
+              <a:latin typeface="Sylfaen" panose="010A0502050306030303" pitchFamily="18" charset="0"/>
+            </a:endParaRPr>
+          </a:p>
+          <a:p>
+            <a:pPr marL="0" indent="0">
+              <a:lnSpc>
+                <a:spcPct val="200000"/>
+              </a:lnSpc>
+              <a:buNone/>
+            </a:pPr>
+            <a:r>
+              <a:rPr lang="en-US" sz="3200" dirty="0">
+                <a:latin typeface="Sylfaen" panose="010A0502050306030303" pitchFamily="18" charset="0"/>
+              </a:rPr>
+              <a:t>HTTP is media independent</a:t>
+            </a:r>
+            <a:endParaRPr lang="hy-AM" sz="3200" dirty="0">
+              <a:latin typeface="Sylfaen" panose="010A0502050306030303" pitchFamily="18" charset="0"/>
+            </a:endParaRPr>
+          </a:p>
+          <a:p>
+            <a:pPr marL="0" indent="0">
+              <a:lnSpc>
+                <a:spcPct val="200000"/>
+              </a:lnSpc>
+              <a:buNone/>
+            </a:pPr>
+            <a:r>
+              <a:rPr lang="en-US" sz="3200" dirty="0">
+                <a:latin typeface="Sylfaen" panose="010A0502050306030303" pitchFamily="18" charset="0"/>
+              </a:rPr>
+              <a:t>HTTP is stateless</a:t>
+            </a:r>
+            <a:endParaRPr lang="ru-RU" sz="3200" dirty="0">
+              <a:latin typeface="Sylfaen" panose="010A0502050306030303" pitchFamily="18" charset="0"/>
+            </a:endParaRPr>
+          </a:p>
+        </p:txBody>
+      </p:sp>
       <p:cxnSp>
         <p:nvCxnSpPr>
           <p:cNvPr id="4" name="Straight Connector 3">
             <a:extLst>
               <a:ext uri="{FF2B5EF4-FFF2-40B4-BE49-F238E27FC236}">
-                <a16:creationId xmlns:a16="http://schemas.microsoft.com/office/drawing/2014/main" id="{C1CC82A6-2DB7-45C9-8AD1-2F2E65F5C835}"/>
+                <a16:creationId xmlns:a16="http://schemas.microsoft.com/office/drawing/2014/main" id="{453C08CA-550C-4E7C-85A3-5973BC63A8D4}"/>
               </a:ext>
             </a:extLst>
           </p:cNvPr>
@@ -10641,7 +10870,7 @@
         </p:nvCxnSpPr>
         <p:spPr>
           <a:xfrm>
-            <a:off x="569235" y="1745456"/>
+            <a:off x="569235" y="1138985"/>
             <a:ext cx="11053530" cy="0"/>
           </a:xfrm>
           <a:prstGeom prst="line">
@@ -10666,7 +10895,7 @@
     </p:spTree>
     <p:extLst>
       <p:ext uri="{BB962C8B-B14F-4D97-AF65-F5344CB8AC3E}">
-        <p14:creationId xmlns:p14="http://schemas.microsoft.com/office/powerpoint/2010/main" val="4226174135"/>
+        <p14:creationId xmlns:p14="http://schemas.microsoft.com/office/powerpoint/2010/main" val="745845446"/>
       </p:ext>
     </p:extLst>
   </p:cSld>

--- a/Http/Http_presentation.pptx
+++ b/Http/Http_presentation.pptx
@@ -289,7 +289,7 @@
           <a:p>
             <a:fld id="{E36C89DF-7188-4BC0-ADF4-07E309878DC2}" type="datetimeFigureOut">
               <a:rPr lang="ru-RU" smtClean="0"/>
-              <a:t>24.10.2022</a:t>
+              <a:t>25.10.2022</a:t>
             </a:fld>
             <a:endParaRPr lang="ru-RU"/>
           </a:p>
@@ -487,7 +487,7 @@
           <a:p>
             <a:fld id="{E36C89DF-7188-4BC0-ADF4-07E309878DC2}" type="datetimeFigureOut">
               <a:rPr lang="ru-RU" smtClean="0"/>
-              <a:t>24.10.2022</a:t>
+              <a:t>25.10.2022</a:t>
             </a:fld>
             <a:endParaRPr lang="ru-RU"/>
           </a:p>
@@ -695,7 +695,7 @@
           <a:p>
             <a:fld id="{E36C89DF-7188-4BC0-ADF4-07E309878DC2}" type="datetimeFigureOut">
               <a:rPr lang="ru-RU" smtClean="0"/>
-              <a:t>24.10.2022</a:t>
+              <a:t>25.10.2022</a:t>
             </a:fld>
             <a:endParaRPr lang="ru-RU"/>
           </a:p>
@@ -893,7 +893,7 @@
           <a:p>
             <a:fld id="{E36C89DF-7188-4BC0-ADF4-07E309878DC2}" type="datetimeFigureOut">
               <a:rPr lang="ru-RU" smtClean="0"/>
-              <a:t>24.10.2022</a:t>
+              <a:t>25.10.2022</a:t>
             </a:fld>
             <a:endParaRPr lang="ru-RU"/>
           </a:p>
@@ -1168,7 +1168,7 @@
           <a:p>
             <a:fld id="{E36C89DF-7188-4BC0-ADF4-07E309878DC2}" type="datetimeFigureOut">
               <a:rPr lang="ru-RU" smtClean="0"/>
-              <a:t>24.10.2022</a:t>
+              <a:t>25.10.2022</a:t>
             </a:fld>
             <a:endParaRPr lang="ru-RU"/>
           </a:p>
@@ -1433,7 +1433,7 @@
           <a:p>
             <a:fld id="{E36C89DF-7188-4BC0-ADF4-07E309878DC2}" type="datetimeFigureOut">
               <a:rPr lang="ru-RU" smtClean="0"/>
-              <a:t>24.10.2022</a:t>
+              <a:t>25.10.2022</a:t>
             </a:fld>
             <a:endParaRPr lang="ru-RU"/>
           </a:p>
@@ -1845,7 +1845,7 @@
           <a:p>
             <a:fld id="{E36C89DF-7188-4BC0-ADF4-07E309878DC2}" type="datetimeFigureOut">
               <a:rPr lang="ru-RU" smtClean="0"/>
-              <a:t>24.10.2022</a:t>
+              <a:t>25.10.2022</a:t>
             </a:fld>
             <a:endParaRPr lang="ru-RU"/>
           </a:p>
@@ -1986,7 +1986,7 @@
           <a:p>
             <a:fld id="{E36C89DF-7188-4BC0-ADF4-07E309878DC2}" type="datetimeFigureOut">
               <a:rPr lang="ru-RU" smtClean="0"/>
-              <a:t>24.10.2022</a:t>
+              <a:t>25.10.2022</a:t>
             </a:fld>
             <a:endParaRPr lang="ru-RU"/>
           </a:p>
@@ -2099,7 +2099,7 @@
           <a:p>
             <a:fld id="{E36C89DF-7188-4BC0-ADF4-07E309878DC2}" type="datetimeFigureOut">
               <a:rPr lang="ru-RU" smtClean="0"/>
-              <a:t>24.10.2022</a:t>
+              <a:t>25.10.2022</a:t>
             </a:fld>
             <a:endParaRPr lang="ru-RU"/>
           </a:p>
@@ -2410,7 +2410,7 @@
           <a:p>
             <a:fld id="{E36C89DF-7188-4BC0-ADF4-07E309878DC2}" type="datetimeFigureOut">
               <a:rPr lang="ru-RU" smtClean="0"/>
-              <a:t>24.10.2022</a:t>
+              <a:t>25.10.2022</a:t>
             </a:fld>
             <a:endParaRPr lang="ru-RU"/>
           </a:p>
@@ -2698,7 +2698,7 @@
           <a:p>
             <a:fld id="{E36C89DF-7188-4BC0-ADF4-07E309878DC2}" type="datetimeFigureOut">
               <a:rPr lang="ru-RU" smtClean="0"/>
-              <a:t>24.10.2022</a:t>
+              <a:t>25.10.2022</a:t>
             </a:fld>
             <a:endParaRPr lang="ru-RU"/>
           </a:p>
@@ -2939,7 +2939,7 @@
           <a:p>
             <a:fld id="{E36C89DF-7188-4BC0-ADF4-07E309878DC2}" type="datetimeFigureOut">
               <a:rPr lang="ru-RU" smtClean="0"/>
-              <a:t>24.10.2022</a:t>
+              <a:t>25.10.2022</a:t>
             </a:fld>
             <a:endParaRPr lang="ru-RU"/>
           </a:p>
@@ -6818,6 +6818,9 @@
             </a:pPr>
             <a:r>
               <a:rPr lang="en-US">
+                <a:solidFill>
+                  <a:srgbClr val="FF0000"/>
+                </a:solidFill>
                 <a:latin typeface="Sylfaen" panose="010A0502050306030303" pitchFamily="18" charset="0"/>
               </a:rPr>
               <a:t>Trailer</a:t>
@@ -7082,7 +7085,19 @@
               <a:rPr lang="en-US">
                 <a:latin typeface="Sylfaen" panose="010A0502050306030303" pitchFamily="18" charset="0"/>
               </a:rPr>
-              <a:t>Proxy headers</a:t>
+              <a:t>Proxy-</a:t>
+            </a:r>
+            <a:r>
+              <a:rPr lang="hy-AM">
+                <a:latin typeface="Sylfaen" panose="010A0502050306030303" pitchFamily="18" charset="0"/>
+              </a:rPr>
+              <a:t>Authorization </a:t>
+            </a:r>
+            <a:r>
+              <a:rPr lang="en-US">
+                <a:latin typeface="Sylfaen" panose="010A0502050306030303" pitchFamily="18" charset="0"/>
+              </a:rPr>
+              <a:t>headers</a:t>
             </a:r>
           </a:p>
         </p:txBody>
@@ -8410,7 +8425,7 @@
               <a:rPr lang="en-US">
                 <a:latin typeface="Sylfaen" panose="010A0502050306030303" pitchFamily="18" charset="0"/>
               </a:rPr>
-              <a:t>Proxy Request Headers</a:t>
+              <a:t>Proxy-Authorization Request Headers</a:t>
             </a:r>
             <a:endParaRPr lang="en-US"/>
           </a:p>
@@ -9557,7 +9572,7 @@
         <p:spPr>
           <a:xfrm>
             <a:off x="838200" y="1585757"/>
-            <a:ext cx="5257800" cy="4830008"/>
+            <a:ext cx="5257800" cy="1592158"/>
           </a:xfrm>
         </p:spPr>
         <p:txBody>
@@ -9604,68 +9619,6 @@
               </a:rPr>
               <a:t>Allow: method</a:t>
             </a:r>
-          </a:p>
-          <a:p>
-            <a:pPr marL="0" indent="0">
-              <a:lnSpc>
-                <a:spcPct val="150000"/>
-              </a:lnSpc>
-              <a:buNone/>
-            </a:pPr>
-            <a:endParaRPr lang="en-US">
-              <a:latin typeface="Sylfaen" panose="010A0502050306030303" pitchFamily="18" charset="0"/>
-            </a:endParaRPr>
-          </a:p>
-          <a:p>
-            <a:pPr marL="0" indent="0">
-              <a:lnSpc>
-                <a:spcPct val="150000"/>
-              </a:lnSpc>
-              <a:buNone/>
-            </a:pPr>
-            <a:r>
-              <a:rPr lang="en-US" b="1">
-                <a:latin typeface="Sylfaen" panose="010A0502050306030303" pitchFamily="18" charset="0"/>
-              </a:rPr>
-              <a:t>Entity Caching headers</a:t>
-            </a:r>
-          </a:p>
-          <a:p>
-            <a:pPr marL="0" indent="0">
-              <a:lnSpc>
-                <a:spcPct val="150000"/>
-              </a:lnSpc>
-              <a:buNone/>
-            </a:pPr>
-            <a:r>
-              <a:rPr lang="en-US">
-                <a:latin typeface="Sylfaen" panose="010A0502050306030303" pitchFamily="18" charset="0"/>
-              </a:rPr>
-              <a:t>Expires: date</a:t>
-            </a:r>
-          </a:p>
-          <a:p>
-            <a:pPr marL="0" indent="0">
-              <a:lnSpc>
-                <a:spcPct val="150000"/>
-              </a:lnSpc>
-              <a:buNone/>
-            </a:pPr>
-            <a:r>
-              <a:rPr lang="hy-AM">
-                <a:latin typeface="Sylfaen" panose="010A0502050306030303" pitchFamily="18" charset="0"/>
-              </a:rPr>
-              <a:t>Last-Modified</a:t>
-            </a:r>
-            <a:r>
-              <a:rPr lang="en-US">
-                <a:latin typeface="Sylfaen" panose="010A0502050306030303" pitchFamily="18" charset="0"/>
-              </a:rPr>
-              <a:t>: date</a:t>
-            </a:r>
-            <a:endParaRPr lang="hy-AM">
-              <a:latin typeface="Sylfaen" panose="010A0502050306030303" pitchFamily="18" charset="0"/>
-            </a:endParaRPr>
           </a:p>
           <a:p>
             <a:pPr marL="0" indent="0">
@@ -9715,6 +9668,262 @@
           </a:fontRef>
         </p:style>
       </p:cxnSp>
+      <p:sp>
+        <p:nvSpPr>
+          <p:cNvPr id="5" name="Content Placeholder 2">
+            <a:extLst>
+              <a:ext uri="{FF2B5EF4-FFF2-40B4-BE49-F238E27FC236}">
+                <a16:creationId xmlns:a16="http://schemas.microsoft.com/office/drawing/2014/main" id="{84975CDE-2B9C-4F61-9CEC-90F3A89BCE04}"/>
+              </a:ext>
+            </a:extLst>
+          </p:cNvPr>
+          <p:cNvSpPr txBox="1">
+            <a:spLocks/>
+          </p:cNvSpPr>
+          <p:nvPr/>
+        </p:nvSpPr>
+        <p:spPr>
+          <a:xfrm>
+            <a:off x="838200" y="3438109"/>
+            <a:ext cx="5257800" cy="2371642"/>
+          </a:xfrm>
+          <a:prstGeom prst="rect">
+            <a:avLst/>
+          </a:prstGeom>
+        </p:spPr>
+        <p:txBody>
+          <a:bodyPr vert="horz" lIns="91440" tIns="45720" rIns="91440" bIns="45720" rtlCol="0">
+            <a:normAutofit/>
+          </a:bodyPr>
+          <a:lstStyle>
+            <a:lvl1pPr marL="228600" indent="-228600" algn="l" defTabSz="914400" rtl="0" eaLnBrk="1" latinLnBrk="0" hangingPunct="1">
+              <a:lnSpc>
+                <a:spcPct val="90000"/>
+              </a:lnSpc>
+              <a:spcBef>
+                <a:spcPts val="1000"/>
+              </a:spcBef>
+              <a:buFont typeface="Arial" panose="020B0604020202020204" pitchFamily="34" charset="0"/>
+              <a:buChar char="•"/>
+              <a:defRPr sz="2800" kern="1200">
+                <a:solidFill>
+                  <a:schemeClr val="tx1"/>
+                </a:solidFill>
+                <a:latin typeface="+mn-lt"/>
+                <a:ea typeface="+mn-ea"/>
+                <a:cs typeface="+mn-cs"/>
+              </a:defRPr>
+            </a:lvl1pPr>
+            <a:lvl2pPr marL="685800" indent="-228600" algn="l" defTabSz="914400" rtl="0" eaLnBrk="1" latinLnBrk="0" hangingPunct="1">
+              <a:lnSpc>
+                <a:spcPct val="90000"/>
+              </a:lnSpc>
+              <a:spcBef>
+                <a:spcPts val="500"/>
+              </a:spcBef>
+              <a:buFont typeface="Arial" panose="020B0604020202020204" pitchFamily="34" charset="0"/>
+              <a:buChar char="•"/>
+              <a:defRPr sz="2400" kern="1200">
+                <a:solidFill>
+                  <a:schemeClr val="tx1"/>
+                </a:solidFill>
+                <a:latin typeface="+mn-lt"/>
+                <a:ea typeface="+mn-ea"/>
+                <a:cs typeface="+mn-cs"/>
+              </a:defRPr>
+            </a:lvl2pPr>
+            <a:lvl3pPr marL="1143000" indent="-228600" algn="l" defTabSz="914400" rtl="0" eaLnBrk="1" latinLnBrk="0" hangingPunct="1">
+              <a:lnSpc>
+                <a:spcPct val="90000"/>
+              </a:lnSpc>
+              <a:spcBef>
+                <a:spcPts val="500"/>
+              </a:spcBef>
+              <a:buFont typeface="Arial" panose="020B0604020202020204" pitchFamily="34" charset="0"/>
+              <a:buChar char="•"/>
+              <a:defRPr sz="2000" kern="1200">
+                <a:solidFill>
+                  <a:schemeClr val="tx1"/>
+                </a:solidFill>
+                <a:latin typeface="+mn-lt"/>
+                <a:ea typeface="+mn-ea"/>
+                <a:cs typeface="+mn-cs"/>
+              </a:defRPr>
+            </a:lvl3pPr>
+            <a:lvl4pPr marL="1600200" indent="-228600" algn="l" defTabSz="914400" rtl="0" eaLnBrk="1" latinLnBrk="0" hangingPunct="1">
+              <a:lnSpc>
+                <a:spcPct val="90000"/>
+              </a:lnSpc>
+              <a:spcBef>
+                <a:spcPts val="500"/>
+              </a:spcBef>
+              <a:buFont typeface="Arial" panose="020B0604020202020204" pitchFamily="34" charset="0"/>
+              <a:buChar char="•"/>
+              <a:defRPr sz="1800" kern="1200">
+                <a:solidFill>
+                  <a:schemeClr val="tx1"/>
+                </a:solidFill>
+                <a:latin typeface="+mn-lt"/>
+                <a:ea typeface="+mn-ea"/>
+                <a:cs typeface="+mn-cs"/>
+              </a:defRPr>
+            </a:lvl4pPr>
+            <a:lvl5pPr marL="2057400" indent="-228600" algn="l" defTabSz="914400" rtl="0" eaLnBrk="1" latinLnBrk="0" hangingPunct="1">
+              <a:lnSpc>
+                <a:spcPct val="90000"/>
+              </a:lnSpc>
+              <a:spcBef>
+                <a:spcPts val="500"/>
+              </a:spcBef>
+              <a:buFont typeface="Arial" panose="020B0604020202020204" pitchFamily="34" charset="0"/>
+              <a:buChar char="•"/>
+              <a:defRPr sz="1800" kern="1200">
+                <a:solidFill>
+                  <a:schemeClr val="tx1"/>
+                </a:solidFill>
+                <a:latin typeface="+mn-lt"/>
+                <a:ea typeface="+mn-ea"/>
+                <a:cs typeface="+mn-cs"/>
+              </a:defRPr>
+            </a:lvl5pPr>
+            <a:lvl6pPr marL="2514600" indent="-228600" algn="l" defTabSz="914400" rtl="0" eaLnBrk="1" latinLnBrk="0" hangingPunct="1">
+              <a:lnSpc>
+                <a:spcPct val="90000"/>
+              </a:lnSpc>
+              <a:spcBef>
+                <a:spcPts val="500"/>
+              </a:spcBef>
+              <a:buFont typeface="Arial" panose="020B0604020202020204" pitchFamily="34" charset="0"/>
+              <a:buChar char="•"/>
+              <a:defRPr sz="1800" kern="1200">
+                <a:solidFill>
+                  <a:schemeClr val="tx1"/>
+                </a:solidFill>
+                <a:latin typeface="+mn-lt"/>
+                <a:ea typeface="+mn-ea"/>
+                <a:cs typeface="+mn-cs"/>
+              </a:defRPr>
+            </a:lvl6pPr>
+            <a:lvl7pPr marL="2971800" indent="-228600" algn="l" defTabSz="914400" rtl="0" eaLnBrk="1" latinLnBrk="0" hangingPunct="1">
+              <a:lnSpc>
+                <a:spcPct val="90000"/>
+              </a:lnSpc>
+              <a:spcBef>
+                <a:spcPts val="500"/>
+              </a:spcBef>
+              <a:buFont typeface="Arial" panose="020B0604020202020204" pitchFamily="34" charset="0"/>
+              <a:buChar char="•"/>
+              <a:defRPr sz="1800" kern="1200">
+                <a:solidFill>
+                  <a:schemeClr val="tx1"/>
+                </a:solidFill>
+                <a:latin typeface="+mn-lt"/>
+                <a:ea typeface="+mn-ea"/>
+                <a:cs typeface="+mn-cs"/>
+              </a:defRPr>
+            </a:lvl7pPr>
+            <a:lvl8pPr marL="3429000" indent="-228600" algn="l" defTabSz="914400" rtl="0" eaLnBrk="1" latinLnBrk="0" hangingPunct="1">
+              <a:lnSpc>
+                <a:spcPct val="90000"/>
+              </a:lnSpc>
+              <a:spcBef>
+                <a:spcPts val="500"/>
+              </a:spcBef>
+              <a:buFont typeface="Arial" panose="020B0604020202020204" pitchFamily="34" charset="0"/>
+              <a:buChar char="•"/>
+              <a:defRPr sz="1800" kern="1200">
+                <a:solidFill>
+                  <a:schemeClr val="tx1"/>
+                </a:solidFill>
+                <a:latin typeface="+mn-lt"/>
+                <a:ea typeface="+mn-ea"/>
+                <a:cs typeface="+mn-cs"/>
+              </a:defRPr>
+            </a:lvl8pPr>
+            <a:lvl9pPr marL="3886200" indent="-228600" algn="l" defTabSz="914400" rtl="0" eaLnBrk="1" latinLnBrk="0" hangingPunct="1">
+              <a:lnSpc>
+                <a:spcPct val="90000"/>
+              </a:lnSpc>
+              <a:spcBef>
+                <a:spcPts val="500"/>
+              </a:spcBef>
+              <a:buFont typeface="Arial" panose="020B0604020202020204" pitchFamily="34" charset="0"/>
+              <a:buChar char="•"/>
+              <a:defRPr sz="1800" kern="1200">
+                <a:solidFill>
+                  <a:schemeClr val="tx1"/>
+                </a:solidFill>
+                <a:latin typeface="+mn-lt"/>
+                <a:ea typeface="+mn-ea"/>
+                <a:cs typeface="+mn-cs"/>
+              </a:defRPr>
+            </a:lvl9pPr>
+          </a:lstStyle>
+          <a:p>
+            <a:pPr marL="0" indent="0">
+              <a:lnSpc>
+                <a:spcPct val="150000"/>
+              </a:lnSpc>
+              <a:buFont typeface="Arial" panose="020B0604020202020204" pitchFamily="34" charset="0"/>
+              <a:buNone/>
+            </a:pPr>
+            <a:r>
+              <a:rPr lang="en-US" b="1">
+                <a:latin typeface="Sylfaen" panose="010A0502050306030303" pitchFamily="18" charset="0"/>
+              </a:rPr>
+              <a:t>Entity Caching headers</a:t>
+            </a:r>
+          </a:p>
+          <a:p>
+            <a:pPr marL="0" indent="0">
+              <a:lnSpc>
+                <a:spcPct val="150000"/>
+              </a:lnSpc>
+              <a:buFont typeface="Arial" panose="020B0604020202020204" pitchFamily="34" charset="0"/>
+              <a:buNone/>
+            </a:pPr>
+            <a:r>
+              <a:rPr lang="en-US">
+                <a:latin typeface="Sylfaen" panose="010A0502050306030303" pitchFamily="18" charset="0"/>
+              </a:rPr>
+              <a:t>Expires: date</a:t>
+            </a:r>
+          </a:p>
+          <a:p>
+            <a:pPr marL="0" indent="0">
+              <a:lnSpc>
+                <a:spcPct val="150000"/>
+              </a:lnSpc>
+              <a:buFont typeface="Arial" panose="020B0604020202020204" pitchFamily="34" charset="0"/>
+              <a:buNone/>
+            </a:pPr>
+            <a:r>
+              <a:rPr lang="hy-AM">
+                <a:latin typeface="Sylfaen" panose="010A0502050306030303" pitchFamily="18" charset="0"/>
+              </a:rPr>
+              <a:t>Last-Modified</a:t>
+            </a:r>
+            <a:r>
+              <a:rPr lang="en-US">
+                <a:latin typeface="Sylfaen" panose="010A0502050306030303" pitchFamily="18" charset="0"/>
+              </a:rPr>
+              <a:t>: date</a:t>
+            </a:r>
+            <a:endParaRPr lang="hy-AM">
+              <a:latin typeface="Sylfaen" panose="010A0502050306030303" pitchFamily="18" charset="0"/>
+            </a:endParaRPr>
+          </a:p>
+          <a:p>
+            <a:pPr marL="0" indent="0">
+              <a:buFont typeface="Arial" panose="020B0604020202020204" pitchFamily="34" charset="0"/>
+              <a:buNone/>
+            </a:pPr>
+            <a:endParaRPr lang="en-US">
+              <a:latin typeface="Sylfaen" panose="010A0502050306030303" pitchFamily="18" charset="0"/>
+            </a:endParaRPr>
+          </a:p>
+        </p:txBody>
+      </p:sp>
     </p:spTree>
     <p:extLst>
       <p:ext uri="{BB962C8B-B14F-4D97-AF65-F5344CB8AC3E}">
@@ -10209,7 +10418,7 @@
         </p:nvSpPr>
         <p:spPr>
           <a:xfrm>
-            <a:off x="7373912" y="1780654"/>
+            <a:off x="6894227" y="1780654"/>
             <a:ext cx="2789420" cy="4351338"/>
           </a:xfrm>
         </p:spPr>
@@ -10396,7 +10605,7 @@
         </p:nvSpPr>
         <p:spPr>
           <a:xfrm>
-            <a:off x="2028668" y="1780654"/>
+            <a:off x="2508353" y="1780654"/>
             <a:ext cx="2789420" cy="4351338"/>
           </a:xfrm>
           <a:prstGeom prst="rect">

--- a/Http/Http_presentation.pptx
+++ b/Http/Http_presentation.pptx
@@ -289,7 +289,7 @@
           <a:p>
             <a:fld id="{E36C89DF-7188-4BC0-ADF4-07E309878DC2}" type="datetimeFigureOut">
               <a:rPr lang="ru-RU" smtClean="0"/>
-              <a:t>25.10.2022</a:t>
+              <a:t>26.10.2022</a:t>
             </a:fld>
             <a:endParaRPr lang="ru-RU"/>
           </a:p>
@@ -487,7 +487,7 @@
           <a:p>
             <a:fld id="{E36C89DF-7188-4BC0-ADF4-07E309878DC2}" type="datetimeFigureOut">
               <a:rPr lang="ru-RU" smtClean="0"/>
-              <a:t>25.10.2022</a:t>
+              <a:t>26.10.2022</a:t>
             </a:fld>
             <a:endParaRPr lang="ru-RU"/>
           </a:p>
@@ -695,7 +695,7 @@
           <a:p>
             <a:fld id="{E36C89DF-7188-4BC0-ADF4-07E309878DC2}" type="datetimeFigureOut">
               <a:rPr lang="ru-RU" smtClean="0"/>
-              <a:t>25.10.2022</a:t>
+              <a:t>26.10.2022</a:t>
             </a:fld>
             <a:endParaRPr lang="ru-RU"/>
           </a:p>
@@ -893,7 +893,7 @@
           <a:p>
             <a:fld id="{E36C89DF-7188-4BC0-ADF4-07E309878DC2}" type="datetimeFigureOut">
               <a:rPr lang="ru-RU" smtClean="0"/>
-              <a:t>25.10.2022</a:t>
+              <a:t>26.10.2022</a:t>
             </a:fld>
             <a:endParaRPr lang="ru-RU"/>
           </a:p>
@@ -1168,7 +1168,7 @@
           <a:p>
             <a:fld id="{E36C89DF-7188-4BC0-ADF4-07E309878DC2}" type="datetimeFigureOut">
               <a:rPr lang="ru-RU" smtClean="0"/>
-              <a:t>25.10.2022</a:t>
+              <a:t>26.10.2022</a:t>
             </a:fld>
             <a:endParaRPr lang="ru-RU"/>
           </a:p>
@@ -1433,7 +1433,7 @@
           <a:p>
             <a:fld id="{E36C89DF-7188-4BC0-ADF4-07E309878DC2}" type="datetimeFigureOut">
               <a:rPr lang="ru-RU" smtClean="0"/>
-              <a:t>25.10.2022</a:t>
+              <a:t>26.10.2022</a:t>
             </a:fld>
             <a:endParaRPr lang="ru-RU"/>
           </a:p>
@@ -1845,7 +1845,7 @@
           <a:p>
             <a:fld id="{E36C89DF-7188-4BC0-ADF4-07E309878DC2}" type="datetimeFigureOut">
               <a:rPr lang="ru-RU" smtClean="0"/>
-              <a:t>25.10.2022</a:t>
+              <a:t>26.10.2022</a:t>
             </a:fld>
             <a:endParaRPr lang="ru-RU"/>
           </a:p>
@@ -1986,7 +1986,7 @@
           <a:p>
             <a:fld id="{E36C89DF-7188-4BC0-ADF4-07E309878DC2}" type="datetimeFigureOut">
               <a:rPr lang="ru-RU" smtClean="0"/>
-              <a:t>25.10.2022</a:t>
+              <a:t>26.10.2022</a:t>
             </a:fld>
             <a:endParaRPr lang="ru-RU"/>
           </a:p>
@@ -2099,7 +2099,7 @@
           <a:p>
             <a:fld id="{E36C89DF-7188-4BC0-ADF4-07E309878DC2}" type="datetimeFigureOut">
               <a:rPr lang="ru-RU" smtClean="0"/>
-              <a:t>25.10.2022</a:t>
+              <a:t>26.10.2022</a:t>
             </a:fld>
             <a:endParaRPr lang="ru-RU"/>
           </a:p>
@@ -2410,7 +2410,7 @@
           <a:p>
             <a:fld id="{E36C89DF-7188-4BC0-ADF4-07E309878DC2}" type="datetimeFigureOut">
               <a:rPr lang="ru-RU" smtClean="0"/>
-              <a:t>25.10.2022</a:t>
+              <a:t>26.10.2022</a:t>
             </a:fld>
             <a:endParaRPr lang="ru-RU"/>
           </a:p>
@@ -2698,7 +2698,7 @@
           <a:p>
             <a:fld id="{E36C89DF-7188-4BC0-ADF4-07E309878DC2}" type="datetimeFigureOut">
               <a:rPr lang="ru-RU" smtClean="0"/>
-              <a:t>25.10.2022</a:t>
+              <a:t>26.10.2022</a:t>
             </a:fld>
             <a:endParaRPr lang="ru-RU"/>
           </a:p>
@@ -2939,7 +2939,7 @@
           <a:p>
             <a:fld id="{E36C89DF-7188-4BC0-ADF4-07E309878DC2}" type="datetimeFigureOut">
               <a:rPr lang="ru-RU" smtClean="0"/>
-              <a:t>25.10.2022</a:t>
+              <a:t>26.10.2022</a:t>
             </a:fld>
             <a:endParaRPr lang="ru-RU"/>
           </a:p>
@@ -8043,7 +8043,7 @@
               <a:buNone/>
             </a:pPr>
             <a:r>
-              <a:rPr lang="en-US">
+              <a:rPr lang="en-US" dirty="0">
                 <a:latin typeface="Sylfaen" panose="010A0502050306030303" pitchFamily="18" charset="0"/>
               </a:rPr>
               <a:t>Authorization: credentials</a:t>
@@ -8057,7 +8057,7 @@
               <a:buNone/>
             </a:pPr>
             <a:r>
-              <a:rPr lang="en-US">
+              <a:rPr lang="en-US" dirty="0">
                 <a:latin typeface="Sylfaen" panose="010A0502050306030303" pitchFamily="18" charset="0"/>
               </a:rPr>
               <a:t>Cookie: name=value</a:t>
@@ -8205,12 +8205,12 @@
               <a:buNone/>
             </a:pPr>
             <a:r>
-              <a:rPr lang="en-US">
+              <a:rPr lang="en-US" dirty="0">
                 <a:latin typeface="Sylfaen" panose="010A0502050306030303" pitchFamily="18" charset="0"/>
               </a:rPr>
               <a:t>Expect: expectation-extension</a:t>
             </a:r>
-            <a:endParaRPr lang="hy-AM">
+            <a:endParaRPr lang="hy-AM" dirty="0">
               <a:latin typeface="Sylfaen" panose="010A0502050306030303" pitchFamily="18" charset="0"/>
             </a:endParaRPr>
           </a:p>
@@ -8222,12 +8222,12 @@
               <a:buNone/>
             </a:pPr>
             <a:r>
-              <a:rPr lang="en-US">
+              <a:rPr lang="en-US" dirty="0">
                 <a:latin typeface="Sylfaen" panose="010A0502050306030303" pitchFamily="18" charset="0"/>
               </a:rPr>
               <a:t>If-Match: tag</a:t>
             </a:r>
-            <a:endParaRPr lang="hy-AM">
+            <a:endParaRPr lang="hy-AM" dirty="0">
               <a:latin typeface="Sylfaen" panose="010A0502050306030303" pitchFamily="18" charset="0"/>
             </a:endParaRPr>
           </a:p>
@@ -8239,19 +8239,19 @@
               <a:buNone/>
             </a:pPr>
             <a:r>
-              <a:rPr lang="en-US">
+              <a:rPr lang="en-US" dirty="0">
                 <a:latin typeface="Sylfaen" panose="010A0502050306030303" pitchFamily="18" charset="0"/>
               </a:rPr>
               <a:t>If</a:t>
             </a:r>
             <a:r>
-              <a:rPr lang="hy-AM">
+              <a:rPr lang="hy-AM" dirty="0">
                 <a:latin typeface="Sylfaen" panose="010A0502050306030303" pitchFamily="18" charset="0"/>
               </a:rPr>
               <a:t>-</a:t>
             </a:r>
             <a:r>
-              <a:rPr lang="en-US">
+              <a:rPr lang="en-US" dirty="0">
                 <a:latin typeface="Sylfaen" panose="010A0502050306030303" pitchFamily="18" charset="0"/>
               </a:rPr>
               <a:t>None-Match: tag</a:t>
@@ -8265,7 +8265,7 @@
               <a:buNone/>
             </a:pPr>
             <a:r>
-              <a:rPr lang="en-US">
+              <a:rPr lang="en-US" dirty="0">
                 <a:latin typeface="Sylfaen" panose="010A0502050306030303" pitchFamily="18" charset="0"/>
               </a:rPr>
               <a:t>If-Modified-Since: date</a:t>
@@ -8279,7 +8279,7 @@
               <a:buNone/>
             </a:pPr>
             <a:r>
-              <a:rPr lang="en-US">
+              <a:rPr lang="en-US" dirty="0">
                 <a:latin typeface="Sylfaen" panose="010A0502050306030303" pitchFamily="18" charset="0"/>
               </a:rPr>
               <a:t>If-Unmodified-Since: date</a:t>
@@ -8293,7 +8293,10 @@
               <a:buNone/>
             </a:pPr>
             <a:r>
-              <a:rPr lang="en-US">
+              <a:rPr lang="en-US" dirty="0">
+                <a:solidFill>
+                  <a:srgbClr val="FF0000"/>
+                </a:solidFill>
                 <a:latin typeface="Sylfaen" panose="010A0502050306030303" pitchFamily="18" charset="0"/>
               </a:rPr>
               <a:t>If-Range: tag | date</a:t>
@@ -8307,7 +8310,7 @@
               <a:buNone/>
             </a:pPr>
             <a:r>
-              <a:rPr lang="en-US">
+              <a:rPr lang="en-US" dirty="0">
                 <a:latin typeface="Sylfaen" panose="010A0502050306030303" pitchFamily="18" charset="0"/>
               </a:rPr>
               <a:t>Range: bytes=0-499</a:t>
@@ -8320,7 +8323,7 @@
               </a:lnSpc>
               <a:buNone/>
             </a:pPr>
-            <a:endParaRPr lang="en-US">
+            <a:endParaRPr lang="en-US" dirty="0">
               <a:latin typeface="Sylfaen" panose="010A0502050306030303" pitchFamily="18" charset="0"/>
             </a:endParaRPr>
           </a:p>

--- a/Http/Http_presentation.pptx
+++ b/Http/Http_presentation.pptx
@@ -289,7 +289,7 @@
           <a:p>
             <a:fld id="{E36C89DF-7188-4BC0-ADF4-07E309878DC2}" type="datetimeFigureOut">
               <a:rPr lang="ru-RU" smtClean="0"/>
-              <a:t>26.10.2022</a:t>
+              <a:t>28.10.2022</a:t>
             </a:fld>
             <a:endParaRPr lang="ru-RU"/>
           </a:p>
@@ -487,7 +487,7 @@
           <a:p>
             <a:fld id="{E36C89DF-7188-4BC0-ADF4-07E309878DC2}" type="datetimeFigureOut">
               <a:rPr lang="ru-RU" smtClean="0"/>
-              <a:t>26.10.2022</a:t>
+              <a:t>28.10.2022</a:t>
             </a:fld>
             <a:endParaRPr lang="ru-RU"/>
           </a:p>
@@ -695,7 +695,7 @@
           <a:p>
             <a:fld id="{E36C89DF-7188-4BC0-ADF4-07E309878DC2}" type="datetimeFigureOut">
               <a:rPr lang="ru-RU" smtClean="0"/>
-              <a:t>26.10.2022</a:t>
+              <a:t>28.10.2022</a:t>
             </a:fld>
             <a:endParaRPr lang="ru-RU"/>
           </a:p>
@@ -893,7 +893,7 @@
           <a:p>
             <a:fld id="{E36C89DF-7188-4BC0-ADF4-07E309878DC2}" type="datetimeFigureOut">
               <a:rPr lang="ru-RU" smtClean="0"/>
-              <a:t>26.10.2022</a:t>
+              <a:t>28.10.2022</a:t>
             </a:fld>
             <a:endParaRPr lang="ru-RU"/>
           </a:p>
@@ -1168,7 +1168,7 @@
           <a:p>
             <a:fld id="{E36C89DF-7188-4BC0-ADF4-07E309878DC2}" type="datetimeFigureOut">
               <a:rPr lang="ru-RU" smtClean="0"/>
-              <a:t>26.10.2022</a:t>
+              <a:t>28.10.2022</a:t>
             </a:fld>
             <a:endParaRPr lang="ru-RU"/>
           </a:p>
@@ -1433,7 +1433,7 @@
           <a:p>
             <a:fld id="{E36C89DF-7188-4BC0-ADF4-07E309878DC2}" type="datetimeFigureOut">
               <a:rPr lang="ru-RU" smtClean="0"/>
-              <a:t>26.10.2022</a:t>
+              <a:t>28.10.2022</a:t>
             </a:fld>
             <a:endParaRPr lang="ru-RU"/>
           </a:p>
@@ -1845,7 +1845,7 @@
           <a:p>
             <a:fld id="{E36C89DF-7188-4BC0-ADF4-07E309878DC2}" type="datetimeFigureOut">
               <a:rPr lang="ru-RU" smtClean="0"/>
-              <a:t>26.10.2022</a:t>
+              <a:t>28.10.2022</a:t>
             </a:fld>
             <a:endParaRPr lang="ru-RU"/>
           </a:p>
@@ -1986,7 +1986,7 @@
           <a:p>
             <a:fld id="{E36C89DF-7188-4BC0-ADF4-07E309878DC2}" type="datetimeFigureOut">
               <a:rPr lang="ru-RU" smtClean="0"/>
-              <a:t>26.10.2022</a:t>
+              <a:t>28.10.2022</a:t>
             </a:fld>
             <a:endParaRPr lang="ru-RU"/>
           </a:p>
@@ -2099,7 +2099,7 @@
           <a:p>
             <a:fld id="{E36C89DF-7188-4BC0-ADF4-07E309878DC2}" type="datetimeFigureOut">
               <a:rPr lang="ru-RU" smtClean="0"/>
-              <a:t>26.10.2022</a:t>
+              <a:t>28.10.2022</a:t>
             </a:fld>
             <a:endParaRPr lang="ru-RU"/>
           </a:p>
@@ -2410,7 +2410,7 @@
           <a:p>
             <a:fld id="{E36C89DF-7188-4BC0-ADF4-07E309878DC2}" type="datetimeFigureOut">
               <a:rPr lang="ru-RU" smtClean="0"/>
-              <a:t>26.10.2022</a:t>
+              <a:t>28.10.2022</a:t>
             </a:fld>
             <a:endParaRPr lang="ru-RU"/>
           </a:p>
@@ -2698,7 +2698,7 @@
           <a:p>
             <a:fld id="{E36C89DF-7188-4BC0-ADF4-07E309878DC2}" type="datetimeFigureOut">
               <a:rPr lang="ru-RU" smtClean="0"/>
-              <a:t>26.10.2022</a:t>
+              <a:t>28.10.2022</a:t>
             </a:fld>
             <a:endParaRPr lang="ru-RU"/>
           </a:p>
@@ -2939,7 +2939,7 @@
           <a:p>
             <a:fld id="{E36C89DF-7188-4BC0-ADF4-07E309878DC2}" type="datetimeFigureOut">
               <a:rPr lang="ru-RU" smtClean="0"/>
-              <a:t>26.10.2022</a:t>
+              <a:t>28.10.2022</a:t>
             </a:fld>
             <a:endParaRPr lang="ru-RU"/>
           </a:p>
@@ -6030,7 +6030,7 @@
               <a:rPr lang="en-US" sz="3000">
                 <a:latin typeface="Sylfaen" panose="010A0502050306030303" pitchFamily="18" charset="0"/>
               </a:rPr>
-              <a:t>302 Temporary Redirect</a:t>
+              <a:t>302 Found</a:t>
             </a:r>
           </a:p>
           <a:p>

--- a/Http/Http_presentation.pptx
+++ b/Http/Http_presentation.pptx
@@ -289,7 +289,7 @@
           <a:p>
             <a:fld id="{E36C89DF-7188-4BC0-ADF4-07E309878DC2}" type="datetimeFigureOut">
               <a:rPr lang="ru-RU" smtClean="0"/>
-              <a:t>28.10.2022</a:t>
+              <a:t>30.10.2022</a:t>
             </a:fld>
             <a:endParaRPr lang="ru-RU"/>
           </a:p>
@@ -487,7 +487,7 @@
           <a:p>
             <a:fld id="{E36C89DF-7188-4BC0-ADF4-07E309878DC2}" type="datetimeFigureOut">
               <a:rPr lang="ru-RU" smtClean="0"/>
-              <a:t>28.10.2022</a:t>
+              <a:t>30.10.2022</a:t>
             </a:fld>
             <a:endParaRPr lang="ru-RU"/>
           </a:p>
@@ -695,7 +695,7 @@
           <a:p>
             <a:fld id="{E36C89DF-7188-4BC0-ADF4-07E309878DC2}" type="datetimeFigureOut">
               <a:rPr lang="ru-RU" smtClean="0"/>
-              <a:t>28.10.2022</a:t>
+              <a:t>30.10.2022</a:t>
             </a:fld>
             <a:endParaRPr lang="ru-RU"/>
           </a:p>
@@ -893,7 +893,7 @@
           <a:p>
             <a:fld id="{E36C89DF-7188-4BC0-ADF4-07E309878DC2}" type="datetimeFigureOut">
               <a:rPr lang="ru-RU" smtClean="0"/>
-              <a:t>28.10.2022</a:t>
+              <a:t>30.10.2022</a:t>
             </a:fld>
             <a:endParaRPr lang="ru-RU"/>
           </a:p>
@@ -1168,7 +1168,7 @@
           <a:p>
             <a:fld id="{E36C89DF-7188-4BC0-ADF4-07E309878DC2}" type="datetimeFigureOut">
               <a:rPr lang="ru-RU" smtClean="0"/>
-              <a:t>28.10.2022</a:t>
+              <a:t>30.10.2022</a:t>
             </a:fld>
             <a:endParaRPr lang="ru-RU"/>
           </a:p>
@@ -1433,7 +1433,7 @@
           <a:p>
             <a:fld id="{E36C89DF-7188-4BC0-ADF4-07E309878DC2}" type="datetimeFigureOut">
               <a:rPr lang="ru-RU" smtClean="0"/>
-              <a:t>28.10.2022</a:t>
+              <a:t>30.10.2022</a:t>
             </a:fld>
             <a:endParaRPr lang="ru-RU"/>
           </a:p>
@@ -1845,7 +1845,7 @@
           <a:p>
             <a:fld id="{E36C89DF-7188-4BC0-ADF4-07E309878DC2}" type="datetimeFigureOut">
               <a:rPr lang="ru-RU" smtClean="0"/>
-              <a:t>28.10.2022</a:t>
+              <a:t>30.10.2022</a:t>
             </a:fld>
             <a:endParaRPr lang="ru-RU"/>
           </a:p>
@@ -1986,7 +1986,7 @@
           <a:p>
             <a:fld id="{E36C89DF-7188-4BC0-ADF4-07E309878DC2}" type="datetimeFigureOut">
               <a:rPr lang="ru-RU" smtClean="0"/>
-              <a:t>28.10.2022</a:t>
+              <a:t>30.10.2022</a:t>
             </a:fld>
             <a:endParaRPr lang="ru-RU"/>
           </a:p>
@@ -2099,7 +2099,7 @@
           <a:p>
             <a:fld id="{E36C89DF-7188-4BC0-ADF4-07E309878DC2}" type="datetimeFigureOut">
               <a:rPr lang="ru-RU" smtClean="0"/>
-              <a:t>28.10.2022</a:t>
+              <a:t>30.10.2022</a:t>
             </a:fld>
             <a:endParaRPr lang="ru-RU"/>
           </a:p>
@@ -2410,7 +2410,7 @@
           <a:p>
             <a:fld id="{E36C89DF-7188-4BC0-ADF4-07E309878DC2}" type="datetimeFigureOut">
               <a:rPr lang="ru-RU" smtClean="0"/>
-              <a:t>28.10.2022</a:t>
+              <a:t>30.10.2022</a:t>
             </a:fld>
             <a:endParaRPr lang="ru-RU"/>
           </a:p>
@@ -2698,7 +2698,7 @@
           <a:p>
             <a:fld id="{E36C89DF-7188-4BC0-ADF4-07E309878DC2}" type="datetimeFigureOut">
               <a:rPr lang="ru-RU" smtClean="0"/>
-              <a:t>28.10.2022</a:t>
+              <a:t>30.10.2022</a:t>
             </a:fld>
             <a:endParaRPr lang="ru-RU"/>
           </a:p>
@@ -2939,7 +2939,7 @@
           <a:p>
             <a:fld id="{E36C89DF-7188-4BC0-ADF4-07E309878DC2}" type="datetimeFigureOut">
               <a:rPr lang="ru-RU" smtClean="0"/>
-              <a:t>28.10.2022</a:t>
+              <a:t>30.10.2022</a:t>
             </a:fld>
             <a:endParaRPr lang="ru-RU"/>
           </a:p>
@@ -5982,8 +5982,8 @@
         </p:nvSpPr>
         <p:spPr>
           <a:xfrm>
-            <a:off x="1257926" y="1343817"/>
-            <a:ext cx="4288436" cy="5176903"/>
+            <a:off x="1257924" y="1659907"/>
+            <a:ext cx="4288436" cy="4278050"/>
           </a:xfrm>
         </p:spPr>
         <p:txBody>
@@ -5999,7 +5999,7 @@
               <a:buNone/>
             </a:pPr>
             <a:r>
-              <a:rPr lang="en-US" sz="3000">
+              <a:rPr lang="en-US" sz="3000" dirty="0">
                 <a:latin typeface="Sylfaen" panose="010A0502050306030303" pitchFamily="18" charset="0"/>
               </a:rPr>
               <a:t>200 OK</a:t>
@@ -6013,10 +6013,10 @@
               <a:buNone/>
             </a:pPr>
             <a:r>
-              <a:rPr lang="en-US" sz="3000">
-                <a:latin typeface="Sylfaen" panose="010A0502050306030303" pitchFamily="18" charset="0"/>
-              </a:rPr>
-              <a:t>301 Permanent Redirect</a:t>
+              <a:rPr lang="en-US" sz="3000" dirty="0">
+                <a:latin typeface="Sylfaen" panose="010A0502050306030303" pitchFamily="18" charset="0"/>
+              </a:rPr>
+              <a:t>301 Moved Permanently</a:t>
             </a:r>
           </a:p>
           <a:p>
@@ -6027,10 +6027,10 @@
               <a:buNone/>
             </a:pPr>
             <a:r>
-              <a:rPr lang="en-US" sz="3000">
-                <a:latin typeface="Sylfaen" panose="010A0502050306030303" pitchFamily="18" charset="0"/>
-              </a:rPr>
-              <a:t>302 Found</a:t>
+              <a:rPr lang="en-US" sz="3000" dirty="0">
+                <a:latin typeface="Sylfaen" panose="010A0502050306030303" pitchFamily="18" charset="0"/>
+              </a:rPr>
+              <a:t>307 Temporary Redirect</a:t>
             </a:r>
           </a:p>
           <a:p>
@@ -6041,10 +6041,10 @@
               <a:buNone/>
             </a:pPr>
             <a:r>
-              <a:rPr lang="en-US" sz="3000">
-                <a:latin typeface="Sylfaen" panose="010A0502050306030303" pitchFamily="18" charset="0"/>
-              </a:rPr>
-              <a:t>304 Not Modified</a:t>
+              <a:rPr lang="en-US" sz="3000" dirty="0">
+                <a:latin typeface="Sylfaen" panose="010A0502050306030303" pitchFamily="18" charset="0"/>
+              </a:rPr>
+              <a:t>400 Bad Request</a:t>
             </a:r>
           </a:p>
           <a:p>
@@ -6055,10 +6055,10 @@
               <a:buNone/>
             </a:pPr>
             <a:r>
-              <a:rPr lang="en-US" sz="3000">
-                <a:latin typeface="Sylfaen" panose="010A0502050306030303" pitchFamily="18" charset="0"/>
-              </a:rPr>
-              <a:t>400 Bad Request</a:t>
+              <a:rPr lang="en-US" sz="3000" dirty="0">
+                <a:latin typeface="Sylfaen" panose="010A0502050306030303" pitchFamily="18" charset="0"/>
+              </a:rPr>
+              <a:t>401 Unauthorized Error</a:t>
             </a:r>
           </a:p>
           <a:p>
@@ -6068,21 +6068,7 @@
               </a:lnSpc>
               <a:buNone/>
             </a:pPr>
-            <a:r>
-              <a:rPr lang="en-US" sz="3000">
-                <a:latin typeface="Sylfaen" panose="010A0502050306030303" pitchFamily="18" charset="0"/>
-              </a:rPr>
-              <a:t>401 Unauthorized Error</a:t>
-            </a:r>
-          </a:p>
-          <a:p>
-            <a:pPr marL="0" indent="0">
-              <a:lnSpc>
-                <a:spcPct val="150000"/>
-              </a:lnSpc>
-              <a:buNone/>
-            </a:pPr>
-            <a:endParaRPr lang="en-US" sz="3000" b="1">
+            <a:endParaRPr lang="en-US" sz="3000" b="1" dirty="0">
               <a:latin typeface="Sylfaen" panose="010A0502050306030303" pitchFamily="18" charset="0"/>
             </a:endParaRPr>
           </a:p>
@@ -6142,8 +6128,8 @@
         </p:nvSpPr>
         <p:spPr>
           <a:xfrm>
-            <a:off x="6645640" y="1367247"/>
-            <a:ext cx="4288436" cy="5153473"/>
+            <a:off x="6645640" y="1659907"/>
+            <a:ext cx="4288436" cy="4446531"/>
           </a:xfrm>
           <a:prstGeom prst="rect">
             <a:avLst/>
@@ -6326,10 +6312,10 @@
               <a:buNone/>
             </a:pPr>
             <a:r>
-              <a:rPr lang="en-US" sz="3000">
-                <a:latin typeface="Sylfaen" panose="010A0502050306030303" pitchFamily="18" charset="0"/>
-              </a:rPr>
-              <a:t>403 Forbodden</a:t>
+              <a:rPr lang="en-US" sz="3000" dirty="0">
+                <a:latin typeface="Sylfaen" panose="010A0502050306030303" pitchFamily="18" charset="0"/>
+              </a:rPr>
+              <a:t>403 Forbidden</a:t>
             </a:r>
           </a:p>
           <a:p>
@@ -6341,7 +6327,7 @@
               <a:buNone/>
             </a:pPr>
             <a:r>
-              <a:rPr lang="en-US" sz="3000">
+              <a:rPr lang="en-US" sz="3000" dirty="0">
                 <a:latin typeface="Sylfaen" panose="010A0502050306030303" pitchFamily="18" charset="0"/>
               </a:rPr>
               <a:t>404 Not Found</a:t>
@@ -6356,7 +6342,7 @@
               <a:buNone/>
             </a:pPr>
             <a:r>
-              <a:rPr lang="en-US" sz="3000">
+              <a:rPr lang="en-US" sz="3000" dirty="0">
                 <a:latin typeface="Sylfaen" panose="010A0502050306030303" pitchFamily="18" charset="0"/>
               </a:rPr>
               <a:t>500 Internal Server Error</a:t>
@@ -6371,12 +6357,12 @@
               <a:buNone/>
             </a:pPr>
             <a:r>
-              <a:rPr lang="en-US" sz="3000">
+              <a:rPr lang="en-US" sz="3000" dirty="0">
                 <a:latin typeface="Sylfaen" panose="010A0502050306030303" pitchFamily="18" charset="0"/>
               </a:rPr>
               <a:t>501 Not Implemented</a:t>
             </a:r>
-            <a:endParaRPr lang="ru-RU" sz="3000">
+            <a:endParaRPr lang="ru-RU" sz="3000" dirty="0">
               <a:latin typeface="Sylfaen" panose="010A0502050306030303" pitchFamily="18" charset="0"/>
             </a:endParaRPr>
           </a:p>
@@ -6389,59 +6375,18 @@
               <a:buNone/>
             </a:pPr>
             <a:r>
-              <a:rPr lang="ru-RU" sz="3000">
+              <a:rPr lang="ru-RU" sz="3000" dirty="0">
                 <a:latin typeface="Sylfaen" panose="010A0502050306030303" pitchFamily="18" charset="0"/>
               </a:rPr>
               <a:t>503 </a:t>
             </a:r>
             <a:r>
-              <a:rPr lang="en-US" sz="3000">
+              <a:rPr lang="en-US" sz="3000" dirty="0">
                 <a:latin typeface="Sylfaen" panose="010A0502050306030303" pitchFamily="18" charset="0"/>
               </a:rPr>
               <a:t>Service Unavailable</a:t>
             </a:r>
-          </a:p>
-          <a:p>
-            <a:pPr marL="0" indent="0">
-              <a:lnSpc>
-                <a:spcPct val="150000"/>
-              </a:lnSpc>
-              <a:buNone/>
-            </a:pPr>
-            <a:r>
-              <a:rPr lang="ru-RU" sz="3000">
-                <a:latin typeface="Sylfaen" panose="010A0502050306030303" pitchFamily="18" charset="0"/>
-              </a:rPr>
-              <a:t>50</a:t>
-            </a:r>
-            <a:r>
-              <a:rPr lang="en-US" sz="3000">
-                <a:latin typeface="Sylfaen" panose="010A0502050306030303" pitchFamily="18" charset="0"/>
-              </a:rPr>
-              <a:t>4</a:t>
-            </a:r>
-            <a:r>
-              <a:rPr lang="ru-RU" sz="3000">
-                <a:latin typeface="Sylfaen" panose="010A0502050306030303" pitchFamily="18" charset="0"/>
-              </a:rPr>
-              <a:t> </a:t>
-            </a:r>
-            <a:r>
-              <a:rPr lang="en-US" sz="3000">
-                <a:latin typeface="Sylfaen" panose="010A0502050306030303" pitchFamily="18" charset="0"/>
-              </a:rPr>
-              <a:t>Gateway Timeout</a:t>
-            </a:r>
-          </a:p>
-          <a:p>
-            <a:pPr marL="0" indent="0">
-              <a:lnSpc>
-                <a:spcPct val="150000"/>
-              </a:lnSpc>
-              <a:buFont typeface="Arial" panose="020B0604020202020204" pitchFamily="34" charset="0"/>
-              <a:buNone/>
-            </a:pPr>
-            <a:endParaRPr lang="en-US" sz="3000" b="1">
+            <a:endParaRPr lang="en-US" sz="3000" b="1" dirty="0">
               <a:latin typeface="Sylfaen" panose="010A0502050306030303" pitchFamily="18" charset="0"/>
             </a:endParaRPr>
           </a:p>
@@ -11203,7 +11148,7 @@
               <a:buNone/>
             </a:pPr>
             <a:r>
-              <a:rPr lang="en-US">
+              <a:rPr lang="en-US" dirty="0">
                 <a:latin typeface="Sylfaen" panose="010A0502050306030303" pitchFamily="18" charset="0"/>
               </a:rPr>
               <a:t>Personal Information Leakage</a:t>
@@ -11217,12 +11162,12 @@
               <a:buNone/>
             </a:pPr>
             <a:r>
-              <a:rPr lang="en-US">
+              <a:rPr lang="en-US" dirty="0">
                 <a:latin typeface="Sylfaen" panose="010A0502050306030303" pitchFamily="18" charset="0"/>
               </a:rPr>
               <a:t>File and Path Names Based Attack</a:t>
             </a:r>
-            <a:endParaRPr lang="hy-AM">
+            <a:endParaRPr lang="hy-AM" dirty="0">
               <a:latin typeface="Sylfaen" panose="010A0502050306030303" pitchFamily="18" charset="0"/>
             </a:endParaRPr>
           </a:p>
@@ -11234,7 +11179,7 @@
               <a:buNone/>
             </a:pPr>
             <a:r>
-              <a:rPr lang="en-US">
+              <a:rPr lang="en-US" dirty="0">
                 <a:latin typeface="Sylfaen" panose="010A0502050306030303" pitchFamily="18" charset="0"/>
               </a:rPr>
               <a:t>DNS Spoofing</a:t>
@@ -11248,12 +11193,18 @@
               <a:buNone/>
             </a:pPr>
             <a:r>
-              <a:rPr lang="en-US">
+              <a:rPr lang="en-US" dirty="0">
+                <a:solidFill>
+                  <a:srgbClr val="FF0000"/>
+                </a:solidFill>
                 <a:latin typeface="Sylfaen" panose="010A0502050306030303" pitchFamily="18" charset="0"/>
               </a:rPr>
               <a:t>Location Headers and Spoofing</a:t>
             </a:r>
-            <a:endParaRPr lang="hy-AM">
+            <a:endParaRPr lang="hy-AM" dirty="0">
+              <a:solidFill>
+                <a:srgbClr val="FF0000"/>
+              </a:solidFill>
               <a:latin typeface="Sylfaen" panose="010A0502050306030303" pitchFamily="18" charset="0"/>
             </a:endParaRPr>
           </a:p>
@@ -11265,7 +11216,7 @@
               <a:buNone/>
             </a:pPr>
             <a:r>
-              <a:rPr lang="en-US">
+              <a:rPr lang="en-US" dirty="0">
                 <a:latin typeface="Sylfaen" panose="010A0502050306030303" pitchFamily="18" charset="0"/>
               </a:rPr>
               <a:t>Authentication Credentials</a:t>
@@ -11279,7 +11230,7 @@
               <a:buNone/>
             </a:pPr>
             <a:r>
-              <a:rPr lang="en-US">
+              <a:rPr lang="en-US" dirty="0">
                 <a:latin typeface="Sylfaen" panose="010A0502050306030303" pitchFamily="18" charset="0"/>
               </a:rPr>
               <a:t>Proxies and Caching</a:t>
@@ -11289,7 +11240,7 @@
             <a:pPr marL="0" indent="0">
               <a:buNone/>
             </a:pPr>
-            <a:endParaRPr lang="en-US"/>
+            <a:endParaRPr lang="en-US" dirty="0"/>
           </a:p>
         </p:txBody>
       </p:sp>

--- a/Http/Http_presentation.pptx
+++ b/Http/Http_presentation.pptx
@@ -289,7 +289,7 @@
           <a:p>
             <a:fld id="{E36C89DF-7188-4BC0-ADF4-07E309878DC2}" type="datetimeFigureOut">
               <a:rPr lang="ru-RU" smtClean="0"/>
-              <a:t>30.10.2022</a:t>
+              <a:t>07.11.2022</a:t>
             </a:fld>
             <a:endParaRPr lang="ru-RU"/>
           </a:p>
@@ -487,7 +487,7 @@
           <a:p>
             <a:fld id="{E36C89DF-7188-4BC0-ADF4-07E309878DC2}" type="datetimeFigureOut">
               <a:rPr lang="ru-RU" smtClean="0"/>
-              <a:t>30.10.2022</a:t>
+              <a:t>07.11.2022</a:t>
             </a:fld>
             <a:endParaRPr lang="ru-RU"/>
           </a:p>
@@ -695,7 +695,7 @@
           <a:p>
             <a:fld id="{E36C89DF-7188-4BC0-ADF4-07E309878DC2}" type="datetimeFigureOut">
               <a:rPr lang="ru-RU" smtClean="0"/>
-              <a:t>30.10.2022</a:t>
+              <a:t>07.11.2022</a:t>
             </a:fld>
             <a:endParaRPr lang="ru-RU"/>
           </a:p>
@@ -893,7 +893,7 @@
           <a:p>
             <a:fld id="{E36C89DF-7188-4BC0-ADF4-07E309878DC2}" type="datetimeFigureOut">
               <a:rPr lang="ru-RU" smtClean="0"/>
-              <a:t>30.10.2022</a:t>
+              <a:t>07.11.2022</a:t>
             </a:fld>
             <a:endParaRPr lang="ru-RU"/>
           </a:p>
@@ -1168,7 +1168,7 @@
           <a:p>
             <a:fld id="{E36C89DF-7188-4BC0-ADF4-07E309878DC2}" type="datetimeFigureOut">
               <a:rPr lang="ru-RU" smtClean="0"/>
-              <a:t>30.10.2022</a:t>
+              <a:t>07.11.2022</a:t>
             </a:fld>
             <a:endParaRPr lang="ru-RU"/>
           </a:p>
@@ -1433,7 +1433,7 @@
           <a:p>
             <a:fld id="{E36C89DF-7188-4BC0-ADF4-07E309878DC2}" type="datetimeFigureOut">
               <a:rPr lang="ru-RU" smtClean="0"/>
-              <a:t>30.10.2022</a:t>
+              <a:t>07.11.2022</a:t>
             </a:fld>
             <a:endParaRPr lang="ru-RU"/>
           </a:p>
@@ -1845,7 +1845,7 @@
           <a:p>
             <a:fld id="{E36C89DF-7188-4BC0-ADF4-07E309878DC2}" type="datetimeFigureOut">
               <a:rPr lang="ru-RU" smtClean="0"/>
-              <a:t>30.10.2022</a:t>
+              <a:t>07.11.2022</a:t>
             </a:fld>
             <a:endParaRPr lang="ru-RU"/>
           </a:p>
@@ -1986,7 +1986,7 @@
           <a:p>
             <a:fld id="{E36C89DF-7188-4BC0-ADF4-07E309878DC2}" type="datetimeFigureOut">
               <a:rPr lang="ru-RU" smtClean="0"/>
-              <a:t>30.10.2022</a:t>
+              <a:t>07.11.2022</a:t>
             </a:fld>
             <a:endParaRPr lang="ru-RU"/>
           </a:p>
@@ -2099,7 +2099,7 @@
           <a:p>
             <a:fld id="{E36C89DF-7188-4BC0-ADF4-07E309878DC2}" type="datetimeFigureOut">
               <a:rPr lang="ru-RU" smtClean="0"/>
-              <a:t>30.10.2022</a:t>
+              <a:t>07.11.2022</a:t>
             </a:fld>
             <a:endParaRPr lang="ru-RU"/>
           </a:p>
@@ -2410,7 +2410,7 @@
           <a:p>
             <a:fld id="{E36C89DF-7188-4BC0-ADF4-07E309878DC2}" type="datetimeFigureOut">
               <a:rPr lang="ru-RU" smtClean="0"/>
-              <a:t>30.10.2022</a:t>
+              <a:t>07.11.2022</a:t>
             </a:fld>
             <a:endParaRPr lang="ru-RU"/>
           </a:p>
@@ -2698,7 +2698,7 @@
           <a:p>
             <a:fld id="{E36C89DF-7188-4BC0-ADF4-07E309878DC2}" type="datetimeFigureOut">
               <a:rPr lang="ru-RU" smtClean="0"/>
-              <a:t>30.10.2022</a:t>
+              <a:t>07.11.2022</a:t>
             </a:fld>
             <a:endParaRPr lang="ru-RU"/>
           </a:p>
@@ -2939,7 +2939,7 @@
           <a:p>
             <a:fld id="{E36C89DF-7188-4BC0-ADF4-07E309878DC2}" type="datetimeFigureOut">
               <a:rPr lang="ru-RU" smtClean="0"/>
-              <a:t>30.10.2022</a:t>
+              <a:t>07.11.2022</a:t>
             </a:fld>
             <a:endParaRPr lang="ru-RU"/>
           </a:p>
@@ -8133,8 +8133,8 @@
         </p:nvSpPr>
         <p:spPr>
           <a:xfrm>
-            <a:off x="838200" y="1325729"/>
-            <a:ext cx="6162207" cy="5514016"/>
+            <a:off x="838200" y="1596662"/>
+            <a:ext cx="6162207" cy="4849288"/>
           </a:xfrm>
         </p:spPr>
         <p:txBody>
@@ -8229,23 +8229,9 @@
               </a:rPr>
               <a:t>If-Unmodified-Since: date</a:t>
             </a:r>
-          </a:p>
-          <a:p>
-            <a:pPr marL="0" indent="0">
-              <a:lnSpc>
-                <a:spcPct val="150000"/>
-              </a:lnSpc>
-              <a:buNone/>
-            </a:pPr>
-            <a:r>
-              <a:rPr lang="en-US" dirty="0">
-                <a:solidFill>
-                  <a:srgbClr val="FF0000"/>
-                </a:solidFill>
-                <a:latin typeface="Sylfaen" panose="010A0502050306030303" pitchFamily="18" charset="0"/>
-              </a:rPr>
-              <a:t>If-Range: tag | date</a:t>
-            </a:r>
+            <a:endParaRPr lang="ru-RU" dirty="0">
+              <a:latin typeface="Sylfaen" panose="010A0502050306030303" pitchFamily="18" charset="0"/>
+            </a:endParaRPr>
           </a:p>
           <a:p>
             <a:pPr marL="0" indent="0">
@@ -8598,7 +8584,7 @@
               <a:buNone/>
             </a:pPr>
             <a:r>
-              <a:rPr lang="en-US" b="1">
+              <a:rPr lang="en-US" b="1" dirty="0">
                 <a:latin typeface="Sylfaen" panose="010A0502050306030303" pitchFamily="18" charset="0"/>
               </a:rPr>
               <a:t>Security headers</a:t>
@@ -8612,7 +8598,7 @@
               <a:buNone/>
             </a:pPr>
             <a:r>
-              <a:rPr lang="hy-AM">
+              <a:rPr lang="hy-AM" dirty="0">
                 <a:latin typeface="Sylfaen" panose="010A0502050306030303" pitchFamily="18" charset="0"/>
               </a:rPr>
               <a:t>Proxy-Authenticate</a:t>
@@ -8626,35 +8612,14 @@
               <a:buNone/>
             </a:pPr>
             <a:r>
-              <a:rPr lang="en-US">
-                <a:latin typeface="Sylfaen" panose="010A0502050306030303" pitchFamily="18" charset="0"/>
-              </a:rPr>
-              <a:t>Set-Cookie</a:t>
-            </a:r>
-            <a:r>
-              <a:rPr lang="hy-AM">
-                <a:latin typeface="Sylfaen" panose="010A0502050306030303" pitchFamily="18" charset="0"/>
-              </a:rPr>
-              <a:t>։ </a:t>
-            </a:r>
-            <a:r>
-              <a:rPr lang="en-US">
-                <a:latin typeface="Sylfaen" panose="010A0502050306030303" pitchFamily="18" charset="0"/>
-              </a:rPr>
-              <a:t>name=value</a:t>
-            </a:r>
-            <a:r>
-              <a:rPr lang="hy-AM">
-                <a:latin typeface="Sylfaen" panose="010A0502050306030303" pitchFamily="18" charset="0"/>
-              </a:rPr>
-              <a:t>; </a:t>
-            </a:r>
-            <a:r>
-              <a:rPr lang="en-US">
-                <a:latin typeface="Sylfaen" panose="010A0502050306030303" pitchFamily="18" charset="0"/>
-              </a:rPr>
-              <a:t>options</a:t>
-            </a:r>
+              <a:rPr lang="hy-AM" dirty="0">
+                <a:latin typeface="Sylfaen" panose="010A0502050306030303" pitchFamily="18" charset="0"/>
+              </a:rPr>
+              <a:t>WWW- Authenticate</a:t>
+            </a:r>
+            <a:endParaRPr lang="en-US" dirty="0">
+              <a:latin typeface="Sylfaen" panose="010A0502050306030303" pitchFamily="18" charset="0"/>
+            </a:endParaRPr>
           </a:p>
         </p:txBody>
       </p:sp>
@@ -9974,24 +9939,24 @@
               <a:buNone/>
             </a:pPr>
             <a:r>
-              <a:rPr lang="hy-AM">
+              <a:rPr lang="hy-AM" dirty="0">
                 <a:latin typeface="Sylfaen" panose="010A0502050306030303" pitchFamily="18" charset="0"/>
               </a:rPr>
               <a:t>Content-Encoding։ </a:t>
             </a:r>
             <a:r>
-              <a:rPr lang="en-US">
+              <a:rPr lang="en-US" dirty="0">
                 <a:latin typeface="Sylfaen" panose="010A0502050306030303" pitchFamily="18" charset="0"/>
               </a:rPr>
               <a:t>content-coding</a:t>
             </a:r>
             <a:r>
-              <a:rPr lang="hy-AM">
+              <a:rPr lang="hy-AM" dirty="0">
                 <a:latin typeface="Sylfaen" panose="010A0502050306030303" pitchFamily="18" charset="0"/>
               </a:rPr>
               <a:t> </a:t>
             </a:r>
-            <a:endParaRPr lang="en-US">
+            <a:endParaRPr lang="en-US" dirty="0">
               <a:latin typeface="Sylfaen" panose="010A0502050306030303" pitchFamily="18" charset="0"/>
             </a:endParaRPr>
           </a:p>
@@ -10003,13 +9968,13 @@
               <a:buNone/>
             </a:pPr>
             <a:r>
-              <a:rPr lang="hy-AM">
+              <a:rPr lang="hy-AM" dirty="0">
                 <a:latin typeface="Sylfaen" panose="010A0502050306030303" pitchFamily="18" charset="0"/>
               </a:rPr>
               <a:t>Content-</a:t>
             </a:r>
             <a:r>
-              <a:rPr lang="en-US">
+              <a:rPr lang="en-US" dirty="0">
                 <a:latin typeface="Sylfaen" panose="010A0502050306030303" pitchFamily="18" charset="0"/>
               </a:rPr>
               <a:t>Language: language-tag</a:t>
@@ -10023,18 +9988,18 @@
               <a:buNone/>
             </a:pPr>
             <a:r>
-              <a:rPr lang="hy-AM">
+              <a:rPr lang="hy-AM" dirty="0">
                 <a:latin typeface="Sylfaen" panose="010A0502050306030303" pitchFamily="18" charset="0"/>
               </a:rPr>
               <a:t>Content-</a:t>
             </a:r>
             <a:r>
-              <a:rPr lang="en-US">
+              <a:rPr lang="en-US" dirty="0">
                 <a:latin typeface="Sylfaen" panose="010A0502050306030303" pitchFamily="18" charset="0"/>
               </a:rPr>
               <a:t>Length: digits</a:t>
             </a:r>
-            <a:endParaRPr lang="hy-AM">
+            <a:endParaRPr lang="hy-AM" dirty="0">
               <a:latin typeface="Sylfaen" panose="010A0502050306030303" pitchFamily="18" charset="0"/>
             </a:endParaRPr>
           </a:p>
@@ -10046,38 +10011,36 @@
               <a:buNone/>
             </a:pPr>
             <a:r>
-              <a:rPr lang="hy-AM">
+              <a:rPr lang="hy-AM" dirty="0">
                 <a:latin typeface="Sylfaen" panose="010A0502050306030303" pitchFamily="18" charset="0"/>
               </a:rPr>
               <a:t>Content-</a:t>
             </a:r>
             <a:r>
-              <a:rPr lang="en-US">
-                <a:latin typeface="Sylfaen" panose="010A0502050306030303" pitchFamily="18" charset="0"/>
-              </a:rPr>
-              <a:t>Location: absoluteURI | relativeURI</a:t>
-            </a:r>
-          </a:p>
-          <a:p>
-            <a:pPr marL="0" indent="0">
-              <a:lnSpc>
-                <a:spcPct val="150000"/>
-              </a:lnSpc>
-              <a:buNone/>
-            </a:pPr>
-            <a:r>
-              <a:rPr lang="hy-AM">
-                <a:latin typeface="Sylfaen" panose="010A0502050306030303" pitchFamily="18" charset="0"/>
-              </a:rPr>
-              <a:t>Content-</a:t>
-            </a:r>
-            <a:r>
-              <a:rPr lang="en-US">
-                <a:latin typeface="Sylfaen" panose="010A0502050306030303" pitchFamily="18" charset="0"/>
-              </a:rPr>
-              <a:t>MD5: md5-digest</a:t>
-            </a:r>
-            <a:endParaRPr lang="hy-AM">
+              <a:rPr lang="en-US" dirty="0">
+                <a:latin typeface="Sylfaen" panose="010A0502050306030303" pitchFamily="18" charset="0"/>
+              </a:rPr>
+              <a:t>Location: </a:t>
+            </a:r>
+            <a:r>
+              <a:rPr lang="en-US" dirty="0" err="1">
+                <a:latin typeface="Sylfaen" panose="010A0502050306030303" pitchFamily="18" charset="0"/>
+              </a:rPr>
+              <a:t>absoluteURI</a:t>
+            </a:r>
+            <a:r>
+              <a:rPr lang="en-US" dirty="0">
+                <a:latin typeface="Sylfaen" panose="010A0502050306030303" pitchFamily="18" charset="0"/>
+              </a:rPr>
+              <a:t> | </a:t>
+            </a:r>
+            <a:r>
+              <a:rPr lang="en-US" dirty="0" err="1">
+                <a:latin typeface="Sylfaen" panose="010A0502050306030303" pitchFamily="18" charset="0"/>
+              </a:rPr>
+              <a:t>relativeURI</a:t>
+            </a:r>
+            <a:endParaRPr lang="en-US" dirty="0">
               <a:latin typeface="Sylfaen" panose="010A0502050306030303" pitchFamily="18" charset="0"/>
             </a:endParaRPr>
           </a:p>
@@ -10089,13 +10052,33 @@
               <a:buNone/>
             </a:pPr>
             <a:r>
-              <a:rPr lang="hy-AM">
+              <a:rPr lang="hy-AM" dirty="0">
                 <a:latin typeface="Sylfaen" panose="010A0502050306030303" pitchFamily="18" charset="0"/>
               </a:rPr>
               <a:t>Content-</a:t>
             </a:r>
             <a:r>
-              <a:rPr lang="en-US">
+              <a:rPr lang="en-US" dirty="0">
+                <a:latin typeface="Sylfaen" panose="010A0502050306030303" pitchFamily="18" charset="0"/>
+              </a:rPr>
+              <a:t>Type: type/subtype </a:t>
+            </a:r>
+          </a:p>
+          <a:p>
+            <a:pPr marL="0" indent="0">
+              <a:lnSpc>
+                <a:spcPct val="150000"/>
+              </a:lnSpc>
+              <a:buNone/>
+            </a:pPr>
+            <a:r>
+              <a:rPr lang="hy-AM" dirty="0">
+                <a:latin typeface="Sylfaen" panose="010A0502050306030303" pitchFamily="18" charset="0"/>
+              </a:rPr>
+              <a:t>Content-</a:t>
+            </a:r>
+            <a:r>
+              <a:rPr lang="en-US" dirty="0">
                 <a:latin typeface="Sylfaen" panose="010A0502050306030303" pitchFamily="18" charset="0"/>
               </a:rPr>
               <a:t>Range: bytes</a:t>
@@ -12494,7 +12477,7 @@
               <a:buNone/>
             </a:pPr>
             <a:r>
-              <a:rPr lang="en-US">
+              <a:rPr lang="en-US" dirty="0">
                 <a:latin typeface="Sylfaen" panose="010A0502050306030303" pitchFamily="18" charset="0"/>
               </a:rPr>
               <a:t>                                 URL                                       URN</a:t>
@@ -12505,7 +12488,7 @@
               <a:buNone/>
             </a:pPr>
             <a:r>
-              <a:rPr lang="en-US" sz="1800">
+              <a:rPr lang="en-US" sz="1800" dirty="0">
                 <a:latin typeface="Sylfaen" panose="010A0502050306030303" pitchFamily="18" charset="0"/>
               </a:rPr>
               <a:t>                                 (Uniform Resource Locator)                             (Uniform Resource Name)  </a:t>
@@ -12515,7 +12498,7 @@
             <a:pPr marL="0" indent="0" algn="just">
               <a:buNone/>
             </a:pPr>
-            <a:endParaRPr lang="en-US" sz="1800">
+            <a:endParaRPr lang="en-US" sz="1800" dirty="0">
               <a:latin typeface="Sylfaen" panose="010A0502050306030303" pitchFamily="18" charset="0"/>
             </a:endParaRPr>
           </a:p>
@@ -12524,7 +12507,7 @@
               <a:buNone/>
             </a:pPr>
             <a:r>
-              <a:rPr lang="en-US">
+              <a:rPr lang="en-US" dirty="0">
                 <a:solidFill>
                   <a:schemeClr val="accent1"/>
                 </a:solidFill>
@@ -12533,7 +12516,7 @@
               <a:t>http://www.tutorialspoint.com</a:t>
             </a:r>
             <a:r>
-              <a:rPr lang="en-US">
+              <a:rPr lang="en-US" dirty="0">
                 <a:solidFill>
                   <a:schemeClr val="accent6"/>
                 </a:solidFill>
@@ -12546,7 +12529,7 @@
             <a:pPr marL="0" indent="0" algn="ctr">
               <a:buNone/>
             </a:pPr>
-            <a:endParaRPr lang="en-US">
+            <a:endParaRPr lang="en-US" dirty="0">
               <a:latin typeface="Sylfaen" panose="010A0502050306030303" pitchFamily="18" charset="0"/>
             </a:endParaRPr>
           </a:p>
@@ -12555,7 +12538,7 @@
               <a:buNone/>
             </a:pPr>
             <a:r>
-              <a:rPr lang="en-US" b="1">
+              <a:rPr lang="en-US" b="1" dirty="0">
                 <a:latin typeface="Sylfaen" panose="010A0502050306030303" pitchFamily="18" charset="0"/>
               </a:rPr>
               <a:t>URI</a:t>
@@ -12566,7 +12549,7 @@
               <a:buNone/>
             </a:pPr>
             <a:r>
-              <a:rPr lang="en-US" sz="1800">
+              <a:rPr lang="en-US" sz="1800" dirty="0">
                 <a:latin typeface="Sylfaen" panose="010A0502050306030303" pitchFamily="18" charset="0"/>
               </a:rPr>
               <a:t>(Uniform Resource Identifier)</a:t>
@@ -12943,7 +12926,7 @@
               <a:buNone/>
             </a:pPr>
             <a:r>
-              <a:rPr lang="en-US">
+              <a:rPr lang="en-US" dirty="0">
                 <a:latin typeface="Sylfaen" panose="010A0502050306030303" pitchFamily="18" charset="0"/>
               </a:rPr>
               <a:t>http://www.tutorialspoint.com/http/http_messages.html</a:t>
@@ -12957,7 +12940,7 @@
               <a:buNone/>
             </a:pPr>
             <a:r>
-              <a:rPr lang="en-US">
+              <a:rPr lang="en-US" dirty="0">
                 <a:latin typeface="Sylfaen" panose="010A0502050306030303" pitchFamily="18" charset="0"/>
               </a:rPr>
               <a:t>http://192.229.221.69:80/http/http_messages.html</a:t>
@@ -12967,7 +12950,7 @@
             <a:pPr marL="0" indent="0" algn="ctr">
               <a:buNone/>
             </a:pPr>
-            <a:endParaRPr lang="en-US">
+            <a:endParaRPr lang="en-US" dirty="0">
               <a:solidFill>
                 <a:schemeClr val="accent6"/>
               </a:solidFill>

--- a/Http/Http_presentation.pptx
+++ b/Http/Http_presentation.pptx
@@ -27,15 +27,14 @@
     <p:sldId id="272" r:id="rId21"/>
     <p:sldId id="273" r:id="rId22"/>
     <p:sldId id="274" r:id="rId23"/>
-    <p:sldId id="275" r:id="rId24"/>
-    <p:sldId id="281" r:id="rId25"/>
-    <p:sldId id="280" r:id="rId26"/>
-    <p:sldId id="282" r:id="rId27"/>
-    <p:sldId id="283" r:id="rId28"/>
-    <p:sldId id="291" r:id="rId29"/>
-    <p:sldId id="286" r:id="rId30"/>
-    <p:sldId id="287" r:id="rId31"/>
-    <p:sldId id="290" r:id="rId32"/>
+    <p:sldId id="281" r:id="rId24"/>
+    <p:sldId id="280" r:id="rId25"/>
+    <p:sldId id="282" r:id="rId26"/>
+    <p:sldId id="283" r:id="rId27"/>
+    <p:sldId id="291" r:id="rId28"/>
+    <p:sldId id="286" r:id="rId29"/>
+    <p:sldId id="287" r:id="rId30"/>
+    <p:sldId id="290" r:id="rId31"/>
   </p:sldIdLst>
   <p:sldSz cx="12192000" cy="6858000"/>
   <p:notesSz cx="6858000" cy="9144000"/>
@@ -3523,7 +3522,7 @@
               <a:rPr lang="en-US">
                 <a:latin typeface="Sylfaen" panose="010A0502050306030303" pitchFamily="18" charset="0"/>
               </a:rPr>
-              <a:t>Request-URI = “*” | absoluteURI | abs_path | authority</a:t>
+              <a:t>Request-URI = absoluteURI | abs_path</a:t>
             </a:r>
           </a:p>
           <a:p>
@@ -5287,7 +5286,7 @@
               <a:buNone/>
             </a:pPr>
             <a:r>
-              <a:rPr lang="en-US" b="1">
+              <a:rPr lang="en-US">
                 <a:latin typeface="Sylfaen" panose="010A0502050306030303" pitchFamily="18" charset="0"/>
               </a:rPr>
               <a:t>Status-Line = HTTP-Version  Status-Code  Reason-Phrase</a:t>
@@ -5297,7 +5296,7 @@
             <a:pPr marL="0" indent="0">
               <a:buNone/>
             </a:pPr>
-            <a:endParaRPr lang="en-US" b="1">
+            <a:endParaRPr lang="en-US">
               <a:latin typeface="Sylfaen" panose="010A0502050306030303" pitchFamily="18" charset="0"/>
             </a:endParaRPr>
           </a:p>
@@ -5306,7 +5305,7 @@
               <a:buNone/>
             </a:pPr>
             <a:r>
-              <a:rPr lang="en-US" b="1">
+              <a:rPr lang="en-US">
                 <a:latin typeface="Sylfaen" panose="010A0502050306030303" pitchFamily="18" charset="0"/>
               </a:rPr>
               <a:t>HTTP-Version = HTTP/1.1</a:t>
@@ -5316,7 +5315,7 @@
             <a:pPr marL="0" indent="0">
               <a:buNone/>
             </a:pPr>
-            <a:endParaRPr lang="en-US" b="1">
+            <a:endParaRPr lang="en-US">
               <a:latin typeface="Sylfaen" panose="010A0502050306030303" pitchFamily="18" charset="0"/>
             </a:endParaRPr>
           </a:p>
@@ -5325,10 +5324,106 @@
               <a:buNone/>
             </a:pPr>
             <a:r>
-              <a:rPr lang="en-US" b="1">
-                <a:latin typeface="Sylfaen" panose="010A0502050306030303" pitchFamily="18" charset="0"/>
-              </a:rPr>
-              <a:t>Status-Code = 1--/2--/3--/4--/5--</a:t>
+              <a:rPr lang="en-US">
+                <a:latin typeface="Sylfaen" panose="010A0502050306030303" pitchFamily="18" charset="0"/>
+              </a:rPr>
+              <a:t>Status-Code = 1--</a:t>
+            </a:r>
+            <a:r>
+              <a:rPr lang="hy-AM">
+                <a:latin typeface="Sylfaen" panose="010A0502050306030303" pitchFamily="18" charset="0"/>
+              </a:rPr>
+              <a:t> </a:t>
+            </a:r>
+            <a:r>
+              <a:rPr lang="en-US">
+                <a:latin typeface="Sylfaen" panose="010A0502050306030303" pitchFamily="18" charset="0"/>
+              </a:rPr>
+              <a:t>/</a:t>
+            </a:r>
+            <a:r>
+              <a:rPr lang="hy-AM">
+                <a:latin typeface="Sylfaen" panose="010A0502050306030303" pitchFamily="18" charset="0"/>
+              </a:rPr>
+              <a:t> </a:t>
+            </a:r>
+            <a:r>
+              <a:rPr lang="en-US">
+                <a:latin typeface="Sylfaen" panose="010A0502050306030303" pitchFamily="18" charset="0"/>
+              </a:rPr>
+              <a:t>2--</a:t>
+            </a:r>
+            <a:r>
+              <a:rPr lang="hy-AM">
+                <a:latin typeface="Sylfaen" panose="010A0502050306030303" pitchFamily="18" charset="0"/>
+              </a:rPr>
+              <a:t> </a:t>
+            </a:r>
+            <a:r>
+              <a:rPr lang="en-US">
+                <a:latin typeface="Sylfaen" panose="010A0502050306030303" pitchFamily="18" charset="0"/>
+              </a:rPr>
+              <a:t>/</a:t>
+            </a:r>
+            <a:r>
+              <a:rPr lang="hy-AM">
+                <a:latin typeface="Sylfaen" panose="010A0502050306030303" pitchFamily="18" charset="0"/>
+              </a:rPr>
+              <a:t> </a:t>
+            </a:r>
+            <a:r>
+              <a:rPr lang="en-US">
+                <a:latin typeface="Sylfaen" panose="010A0502050306030303" pitchFamily="18" charset="0"/>
+              </a:rPr>
+              <a:t>3--</a:t>
+            </a:r>
+            <a:r>
+              <a:rPr lang="hy-AM">
+                <a:latin typeface="Sylfaen" panose="010A0502050306030303" pitchFamily="18" charset="0"/>
+              </a:rPr>
+              <a:t> </a:t>
+            </a:r>
+            <a:r>
+              <a:rPr lang="en-US">
+                <a:latin typeface="Sylfaen" panose="010A0502050306030303" pitchFamily="18" charset="0"/>
+              </a:rPr>
+              <a:t>/</a:t>
+            </a:r>
+            <a:r>
+              <a:rPr lang="hy-AM">
+                <a:latin typeface="Sylfaen" panose="010A0502050306030303" pitchFamily="18" charset="0"/>
+              </a:rPr>
+              <a:t> </a:t>
+            </a:r>
+            <a:r>
+              <a:rPr lang="en-US">
+                <a:latin typeface="Sylfaen" panose="010A0502050306030303" pitchFamily="18" charset="0"/>
+              </a:rPr>
+              <a:t>4--</a:t>
+            </a:r>
+            <a:r>
+              <a:rPr lang="hy-AM">
+                <a:latin typeface="Sylfaen" panose="010A0502050306030303" pitchFamily="18" charset="0"/>
+              </a:rPr>
+              <a:t> </a:t>
+            </a:r>
+            <a:r>
+              <a:rPr lang="en-US">
+                <a:latin typeface="Sylfaen" panose="010A0502050306030303" pitchFamily="18" charset="0"/>
+              </a:rPr>
+              <a:t>/</a:t>
+            </a:r>
+            <a:r>
+              <a:rPr lang="hy-AM">
+                <a:latin typeface="Sylfaen" panose="010A0502050306030303" pitchFamily="18" charset="0"/>
+              </a:rPr>
+              <a:t> </a:t>
+            </a:r>
+            <a:r>
+              <a:rPr lang="en-US">
+                <a:latin typeface="Sylfaen" panose="010A0502050306030303" pitchFamily="18" charset="0"/>
+              </a:rPr>
+              <a:t>5--</a:t>
             </a:r>
           </a:p>
         </p:txBody>
@@ -6689,8 +6784,8 @@
         </p:nvSpPr>
         <p:spPr>
           <a:xfrm>
-            <a:off x="1504012" y="1543082"/>
-            <a:ext cx="4591987" cy="5479809"/>
+            <a:off x="1504012" y="1325563"/>
+            <a:ext cx="4591987" cy="5652197"/>
           </a:xfrm>
         </p:spPr>
         <p:txBody>
@@ -6700,6 +6795,9 @@
           <a:lstStyle/>
           <a:p>
             <a:pPr marL="0" indent="0">
+              <a:lnSpc>
+                <a:spcPct val="150000"/>
+              </a:lnSpc>
               <a:buNone/>
             </a:pPr>
             <a:r>
@@ -6711,19 +6809,8 @@
           </a:p>
           <a:p>
             <a:pPr marL="0" indent="0">
-              <a:buNone/>
-            </a:pPr>
-            <a:r>
-              <a:rPr lang="en-US">
-                <a:latin typeface="Sylfaen" panose="010A0502050306030303" pitchFamily="18" charset="0"/>
-              </a:rPr>
-              <a:t>Pragma</a:t>
-            </a:r>
-          </a:p>
-          <a:p>
-            <a:pPr marL="0" indent="0">
-              <a:lnSpc>
-                <a:spcPct val="100000"/>
+              <a:lnSpc>
+                <a:spcPct val="150000"/>
               </a:lnSpc>
               <a:buNone/>
             </a:pPr>
@@ -6740,7 +6827,7 @@
           <a:p>
             <a:pPr marL="0" indent="0">
               <a:lnSpc>
-                <a:spcPct val="100000"/>
+                <a:spcPct val="150000"/>
               </a:lnSpc>
               <a:buNone/>
             </a:pPr>
@@ -6750,31 +6837,25 @@
               </a:rPr>
               <a:t>Date</a:t>
             </a:r>
-            <a:endParaRPr lang="en-US" dirty="0">
-              <a:latin typeface="Sylfaen" panose="010A0502050306030303" pitchFamily="18" charset="0"/>
-            </a:endParaRPr>
-          </a:p>
-          <a:p>
-            <a:pPr marL="0" indent="0">
-              <a:lnSpc>
-                <a:spcPct val="100000"/>
+          </a:p>
+          <a:p>
+            <a:pPr marL="0" indent="0">
+              <a:lnSpc>
+                <a:spcPct val="150000"/>
               </a:lnSpc>
               <a:buNone/>
             </a:pPr>
             <a:r>
               <a:rPr lang="en-US">
-                <a:solidFill>
-                  <a:srgbClr val="FF0000"/>
-                </a:solidFill>
-                <a:latin typeface="Sylfaen" panose="010A0502050306030303" pitchFamily="18" charset="0"/>
-              </a:rPr>
-              <a:t>Trailer</a:t>
-            </a:r>
-          </a:p>
-          <a:p>
-            <a:pPr marL="0" indent="0">
-              <a:lnSpc>
-                <a:spcPct val="100000"/>
+                <a:latin typeface="Sylfaen" panose="010A0502050306030303" pitchFamily="18" charset="0"/>
+              </a:rPr>
+              <a:t>Transfer-Encoding</a:t>
+            </a:r>
+          </a:p>
+          <a:p>
+            <a:pPr marL="0" indent="0">
+              <a:lnSpc>
+                <a:spcPct val="150000"/>
               </a:lnSpc>
               <a:buNone/>
             </a:pPr>
@@ -6782,13 +6863,13 @@
               <a:rPr lang="en-US">
                 <a:latin typeface="Sylfaen" panose="010A0502050306030303" pitchFamily="18" charset="0"/>
               </a:rPr>
-              <a:t>Transfer-Encoding</a:t>
-            </a:r>
-          </a:p>
-          <a:p>
-            <a:pPr marL="0" indent="0">
-              <a:lnSpc>
-                <a:spcPct val="100000"/>
+              <a:t>Upgrate</a:t>
+            </a:r>
+          </a:p>
+          <a:p>
+            <a:pPr marL="0" indent="0">
+              <a:lnSpc>
+                <a:spcPct val="150000"/>
               </a:lnSpc>
               <a:buNone/>
             </a:pPr>
@@ -6796,27 +6877,13 @@
               <a:rPr lang="en-US">
                 <a:latin typeface="Sylfaen" panose="010A0502050306030303" pitchFamily="18" charset="0"/>
               </a:rPr>
-              <a:t>Upgrate</a:t>
-            </a:r>
-          </a:p>
-          <a:p>
-            <a:pPr marL="0" indent="0">
-              <a:lnSpc>
-                <a:spcPct val="100000"/>
-              </a:lnSpc>
-              <a:buNone/>
-            </a:pPr>
-            <a:r>
-              <a:rPr lang="en-US">
-                <a:latin typeface="Sylfaen" panose="010A0502050306030303" pitchFamily="18" charset="0"/>
-              </a:rPr>
               <a:t>VIA</a:t>
             </a:r>
           </a:p>
           <a:p>
             <a:pPr marL="0" indent="0">
               <a:lnSpc>
-                <a:spcPct val="100000"/>
+                <a:spcPct val="150000"/>
               </a:lnSpc>
               <a:buNone/>
             </a:pPr>
@@ -6954,8 +7021,8 @@
         </p:nvSpPr>
         <p:spPr>
           <a:xfrm>
-            <a:off x="838200" y="1325563"/>
-            <a:ext cx="10515600" cy="4924269"/>
+            <a:off x="838200" y="1850218"/>
+            <a:ext cx="10515600" cy="4393023"/>
           </a:xfrm>
         </p:spPr>
         <p:txBody>
@@ -7017,32 +7084,6 @@
                 <a:latin typeface="Sylfaen" panose="010A0502050306030303" pitchFamily="18" charset="0"/>
               </a:rPr>
               <a:t>Conditional headers</a:t>
-            </a:r>
-          </a:p>
-          <a:p>
-            <a:pPr marL="0" indent="0">
-              <a:lnSpc>
-                <a:spcPct val="200000"/>
-              </a:lnSpc>
-              <a:buNone/>
-            </a:pPr>
-            <a:r>
-              <a:rPr lang="en-US">
-                <a:latin typeface="Sylfaen" panose="010A0502050306030303" pitchFamily="18" charset="0"/>
-              </a:rPr>
-              <a:t>Proxy-</a:t>
-            </a:r>
-            <a:r>
-              <a:rPr lang="hy-AM">
-                <a:latin typeface="Sylfaen" panose="010A0502050306030303" pitchFamily="18" charset="0"/>
-              </a:rPr>
-              <a:t>Authorization </a:t>
-            </a:r>
-            <a:r>
-              <a:rPr lang="en-US">
-                <a:latin typeface="Sylfaen" panose="010A0502050306030303" pitchFamily="18" charset="0"/>
-              </a:rPr>
-              <a:t>headers</a:t>
             </a:r>
           </a:p>
         </p:txBody>
@@ -7973,8 +8014,8 @@
         </p:nvSpPr>
         <p:spPr>
           <a:xfrm>
-            <a:off x="838200" y="2509948"/>
-            <a:ext cx="4333407" cy="2281680"/>
+            <a:off x="838200" y="2314473"/>
+            <a:ext cx="5952968" cy="3359142"/>
           </a:xfrm>
         </p:spPr>
         <p:txBody>
@@ -7991,8 +8032,17 @@
               <a:rPr lang="en-US" dirty="0">
                 <a:latin typeface="Sylfaen" panose="010A0502050306030303" pitchFamily="18" charset="0"/>
               </a:rPr>
-              <a:t>Authorization: credentials</a:t>
-            </a:r>
+              <a:t>Authorization</a:t>
+            </a:r>
+            <a:r>
+              <a:rPr lang="en-US">
+                <a:latin typeface="Sylfaen" panose="010A0502050306030303" pitchFamily="18" charset="0"/>
+              </a:rPr>
+              <a:t>: credentials</a:t>
+            </a:r>
+            <a:endParaRPr lang="hy-AM">
+              <a:latin typeface="Sylfaen" panose="010A0502050306030303" pitchFamily="18" charset="0"/>
+            </a:endParaRPr>
           </a:p>
           <a:p>
             <a:pPr marL="0" indent="0">
@@ -8002,11 +8052,53 @@
               <a:buNone/>
             </a:pPr>
             <a:r>
-              <a:rPr lang="en-US" dirty="0">
-                <a:latin typeface="Sylfaen" panose="010A0502050306030303" pitchFamily="18" charset="0"/>
-              </a:rPr>
-              <a:t>Cookie: name=value</a:t>
-            </a:r>
+              <a:rPr lang="en-US">
+                <a:latin typeface="Sylfaen" panose="010A0502050306030303" pitchFamily="18" charset="0"/>
+              </a:rPr>
+              <a:t>Proxy-Authorization: credentials</a:t>
+            </a:r>
+            <a:endParaRPr lang="hy-AM">
+              <a:latin typeface="Sylfaen" panose="010A0502050306030303" pitchFamily="18" charset="0"/>
+            </a:endParaRPr>
+          </a:p>
+          <a:p>
+            <a:pPr marL="0" indent="0">
+              <a:lnSpc>
+                <a:spcPct val="200000"/>
+              </a:lnSpc>
+              <a:buNone/>
+            </a:pPr>
+            <a:r>
+              <a:rPr lang="en-US">
+                <a:latin typeface="Sylfaen" panose="010A0502050306030303" pitchFamily="18" charset="0"/>
+              </a:rPr>
+              <a:t>Max-Forwards: n</a:t>
+            </a:r>
+            <a:endParaRPr lang="hy-AM">
+              <a:latin typeface="Sylfaen" panose="010A0502050306030303" pitchFamily="18" charset="0"/>
+            </a:endParaRPr>
+          </a:p>
+          <a:p>
+            <a:pPr marL="0" indent="0">
+              <a:lnSpc>
+                <a:spcPct val="200000"/>
+              </a:lnSpc>
+              <a:buNone/>
+            </a:pPr>
+            <a:endParaRPr lang="hy-AM">
+              <a:latin typeface="Sylfaen" panose="010A0502050306030303" pitchFamily="18" charset="0"/>
+            </a:endParaRPr>
+          </a:p>
+          <a:p>
+            <a:pPr marL="0" indent="0">
+              <a:lnSpc>
+                <a:spcPct val="200000"/>
+              </a:lnSpc>
+              <a:buNone/>
+            </a:pPr>
+            <a:endParaRPr lang="en-US" dirty="0">
+              <a:latin typeface="Sylfaen" panose="010A0502050306030303" pitchFamily="18" charset="0"/>
+            </a:endParaRPr>
           </a:p>
         </p:txBody>
       </p:sp>
@@ -8048,6 +8140,206 @@
           </a:fontRef>
         </p:style>
       </p:cxnSp>
+      <p:sp>
+        <p:nvSpPr>
+          <p:cNvPr id="5" name="Content Placeholder 2">
+            <a:extLst>
+              <a:ext uri="{FF2B5EF4-FFF2-40B4-BE49-F238E27FC236}">
+                <a16:creationId xmlns:a16="http://schemas.microsoft.com/office/drawing/2014/main" id="{9BAC2A29-ABF2-4D97-9E10-3035C005460E}"/>
+              </a:ext>
+            </a:extLst>
+          </p:cNvPr>
+          <p:cNvSpPr txBox="1">
+            <a:spLocks/>
+          </p:cNvSpPr>
+          <p:nvPr/>
+        </p:nvSpPr>
+        <p:spPr>
+          <a:xfrm>
+            <a:off x="838200" y="4152598"/>
+            <a:ext cx="6626902" cy="2311660"/>
+          </a:xfrm>
+          <a:prstGeom prst="rect">
+            <a:avLst/>
+          </a:prstGeom>
+        </p:spPr>
+        <p:txBody>
+          <a:bodyPr vert="horz" lIns="91440" tIns="45720" rIns="91440" bIns="45720" rtlCol="0">
+            <a:normAutofit/>
+          </a:bodyPr>
+          <a:lstStyle>
+            <a:lvl1pPr marL="228600" indent="-228600" algn="l" defTabSz="914400" rtl="0" eaLnBrk="1" latinLnBrk="0" hangingPunct="1">
+              <a:lnSpc>
+                <a:spcPct val="90000"/>
+              </a:lnSpc>
+              <a:spcBef>
+                <a:spcPts val="1000"/>
+              </a:spcBef>
+              <a:buFont typeface="Arial" panose="020B0604020202020204" pitchFamily="34" charset="0"/>
+              <a:buChar char="•"/>
+              <a:defRPr sz="2800" kern="1200">
+                <a:solidFill>
+                  <a:schemeClr val="tx1"/>
+                </a:solidFill>
+                <a:latin typeface="+mn-lt"/>
+                <a:ea typeface="+mn-ea"/>
+                <a:cs typeface="+mn-cs"/>
+              </a:defRPr>
+            </a:lvl1pPr>
+            <a:lvl2pPr marL="685800" indent="-228600" algn="l" defTabSz="914400" rtl="0" eaLnBrk="1" latinLnBrk="0" hangingPunct="1">
+              <a:lnSpc>
+                <a:spcPct val="90000"/>
+              </a:lnSpc>
+              <a:spcBef>
+                <a:spcPts val="500"/>
+              </a:spcBef>
+              <a:buFont typeface="Arial" panose="020B0604020202020204" pitchFamily="34" charset="0"/>
+              <a:buChar char="•"/>
+              <a:defRPr sz="2400" kern="1200">
+                <a:solidFill>
+                  <a:schemeClr val="tx1"/>
+                </a:solidFill>
+                <a:latin typeface="+mn-lt"/>
+                <a:ea typeface="+mn-ea"/>
+                <a:cs typeface="+mn-cs"/>
+              </a:defRPr>
+            </a:lvl2pPr>
+            <a:lvl3pPr marL="1143000" indent="-228600" algn="l" defTabSz="914400" rtl="0" eaLnBrk="1" latinLnBrk="0" hangingPunct="1">
+              <a:lnSpc>
+                <a:spcPct val="90000"/>
+              </a:lnSpc>
+              <a:spcBef>
+                <a:spcPts val="500"/>
+              </a:spcBef>
+              <a:buFont typeface="Arial" panose="020B0604020202020204" pitchFamily="34" charset="0"/>
+              <a:buChar char="•"/>
+              <a:defRPr sz="2000" kern="1200">
+                <a:solidFill>
+                  <a:schemeClr val="tx1"/>
+                </a:solidFill>
+                <a:latin typeface="+mn-lt"/>
+                <a:ea typeface="+mn-ea"/>
+                <a:cs typeface="+mn-cs"/>
+              </a:defRPr>
+            </a:lvl3pPr>
+            <a:lvl4pPr marL="1600200" indent="-228600" algn="l" defTabSz="914400" rtl="0" eaLnBrk="1" latinLnBrk="0" hangingPunct="1">
+              <a:lnSpc>
+                <a:spcPct val="90000"/>
+              </a:lnSpc>
+              <a:spcBef>
+                <a:spcPts val="500"/>
+              </a:spcBef>
+              <a:buFont typeface="Arial" panose="020B0604020202020204" pitchFamily="34" charset="0"/>
+              <a:buChar char="•"/>
+              <a:defRPr sz="1800" kern="1200">
+                <a:solidFill>
+                  <a:schemeClr val="tx1"/>
+                </a:solidFill>
+                <a:latin typeface="+mn-lt"/>
+                <a:ea typeface="+mn-ea"/>
+                <a:cs typeface="+mn-cs"/>
+              </a:defRPr>
+            </a:lvl4pPr>
+            <a:lvl5pPr marL="2057400" indent="-228600" algn="l" defTabSz="914400" rtl="0" eaLnBrk="1" latinLnBrk="0" hangingPunct="1">
+              <a:lnSpc>
+                <a:spcPct val="90000"/>
+              </a:lnSpc>
+              <a:spcBef>
+                <a:spcPts val="500"/>
+              </a:spcBef>
+              <a:buFont typeface="Arial" panose="020B0604020202020204" pitchFamily="34" charset="0"/>
+              <a:buChar char="•"/>
+              <a:defRPr sz="1800" kern="1200">
+                <a:solidFill>
+                  <a:schemeClr val="tx1"/>
+                </a:solidFill>
+                <a:latin typeface="+mn-lt"/>
+                <a:ea typeface="+mn-ea"/>
+                <a:cs typeface="+mn-cs"/>
+              </a:defRPr>
+            </a:lvl5pPr>
+            <a:lvl6pPr marL="2514600" indent="-228600" algn="l" defTabSz="914400" rtl="0" eaLnBrk="1" latinLnBrk="0" hangingPunct="1">
+              <a:lnSpc>
+                <a:spcPct val="90000"/>
+              </a:lnSpc>
+              <a:spcBef>
+                <a:spcPts val="500"/>
+              </a:spcBef>
+              <a:buFont typeface="Arial" panose="020B0604020202020204" pitchFamily="34" charset="0"/>
+              <a:buChar char="•"/>
+              <a:defRPr sz="1800" kern="1200">
+                <a:solidFill>
+                  <a:schemeClr val="tx1"/>
+                </a:solidFill>
+                <a:latin typeface="+mn-lt"/>
+                <a:ea typeface="+mn-ea"/>
+                <a:cs typeface="+mn-cs"/>
+              </a:defRPr>
+            </a:lvl6pPr>
+            <a:lvl7pPr marL="2971800" indent="-228600" algn="l" defTabSz="914400" rtl="0" eaLnBrk="1" latinLnBrk="0" hangingPunct="1">
+              <a:lnSpc>
+                <a:spcPct val="90000"/>
+              </a:lnSpc>
+              <a:spcBef>
+                <a:spcPts val="500"/>
+              </a:spcBef>
+              <a:buFont typeface="Arial" panose="020B0604020202020204" pitchFamily="34" charset="0"/>
+              <a:buChar char="•"/>
+              <a:defRPr sz="1800" kern="1200">
+                <a:solidFill>
+                  <a:schemeClr val="tx1"/>
+                </a:solidFill>
+                <a:latin typeface="+mn-lt"/>
+                <a:ea typeface="+mn-ea"/>
+                <a:cs typeface="+mn-cs"/>
+              </a:defRPr>
+            </a:lvl7pPr>
+            <a:lvl8pPr marL="3429000" indent="-228600" algn="l" defTabSz="914400" rtl="0" eaLnBrk="1" latinLnBrk="0" hangingPunct="1">
+              <a:lnSpc>
+                <a:spcPct val="90000"/>
+              </a:lnSpc>
+              <a:spcBef>
+                <a:spcPts val="500"/>
+              </a:spcBef>
+              <a:buFont typeface="Arial" panose="020B0604020202020204" pitchFamily="34" charset="0"/>
+              <a:buChar char="•"/>
+              <a:defRPr sz="1800" kern="1200">
+                <a:solidFill>
+                  <a:schemeClr val="tx1"/>
+                </a:solidFill>
+                <a:latin typeface="+mn-lt"/>
+                <a:ea typeface="+mn-ea"/>
+                <a:cs typeface="+mn-cs"/>
+              </a:defRPr>
+            </a:lvl8pPr>
+            <a:lvl9pPr marL="3886200" indent="-228600" algn="l" defTabSz="914400" rtl="0" eaLnBrk="1" latinLnBrk="0" hangingPunct="1">
+              <a:lnSpc>
+                <a:spcPct val="90000"/>
+              </a:lnSpc>
+              <a:spcBef>
+                <a:spcPts val="500"/>
+              </a:spcBef>
+              <a:buFont typeface="Arial" panose="020B0604020202020204" pitchFamily="34" charset="0"/>
+              <a:buChar char="•"/>
+              <a:defRPr sz="1800" kern="1200">
+                <a:solidFill>
+                  <a:schemeClr val="tx1"/>
+                </a:solidFill>
+                <a:latin typeface="+mn-lt"/>
+                <a:ea typeface="+mn-ea"/>
+                <a:cs typeface="+mn-cs"/>
+              </a:defRPr>
+            </a:lvl9pPr>
+          </a:lstStyle>
+          <a:p>
+            <a:pPr marL="0" indent="0">
+              <a:buFont typeface="Arial" panose="020B0604020202020204" pitchFamily="34" charset="0"/>
+              <a:buNone/>
+            </a:pPr>
+            <a:endParaRPr lang="en-US"/>
+          </a:p>
+        </p:txBody>
+      </p:sp>
     </p:spTree>
     <p:extLst>
       <p:ext uri="{BB962C8B-B14F-4D97-AF65-F5344CB8AC3E}">
@@ -8333,178 +8625,6 @@
           <p:cNvPr id="2" name="Title 1">
             <a:extLst>
               <a:ext uri="{FF2B5EF4-FFF2-40B4-BE49-F238E27FC236}">
-                <a16:creationId xmlns:a16="http://schemas.microsoft.com/office/drawing/2014/main" id="{1B010AAB-E966-4F2B-A355-37BCE75632FF}"/>
-              </a:ext>
-            </a:extLst>
-          </p:cNvPr>
-          <p:cNvSpPr>
-            <a:spLocks noGrp="1"/>
-          </p:cNvSpPr>
-          <p:nvPr>
-            <p:ph type="title"/>
-          </p:nvPr>
-        </p:nvSpPr>
-        <p:spPr>
-          <a:xfrm>
-            <a:off x="838200" y="0"/>
-            <a:ext cx="10515600" cy="1325563"/>
-          </a:xfrm>
-        </p:spPr>
-        <p:txBody>
-          <a:bodyPr/>
-          <a:lstStyle/>
-          <a:p>
-            <a:pPr algn="ctr"/>
-            <a:r>
-              <a:rPr lang="en-US">
-                <a:latin typeface="Sylfaen" panose="010A0502050306030303" pitchFamily="18" charset="0"/>
-              </a:rPr>
-              <a:t>Proxy-Authorization Request Headers</a:t>
-            </a:r>
-            <a:endParaRPr lang="en-US"/>
-          </a:p>
-        </p:txBody>
-      </p:sp>
-      <p:sp>
-        <p:nvSpPr>
-          <p:cNvPr id="3" name="Content Placeholder 2">
-            <a:extLst>
-              <a:ext uri="{FF2B5EF4-FFF2-40B4-BE49-F238E27FC236}">
-                <a16:creationId xmlns:a16="http://schemas.microsoft.com/office/drawing/2014/main" id="{278B964E-7614-4610-9892-AD175030CC3A}"/>
-              </a:ext>
-            </a:extLst>
-          </p:cNvPr>
-          <p:cNvSpPr>
-            <a:spLocks noGrp="1"/>
-          </p:cNvSpPr>
-          <p:nvPr>
-            <p:ph idx="1"/>
-          </p:nvPr>
-        </p:nvSpPr>
-        <p:spPr>
-          <a:xfrm>
-            <a:off x="838200" y="2398749"/>
-            <a:ext cx="6626902" cy="2311660"/>
-          </a:xfrm>
-        </p:spPr>
-        <p:txBody>
-          <a:bodyPr/>
-          <a:lstStyle/>
-          <a:p>
-            <a:pPr marL="0" indent="0">
-              <a:lnSpc>
-                <a:spcPct val="200000"/>
-              </a:lnSpc>
-              <a:buNone/>
-            </a:pPr>
-            <a:r>
-              <a:rPr lang="en-US">
-                <a:latin typeface="Sylfaen" panose="010A0502050306030303" pitchFamily="18" charset="0"/>
-              </a:rPr>
-              <a:t>Max-Forwards: n</a:t>
-            </a:r>
-            <a:endParaRPr lang="hy-AM">
-              <a:latin typeface="Sylfaen" panose="010A0502050306030303" pitchFamily="18" charset="0"/>
-            </a:endParaRPr>
-          </a:p>
-          <a:p>
-            <a:pPr marL="0" indent="0">
-              <a:lnSpc>
-                <a:spcPct val="200000"/>
-              </a:lnSpc>
-              <a:buNone/>
-            </a:pPr>
-            <a:r>
-              <a:rPr lang="en-US">
-                <a:latin typeface="Sylfaen" panose="010A0502050306030303" pitchFamily="18" charset="0"/>
-              </a:rPr>
-              <a:t>Proxy-Authorization: credentials</a:t>
-            </a:r>
-            <a:endParaRPr lang="hy-AM">
-              <a:latin typeface="Sylfaen" panose="010A0502050306030303" pitchFamily="18" charset="0"/>
-            </a:endParaRPr>
-          </a:p>
-          <a:p>
-            <a:pPr marL="0" indent="0">
-              <a:buNone/>
-            </a:pPr>
-            <a:endParaRPr lang="en-US"/>
-          </a:p>
-        </p:txBody>
-      </p:sp>
-      <p:cxnSp>
-        <p:nvCxnSpPr>
-          <p:cNvPr id="4" name="Straight Connector 3">
-            <a:extLst>
-              <a:ext uri="{FF2B5EF4-FFF2-40B4-BE49-F238E27FC236}">
-                <a16:creationId xmlns:a16="http://schemas.microsoft.com/office/drawing/2014/main" id="{DE84F19D-829D-422F-90B6-D6BD8A9C8614}"/>
-              </a:ext>
-            </a:extLst>
-          </p:cNvPr>
-          <p:cNvCxnSpPr>
-            <a:cxnSpLocks/>
-          </p:cNvCxnSpPr>
-          <p:nvPr/>
-        </p:nvCxnSpPr>
-        <p:spPr>
-          <a:xfrm>
-            <a:off x="569235" y="1199374"/>
-            <a:ext cx="11053530" cy="0"/>
-          </a:xfrm>
-          <a:prstGeom prst="line">
-            <a:avLst/>
-          </a:prstGeom>
-        </p:spPr>
-        <p:style>
-          <a:lnRef idx="3">
-            <a:schemeClr val="accent1"/>
-          </a:lnRef>
-          <a:fillRef idx="0">
-            <a:schemeClr val="accent1"/>
-          </a:fillRef>
-          <a:effectRef idx="2">
-            <a:schemeClr val="accent1"/>
-          </a:effectRef>
-          <a:fontRef idx="minor">
-            <a:schemeClr val="tx1"/>
-          </a:fontRef>
-        </p:style>
-      </p:cxnSp>
-    </p:spTree>
-    <p:extLst>
-      <p:ext uri="{BB962C8B-B14F-4D97-AF65-F5344CB8AC3E}">
-        <p14:creationId xmlns:p14="http://schemas.microsoft.com/office/powerpoint/2010/main" val="3643151142"/>
-      </p:ext>
-    </p:extLst>
-  </p:cSld>
-  <p:clrMapOvr>
-    <a:masterClrMapping/>
-  </p:clrMapOvr>
-</p:sld>
-</file>
-
-<file path=ppt/slides/slide24.xml><?xml version="1.0" encoding="utf-8"?>
-<p:sld xmlns:a="http://schemas.openxmlformats.org/drawingml/2006/main" xmlns:r="http://schemas.openxmlformats.org/officeDocument/2006/relationships" xmlns:p="http://schemas.openxmlformats.org/presentationml/2006/main">
-  <p:cSld>
-    <p:spTree>
-      <p:nvGrpSpPr>
-        <p:cNvPr id="1" name=""/>
-        <p:cNvGrpSpPr/>
-        <p:nvPr/>
-      </p:nvGrpSpPr>
-      <p:grpSpPr>
-        <a:xfrm>
-          <a:off x="0" y="0"/>
-          <a:ext cx="0" cy="0"/>
-          <a:chOff x="0" y="0"/>
-          <a:chExt cx="0" cy="0"/>
-        </a:xfrm>
-      </p:grpSpPr>
-      <p:sp>
-        <p:nvSpPr>
-          <p:cNvPr id="2" name="Title 1">
-            <a:extLst>
-              <a:ext uri="{FF2B5EF4-FFF2-40B4-BE49-F238E27FC236}">
                 <a16:creationId xmlns:a16="http://schemas.microsoft.com/office/drawing/2014/main" id="{6D611791-3482-4188-914D-0026E3709B4D}"/>
               </a:ext>
             </a:extLst>
@@ -9194,7 +9314,7 @@
 </p:sld>
 </file>
 
-<file path=ppt/slides/slide25.xml><?xml version="1.0" encoding="utf-8"?>
+<file path=ppt/slides/slide24.xml><?xml version="1.0" encoding="utf-8"?>
 <p:sld xmlns:a="http://schemas.openxmlformats.org/drawingml/2006/main" xmlns:r="http://schemas.openxmlformats.org/officeDocument/2006/relationships" xmlns:p="http://schemas.openxmlformats.org/presentationml/2006/main">
   <p:cSld>
     <p:spTree>
@@ -9388,7 +9508,7 @@
 </p:sld>
 </file>
 
-<file path=ppt/slides/slide26.xml><?xml version="1.0" encoding="utf-8"?>
+<file path=ppt/slides/slide25.xml><?xml version="1.0" encoding="utf-8"?>
 <p:sld xmlns:a="http://schemas.openxmlformats.org/drawingml/2006/main" xmlns:r="http://schemas.openxmlformats.org/officeDocument/2006/relationships" xmlns:p="http://schemas.openxmlformats.org/presentationml/2006/main">
   <p:cSld>
     <p:spTree>
@@ -9850,7 +9970,7 @@
 </p:sld>
 </file>
 
-<file path=ppt/slides/slide27.xml><?xml version="1.0" encoding="utf-8"?>
+<file path=ppt/slides/slide26.xml><?xml version="1.0" encoding="utf-8"?>
 <p:sld xmlns:a="http://schemas.openxmlformats.org/drawingml/2006/main" xmlns:r="http://schemas.openxmlformats.org/officeDocument/2006/relationships" xmlns:p="http://schemas.openxmlformats.org/presentationml/2006/main">
   <p:cSld>
     <p:spTree>
@@ -10137,7 +10257,7 @@
 </p:sld>
 </file>
 
-<file path=ppt/slides/slide28.xml><?xml version="1.0" encoding="utf-8"?>
+<file path=ppt/slides/slide27.xml><?xml version="1.0" encoding="utf-8"?>
 <p:sld xmlns:a="http://schemas.openxmlformats.org/drawingml/2006/main" xmlns:r="http://schemas.openxmlformats.org/officeDocument/2006/relationships" xmlns:p="http://schemas.openxmlformats.org/presentationml/2006/main">
   <p:cSld>
     <p:spTree>
@@ -10277,7 +10397,7 @@
 </p:sld>
 </file>
 
-<file path=ppt/slides/slide29.xml><?xml version="1.0" encoding="utf-8"?>
+<file path=ppt/slides/slide28.xml><?xml version="1.0" encoding="utf-8"?>
 <p:sld xmlns:a="http://schemas.openxmlformats.org/drawingml/2006/main" xmlns:r="http://schemas.openxmlformats.org/officeDocument/2006/relationships" xmlns:p="http://schemas.openxmlformats.org/presentationml/2006/main">
   <p:cSld>
     <p:spTree>
@@ -10841,6 +10961,239 @@
     <p:extLst>
       <p:ext uri="{BB962C8B-B14F-4D97-AF65-F5344CB8AC3E}">
         <p14:creationId xmlns:p14="http://schemas.microsoft.com/office/powerpoint/2010/main" val="1333610910"/>
+      </p:ext>
+    </p:extLst>
+  </p:cSld>
+  <p:clrMapOvr>
+    <a:masterClrMapping/>
+  </p:clrMapOvr>
+</p:sld>
+</file>
+
+<file path=ppt/slides/slide29.xml><?xml version="1.0" encoding="utf-8"?>
+<p:sld xmlns:a="http://schemas.openxmlformats.org/drawingml/2006/main" xmlns:r="http://schemas.openxmlformats.org/officeDocument/2006/relationships" xmlns:p="http://schemas.openxmlformats.org/presentationml/2006/main">
+  <p:cSld>
+    <p:spTree>
+      <p:nvGrpSpPr>
+        <p:cNvPr id="1" name=""/>
+        <p:cNvGrpSpPr/>
+        <p:nvPr/>
+      </p:nvGrpSpPr>
+      <p:grpSpPr>
+        <a:xfrm>
+          <a:off x="0" y="0"/>
+          <a:ext cx="0" cy="0"/>
+          <a:chOff x="0" y="0"/>
+          <a:chExt cx="0" cy="0"/>
+        </a:xfrm>
+      </p:grpSpPr>
+      <p:sp>
+        <p:nvSpPr>
+          <p:cNvPr id="2" name="Title 1">
+            <a:extLst>
+              <a:ext uri="{FF2B5EF4-FFF2-40B4-BE49-F238E27FC236}">
+                <a16:creationId xmlns:a16="http://schemas.microsoft.com/office/drawing/2014/main" id="{F65AC74C-D795-4170-A3BA-717017C90091}"/>
+              </a:ext>
+            </a:extLst>
+          </p:cNvPr>
+          <p:cNvSpPr>
+            <a:spLocks noGrp="1"/>
+          </p:cNvSpPr>
+          <p:nvPr>
+            <p:ph type="title"/>
+          </p:nvPr>
+        </p:nvSpPr>
+        <p:spPr>
+          <a:xfrm>
+            <a:off x="838200" y="18255"/>
+            <a:ext cx="10515600" cy="1325563"/>
+          </a:xfrm>
+        </p:spPr>
+        <p:txBody>
+          <a:bodyPr/>
+          <a:lstStyle/>
+          <a:p>
+            <a:pPr algn="ctr"/>
+            <a:r>
+              <a:rPr lang="en-US">
+                <a:latin typeface="Sylfaen" panose="010A0502050306030303" pitchFamily="18" charset="0"/>
+              </a:rPr>
+              <a:t>HTTP Security</a:t>
+            </a:r>
+          </a:p>
+        </p:txBody>
+      </p:sp>
+      <p:sp>
+        <p:nvSpPr>
+          <p:cNvPr id="3" name="Content Placeholder 2">
+            <a:extLst>
+              <a:ext uri="{FF2B5EF4-FFF2-40B4-BE49-F238E27FC236}">
+                <a16:creationId xmlns:a16="http://schemas.microsoft.com/office/drawing/2014/main" id="{95C0FE7F-0651-4E54-B88E-38A6E337EC7C}"/>
+              </a:ext>
+            </a:extLst>
+          </p:cNvPr>
+          <p:cNvSpPr>
+            <a:spLocks noGrp="1"/>
+          </p:cNvSpPr>
+          <p:nvPr>
+            <p:ph idx="1"/>
+          </p:nvPr>
+        </p:nvSpPr>
+        <p:spPr>
+          <a:xfrm>
+            <a:off x="838200" y="1517149"/>
+            <a:ext cx="10515600" cy="4748739"/>
+          </a:xfrm>
+        </p:spPr>
+        <p:txBody>
+          <a:bodyPr/>
+          <a:lstStyle/>
+          <a:p>
+            <a:pPr marL="0" indent="0">
+              <a:lnSpc>
+                <a:spcPct val="150000"/>
+              </a:lnSpc>
+              <a:buNone/>
+            </a:pPr>
+            <a:r>
+              <a:rPr lang="en-US" dirty="0">
+                <a:latin typeface="Sylfaen" panose="010A0502050306030303" pitchFamily="18" charset="0"/>
+              </a:rPr>
+              <a:t>Personal Information Leakage</a:t>
+            </a:r>
+          </a:p>
+          <a:p>
+            <a:pPr marL="0" indent="0">
+              <a:lnSpc>
+                <a:spcPct val="150000"/>
+              </a:lnSpc>
+              <a:buNone/>
+            </a:pPr>
+            <a:r>
+              <a:rPr lang="en-US" dirty="0">
+                <a:latin typeface="Sylfaen" panose="010A0502050306030303" pitchFamily="18" charset="0"/>
+              </a:rPr>
+              <a:t>File and Path Names Based Attack</a:t>
+            </a:r>
+            <a:endParaRPr lang="hy-AM" dirty="0">
+              <a:latin typeface="Sylfaen" panose="010A0502050306030303" pitchFamily="18" charset="0"/>
+            </a:endParaRPr>
+          </a:p>
+          <a:p>
+            <a:pPr marL="0" indent="0">
+              <a:lnSpc>
+                <a:spcPct val="150000"/>
+              </a:lnSpc>
+              <a:buNone/>
+            </a:pPr>
+            <a:r>
+              <a:rPr lang="en-US" dirty="0">
+                <a:latin typeface="Sylfaen" panose="010A0502050306030303" pitchFamily="18" charset="0"/>
+              </a:rPr>
+              <a:t>DNS Spoofing</a:t>
+            </a:r>
+          </a:p>
+          <a:p>
+            <a:pPr marL="0" indent="0">
+              <a:lnSpc>
+                <a:spcPct val="150000"/>
+              </a:lnSpc>
+              <a:buNone/>
+            </a:pPr>
+            <a:r>
+              <a:rPr lang="en-US" dirty="0">
+                <a:solidFill>
+                  <a:srgbClr val="FF0000"/>
+                </a:solidFill>
+                <a:latin typeface="Sylfaen" panose="010A0502050306030303" pitchFamily="18" charset="0"/>
+              </a:rPr>
+              <a:t>Location Headers and Spoofing</a:t>
+            </a:r>
+            <a:endParaRPr lang="hy-AM" dirty="0">
+              <a:solidFill>
+                <a:srgbClr val="FF0000"/>
+              </a:solidFill>
+              <a:latin typeface="Sylfaen" panose="010A0502050306030303" pitchFamily="18" charset="0"/>
+            </a:endParaRPr>
+          </a:p>
+          <a:p>
+            <a:pPr marL="0" indent="0">
+              <a:lnSpc>
+                <a:spcPct val="150000"/>
+              </a:lnSpc>
+              <a:buNone/>
+            </a:pPr>
+            <a:r>
+              <a:rPr lang="en-US" dirty="0">
+                <a:latin typeface="Sylfaen" panose="010A0502050306030303" pitchFamily="18" charset="0"/>
+              </a:rPr>
+              <a:t>Authentication Credentials</a:t>
+            </a:r>
+          </a:p>
+          <a:p>
+            <a:pPr marL="0" indent="0">
+              <a:lnSpc>
+                <a:spcPct val="150000"/>
+              </a:lnSpc>
+              <a:buNone/>
+            </a:pPr>
+            <a:r>
+              <a:rPr lang="en-US" dirty="0">
+                <a:latin typeface="Sylfaen" panose="010A0502050306030303" pitchFamily="18" charset="0"/>
+              </a:rPr>
+              <a:t>Proxies and Caching</a:t>
+            </a:r>
+          </a:p>
+          <a:p>
+            <a:pPr marL="0" indent="0">
+              <a:buNone/>
+            </a:pPr>
+            <a:endParaRPr lang="en-US" dirty="0"/>
+          </a:p>
+        </p:txBody>
+      </p:sp>
+      <p:cxnSp>
+        <p:nvCxnSpPr>
+          <p:cNvPr id="4" name="Straight Connector 3">
+            <a:extLst>
+              <a:ext uri="{FF2B5EF4-FFF2-40B4-BE49-F238E27FC236}">
+                <a16:creationId xmlns:a16="http://schemas.microsoft.com/office/drawing/2014/main" id="{1340917F-59D6-4048-9082-92AEEDBBC354}"/>
+              </a:ext>
+            </a:extLst>
+          </p:cNvPr>
+          <p:cNvCxnSpPr>
+            <a:cxnSpLocks/>
+          </p:cNvCxnSpPr>
+          <p:nvPr/>
+        </p:nvCxnSpPr>
+        <p:spPr>
+          <a:xfrm>
+            <a:off x="569235" y="1154404"/>
+            <a:ext cx="11053530" cy="0"/>
+          </a:xfrm>
+          <a:prstGeom prst="line">
+            <a:avLst/>
+          </a:prstGeom>
+        </p:spPr>
+        <p:style>
+          <a:lnRef idx="3">
+            <a:schemeClr val="accent1"/>
+          </a:lnRef>
+          <a:fillRef idx="0">
+            <a:schemeClr val="accent1"/>
+          </a:fillRef>
+          <a:effectRef idx="2">
+            <a:schemeClr val="accent1"/>
+          </a:effectRef>
+          <a:fontRef idx="minor">
+            <a:schemeClr val="tx1"/>
+          </a:fontRef>
+        </p:style>
+      </p:cxnSp>
+    </p:spTree>
+    <p:extLst>
+      <p:ext uri="{BB962C8B-B14F-4D97-AF65-F5344CB8AC3E}">
+        <p14:creationId xmlns:p14="http://schemas.microsoft.com/office/powerpoint/2010/main" val="1200370157"/>
       </p:ext>
     </p:extLst>
   </p:cSld>
@@ -11046,239 +11399,6 @@
 </file>
 
 <file path=ppt/slides/slide30.xml><?xml version="1.0" encoding="utf-8"?>
-<p:sld xmlns:a="http://schemas.openxmlformats.org/drawingml/2006/main" xmlns:r="http://schemas.openxmlformats.org/officeDocument/2006/relationships" xmlns:p="http://schemas.openxmlformats.org/presentationml/2006/main">
-  <p:cSld>
-    <p:spTree>
-      <p:nvGrpSpPr>
-        <p:cNvPr id="1" name=""/>
-        <p:cNvGrpSpPr/>
-        <p:nvPr/>
-      </p:nvGrpSpPr>
-      <p:grpSpPr>
-        <a:xfrm>
-          <a:off x="0" y="0"/>
-          <a:ext cx="0" cy="0"/>
-          <a:chOff x="0" y="0"/>
-          <a:chExt cx="0" cy="0"/>
-        </a:xfrm>
-      </p:grpSpPr>
-      <p:sp>
-        <p:nvSpPr>
-          <p:cNvPr id="2" name="Title 1">
-            <a:extLst>
-              <a:ext uri="{FF2B5EF4-FFF2-40B4-BE49-F238E27FC236}">
-                <a16:creationId xmlns:a16="http://schemas.microsoft.com/office/drawing/2014/main" id="{F65AC74C-D795-4170-A3BA-717017C90091}"/>
-              </a:ext>
-            </a:extLst>
-          </p:cNvPr>
-          <p:cNvSpPr>
-            <a:spLocks noGrp="1"/>
-          </p:cNvSpPr>
-          <p:nvPr>
-            <p:ph type="title"/>
-          </p:nvPr>
-        </p:nvSpPr>
-        <p:spPr>
-          <a:xfrm>
-            <a:off x="838200" y="18255"/>
-            <a:ext cx="10515600" cy="1325563"/>
-          </a:xfrm>
-        </p:spPr>
-        <p:txBody>
-          <a:bodyPr/>
-          <a:lstStyle/>
-          <a:p>
-            <a:pPr algn="ctr"/>
-            <a:r>
-              <a:rPr lang="en-US">
-                <a:latin typeface="Sylfaen" panose="010A0502050306030303" pitchFamily="18" charset="0"/>
-              </a:rPr>
-              <a:t>HTTP Security</a:t>
-            </a:r>
-          </a:p>
-        </p:txBody>
-      </p:sp>
-      <p:sp>
-        <p:nvSpPr>
-          <p:cNvPr id="3" name="Content Placeholder 2">
-            <a:extLst>
-              <a:ext uri="{FF2B5EF4-FFF2-40B4-BE49-F238E27FC236}">
-                <a16:creationId xmlns:a16="http://schemas.microsoft.com/office/drawing/2014/main" id="{95C0FE7F-0651-4E54-B88E-38A6E337EC7C}"/>
-              </a:ext>
-            </a:extLst>
-          </p:cNvPr>
-          <p:cNvSpPr>
-            <a:spLocks noGrp="1"/>
-          </p:cNvSpPr>
-          <p:nvPr>
-            <p:ph idx="1"/>
-          </p:nvPr>
-        </p:nvSpPr>
-        <p:spPr>
-          <a:xfrm>
-            <a:off x="838200" y="1517149"/>
-            <a:ext cx="10515600" cy="4748739"/>
-          </a:xfrm>
-        </p:spPr>
-        <p:txBody>
-          <a:bodyPr/>
-          <a:lstStyle/>
-          <a:p>
-            <a:pPr marL="0" indent="0">
-              <a:lnSpc>
-                <a:spcPct val="150000"/>
-              </a:lnSpc>
-              <a:buNone/>
-            </a:pPr>
-            <a:r>
-              <a:rPr lang="en-US" dirty="0">
-                <a:latin typeface="Sylfaen" panose="010A0502050306030303" pitchFamily="18" charset="0"/>
-              </a:rPr>
-              <a:t>Personal Information Leakage</a:t>
-            </a:r>
-          </a:p>
-          <a:p>
-            <a:pPr marL="0" indent="0">
-              <a:lnSpc>
-                <a:spcPct val="150000"/>
-              </a:lnSpc>
-              <a:buNone/>
-            </a:pPr>
-            <a:r>
-              <a:rPr lang="en-US" dirty="0">
-                <a:latin typeface="Sylfaen" panose="010A0502050306030303" pitchFamily="18" charset="0"/>
-              </a:rPr>
-              <a:t>File and Path Names Based Attack</a:t>
-            </a:r>
-            <a:endParaRPr lang="hy-AM" dirty="0">
-              <a:latin typeface="Sylfaen" panose="010A0502050306030303" pitchFamily="18" charset="0"/>
-            </a:endParaRPr>
-          </a:p>
-          <a:p>
-            <a:pPr marL="0" indent="0">
-              <a:lnSpc>
-                <a:spcPct val="150000"/>
-              </a:lnSpc>
-              <a:buNone/>
-            </a:pPr>
-            <a:r>
-              <a:rPr lang="en-US" dirty="0">
-                <a:latin typeface="Sylfaen" panose="010A0502050306030303" pitchFamily="18" charset="0"/>
-              </a:rPr>
-              <a:t>DNS Spoofing</a:t>
-            </a:r>
-          </a:p>
-          <a:p>
-            <a:pPr marL="0" indent="0">
-              <a:lnSpc>
-                <a:spcPct val="150000"/>
-              </a:lnSpc>
-              <a:buNone/>
-            </a:pPr>
-            <a:r>
-              <a:rPr lang="en-US" dirty="0">
-                <a:solidFill>
-                  <a:srgbClr val="FF0000"/>
-                </a:solidFill>
-                <a:latin typeface="Sylfaen" panose="010A0502050306030303" pitchFamily="18" charset="0"/>
-              </a:rPr>
-              <a:t>Location Headers and Spoofing</a:t>
-            </a:r>
-            <a:endParaRPr lang="hy-AM" dirty="0">
-              <a:solidFill>
-                <a:srgbClr val="FF0000"/>
-              </a:solidFill>
-              <a:latin typeface="Sylfaen" panose="010A0502050306030303" pitchFamily="18" charset="0"/>
-            </a:endParaRPr>
-          </a:p>
-          <a:p>
-            <a:pPr marL="0" indent="0">
-              <a:lnSpc>
-                <a:spcPct val="150000"/>
-              </a:lnSpc>
-              <a:buNone/>
-            </a:pPr>
-            <a:r>
-              <a:rPr lang="en-US" dirty="0">
-                <a:latin typeface="Sylfaen" panose="010A0502050306030303" pitchFamily="18" charset="0"/>
-              </a:rPr>
-              <a:t>Authentication Credentials</a:t>
-            </a:r>
-          </a:p>
-          <a:p>
-            <a:pPr marL="0" indent="0">
-              <a:lnSpc>
-                <a:spcPct val="150000"/>
-              </a:lnSpc>
-              <a:buNone/>
-            </a:pPr>
-            <a:r>
-              <a:rPr lang="en-US" dirty="0">
-                <a:latin typeface="Sylfaen" panose="010A0502050306030303" pitchFamily="18" charset="0"/>
-              </a:rPr>
-              <a:t>Proxies and Caching</a:t>
-            </a:r>
-          </a:p>
-          <a:p>
-            <a:pPr marL="0" indent="0">
-              <a:buNone/>
-            </a:pPr>
-            <a:endParaRPr lang="en-US" dirty="0"/>
-          </a:p>
-        </p:txBody>
-      </p:sp>
-      <p:cxnSp>
-        <p:nvCxnSpPr>
-          <p:cNvPr id="4" name="Straight Connector 3">
-            <a:extLst>
-              <a:ext uri="{FF2B5EF4-FFF2-40B4-BE49-F238E27FC236}">
-                <a16:creationId xmlns:a16="http://schemas.microsoft.com/office/drawing/2014/main" id="{1340917F-59D6-4048-9082-92AEEDBBC354}"/>
-              </a:ext>
-            </a:extLst>
-          </p:cNvPr>
-          <p:cNvCxnSpPr>
-            <a:cxnSpLocks/>
-          </p:cNvCxnSpPr>
-          <p:nvPr/>
-        </p:nvCxnSpPr>
-        <p:spPr>
-          <a:xfrm>
-            <a:off x="569235" y="1154404"/>
-            <a:ext cx="11053530" cy="0"/>
-          </a:xfrm>
-          <a:prstGeom prst="line">
-            <a:avLst/>
-          </a:prstGeom>
-        </p:spPr>
-        <p:style>
-          <a:lnRef idx="3">
-            <a:schemeClr val="accent1"/>
-          </a:lnRef>
-          <a:fillRef idx="0">
-            <a:schemeClr val="accent1"/>
-          </a:fillRef>
-          <a:effectRef idx="2">
-            <a:schemeClr val="accent1"/>
-          </a:effectRef>
-          <a:fontRef idx="minor">
-            <a:schemeClr val="tx1"/>
-          </a:fontRef>
-        </p:style>
-      </p:cxnSp>
-    </p:spTree>
-    <p:extLst>
-      <p:ext uri="{BB962C8B-B14F-4D97-AF65-F5344CB8AC3E}">
-        <p14:creationId xmlns:p14="http://schemas.microsoft.com/office/powerpoint/2010/main" val="1200370157"/>
-      </p:ext>
-    </p:extLst>
-  </p:cSld>
-  <p:clrMapOvr>
-    <a:masterClrMapping/>
-  </p:clrMapOvr>
-</p:sld>
-</file>
-
-<file path=ppt/slides/slide31.xml><?xml version="1.0" encoding="utf-8"?>
 <p:sld xmlns:a="http://schemas.openxmlformats.org/drawingml/2006/main" xmlns:r="http://schemas.openxmlformats.org/officeDocument/2006/relationships" xmlns:p="http://schemas.openxmlformats.org/presentationml/2006/main">
   <p:cSld>
     <p:spTree>

--- a/Http/Http_presentation.pptx
+++ b/Http/Http_presentation.pptx
@@ -10042,7 +10042,7 @@
         </p:nvSpPr>
         <p:spPr>
           <a:xfrm>
-            <a:off x="838200" y="1540810"/>
+            <a:off x="838200" y="1710143"/>
             <a:ext cx="7706194" cy="4695098"/>
           </a:xfrm>
         </p:spPr>
@@ -10120,47 +10120,6 @@
               <a:t>Length: digits</a:t>
             </a:r>
             <a:endParaRPr lang="hy-AM" dirty="0">
-              <a:latin typeface="Sylfaen" panose="010A0502050306030303" pitchFamily="18" charset="0"/>
-            </a:endParaRPr>
-          </a:p>
-          <a:p>
-            <a:pPr marL="0" indent="0">
-              <a:lnSpc>
-                <a:spcPct val="150000"/>
-              </a:lnSpc>
-              <a:buNone/>
-            </a:pPr>
-            <a:r>
-              <a:rPr lang="hy-AM" dirty="0">
-                <a:latin typeface="Sylfaen" panose="010A0502050306030303" pitchFamily="18" charset="0"/>
-              </a:rPr>
-              <a:t>Content-</a:t>
-            </a:r>
-            <a:r>
-              <a:rPr lang="en-US" dirty="0">
-                <a:latin typeface="Sylfaen" panose="010A0502050306030303" pitchFamily="18" charset="0"/>
-              </a:rPr>
-              <a:t>Location: </a:t>
-            </a:r>
-            <a:r>
-              <a:rPr lang="en-US" dirty="0" err="1">
-                <a:latin typeface="Sylfaen" panose="010A0502050306030303" pitchFamily="18" charset="0"/>
-              </a:rPr>
-              <a:t>absoluteURI</a:t>
-            </a:r>
-            <a:r>
-              <a:rPr lang="en-US" dirty="0">
-                <a:latin typeface="Sylfaen" panose="010A0502050306030303" pitchFamily="18" charset="0"/>
-              </a:rPr>
-              <a:t> | </a:t>
-            </a:r>
-            <a:r>
-              <a:rPr lang="en-US" dirty="0" err="1">
-                <a:latin typeface="Sylfaen" panose="010A0502050306030303" pitchFamily="18" charset="0"/>
-              </a:rPr>
-              <a:t>relativeURI</a:t>
-            </a:r>
-            <a:endParaRPr lang="en-US" dirty="0">
               <a:latin typeface="Sylfaen" panose="010A0502050306030303" pitchFamily="18" charset="0"/>
             </a:endParaRPr>
           </a:p>
@@ -11041,7 +11000,7 @@
         </p:nvSpPr>
         <p:spPr>
           <a:xfrm>
-            <a:off x="838200" y="1517149"/>
+            <a:off x="838200" y="1720349"/>
             <a:ext cx="10515600" cy="4748739"/>
           </a:xfrm>
         </p:spPr>
@@ -11092,27 +11051,7 @@
               </a:rPr>
               <a:t>DNS Spoofing</a:t>
             </a:r>
-          </a:p>
-          <a:p>
-            <a:pPr marL="0" indent="0">
-              <a:lnSpc>
-                <a:spcPct val="150000"/>
-              </a:lnSpc>
-              <a:buNone/>
-            </a:pPr>
-            <a:r>
-              <a:rPr lang="en-US" dirty="0">
-                <a:solidFill>
-                  <a:srgbClr val="FF0000"/>
-                </a:solidFill>
-                <a:latin typeface="Sylfaen" panose="010A0502050306030303" pitchFamily="18" charset="0"/>
-              </a:rPr>
-              <a:t>Location Headers and Spoofing</a:t>
-            </a:r>
             <a:endParaRPr lang="hy-AM" dirty="0">
-              <a:solidFill>
-                <a:srgbClr val="FF0000"/>
-              </a:solidFill>
               <a:latin typeface="Sylfaen" panose="010A0502050306030303" pitchFamily="18" charset="0"/>
             </a:endParaRPr>
           </a:p>

--- a/Http/Http_presentation.pptx
+++ b/Http/Http_presentation.pptx
@@ -11,30 +11,28 @@
     <p:sldId id="262" r:id="rId5"/>
     <p:sldId id="259" r:id="rId6"/>
     <p:sldId id="263" r:id="rId7"/>
-    <p:sldId id="289" r:id="rId8"/>
-    <p:sldId id="258" r:id="rId9"/>
-    <p:sldId id="260" r:id="rId10"/>
-    <p:sldId id="261" r:id="rId11"/>
-    <p:sldId id="265" r:id="rId12"/>
-    <p:sldId id="266" r:id="rId13"/>
-    <p:sldId id="264" r:id="rId14"/>
-    <p:sldId id="267" r:id="rId15"/>
-    <p:sldId id="285" r:id="rId16"/>
-    <p:sldId id="268" r:id="rId17"/>
-    <p:sldId id="270" r:id="rId18"/>
-    <p:sldId id="278" r:id="rId19"/>
-    <p:sldId id="271" r:id="rId20"/>
-    <p:sldId id="272" r:id="rId21"/>
-    <p:sldId id="273" r:id="rId22"/>
-    <p:sldId id="274" r:id="rId23"/>
-    <p:sldId id="281" r:id="rId24"/>
-    <p:sldId id="280" r:id="rId25"/>
-    <p:sldId id="282" r:id="rId26"/>
-    <p:sldId id="283" r:id="rId27"/>
-    <p:sldId id="291" r:id="rId28"/>
-    <p:sldId id="286" r:id="rId29"/>
-    <p:sldId id="287" r:id="rId30"/>
-    <p:sldId id="290" r:id="rId31"/>
+    <p:sldId id="258" r:id="rId8"/>
+    <p:sldId id="260" r:id="rId9"/>
+    <p:sldId id="261" r:id="rId10"/>
+    <p:sldId id="265" r:id="rId11"/>
+    <p:sldId id="266" r:id="rId12"/>
+    <p:sldId id="264" r:id="rId13"/>
+    <p:sldId id="267" r:id="rId14"/>
+    <p:sldId id="285" r:id="rId15"/>
+    <p:sldId id="268" r:id="rId16"/>
+    <p:sldId id="270" r:id="rId17"/>
+    <p:sldId id="278" r:id="rId18"/>
+    <p:sldId id="271" r:id="rId19"/>
+    <p:sldId id="272" r:id="rId20"/>
+    <p:sldId id="273" r:id="rId21"/>
+    <p:sldId id="274" r:id="rId22"/>
+    <p:sldId id="281" r:id="rId23"/>
+    <p:sldId id="280" r:id="rId24"/>
+    <p:sldId id="282" r:id="rId25"/>
+    <p:sldId id="283" r:id="rId26"/>
+    <p:sldId id="291" r:id="rId27"/>
+    <p:sldId id="286" r:id="rId28"/>
+    <p:sldId id="290" r:id="rId29"/>
   </p:sldIdLst>
   <p:sldSz cx="12192000" cy="6858000"/>
   <p:notesSz cx="6858000" cy="9144000"/>
@@ -288,7 +286,7 @@
           <a:p>
             <a:fld id="{E36C89DF-7188-4BC0-ADF4-07E309878DC2}" type="datetimeFigureOut">
               <a:rPr lang="ru-RU" smtClean="0"/>
-              <a:t>07.11.2022</a:t>
+              <a:t>17.11.2022</a:t>
             </a:fld>
             <a:endParaRPr lang="ru-RU"/>
           </a:p>
@@ -486,7 +484,7 @@
           <a:p>
             <a:fld id="{E36C89DF-7188-4BC0-ADF4-07E309878DC2}" type="datetimeFigureOut">
               <a:rPr lang="ru-RU" smtClean="0"/>
-              <a:t>07.11.2022</a:t>
+              <a:t>17.11.2022</a:t>
             </a:fld>
             <a:endParaRPr lang="ru-RU"/>
           </a:p>
@@ -694,7 +692,7 @@
           <a:p>
             <a:fld id="{E36C89DF-7188-4BC0-ADF4-07E309878DC2}" type="datetimeFigureOut">
               <a:rPr lang="ru-RU" smtClean="0"/>
-              <a:t>07.11.2022</a:t>
+              <a:t>17.11.2022</a:t>
             </a:fld>
             <a:endParaRPr lang="ru-RU"/>
           </a:p>
@@ -892,7 +890,7 @@
           <a:p>
             <a:fld id="{E36C89DF-7188-4BC0-ADF4-07E309878DC2}" type="datetimeFigureOut">
               <a:rPr lang="ru-RU" smtClean="0"/>
-              <a:t>07.11.2022</a:t>
+              <a:t>17.11.2022</a:t>
             </a:fld>
             <a:endParaRPr lang="ru-RU"/>
           </a:p>
@@ -1167,7 +1165,7 @@
           <a:p>
             <a:fld id="{E36C89DF-7188-4BC0-ADF4-07E309878DC2}" type="datetimeFigureOut">
               <a:rPr lang="ru-RU" smtClean="0"/>
-              <a:t>07.11.2022</a:t>
+              <a:t>17.11.2022</a:t>
             </a:fld>
             <a:endParaRPr lang="ru-RU"/>
           </a:p>
@@ -1432,7 +1430,7 @@
           <a:p>
             <a:fld id="{E36C89DF-7188-4BC0-ADF4-07E309878DC2}" type="datetimeFigureOut">
               <a:rPr lang="ru-RU" smtClean="0"/>
-              <a:t>07.11.2022</a:t>
+              <a:t>17.11.2022</a:t>
             </a:fld>
             <a:endParaRPr lang="ru-RU"/>
           </a:p>
@@ -1844,7 +1842,7 @@
           <a:p>
             <a:fld id="{E36C89DF-7188-4BC0-ADF4-07E309878DC2}" type="datetimeFigureOut">
               <a:rPr lang="ru-RU" smtClean="0"/>
-              <a:t>07.11.2022</a:t>
+              <a:t>17.11.2022</a:t>
             </a:fld>
             <a:endParaRPr lang="ru-RU"/>
           </a:p>
@@ -1985,7 +1983,7 @@
           <a:p>
             <a:fld id="{E36C89DF-7188-4BC0-ADF4-07E309878DC2}" type="datetimeFigureOut">
               <a:rPr lang="ru-RU" smtClean="0"/>
-              <a:t>07.11.2022</a:t>
+              <a:t>17.11.2022</a:t>
             </a:fld>
             <a:endParaRPr lang="ru-RU"/>
           </a:p>
@@ -2098,7 +2096,7 @@
           <a:p>
             <a:fld id="{E36C89DF-7188-4BC0-ADF4-07E309878DC2}" type="datetimeFigureOut">
               <a:rPr lang="ru-RU" smtClean="0"/>
-              <a:t>07.11.2022</a:t>
+              <a:t>17.11.2022</a:t>
             </a:fld>
             <a:endParaRPr lang="ru-RU"/>
           </a:p>
@@ -2409,7 +2407,7 @@
           <a:p>
             <a:fld id="{E36C89DF-7188-4BC0-ADF4-07E309878DC2}" type="datetimeFigureOut">
               <a:rPr lang="ru-RU" smtClean="0"/>
-              <a:t>07.11.2022</a:t>
+              <a:t>17.11.2022</a:t>
             </a:fld>
             <a:endParaRPr lang="ru-RU"/>
           </a:p>
@@ -2697,7 +2695,7 @@
           <a:p>
             <a:fld id="{E36C89DF-7188-4BC0-ADF4-07E309878DC2}" type="datetimeFigureOut">
               <a:rPr lang="ru-RU" smtClean="0"/>
-              <a:t>07.11.2022</a:t>
+              <a:t>17.11.2022</a:t>
             </a:fld>
             <a:endParaRPr lang="ru-RU"/>
           </a:p>
@@ -2938,7 +2936,7 @@
           <a:p>
             <a:fld id="{E36C89DF-7188-4BC0-ADF4-07E309878DC2}" type="datetimeFigureOut">
               <a:rPr lang="ru-RU" smtClean="0"/>
-              <a:t>07.11.2022</a:t>
+              <a:t>17.11.2022</a:t>
             </a:fld>
             <a:endParaRPr lang="ru-RU"/>
           </a:p>
@@ -3425,206 +3423,6 @@
           <p:cNvPr id="2" name="Title 1">
             <a:extLst>
               <a:ext uri="{FF2B5EF4-FFF2-40B4-BE49-F238E27FC236}">
-                <a16:creationId xmlns:a16="http://schemas.microsoft.com/office/drawing/2014/main" id="{1B9132D2-6162-4994-9BFE-28098F935758}"/>
-              </a:ext>
-            </a:extLst>
-          </p:cNvPr>
-          <p:cNvSpPr>
-            <a:spLocks noGrp="1"/>
-          </p:cNvSpPr>
-          <p:nvPr>
-            <p:ph type="title"/>
-          </p:nvPr>
-        </p:nvSpPr>
-        <p:spPr>
-          <a:xfrm>
-            <a:off x="838200" y="0"/>
-            <a:ext cx="10515600" cy="1325563"/>
-          </a:xfrm>
-        </p:spPr>
-        <p:txBody>
-          <a:bodyPr/>
-          <a:lstStyle/>
-          <a:p>
-            <a:pPr algn="ctr"/>
-            <a:r>
-              <a:rPr lang="en-US">
-                <a:latin typeface="Sylfaen" panose="010A0502050306030303" pitchFamily="18" charset="0"/>
-              </a:rPr>
-              <a:t>Requests</a:t>
-            </a:r>
-          </a:p>
-        </p:txBody>
-      </p:sp>
-      <p:sp>
-        <p:nvSpPr>
-          <p:cNvPr id="3" name="Content Placeholder 2">
-            <a:extLst>
-              <a:ext uri="{FF2B5EF4-FFF2-40B4-BE49-F238E27FC236}">
-                <a16:creationId xmlns:a16="http://schemas.microsoft.com/office/drawing/2014/main" id="{3FC581B7-171A-49A7-8DC9-82B7E6D6D647}"/>
-              </a:ext>
-            </a:extLst>
-          </p:cNvPr>
-          <p:cNvSpPr>
-            <a:spLocks noGrp="1"/>
-          </p:cNvSpPr>
-          <p:nvPr>
-            <p:ph idx="1"/>
-          </p:nvPr>
-        </p:nvSpPr>
-        <p:spPr>
-          <a:xfrm>
-            <a:off x="838200" y="1708517"/>
-            <a:ext cx="10515600" cy="4407469"/>
-          </a:xfrm>
-        </p:spPr>
-        <p:txBody>
-          <a:bodyPr>
-            <a:normAutofit/>
-          </a:bodyPr>
-          <a:lstStyle/>
-          <a:p>
-            <a:pPr marL="0" indent="0">
-              <a:lnSpc>
-                <a:spcPct val="200000"/>
-              </a:lnSpc>
-              <a:buNone/>
-            </a:pPr>
-            <a:r>
-              <a:rPr lang="en-US">
-                <a:latin typeface="Sylfaen" panose="010A0502050306030303" pitchFamily="18" charset="0"/>
-              </a:rPr>
-              <a:t>Request-Line = Method  Request-URI  HTTP-Version</a:t>
-            </a:r>
-          </a:p>
-          <a:p>
-            <a:pPr marL="0" indent="0">
-              <a:lnSpc>
-                <a:spcPct val="200000"/>
-              </a:lnSpc>
-              <a:buNone/>
-            </a:pPr>
-            <a:r>
-              <a:rPr lang="en-US">
-                <a:latin typeface="Sylfaen" panose="010A0502050306030303" pitchFamily="18" charset="0"/>
-              </a:rPr>
-              <a:t>Method = GET / POST / PUT …</a:t>
-            </a:r>
-          </a:p>
-          <a:p>
-            <a:pPr marL="0" indent="0">
-              <a:lnSpc>
-                <a:spcPct val="200000"/>
-              </a:lnSpc>
-              <a:buNone/>
-            </a:pPr>
-            <a:r>
-              <a:rPr lang="en-US">
-                <a:latin typeface="Sylfaen" panose="010A0502050306030303" pitchFamily="18" charset="0"/>
-              </a:rPr>
-              <a:t>Request-URI = absoluteURI | abs_path</a:t>
-            </a:r>
-          </a:p>
-          <a:p>
-            <a:pPr marL="0" indent="0">
-              <a:lnSpc>
-                <a:spcPct val="200000"/>
-              </a:lnSpc>
-              <a:buNone/>
-            </a:pPr>
-            <a:r>
-              <a:rPr lang="en-US">
-                <a:latin typeface="Sylfaen" panose="010A0502050306030303" pitchFamily="18" charset="0"/>
-              </a:rPr>
-              <a:t>HTTP-Version = HTTP/1.1</a:t>
-            </a:r>
-          </a:p>
-          <a:p>
-            <a:pPr marL="0" indent="0">
-              <a:lnSpc>
-                <a:spcPct val="200000"/>
-              </a:lnSpc>
-              <a:buNone/>
-            </a:pPr>
-            <a:endParaRPr lang="en-US">
-              <a:latin typeface="Sylfaen" panose="010A0502050306030303" pitchFamily="18" charset="0"/>
-            </a:endParaRPr>
-          </a:p>
-        </p:txBody>
-      </p:sp>
-      <p:cxnSp>
-        <p:nvCxnSpPr>
-          <p:cNvPr id="4" name="Straight Connector 3">
-            <a:extLst>
-              <a:ext uri="{FF2B5EF4-FFF2-40B4-BE49-F238E27FC236}">
-                <a16:creationId xmlns:a16="http://schemas.microsoft.com/office/drawing/2014/main" id="{66D0192C-CAA7-4B0F-94E9-15AF2FA04661}"/>
-              </a:ext>
-            </a:extLst>
-          </p:cNvPr>
-          <p:cNvCxnSpPr>
-            <a:cxnSpLocks/>
-          </p:cNvCxnSpPr>
-          <p:nvPr/>
-        </p:nvCxnSpPr>
-        <p:spPr>
-          <a:xfrm>
-            <a:off x="569235" y="1218884"/>
-            <a:ext cx="11053530" cy="0"/>
-          </a:xfrm>
-          <a:prstGeom prst="line">
-            <a:avLst/>
-          </a:prstGeom>
-        </p:spPr>
-        <p:style>
-          <a:lnRef idx="3">
-            <a:schemeClr val="accent1"/>
-          </a:lnRef>
-          <a:fillRef idx="0">
-            <a:schemeClr val="accent1"/>
-          </a:fillRef>
-          <a:effectRef idx="2">
-            <a:schemeClr val="accent1"/>
-          </a:effectRef>
-          <a:fontRef idx="minor">
-            <a:schemeClr val="tx1"/>
-          </a:fontRef>
-        </p:style>
-      </p:cxnSp>
-    </p:spTree>
-    <p:extLst>
-      <p:ext uri="{BB962C8B-B14F-4D97-AF65-F5344CB8AC3E}">
-        <p14:creationId xmlns:p14="http://schemas.microsoft.com/office/powerpoint/2010/main" val="884161893"/>
-      </p:ext>
-    </p:extLst>
-  </p:cSld>
-  <p:clrMapOvr>
-    <a:masterClrMapping/>
-  </p:clrMapOvr>
-</p:sld>
-</file>
-
-<file path=ppt/slides/slide11.xml><?xml version="1.0" encoding="utf-8"?>
-<p:sld xmlns:a="http://schemas.openxmlformats.org/drawingml/2006/main" xmlns:r="http://schemas.openxmlformats.org/officeDocument/2006/relationships" xmlns:p="http://schemas.openxmlformats.org/presentationml/2006/main">
-  <p:cSld>
-    <p:spTree>
-      <p:nvGrpSpPr>
-        <p:cNvPr id="1" name=""/>
-        <p:cNvGrpSpPr/>
-        <p:nvPr/>
-      </p:nvGrpSpPr>
-      <p:grpSpPr>
-        <a:xfrm>
-          <a:off x="0" y="0"/>
-          <a:ext cx="0" cy="0"/>
-          <a:chOff x="0" y="0"/>
-          <a:chExt cx="0" cy="0"/>
-        </a:xfrm>
-      </p:grpSpPr>
-      <p:sp>
-        <p:nvSpPr>
-          <p:cNvPr id="2" name="Title 1">
-            <a:extLst>
-              <a:ext uri="{FF2B5EF4-FFF2-40B4-BE49-F238E27FC236}">
                 <a16:creationId xmlns:a16="http://schemas.microsoft.com/office/drawing/2014/main" id="{2D7E231A-3DEE-4402-BBB3-864F7E4E45C9}"/>
               </a:ext>
             </a:extLst>
@@ -3858,7 +3656,7 @@
 </p:sld>
 </file>
 
-<file path=ppt/slides/slide12.xml><?xml version="1.0" encoding="utf-8"?>
+<file path=ppt/slides/slide11.xml><?xml version="1.0" encoding="utf-8"?>
 <p:sld xmlns:a="http://schemas.openxmlformats.org/drawingml/2006/main" xmlns:r="http://schemas.openxmlformats.org/officeDocument/2006/relationships" xmlns:p="http://schemas.openxmlformats.org/presentationml/2006/main">
   <p:cSld>
     <p:spTree>
@@ -5203,7 +5001,7 @@
 </p:sld>
 </file>
 
-<file path=ppt/slides/slide13.xml><?xml version="1.0" encoding="utf-8"?>
+<file path=ppt/slides/slide12.xml><?xml version="1.0" encoding="utf-8"?>
 <p:sld xmlns:a="http://schemas.openxmlformats.org/drawingml/2006/main" xmlns:r="http://schemas.openxmlformats.org/officeDocument/2006/relationships" xmlns:p="http://schemas.openxmlformats.org/presentationml/2006/main">
   <p:cSld>
     <p:spTree>
@@ -5479,7 +5277,7 @@
 </p:sld>
 </file>
 
-<file path=ppt/slides/slide14.xml><?xml version="1.0" encoding="utf-8"?>
+<file path=ppt/slides/slide13.xml><?xml version="1.0" encoding="utf-8"?>
 <p:sld xmlns:a="http://schemas.openxmlformats.org/drawingml/2006/main" xmlns:r="http://schemas.openxmlformats.org/officeDocument/2006/relationships" xmlns:p="http://schemas.openxmlformats.org/presentationml/2006/main">
   <p:cSld>
     <p:spTree>
@@ -5580,12 +5378,12 @@
               <a:buNone/>
             </a:pPr>
             <a:r>
-              <a:rPr lang="en-US" sz="3000">
+              <a:rPr lang="en-US" sz="3000" dirty="0">
                 <a:latin typeface="Sylfaen" panose="010A0502050306030303" pitchFamily="18" charset="0"/>
               </a:rPr>
               <a:t>1 - - : Informational</a:t>
             </a:r>
-            <a:endParaRPr lang="hy-AM" sz="3000">
+            <a:endParaRPr lang="hy-AM" sz="3000" dirty="0">
               <a:latin typeface="Sylfaen" panose="010A0502050306030303" pitchFamily="18" charset="0"/>
             </a:endParaRPr>
           </a:p>
@@ -5597,13 +5395,13 @@
               <a:buNone/>
             </a:pPr>
             <a:r>
-              <a:rPr lang="hy-AM" sz="3000">
+              <a:rPr lang="hy-AM" sz="3000" dirty="0">
                 <a:latin typeface="Sylfaen" panose="010A0502050306030303" pitchFamily="18" charset="0"/>
               </a:rPr>
               <a:t>2</a:t>
             </a:r>
             <a:r>
-              <a:rPr lang="en-US" sz="3000">
+              <a:rPr lang="en-US" sz="3000" dirty="0">
                 <a:latin typeface="Sylfaen" panose="010A0502050306030303" pitchFamily="18" charset="0"/>
               </a:rPr>
               <a:t> - - : Success</a:t>
@@ -5617,13 +5415,13 @@
               <a:buNone/>
             </a:pPr>
             <a:r>
-              <a:rPr lang="hy-AM" sz="3000">
+              <a:rPr lang="hy-AM" sz="3000" dirty="0">
                 <a:latin typeface="Sylfaen" panose="010A0502050306030303" pitchFamily="18" charset="0"/>
               </a:rPr>
               <a:t>3</a:t>
             </a:r>
             <a:r>
-              <a:rPr lang="en-US" sz="3000">
+              <a:rPr lang="en-US" sz="3000" dirty="0">
                 <a:latin typeface="Sylfaen" panose="010A0502050306030303" pitchFamily="18" charset="0"/>
               </a:rPr>
               <a:t> - - : Redirection</a:t>
@@ -5637,13 +5435,13 @@
               <a:buNone/>
             </a:pPr>
             <a:r>
-              <a:rPr lang="hy-AM" sz="3000">
+              <a:rPr lang="hy-AM" sz="3000" dirty="0">
                 <a:latin typeface="Sylfaen" panose="010A0502050306030303" pitchFamily="18" charset="0"/>
               </a:rPr>
               <a:t>4</a:t>
             </a:r>
             <a:r>
-              <a:rPr lang="en-US" sz="3000">
+              <a:rPr lang="en-US" sz="3000" dirty="0">
                 <a:latin typeface="Sylfaen" panose="010A0502050306030303" pitchFamily="18" charset="0"/>
               </a:rPr>
               <a:t> - - : Client Error</a:t>
@@ -5657,13 +5455,13 @@
               <a:buNone/>
             </a:pPr>
             <a:r>
-              <a:rPr lang="hy-AM" sz="3000">
+              <a:rPr lang="hy-AM" sz="3000" dirty="0">
                 <a:latin typeface="Sylfaen" panose="010A0502050306030303" pitchFamily="18" charset="0"/>
               </a:rPr>
               <a:t>5</a:t>
             </a:r>
             <a:r>
-              <a:rPr lang="en-US" sz="3000">
+              <a:rPr lang="en-US" sz="3000" dirty="0">
                 <a:latin typeface="Sylfaen" panose="010A0502050306030303" pitchFamily="18" charset="0"/>
               </a:rPr>
               <a:t> - - : Server Error</a:t>
@@ -5909,10 +5707,10 @@
               <a:buNone/>
             </a:pPr>
             <a:r>
-              <a:rPr lang="hy-AM" sz="3000">
-                <a:latin typeface="Sylfaen" panose="010A0502050306030303" pitchFamily="18" charset="0"/>
-              </a:rPr>
-              <a:t>100 – 101</a:t>
+              <a:rPr lang="hy-AM" sz="3000" dirty="0">
+                <a:latin typeface="Sylfaen" panose="010A0502050306030303" pitchFamily="18" charset="0"/>
+              </a:rPr>
+              <a:t>100 – 199</a:t>
             </a:r>
           </a:p>
           <a:p>
@@ -5924,10 +5722,10 @@
               <a:buNone/>
             </a:pPr>
             <a:r>
-              <a:rPr lang="hy-AM" sz="3000">
-                <a:latin typeface="Sylfaen" panose="010A0502050306030303" pitchFamily="18" charset="0"/>
-              </a:rPr>
-              <a:t>200 – 206</a:t>
+              <a:rPr lang="hy-AM" sz="3000" dirty="0">
+                <a:latin typeface="Sylfaen" panose="010A0502050306030303" pitchFamily="18" charset="0"/>
+              </a:rPr>
+              <a:t>200 – 299</a:t>
             </a:r>
           </a:p>
           <a:p>
@@ -5939,10 +5737,10 @@
               <a:buNone/>
             </a:pPr>
             <a:r>
-              <a:rPr lang="hy-AM" sz="3000">
-                <a:latin typeface="Sylfaen" panose="010A0502050306030303" pitchFamily="18" charset="0"/>
-              </a:rPr>
-              <a:t>300 – 307</a:t>
+              <a:rPr lang="hy-AM" sz="3000" dirty="0">
+                <a:latin typeface="Sylfaen" panose="010A0502050306030303" pitchFamily="18" charset="0"/>
+              </a:rPr>
+              <a:t>300 – 399</a:t>
             </a:r>
           </a:p>
           <a:p>
@@ -5954,10 +5752,10 @@
               <a:buNone/>
             </a:pPr>
             <a:r>
-              <a:rPr lang="hy-AM" sz="3000">
-                <a:latin typeface="Sylfaen" panose="010A0502050306030303" pitchFamily="18" charset="0"/>
-              </a:rPr>
-              <a:t>400 – 417</a:t>
+              <a:rPr lang="hy-AM" sz="3000" dirty="0">
+                <a:latin typeface="Sylfaen" panose="010A0502050306030303" pitchFamily="18" charset="0"/>
+              </a:rPr>
+              <a:t>400 – 499</a:t>
             </a:r>
           </a:p>
           <a:p>
@@ -5969,12 +5767,12 @@
               <a:buNone/>
             </a:pPr>
             <a:r>
-              <a:rPr lang="hy-AM" sz="3000">
-                <a:latin typeface="Sylfaen" panose="010A0502050306030303" pitchFamily="18" charset="0"/>
-              </a:rPr>
-              <a:t>500 - 505</a:t>
-            </a:r>
-            <a:endParaRPr lang="en-US" sz="3000">
+              <a:rPr lang="hy-AM" sz="3000" dirty="0">
+                <a:latin typeface="Sylfaen" panose="010A0502050306030303" pitchFamily="18" charset="0"/>
+              </a:rPr>
+              <a:t>500 - 599</a:t>
+            </a:r>
+            <a:endParaRPr lang="en-US" sz="3000" dirty="0">
               <a:latin typeface="Sylfaen" panose="010A0502050306030303" pitchFamily="18" charset="0"/>
             </a:endParaRPr>
           </a:p>
@@ -5993,7 +5791,7 @@
 </p:sld>
 </file>
 
-<file path=ppt/slides/slide15.xml><?xml version="1.0" encoding="utf-8"?>
+<file path=ppt/slides/slide14.xml><?xml version="1.0" encoding="utf-8"?>
 <p:sld xmlns:a="http://schemas.openxmlformats.org/drawingml/2006/main" xmlns:r="http://schemas.openxmlformats.org/officeDocument/2006/relationships" xmlns:p="http://schemas.openxmlformats.org/presentationml/2006/main">
   <p:cSld>
     <p:spTree>
@@ -6125,8 +5923,23 @@
               <a:rPr lang="en-US" sz="3000" dirty="0">
                 <a:latin typeface="Sylfaen" panose="010A0502050306030303" pitchFamily="18" charset="0"/>
               </a:rPr>
-              <a:t>307 Temporary Redirect</a:t>
-            </a:r>
+              <a:t>30</a:t>
+            </a:r>
+            <a:r>
+              <a:rPr lang="hy-AM" sz="3000" dirty="0">
+                <a:latin typeface="Sylfaen" panose="010A0502050306030303" pitchFamily="18" charset="0"/>
+              </a:rPr>
+              <a:t>2</a:t>
+            </a:r>
+            <a:r>
+              <a:rPr lang="en-US" sz="3000">
+                <a:latin typeface="Sylfaen" panose="010A0502050306030303" pitchFamily="18" charset="0"/>
+              </a:rPr>
+              <a:t> Found</a:t>
+            </a:r>
+            <a:endParaRPr lang="en-US" sz="3000" dirty="0">
+              <a:latin typeface="Sylfaen" panose="010A0502050306030303" pitchFamily="18" charset="0"/>
+            </a:endParaRPr>
           </a:p>
           <a:p>
             <a:pPr marL="0" indent="0">
@@ -6500,7 +6313,7 @@
 </p:sld>
 </file>
 
-<file path=ppt/slides/slide16.xml><?xml version="1.0" encoding="utf-8"?>
+<file path=ppt/slides/slide15.xml><?xml version="1.0" encoding="utf-8"?>
 <p:sld xmlns:a="http://schemas.openxmlformats.org/drawingml/2006/main" xmlns:r="http://schemas.openxmlformats.org/officeDocument/2006/relationships" xmlns:p="http://schemas.openxmlformats.org/presentationml/2006/main">
   <p:cSld>
     <p:spTree>
@@ -6700,7 +6513,7 @@
 </p:sld>
 </file>
 
-<file path=ppt/slides/slide17.xml><?xml version="1.0" encoding="utf-8"?>
+<file path=ppt/slides/slide16.xml><?xml version="1.0" encoding="utf-8"?>
 <p:sld xmlns:a="http://schemas.openxmlformats.org/drawingml/2006/main" xmlns:r="http://schemas.openxmlformats.org/officeDocument/2006/relationships" xmlns:p="http://schemas.openxmlformats.org/presentationml/2006/main">
   <p:cSld>
     <p:spTree>
@@ -6950,7 +6763,7 @@
 </p:sld>
 </file>
 
-<file path=ppt/slides/slide18.xml><?xml version="1.0" encoding="utf-8"?>
+<file path=ppt/slides/slide17.xml><?xml version="1.0" encoding="utf-8"?>
 <p:sld xmlns:a="http://schemas.openxmlformats.org/drawingml/2006/main" xmlns:r="http://schemas.openxmlformats.org/officeDocument/2006/relationships" xmlns:p="http://schemas.openxmlformats.org/presentationml/2006/main">
   <p:cSld>
     <p:spTree>
@@ -7139,7 +6952,7 @@
 </p:sld>
 </file>
 
-<file path=ppt/slides/slide19.xml><?xml version="1.0" encoding="utf-8"?>
+<file path=ppt/slides/slide18.xml><?xml version="1.0" encoding="utf-8"?>
 <p:sld xmlns:a="http://schemas.openxmlformats.org/drawingml/2006/main" xmlns:r="http://schemas.openxmlformats.org/officeDocument/2006/relationships" xmlns:p="http://schemas.openxmlformats.org/presentationml/2006/main">
   <p:cSld>
     <p:spTree>
@@ -7373,355 +7186,7 @@
 </p:sld>
 </file>
 
-<file path=ppt/slides/slide2.xml><?xml version="1.0" encoding="utf-8"?>
-<p:sld xmlns:a="http://schemas.openxmlformats.org/drawingml/2006/main" xmlns:r="http://schemas.openxmlformats.org/officeDocument/2006/relationships" xmlns:p="http://schemas.openxmlformats.org/presentationml/2006/main">
-  <p:cSld>
-    <p:spTree>
-      <p:nvGrpSpPr>
-        <p:cNvPr id="1" name=""/>
-        <p:cNvGrpSpPr/>
-        <p:nvPr/>
-      </p:nvGrpSpPr>
-      <p:grpSpPr>
-        <a:xfrm>
-          <a:off x="0" y="0"/>
-          <a:ext cx="0" cy="0"/>
-          <a:chOff x="0" y="0"/>
-          <a:chExt cx="0" cy="0"/>
-        </a:xfrm>
-      </p:grpSpPr>
-      <p:sp>
-        <p:nvSpPr>
-          <p:cNvPr id="2" name="Title 1">
-            <a:extLst>
-              <a:ext uri="{FF2B5EF4-FFF2-40B4-BE49-F238E27FC236}">
-                <a16:creationId xmlns:a16="http://schemas.microsoft.com/office/drawing/2014/main" id="{3AB7C46E-6CD9-4F2B-8889-0FB5AC305B04}"/>
-              </a:ext>
-            </a:extLst>
-          </p:cNvPr>
-          <p:cNvSpPr>
-            <a:spLocks noGrp="1"/>
-          </p:cNvSpPr>
-          <p:nvPr>
-            <p:ph type="title"/>
-          </p:nvPr>
-        </p:nvSpPr>
-        <p:spPr/>
-        <p:txBody>
-          <a:bodyPr>
-            <a:normAutofit/>
-          </a:bodyPr>
-          <a:lstStyle/>
-          <a:p>
-            <a:pPr algn="ctr"/>
-            <a:r>
-              <a:rPr lang="en-US" altLang="en-US">
-                <a:latin typeface="Sylfaen" panose="010A0502050306030303" pitchFamily="18" charset="0"/>
-              </a:rPr>
-              <a:t>Interaction between client and server using HTTP</a:t>
-            </a:r>
-            <a:endParaRPr lang="en-US"/>
-          </a:p>
-        </p:txBody>
-      </p:sp>
-      <p:pic>
-        <p:nvPicPr>
-          <p:cNvPr id="5" name="Content Placeholder 4">
-            <a:extLst>
-              <a:ext uri="{FF2B5EF4-FFF2-40B4-BE49-F238E27FC236}">
-                <a16:creationId xmlns:a16="http://schemas.microsoft.com/office/drawing/2014/main" id="{85E328A6-E252-4956-A6BC-C76B4FA7E03E}"/>
-              </a:ext>
-            </a:extLst>
-          </p:cNvPr>
-          <p:cNvPicPr>
-            <a:picLocks noGrp="1" noChangeAspect="1"/>
-          </p:cNvPicPr>
-          <p:nvPr>
-            <p:ph idx="1"/>
-          </p:nvPr>
-        </p:nvPicPr>
-        <p:blipFill>
-          <a:blip r:embed="rId2">
-            <a:extLst>
-              <a:ext uri="{28A0092B-C50C-407E-A947-70E740481C1C}">
-                <a14:useLocalDpi xmlns:a14="http://schemas.microsoft.com/office/drawing/2010/main" val="0"/>
-              </a:ext>
-            </a:extLst>
-          </a:blip>
-          <a:stretch>
-            <a:fillRect/>
-          </a:stretch>
-        </p:blipFill>
-        <p:spPr>
-          <a:xfrm>
-            <a:off x="1080845" y="3429000"/>
-            <a:ext cx="10030308" cy="2665485"/>
-          </a:xfrm>
-        </p:spPr>
-      </p:pic>
-      <p:cxnSp>
-        <p:nvCxnSpPr>
-          <p:cNvPr id="4" name="Straight Connector 3">
-            <a:extLst>
-              <a:ext uri="{FF2B5EF4-FFF2-40B4-BE49-F238E27FC236}">
-                <a16:creationId xmlns:a16="http://schemas.microsoft.com/office/drawing/2014/main" id="{C1CC82A6-2DB7-45C9-8AD1-2F2E65F5C835}"/>
-              </a:ext>
-            </a:extLst>
-          </p:cNvPr>
-          <p:cNvCxnSpPr>
-            <a:cxnSpLocks/>
-          </p:cNvCxnSpPr>
-          <p:nvPr/>
-        </p:nvCxnSpPr>
-        <p:spPr>
-          <a:xfrm>
-            <a:off x="569235" y="1745456"/>
-            <a:ext cx="11053530" cy="0"/>
-          </a:xfrm>
-          <a:prstGeom prst="line">
-            <a:avLst/>
-          </a:prstGeom>
-        </p:spPr>
-        <p:style>
-          <a:lnRef idx="3">
-            <a:schemeClr val="accent1"/>
-          </a:lnRef>
-          <a:fillRef idx="0">
-            <a:schemeClr val="accent1"/>
-          </a:fillRef>
-          <a:effectRef idx="2">
-            <a:schemeClr val="accent1"/>
-          </a:effectRef>
-          <a:fontRef idx="minor">
-            <a:schemeClr val="tx1"/>
-          </a:fontRef>
-        </p:style>
-      </p:cxnSp>
-      <p:sp>
-        <p:nvSpPr>
-          <p:cNvPr id="6" name="Объект 2">
-            <a:extLst>
-              <a:ext uri="{FF2B5EF4-FFF2-40B4-BE49-F238E27FC236}">
-                <a16:creationId xmlns:a16="http://schemas.microsoft.com/office/drawing/2014/main" id="{C564235D-0072-4AA4-91C1-6F27C825C0A5}"/>
-              </a:ext>
-            </a:extLst>
-          </p:cNvPr>
-          <p:cNvSpPr txBox="1">
-            <a:spLocks/>
-          </p:cNvSpPr>
-          <p:nvPr/>
-        </p:nvSpPr>
-        <p:spPr>
-          <a:xfrm>
-            <a:off x="3485702" y="1932122"/>
-            <a:ext cx="5220593" cy="1200675"/>
-          </a:xfrm>
-          <a:prstGeom prst="rect">
-            <a:avLst/>
-          </a:prstGeom>
-        </p:spPr>
-        <p:txBody>
-          <a:bodyPr vert="horz" lIns="91440" tIns="45720" rIns="91440" bIns="45720" rtlCol="0">
-            <a:normAutofit/>
-          </a:bodyPr>
-          <a:lstStyle>
-            <a:lvl1pPr marL="228600" indent="-228600" algn="l" defTabSz="914400" rtl="0" eaLnBrk="1" latinLnBrk="0" hangingPunct="1">
-              <a:lnSpc>
-                <a:spcPct val="90000"/>
-              </a:lnSpc>
-              <a:spcBef>
-                <a:spcPts val="1000"/>
-              </a:spcBef>
-              <a:buFont typeface="Arial" panose="020B0604020202020204" pitchFamily="34" charset="0"/>
-              <a:buChar char="•"/>
-              <a:defRPr sz="2800" kern="1200">
-                <a:solidFill>
-                  <a:schemeClr val="tx1"/>
-                </a:solidFill>
-                <a:latin typeface="+mn-lt"/>
-                <a:ea typeface="+mn-ea"/>
-                <a:cs typeface="+mn-cs"/>
-              </a:defRPr>
-            </a:lvl1pPr>
-            <a:lvl2pPr marL="685800" indent="-228600" algn="l" defTabSz="914400" rtl="0" eaLnBrk="1" latinLnBrk="0" hangingPunct="1">
-              <a:lnSpc>
-                <a:spcPct val="90000"/>
-              </a:lnSpc>
-              <a:spcBef>
-                <a:spcPts val="500"/>
-              </a:spcBef>
-              <a:buFont typeface="Arial" panose="020B0604020202020204" pitchFamily="34" charset="0"/>
-              <a:buChar char="•"/>
-              <a:defRPr sz="2400" kern="1200">
-                <a:solidFill>
-                  <a:schemeClr val="tx1"/>
-                </a:solidFill>
-                <a:latin typeface="+mn-lt"/>
-                <a:ea typeface="+mn-ea"/>
-                <a:cs typeface="+mn-cs"/>
-              </a:defRPr>
-            </a:lvl2pPr>
-            <a:lvl3pPr marL="1143000" indent="-228600" algn="l" defTabSz="914400" rtl="0" eaLnBrk="1" latinLnBrk="0" hangingPunct="1">
-              <a:lnSpc>
-                <a:spcPct val="90000"/>
-              </a:lnSpc>
-              <a:spcBef>
-                <a:spcPts val="500"/>
-              </a:spcBef>
-              <a:buFont typeface="Arial" panose="020B0604020202020204" pitchFamily="34" charset="0"/>
-              <a:buChar char="•"/>
-              <a:defRPr sz="2000" kern="1200">
-                <a:solidFill>
-                  <a:schemeClr val="tx1"/>
-                </a:solidFill>
-                <a:latin typeface="+mn-lt"/>
-                <a:ea typeface="+mn-ea"/>
-                <a:cs typeface="+mn-cs"/>
-              </a:defRPr>
-            </a:lvl3pPr>
-            <a:lvl4pPr marL="1600200" indent="-228600" algn="l" defTabSz="914400" rtl="0" eaLnBrk="1" latinLnBrk="0" hangingPunct="1">
-              <a:lnSpc>
-                <a:spcPct val="90000"/>
-              </a:lnSpc>
-              <a:spcBef>
-                <a:spcPts val="500"/>
-              </a:spcBef>
-              <a:buFont typeface="Arial" panose="020B0604020202020204" pitchFamily="34" charset="0"/>
-              <a:buChar char="•"/>
-              <a:defRPr sz="1800" kern="1200">
-                <a:solidFill>
-                  <a:schemeClr val="tx1"/>
-                </a:solidFill>
-                <a:latin typeface="+mn-lt"/>
-                <a:ea typeface="+mn-ea"/>
-                <a:cs typeface="+mn-cs"/>
-              </a:defRPr>
-            </a:lvl4pPr>
-            <a:lvl5pPr marL="2057400" indent="-228600" algn="l" defTabSz="914400" rtl="0" eaLnBrk="1" latinLnBrk="0" hangingPunct="1">
-              <a:lnSpc>
-                <a:spcPct val="90000"/>
-              </a:lnSpc>
-              <a:spcBef>
-                <a:spcPts val="500"/>
-              </a:spcBef>
-              <a:buFont typeface="Arial" panose="020B0604020202020204" pitchFamily="34" charset="0"/>
-              <a:buChar char="•"/>
-              <a:defRPr sz="1800" kern="1200">
-                <a:solidFill>
-                  <a:schemeClr val="tx1"/>
-                </a:solidFill>
-                <a:latin typeface="+mn-lt"/>
-                <a:ea typeface="+mn-ea"/>
-                <a:cs typeface="+mn-cs"/>
-              </a:defRPr>
-            </a:lvl5pPr>
-            <a:lvl6pPr marL="2514600" indent="-228600" algn="l" defTabSz="914400" rtl="0" eaLnBrk="1" latinLnBrk="0" hangingPunct="1">
-              <a:lnSpc>
-                <a:spcPct val="90000"/>
-              </a:lnSpc>
-              <a:spcBef>
-                <a:spcPts val="500"/>
-              </a:spcBef>
-              <a:buFont typeface="Arial" panose="020B0604020202020204" pitchFamily="34" charset="0"/>
-              <a:buChar char="•"/>
-              <a:defRPr sz="1800" kern="1200">
-                <a:solidFill>
-                  <a:schemeClr val="tx1"/>
-                </a:solidFill>
-                <a:latin typeface="+mn-lt"/>
-                <a:ea typeface="+mn-ea"/>
-                <a:cs typeface="+mn-cs"/>
-              </a:defRPr>
-            </a:lvl6pPr>
-            <a:lvl7pPr marL="2971800" indent="-228600" algn="l" defTabSz="914400" rtl="0" eaLnBrk="1" latinLnBrk="0" hangingPunct="1">
-              <a:lnSpc>
-                <a:spcPct val="90000"/>
-              </a:lnSpc>
-              <a:spcBef>
-                <a:spcPts val="500"/>
-              </a:spcBef>
-              <a:buFont typeface="Arial" panose="020B0604020202020204" pitchFamily="34" charset="0"/>
-              <a:buChar char="•"/>
-              <a:defRPr sz="1800" kern="1200">
-                <a:solidFill>
-                  <a:schemeClr val="tx1"/>
-                </a:solidFill>
-                <a:latin typeface="+mn-lt"/>
-                <a:ea typeface="+mn-ea"/>
-                <a:cs typeface="+mn-cs"/>
-              </a:defRPr>
-            </a:lvl7pPr>
-            <a:lvl8pPr marL="3429000" indent="-228600" algn="l" defTabSz="914400" rtl="0" eaLnBrk="1" latinLnBrk="0" hangingPunct="1">
-              <a:lnSpc>
-                <a:spcPct val="90000"/>
-              </a:lnSpc>
-              <a:spcBef>
-                <a:spcPts val="500"/>
-              </a:spcBef>
-              <a:buFont typeface="Arial" panose="020B0604020202020204" pitchFamily="34" charset="0"/>
-              <a:buChar char="•"/>
-              <a:defRPr sz="1800" kern="1200">
-                <a:solidFill>
-                  <a:schemeClr val="tx1"/>
-                </a:solidFill>
-                <a:latin typeface="+mn-lt"/>
-                <a:ea typeface="+mn-ea"/>
-                <a:cs typeface="+mn-cs"/>
-              </a:defRPr>
-            </a:lvl8pPr>
-            <a:lvl9pPr marL="3886200" indent="-228600" algn="l" defTabSz="914400" rtl="0" eaLnBrk="1" latinLnBrk="0" hangingPunct="1">
-              <a:lnSpc>
-                <a:spcPct val="90000"/>
-              </a:lnSpc>
-              <a:spcBef>
-                <a:spcPts val="500"/>
-              </a:spcBef>
-              <a:buFont typeface="Arial" panose="020B0604020202020204" pitchFamily="34" charset="0"/>
-              <a:buChar char="•"/>
-              <a:defRPr sz="1800" kern="1200">
-                <a:solidFill>
-                  <a:schemeClr val="tx1"/>
-                </a:solidFill>
-                <a:latin typeface="+mn-lt"/>
-                <a:ea typeface="+mn-ea"/>
-                <a:cs typeface="+mn-cs"/>
-              </a:defRPr>
-            </a:lvl9pPr>
-          </a:lstStyle>
-          <a:p>
-            <a:pPr marL="0" indent="0">
-              <a:lnSpc>
-                <a:spcPct val="200000"/>
-              </a:lnSpc>
-              <a:buFont typeface="Arial" panose="020B0604020202020204" pitchFamily="34" charset="0"/>
-              <a:buNone/>
-            </a:pPr>
-            <a:r>
-              <a:rPr lang="en-US" sz="3200">
-                <a:latin typeface="Sylfaen" panose="010A0502050306030303" pitchFamily="18" charset="0"/>
-              </a:rPr>
-              <a:t>Hypertext transfer protocol</a:t>
-            </a:r>
-            <a:endParaRPr lang="hy-AM" sz="3200">
-              <a:latin typeface="Sylfaen" panose="010A0502050306030303" pitchFamily="18" charset="0"/>
-            </a:endParaRPr>
-          </a:p>
-        </p:txBody>
-      </p:sp>
-    </p:spTree>
-    <p:extLst>
-      <p:ext uri="{BB962C8B-B14F-4D97-AF65-F5344CB8AC3E}">
-        <p14:creationId xmlns:p14="http://schemas.microsoft.com/office/powerpoint/2010/main" val="4226174135"/>
-      </p:ext>
-    </p:extLst>
-  </p:cSld>
-  <p:clrMapOvr>
-    <a:masterClrMapping/>
-  </p:clrMapOvr>
-</p:sld>
-</file>
-
-<file path=ppt/slides/slide20.xml><?xml version="1.0" encoding="utf-8"?>
+<file path=ppt/slides/slide19.xml><?xml version="1.0" encoding="utf-8"?>
 <p:sld xmlns:a="http://schemas.openxmlformats.org/drawingml/2006/main" xmlns:r="http://schemas.openxmlformats.org/officeDocument/2006/relationships" xmlns:p="http://schemas.openxmlformats.org/presentationml/2006/main">
   <p:cSld>
     <p:spTree>
@@ -7930,7 +7395,7 @@
 </p:sld>
 </file>
 
-<file path=ppt/slides/slide21.xml><?xml version="1.0" encoding="utf-8"?>
+<file path=ppt/slides/slide2.xml><?xml version="1.0" encoding="utf-8"?>
 <p:sld xmlns:a="http://schemas.openxmlformats.org/drawingml/2006/main" xmlns:r="http://schemas.openxmlformats.org/officeDocument/2006/relationships" xmlns:p="http://schemas.openxmlformats.org/presentationml/2006/main">
   <p:cSld>
     <p:spTree>
@@ -7952,6 +7417,354 @@
           <p:cNvPr id="2" name="Title 1">
             <a:extLst>
               <a:ext uri="{FF2B5EF4-FFF2-40B4-BE49-F238E27FC236}">
+                <a16:creationId xmlns:a16="http://schemas.microsoft.com/office/drawing/2014/main" id="{3AB7C46E-6CD9-4F2B-8889-0FB5AC305B04}"/>
+              </a:ext>
+            </a:extLst>
+          </p:cNvPr>
+          <p:cNvSpPr>
+            <a:spLocks noGrp="1"/>
+          </p:cNvSpPr>
+          <p:nvPr>
+            <p:ph type="title"/>
+          </p:nvPr>
+        </p:nvSpPr>
+        <p:spPr/>
+        <p:txBody>
+          <a:bodyPr>
+            <a:normAutofit/>
+          </a:bodyPr>
+          <a:lstStyle/>
+          <a:p>
+            <a:pPr algn="ctr"/>
+            <a:r>
+              <a:rPr lang="en-US" altLang="en-US">
+                <a:latin typeface="Sylfaen" panose="010A0502050306030303" pitchFamily="18" charset="0"/>
+              </a:rPr>
+              <a:t>Interaction between client and server using HTTP</a:t>
+            </a:r>
+            <a:endParaRPr lang="en-US"/>
+          </a:p>
+        </p:txBody>
+      </p:sp>
+      <p:pic>
+        <p:nvPicPr>
+          <p:cNvPr id="5" name="Content Placeholder 4">
+            <a:extLst>
+              <a:ext uri="{FF2B5EF4-FFF2-40B4-BE49-F238E27FC236}">
+                <a16:creationId xmlns:a16="http://schemas.microsoft.com/office/drawing/2014/main" id="{85E328A6-E252-4956-A6BC-C76B4FA7E03E}"/>
+              </a:ext>
+            </a:extLst>
+          </p:cNvPr>
+          <p:cNvPicPr>
+            <a:picLocks noGrp="1" noChangeAspect="1"/>
+          </p:cNvPicPr>
+          <p:nvPr>
+            <p:ph idx="1"/>
+          </p:nvPr>
+        </p:nvPicPr>
+        <p:blipFill>
+          <a:blip r:embed="rId2">
+            <a:extLst>
+              <a:ext uri="{28A0092B-C50C-407E-A947-70E740481C1C}">
+                <a14:useLocalDpi xmlns:a14="http://schemas.microsoft.com/office/drawing/2010/main" val="0"/>
+              </a:ext>
+            </a:extLst>
+          </a:blip>
+          <a:stretch>
+            <a:fillRect/>
+          </a:stretch>
+        </p:blipFill>
+        <p:spPr>
+          <a:xfrm>
+            <a:off x="1080845" y="3429000"/>
+            <a:ext cx="10030308" cy="2665485"/>
+          </a:xfrm>
+        </p:spPr>
+      </p:pic>
+      <p:cxnSp>
+        <p:nvCxnSpPr>
+          <p:cNvPr id="4" name="Straight Connector 3">
+            <a:extLst>
+              <a:ext uri="{FF2B5EF4-FFF2-40B4-BE49-F238E27FC236}">
+                <a16:creationId xmlns:a16="http://schemas.microsoft.com/office/drawing/2014/main" id="{C1CC82A6-2DB7-45C9-8AD1-2F2E65F5C835}"/>
+              </a:ext>
+            </a:extLst>
+          </p:cNvPr>
+          <p:cNvCxnSpPr>
+            <a:cxnSpLocks/>
+          </p:cNvCxnSpPr>
+          <p:nvPr/>
+        </p:nvCxnSpPr>
+        <p:spPr>
+          <a:xfrm>
+            <a:off x="569235" y="1745456"/>
+            <a:ext cx="11053530" cy="0"/>
+          </a:xfrm>
+          <a:prstGeom prst="line">
+            <a:avLst/>
+          </a:prstGeom>
+        </p:spPr>
+        <p:style>
+          <a:lnRef idx="3">
+            <a:schemeClr val="accent1"/>
+          </a:lnRef>
+          <a:fillRef idx="0">
+            <a:schemeClr val="accent1"/>
+          </a:fillRef>
+          <a:effectRef idx="2">
+            <a:schemeClr val="accent1"/>
+          </a:effectRef>
+          <a:fontRef idx="minor">
+            <a:schemeClr val="tx1"/>
+          </a:fontRef>
+        </p:style>
+      </p:cxnSp>
+      <p:sp>
+        <p:nvSpPr>
+          <p:cNvPr id="6" name="Объект 2">
+            <a:extLst>
+              <a:ext uri="{FF2B5EF4-FFF2-40B4-BE49-F238E27FC236}">
+                <a16:creationId xmlns:a16="http://schemas.microsoft.com/office/drawing/2014/main" id="{C564235D-0072-4AA4-91C1-6F27C825C0A5}"/>
+              </a:ext>
+            </a:extLst>
+          </p:cNvPr>
+          <p:cNvSpPr txBox="1">
+            <a:spLocks/>
+          </p:cNvSpPr>
+          <p:nvPr/>
+        </p:nvSpPr>
+        <p:spPr>
+          <a:xfrm>
+            <a:off x="3485702" y="1932122"/>
+            <a:ext cx="5220593" cy="1200675"/>
+          </a:xfrm>
+          <a:prstGeom prst="rect">
+            <a:avLst/>
+          </a:prstGeom>
+        </p:spPr>
+        <p:txBody>
+          <a:bodyPr vert="horz" lIns="91440" tIns="45720" rIns="91440" bIns="45720" rtlCol="0">
+            <a:normAutofit/>
+          </a:bodyPr>
+          <a:lstStyle>
+            <a:lvl1pPr marL="228600" indent="-228600" algn="l" defTabSz="914400" rtl="0" eaLnBrk="1" latinLnBrk="0" hangingPunct="1">
+              <a:lnSpc>
+                <a:spcPct val="90000"/>
+              </a:lnSpc>
+              <a:spcBef>
+                <a:spcPts val="1000"/>
+              </a:spcBef>
+              <a:buFont typeface="Arial" panose="020B0604020202020204" pitchFamily="34" charset="0"/>
+              <a:buChar char="•"/>
+              <a:defRPr sz="2800" kern="1200">
+                <a:solidFill>
+                  <a:schemeClr val="tx1"/>
+                </a:solidFill>
+                <a:latin typeface="+mn-lt"/>
+                <a:ea typeface="+mn-ea"/>
+                <a:cs typeface="+mn-cs"/>
+              </a:defRPr>
+            </a:lvl1pPr>
+            <a:lvl2pPr marL="685800" indent="-228600" algn="l" defTabSz="914400" rtl="0" eaLnBrk="1" latinLnBrk="0" hangingPunct="1">
+              <a:lnSpc>
+                <a:spcPct val="90000"/>
+              </a:lnSpc>
+              <a:spcBef>
+                <a:spcPts val="500"/>
+              </a:spcBef>
+              <a:buFont typeface="Arial" panose="020B0604020202020204" pitchFamily="34" charset="0"/>
+              <a:buChar char="•"/>
+              <a:defRPr sz="2400" kern="1200">
+                <a:solidFill>
+                  <a:schemeClr val="tx1"/>
+                </a:solidFill>
+                <a:latin typeface="+mn-lt"/>
+                <a:ea typeface="+mn-ea"/>
+                <a:cs typeface="+mn-cs"/>
+              </a:defRPr>
+            </a:lvl2pPr>
+            <a:lvl3pPr marL="1143000" indent="-228600" algn="l" defTabSz="914400" rtl="0" eaLnBrk="1" latinLnBrk="0" hangingPunct="1">
+              <a:lnSpc>
+                <a:spcPct val="90000"/>
+              </a:lnSpc>
+              <a:spcBef>
+                <a:spcPts val="500"/>
+              </a:spcBef>
+              <a:buFont typeface="Arial" panose="020B0604020202020204" pitchFamily="34" charset="0"/>
+              <a:buChar char="•"/>
+              <a:defRPr sz="2000" kern="1200">
+                <a:solidFill>
+                  <a:schemeClr val="tx1"/>
+                </a:solidFill>
+                <a:latin typeface="+mn-lt"/>
+                <a:ea typeface="+mn-ea"/>
+                <a:cs typeface="+mn-cs"/>
+              </a:defRPr>
+            </a:lvl3pPr>
+            <a:lvl4pPr marL="1600200" indent="-228600" algn="l" defTabSz="914400" rtl="0" eaLnBrk="1" latinLnBrk="0" hangingPunct="1">
+              <a:lnSpc>
+                <a:spcPct val="90000"/>
+              </a:lnSpc>
+              <a:spcBef>
+                <a:spcPts val="500"/>
+              </a:spcBef>
+              <a:buFont typeface="Arial" panose="020B0604020202020204" pitchFamily="34" charset="0"/>
+              <a:buChar char="•"/>
+              <a:defRPr sz="1800" kern="1200">
+                <a:solidFill>
+                  <a:schemeClr val="tx1"/>
+                </a:solidFill>
+                <a:latin typeface="+mn-lt"/>
+                <a:ea typeface="+mn-ea"/>
+                <a:cs typeface="+mn-cs"/>
+              </a:defRPr>
+            </a:lvl4pPr>
+            <a:lvl5pPr marL="2057400" indent="-228600" algn="l" defTabSz="914400" rtl="0" eaLnBrk="1" latinLnBrk="0" hangingPunct="1">
+              <a:lnSpc>
+                <a:spcPct val="90000"/>
+              </a:lnSpc>
+              <a:spcBef>
+                <a:spcPts val="500"/>
+              </a:spcBef>
+              <a:buFont typeface="Arial" panose="020B0604020202020204" pitchFamily="34" charset="0"/>
+              <a:buChar char="•"/>
+              <a:defRPr sz="1800" kern="1200">
+                <a:solidFill>
+                  <a:schemeClr val="tx1"/>
+                </a:solidFill>
+                <a:latin typeface="+mn-lt"/>
+                <a:ea typeface="+mn-ea"/>
+                <a:cs typeface="+mn-cs"/>
+              </a:defRPr>
+            </a:lvl5pPr>
+            <a:lvl6pPr marL="2514600" indent="-228600" algn="l" defTabSz="914400" rtl="0" eaLnBrk="1" latinLnBrk="0" hangingPunct="1">
+              <a:lnSpc>
+                <a:spcPct val="90000"/>
+              </a:lnSpc>
+              <a:spcBef>
+                <a:spcPts val="500"/>
+              </a:spcBef>
+              <a:buFont typeface="Arial" panose="020B0604020202020204" pitchFamily="34" charset="0"/>
+              <a:buChar char="•"/>
+              <a:defRPr sz="1800" kern="1200">
+                <a:solidFill>
+                  <a:schemeClr val="tx1"/>
+                </a:solidFill>
+                <a:latin typeface="+mn-lt"/>
+                <a:ea typeface="+mn-ea"/>
+                <a:cs typeface="+mn-cs"/>
+              </a:defRPr>
+            </a:lvl6pPr>
+            <a:lvl7pPr marL="2971800" indent="-228600" algn="l" defTabSz="914400" rtl="0" eaLnBrk="1" latinLnBrk="0" hangingPunct="1">
+              <a:lnSpc>
+                <a:spcPct val="90000"/>
+              </a:lnSpc>
+              <a:spcBef>
+                <a:spcPts val="500"/>
+              </a:spcBef>
+              <a:buFont typeface="Arial" panose="020B0604020202020204" pitchFamily="34" charset="0"/>
+              <a:buChar char="•"/>
+              <a:defRPr sz="1800" kern="1200">
+                <a:solidFill>
+                  <a:schemeClr val="tx1"/>
+                </a:solidFill>
+                <a:latin typeface="+mn-lt"/>
+                <a:ea typeface="+mn-ea"/>
+                <a:cs typeface="+mn-cs"/>
+              </a:defRPr>
+            </a:lvl7pPr>
+            <a:lvl8pPr marL="3429000" indent="-228600" algn="l" defTabSz="914400" rtl="0" eaLnBrk="1" latinLnBrk="0" hangingPunct="1">
+              <a:lnSpc>
+                <a:spcPct val="90000"/>
+              </a:lnSpc>
+              <a:spcBef>
+                <a:spcPts val="500"/>
+              </a:spcBef>
+              <a:buFont typeface="Arial" panose="020B0604020202020204" pitchFamily="34" charset="0"/>
+              <a:buChar char="•"/>
+              <a:defRPr sz="1800" kern="1200">
+                <a:solidFill>
+                  <a:schemeClr val="tx1"/>
+                </a:solidFill>
+                <a:latin typeface="+mn-lt"/>
+                <a:ea typeface="+mn-ea"/>
+                <a:cs typeface="+mn-cs"/>
+              </a:defRPr>
+            </a:lvl8pPr>
+            <a:lvl9pPr marL="3886200" indent="-228600" algn="l" defTabSz="914400" rtl="0" eaLnBrk="1" latinLnBrk="0" hangingPunct="1">
+              <a:lnSpc>
+                <a:spcPct val="90000"/>
+              </a:lnSpc>
+              <a:spcBef>
+                <a:spcPts val="500"/>
+              </a:spcBef>
+              <a:buFont typeface="Arial" panose="020B0604020202020204" pitchFamily="34" charset="0"/>
+              <a:buChar char="•"/>
+              <a:defRPr sz="1800" kern="1200">
+                <a:solidFill>
+                  <a:schemeClr val="tx1"/>
+                </a:solidFill>
+                <a:latin typeface="+mn-lt"/>
+                <a:ea typeface="+mn-ea"/>
+                <a:cs typeface="+mn-cs"/>
+              </a:defRPr>
+            </a:lvl9pPr>
+          </a:lstStyle>
+          <a:p>
+            <a:pPr marL="0" indent="0">
+              <a:lnSpc>
+                <a:spcPct val="200000"/>
+              </a:lnSpc>
+              <a:buFont typeface="Arial" panose="020B0604020202020204" pitchFamily="34" charset="0"/>
+              <a:buNone/>
+            </a:pPr>
+            <a:r>
+              <a:rPr lang="en-US" sz="3200">
+                <a:latin typeface="Sylfaen" panose="010A0502050306030303" pitchFamily="18" charset="0"/>
+              </a:rPr>
+              <a:t>Hypertext transfer protocol</a:t>
+            </a:r>
+            <a:endParaRPr lang="hy-AM" sz="3200">
+              <a:latin typeface="Sylfaen" panose="010A0502050306030303" pitchFamily="18" charset="0"/>
+            </a:endParaRPr>
+          </a:p>
+        </p:txBody>
+      </p:sp>
+    </p:spTree>
+    <p:extLst>
+      <p:ext uri="{BB962C8B-B14F-4D97-AF65-F5344CB8AC3E}">
+        <p14:creationId xmlns:p14="http://schemas.microsoft.com/office/powerpoint/2010/main" val="4226174135"/>
+      </p:ext>
+    </p:extLst>
+  </p:cSld>
+  <p:clrMapOvr>
+    <a:masterClrMapping/>
+  </p:clrMapOvr>
+</p:sld>
+</file>
+
+<file path=ppt/slides/slide20.xml><?xml version="1.0" encoding="utf-8"?>
+<p:sld xmlns:a="http://schemas.openxmlformats.org/drawingml/2006/main" xmlns:r="http://schemas.openxmlformats.org/officeDocument/2006/relationships" xmlns:p="http://schemas.openxmlformats.org/presentationml/2006/main">
+  <p:cSld>
+    <p:spTree>
+      <p:nvGrpSpPr>
+        <p:cNvPr id="1" name=""/>
+        <p:cNvGrpSpPr/>
+        <p:nvPr/>
+      </p:nvGrpSpPr>
+      <p:grpSpPr>
+        <a:xfrm>
+          <a:off x="0" y="0"/>
+          <a:ext cx="0" cy="0"/>
+          <a:chOff x="0" y="0"/>
+          <a:chExt cx="0" cy="0"/>
+        </a:xfrm>
+      </p:grpSpPr>
+      <p:sp>
+        <p:nvSpPr>
+          <p:cNvPr id="2" name="Title 1">
+            <a:extLst>
+              <a:ext uri="{FF2B5EF4-FFF2-40B4-BE49-F238E27FC236}">
                 <a16:creationId xmlns:a16="http://schemas.microsoft.com/office/drawing/2014/main" id="{998E280C-9DA4-41DF-8BBA-4E6CBF174841}"/>
               </a:ext>
             </a:extLst>
@@ -8032,15 +7845,9 @@
               <a:rPr lang="en-US" dirty="0">
                 <a:latin typeface="Sylfaen" panose="010A0502050306030303" pitchFamily="18" charset="0"/>
               </a:rPr>
-              <a:t>Authorization</a:t>
-            </a:r>
-            <a:r>
-              <a:rPr lang="en-US">
-                <a:latin typeface="Sylfaen" panose="010A0502050306030303" pitchFamily="18" charset="0"/>
-              </a:rPr>
-              <a:t>: credentials</a:t>
-            </a:r>
-            <a:endParaRPr lang="hy-AM">
+              <a:t>Authorization: credentials</a:t>
+            </a:r>
+            <a:endParaRPr lang="hy-AM" dirty="0">
               <a:latin typeface="Sylfaen" panose="010A0502050306030303" pitchFamily="18" charset="0"/>
             </a:endParaRPr>
           </a:p>
@@ -8052,12 +7859,12 @@
               <a:buNone/>
             </a:pPr>
             <a:r>
-              <a:rPr lang="en-US">
+              <a:rPr lang="en-US" dirty="0">
                 <a:latin typeface="Sylfaen" panose="010A0502050306030303" pitchFamily="18" charset="0"/>
               </a:rPr>
               <a:t>Proxy-Authorization: credentials</a:t>
             </a:r>
-            <a:endParaRPr lang="hy-AM">
+            <a:endParaRPr lang="hy-AM" dirty="0">
               <a:latin typeface="Sylfaen" panose="010A0502050306030303" pitchFamily="18" charset="0"/>
             </a:endParaRPr>
           </a:p>
@@ -8069,12 +7876,12 @@
               <a:buNone/>
             </a:pPr>
             <a:r>
-              <a:rPr lang="en-US">
+              <a:rPr lang="en-US" dirty="0">
                 <a:latin typeface="Sylfaen" panose="010A0502050306030303" pitchFamily="18" charset="0"/>
               </a:rPr>
               <a:t>Max-Forwards: n</a:t>
             </a:r>
-            <a:endParaRPr lang="hy-AM">
+            <a:endParaRPr lang="hy-AM" dirty="0">
               <a:latin typeface="Sylfaen" panose="010A0502050306030303" pitchFamily="18" charset="0"/>
             </a:endParaRPr>
           </a:p>
@@ -8085,7 +7892,7 @@
               </a:lnSpc>
               <a:buNone/>
             </a:pPr>
-            <a:endParaRPr lang="hy-AM">
+            <a:endParaRPr lang="hy-AM" dirty="0">
               <a:latin typeface="Sylfaen" panose="010A0502050306030303" pitchFamily="18" charset="0"/>
             </a:endParaRPr>
           </a:p>
@@ -8353,7 +8160,7 @@
 </p:sld>
 </file>
 
-<file path=ppt/slides/slide22.xml><?xml version="1.0" encoding="utf-8"?>
+<file path=ppt/slides/slide21.xml><?xml version="1.0" encoding="utf-8"?>
 <p:sld xmlns:a="http://schemas.openxmlformats.org/drawingml/2006/main" xmlns:r="http://schemas.openxmlformats.org/officeDocument/2006/relationships" xmlns:p="http://schemas.openxmlformats.org/presentationml/2006/main">
   <p:cSld>
     <p:spTree>
@@ -8603,7 +8410,7 @@
 </p:sld>
 </file>
 
-<file path=ppt/slides/slide23.xml><?xml version="1.0" encoding="utf-8"?>
+<file path=ppt/slides/slide22.xml><?xml version="1.0" encoding="utf-8"?>
 <p:sld xmlns:a="http://schemas.openxmlformats.org/drawingml/2006/main" xmlns:r="http://schemas.openxmlformats.org/officeDocument/2006/relationships" xmlns:p="http://schemas.openxmlformats.org/presentationml/2006/main">
   <p:cSld>
     <p:spTree>
@@ -9314,7 +9121,7 @@
 </p:sld>
 </file>
 
-<file path=ppt/slides/slide24.xml><?xml version="1.0" encoding="utf-8"?>
+<file path=ppt/slides/slide23.xml><?xml version="1.0" encoding="utf-8"?>
 <p:sld xmlns:a="http://schemas.openxmlformats.org/drawingml/2006/main" xmlns:r="http://schemas.openxmlformats.org/officeDocument/2006/relationships" xmlns:p="http://schemas.openxmlformats.org/presentationml/2006/main">
   <p:cSld>
     <p:spTree>
@@ -9508,7 +9315,7 @@
 </p:sld>
 </file>
 
-<file path=ppt/slides/slide25.xml><?xml version="1.0" encoding="utf-8"?>
+<file path=ppt/slides/slide24.xml><?xml version="1.0" encoding="utf-8"?>
 <p:sld xmlns:a="http://schemas.openxmlformats.org/drawingml/2006/main" xmlns:r="http://schemas.openxmlformats.org/officeDocument/2006/relationships" xmlns:p="http://schemas.openxmlformats.org/presentationml/2006/main">
   <p:cSld>
     <p:spTree>
@@ -9970,7 +9777,7 @@
 </p:sld>
 </file>
 
-<file path=ppt/slides/slide26.xml><?xml version="1.0" encoding="utf-8"?>
+<file path=ppt/slides/slide25.xml><?xml version="1.0" encoding="utf-8"?>
 <p:sld xmlns:a="http://schemas.openxmlformats.org/drawingml/2006/main" xmlns:r="http://schemas.openxmlformats.org/officeDocument/2006/relationships" xmlns:p="http://schemas.openxmlformats.org/presentationml/2006/main">
   <p:cSld>
     <p:spTree>
@@ -10216,7 +10023,7 @@
 </p:sld>
 </file>
 
-<file path=ppt/slides/slide27.xml><?xml version="1.0" encoding="utf-8"?>
+<file path=ppt/slides/slide26.xml><?xml version="1.0" encoding="utf-8"?>
 <p:sld xmlns:a="http://schemas.openxmlformats.org/drawingml/2006/main" xmlns:r="http://schemas.openxmlformats.org/officeDocument/2006/relationships" xmlns:p="http://schemas.openxmlformats.org/presentationml/2006/main">
   <p:cSld>
     <p:spTree>
@@ -10356,7 +10163,7 @@
 </p:sld>
 </file>
 
-<file path=ppt/slides/slide28.xml><?xml version="1.0" encoding="utf-8"?>
+<file path=ppt/slides/slide27.xml><?xml version="1.0" encoding="utf-8"?>
 <p:sld xmlns:a="http://schemas.openxmlformats.org/drawingml/2006/main" xmlns:r="http://schemas.openxmlformats.org/officeDocument/2006/relationships" xmlns:p="http://schemas.openxmlformats.org/presentationml/2006/main">
   <p:cSld>
     <p:spTree>
@@ -10443,20 +10250,20 @@
               <a:buNone/>
             </a:pPr>
             <a:r>
-              <a:rPr lang="en-US">
+              <a:rPr lang="en-US" dirty="0">
                 <a:latin typeface="Sylfaen" panose="010A0502050306030303" pitchFamily="18" charset="0"/>
               </a:rPr>
               <a:t>{     </a:t>
             </a:r>
             <a:r>
-              <a:rPr lang="en-US">
+              <a:rPr lang="en-US" dirty="0">
                 <a:latin typeface="Sylfaen" panose="010A0502050306030303" pitchFamily="18" charset="0"/>
                 <a:sym typeface="Wingdings" panose="05000000000000000000" pitchFamily="2" charset="2"/>
               </a:rPr>
               <a:t>     </a:t>
             </a:r>
             <a:r>
-              <a:rPr lang="en-US">
+              <a:rPr lang="en-US" dirty="0">
                 <a:latin typeface="Sylfaen" panose="010A0502050306030303" pitchFamily="18" charset="0"/>
               </a:rPr>
               <a:t>%7B</a:t>
@@ -10470,20 +10277,20 @@
               <a:buNone/>
             </a:pPr>
             <a:r>
-              <a:rPr lang="en-US">
+              <a:rPr lang="en-US" dirty="0">
                 <a:latin typeface="Sylfaen" panose="010A0502050306030303" pitchFamily="18" charset="0"/>
               </a:rPr>
               <a:t>|     </a:t>
             </a:r>
             <a:r>
-              <a:rPr lang="en-US">
+              <a:rPr lang="en-US" dirty="0">
                 <a:latin typeface="Sylfaen" panose="010A0502050306030303" pitchFamily="18" charset="0"/>
                 <a:sym typeface="Wingdings" panose="05000000000000000000" pitchFamily="2" charset="2"/>
               </a:rPr>
               <a:t>     </a:t>
             </a:r>
             <a:r>
-              <a:rPr lang="en-US">
+              <a:rPr lang="en-US" dirty="0">
                 <a:latin typeface="Sylfaen" panose="010A0502050306030303" pitchFamily="18" charset="0"/>
               </a:rPr>
               <a:t>%7C</a:t>
@@ -10497,20 +10304,20 @@
               <a:buNone/>
             </a:pPr>
             <a:r>
-              <a:rPr lang="en-US">
+              <a:rPr lang="en-US" dirty="0">
                 <a:latin typeface="Sylfaen" panose="010A0502050306030303" pitchFamily="18" charset="0"/>
               </a:rPr>
               <a:t>}     </a:t>
             </a:r>
             <a:r>
-              <a:rPr lang="en-US">
+              <a:rPr lang="en-US" dirty="0">
                 <a:latin typeface="Sylfaen" panose="010A0502050306030303" pitchFamily="18" charset="0"/>
                 <a:sym typeface="Wingdings" panose="05000000000000000000" pitchFamily="2" charset="2"/>
               </a:rPr>
               <a:t>     </a:t>
             </a:r>
             <a:r>
-              <a:rPr lang="en-US">
+              <a:rPr lang="en-US" dirty="0">
                 <a:latin typeface="Sylfaen" panose="010A0502050306030303" pitchFamily="18" charset="0"/>
               </a:rPr>
               <a:t>%7D</a:t>
@@ -10524,20 +10331,20 @@
               <a:buNone/>
             </a:pPr>
             <a:r>
-              <a:rPr lang="en-US">
+              <a:rPr lang="en-US" dirty="0">
                 <a:latin typeface="Sylfaen" panose="010A0502050306030303" pitchFamily="18" charset="0"/>
               </a:rPr>
               <a:t>~     </a:t>
             </a:r>
             <a:r>
-              <a:rPr lang="en-US">
+              <a:rPr lang="en-US" dirty="0">
                 <a:latin typeface="Sylfaen" panose="010A0502050306030303" pitchFamily="18" charset="0"/>
                 <a:sym typeface="Wingdings" panose="05000000000000000000" pitchFamily="2" charset="2"/>
               </a:rPr>
               <a:t>     </a:t>
             </a:r>
             <a:r>
-              <a:rPr lang="en-US">
+              <a:rPr lang="en-US" dirty="0">
                 <a:latin typeface="Sylfaen" panose="010A0502050306030303" pitchFamily="18" charset="0"/>
               </a:rPr>
               <a:t>%7D</a:t>
@@ -10547,7 +10354,7 @@
             <a:pPr marL="0" indent="0">
               <a:buNone/>
             </a:pPr>
-            <a:endParaRPr lang="en-US">
+            <a:endParaRPr lang="en-US" dirty="0">
               <a:latin typeface="Sylfaen" panose="010A0502050306030303" pitchFamily="18" charset="0"/>
             </a:endParaRPr>
           </a:p>
@@ -10555,7 +10362,7 @@
             <a:pPr marL="0" indent="0">
               <a:buNone/>
             </a:pPr>
-            <a:endParaRPr lang="en-US">
+            <a:endParaRPr lang="en-US" dirty="0">
               <a:latin typeface="Sylfaen" panose="010A0502050306030303" pitchFamily="18" charset="0"/>
             </a:endParaRPr>
           </a:p>
@@ -10799,20 +10606,20 @@
               <a:buNone/>
             </a:pPr>
             <a:r>
-              <a:rPr lang="en-US">
+              <a:rPr lang="en-US" dirty="0">
                 <a:latin typeface="Sylfaen" panose="010A0502050306030303" pitchFamily="18" charset="0"/>
               </a:rPr>
               <a:t>!     </a:t>
             </a:r>
             <a:r>
-              <a:rPr lang="en-US">
+              <a:rPr lang="en-US" dirty="0">
                 <a:latin typeface="Sylfaen" panose="010A0502050306030303" pitchFamily="18" charset="0"/>
                 <a:sym typeface="Wingdings" panose="05000000000000000000" pitchFamily="2" charset="2"/>
               </a:rPr>
               <a:t>     </a:t>
             </a:r>
             <a:r>
-              <a:rPr lang="en-US">
+              <a:rPr lang="en-US" dirty="0">
                 <a:latin typeface="Sylfaen" panose="010A0502050306030303" pitchFamily="18" charset="0"/>
               </a:rPr>
               <a:t>%21</a:t>
@@ -10827,20 +10634,20 @@
               <a:buNone/>
             </a:pPr>
             <a:r>
-              <a:rPr lang="en-US">
+              <a:rPr lang="en-US" dirty="0">
                 <a:latin typeface="Sylfaen" panose="010A0502050306030303" pitchFamily="18" charset="0"/>
               </a:rPr>
               <a:t>#     </a:t>
             </a:r>
             <a:r>
-              <a:rPr lang="en-US">
+              <a:rPr lang="en-US" dirty="0">
                 <a:latin typeface="Sylfaen" panose="010A0502050306030303" pitchFamily="18" charset="0"/>
                 <a:sym typeface="Wingdings" panose="05000000000000000000" pitchFamily="2" charset="2"/>
               </a:rPr>
               <a:t>     </a:t>
             </a:r>
             <a:r>
-              <a:rPr lang="en-US">
+              <a:rPr lang="en-US" dirty="0">
                 <a:latin typeface="Sylfaen" panose="010A0502050306030303" pitchFamily="18" charset="0"/>
               </a:rPr>
               <a:t>%23</a:t>
@@ -10855,20 +10662,20 @@
               <a:buNone/>
             </a:pPr>
             <a:r>
-              <a:rPr lang="en-US">
+              <a:rPr lang="en-US" dirty="0">
                 <a:latin typeface="Sylfaen" panose="010A0502050306030303" pitchFamily="18" charset="0"/>
               </a:rPr>
               <a:t>$     </a:t>
             </a:r>
             <a:r>
-              <a:rPr lang="en-US">
+              <a:rPr lang="en-US" dirty="0">
                 <a:latin typeface="Sylfaen" panose="010A0502050306030303" pitchFamily="18" charset="0"/>
                 <a:sym typeface="Wingdings" panose="05000000000000000000" pitchFamily="2" charset="2"/>
               </a:rPr>
               <a:t>     </a:t>
             </a:r>
             <a:r>
-              <a:rPr lang="en-US">
+              <a:rPr lang="en-US" dirty="0">
                 <a:latin typeface="Sylfaen" panose="010A0502050306030303" pitchFamily="18" charset="0"/>
               </a:rPr>
               <a:t>%24</a:t>
@@ -10883,14 +10690,14 @@
               <a:buNone/>
             </a:pPr>
             <a:r>
-              <a:rPr lang="en-US">
+              <a:rPr lang="en-US" dirty="0">
                 <a:latin typeface="Sylfaen" panose="010A0502050306030303" pitchFamily="18" charset="0"/>
                 <a:sym typeface="Wingdings" panose="05000000000000000000" pitchFamily="2" charset="2"/>
               </a:rPr>
               <a:t>&amp;         </a:t>
             </a:r>
             <a:r>
-              <a:rPr lang="en-US">
+              <a:rPr lang="en-US" dirty="0">
                 <a:latin typeface="Sylfaen" panose="010A0502050306030303" pitchFamily="18" charset="0"/>
               </a:rPr>
               <a:t>%26</a:t>
@@ -10901,7 +10708,7 @@
               <a:buFont typeface="Arial" panose="020B0604020202020204" pitchFamily="34" charset="0"/>
               <a:buNone/>
             </a:pPr>
-            <a:endParaRPr lang="en-US">
+            <a:endParaRPr lang="en-US" dirty="0">
               <a:latin typeface="Sylfaen" panose="010A0502050306030303" pitchFamily="18" charset="0"/>
             </a:endParaRPr>
           </a:p>
@@ -10910,7 +10717,7 @@
               <a:buFont typeface="Arial" panose="020B0604020202020204" pitchFamily="34" charset="0"/>
               <a:buNone/>
             </a:pPr>
-            <a:endParaRPr lang="en-US">
+            <a:endParaRPr lang="en-US" dirty="0">
               <a:latin typeface="Sylfaen" panose="010A0502050306030303" pitchFamily="18" charset="0"/>
             </a:endParaRPr>
           </a:p>
@@ -10929,7 +10736,7 @@
 </p:sld>
 </file>
 
-<file path=ppt/slides/slide29.xml><?xml version="1.0" encoding="utf-8"?>
+<file path=ppt/slides/slide28.xml><?xml version="1.0" encoding="utf-8"?>
 <p:sld xmlns:a="http://schemas.openxmlformats.org/drawingml/2006/main" xmlns:r="http://schemas.openxmlformats.org/officeDocument/2006/relationships" xmlns:p="http://schemas.openxmlformats.org/presentationml/2006/main">
   <p:cSld>
     <p:spTree>
@@ -10951,7 +10758,7 @@
           <p:cNvPr id="2" name="Title 1">
             <a:extLst>
               <a:ext uri="{FF2B5EF4-FFF2-40B4-BE49-F238E27FC236}">
-                <a16:creationId xmlns:a16="http://schemas.microsoft.com/office/drawing/2014/main" id="{F65AC74C-D795-4170-A3BA-717017C90091}"/>
+                <a16:creationId xmlns:a16="http://schemas.microsoft.com/office/drawing/2014/main" id="{DF9A6979-52A1-4B28-A1A6-35A5B6E9DDF2}"/>
               </a:ext>
             </a:extLst>
           </p:cNvPr>
@@ -10977,117 +10784,9 @@
               <a:rPr lang="en-US">
                 <a:latin typeface="Sylfaen" panose="010A0502050306030303" pitchFamily="18" charset="0"/>
               </a:rPr>
-              <a:t>HTTP Security</a:t>
-            </a:r>
-          </a:p>
-        </p:txBody>
-      </p:sp>
-      <p:sp>
-        <p:nvSpPr>
-          <p:cNvPr id="3" name="Content Placeholder 2">
-            <a:extLst>
-              <a:ext uri="{FF2B5EF4-FFF2-40B4-BE49-F238E27FC236}">
-                <a16:creationId xmlns:a16="http://schemas.microsoft.com/office/drawing/2014/main" id="{95C0FE7F-0651-4E54-B88E-38A6E337EC7C}"/>
-              </a:ext>
-            </a:extLst>
-          </p:cNvPr>
-          <p:cNvSpPr>
-            <a:spLocks noGrp="1"/>
-          </p:cNvSpPr>
-          <p:nvPr>
-            <p:ph idx="1"/>
-          </p:nvPr>
-        </p:nvSpPr>
-        <p:spPr>
-          <a:xfrm>
-            <a:off x="838200" y="1720349"/>
-            <a:ext cx="10515600" cy="4748739"/>
-          </a:xfrm>
-        </p:spPr>
-        <p:txBody>
-          <a:bodyPr/>
-          <a:lstStyle/>
-          <a:p>
-            <a:pPr marL="0" indent="0">
-              <a:lnSpc>
-                <a:spcPct val="150000"/>
-              </a:lnSpc>
-              <a:buNone/>
-            </a:pPr>
-            <a:r>
-              <a:rPr lang="en-US" dirty="0">
-                <a:latin typeface="Sylfaen" panose="010A0502050306030303" pitchFamily="18" charset="0"/>
-              </a:rPr>
-              <a:t>Personal Information Leakage</a:t>
-            </a:r>
-          </a:p>
-          <a:p>
-            <a:pPr marL="0" indent="0">
-              <a:lnSpc>
-                <a:spcPct val="150000"/>
-              </a:lnSpc>
-              <a:buNone/>
-            </a:pPr>
-            <a:r>
-              <a:rPr lang="en-US" dirty="0">
-                <a:latin typeface="Sylfaen" panose="010A0502050306030303" pitchFamily="18" charset="0"/>
-              </a:rPr>
-              <a:t>File and Path Names Based Attack</a:t>
-            </a:r>
-            <a:endParaRPr lang="hy-AM" dirty="0">
-              <a:latin typeface="Sylfaen" panose="010A0502050306030303" pitchFamily="18" charset="0"/>
-            </a:endParaRPr>
-          </a:p>
-          <a:p>
-            <a:pPr marL="0" indent="0">
-              <a:lnSpc>
-                <a:spcPct val="150000"/>
-              </a:lnSpc>
-              <a:buNone/>
-            </a:pPr>
-            <a:r>
-              <a:rPr lang="en-US" dirty="0">
-                <a:latin typeface="Sylfaen" panose="010A0502050306030303" pitchFamily="18" charset="0"/>
-              </a:rPr>
-              <a:t>DNS Spoofing</a:t>
-            </a:r>
-            <a:endParaRPr lang="hy-AM" dirty="0">
-              <a:latin typeface="Sylfaen" panose="010A0502050306030303" pitchFamily="18" charset="0"/>
-            </a:endParaRPr>
-          </a:p>
-          <a:p>
-            <a:pPr marL="0" indent="0">
-              <a:lnSpc>
-                <a:spcPct val="150000"/>
-              </a:lnSpc>
-              <a:buNone/>
-            </a:pPr>
-            <a:r>
-              <a:rPr lang="en-US" dirty="0">
-                <a:latin typeface="Sylfaen" panose="010A0502050306030303" pitchFamily="18" charset="0"/>
-              </a:rPr>
-              <a:t>Authentication Credentials</a:t>
-            </a:r>
-          </a:p>
-          <a:p>
-            <a:pPr marL="0" indent="0">
-              <a:lnSpc>
-                <a:spcPct val="150000"/>
-              </a:lnSpc>
-              <a:buNone/>
-            </a:pPr>
-            <a:r>
-              <a:rPr lang="en-US" dirty="0">
-                <a:latin typeface="Sylfaen" panose="010A0502050306030303" pitchFamily="18" charset="0"/>
-              </a:rPr>
-              <a:t>Proxies and Caching</a:t>
-            </a:r>
-          </a:p>
-          <a:p>
-            <a:pPr marL="0" indent="0">
-              <a:buNone/>
-            </a:pPr>
-            <a:endParaRPr lang="en-US" dirty="0"/>
+              <a:t>HTTPS</a:t>
+            </a:r>
+            <a:endParaRPr lang="en-US"/>
           </a:p>
         </p:txBody>
       </p:sp>
@@ -11096,7 +10795,7 @@
           <p:cNvPr id="4" name="Straight Connector 3">
             <a:extLst>
               <a:ext uri="{FF2B5EF4-FFF2-40B4-BE49-F238E27FC236}">
-                <a16:creationId xmlns:a16="http://schemas.microsoft.com/office/drawing/2014/main" id="{1340917F-59D6-4048-9082-92AEEDBBC354}"/>
+                <a16:creationId xmlns:a16="http://schemas.microsoft.com/office/drawing/2014/main" id="{5882D82C-96E0-40B7-9F23-B1BC0A08AE52}"/>
               </a:ext>
             </a:extLst>
           </p:cNvPr>
@@ -11129,10 +10828,45 @@
           </a:fontRef>
         </p:style>
       </p:cxnSp>
+      <p:pic>
+        <p:nvPicPr>
+          <p:cNvPr id="12" name="Content Placeholder 11">
+            <a:extLst>
+              <a:ext uri="{FF2B5EF4-FFF2-40B4-BE49-F238E27FC236}">
+                <a16:creationId xmlns:a16="http://schemas.microsoft.com/office/drawing/2014/main" id="{C2016D2D-E5AC-406E-A17D-ED85C2D57E32}"/>
+              </a:ext>
+            </a:extLst>
+          </p:cNvPr>
+          <p:cNvPicPr>
+            <a:picLocks noGrp="1" noChangeAspect="1"/>
+          </p:cNvPicPr>
+          <p:nvPr>
+            <p:ph idx="1"/>
+          </p:nvPr>
+        </p:nvPicPr>
+        <p:blipFill>
+          <a:blip r:embed="rId2">
+            <a:extLst>
+              <a:ext uri="{28A0092B-C50C-407E-A947-70E740481C1C}">
+                <a14:useLocalDpi xmlns:a14="http://schemas.microsoft.com/office/drawing/2010/main" val="0"/>
+              </a:ext>
+            </a:extLst>
+          </a:blip>
+          <a:stretch>
+            <a:fillRect/>
+          </a:stretch>
+        </p:blipFill>
+        <p:spPr>
+          <a:xfrm>
+            <a:off x="2269877" y="1448750"/>
+            <a:ext cx="7652246" cy="5069851"/>
+          </a:xfrm>
+        </p:spPr>
+      </p:pic>
     </p:spTree>
     <p:extLst>
       <p:ext uri="{BB962C8B-B14F-4D97-AF65-F5344CB8AC3E}">
-        <p14:creationId xmlns:p14="http://schemas.microsoft.com/office/powerpoint/2010/main" val="1200370157"/>
+        <p14:creationId xmlns:p14="http://schemas.microsoft.com/office/powerpoint/2010/main" val="356244803"/>
       </p:ext>
     </p:extLst>
   </p:cSld>
@@ -11218,7 +10952,7 @@
         </p:nvSpPr>
         <p:spPr>
           <a:xfrm>
-            <a:off x="1779813" y="2134901"/>
+            <a:off x="1779813" y="2044590"/>
             <a:ext cx="8632371" cy="3449202"/>
           </a:xfrm>
         </p:spPr>
@@ -11235,16 +10969,10 @@
               <a:buNone/>
             </a:pPr>
             <a:r>
-              <a:rPr lang="en-US" sz="3200">
-                <a:latin typeface="Sylfaen" panose="010A0502050306030303" pitchFamily="18" charset="0"/>
-              </a:rPr>
-              <a:t>HTTP </a:t>
-            </a:r>
-            <a:r>
               <a:rPr lang="en-US" sz="3200" dirty="0">
                 <a:latin typeface="Sylfaen" panose="010A0502050306030303" pitchFamily="18" charset="0"/>
               </a:rPr>
-              <a:t>is connectionless</a:t>
+              <a:t>HTTP is connectionless</a:t>
             </a:r>
             <a:endParaRPr lang="hy-AM" sz="3200" dirty="0">
               <a:latin typeface="Sylfaen" panose="010A0502050306030303" pitchFamily="18" charset="0"/>
@@ -11328,146 +11056,6 @@
     <p:extLst>
       <p:ext uri="{BB962C8B-B14F-4D97-AF65-F5344CB8AC3E}">
         <p14:creationId xmlns:p14="http://schemas.microsoft.com/office/powerpoint/2010/main" val="745845446"/>
-      </p:ext>
-    </p:extLst>
-  </p:cSld>
-  <p:clrMapOvr>
-    <a:masterClrMapping/>
-  </p:clrMapOvr>
-</p:sld>
-</file>
-
-<file path=ppt/slides/slide30.xml><?xml version="1.0" encoding="utf-8"?>
-<p:sld xmlns:a="http://schemas.openxmlformats.org/drawingml/2006/main" xmlns:r="http://schemas.openxmlformats.org/officeDocument/2006/relationships" xmlns:p="http://schemas.openxmlformats.org/presentationml/2006/main">
-  <p:cSld>
-    <p:spTree>
-      <p:nvGrpSpPr>
-        <p:cNvPr id="1" name=""/>
-        <p:cNvGrpSpPr/>
-        <p:nvPr/>
-      </p:nvGrpSpPr>
-      <p:grpSpPr>
-        <a:xfrm>
-          <a:off x="0" y="0"/>
-          <a:ext cx="0" cy="0"/>
-          <a:chOff x="0" y="0"/>
-          <a:chExt cx="0" cy="0"/>
-        </a:xfrm>
-      </p:grpSpPr>
-      <p:sp>
-        <p:nvSpPr>
-          <p:cNvPr id="2" name="Title 1">
-            <a:extLst>
-              <a:ext uri="{FF2B5EF4-FFF2-40B4-BE49-F238E27FC236}">
-                <a16:creationId xmlns:a16="http://schemas.microsoft.com/office/drawing/2014/main" id="{DF9A6979-52A1-4B28-A1A6-35A5B6E9DDF2}"/>
-              </a:ext>
-            </a:extLst>
-          </p:cNvPr>
-          <p:cNvSpPr>
-            <a:spLocks noGrp="1"/>
-          </p:cNvSpPr>
-          <p:nvPr>
-            <p:ph type="title"/>
-          </p:nvPr>
-        </p:nvSpPr>
-        <p:spPr>
-          <a:xfrm>
-            <a:off x="838200" y="18255"/>
-            <a:ext cx="10515600" cy="1325563"/>
-          </a:xfrm>
-        </p:spPr>
-        <p:txBody>
-          <a:bodyPr/>
-          <a:lstStyle/>
-          <a:p>
-            <a:pPr algn="ctr"/>
-            <a:r>
-              <a:rPr lang="en-US">
-                <a:latin typeface="Sylfaen" panose="010A0502050306030303" pitchFamily="18" charset="0"/>
-              </a:rPr>
-              <a:t>HTTPS</a:t>
-            </a:r>
-            <a:endParaRPr lang="en-US"/>
-          </a:p>
-        </p:txBody>
-      </p:sp>
-      <p:cxnSp>
-        <p:nvCxnSpPr>
-          <p:cNvPr id="4" name="Straight Connector 3">
-            <a:extLst>
-              <a:ext uri="{FF2B5EF4-FFF2-40B4-BE49-F238E27FC236}">
-                <a16:creationId xmlns:a16="http://schemas.microsoft.com/office/drawing/2014/main" id="{5882D82C-96E0-40B7-9F23-B1BC0A08AE52}"/>
-              </a:ext>
-            </a:extLst>
-          </p:cNvPr>
-          <p:cNvCxnSpPr>
-            <a:cxnSpLocks/>
-          </p:cNvCxnSpPr>
-          <p:nvPr/>
-        </p:nvCxnSpPr>
-        <p:spPr>
-          <a:xfrm>
-            <a:off x="569235" y="1154404"/>
-            <a:ext cx="11053530" cy="0"/>
-          </a:xfrm>
-          <a:prstGeom prst="line">
-            <a:avLst/>
-          </a:prstGeom>
-        </p:spPr>
-        <p:style>
-          <a:lnRef idx="3">
-            <a:schemeClr val="accent1"/>
-          </a:lnRef>
-          <a:fillRef idx="0">
-            <a:schemeClr val="accent1"/>
-          </a:fillRef>
-          <a:effectRef idx="2">
-            <a:schemeClr val="accent1"/>
-          </a:effectRef>
-          <a:fontRef idx="minor">
-            <a:schemeClr val="tx1"/>
-          </a:fontRef>
-        </p:style>
-      </p:cxnSp>
-      <p:pic>
-        <p:nvPicPr>
-          <p:cNvPr id="12" name="Content Placeholder 11">
-            <a:extLst>
-              <a:ext uri="{FF2B5EF4-FFF2-40B4-BE49-F238E27FC236}">
-                <a16:creationId xmlns:a16="http://schemas.microsoft.com/office/drawing/2014/main" id="{C2016D2D-E5AC-406E-A17D-ED85C2D57E32}"/>
-              </a:ext>
-            </a:extLst>
-          </p:cNvPr>
-          <p:cNvPicPr>
-            <a:picLocks noGrp="1" noChangeAspect="1"/>
-          </p:cNvPicPr>
-          <p:nvPr>
-            <p:ph idx="1"/>
-          </p:nvPr>
-        </p:nvPicPr>
-        <p:blipFill>
-          <a:blip r:embed="rId2">
-            <a:extLst>
-              <a:ext uri="{28A0092B-C50C-407E-A947-70E740481C1C}">
-                <a14:useLocalDpi xmlns:a14="http://schemas.microsoft.com/office/drawing/2010/main" val="0"/>
-              </a:ext>
-            </a:extLst>
-          </a:blip>
-          <a:stretch>
-            <a:fillRect/>
-          </a:stretch>
-        </p:blipFill>
-        <p:spPr>
-          <a:xfrm>
-            <a:off x="2269877" y="1448750"/>
-            <a:ext cx="7652246" cy="5069851"/>
-          </a:xfrm>
-        </p:spPr>
-      </p:pic>
-    </p:spTree>
-    <p:extLst>
-      <p:ext uri="{BB962C8B-B14F-4D97-AF65-F5344CB8AC3E}">
-        <p14:creationId xmlns:p14="http://schemas.microsoft.com/office/powerpoint/2010/main" val="356244803"/>
       </p:ext>
     </p:extLst>
   </p:cSld>
@@ -13192,180 +12780,6 @@
           <p:cNvPr id="2" name="Title 1">
             <a:extLst>
               <a:ext uri="{FF2B5EF4-FFF2-40B4-BE49-F238E27FC236}">
-                <a16:creationId xmlns:a16="http://schemas.microsoft.com/office/drawing/2014/main" id="{CBA85E0C-63EC-40CA-8716-DC195A740431}"/>
-              </a:ext>
-            </a:extLst>
-          </p:cNvPr>
-          <p:cNvSpPr>
-            <a:spLocks noGrp="1"/>
-          </p:cNvSpPr>
-          <p:nvPr>
-            <p:ph type="title"/>
-          </p:nvPr>
-        </p:nvSpPr>
-        <p:spPr>
-          <a:xfrm>
-            <a:off x="519659" y="18255"/>
-            <a:ext cx="11152681" cy="1325563"/>
-          </a:xfrm>
-        </p:spPr>
-        <p:txBody>
-          <a:bodyPr/>
-          <a:lstStyle/>
-          <a:p>
-            <a:r>
-              <a:rPr lang="en-US">
-                <a:latin typeface="Sylfaen" panose="010A0502050306030303" pitchFamily="18" charset="0"/>
-              </a:rPr>
-              <a:t>Web Intermediaries, Proxy Servers, Gateways</a:t>
-            </a:r>
-          </a:p>
-        </p:txBody>
-      </p:sp>
-      <p:pic>
-        <p:nvPicPr>
-          <p:cNvPr id="6" name="Content Placeholder 5">
-            <a:extLst>
-              <a:ext uri="{FF2B5EF4-FFF2-40B4-BE49-F238E27FC236}">
-                <a16:creationId xmlns:a16="http://schemas.microsoft.com/office/drawing/2014/main" id="{86DDD94A-2C34-4EB8-9326-9DC453B267B2}"/>
-              </a:ext>
-            </a:extLst>
-          </p:cNvPr>
-          <p:cNvPicPr>
-            <a:picLocks noGrp="1" noChangeAspect="1"/>
-          </p:cNvPicPr>
-          <p:nvPr>
-            <p:ph idx="1"/>
-          </p:nvPr>
-        </p:nvPicPr>
-        <p:blipFill>
-          <a:blip r:embed="rId2">
-            <a:extLst>
-              <a:ext uri="{28A0092B-C50C-407E-A947-70E740481C1C}">
-                <a14:useLocalDpi xmlns:a14="http://schemas.microsoft.com/office/drawing/2010/main" val="0"/>
-              </a:ext>
-            </a:extLst>
-          </a:blip>
-          <a:stretch>
-            <a:fillRect/>
-          </a:stretch>
-        </p:blipFill>
-        <p:spPr>
-          <a:xfrm>
-            <a:off x="1171574" y="1585210"/>
-            <a:ext cx="9848850" cy="2076450"/>
-          </a:xfrm>
-        </p:spPr>
-      </p:pic>
-      <p:cxnSp>
-        <p:nvCxnSpPr>
-          <p:cNvPr id="4" name="Straight Connector 3">
-            <a:extLst>
-              <a:ext uri="{FF2B5EF4-FFF2-40B4-BE49-F238E27FC236}">
-                <a16:creationId xmlns:a16="http://schemas.microsoft.com/office/drawing/2014/main" id="{31C72637-5B6C-41D3-B603-11D25064BDB9}"/>
-              </a:ext>
-            </a:extLst>
-          </p:cNvPr>
-          <p:cNvCxnSpPr>
-            <a:cxnSpLocks/>
-          </p:cNvCxnSpPr>
-          <p:nvPr/>
-        </p:nvCxnSpPr>
-        <p:spPr>
-          <a:xfrm>
-            <a:off x="569235" y="1092314"/>
-            <a:ext cx="11053530" cy="0"/>
-          </a:xfrm>
-          <a:prstGeom prst="line">
-            <a:avLst/>
-          </a:prstGeom>
-        </p:spPr>
-        <p:style>
-          <a:lnRef idx="3">
-            <a:schemeClr val="accent1"/>
-          </a:lnRef>
-          <a:fillRef idx="0">
-            <a:schemeClr val="accent1"/>
-          </a:fillRef>
-          <a:effectRef idx="2">
-            <a:schemeClr val="accent1"/>
-          </a:effectRef>
-          <a:fontRef idx="minor">
-            <a:schemeClr val="tx1"/>
-          </a:fontRef>
-        </p:style>
-      </p:cxnSp>
-      <p:pic>
-        <p:nvPicPr>
-          <p:cNvPr id="5" name="Picture 4">
-            <a:extLst>
-              <a:ext uri="{FF2B5EF4-FFF2-40B4-BE49-F238E27FC236}">
-                <a16:creationId xmlns:a16="http://schemas.microsoft.com/office/drawing/2014/main" id="{DB3B5CB0-46DA-4029-B1CC-BDCA8DDE85CF}"/>
-              </a:ext>
-            </a:extLst>
-          </p:cNvPr>
-          <p:cNvPicPr>
-            <a:picLocks noChangeAspect="1"/>
-          </p:cNvPicPr>
-          <p:nvPr/>
-        </p:nvPicPr>
-        <p:blipFill>
-          <a:blip r:embed="rId3">
-            <a:extLst>
-              <a:ext uri="{28A0092B-C50C-407E-A947-70E740481C1C}">
-                <a14:useLocalDpi xmlns:a14="http://schemas.microsoft.com/office/drawing/2010/main" val="0"/>
-              </a:ext>
-            </a:extLst>
-          </a:blip>
-          <a:stretch>
-            <a:fillRect/>
-          </a:stretch>
-        </p:blipFill>
-        <p:spPr>
-          <a:xfrm>
-            <a:off x="1171574" y="4117975"/>
-            <a:ext cx="9848850" cy="2076450"/>
-          </a:xfrm>
-          <a:prstGeom prst="rect">
-            <a:avLst/>
-          </a:prstGeom>
-        </p:spPr>
-      </p:pic>
-    </p:spTree>
-    <p:extLst>
-      <p:ext uri="{BB962C8B-B14F-4D97-AF65-F5344CB8AC3E}">
-        <p14:creationId xmlns:p14="http://schemas.microsoft.com/office/powerpoint/2010/main" val="401359803"/>
-      </p:ext>
-    </p:extLst>
-  </p:cSld>
-  <p:clrMapOvr>
-    <a:masterClrMapping/>
-  </p:clrMapOvr>
-</p:sld>
-</file>
-
-<file path=ppt/slides/slide8.xml><?xml version="1.0" encoding="utf-8"?>
-<p:sld xmlns:a="http://schemas.openxmlformats.org/drawingml/2006/main" xmlns:r="http://schemas.openxmlformats.org/officeDocument/2006/relationships" xmlns:p="http://schemas.openxmlformats.org/presentationml/2006/main">
-  <p:cSld>
-    <p:spTree>
-      <p:nvGrpSpPr>
-        <p:cNvPr id="1" name=""/>
-        <p:cNvGrpSpPr/>
-        <p:nvPr/>
-      </p:nvGrpSpPr>
-      <p:grpSpPr>
-        <a:xfrm>
-          <a:off x="0" y="0"/>
-          <a:ext cx="0" cy="0"/>
-          <a:chOff x="0" y="0"/>
-          <a:chExt cx="0" cy="0"/>
-        </a:xfrm>
-      </p:grpSpPr>
-      <p:sp>
-        <p:nvSpPr>
-          <p:cNvPr id="2" name="Title 1">
-            <a:extLst>
-              <a:ext uri="{FF2B5EF4-FFF2-40B4-BE49-F238E27FC236}">
                 <a16:creationId xmlns:a16="http://schemas.microsoft.com/office/drawing/2014/main" id="{96849BA6-1473-49AB-B355-42E4590C7FDF}"/>
               </a:ext>
             </a:extLst>
@@ -13431,7 +12845,7 @@
               <a:buNone/>
             </a:pPr>
             <a:r>
-              <a:rPr lang="en-US" b="1">
+              <a:rPr lang="en-US" b="1" dirty="0">
                 <a:latin typeface="Sylfaen" panose="010A0502050306030303" pitchFamily="18" charset="0"/>
               </a:rPr>
               <a:t>Start line</a:t>
@@ -13445,10 +12859,10 @@
               <a:buNone/>
             </a:pPr>
             <a:r>
-              <a:rPr lang="en-US" b="1">
-                <a:latin typeface="Sylfaen" panose="010A0502050306030303" pitchFamily="18" charset="0"/>
-              </a:rPr>
-              <a:t>Header fields (0 or more)</a:t>
+              <a:rPr lang="en-US" b="1" dirty="0">
+                <a:latin typeface="Sylfaen" panose="010A0502050306030303" pitchFamily="18" charset="0"/>
+              </a:rPr>
+              <a:t>Header fields </a:t>
             </a:r>
           </a:p>
           <a:p>
@@ -13459,7 +12873,7 @@
               <a:buNone/>
             </a:pPr>
             <a:r>
-              <a:rPr lang="en-US" b="1">
+              <a:rPr lang="en-US" b="1" dirty="0">
                 <a:latin typeface="Sylfaen" panose="010A0502050306030303" pitchFamily="18" charset="0"/>
               </a:rPr>
               <a:t>An empty line</a:t>
@@ -13473,7 +12887,7 @@
               <a:buNone/>
             </a:pPr>
             <a:r>
-              <a:rPr lang="en-US" b="1">
+              <a:rPr lang="en-US" b="1" dirty="0">
                 <a:latin typeface="Sylfaen" panose="010A0502050306030303" pitchFamily="18" charset="0"/>
               </a:rPr>
               <a:t>Body (optional)</a:t>
@@ -13734,7 +13148,7 @@
 </p:sld>
 </file>
 
-<file path=ppt/slides/slide9.xml><?xml version="1.0" encoding="utf-8"?>
+<file path=ppt/slides/slide8.xml><?xml version="1.0" encoding="utf-8"?>
 <p:sld xmlns:a="http://schemas.openxmlformats.org/drawingml/2006/main" xmlns:r="http://schemas.openxmlformats.org/officeDocument/2006/relationships" xmlns:p="http://schemas.openxmlformats.org/presentationml/2006/main">
   <p:cSld>
     <p:spTree>
@@ -15467,6 +14881,230 @@
 </p:sld>
 </file>
 
+<file path=ppt/slides/slide9.xml><?xml version="1.0" encoding="utf-8"?>
+<p:sld xmlns:a="http://schemas.openxmlformats.org/drawingml/2006/main" xmlns:r="http://schemas.openxmlformats.org/officeDocument/2006/relationships" xmlns:p="http://schemas.openxmlformats.org/presentationml/2006/main">
+  <p:cSld>
+    <p:spTree>
+      <p:nvGrpSpPr>
+        <p:cNvPr id="1" name=""/>
+        <p:cNvGrpSpPr/>
+        <p:nvPr/>
+      </p:nvGrpSpPr>
+      <p:grpSpPr>
+        <a:xfrm>
+          <a:off x="0" y="0"/>
+          <a:ext cx="0" cy="0"/>
+          <a:chOff x="0" y="0"/>
+          <a:chExt cx="0" cy="0"/>
+        </a:xfrm>
+      </p:grpSpPr>
+      <p:sp>
+        <p:nvSpPr>
+          <p:cNvPr id="2" name="Title 1">
+            <a:extLst>
+              <a:ext uri="{FF2B5EF4-FFF2-40B4-BE49-F238E27FC236}">
+                <a16:creationId xmlns:a16="http://schemas.microsoft.com/office/drawing/2014/main" id="{1B9132D2-6162-4994-9BFE-28098F935758}"/>
+              </a:ext>
+            </a:extLst>
+          </p:cNvPr>
+          <p:cNvSpPr>
+            <a:spLocks noGrp="1"/>
+          </p:cNvSpPr>
+          <p:nvPr>
+            <p:ph type="title"/>
+          </p:nvPr>
+        </p:nvSpPr>
+        <p:spPr>
+          <a:xfrm>
+            <a:off x="838200" y="0"/>
+            <a:ext cx="10515600" cy="1325563"/>
+          </a:xfrm>
+        </p:spPr>
+        <p:txBody>
+          <a:bodyPr/>
+          <a:lstStyle/>
+          <a:p>
+            <a:pPr algn="ctr"/>
+            <a:r>
+              <a:rPr lang="en-US">
+                <a:latin typeface="Sylfaen" panose="010A0502050306030303" pitchFamily="18" charset="0"/>
+              </a:rPr>
+              <a:t>Requests</a:t>
+            </a:r>
+          </a:p>
+        </p:txBody>
+      </p:sp>
+      <p:sp>
+        <p:nvSpPr>
+          <p:cNvPr id="3" name="Content Placeholder 2">
+            <a:extLst>
+              <a:ext uri="{FF2B5EF4-FFF2-40B4-BE49-F238E27FC236}">
+                <a16:creationId xmlns:a16="http://schemas.microsoft.com/office/drawing/2014/main" id="{3FC581B7-171A-49A7-8DC9-82B7E6D6D647}"/>
+              </a:ext>
+            </a:extLst>
+          </p:cNvPr>
+          <p:cNvSpPr>
+            <a:spLocks noGrp="1"/>
+          </p:cNvSpPr>
+          <p:nvPr>
+            <p:ph idx="1"/>
+          </p:nvPr>
+        </p:nvSpPr>
+        <p:spPr>
+          <a:xfrm>
+            <a:off x="838200" y="1708517"/>
+            <a:ext cx="10515600" cy="4407469"/>
+          </a:xfrm>
+        </p:spPr>
+        <p:txBody>
+          <a:bodyPr>
+            <a:normAutofit/>
+          </a:bodyPr>
+          <a:lstStyle/>
+          <a:p>
+            <a:pPr marL="0" indent="0">
+              <a:lnSpc>
+                <a:spcPct val="200000"/>
+              </a:lnSpc>
+              <a:buNone/>
+            </a:pPr>
+            <a:r>
+              <a:rPr lang="en-US" dirty="0">
+                <a:latin typeface="Sylfaen" panose="010A0502050306030303" pitchFamily="18" charset="0"/>
+              </a:rPr>
+              <a:t>Request-Line = Method  Request-URI  HTTP-Version</a:t>
+            </a:r>
+          </a:p>
+          <a:p>
+            <a:pPr marL="0" indent="0">
+              <a:lnSpc>
+                <a:spcPct val="200000"/>
+              </a:lnSpc>
+              <a:buNone/>
+            </a:pPr>
+            <a:r>
+              <a:rPr lang="en-US" dirty="0">
+                <a:latin typeface="Sylfaen" panose="010A0502050306030303" pitchFamily="18" charset="0"/>
+              </a:rPr>
+              <a:t>Request-URI = </a:t>
+            </a:r>
+            <a:r>
+              <a:rPr lang="en-US" dirty="0" err="1">
+                <a:latin typeface="Sylfaen" panose="010A0502050306030303" pitchFamily="18" charset="0"/>
+              </a:rPr>
+              <a:t>absoluteURI</a:t>
+            </a:r>
+            <a:r>
+              <a:rPr lang="en-US" dirty="0">
+                <a:latin typeface="Sylfaen" panose="010A0502050306030303" pitchFamily="18" charset="0"/>
+              </a:rPr>
+              <a:t> | </a:t>
+            </a:r>
+            <a:r>
+              <a:rPr lang="en-US" dirty="0" err="1">
+                <a:latin typeface="Sylfaen" panose="010A0502050306030303" pitchFamily="18" charset="0"/>
+              </a:rPr>
+              <a:t>abs_path</a:t>
+            </a:r>
+            <a:endParaRPr lang="en-US" dirty="0">
+              <a:latin typeface="Sylfaen" panose="010A0502050306030303" pitchFamily="18" charset="0"/>
+            </a:endParaRPr>
+          </a:p>
+          <a:p>
+            <a:pPr marL="0" indent="0">
+              <a:lnSpc>
+                <a:spcPct val="200000"/>
+              </a:lnSpc>
+              <a:buNone/>
+            </a:pPr>
+            <a:r>
+              <a:rPr lang="en-US" dirty="0">
+                <a:latin typeface="Sylfaen" panose="010A0502050306030303" pitchFamily="18" charset="0"/>
+              </a:rPr>
+              <a:t>HTTP-Version = HTTP/1.1</a:t>
+            </a:r>
+            <a:endParaRPr lang="hy-AM" dirty="0">
+              <a:latin typeface="Sylfaen" panose="010A0502050306030303" pitchFamily="18" charset="0"/>
+            </a:endParaRPr>
+          </a:p>
+          <a:p>
+            <a:pPr marL="0" indent="0">
+              <a:lnSpc>
+                <a:spcPct val="200000"/>
+              </a:lnSpc>
+              <a:buNone/>
+            </a:pPr>
+            <a:r>
+              <a:rPr lang="en-US" dirty="0">
+                <a:latin typeface="Sylfaen" panose="010A0502050306030303" pitchFamily="18" charset="0"/>
+              </a:rPr>
+              <a:t>Method = GET / POST / PUT …</a:t>
+            </a:r>
+          </a:p>
+          <a:p>
+            <a:pPr marL="0" indent="0">
+              <a:lnSpc>
+                <a:spcPct val="200000"/>
+              </a:lnSpc>
+              <a:buNone/>
+            </a:pPr>
+            <a:endParaRPr lang="en-US" dirty="0">
+              <a:latin typeface="Sylfaen" panose="010A0502050306030303" pitchFamily="18" charset="0"/>
+            </a:endParaRPr>
+          </a:p>
+        </p:txBody>
+      </p:sp>
+      <p:cxnSp>
+        <p:nvCxnSpPr>
+          <p:cNvPr id="4" name="Straight Connector 3">
+            <a:extLst>
+              <a:ext uri="{FF2B5EF4-FFF2-40B4-BE49-F238E27FC236}">
+                <a16:creationId xmlns:a16="http://schemas.microsoft.com/office/drawing/2014/main" id="{66D0192C-CAA7-4B0F-94E9-15AF2FA04661}"/>
+              </a:ext>
+            </a:extLst>
+          </p:cNvPr>
+          <p:cNvCxnSpPr>
+            <a:cxnSpLocks/>
+          </p:cNvCxnSpPr>
+          <p:nvPr/>
+        </p:nvCxnSpPr>
+        <p:spPr>
+          <a:xfrm>
+            <a:off x="569235" y="1218884"/>
+            <a:ext cx="11053530" cy="0"/>
+          </a:xfrm>
+          <a:prstGeom prst="line">
+            <a:avLst/>
+          </a:prstGeom>
+        </p:spPr>
+        <p:style>
+          <a:lnRef idx="3">
+            <a:schemeClr val="accent1"/>
+          </a:lnRef>
+          <a:fillRef idx="0">
+            <a:schemeClr val="accent1"/>
+          </a:fillRef>
+          <a:effectRef idx="2">
+            <a:schemeClr val="accent1"/>
+          </a:effectRef>
+          <a:fontRef idx="minor">
+            <a:schemeClr val="tx1"/>
+          </a:fontRef>
+        </p:style>
+      </p:cxnSp>
+    </p:spTree>
+    <p:extLst>
+      <p:ext uri="{BB962C8B-B14F-4D97-AF65-F5344CB8AC3E}">
+        <p14:creationId xmlns:p14="http://schemas.microsoft.com/office/powerpoint/2010/main" val="884161893"/>
+      </p:ext>
+    </p:extLst>
+  </p:cSld>
+  <p:clrMapOvr>
+    <a:masterClrMapping/>
+  </p:clrMapOvr>
+</p:sld>
+</file>
+
 <file path=ppt/theme/theme1.xml><?xml version="1.0" encoding="utf-8"?>
 <a:theme xmlns:a="http://schemas.openxmlformats.org/drawingml/2006/main" name="Тема Office">
   <a:themeElements>
